--- a/Python/python_gis.pptx
+++ b/Python/python_gis.pptx
@@ -2,16 +2,18 @@
 <file path=ppt/presentation.xml><?xml version="1.0" encoding="utf-8"?>
 <p:presentation xmlns:a="http://schemas.openxmlformats.org/drawingml/2006/main" xmlns:r="http://schemas.openxmlformats.org/officeDocument/2006/relationships" xmlns:p="http://schemas.openxmlformats.org/presentationml/2006/main" saveSubsetFonts="1">
   <p:sldMasterIdLst>
-    <p:sldMasterId id="2147483660" r:id="rId1"/>
-    <p:sldMasterId id="2147483672" r:id="rId2"/>
+    <p:sldMasterId id="2147483672" r:id="rId1"/>
   </p:sldMasterIdLst>
   <p:notesMasterIdLst>
-    <p:notesMasterId r:id="rId6"/>
+    <p:notesMasterId r:id="rId8"/>
   </p:notesMasterIdLst>
   <p:sldIdLst>
-    <p:sldId id="256" r:id="rId3"/>
-    <p:sldId id="257" r:id="rId4"/>
-    <p:sldId id="265" r:id="rId5"/>
+    <p:sldId id="256" r:id="rId2"/>
+    <p:sldId id="257" r:id="rId3"/>
+    <p:sldId id="266" r:id="rId4"/>
+    <p:sldId id="267" r:id="rId5"/>
+    <p:sldId id="268" r:id="rId6"/>
+    <p:sldId id="265" r:id="rId7"/>
   </p:sldIdLst>
   <p:sldSz cx="9144000" cy="6858000" type="screen4x3"/>
   <p:notesSz cx="6858000" cy="9144000"/>
@@ -110,6 +112,11 @@
       </a:defRPr>
     </a:lvl9pPr>
   </p:defaultTextStyle>
+  <p:extLst>
+    <p:ext uri="{EFAFB233-063F-42B5-8137-9DF3F51BA10A}">
+      <p15:sldGuideLst xmlns:p15="http://schemas.microsoft.com/office/powerpoint/2012/main"/>
+    </p:ext>
+  </p:extLst>
 </p:presentation>
 </file>
 
@@ -195,7 +202,7 @@
           <a:p>
             <a:fld id="{794915E2-5A19-401A-AAB5-929FAFDC4B58}" type="datetimeFigureOut">
               <a:rPr lang="en-US" smtClean="0"/>
-              <a:t>2017-10-20</a:t>
+              <a:t>2017-10-22</a:t>
             </a:fld>
             <a:endParaRPr lang="en-US"/>
           </a:p>
@@ -492,548 +499,6 @@
         </p:nvSpPr>
         <p:spPr>
           <a:xfrm>
-            <a:off x="685800" y="1122363"/>
-            <a:ext cx="7772400" cy="2387600"/>
-          </a:xfrm>
-        </p:spPr>
-        <p:txBody>
-          <a:bodyPr anchor="b"/>
-          <a:lstStyle>
-            <a:lvl1pPr algn="ctr">
-              <a:defRPr sz="6000"/>
-            </a:lvl1pPr>
-          </a:lstStyle>
-          <a:p>
-            <a:r>
-              <a:rPr lang="en-US" smtClean="0"/>
-              <a:t>Click to edit Master title style</a:t>
-            </a:r>
-            <a:endParaRPr lang="en-US" dirty="0"/>
-          </a:p>
-        </p:txBody>
-      </p:sp>
-      <p:sp>
-        <p:nvSpPr>
-          <p:cNvPr id="3" name="Subtitle 2"/>
-          <p:cNvSpPr>
-            <a:spLocks noGrp="1"/>
-          </p:cNvSpPr>
-          <p:nvPr>
-            <p:ph type="subTitle" idx="1"/>
-          </p:nvPr>
-        </p:nvSpPr>
-        <p:spPr>
-          <a:xfrm>
-            <a:off x="1143000" y="3602038"/>
-            <a:ext cx="6858000" cy="1655762"/>
-          </a:xfrm>
-        </p:spPr>
-        <p:txBody>
-          <a:bodyPr/>
-          <a:lstStyle>
-            <a:lvl1pPr marL="0" indent="0" algn="ctr">
-              <a:buNone/>
-              <a:defRPr sz="2400"/>
-            </a:lvl1pPr>
-            <a:lvl2pPr marL="457200" indent="0" algn="ctr">
-              <a:buNone/>
-              <a:defRPr sz="2000"/>
-            </a:lvl2pPr>
-            <a:lvl3pPr marL="914400" indent="0" algn="ctr">
-              <a:buNone/>
-              <a:defRPr sz="1800"/>
-            </a:lvl3pPr>
-            <a:lvl4pPr marL="1371600" indent="0" algn="ctr">
-              <a:buNone/>
-              <a:defRPr sz="1600"/>
-            </a:lvl4pPr>
-            <a:lvl5pPr marL="1828800" indent="0" algn="ctr">
-              <a:buNone/>
-              <a:defRPr sz="1600"/>
-            </a:lvl5pPr>
-            <a:lvl6pPr marL="2286000" indent="0" algn="ctr">
-              <a:buNone/>
-              <a:defRPr sz="1600"/>
-            </a:lvl6pPr>
-            <a:lvl7pPr marL="2743200" indent="0" algn="ctr">
-              <a:buNone/>
-              <a:defRPr sz="1600"/>
-            </a:lvl7pPr>
-            <a:lvl8pPr marL="3200400" indent="0" algn="ctr">
-              <a:buNone/>
-              <a:defRPr sz="1600"/>
-            </a:lvl8pPr>
-            <a:lvl9pPr marL="3657600" indent="0" algn="ctr">
-              <a:buNone/>
-              <a:defRPr sz="1600"/>
-            </a:lvl9pPr>
-          </a:lstStyle>
-          <a:p>
-            <a:r>
-              <a:rPr lang="en-US" smtClean="0"/>
-              <a:t>Click to edit Master subtitle style</a:t>
-            </a:r>
-            <a:endParaRPr lang="en-US" dirty="0"/>
-          </a:p>
-        </p:txBody>
-      </p:sp>
-      <p:sp>
-        <p:nvSpPr>
-          <p:cNvPr id="4" name="Date Placeholder 3"/>
-          <p:cNvSpPr>
-            <a:spLocks noGrp="1"/>
-          </p:cNvSpPr>
-          <p:nvPr>
-            <p:ph type="dt" sz="half" idx="10"/>
-          </p:nvPr>
-        </p:nvSpPr>
-        <p:spPr/>
-        <p:txBody>
-          <a:bodyPr/>
-          <a:lstStyle/>
-          <a:p>
-            <a:fld id="{73BF2ED9-45C4-4479-A6FE-07253B53A3FC}" type="datetime1">
-              <a:rPr lang="en-US" smtClean="0"/>
-              <a:t>2017-10-20</a:t>
-            </a:fld>
-            <a:endParaRPr lang="en-US"/>
-          </a:p>
-        </p:txBody>
-      </p:sp>
-      <p:sp>
-        <p:nvSpPr>
-          <p:cNvPr id="5" name="Footer Placeholder 4"/>
-          <p:cNvSpPr>
-            <a:spLocks noGrp="1"/>
-          </p:cNvSpPr>
-          <p:nvPr>
-            <p:ph type="ftr" sz="quarter" idx="11"/>
-          </p:nvPr>
-        </p:nvSpPr>
-        <p:spPr/>
-        <p:txBody>
-          <a:bodyPr/>
-          <a:lstStyle/>
-          <a:p>
-            <a:endParaRPr lang="en-US"/>
-          </a:p>
-        </p:txBody>
-      </p:sp>
-      <p:sp>
-        <p:nvSpPr>
-          <p:cNvPr id="6" name="Slide Number Placeholder 5"/>
-          <p:cNvSpPr>
-            <a:spLocks noGrp="1"/>
-          </p:cNvSpPr>
-          <p:nvPr>
-            <p:ph type="sldNum" sz="quarter" idx="12"/>
-          </p:nvPr>
-        </p:nvSpPr>
-        <p:spPr/>
-        <p:txBody>
-          <a:bodyPr/>
-          <a:lstStyle/>
-          <a:p>
-            <a:fld id="{1F6F384A-117A-4317-A980-29424180BA92}" type="slidenum">
-              <a:rPr lang="en-US" smtClean="0"/>
-              <a:t>‹#›</a:t>
-            </a:fld>
-            <a:endParaRPr lang="en-US"/>
-          </a:p>
-        </p:txBody>
-      </p:sp>
-    </p:spTree>
-    <p:extLst>
-      <p:ext uri="{BB962C8B-B14F-4D97-AF65-F5344CB8AC3E}">
-        <p14:creationId xmlns:p14="http://schemas.microsoft.com/office/powerpoint/2010/main" val="1061171679"/>
-      </p:ext>
-    </p:extLst>
-  </p:cSld>
-  <p:clrMapOvr>
-    <a:masterClrMapping/>
-  </p:clrMapOvr>
-</p:sldLayout>
-</file>
-
-<file path=ppt/slideLayouts/slideLayout10.xml><?xml version="1.0" encoding="utf-8"?>
-<p:sldLayout xmlns:a="http://schemas.openxmlformats.org/drawingml/2006/main" xmlns:r="http://schemas.openxmlformats.org/officeDocument/2006/relationships" xmlns:p="http://schemas.openxmlformats.org/presentationml/2006/main" type="vertTx" preserve="1">
-  <p:cSld name="Title and Vertical Text">
-    <p:spTree>
-      <p:nvGrpSpPr>
-        <p:cNvPr id="1" name=""/>
-        <p:cNvGrpSpPr/>
-        <p:nvPr/>
-      </p:nvGrpSpPr>
-      <p:grpSpPr>
-        <a:xfrm>
-          <a:off x="0" y="0"/>
-          <a:ext cx="0" cy="0"/>
-          <a:chOff x="0" y="0"/>
-          <a:chExt cx="0" cy="0"/>
-        </a:xfrm>
-      </p:grpSpPr>
-      <p:sp>
-        <p:nvSpPr>
-          <p:cNvPr id="2" name="Title 1"/>
-          <p:cNvSpPr>
-            <a:spLocks noGrp="1"/>
-          </p:cNvSpPr>
-          <p:nvPr>
-            <p:ph type="title"/>
-          </p:nvPr>
-        </p:nvSpPr>
-        <p:spPr/>
-        <p:txBody>
-          <a:bodyPr/>
-          <a:lstStyle/>
-          <a:p>
-            <a:r>
-              <a:rPr lang="en-US" smtClean="0"/>
-              <a:t>Click to edit Master title style</a:t>
-            </a:r>
-            <a:endParaRPr lang="en-US" dirty="0"/>
-          </a:p>
-        </p:txBody>
-      </p:sp>
-      <p:sp>
-        <p:nvSpPr>
-          <p:cNvPr id="3" name="Vertical Text Placeholder 2"/>
-          <p:cNvSpPr>
-            <a:spLocks noGrp="1"/>
-          </p:cNvSpPr>
-          <p:nvPr>
-            <p:ph type="body" orient="vert" idx="1"/>
-          </p:nvPr>
-        </p:nvSpPr>
-        <p:spPr/>
-        <p:txBody>
-          <a:bodyPr vert="eaVert"/>
-          <a:lstStyle/>
-          <a:p>
-            <a:pPr lvl="0"/>
-            <a:r>
-              <a:rPr lang="en-US" smtClean="0"/>
-              <a:t>Click to edit Master text styles</a:t>
-            </a:r>
-          </a:p>
-          <a:p>
-            <a:pPr lvl="1"/>
-            <a:r>
-              <a:rPr lang="en-US" smtClean="0"/>
-              <a:t>Second level</a:t>
-            </a:r>
-          </a:p>
-          <a:p>
-            <a:pPr lvl="2"/>
-            <a:r>
-              <a:rPr lang="en-US" smtClean="0"/>
-              <a:t>Third level</a:t>
-            </a:r>
-          </a:p>
-          <a:p>
-            <a:pPr lvl="3"/>
-            <a:r>
-              <a:rPr lang="en-US" smtClean="0"/>
-              <a:t>Fourth level</a:t>
-            </a:r>
-          </a:p>
-          <a:p>
-            <a:pPr lvl="4"/>
-            <a:r>
-              <a:rPr lang="en-US" smtClean="0"/>
-              <a:t>Fifth level</a:t>
-            </a:r>
-            <a:endParaRPr lang="en-US" dirty="0"/>
-          </a:p>
-        </p:txBody>
-      </p:sp>
-      <p:sp>
-        <p:nvSpPr>
-          <p:cNvPr id="4" name="Date Placeholder 3"/>
-          <p:cNvSpPr>
-            <a:spLocks noGrp="1"/>
-          </p:cNvSpPr>
-          <p:nvPr>
-            <p:ph type="dt" sz="half" idx="10"/>
-          </p:nvPr>
-        </p:nvSpPr>
-        <p:spPr/>
-        <p:txBody>
-          <a:bodyPr/>
-          <a:lstStyle/>
-          <a:p>
-            <a:fld id="{64F8E48B-34F0-4441-B640-C75420076867}" type="datetime1">
-              <a:rPr lang="en-US" smtClean="0"/>
-              <a:t>2017-10-20</a:t>
-            </a:fld>
-            <a:endParaRPr lang="en-US"/>
-          </a:p>
-        </p:txBody>
-      </p:sp>
-      <p:sp>
-        <p:nvSpPr>
-          <p:cNvPr id="5" name="Footer Placeholder 4"/>
-          <p:cNvSpPr>
-            <a:spLocks noGrp="1"/>
-          </p:cNvSpPr>
-          <p:nvPr>
-            <p:ph type="ftr" sz="quarter" idx="11"/>
-          </p:nvPr>
-        </p:nvSpPr>
-        <p:spPr/>
-        <p:txBody>
-          <a:bodyPr/>
-          <a:lstStyle/>
-          <a:p>
-            <a:endParaRPr lang="en-US"/>
-          </a:p>
-        </p:txBody>
-      </p:sp>
-      <p:sp>
-        <p:nvSpPr>
-          <p:cNvPr id="6" name="Slide Number Placeholder 5"/>
-          <p:cNvSpPr>
-            <a:spLocks noGrp="1"/>
-          </p:cNvSpPr>
-          <p:nvPr>
-            <p:ph type="sldNum" sz="quarter" idx="12"/>
-          </p:nvPr>
-        </p:nvSpPr>
-        <p:spPr/>
-        <p:txBody>
-          <a:bodyPr/>
-          <a:lstStyle/>
-          <a:p>
-            <a:fld id="{1F6F384A-117A-4317-A980-29424180BA92}" type="slidenum">
-              <a:rPr lang="en-US" smtClean="0"/>
-              <a:t>‹#›</a:t>
-            </a:fld>
-            <a:endParaRPr lang="en-US"/>
-          </a:p>
-        </p:txBody>
-      </p:sp>
-    </p:spTree>
-    <p:extLst>
-      <p:ext uri="{BB962C8B-B14F-4D97-AF65-F5344CB8AC3E}">
-        <p14:creationId xmlns:p14="http://schemas.microsoft.com/office/powerpoint/2010/main" val="1087838460"/>
-      </p:ext>
-    </p:extLst>
-  </p:cSld>
-  <p:clrMapOvr>
-    <a:masterClrMapping/>
-  </p:clrMapOvr>
-</p:sldLayout>
-</file>
-
-<file path=ppt/slideLayouts/slideLayout11.xml><?xml version="1.0" encoding="utf-8"?>
-<p:sldLayout xmlns:a="http://schemas.openxmlformats.org/drawingml/2006/main" xmlns:r="http://schemas.openxmlformats.org/officeDocument/2006/relationships" xmlns:p="http://schemas.openxmlformats.org/presentationml/2006/main" type="vertTitleAndTx" preserve="1">
-  <p:cSld name="Vertical Title and Text">
-    <p:spTree>
-      <p:nvGrpSpPr>
-        <p:cNvPr id="1" name=""/>
-        <p:cNvGrpSpPr/>
-        <p:nvPr/>
-      </p:nvGrpSpPr>
-      <p:grpSpPr>
-        <a:xfrm>
-          <a:off x="0" y="0"/>
-          <a:ext cx="0" cy="0"/>
-          <a:chOff x="0" y="0"/>
-          <a:chExt cx="0" cy="0"/>
-        </a:xfrm>
-      </p:grpSpPr>
-      <p:sp>
-        <p:nvSpPr>
-          <p:cNvPr id="2" name="Vertical Title 1"/>
-          <p:cNvSpPr>
-            <a:spLocks noGrp="1"/>
-          </p:cNvSpPr>
-          <p:nvPr>
-            <p:ph type="title" orient="vert"/>
-          </p:nvPr>
-        </p:nvSpPr>
-        <p:spPr>
-          <a:xfrm>
-            <a:off x="6543675" y="365125"/>
-            <a:ext cx="1971675" cy="5811838"/>
-          </a:xfrm>
-        </p:spPr>
-        <p:txBody>
-          <a:bodyPr vert="eaVert"/>
-          <a:lstStyle/>
-          <a:p>
-            <a:r>
-              <a:rPr lang="en-US" smtClean="0"/>
-              <a:t>Click to edit Master title style</a:t>
-            </a:r>
-            <a:endParaRPr lang="en-US" dirty="0"/>
-          </a:p>
-        </p:txBody>
-      </p:sp>
-      <p:sp>
-        <p:nvSpPr>
-          <p:cNvPr id="3" name="Vertical Text Placeholder 2"/>
-          <p:cNvSpPr>
-            <a:spLocks noGrp="1"/>
-          </p:cNvSpPr>
-          <p:nvPr>
-            <p:ph type="body" orient="vert" idx="1"/>
-          </p:nvPr>
-        </p:nvSpPr>
-        <p:spPr>
-          <a:xfrm>
-            <a:off x="628650" y="365125"/>
-            <a:ext cx="5800725" cy="5811838"/>
-          </a:xfrm>
-        </p:spPr>
-        <p:txBody>
-          <a:bodyPr vert="eaVert"/>
-          <a:lstStyle/>
-          <a:p>
-            <a:pPr lvl="0"/>
-            <a:r>
-              <a:rPr lang="en-US" smtClean="0"/>
-              <a:t>Click to edit Master text styles</a:t>
-            </a:r>
-          </a:p>
-          <a:p>
-            <a:pPr lvl="1"/>
-            <a:r>
-              <a:rPr lang="en-US" smtClean="0"/>
-              <a:t>Second level</a:t>
-            </a:r>
-          </a:p>
-          <a:p>
-            <a:pPr lvl="2"/>
-            <a:r>
-              <a:rPr lang="en-US" smtClean="0"/>
-              <a:t>Third level</a:t>
-            </a:r>
-          </a:p>
-          <a:p>
-            <a:pPr lvl="3"/>
-            <a:r>
-              <a:rPr lang="en-US" smtClean="0"/>
-              <a:t>Fourth level</a:t>
-            </a:r>
-          </a:p>
-          <a:p>
-            <a:pPr lvl="4"/>
-            <a:r>
-              <a:rPr lang="en-US" smtClean="0"/>
-              <a:t>Fifth level</a:t>
-            </a:r>
-            <a:endParaRPr lang="en-US" dirty="0"/>
-          </a:p>
-        </p:txBody>
-      </p:sp>
-      <p:sp>
-        <p:nvSpPr>
-          <p:cNvPr id="4" name="Date Placeholder 3"/>
-          <p:cNvSpPr>
-            <a:spLocks noGrp="1"/>
-          </p:cNvSpPr>
-          <p:nvPr>
-            <p:ph type="dt" sz="half" idx="10"/>
-          </p:nvPr>
-        </p:nvSpPr>
-        <p:spPr/>
-        <p:txBody>
-          <a:bodyPr/>
-          <a:lstStyle/>
-          <a:p>
-            <a:fld id="{414D1524-9E9A-43C2-B787-4B8E30A4283F}" type="datetime1">
-              <a:rPr lang="en-US" smtClean="0"/>
-              <a:t>2017-10-20</a:t>
-            </a:fld>
-            <a:endParaRPr lang="en-US"/>
-          </a:p>
-        </p:txBody>
-      </p:sp>
-      <p:sp>
-        <p:nvSpPr>
-          <p:cNvPr id="5" name="Footer Placeholder 4"/>
-          <p:cNvSpPr>
-            <a:spLocks noGrp="1"/>
-          </p:cNvSpPr>
-          <p:nvPr>
-            <p:ph type="ftr" sz="quarter" idx="11"/>
-          </p:nvPr>
-        </p:nvSpPr>
-        <p:spPr/>
-        <p:txBody>
-          <a:bodyPr/>
-          <a:lstStyle/>
-          <a:p>
-            <a:endParaRPr lang="en-US"/>
-          </a:p>
-        </p:txBody>
-      </p:sp>
-      <p:sp>
-        <p:nvSpPr>
-          <p:cNvPr id="6" name="Slide Number Placeholder 5"/>
-          <p:cNvSpPr>
-            <a:spLocks noGrp="1"/>
-          </p:cNvSpPr>
-          <p:nvPr>
-            <p:ph type="sldNum" sz="quarter" idx="12"/>
-          </p:nvPr>
-        </p:nvSpPr>
-        <p:spPr/>
-        <p:txBody>
-          <a:bodyPr/>
-          <a:lstStyle/>
-          <a:p>
-            <a:fld id="{1F6F384A-117A-4317-A980-29424180BA92}" type="slidenum">
-              <a:rPr lang="en-US" smtClean="0"/>
-              <a:t>‹#›</a:t>
-            </a:fld>
-            <a:endParaRPr lang="en-US"/>
-          </a:p>
-        </p:txBody>
-      </p:sp>
-    </p:spTree>
-    <p:extLst>
-      <p:ext uri="{BB962C8B-B14F-4D97-AF65-F5344CB8AC3E}">
-        <p14:creationId xmlns:p14="http://schemas.microsoft.com/office/powerpoint/2010/main" val="1331314561"/>
-      </p:ext>
-    </p:extLst>
-  </p:cSld>
-  <p:clrMapOvr>
-    <a:masterClrMapping/>
-  </p:clrMapOvr>
-</p:sldLayout>
-</file>
-
-<file path=ppt/slideLayouts/slideLayout12.xml><?xml version="1.0" encoding="utf-8"?>
-<p:sldLayout xmlns:a="http://schemas.openxmlformats.org/drawingml/2006/main" xmlns:r="http://schemas.openxmlformats.org/officeDocument/2006/relationships" xmlns:p="http://schemas.openxmlformats.org/presentationml/2006/main" type="title" preserve="1">
-  <p:cSld name="Title Slide">
-    <p:spTree>
-      <p:nvGrpSpPr>
-        <p:cNvPr id="1" name=""/>
-        <p:cNvGrpSpPr/>
-        <p:nvPr/>
-      </p:nvGrpSpPr>
-      <p:grpSpPr>
-        <a:xfrm>
-          <a:off x="0" y="0"/>
-          <a:ext cx="0" cy="0"/>
-          <a:chOff x="0" y="0"/>
-          <a:chExt cx="0" cy="0"/>
-        </a:xfrm>
-      </p:grpSpPr>
-      <p:sp>
-        <p:nvSpPr>
-          <p:cNvPr id="2" name="Title 1"/>
-          <p:cNvSpPr>
-            <a:spLocks noGrp="1"/>
-          </p:cNvSpPr>
-          <p:nvPr>
-            <p:ph type="ctrTitle"/>
-          </p:nvPr>
-        </p:nvSpPr>
-        <p:spPr>
-          <a:xfrm>
             <a:off x="685800" y="2130425"/>
             <a:ext cx="7772400" cy="1470025"/>
           </a:xfrm>
@@ -1193,7 +658,7 @@
                 </a:solidFill>
               </a:rPr>
               <a:pPr/>
-              <a:t>20/10/2017</a:t>
+              <a:t>22/10/2017</a:t>
             </a:fld>
             <a:endParaRPr lang="nl-BE">
               <a:solidFill>
@@ -1279,7 +744,421 @@
 </p:sldLayout>
 </file>
 
-<file path=ppt/slideLayouts/slideLayout13.xml><?xml version="1.0" encoding="utf-8"?>
+<file path=ppt/slideLayouts/slideLayout10.xml><?xml version="1.0" encoding="utf-8"?>
+<p:sldLayout xmlns:a="http://schemas.openxmlformats.org/drawingml/2006/main" xmlns:r="http://schemas.openxmlformats.org/officeDocument/2006/relationships" xmlns:p="http://schemas.openxmlformats.org/presentationml/2006/main" type="vertTx" preserve="1">
+  <p:cSld name="Title and Vertical Text">
+    <p:spTree>
+      <p:nvGrpSpPr>
+        <p:cNvPr id="1" name=""/>
+        <p:cNvGrpSpPr/>
+        <p:nvPr/>
+      </p:nvGrpSpPr>
+      <p:grpSpPr>
+        <a:xfrm>
+          <a:off x="0" y="0"/>
+          <a:ext cx="0" cy="0"/>
+          <a:chOff x="0" y="0"/>
+          <a:chExt cx="0" cy="0"/>
+        </a:xfrm>
+      </p:grpSpPr>
+      <p:sp>
+        <p:nvSpPr>
+          <p:cNvPr id="2" name="Title 1"/>
+          <p:cNvSpPr>
+            <a:spLocks noGrp="1"/>
+          </p:cNvSpPr>
+          <p:nvPr>
+            <p:ph type="title"/>
+          </p:nvPr>
+        </p:nvSpPr>
+        <p:spPr/>
+        <p:txBody>
+          <a:bodyPr/>
+          <a:lstStyle/>
+          <a:p>
+            <a:r>
+              <a:rPr lang="en-US" smtClean="0"/>
+              <a:t>Click to edit Master title style</a:t>
+            </a:r>
+            <a:endParaRPr lang="nl-BE"/>
+          </a:p>
+        </p:txBody>
+      </p:sp>
+      <p:sp>
+        <p:nvSpPr>
+          <p:cNvPr id="3" name="Vertical Text Placeholder 2"/>
+          <p:cNvSpPr>
+            <a:spLocks noGrp="1"/>
+          </p:cNvSpPr>
+          <p:nvPr>
+            <p:ph type="body" orient="vert" idx="1"/>
+          </p:nvPr>
+        </p:nvSpPr>
+        <p:spPr/>
+        <p:txBody>
+          <a:bodyPr vert="eaVert"/>
+          <a:lstStyle/>
+          <a:p>
+            <a:pPr lvl="0"/>
+            <a:r>
+              <a:rPr lang="en-US" smtClean="0"/>
+              <a:t>Click to edit Master text styles</a:t>
+            </a:r>
+          </a:p>
+          <a:p>
+            <a:pPr lvl="1"/>
+            <a:r>
+              <a:rPr lang="en-US" smtClean="0"/>
+              <a:t>Second level</a:t>
+            </a:r>
+          </a:p>
+          <a:p>
+            <a:pPr lvl="2"/>
+            <a:r>
+              <a:rPr lang="en-US" smtClean="0"/>
+              <a:t>Third level</a:t>
+            </a:r>
+          </a:p>
+          <a:p>
+            <a:pPr lvl="3"/>
+            <a:r>
+              <a:rPr lang="en-US" smtClean="0"/>
+              <a:t>Fourth level</a:t>
+            </a:r>
+          </a:p>
+          <a:p>
+            <a:pPr lvl="4"/>
+            <a:r>
+              <a:rPr lang="en-US" smtClean="0"/>
+              <a:t>Fifth level</a:t>
+            </a:r>
+            <a:endParaRPr lang="nl-BE"/>
+          </a:p>
+        </p:txBody>
+      </p:sp>
+      <p:sp>
+        <p:nvSpPr>
+          <p:cNvPr id="4" name="Date Placeholder 3"/>
+          <p:cNvSpPr>
+            <a:spLocks noGrp="1"/>
+          </p:cNvSpPr>
+          <p:nvPr>
+            <p:ph type="dt" sz="half" idx="10"/>
+          </p:nvPr>
+        </p:nvSpPr>
+        <p:spPr/>
+        <p:txBody>
+          <a:bodyPr/>
+          <a:lstStyle/>
+          <a:p>
+            <a:fld id="{EFB41BB7-A881-4920-B186-797A2AD05998}" type="datetime1">
+              <a:rPr lang="nl-BE" smtClean="0">
+                <a:solidFill>
+                  <a:prstClr val="black">
+                    <a:tint val="75000"/>
+                  </a:prstClr>
+                </a:solidFill>
+              </a:rPr>
+              <a:pPr/>
+              <a:t>22/10/2017</a:t>
+            </a:fld>
+            <a:endParaRPr lang="nl-BE">
+              <a:solidFill>
+                <a:prstClr val="black">
+                  <a:tint val="75000"/>
+                </a:prstClr>
+              </a:solidFill>
+            </a:endParaRPr>
+          </a:p>
+        </p:txBody>
+      </p:sp>
+      <p:sp>
+        <p:nvSpPr>
+          <p:cNvPr id="5" name="Footer Placeholder 4"/>
+          <p:cNvSpPr>
+            <a:spLocks noGrp="1"/>
+          </p:cNvSpPr>
+          <p:nvPr>
+            <p:ph type="ftr" sz="quarter" idx="11"/>
+          </p:nvPr>
+        </p:nvSpPr>
+        <p:spPr/>
+        <p:txBody>
+          <a:bodyPr/>
+          <a:lstStyle/>
+          <a:p>
+            <a:endParaRPr lang="nl-BE">
+              <a:solidFill>
+                <a:prstClr val="black">
+                  <a:tint val="75000"/>
+                </a:prstClr>
+              </a:solidFill>
+            </a:endParaRPr>
+          </a:p>
+        </p:txBody>
+      </p:sp>
+      <p:sp>
+        <p:nvSpPr>
+          <p:cNvPr id="6" name="Slide Number Placeholder 5"/>
+          <p:cNvSpPr>
+            <a:spLocks noGrp="1"/>
+          </p:cNvSpPr>
+          <p:nvPr>
+            <p:ph type="sldNum" sz="quarter" idx="12"/>
+          </p:nvPr>
+        </p:nvSpPr>
+        <p:spPr/>
+        <p:txBody>
+          <a:bodyPr/>
+          <a:lstStyle/>
+          <a:p>
+            <a:fld id="{5A209D72-2E9D-49B0-8977-41DCCC66C0BB}" type="slidenum">
+              <a:rPr lang="nl-BE" smtClean="0">
+                <a:solidFill>
+                  <a:prstClr val="black">
+                    <a:tint val="75000"/>
+                  </a:prstClr>
+                </a:solidFill>
+              </a:rPr>
+              <a:pPr/>
+              <a:t>‹#›</a:t>
+            </a:fld>
+            <a:endParaRPr lang="nl-BE">
+              <a:solidFill>
+                <a:prstClr val="black">
+                  <a:tint val="75000"/>
+                </a:prstClr>
+              </a:solidFill>
+            </a:endParaRPr>
+          </a:p>
+        </p:txBody>
+      </p:sp>
+    </p:spTree>
+    <p:extLst>
+      <p:ext uri="{BB962C8B-B14F-4D97-AF65-F5344CB8AC3E}">
+        <p14:creationId xmlns:p14="http://schemas.microsoft.com/office/powerpoint/2010/main" val="2824046662"/>
+      </p:ext>
+    </p:extLst>
+  </p:cSld>
+  <p:clrMapOvr>
+    <a:masterClrMapping/>
+  </p:clrMapOvr>
+</p:sldLayout>
+</file>
+
+<file path=ppt/slideLayouts/slideLayout11.xml><?xml version="1.0" encoding="utf-8"?>
+<p:sldLayout xmlns:a="http://schemas.openxmlformats.org/drawingml/2006/main" xmlns:r="http://schemas.openxmlformats.org/officeDocument/2006/relationships" xmlns:p="http://schemas.openxmlformats.org/presentationml/2006/main" type="vertTitleAndTx" preserve="1">
+  <p:cSld name="Vertical Title and Text">
+    <p:spTree>
+      <p:nvGrpSpPr>
+        <p:cNvPr id="1" name=""/>
+        <p:cNvGrpSpPr/>
+        <p:nvPr/>
+      </p:nvGrpSpPr>
+      <p:grpSpPr>
+        <a:xfrm>
+          <a:off x="0" y="0"/>
+          <a:ext cx="0" cy="0"/>
+          <a:chOff x="0" y="0"/>
+          <a:chExt cx="0" cy="0"/>
+        </a:xfrm>
+      </p:grpSpPr>
+      <p:sp>
+        <p:nvSpPr>
+          <p:cNvPr id="2" name="Vertical Title 1"/>
+          <p:cNvSpPr>
+            <a:spLocks noGrp="1"/>
+          </p:cNvSpPr>
+          <p:nvPr>
+            <p:ph type="title" orient="vert"/>
+          </p:nvPr>
+        </p:nvSpPr>
+        <p:spPr>
+          <a:xfrm>
+            <a:off x="6629400" y="274638"/>
+            <a:ext cx="2057400" cy="5851525"/>
+          </a:xfrm>
+        </p:spPr>
+        <p:txBody>
+          <a:bodyPr vert="eaVert"/>
+          <a:lstStyle/>
+          <a:p>
+            <a:r>
+              <a:rPr lang="en-US" smtClean="0"/>
+              <a:t>Click to edit Master title style</a:t>
+            </a:r>
+            <a:endParaRPr lang="nl-BE"/>
+          </a:p>
+        </p:txBody>
+      </p:sp>
+      <p:sp>
+        <p:nvSpPr>
+          <p:cNvPr id="3" name="Vertical Text Placeholder 2"/>
+          <p:cNvSpPr>
+            <a:spLocks noGrp="1"/>
+          </p:cNvSpPr>
+          <p:nvPr>
+            <p:ph type="body" orient="vert" idx="1"/>
+          </p:nvPr>
+        </p:nvSpPr>
+        <p:spPr>
+          <a:xfrm>
+            <a:off x="457200" y="274638"/>
+            <a:ext cx="6019800" cy="5851525"/>
+          </a:xfrm>
+        </p:spPr>
+        <p:txBody>
+          <a:bodyPr vert="eaVert"/>
+          <a:lstStyle/>
+          <a:p>
+            <a:pPr lvl="0"/>
+            <a:r>
+              <a:rPr lang="en-US" smtClean="0"/>
+              <a:t>Click to edit Master text styles</a:t>
+            </a:r>
+          </a:p>
+          <a:p>
+            <a:pPr lvl="1"/>
+            <a:r>
+              <a:rPr lang="en-US" smtClean="0"/>
+              <a:t>Second level</a:t>
+            </a:r>
+          </a:p>
+          <a:p>
+            <a:pPr lvl="2"/>
+            <a:r>
+              <a:rPr lang="en-US" smtClean="0"/>
+              <a:t>Third level</a:t>
+            </a:r>
+          </a:p>
+          <a:p>
+            <a:pPr lvl="3"/>
+            <a:r>
+              <a:rPr lang="en-US" smtClean="0"/>
+              <a:t>Fourth level</a:t>
+            </a:r>
+          </a:p>
+          <a:p>
+            <a:pPr lvl="4"/>
+            <a:r>
+              <a:rPr lang="en-US" smtClean="0"/>
+              <a:t>Fifth level</a:t>
+            </a:r>
+            <a:endParaRPr lang="nl-BE"/>
+          </a:p>
+        </p:txBody>
+      </p:sp>
+      <p:sp>
+        <p:nvSpPr>
+          <p:cNvPr id="4" name="Date Placeholder 3"/>
+          <p:cNvSpPr>
+            <a:spLocks noGrp="1"/>
+          </p:cNvSpPr>
+          <p:nvPr>
+            <p:ph type="dt" sz="half" idx="10"/>
+          </p:nvPr>
+        </p:nvSpPr>
+        <p:spPr/>
+        <p:txBody>
+          <a:bodyPr/>
+          <a:lstStyle/>
+          <a:p>
+            <a:fld id="{11C6BFEC-574C-49E6-96B0-F15D7DB2764A}" type="datetime1">
+              <a:rPr lang="nl-BE" smtClean="0">
+                <a:solidFill>
+                  <a:prstClr val="black">
+                    <a:tint val="75000"/>
+                  </a:prstClr>
+                </a:solidFill>
+              </a:rPr>
+              <a:pPr/>
+              <a:t>22/10/2017</a:t>
+            </a:fld>
+            <a:endParaRPr lang="nl-BE">
+              <a:solidFill>
+                <a:prstClr val="black">
+                  <a:tint val="75000"/>
+                </a:prstClr>
+              </a:solidFill>
+            </a:endParaRPr>
+          </a:p>
+        </p:txBody>
+      </p:sp>
+      <p:sp>
+        <p:nvSpPr>
+          <p:cNvPr id="5" name="Footer Placeholder 4"/>
+          <p:cNvSpPr>
+            <a:spLocks noGrp="1"/>
+          </p:cNvSpPr>
+          <p:nvPr>
+            <p:ph type="ftr" sz="quarter" idx="11"/>
+          </p:nvPr>
+        </p:nvSpPr>
+        <p:spPr/>
+        <p:txBody>
+          <a:bodyPr/>
+          <a:lstStyle/>
+          <a:p>
+            <a:endParaRPr lang="nl-BE">
+              <a:solidFill>
+                <a:prstClr val="black">
+                  <a:tint val="75000"/>
+                </a:prstClr>
+              </a:solidFill>
+            </a:endParaRPr>
+          </a:p>
+        </p:txBody>
+      </p:sp>
+      <p:sp>
+        <p:nvSpPr>
+          <p:cNvPr id="6" name="Slide Number Placeholder 5"/>
+          <p:cNvSpPr>
+            <a:spLocks noGrp="1"/>
+          </p:cNvSpPr>
+          <p:nvPr>
+            <p:ph type="sldNum" sz="quarter" idx="12"/>
+          </p:nvPr>
+        </p:nvSpPr>
+        <p:spPr/>
+        <p:txBody>
+          <a:bodyPr/>
+          <a:lstStyle/>
+          <a:p>
+            <a:fld id="{5A209D72-2E9D-49B0-8977-41DCCC66C0BB}" type="slidenum">
+              <a:rPr lang="nl-BE" smtClean="0">
+                <a:solidFill>
+                  <a:prstClr val="black">
+                    <a:tint val="75000"/>
+                  </a:prstClr>
+                </a:solidFill>
+              </a:rPr>
+              <a:pPr/>
+              <a:t>‹#›</a:t>
+            </a:fld>
+            <a:endParaRPr lang="nl-BE">
+              <a:solidFill>
+                <a:prstClr val="black">
+                  <a:tint val="75000"/>
+                </a:prstClr>
+              </a:solidFill>
+            </a:endParaRPr>
+          </a:p>
+        </p:txBody>
+      </p:sp>
+    </p:spTree>
+    <p:extLst>
+      <p:ext uri="{BB962C8B-B14F-4D97-AF65-F5344CB8AC3E}">
+        <p14:creationId xmlns:p14="http://schemas.microsoft.com/office/powerpoint/2010/main" val="1323473497"/>
+      </p:ext>
+    </p:extLst>
+  </p:cSld>
+  <p:clrMapOvr>
+    <a:masterClrMapping/>
+  </p:clrMapOvr>
+</p:sldLayout>
+</file>
+
+<file path=ppt/slideLayouts/slideLayout2.xml><?xml version="1.0" encoding="utf-8"?>
 <p:sldLayout xmlns:a="http://schemas.openxmlformats.org/drawingml/2006/main" xmlns:r="http://schemas.openxmlformats.org/officeDocument/2006/relationships" xmlns:p="http://schemas.openxmlformats.org/presentationml/2006/main" type="obj" preserve="1">
   <p:cSld name="Title and Content">
     <p:spTree>
@@ -1395,7 +1274,7 @@
                 </a:solidFill>
               </a:rPr>
               <a:pPr/>
-              <a:t>20/10/2017</a:t>
+              <a:t>22/10/2017</a:t>
             </a:fld>
             <a:endParaRPr lang="nl-BE">
               <a:solidFill>
@@ -1481,7 +1360,7 @@
 </p:sldLayout>
 </file>
 
-<file path=ppt/slideLayouts/slideLayout14.xml><?xml version="1.0" encoding="utf-8"?>
+<file path=ppt/slideLayouts/slideLayout3.xml><?xml version="1.0" encoding="utf-8"?>
 <p:sldLayout xmlns:a="http://schemas.openxmlformats.org/drawingml/2006/main" xmlns:r="http://schemas.openxmlformats.org/officeDocument/2006/relationships" xmlns:p="http://schemas.openxmlformats.org/presentationml/2006/main" type="secHead" preserve="1">
   <p:cSld name="Section Header">
     <p:spTree>
@@ -1673,7 +1552,7 @@
                 </a:solidFill>
               </a:rPr>
               <a:pPr/>
-              <a:t>20/10/2017</a:t>
+              <a:t>22/10/2017</a:t>
             </a:fld>
             <a:endParaRPr lang="nl-BE">
               <a:solidFill>
@@ -1759,7 +1638,7 @@
 </p:sldLayout>
 </file>
 
-<file path=ppt/slideLayouts/slideLayout15.xml><?xml version="1.0" encoding="utf-8"?>
+<file path=ppt/slideLayouts/slideLayout4.xml><?xml version="1.0" encoding="utf-8"?>
 <p:sldLayout xmlns:a="http://schemas.openxmlformats.org/drawingml/2006/main" xmlns:r="http://schemas.openxmlformats.org/officeDocument/2006/relationships" xmlns:p="http://schemas.openxmlformats.org/presentationml/2006/main" type="twoObj" preserve="1">
   <p:cSld name="Two Content">
     <p:spTree>
@@ -1993,7 +1872,7 @@
                 </a:solidFill>
               </a:rPr>
               <a:pPr/>
-              <a:t>20/10/2017</a:t>
+              <a:t>22/10/2017</a:t>
             </a:fld>
             <a:endParaRPr lang="nl-BE">
               <a:solidFill>
@@ -2079,7 +1958,7 @@
 </p:sldLayout>
 </file>
 
-<file path=ppt/slideLayouts/slideLayout16.xml><?xml version="1.0" encoding="utf-8"?>
+<file path=ppt/slideLayouts/slideLayout5.xml><?xml version="1.0" encoding="utf-8"?>
 <p:sldLayout xmlns:a="http://schemas.openxmlformats.org/drawingml/2006/main" xmlns:r="http://schemas.openxmlformats.org/officeDocument/2006/relationships" xmlns:p="http://schemas.openxmlformats.org/presentationml/2006/main" type="twoTxTwoObj" preserve="1">
   <p:cSld name="Comparison">
     <p:spTree>
@@ -2447,7 +2326,7 @@
                 </a:solidFill>
               </a:rPr>
               <a:pPr/>
-              <a:t>20/10/2017</a:t>
+              <a:t>22/10/2017</a:t>
             </a:fld>
             <a:endParaRPr lang="nl-BE">
               <a:solidFill>
@@ -2533,7 +2412,7 @@
 </p:sldLayout>
 </file>
 
-<file path=ppt/slideLayouts/slideLayout17.xml><?xml version="1.0" encoding="utf-8"?>
+<file path=ppt/slideLayouts/slideLayout6.xml><?xml version="1.0" encoding="utf-8"?>
 <p:sldLayout xmlns:a="http://schemas.openxmlformats.org/drawingml/2006/main" xmlns:r="http://schemas.openxmlformats.org/officeDocument/2006/relationships" xmlns:p="http://schemas.openxmlformats.org/presentationml/2006/main" type="titleOnly" preserve="1">
   <p:cSld name="Title Only">
     <p:spTree>
@@ -2597,7 +2476,7 @@
                 </a:solidFill>
               </a:rPr>
               <a:pPr/>
-              <a:t>20/10/2017</a:t>
+              <a:t>22/10/2017</a:t>
             </a:fld>
             <a:endParaRPr lang="nl-BE">
               <a:solidFill>
@@ -2683,7 +2562,7 @@
 </p:sldLayout>
 </file>
 
-<file path=ppt/slideLayouts/slideLayout18.xml><?xml version="1.0" encoding="utf-8"?>
+<file path=ppt/slideLayouts/slideLayout7.xml><?xml version="1.0" encoding="utf-8"?>
 <p:sldLayout xmlns:a="http://schemas.openxmlformats.org/drawingml/2006/main" xmlns:r="http://schemas.openxmlformats.org/officeDocument/2006/relationships" xmlns:p="http://schemas.openxmlformats.org/presentationml/2006/main" type="blank" preserve="1">
   <p:cSld name="Blank">
     <p:spTree>
@@ -2724,7 +2603,7 @@
                 </a:solidFill>
               </a:rPr>
               <a:pPr/>
-              <a:t>20/10/2017</a:t>
+              <a:t>22/10/2017</a:t>
             </a:fld>
             <a:endParaRPr lang="nl-BE">
               <a:solidFill>
@@ -2810,7 +2689,7 @@
 </p:sldLayout>
 </file>
 
-<file path=ppt/slideLayouts/slideLayout19.xml><?xml version="1.0" encoding="utf-8"?>
+<file path=ppt/slideLayouts/slideLayout8.xml><?xml version="1.0" encoding="utf-8"?>
 <p:sldLayout xmlns:a="http://schemas.openxmlformats.org/drawingml/2006/main" xmlns:r="http://schemas.openxmlformats.org/officeDocument/2006/relationships" xmlns:p="http://schemas.openxmlformats.org/presentationml/2006/main" type="objTx" preserve="1">
   <p:cSld name="Content with Caption">
     <p:spTree>
@@ -3033,7 +2912,7 @@
                 </a:solidFill>
               </a:rPr>
               <a:pPr/>
-              <a:t>20/10/2017</a:t>
+              <a:t>22/10/2017</a:t>
             </a:fld>
             <a:endParaRPr lang="nl-BE">
               <a:solidFill>
@@ -3119,177 +2998,7 @@
 </p:sldLayout>
 </file>
 
-<file path=ppt/slideLayouts/slideLayout2.xml><?xml version="1.0" encoding="utf-8"?>
-<p:sldLayout xmlns:a="http://schemas.openxmlformats.org/drawingml/2006/main" xmlns:r="http://schemas.openxmlformats.org/officeDocument/2006/relationships" xmlns:p="http://schemas.openxmlformats.org/presentationml/2006/main" type="obj" preserve="1">
-  <p:cSld name="Title and Content">
-    <p:spTree>
-      <p:nvGrpSpPr>
-        <p:cNvPr id="1" name=""/>
-        <p:cNvGrpSpPr/>
-        <p:nvPr/>
-      </p:nvGrpSpPr>
-      <p:grpSpPr>
-        <a:xfrm>
-          <a:off x="0" y="0"/>
-          <a:ext cx="0" cy="0"/>
-          <a:chOff x="0" y="0"/>
-          <a:chExt cx="0" cy="0"/>
-        </a:xfrm>
-      </p:grpSpPr>
-      <p:sp>
-        <p:nvSpPr>
-          <p:cNvPr id="2" name="Title 1"/>
-          <p:cNvSpPr>
-            <a:spLocks noGrp="1"/>
-          </p:cNvSpPr>
-          <p:nvPr>
-            <p:ph type="title"/>
-          </p:nvPr>
-        </p:nvSpPr>
-        <p:spPr/>
-        <p:txBody>
-          <a:bodyPr/>
-          <a:lstStyle/>
-          <a:p>
-            <a:r>
-              <a:rPr lang="en-US" smtClean="0"/>
-              <a:t>Click to edit Master title style</a:t>
-            </a:r>
-            <a:endParaRPr lang="en-US" dirty="0"/>
-          </a:p>
-        </p:txBody>
-      </p:sp>
-      <p:sp>
-        <p:nvSpPr>
-          <p:cNvPr id="3" name="Content Placeholder 2"/>
-          <p:cNvSpPr>
-            <a:spLocks noGrp="1"/>
-          </p:cNvSpPr>
-          <p:nvPr>
-            <p:ph idx="1"/>
-          </p:nvPr>
-        </p:nvSpPr>
-        <p:spPr/>
-        <p:txBody>
-          <a:bodyPr/>
-          <a:lstStyle/>
-          <a:p>
-            <a:pPr lvl="0"/>
-            <a:r>
-              <a:rPr lang="en-US" smtClean="0"/>
-              <a:t>Click to edit Master text styles</a:t>
-            </a:r>
-          </a:p>
-          <a:p>
-            <a:pPr lvl="1"/>
-            <a:r>
-              <a:rPr lang="en-US" smtClean="0"/>
-              <a:t>Second level</a:t>
-            </a:r>
-          </a:p>
-          <a:p>
-            <a:pPr lvl="2"/>
-            <a:r>
-              <a:rPr lang="en-US" smtClean="0"/>
-              <a:t>Third level</a:t>
-            </a:r>
-          </a:p>
-          <a:p>
-            <a:pPr lvl="3"/>
-            <a:r>
-              <a:rPr lang="en-US" smtClean="0"/>
-              <a:t>Fourth level</a:t>
-            </a:r>
-          </a:p>
-          <a:p>
-            <a:pPr lvl="4"/>
-            <a:r>
-              <a:rPr lang="en-US" smtClean="0"/>
-              <a:t>Fifth level</a:t>
-            </a:r>
-            <a:endParaRPr lang="en-US" dirty="0"/>
-          </a:p>
-        </p:txBody>
-      </p:sp>
-      <p:sp>
-        <p:nvSpPr>
-          <p:cNvPr id="4" name="Date Placeholder 3"/>
-          <p:cNvSpPr>
-            <a:spLocks noGrp="1"/>
-          </p:cNvSpPr>
-          <p:nvPr>
-            <p:ph type="dt" sz="half" idx="10"/>
-          </p:nvPr>
-        </p:nvSpPr>
-        <p:spPr/>
-        <p:txBody>
-          <a:bodyPr/>
-          <a:lstStyle/>
-          <a:p>
-            <a:fld id="{64938414-99B1-4E35-B70A-CE45743E3D44}" type="datetime1">
-              <a:rPr lang="en-US" smtClean="0"/>
-              <a:t>2017-10-20</a:t>
-            </a:fld>
-            <a:endParaRPr lang="en-US"/>
-          </a:p>
-        </p:txBody>
-      </p:sp>
-      <p:sp>
-        <p:nvSpPr>
-          <p:cNvPr id="5" name="Footer Placeholder 4"/>
-          <p:cNvSpPr>
-            <a:spLocks noGrp="1"/>
-          </p:cNvSpPr>
-          <p:nvPr>
-            <p:ph type="ftr" sz="quarter" idx="11"/>
-          </p:nvPr>
-        </p:nvSpPr>
-        <p:spPr/>
-        <p:txBody>
-          <a:bodyPr/>
-          <a:lstStyle/>
-          <a:p>
-            <a:endParaRPr lang="en-US"/>
-          </a:p>
-        </p:txBody>
-      </p:sp>
-      <p:sp>
-        <p:nvSpPr>
-          <p:cNvPr id="6" name="Slide Number Placeholder 5"/>
-          <p:cNvSpPr>
-            <a:spLocks noGrp="1"/>
-          </p:cNvSpPr>
-          <p:nvPr>
-            <p:ph type="sldNum" sz="quarter" idx="12"/>
-          </p:nvPr>
-        </p:nvSpPr>
-        <p:spPr/>
-        <p:txBody>
-          <a:bodyPr/>
-          <a:lstStyle/>
-          <a:p>
-            <a:fld id="{1F6F384A-117A-4317-A980-29424180BA92}" type="slidenum">
-              <a:rPr lang="en-US" smtClean="0"/>
-              <a:t>‹#›</a:t>
-            </a:fld>
-            <a:endParaRPr lang="en-US"/>
-          </a:p>
-        </p:txBody>
-      </p:sp>
-    </p:spTree>
-    <p:extLst>
-      <p:ext uri="{BB962C8B-B14F-4D97-AF65-F5344CB8AC3E}">
-        <p14:creationId xmlns:p14="http://schemas.microsoft.com/office/powerpoint/2010/main" val="625450508"/>
-      </p:ext>
-    </p:extLst>
-  </p:cSld>
-  <p:clrMapOvr>
-    <a:masterClrMapping/>
-  </p:clrMapOvr>
-</p:sldLayout>
-</file>
-
-<file path=ppt/slideLayouts/slideLayout20.xml><?xml version="1.0" encoding="utf-8"?>
+<file path=ppt/slideLayouts/slideLayout9.xml><?xml version="1.0" encoding="utf-8"?>
 <p:sldLayout xmlns:a="http://schemas.openxmlformats.org/drawingml/2006/main" xmlns:r="http://schemas.openxmlformats.org/officeDocument/2006/relationships" xmlns:p="http://schemas.openxmlformats.org/presentationml/2006/main" type="picTx" preserve="1">
   <p:cSld name="Picture with Caption">
     <p:spTree>
@@ -3488,7 +3197,7 @@
                 </a:solidFill>
               </a:rPr>
               <a:pPr/>
-              <a:t>20/10/2017</a:t>
+              <a:t>22/10/2017</a:t>
             </a:fld>
             <a:endParaRPr lang="nl-BE">
               <a:solidFill>
@@ -3565,2010 +3274,6 @@
     <p:extLst>
       <p:ext uri="{BB962C8B-B14F-4D97-AF65-F5344CB8AC3E}">
         <p14:creationId xmlns:p14="http://schemas.microsoft.com/office/powerpoint/2010/main" val="3312125919"/>
-      </p:ext>
-    </p:extLst>
-  </p:cSld>
-  <p:clrMapOvr>
-    <a:masterClrMapping/>
-  </p:clrMapOvr>
-</p:sldLayout>
-</file>
-
-<file path=ppt/slideLayouts/slideLayout21.xml><?xml version="1.0" encoding="utf-8"?>
-<p:sldLayout xmlns:a="http://schemas.openxmlformats.org/drawingml/2006/main" xmlns:r="http://schemas.openxmlformats.org/officeDocument/2006/relationships" xmlns:p="http://schemas.openxmlformats.org/presentationml/2006/main" type="vertTx" preserve="1">
-  <p:cSld name="Title and Vertical Text">
-    <p:spTree>
-      <p:nvGrpSpPr>
-        <p:cNvPr id="1" name=""/>
-        <p:cNvGrpSpPr/>
-        <p:nvPr/>
-      </p:nvGrpSpPr>
-      <p:grpSpPr>
-        <a:xfrm>
-          <a:off x="0" y="0"/>
-          <a:ext cx="0" cy="0"/>
-          <a:chOff x="0" y="0"/>
-          <a:chExt cx="0" cy="0"/>
-        </a:xfrm>
-      </p:grpSpPr>
-      <p:sp>
-        <p:nvSpPr>
-          <p:cNvPr id="2" name="Title 1"/>
-          <p:cNvSpPr>
-            <a:spLocks noGrp="1"/>
-          </p:cNvSpPr>
-          <p:nvPr>
-            <p:ph type="title"/>
-          </p:nvPr>
-        </p:nvSpPr>
-        <p:spPr/>
-        <p:txBody>
-          <a:bodyPr/>
-          <a:lstStyle/>
-          <a:p>
-            <a:r>
-              <a:rPr lang="en-US" smtClean="0"/>
-              <a:t>Click to edit Master title style</a:t>
-            </a:r>
-            <a:endParaRPr lang="nl-BE"/>
-          </a:p>
-        </p:txBody>
-      </p:sp>
-      <p:sp>
-        <p:nvSpPr>
-          <p:cNvPr id="3" name="Vertical Text Placeholder 2"/>
-          <p:cNvSpPr>
-            <a:spLocks noGrp="1"/>
-          </p:cNvSpPr>
-          <p:nvPr>
-            <p:ph type="body" orient="vert" idx="1"/>
-          </p:nvPr>
-        </p:nvSpPr>
-        <p:spPr/>
-        <p:txBody>
-          <a:bodyPr vert="eaVert"/>
-          <a:lstStyle/>
-          <a:p>
-            <a:pPr lvl="0"/>
-            <a:r>
-              <a:rPr lang="en-US" smtClean="0"/>
-              <a:t>Click to edit Master text styles</a:t>
-            </a:r>
-          </a:p>
-          <a:p>
-            <a:pPr lvl="1"/>
-            <a:r>
-              <a:rPr lang="en-US" smtClean="0"/>
-              <a:t>Second level</a:t>
-            </a:r>
-          </a:p>
-          <a:p>
-            <a:pPr lvl="2"/>
-            <a:r>
-              <a:rPr lang="en-US" smtClean="0"/>
-              <a:t>Third level</a:t>
-            </a:r>
-          </a:p>
-          <a:p>
-            <a:pPr lvl="3"/>
-            <a:r>
-              <a:rPr lang="en-US" smtClean="0"/>
-              <a:t>Fourth level</a:t>
-            </a:r>
-          </a:p>
-          <a:p>
-            <a:pPr lvl="4"/>
-            <a:r>
-              <a:rPr lang="en-US" smtClean="0"/>
-              <a:t>Fifth level</a:t>
-            </a:r>
-            <a:endParaRPr lang="nl-BE"/>
-          </a:p>
-        </p:txBody>
-      </p:sp>
-      <p:sp>
-        <p:nvSpPr>
-          <p:cNvPr id="4" name="Date Placeholder 3"/>
-          <p:cNvSpPr>
-            <a:spLocks noGrp="1"/>
-          </p:cNvSpPr>
-          <p:nvPr>
-            <p:ph type="dt" sz="half" idx="10"/>
-          </p:nvPr>
-        </p:nvSpPr>
-        <p:spPr/>
-        <p:txBody>
-          <a:bodyPr/>
-          <a:lstStyle/>
-          <a:p>
-            <a:fld id="{EFB41BB7-A881-4920-B186-797A2AD05998}" type="datetime1">
-              <a:rPr lang="nl-BE" smtClean="0">
-                <a:solidFill>
-                  <a:prstClr val="black">
-                    <a:tint val="75000"/>
-                  </a:prstClr>
-                </a:solidFill>
-              </a:rPr>
-              <a:pPr/>
-              <a:t>20/10/2017</a:t>
-            </a:fld>
-            <a:endParaRPr lang="nl-BE">
-              <a:solidFill>
-                <a:prstClr val="black">
-                  <a:tint val="75000"/>
-                </a:prstClr>
-              </a:solidFill>
-            </a:endParaRPr>
-          </a:p>
-        </p:txBody>
-      </p:sp>
-      <p:sp>
-        <p:nvSpPr>
-          <p:cNvPr id="5" name="Footer Placeholder 4"/>
-          <p:cNvSpPr>
-            <a:spLocks noGrp="1"/>
-          </p:cNvSpPr>
-          <p:nvPr>
-            <p:ph type="ftr" sz="quarter" idx="11"/>
-          </p:nvPr>
-        </p:nvSpPr>
-        <p:spPr/>
-        <p:txBody>
-          <a:bodyPr/>
-          <a:lstStyle/>
-          <a:p>
-            <a:endParaRPr lang="nl-BE">
-              <a:solidFill>
-                <a:prstClr val="black">
-                  <a:tint val="75000"/>
-                </a:prstClr>
-              </a:solidFill>
-            </a:endParaRPr>
-          </a:p>
-        </p:txBody>
-      </p:sp>
-      <p:sp>
-        <p:nvSpPr>
-          <p:cNvPr id="6" name="Slide Number Placeholder 5"/>
-          <p:cNvSpPr>
-            <a:spLocks noGrp="1"/>
-          </p:cNvSpPr>
-          <p:nvPr>
-            <p:ph type="sldNum" sz="quarter" idx="12"/>
-          </p:nvPr>
-        </p:nvSpPr>
-        <p:spPr/>
-        <p:txBody>
-          <a:bodyPr/>
-          <a:lstStyle/>
-          <a:p>
-            <a:fld id="{5A209D72-2E9D-49B0-8977-41DCCC66C0BB}" type="slidenum">
-              <a:rPr lang="nl-BE" smtClean="0">
-                <a:solidFill>
-                  <a:prstClr val="black">
-                    <a:tint val="75000"/>
-                  </a:prstClr>
-                </a:solidFill>
-              </a:rPr>
-              <a:pPr/>
-              <a:t>‹#›</a:t>
-            </a:fld>
-            <a:endParaRPr lang="nl-BE">
-              <a:solidFill>
-                <a:prstClr val="black">
-                  <a:tint val="75000"/>
-                </a:prstClr>
-              </a:solidFill>
-            </a:endParaRPr>
-          </a:p>
-        </p:txBody>
-      </p:sp>
-    </p:spTree>
-    <p:extLst>
-      <p:ext uri="{BB962C8B-B14F-4D97-AF65-F5344CB8AC3E}">
-        <p14:creationId xmlns:p14="http://schemas.microsoft.com/office/powerpoint/2010/main" val="2824046662"/>
-      </p:ext>
-    </p:extLst>
-  </p:cSld>
-  <p:clrMapOvr>
-    <a:masterClrMapping/>
-  </p:clrMapOvr>
-</p:sldLayout>
-</file>
-
-<file path=ppt/slideLayouts/slideLayout22.xml><?xml version="1.0" encoding="utf-8"?>
-<p:sldLayout xmlns:a="http://schemas.openxmlformats.org/drawingml/2006/main" xmlns:r="http://schemas.openxmlformats.org/officeDocument/2006/relationships" xmlns:p="http://schemas.openxmlformats.org/presentationml/2006/main" type="vertTitleAndTx" preserve="1">
-  <p:cSld name="Vertical Title and Text">
-    <p:spTree>
-      <p:nvGrpSpPr>
-        <p:cNvPr id="1" name=""/>
-        <p:cNvGrpSpPr/>
-        <p:nvPr/>
-      </p:nvGrpSpPr>
-      <p:grpSpPr>
-        <a:xfrm>
-          <a:off x="0" y="0"/>
-          <a:ext cx="0" cy="0"/>
-          <a:chOff x="0" y="0"/>
-          <a:chExt cx="0" cy="0"/>
-        </a:xfrm>
-      </p:grpSpPr>
-      <p:sp>
-        <p:nvSpPr>
-          <p:cNvPr id="2" name="Vertical Title 1"/>
-          <p:cNvSpPr>
-            <a:spLocks noGrp="1"/>
-          </p:cNvSpPr>
-          <p:nvPr>
-            <p:ph type="title" orient="vert"/>
-          </p:nvPr>
-        </p:nvSpPr>
-        <p:spPr>
-          <a:xfrm>
-            <a:off x="6629400" y="274638"/>
-            <a:ext cx="2057400" cy="5851525"/>
-          </a:xfrm>
-        </p:spPr>
-        <p:txBody>
-          <a:bodyPr vert="eaVert"/>
-          <a:lstStyle/>
-          <a:p>
-            <a:r>
-              <a:rPr lang="en-US" smtClean="0"/>
-              <a:t>Click to edit Master title style</a:t>
-            </a:r>
-            <a:endParaRPr lang="nl-BE"/>
-          </a:p>
-        </p:txBody>
-      </p:sp>
-      <p:sp>
-        <p:nvSpPr>
-          <p:cNvPr id="3" name="Vertical Text Placeholder 2"/>
-          <p:cNvSpPr>
-            <a:spLocks noGrp="1"/>
-          </p:cNvSpPr>
-          <p:nvPr>
-            <p:ph type="body" orient="vert" idx="1"/>
-          </p:nvPr>
-        </p:nvSpPr>
-        <p:spPr>
-          <a:xfrm>
-            <a:off x="457200" y="274638"/>
-            <a:ext cx="6019800" cy="5851525"/>
-          </a:xfrm>
-        </p:spPr>
-        <p:txBody>
-          <a:bodyPr vert="eaVert"/>
-          <a:lstStyle/>
-          <a:p>
-            <a:pPr lvl="0"/>
-            <a:r>
-              <a:rPr lang="en-US" smtClean="0"/>
-              <a:t>Click to edit Master text styles</a:t>
-            </a:r>
-          </a:p>
-          <a:p>
-            <a:pPr lvl="1"/>
-            <a:r>
-              <a:rPr lang="en-US" smtClean="0"/>
-              <a:t>Second level</a:t>
-            </a:r>
-          </a:p>
-          <a:p>
-            <a:pPr lvl="2"/>
-            <a:r>
-              <a:rPr lang="en-US" smtClean="0"/>
-              <a:t>Third level</a:t>
-            </a:r>
-          </a:p>
-          <a:p>
-            <a:pPr lvl="3"/>
-            <a:r>
-              <a:rPr lang="en-US" smtClean="0"/>
-              <a:t>Fourth level</a:t>
-            </a:r>
-          </a:p>
-          <a:p>
-            <a:pPr lvl="4"/>
-            <a:r>
-              <a:rPr lang="en-US" smtClean="0"/>
-              <a:t>Fifth level</a:t>
-            </a:r>
-            <a:endParaRPr lang="nl-BE"/>
-          </a:p>
-        </p:txBody>
-      </p:sp>
-      <p:sp>
-        <p:nvSpPr>
-          <p:cNvPr id="4" name="Date Placeholder 3"/>
-          <p:cNvSpPr>
-            <a:spLocks noGrp="1"/>
-          </p:cNvSpPr>
-          <p:nvPr>
-            <p:ph type="dt" sz="half" idx="10"/>
-          </p:nvPr>
-        </p:nvSpPr>
-        <p:spPr/>
-        <p:txBody>
-          <a:bodyPr/>
-          <a:lstStyle/>
-          <a:p>
-            <a:fld id="{11C6BFEC-574C-49E6-96B0-F15D7DB2764A}" type="datetime1">
-              <a:rPr lang="nl-BE" smtClean="0">
-                <a:solidFill>
-                  <a:prstClr val="black">
-                    <a:tint val="75000"/>
-                  </a:prstClr>
-                </a:solidFill>
-              </a:rPr>
-              <a:pPr/>
-              <a:t>20/10/2017</a:t>
-            </a:fld>
-            <a:endParaRPr lang="nl-BE">
-              <a:solidFill>
-                <a:prstClr val="black">
-                  <a:tint val="75000"/>
-                </a:prstClr>
-              </a:solidFill>
-            </a:endParaRPr>
-          </a:p>
-        </p:txBody>
-      </p:sp>
-      <p:sp>
-        <p:nvSpPr>
-          <p:cNvPr id="5" name="Footer Placeholder 4"/>
-          <p:cNvSpPr>
-            <a:spLocks noGrp="1"/>
-          </p:cNvSpPr>
-          <p:nvPr>
-            <p:ph type="ftr" sz="quarter" idx="11"/>
-          </p:nvPr>
-        </p:nvSpPr>
-        <p:spPr/>
-        <p:txBody>
-          <a:bodyPr/>
-          <a:lstStyle/>
-          <a:p>
-            <a:endParaRPr lang="nl-BE">
-              <a:solidFill>
-                <a:prstClr val="black">
-                  <a:tint val="75000"/>
-                </a:prstClr>
-              </a:solidFill>
-            </a:endParaRPr>
-          </a:p>
-        </p:txBody>
-      </p:sp>
-      <p:sp>
-        <p:nvSpPr>
-          <p:cNvPr id="6" name="Slide Number Placeholder 5"/>
-          <p:cNvSpPr>
-            <a:spLocks noGrp="1"/>
-          </p:cNvSpPr>
-          <p:nvPr>
-            <p:ph type="sldNum" sz="quarter" idx="12"/>
-          </p:nvPr>
-        </p:nvSpPr>
-        <p:spPr/>
-        <p:txBody>
-          <a:bodyPr/>
-          <a:lstStyle/>
-          <a:p>
-            <a:fld id="{5A209D72-2E9D-49B0-8977-41DCCC66C0BB}" type="slidenum">
-              <a:rPr lang="nl-BE" smtClean="0">
-                <a:solidFill>
-                  <a:prstClr val="black">
-                    <a:tint val="75000"/>
-                  </a:prstClr>
-                </a:solidFill>
-              </a:rPr>
-              <a:pPr/>
-              <a:t>‹#›</a:t>
-            </a:fld>
-            <a:endParaRPr lang="nl-BE">
-              <a:solidFill>
-                <a:prstClr val="black">
-                  <a:tint val="75000"/>
-                </a:prstClr>
-              </a:solidFill>
-            </a:endParaRPr>
-          </a:p>
-        </p:txBody>
-      </p:sp>
-    </p:spTree>
-    <p:extLst>
-      <p:ext uri="{BB962C8B-B14F-4D97-AF65-F5344CB8AC3E}">
-        <p14:creationId xmlns:p14="http://schemas.microsoft.com/office/powerpoint/2010/main" val="1323473497"/>
-      </p:ext>
-    </p:extLst>
-  </p:cSld>
-  <p:clrMapOvr>
-    <a:masterClrMapping/>
-  </p:clrMapOvr>
-</p:sldLayout>
-</file>
-
-<file path=ppt/slideLayouts/slideLayout3.xml><?xml version="1.0" encoding="utf-8"?>
-<p:sldLayout xmlns:a="http://schemas.openxmlformats.org/drawingml/2006/main" xmlns:r="http://schemas.openxmlformats.org/officeDocument/2006/relationships" xmlns:p="http://schemas.openxmlformats.org/presentationml/2006/main" type="secHead" preserve="1">
-  <p:cSld name="Section Header">
-    <p:spTree>
-      <p:nvGrpSpPr>
-        <p:cNvPr id="1" name=""/>
-        <p:cNvGrpSpPr/>
-        <p:nvPr/>
-      </p:nvGrpSpPr>
-      <p:grpSpPr>
-        <a:xfrm>
-          <a:off x="0" y="0"/>
-          <a:ext cx="0" cy="0"/>
-          <a:chOff x="0" y="0"/>
-          <a:chExt cx="0" cy="0"/>
-        </a:xfrm>
-      </p:grpSpPr>
-      <p:sp>
-        <p:nvSpPr>
-          <p:cNvPr id="2" name="Title 1"/>
-          <p:cNvSpPr>
-            <a:spLocks noGrp="1"/>
-          </p:cNvSpPr>
-          <p:nvPr>
-            <p:ph type="title"/>
-          </p:nvPr>
-        </p:nvSpPr>
-        <p:spPr>
-          <a:xfrm>
-            <a:off x="623888" y="1709739"/>
-            <a:ext cx="7886700" cy="2852737"/>
-          </a:xfrm>
-        </p:spPr>
-        <p:txBody>
-          <a:bodyPr anchor="b"/>
-          <a:lstStyle>
-            <a:lvl1pPr>
-              <a:defRPr sz="6000"/>
-            </a:lvl1pPr>
-          </a:lstStyle>
-          <a:p>
-            <a:r>
-              <a:rPr lang="en-US" smtClean="0"/>
-              <a:t>Click to edit Master title style</a:t>
-            </a:r>
-            <a:endParaRPr lang="en-US" dirty="0"/>
-          </a:p>
-        </p:txBody>
-      </p:sp>
-      <p:sp>
-        <p:nvSpPr>
-          <p:cNvPr id="3" name="Text Placeholder 2"/>
-          <p:cNvSpPr>
-            <a:spLocks noGrp="1"/>
-          </p:cNvSpPr>
-          <p:nvPr>
-            <p:ph type="body" idx="1"/>
-          </p:nvPr>
-        </p:nvSpPr>
-        <p:spPr>
-          <a:xfrm>
-            <a:off x="623888" y="4589464"/>
-            <a:ext cx="7886700" cy="1500187"/>
-          </a:xfrm>
-        </p:spPr>
-        <p:txBody>
-          <a:bodyPr/>
-          <a:lstStyle>
-            <a:lvl1pPr marL="0" indent="0">
-              <a:buNone/>
-              <a:defRPr sz="2400">
-                <a:solidFill>
-                  <a:schemeClr val="tx1"/>
-                </a:solidFill>
-              </a:defRPr>
-            </a:lvl1pPr>
-            <a:lvl2pPr marL="457200" indent="0">
-              <a:buNone/>
-              <a:defRPr sz="2000">
-                <a:solidFill>
-                  <a:schemeClr val="tx1">
-                    <a:tint val="75000"/>
-                  </a:schemeClr>
-                </a:solidFill>
-              </a:defRPr>
-            </a:lvl2pPr>
-            <a:lvl3pPr marL="914400" indent="0">
-              <a:buNone/>
-              <a:defRPr sz="1800">
-                <a:solidFill>
-                  <a:schemeClr val="tx1">
-                    <a:tint val="75000"/>
-                  </a:schemeClr>
-                </a:solidFill>
-              </a:defRPr>
-            </a:lvl3pPr>
-            <a:lvl4pPr marL="1371600" indent="0">
-              <a:buNone/>
-              <a:defRPr sz="1600">
-                <a:solidFill>
-                  <a:schemeClr val="tx1">
-                    <a:tint val="75000"/>
-                  </a:schemeClr>
-                </a:solidFill>
-              </a:defRPr>
-            </a:lvl4pPr>
-            <a:lvl5pPr marL="1828800" indent="0">
-              <a:buNone/>
-              <a:defRPr sz="1600">
-                <a:solidFill>
-                  <a:schemeClr val="tx1">
-                    <a:tint val="75000"/>
-                  </a:schemeClr>
-                </a:solidFill>
-              </a:defRPr>
-            </a:lvl5pPr>
-            <a:lvl6pPr marL="2286000" indent="0">
-              <a:buNone/>
-              <a:defRPr sz="1600">
-                <a:solidFill>
-                  <a:schemeClr val="tx1">
-                    <a:tint val="75000"/>
-                  </a:schemeClr>
-                </a:solidFill>
-              </a:defRPr>
-            </a:lvl6pPr>
-            <a:lvl7pPr marL="2743200" indent="0">
-              <a:buNone/>
-              <a:defRPr sz="1600">
-                <a:solidFill>
-                  <a:schemeClr val="tx1">
-                    <a:tint val="75000"/>
-                  </a:schemeClr>
-                </a:solidFill>
-              </a:defRPr>
-            </a:lvl7pPr>
-            <a:lvl8pPr marL="3200400" indent="0">
-              <a:buNone/>
-              <a:defRPr sz="1600">
-                <a:solidFill>
-                  <a:schemeClr val="tx1">
-                    <a:tint val="75000"/>
-                  </a:schemeClr>
-                </a:solidFill>
-              </a:defRPr>
-            </a:lvl8pPr>
-            <a:lvl9pPr marL="3657600" indent="0">
-              <a:buNone/>
-              <a:defRPr sz="1600">
-                <a:solidFill>
-                  <a:schemeClr val="tx1">
-                    <a:tint val="75000"/>
-                  </a:schemeClr>
-                </a:solidFill>
-              </a:defRPr>
-            </a:lvl9pPr>
-          </a:lstStyle>
-          <a:p>
-            <a:pPr lvl="0"/>
-            <a:r>
-              <a:rPr lang="en-US" smtClean="0"/>
-              <a:t>Click to edit Master text styles</a:t>
-            </a:r>
-          </a:p>
-        </p:txBody>
-      </p:sp>
-      <p:sp>
-        <p:nvSpPr>
-          <p:cNvPr id="4" name="Date Placeholder 3"/>
-          <p:cNvSpPr>
-            <a:spLocks noGrp="1"/>
-          </p:cNvSpPr>
-          <p:nvPr>
-            <p:ph type="dt" sz="half" idx="10"/>
-          </p:nvPr>
-        </p:nvSpPr>
-        <p:spPr/>
-        <p:txBody>
-          <a:bodyPr/>
-          <a:lstStyle/>
-          <a:p>
-            <a:fld id="{9BB5B064-E257-4B4C-AEC8-34EED8ACFE3C}" type="datetime1">
-              <a:rPr lang="en-US" smtClean="0"/>
-              <a:t>2017-10-20</a:t>
-            </a:fld>
-            <a:endParaRPr lang="en-US"/>
-          </a:p>
-        </p:txBody>
-      </p:sp>
-      <p:sp>
-        <p:nvSpPr>
-          <p:cNvPr id="5" name="Footer Placeholder 4"/>
-          <p:cNvSpPr>
-            <a:spLocks noGrp="1"/>
-          </p:cNvSpPr>
-          <p:nvPr>
-            <p:ph type="ftr" sz="quarter" idx="11"/>
-          </p:nvPr>
-        </p:nvSpPr>
-        <p:spPr/>
-        <p:txBody>
-          <a:bodyPr/>
-          <a:lstStyle/>
-          <a:p>
-            <a:endParaRPr lang="en-US"/>
-          </a:p>
-        </p:txBody>
-      </p:sp>
-      <p:sp>
-        <p:nvSpPr>
-          <p:cNvPr id="6" name="Slide Number Placeholder 5"/>
-          <p:cNvSpPr>
-            <a:spLocks noGrp="1"/>
-          </p:cNvSpPr>
-          <p:nvPr>
-            <p:ph type="sldNum" sz="quarter" idx="12"/>
-          </p:nvPr>
-        </p:nvSpPr>
-        <p:spPr/>
-        <p:txBody>
-          <a:bodyPr/>
-          <a:lstStyle/>
-          <a:p>
-            <a:fld id="{1F6F384A-117A-4317-A980-29424180BA92}" type="slidenum">
-              <a:rPr lang="en-US" smtClean="0"/>
-              <a:t>‹#›</a:t>
-            </a:fld>
-            <a:endParaRPr lang="en-US"/>
-          </a:p>
-        </p:txBody>
-      </p:sp>
-    </p:spTree>
-    <p:extLst>
-      <p:ext uri="{BB962C8B-B14F-4D97-AF65-F5344CB8AC3E}">
-        <p14:creationId xmlns:p14="http://schemas.microsoft.com/office/powerpoint/2010/main" val="1808405689"/>
-      </p:ext>
-    </p:extLst>
-  </p:cSld>
-  <p:clrMapOvr>
-    <a:masterClrMapping/>
-  </p:clrMapOvr>
-</p:sldLayout>
-</file>
-
-<file path=ppt/slideLayouts/slideLayout4.xml><?xml version="1.0" encoding="utf-8"?>
-<p:sldLayout xmlns:a="http://schemas.openxmlformats.org/drawingml/2006/main" xmlns:r="http://schemas.openxmlformats.org/officeDocument/2006/relationships" xmlns:p="http://schemas.openxmlformats.org/presentationml/2006/main" type="twoObj" preserve="1">
-  <p:cSld name="Two Content">
-    <p:spTree>
-      <p:nvGrpSpPr>
-        <p:cNvPr id="1" name=""/>
-        <p:cNvGrpSpPr/>
-        <p:nvPr/>
-      </p:nvGrpSpPr>
-      <p:grpSpPr>
-        <a:xfrm>
-          <a:off x="0" y="0"/>
-          <a:ext cx="0" cy="0"/>
-          <a:chOff x="0" y="0"/>
-          <a:chExt cx="0" cy="0"/>
-        </a:xfrm>
-      </p:grpSpPr>
-      <p:sp>
-        <p:nvSpPr>
-          <p:cNvPr id="2" name="Title 1"/>
-          <p:cNvSpPr>
-            <a:spLocks noGrp="1"/>
-          </p:cNvSpPr>
-          <p:nvPr>
-            <p:ph type="title"/>
-          </p:nvPr>
-        </p:nvSpPr>
-        <p:spPr/>
-        <p:txBody>
-          <a:bodyPr/>
-          <a:lstStyle/>
-          <a:p>
-            <a:r>
-              <a:rPr lang="en-US" smtClean="0"/>
-              <a:t>Click to edit Master title style</a:t>
-            </a:r>
-            <a:endParaRPr lang="en-US" dirty="0"/>
-          </a:p>
-        </p:txBody>
-      </p:sp>
-      <p:sp>
-        <p:nvSpPr>
-          <p:cNvPr id="3" name="Content Placeholder 2"/>
-          <p:cNvSpPr>
-            <a:spLocks noGrp="1"/>
-          </p:cNvSpPr>
-          <p:nvPr>
-            <p:ph sz="half" idx="1"/>
-          </p:nvPr>
-        </p:nvSpPr>
-        <p:spPr>
-          <a:xfrm>
-            <a:off x="628650" y="1825625"/>
-            <a:ext cx="3886200" cy="4351338"/>
-          </a:xfrm>
-        </p:spPr>
-        <p:txBody>
-          <a:bodyPr/>
-          <a:lstStyle/>
-          <a:p>
-            <a:pPr lvl="0"/>
-            <a:r>
-              <a:rPr lang="en-US" smtClean="0"/>
-              <a:t>Click to edit Master text styles</a:t>
-            </a:r>
-          </a:p>
-          <a:p>
-            <a:pPr lvl="1"/>
-            <a:r>
-              <a:rPr lang="en-US" smtClean="0"/>
-              <a:t>Second level</a:t>
-            </a:r>
-          </a:p>
-          <a:p>
-            <a:pPr lvl="2"/>
-            <a:r>
-              <a:rPr lang="en-US" smtClean="0"/>
-              <a:t>Third level</a:t>
-            </a:r>
-          </a:p>
-          <a:p>
-            <a:pPr lvl="3"/>
-            <a:r>
-              <a:rPr lang="en-US" smtClean="0"/>
-              <a:t>Fourth level</a:t>
-            </a:r>
-          </a:p>
-          <a:p>
-            <a:pPr lvl="4"/>
-            <a:r>
-              <a:rPr lang="en-US" smtClean="0"/>
-              <a:t>Fifth level</a:t>
-            </a:r>
-            <a:endParaRPr lang="en-US" dirty="0"/>
-          </a:p>
-        </p:txBody>
-      </p:sp>
-      <p:sp>
-        <p:nvSpPr>
-          <p:cNvPr id="4" name="Content Placeholder 3"/>
-          <p:cNvSpPr>
-            <a:spLocks noGrp="1"/>
-          </p:cNvSpPr>
-          <p:nvPr>
-            <p:ph sz="half" idx="2"/>
-          </p:nvPr>
-        </p:nvSpPr>
-        <p:spPr>
-          <a:xfrm>
-            <a:off x="4629150" y="1825625"/>
-            <a:ext cx="3886200" cy="4351338"/>
-          </a:xfrm>
-        </p:spPr>
-        <p:txBody>
-          <a:bodyPr/>
-          <a:lstStyle/>
-          <a:p>
-            <a:pPr lvl="0"/>
-            <a:r>
-              <a:rPr lang="en-US" smtClean="0"/>
-              <a:t>Click to edit Master text styles</a:t>
-            </a:r>
-          </a:p>
-          <a:p>
-            <a:pPr lvl="1"/>
-            <a:r>
-              <a:rPr lang="en-US" smtClean="0"/>
-              <a:t>Second level</a:t>
-            </a:r>
-          </a:p>
-          <a:p>
-            <a:pPr lvl="2"/>
-            <a:r>
-              <a:rPr lang="en-US" smtClean="0"/>
-              <a:t>Third level</a:t>
-            </a:r>
-          </a:p>
-          <a:p>
-            <a:pPr lvl="3"/>
-            <a:r>
-              <a:rPr lang="en-US" smtClean="0"/>
-              <a:t>Fourth level</a:t>
-            </a:r>
-          </a:p>
-          <a:p>
-            <a:pPr lvl="4"/>
-            <a:r>
-              <a:rPr lang="en-US" smtClean="0"/>
-              <a:t>Fifth level</a:t>
-            </a:r>
-            <a:endParaRPr lang="en-US" dirty="0"/>
-          </a:p>
-        </p:txBody>
-      </p:sp>
-      <p:sp>
-        <p:nvSpPr>
-          <p:cNvPr id="5" name="Date Placeholder 4"/>
-          <p:cNvSpPr>
-            <a:spLocks noGrp="1"/>
-          </p:cNvSpPr>
-          <p:nvPr>
-            <p:ph type="dt" sz="half" idx="10"/>
-          </p:nvPr>
-        </p:nvSpPr>
-        <p:spPr/>
-        <p:txBody>
-          <a:bodyPr/>
-          <a:lstStyle/>
-          <a:p>
-            <a:fld id="{3092261C-5132-4AD1-B3F2-E37872665D14}" type="datetime1">
-              <a:rPr lang="en-US" smtClean="0"/>
-              <a:t>2017-10-20</a:t>
-            </a:fld>
-            <a:endParaRPr lang="en-US"/>
-          </a:p>
-        </p:txBody>
-      </p:sp>
-      <p:sp>
-        <p:nvSpPr>
-          <p:cNvPr id="6" name="Footer Placeholder 5"/>
-          <p:cNvSpPr>
-            <a:spLocks noGrp="1"/>
-          </p:cNvSpPr>
-          <p:nvPr>
-            <p:ph type="ftr" sz="quarter" idx="11"/>
-          </p:nvPr>
-        </p:nvSpPr>
-        <p:spPr/>
-        <p:txBody>
-          <a:bodyPr/>
-          <a:lstStyle/>
-          <a:p>
-            <a:endParaRPr lang="en-US"/>
-          </a:p>
-        </p:txBody>
-      </p:sp>
-      <p:sp>
-        <p:nvSpPr>
-          <p:cNvPr id="7" name="Slide Number Placeholder 6"/>
-          <p:cNvSpPr>
-            <a:spLocks noGrp="1"/>
-          </p:cNvSpPr>
-          <p:nvPr>
-            <p:ph type="sldNum" sz="quarter" idx="12"/>
-          </p:nvPr>
-        </p:nvSpPr>
-        <p:spPr/>
-        <p:txBody>
-          <a:bodyPr/>
-          <a:lstStyle/>
-          <a:p>
-            <a:fld id="{1F6F384A-117A-4317-A980-29424180BA92}" type="slidenum">
-              <a:rPr lang="en-US" smtClean="0"/>
-              <a:t>‹#›</a:t>
-            </a:fld>
-            <a:endParaRPr lang="en-US"/>
-          </a:p>
-        </p:txBody>
-      </p:sp>
-    </p:spTree>
-    <p:extLst>
-      <p:ext uri="{BB962C8B-B14F-4D97-AF65-F5344CB8AC3E}">
-        <p14:creationId xmlns:p14="http://schemas.microsoft.com/office/powerpoint/2010/main" val="3259361504"/>
-      </p:ext>
-    </p:extLst>
-  </p:cSld>
-  <p:clrMapOvr>
-    <a:masterClrMapping/>
-  </p:clrMapOvr>
-</p:sldLayout>
-</file>
-
-<file path=ppt/slideLayouts/slideLayout5.xml><?xml version="1.0" encoding="utf-8"?>
-<p:sldLayout xmlns:a="http://schemas.openxmlformats.org/drawingml/2006/main" xmlns:r="http://schemas.openxmlformats.org/officeDocument/2006/relationships" xmlns:p="http://schemas.openxmlformats.org/presentationml/2006/main" type="twoTxTwoObj" preserve="1">
-  <p:cSld name="Comparison">
-    <p:spTree>
-      <p:nvGrpSpPr>
-        <p:cNvPr id="1" name=""/>
-        <p:cNvGrpSpPr/>
-        <p:nvPr/>
-      </p:nvGrpSpPr>
-      <p:grpSpPr>
-        <a:xfrm>
-          <a:off x="0" y="0"/>
-          <a:ext cx="0" cy="0"/>
-          <a:chOff x="0" y="0"/>
-          <a:chExt cx="0" cy="0"/>
-        </a:xfrm>
-      </p:grpSpPr>
-      <p:sp>
-        <p:nvSpPr>
-          <p:cNvPr id="2" name="Title 1"/>
-          <p:cNvSpPr>
-            <a:spLocks noGrp="1"/>
-          </p:cNvSpPr>
-          <p:nvPr>
-            <p:ph type="title"/>
-          </p:nvPr>
-        </p:nvSpPr>
-        <p:spPr>
-          <a:xfrm>
-            <a:off x="629841" y="365126"/>
-            <a:ext cx="7886700" cy="1325563"/>
-          </a:xfrm>
-        </p:spPr>
-        <p:txBody>
-          <a:bodyPr/>
-          <a:lstStyle/>
-          <a:p>
-            <a:r>
-              <a:rPr lang="en-US" smtClean="0"/>
-              <a:t>Click to edit Master title style</a:t>
-            </a:r>
-            <a:endParaRPr lang="en-US" dirty="0"/>
-          </a:p>
-        </p:txBody>
-      </p:sp>
-      <p:sp>
-        <p:nvSpPr>
-          <p:cNvPr id="3" name="Text Placeholder 2"/>
-          <p:cNvSpPr>
-            <a:spLocks noGrp="1"/>
-          </p:cNvSpPr>
-          <p:nvPr>
-            <p:ph type="body" idx="1"/>
-          </p:nvPr>
-        </p:nvSpPr>
-        <p:spPr>
-          <a:xfrm>
-            <a:off x="629842" y="1681163"/>
-            <a:ext cx="3868340" cy="823912"/>
-          </a:xfrm>
-        </p:spPr>
-        <p:txBody>
-          <a:bodyPr anchor="b"/>
-          <a:lstStyle>
-            <a:lvl1pPr marL="0" indent="0">
-              <a:buNone/>
-              <a:defRPr sz="2400" b="1"/>
-            </a:lvl1pPr>
-            <a:lvl2pPr marL="457200" indent="0">
-              <a:buNone/>
-              <a:defRPr sz="2000" b="1"/>
-            </a:lvl2pPr>
-            <a:lvl3pPr marL="914400" indent="0">
-              <a:buNone/>
-              <a:defRPr sz="1800" b="1"/>
-            </a:lvl3pPr>
-            <a:lvl4pPr marL="1371600" indent="0">
-              <a:buNone/>
-              <a:defRPr sz="1600" b="1"/>
-            </a:lvl4pPr>
-            <a:lvl5pPr marL="1828800" indent="0">
-              <a:buNone/>
-              <a:defRPr sz="1600" b="1"/>
-            </a:lvl5pPr>
-            <a:lvl6pPr marL="2286000" indent="0">
-              <a:buNone/>
-              <a:defRPr sz="1600" b="1"/>
-            </a:lvl6pPr>
-            <a:lvl7pPr marL="2743200" indent="0">
-              <a:buNone/>
-              <a:defRPr sz="1600" b="1"/>
-            </a:lvl7pPr>
-            <a:lvl8pPr marL="3200400" indent="0">
-              <a:buNone/>
-              <a:defRPr sz="1600" b="1"/>
-            </a:lvl8pPr>
-            <a:lvl9pPr marL="3657600" indent="0">
-              <a:buNone/>
-              <a:defRPr sz="1600" b="1"/>
-            </a:lvl9pPr>
-          </a:lstStyle>
-          <a:p>
-            <a:pPr lvl="0"/>
-            <a:r>
-              <a:rPr lang="en-US" smtClean="0"/>
-              <a:t>Click to edit Master text styles</a:t>
-            </a:r>
-          </a:p>
-        </p:txBody>
-      </p:sp>
-      <p:sp>
-        <p:nvSpPr>
-          <p:cNvPr id="4" name="Content Placeholder 3"/>
-          <p:cNvSpPr>
-            <a:spLocks noGrp="1"/>
-          </p:cNvSpPr>
-          <p:nvPr>
-            <p:ph sz="half" idx="2"/>
-          </p:nvPr>
-        </p:nvSpPr>
-        <p:spPr>
-          <a:xfrm>
-            <a:off x="629842" y="2505075"/>
-            <a:ext cx="3868340" cy="3684588"/>
-          </a:xfrm>
-        </p:spPr>
-        <p:txBody>
-          <a:bodyPr/>
-          <a:lstStyle/>
-          <a:p>
-            <a:pPr lvl="0"/>
-            <a:r>
-              <a:rPr lang="en-US" smtClean="0"/>
-              <a:t>Click to edit Master text styles</a:t>
-            </a:r>
-          </a:p>
-          <a:p>
-            <a:pPr lvl="1"/>
-            <a:r>
-              <a:rPr lang="en-US" smtClean="0"/>
-              <a:t>Second level</a:t>
-            </a:r>
-          </a:p>
-          <a:p>
-            <a:pPr lvl="2"/>
-            <a:r>
-              <a:rPr lang="en-US" smtClean="0"/>
-              <a:t>Third level</a:t>
-            </a:r>
-          </a:p>
-          <a:p>
-            <a:pPr lvl="3"/>
-            <a:r>
-              <a:rPr lang="en-US" smtClean="0"/>
-              <a:t>Fourth level</a:t>
-            </a:r>
-          </a:p>
-          <a:p>
-            <a:pPr lvl="4"/>
-            <a:r>
-              <a:rPr lang="en-US" smtClean="0"/>
-              <a:t>Fifth level</a:t>
-            </a:r>
-            <a:endParaRPr lang="en-US" dirty="0"/>
-          </a:p>
-        </p:txBody>
-      </p:sp>
-      <p:sp>
-        <p:nvSpPr>
-          <p:cNvPr id="5" name="Text Placeholder 4"/>
-          <p:cNvSpPr>
-            <a:spLocks noGrp="1"/>
-          </p:cNvSpPr>
-          <p:nvPr>
-            <p:ph type="body" sz="quarter" idx="3"/>
-          </p:nvPr>
-        </p:nvSpPr>
-        <p:spPr>
-          <a:xfrm>
-            <a:off x="4629150" y="1681163"/>
-            <a:ext cx="3887391" cy="823912"/>
-          </a:xfrm>
-        </p:spPr>
-        <p:txBody>
-          <a:bodyPr anchor="b"/>
-          <a:lstStyle>
-            <a:lvl1pPr marL="0" indent="0">
-              <a:buNone/>
-              <a:defRPr sz="2400" b="1"/>
-            </a:lvl1pPr>
-            <a:lvl2pPr marL="457200" indent="0">
-              <a:buNone/>
-              <a:defRPr sz="2000" b="1"/>
-            </a:lvl2pPr>
-            <a:lvl3pPr marL="914400" indent="0">
-              <a:buNone/>
-              <a:defRPr sz="1800" b="1"/>
-            </a:lvl3pPr>
-            <a:lvl4pPr marL="1371600" indent="0">
-              <a:buNone/>
-              <a:defRPr sz="1600" b="1"/>
-            </a:lvl4pPr>
-            <a:lvl5pPr marL="1828800" indent="0">
-              <a:buNone/>
-              <a:defRPr sz="1600" b="1"/>
-            </a:lvl5pPr>
-            <a:lvl6pPr marL="2286000" indent="0">
-              <a:buNone/>
-              <a:defRPr sz="1600" b="1"/>
-            </a:lvl6pPr>
-            <a:lvl7pPr marL="2743200" indent="0">
-              <a:buNone/>
-              <a:defRPr sz="1600" b="1"/>
-            </a:lvl7pPr>
-            <a:lvl8pPr marL="3200400" indent="0">
-              <a:buNone/>
-              <a:defRPr sz="1600" b="1"/>
-            </a:lvl8pPr>
-            <a:lvl9pPr marL="3657600" indent="0">
-              <a:buNone/>
-              <a:defRPr sz="1600" b="1"/>
-            </a:lvl9pPr>
-          </a:lstStyle>
-          <a:p>
-            <a:pPr lvl="0"/>
-            <a:r>
-              <a:rPr lang="en-US" smtClean="0"/>
-              <a:t>Click to edit Master text styles</a:t>
-            </a:r>
-          </a:p>
-        </p:txBody>
-      </p:sp>
-      <p:sp>
-        <p:nvSpPr>
-          <p:cNvPr id="6" name="Content Placeholder 5"/>
-          <p:cNvSpPr>
-            <a:spLocks noGrp="1"/>
-          </p:cNvSpPr>
-          <p:nvPr>
-            <p:ph sz="quarter" idx="4"/>
-          </p:nvPr>
-        </p:nvSpPr>
-        <p:spPr>
-          <a:xfrm>
-            <a:off x="4629150" y="2505075"/>
-            <a:ext cx="3887391" cy="3684588"/>
-          </a:xfrm>
-        </p:spPr>
-        <p:txBody>
-          <a:bodyPr/>
-          <a:lstStyle/>
-          <a:p>
-            <a:pPr lvl="0"/>
-            <a:r>
-              <a:rPr lang="en-US" smtClean="0"/>
-              <a:t>Click to edit Master text styles</a:t>
-            </a:r>
-          </a:p>
-          <a:p>
-            <a:pPr lvl="1"/>
-            <a:r>
-              <a:rPr lang="en-US" smtClean="0"/>
-              <a:t>Second level</a:t>
-            </a:r>
-          </a:p>
-          <a:p>
-            <a:pPr lvl="2"/>
-            <a:r>
-              <a:rPr lang="en-US" smtClean="0"/>
-              <a:t>Third level</a:t>
-            </a:r>
-          </a:p>
-          <a:p>
-            <a:pPr lvl="3"/>
-            <a:r>
-              <a:rPr lang="en-US" smtClean="0"/>
-              <a:t>Fourth level</a:t>
-            </a:r>
-          </a:p>
-          <a:p>
-            <a:pPr lvl="4"/>
-            <a:r>
-              <a:rPr lang="en-US" smtClean="0"/>
-              <a:t>Fifth level</a:t>
-            </a:r>
-            <a:endParaRPr lang="en-US" dirty="0"/>
-          </a:p>
-        </p:txBody>
-      </p:sp>
-      <p:sp>
-        <p:nvSpPr>
-          <p:cNvPr id="7" name="Date Placeholder 6"/>
-          <p:cNvSpPr>
-            <a:spLocks noGrp="1"/>
-          </p:cNvSpPr>
-          <p:nvPr>
-            <p:ph type="dt" sz="half" idx="10"/>
-          </p:nvPr>
-        </p:nvSpPr>
-        <p:spPr/>
-        <p:txBody>
-          <a:bodyPr/>
-          <a:lstStyle/>
-          <a:p>
-            <a:fld id="{0D624A41-48FB-4568-BEB6-1962606253B3}" type="datetime1">
-              <a:rPr lang="en-US" smtClean="0"/>
-              <a:t>2017-10-20</a:t>
-            </a:fld>
-            <a:endParaRPr lang="en-US"/>
-          </a:p>
-        </p:txBody>
-      </p:sp>
-      <p:sp>
-        <p:nvSpPr>
-          <p:cNvPr id="8" name="Footer Placeholder 7"/>
-          <p:cNvSpPr>
-            <a:spLocks noGrp="1"/>
-          </p:cNvSpPr>
-          <p:nvPr>
-            <p:ph type="ftr" sz="quarter" idx="11"/>
-          </p:nvPr>
-        </p:nvSpPr>
-        <p:spPr/>
-        <p:txBody>
-          <a:bodyPr/>
-          <a:lstStyle/>
-          <a:p>
-            <a:endParaRPr lang="en-US"/>
-          </a:p>
-        </p:txBody>
-      </p:sp>
-      <p:sp>
-        <p:nvSpPr>
-          <p:cNvPr id="9" name="Slide Number Placeholder 8"/>
-          <p:cNvSpPr>
-            <a:spLocks noGrp="1"/>
-          </p:cNvSpPr>
-          <p:nvPr>
-            <p:ph type="sldNum" sz="quarter" idx="12"/>
-          </p:nvPr>
-        </p:nvSpPr>
-        <p:spPr/>
-        <p:txBody>
-          <a:bodyPr/>
-          <a:lstStyle/>
-          <a:p>
-            <a:fld id="{1F6F384A-117A-4317-A980-29424180BA92}" type="slidenum">
-              <a:rPr lang="en-US" smtClean="0"/>
-              <a:t>‹#›</a:t>
-            </a:fld>
-            <a:endParaRPr lang="en-US"/>
-          </a:p>
-        </p:txBody>
-      </p:sp>
-    </p:spTree>
-    <p:extLst>
-      <p:ext uri="{BB962C8B-B14F-4D97-AF65-F5344CB8AC3E}">
-        <p14:creationId xmlns:p14="http://schemas.microsoft.com/office/powerpoint/2010/main" val="306776103"/>
-      </p:ext>
-    </p:extLst>
-  </p:cSld>
-  <p:clrMapOvr>
-    <a:masterClrMapping/>
-  </p:clrMapOvr>
-</p:sldLayout>
-</file>
-
-<file path=ppt/slideLayouts/slideLayout6.xml><?xml version="1.0" encoding="utf-8"?>
-<p:sldLayout xmlns:a="http://schemas.openxmlformats.org/drawingml/2006/main" xmlns:r="http://schemas.openxmlformats.org/officeDocument/2006/relationships" xmlns:p="http://schemas.openxmlformats.org/presentationml/2006/main" type="titleOnly" preserve="1">
-  <p:cSld name="Title Only">
-    <p:spTree>
-      <p:nvGrpSpPr>
-        <p:cNvPr id="1" name=""/>
-        <p:cNvGrpSpPr/>
-        <p:nvPr/>
-      </p:nvGrpSpPr>
-      <p:grpSpPr>
-        <a:xfrm>
-          <a:off x="0" y="0"/>
-          <a:ext cx="0" cy="0"/>
-          <a:chOff x="0" y="0"/>
-          <a:chExt cx="0" cy="0"/>
-        </a:xfrm>
-      </p:grpSpPr>
-      <p:sp>
-        <p:nvSpPr>
-          <p:cNvPr id="2" name="Title 1"/>
-          <p:cNvSpPr>
-            <a:spLocks noGrp="1"/>
-          </p:cNvSpPr>
-          <p:nvPr>
-            <p:ph type="title"/>
-          </p:nvPr>
-        </p:nvSpPr>
-        <p:spPr/>
-        <p:txBody>
-          <a:bodyPr/>
-          <a:lstStyle/>
-          <a:p>
-            <a:r>
-              <a:rPr lang="en-US" smtClean="0"/>
-              <a:t>Click to edit Master title style</a:t>
-            </a:r>
-            <a:endParaRPr lang="en-US" dirty="0"/>
-          </a:p>
-        </p:txBody>
-      </p:sp>
-      <p:sp>
-        <p:nvSpPr>
-          <p:cNvPr id="3" name="Date Placeholder 2"/>
-          <p:cNvSpPr>
-            <a:spLocks noGrp="1"/>
-          </p:cNvSpPr>
-          <p:nvPr>
-            <p:ph type="dt" sz="half" idx="10"/>
-          </p:nvPr>
-        </p:nvSpPr>
-        <p:spPr/>
-        <p:txBody>
-          <a:bodyPr/>
-          <a:lstStyle/>
-          <a:p>
-            <a:fld id="{9E279F2F-93CB-4D28-9C98-D8662619FAA2}" type="datetime1">
-              <a:rPr lang="en-US" smtClean="0"/>
-              <a:t>2017-10-20</a:t>
-            </a:fld>
-            <a:endParaRPr lang="en-US"/>
-          </a:p>
-        </p:txBody>
-      </p:sp>
-      <p:sp>
-        <p:nvSpPr>
-          <p:cNvPr id="4" name="Footer Placeholder 3"/>
-          <p:cNvSpPr>
-            <a:spLocks noGrp="1"/>
-          </p:cNvSpPr>
-          <p:nvPr>
-            <p:ph type="ftr" sz="quarter" idx="11"/>
-          </p:nvPr>
-        </p:nvSpPr>
-        <p:spPr/>
-        <p:txBody>
-          <a:bodyPr/>
-          <a:lstStyle/>
-          <a:p>
-            <a:endParaRPr lang="en-US"/>
-          </a:p>
-        </p:txBody>
-      </p:sp>
-      <p:sp>
-        <p:nvSpPr>
-          <p:cNvPr id="5" name="Slide Number Placeholder 4"/>
-          <p:cNvSpPr>
-            <a:spLocks noGrp="1"/>
-          </p:cNvSpPr>
-          <p:nvPr>
-            <p:ph type="sldNum" sz="quarter" idx="12"/>
-          </p:nvPr>
-        </p:nvSpPr>
-        <p:spPr/>
-        <p:txBody>
-          <a:bodyPr/>
-          <a:lstStyle/>
-          <a:p>
-            <a:fld id="{1F6F384A-117A-4317-A980-29424180BA92}" type="slidenum">
-              <a:rPr lang="en-US" smtClean="0"/>
-              <a:t>‹#›</a:t>
-            </a:fld>
-            <a:endParaRPr lang="en-US"/>
-          </a:p>
-        </p:txBody>
-      </p:sp>
-    </p:spTree>
-    <p:extLst>
-      <p:ext uri="{BB962C8B-B14F-4D97-AF65-F5344CB8AC3E}">
-        <p14:creationId xmlns:p14="http://schemas.microsoft.com/office/powerpoint/2010/main" val="3314313582"/>
-      </p:ext>
-    </p:extLst>
-  </p:cSld>
-  <p:clrMapOvr>
-    <a:masterClrMapping/>
-  </p:clrMapOvr>
-</p:sldLayout>
-</file>
-
-<file path=ppt/slideLayouts/slideLayout7.xml><?xml version="1.0" encoding="utf-8"?>
-<p:sldLayout xmlns:a="http://schemas.openxmlformats.org/drawingml/2006/main" xmlns:r="http://schemas.openxmlformats.org/officeDocument/2006/relationships" xmlns:p="http://schemas.openxmlformats.org/presentationml/2006/main" type="blank" preserve="1">
-  <p:cSld name="Blank">
-    <p:spTree>
-      <p:nvGrpSpPr>
-        <p:cNvPr id="1" name=""/>
-        <p:cNvGrpSpPr/>
-        <p:nvPr/>
-      </p:nvGrpSpPr>
-      <p:grpSpPr>
-        <a:xfrm>
-          <a:off x="0" y="0"/>
-          <a:ext cx="0" cy="0"/>
-          <a:chOff x="0" y="0"/>
-          <a:chExt cx="0" cy="0"/>
-        </a:xfrm>
-      </p:grpSpPr>
-      <p:sp>
-        <p:nvSpPr>
-          <p:cNvPr id="2" name="Date Placeholder 1"/>
-          <p:cNvSpPr>
-            <a:spLocks noGrp="1"/>
-          </p:cNvSpPr>
-          <p:nvPr>
-            <p:ph type="dt" sz="half" idx="10"/>
-          </p:nvPr>
-        </p:nvSpPr>
-        <p:spPr/>
-        <p:txBody>
-          <a:bodyPr/>
-          <a:lstStyle/>
-          <a:p>
-            <a:fld id="{6D815647-3F80-44EB-B8D5-4FEAD01AFA8C}" type="datetime1">
-              <a:rPr lang="en-US" smtClean="0"/>
-              <a:t>2017-10-20</a:t>
-            </a:fld>
-            <a:endParaRPr lang="en-US"/>
-          </a:p>
-        </p:txBody>
-      </p:sp>
-      <p:sp>
-        <p:nvSpPr>
-          <p:cNvPr id="3" name="Footer Placeholder 2"/>
-          <p:cNvSpPr>
-            <a:spLocks noGrp="1"/>
-          </p:cNvSpPr>
-          <p:nvPr>
-            <p:ph type="ftr" sz="quarter" idx="11"/>
-          </p:nvPr>
-        </p:nvSpPr>
-        <p:spPr/>
-        <p:txBody>
-          <a:bodyPr/>
-          <a:lstStyle/>
-          <a:p>
-            <a:endParaRPr lang="en-US"/>
-          </a:p>
-        </p:txBody>
-      </p:sp>
-      <p:sp>
-        <p:nvSpPr>
-          <p:cNvPr id="4" name="Slide Number Placeholder 3"/>
-          <p:cNvSpPr>
-            <a:spLocks noGrp="1"/>
-          </p:cNvSpPr>
-          <p:nvPr>
-            <p:ph type="sldNum" sz="quarter" idx="12"/>
-          </p:nvPr>
-        </p:nvSpPr>
-        <p:spPr/>
-        <p:txBody>
-          <a:bodyPr/>
-          <a:lstStyle/>
-          <a:p>
-            <a:fld id="{1F6F384A-117A-4317-A980-29424180BA92}" type="slidenum">
-              <a:rPr lang="en-US" smtClean="0"/>
-              <a:t>‹#›</a:t>
-            </a:fld>
-            <a:endParaRPr lang="en-US"/>
-          </a:p>
-        </p:txBody>
-      </p:sp>
-    </p:spTree>
-    <p:extLst>
-      <p:ext uri="{BB962C8B-B14F-4D97-AF65-F5344CB8AC3E}">
-        <p14:creationId xmlns:p14="http://schemas.microsoft.com/office/powerpoint/2010/main" val="3115268907"/>
-      </p:ext>
-    </p:extLst>
-  </p:cSld>
-  <p:clrMapOvr>
-    <a:masterClrMapping/>
-  </p:clrMapOvr>
-</p:sldLayout>
-</file>
-
-<file path=ppt/slideLayouts/slideLayout8.xml><?xml version="1.0" encoding="utf-8"?>
-<p:sldLayout xmlns:a="http://schemas.openxmlformats.org/drawingml/2006/main" xmlns:r="http://schemas.openxmlformats.org/officeDocument/2006/relationships" xmlns:p="http://schemas.openxmlformats.org/presentationml/2006/main" type="objTx" preserve="1">
-  <p:cSld name="Content with Caption">
-    <p:spTree>
-      <p:nvGrpSpPr>
-        <p:cNvPr id="1" name=""/>
-        <p:cNvGrpSpPr/>
-        <p:nvPr/>
-      </p:nvGrpSpPr>
-      <p:grpSpPr>
-        <a:xfrm>
-          <a:off x="0" y="0"/>
-          <a:ext cx="0" cy="0"/>
-          <a:chOff x="0" y="0"/>
-          <a:chExt cx="0" cy="0"/>
-        </a:xfrm>
-      </p:grpSpPr>
-      <p:sp>
-        <p:nvSpPr>
-          <p:cNvPr id="2" name="Title 1"/>
-          <p:cNvSpPr>
-            <a:spLocks noGrp="1"/>
-          </p:cNvSpPr>
-          <p:nvPr>
-            <p:ph type="title"/>
-          </p:nvPr>
-        </p:nvSpPr>
-        <p:spPr>
-          <a:xfrm>
-            <a:off x="629841" y="457200"/>
-            <a:ext cx="2949178" cy="1600200"/>
-          </a:xfrm>
-        </p:spPr>
-        <p:txBody>
-          <a:bodyPr anchor="b"/>
-          <a:lstStyle>
-            <a:lvl1pPr>
-              <a:defRPr sz="3200"/>
-            </a:lvl1pPr>
-          </a:lstStyle>
-          <a:p>
-            <a:r>
-              <a:rPr lang="en-US" smtClean="0"/>
-              <a:t>Click to edit Master title style</a:t>
-            </a:r>
-            <a:endParaRPr lang="en-US" dirty="0"/>
-          </a:p>
-        </p:txBody>
-      </p:sp>
-      <p:sp>
-        <p:nvSpPr>
-          <p:cNvPr id="3" name="Content Placeholder 2"/>
-          <p:cNvSpPr>
-            <a:spLocks noGrp="1"/>
-          </p:cNvSpPr>
-          <p:nvPr>
-            <p:ph idx="1"/>
-          </p:nvPr>
-        </p:nvSpPr>
-        <p:spPr>
-          <a:xfrm>
-            <a:off x="3887391" y="987426"/>
-            <a:ext cx="4629150" cy="4873625"/>
-          </a:xfrm>
-        </p:spPr>
-        <p:txBody>
-          <a:bodyPr/>
-          <a:lstStyle>
-            <a:lvl1pPr>
-              <a:defRPr sz="3200"/>
-            </a:lvl1pPr>
-            <a:lvl2pPr>
-              <a:defRPr sz="2800"/>
-            </a:lvl2pPr>
-            <a:lvl3pPr>
-              <a:defRPr sz="2400"/>
-            </a:lvl3pPr>
-            <a:lvl4pPr>
-              <a:defRPr sz="2000"/>
-            </a:lvl4pPr>
-            <a:lvl5pPr>
-              <a:defRPr sz="2000"/>
-            </a:lvl5pPr>
-            <a:lvl6pPr>
-              <a:defRPr sz="2000"/>
-            </a:lvl6pPr>
-            <a:lvl7pPr>
-              <a:defRPr sz="2000"/>
-            </a:lvl7pPr>
-            <a:lvl8pPr>
-              <a:defRPr sz="2000"/>
-            </a:lvl8pPr>
-            <a:lvl9pPr>
-              <a:defRPr sz="2000"/>
-            </a:lvl9pPr>
-          </a:lstStyle>
-          <a:p>
-            <a:pPr lvl="0"/>
-            <a:r>
-              <a:rPr lang="en-US" smtClean="0"/>
-              <a:t>Click to edit Master text styles</a:t>
-            </a:r>
-          </a:p>
-          <a:p>
-            <a:pPr lvl="1"/>
-            <a:r>
-              <a:rPr lang="en-US" smtClean="0"/>
-              <a:t>Second level</a:t>
-            </a:r>
-          </a:p>
-          <a:p>
-            <a:pPr lvl="2"/>
-            <a:r>
-              <a:rPr lang="en-US" smtClean="0"/>
-              <a:t>Third level</a:t>
-            </a:r>
-          </a:p>
-          <a:p>
-            <a:pPr lvl="3"/>
-            <a:r>
-              <a:rPr lang="en-US" smtClean="0"/>
-              <a:t>Fourth level</a:t>
-            </a:r>
-          </a:p>
-          <a:p>
-            <a:pPr lvl="4"/>
-            <a:r>
-              <a:rPr lang="en-US" smtClean="0"/>
-              <a:t>Fifth level</a:t>
-            </a:r>
-            <a:endParaRPr lang="en-US" dirty="0"/>
-          </a:p>
-        </p:txBody>
-      </p:sp>
-      <p:sp>
-        <p:nvSpPr>
-          <p:cNvPr id="4" name="Text Placeholder 3"/>
-          <p:cNvSpPr>
-            <a:spLocks noGrp="1"/>
-          </p:cNvSpPr>
-          <p:nvPr>
-            <p:ph type="body" sz="half" idx="2"/>
-          </p:nvPr>
-        </p:nvSpPr>
-        <p:spPr>
-          <a:xfrm>
-            <a:off x="629841" y="2057400"/>
-            <a:ext cx="2949178" cy="3811588"/>
-          </a:xfrm>
-        </p:spPr>
-        <p:txBody>
-          <a:bodyPr/>
-          <a:lstStyle>
-            <a:lvl1pPr marL="0" indent="0">
-              <a:buNone/>
-              <a:defRPr sz="1600"/>
-            </a:lvl1pPr>
-            <a:lvl2pPr marL="457200" indent="0">
-              <a:buNone/>
-              <a:defRPr sz="1400"/>
-            </a:lvl2pPr>
-            <a:lvl3pPr marL="914400" indent="0">
-              <a:buNone/>
-              <a:defRPr sz="1200"/>
-            </a:lvl3pPr>
-            <a:lvl4pPr marL="1371600" indent="0">
-              <a:buNone/>
-              <a:defRPr sz="1000"/>
-            </a:lvl4pPr>
-            <a:lvl5pPr marL="1828800" indent="0">
-              <a:buNone/>
-              <a:defRPr sz="1000"/>
-            </a:lvl5pPr>
-            <a:lvl6pPr marL="2286000" indent="0">
-              <a:buNone/>
-              <a:defRPr sz="1000"/>
-            </a:lvl6pPr>
-            <a:lvl7pPr marL="2743200" indent="0">
-              <a:buNone/>
-              <a:defRPr sz="1000"/>
-            </a:lvl7pPr>
-            <a:lvl8pPr marL="3200400" indent="0">
-              <a:buNone/>
-              <a:defRPr sz="1000"/>
-            </a:lvl8pPr>
-            <a:lvl9pPr marL="3657600" indent="0">
-              <a:buNone/>
-              <a:defRPr sz="1000"/>
-            </a:lvl9pPr>
-          </a:lstStyle>
-          <a:p>
-            <a:pPr lvl="0"/>
-            <a:r>
-              <a:rPr lang="en-US" smtClean="0"/>
-              <a:t>Click to edit Master text styles</a:t>
-            </a:r>
-          </a:p>
-        </p:txBody>
-      </p:sp>
-      <p:sp>
-        <p:nvSpPr>
-          <p:cNvPr id="5" name="Date Placeholder 4"/>
-          <p:cNvSpPr>
-            <a:spLocks noGrp="1"/>
-          </p:cNvSpPr>
-          <p:nvPr>
-            <p:ph type="dt" sz="half" idx="10"/>
-          </p:nvPr>
-        </p:nvSpPr>
-        <p:spPr/>
-        <p:txBody>
-          <a:bodyPr/>
-          <a:lstStyle/>
-          <a:p>
-            <a:fld id="{BF908064-D1E0-4809-B6FB-6ED76196C673}" type="datetime1">
-              <a:rPr lang="en-US" smtClean="0"/>
-              <a:t>2017-10-20</a:t>
-            </a:fld>
-            <a:endParaRPr lang="en-US"/>
-          </a:p>
-        </p:txBody>
-      </p:sp>
-      <p:sp>
-        <p:nvSpPr>
-          <p:cNvPr id="6" name="Footer Placeholder 5"/>
-          <p:cNvSpPr>
-            <a:spLocks noGrp="1"/>
-          </p:cNvSpPr>
-          <p:nvPr>
-            <p:ph type="ftr" sz="quarter" idx="11"/>
-          </p:nvPr>
-        </p:nvSpPr>
-        <p:spPr/>
-        <p:txBody>
-          <a:bodyPr/>
-          <a:lstStyle/>
-          <a:p>
-            <a:endParaRPr lang="en-US"/>
-          </a:p>
-        </p:txBody>
-      </p:sp>
-      <p:sp>
-        <p:nvSpPr>
-          <p:cNvPr id="7" name="Slide Number Placeholder 6"/>
-          <p:cNvSpPr>
-            <a:spLocks noGrp="1"/>
-          </p:cNvSpPr>
-          <p:nvPr>
-            <p:ph type="sldNum" sz="quarter" idx="12"/>
-          </p:nvPr>
-        </p:nvSpPr>
-        <p:spPr/>
-        <p:txBody>
-          <a:bodyPr/>
-          <a:lstStyle/>
-          <a:p>
-            <a:fld id="{1F6F384A-117A-4317-A980-29424180BA92}" type="slidenum">
-              <a:rPr lang="en-US" smtClean="0"/>
-              <a:t>‹#›</a:t>
-            </a:fld>
-            <a:endParaRPr lang="en-US"/>
-          </a:p>
-        </p:txBody>
-      </p:sp>
-    </p:spTree>
-    <p:extLst>
-      <p:ext uri="{BB962C8B-B14F-4D97-AF65-F5344CB8AC3E}">
-        <p14:creationId xmlns:p14="http://schemas.microsoft.com/office/powerpoint/2010/main" val="2463798741"/>
-      </p:ext>
-    </p:extLst>
-  </p:cSld>
-  <p:clrMapOvr>
-    <a:masterClrMapping/>
-  </p:clrMapOvr>
-</p:sldLayout>
-</file>
-
-<file path=ppt/slideLayouts/slideLayout9.xml><?xml version="1.0" encoding="utf-8"?>
-<p:sldLayout xmlns:a="http://schemas.openxmlformats.org/drawingml/2006/main" xmlns:r="http://schemas.openxmlformats.org/officeDocument/2006/relationships" xmlns:p="http://schemas.openxmlformats.org/presentationml/2006/main" type="picTx" preserve="1">
-  <p:cSld name="Picture with Caption">
-    <p:spTree>
-      <p:nvGrpSpPr>
-        <p:cNvPr id="1" name=""/>
-        <p:cNvGrpSpPr/>
-        <p:nvPr/>
-      </p:nvGrpSpPr>
-      <p:grpSpPr>
-        <a:xfrm>
-          <a:off x="0" y="0"/>
-          <a:ext cx="0" cy="0"/>
-          <a:chOff x="0" y="0"/>
-          <a:chExt cx="0" cy="0"/>
-        </a:xfrm>
-      </p:grpSpPr>
-      <p:sp>
-        <p:nvSpPr>
-          <p:cNvPr id="2" name="Title 1"/>
-          <p:cNvSpPr>
-            <a:spLocks noGrp="1"/>
-          </p:cNvSpPr>
-          <p:nvPr>
-            <p:ph type="title"/>
-          </p:nvPr>
-        </p:nvSpPr>
-        <p:spPr>
-          <a:xfrm>
-            <a:off x="629841" y="457200"/>
-            <a:ext cx="2949178" cy="1600200"/>
-          </a:xfrm>
-        </p:spPr>
-        <p:txBody>
-          <a:bodyPr anchor="b"/>
-          <a:lstStyle>
-            <a:lvl1pPr>
-              <a:defRPr sz="3200"/>
-            </a:lvl1pPr>
-          </a:lstStyle>
-          <a:p>
-            <a:r>
-              <a:rPr lang="en-US" smtClean="0"/>
-              <a:t>Click to edit Master title style</a:t>
-            </a:r>
-            <a:endParaRPr lang="en-US" dirty="0"/>
-          </a:p>
-        </p:txBody>
-      </p:sp>
-      <p:sp>
-        <p:nvSpPr>
-          <p:cNvPr id="3" name="Picture Placeholder 2"/>
-          <p:cNvSpPr>
-            <a:spLocks noGrp="1" noChangeAspect="1"/>
-          </p:cNvSpPr>
-          <p:nvPr>
-            <p:ph type="pic" idx="1"/>
-          </p:nvPr>
-        </p:nvSpPr>
-        <p:spPr>
-          <a:xfrm>
-            <a:off x="3887391" y="987426"/>
-            <a:ext cx="4629150" cy="4873625"/>
-          </a:xfrm>
-        </p:spPr>
-        <p:txBody>
-          <a:bodyPr anchor="t"/>
-          <a:lstStyle>
-            <a:lvl1pPr marL="0" indent="0">
-              <a:buNone/>
-              <a:defRPr sz="3200"/>
-            </a:lvl1pPr>
-            <a:lvl2pPr marL="457200" indent="0">
-              <a:buNone/>
-              <a:defRPr sz="2800"/>
-            </a:lvl2pPr>
-            <a:lvl3pPr marL="914400" indent="0">
-              <a:buNone/>
-              <a:defRPr sz="2400"/>
-            </a:lvl3pPr>
-            <a:lvl4pPr marL="1371600" indent="0">
-              <a:buNone/>
-              <a:defRPr sz="2000"/>
-            </a:lvl4pPr>
-            <a:lvl5pPr marL="1828800" indent="0">
-              <a:buNone/>
-              <a:defRPr sz="2000"/>
-            </a:lvl5pPr>
-            <a:lvl6pPr marL="2286000" indent="0">
-              <a:buNone/>
-              <a:defRPr sz="2000"/>
-            </a:lvl6pPr>
-            <a:lvl7pPr marL="2743200" indent="0">
-              <a:buNone/>
-              <a:defRPr sz="2000"/>
-            </a:lvl7pPr>
-            <a:lvl8pPr marL="3200400" indent="0">
-              <a:buNone/>
-              <a:defRPr sz="2000"/>
-            </a:lvl8pPr>
-            <a:lvl9pPr marL="3657600" indent="0">
-              <a:buNone/>
-              <a:defRPr sz="2000"/>
-            </a:lvl9pPr>
-          </a:lstStyle>
-          <a:p>
-            <a:r>
-              <a:rPr lang="en-US" smtClean="0"/>
-              <a:t>Click icon to add picture</a:t>
-            </a:r>
-            <a:endParaRPr lang="en-US" dirty="0"/>
-          </a:p>
-        </p:txBody>
-      </p:sp>
-      <p:sp>
-        <p:nvSpPr>
-          <p:cNvPr id="4" name="Text Placeholder 3"/>
-          <p:cNvSpPr>
-            <a:spLocks noGrp="1"/>
-          </p:cNvSpPr>
-          <p:nvPr>
-            <p:ph type="body" sz="half" idx="2"/>
-          </p:nvPr>
-        </p:nvSpPr>
-        <p:spPr>
-          <a:xfrm>
-            <a:off x="629841" y="2057400"/>
-            <a:ext cx="2949178" cy="3811588"/>
-          </a:xfrm>
-        </p:spPr>
-        <p:txBody>
-          <a:bodyPr/>
-          <a:lstStyle>
-            <a:lvl1pPr marL="0" indent="0">
-              <a:buNone/>
-              <a:defRPr sz="1600"/>
-            </a:lvl1pPr>
-            <a:lvl2pPr marL="457200" indent="0">
-              <a:buNone/>
-              <a:defRPr sz="1400"/>
-            </a:lvl2pPr>
-            <a:lvl3pPr marL="914400" indent="0">
-              <a:buNone/>
-              <a:defRPr sz="1200"/>
-            </a:lvl3pPr>
-            <a:lvl4pPr marL="1371600" indent="0">
-              <a:buNone/>
-              <a:defRPr sz="1000"/>
-            </a:lvl4pPr>
-            <a:lvl5pPr marL="1828800" indent="0">
-              <a:buNone/>
-              <a:defRPr sz="1000"/>
-            </a:lvl5pPr>
-            <a:lvl6pPr marL="2286000" indent="0">
-              <a:buNone/>
-              <a:defRPr sz="1000"/>
-            </a:lvl6pPr>
-            <a:lvl7pPr marL="2743200" indent="0">
-              <a:buNone/>
-              <a:defRPr sz="1000"/>
-            </a:lvl7pPr>
-            <a:lvl8pPr marL="3200400" indent="0">
-              <a:buNone/>
-              <a:defRPr sz="1000"/>
-            </a:lvl8pPr>
-            <a:lvl9pPr marL="3657600" indent="0">
-              <a:buNone/>
-              <a:defRPr sz="1000"/>
-            </a:lvl9pPr>
-          </a:lstStyle>
-          <a:p>
-            <a:pPr lvl="0"/>
-            <a:r>
-              <a:rPr lang="en-US" smtClean="0"/>
-              <a:t>Click to edit Master text styles</a:t>
-            </a:r>
-          </a:p>
-        </p:txBody>
-      </p:sp>
-      <p:sp>
-        <p:nvSpPr>
-          <p:cNvPr id="5" name="Date Placeholder 4"/>
-          <p:cNvSpPr>
-            <a:spLocks noGrp="1"/>
-          </p:cNvSpPr>
-          <p:nvPr>
-            <p:ph type="dt" sz="half" idx="10"/>
-          </p:nvPr>
-        </p:nvSpPr>
-        <p:spPr/>
-        <p:txBody>
-          <a:bodyPr/>
-          <a:lstStyle/>
-          <a:p>
-            <a:fld id="{E85EC8E5-EBD8-4245-8190-1EA5B708C2BF}" type="datetime1">
-              <a:rPr lang="en-US" smtClean="0"/>
-              <a:t>2017-10-20</a:t>
-            </a:fld>
-            <a:endParaRPr lang="en-US"/>
-          </a:p>
-        </p:txBody>
-      </p:sp>
-      <p:sp>
-        <p:nvSpPr>
-          <p:cNvPr id="6" name="Footer Placeholder 5"/>
-          <p:cNvSpPr>
-            <a:spLocks noGrp="1"/>
-          </p:cNvSpPr>
-          <p:nvPr>
-            <p:ph type="ftr" sz="quarter" idx="11"/>
-          </p:nvPr>
-        </p:nvSpPr>
-        <p:spPr/>
-        <p:txBody>
-          <a:bodyPr/>
-          <a:lstStyle/>
-          <a:p>
-            <a:endParaRPr lang="en-US"/>
-          </a:p>
-        </p:txBody>
-      </p:sp>
-      <p:sp>
-        <p:nvSpPr>
-          <p:cNvPr id="7" name="Slide Number Placeholder 6"/>
-          <p:cNvSpPr>
-            <a:spLocks noGrp="1"/>
-          </p:cNvSpPr>
-          <p:nvPr>
-            <p:ph type="sldNum" sz="quarter" idx="12"/>
-          </p:nvPr>
-        </p:nvSpPr>
-        <p:spPr/>
-        <p:txBody>
-          <a:bodyPr/>
-          <a:lstStyle/>
-          <a:p>
-            <a:fld id="{1F6F384A-117A-4317-A980-29424180BA92}" type="slidenum">
-              <a:rPr lang="en-US" smtClean="0"/>
-              <a:t>‹#›</a:t>
-            </a:fld>
-            <a:endParaRPr lang="en-US"/>
-          </a:p>
-        </p:txBody>
-      </p:sp>
-    </p:spTree>
-    <p:extLst>
-      <p:ext uri="{BB962C8B-B14F-4D97-AF65-F5344CB8AC3E}">
-        <p14:creationId xmlns:p14="http://schemas.microsoft.com/office/powerpoint/2010/main" val="3946465809"/>
       </p:ext>
     </p:extLst>
   </p:cSld>
@@ -5612,8 +3317,8 @@
         </p:nvSpPr>
         <p:spPr>
           <a:xfrm>
-            <a:off x="628650" y="365126"/>
-            <a:ext cx="7886700" cy="1325563"/>
+            <a:off x="457200" y="274638"/>
+            <a:ext cx="8229600" cy="1143000"/>
           </a:xfrm>
           <a:prstGeom prst="rect">
             <a:avLst/>
@@ -5629,7 +3334,7 @@
               <a:rPr lang="en-US" smtClean="0"/>
               <a:t>Click to edit Master title style</a:t>
             </a:r>
-            <a:endParaRPr lang="en-US" dirty="0"/>
+            <a:endParaRPr lang="nl-BE"/>
           </a:p>
         </p:txBody>
       </p:sp>
@@ -5645,8 +3350,8 @@
         </p:nvSpPr>
         <p:spPr>
           <a:xfrm>
-            <a:off x="628650" y="1825625"/>
-            <a:ext cx="7886700" cy="4351338"/>
+            <a:off x="457200" y="1600200"/>
+            <a:ext cx="8229600" cy="4525963"/>
           </a:xfrm>
           <a:prstGeom prst="rect">
             <a:avLst/>
@@ -5691,7 +3396,7 @@
               <a:rPr lang="en-US" smtClean="0"/>
               <a:t>Fifth level</a:t>
             </a:r>
-            <a:endParaRPr lang="en-US" dirty="0"/>
+            <a:endParaRPr lang="nl-BE"/>
           </a:p>
         </p:txBody>
       </p:sp>
@@ -5707,8 +3412,8 @@
         </p:nvSpPr>
         <p:spPr>
           <a:xfrm>
-            <a:off x="628650" y="6356351"/>
-            <a:ext cx="2057400" cy="365125"/>
+            <a:off x="457200" y="6356350"/>
+            <a:ext cx="2133600" cy="365125"/>
           </a:xfrm>
           <a:prstGeom prst="rect">
             <a:avLst/>
@@ -5728,547 +3433,6 @@
             </a:lvl1pPr>
           </a:lstStyle>
           <a:p>
-            <a:fld id="{C325B21B-C452-49F1-A342-1D5A497DF64C}" type="datetime1">
-              <a:rPr lang="en-US" smtClean="0"/>
-              <a:t>2017-10-20</a:t>
-            </a:fld>
-            <a:endParaRPr lang="en-US"/>
-          </a:p>
-        </p:txBody>
-      </p:sp>
-      <p:sp>
-        <p:nvSpPr>
-          <p:cNvPr id="5" name="Footer Placeholder 4"/>
-          <p:cNvSpPr>
-            <a:spLocks noGrp="1"/>
-          </p:cNvSpPr>
-          <p:nvPr>
-            <p:ph type="ftr" sz="quarter" idx="3"/>
-          </p:nvPr>
-        </p:nvSpPr>
-        <p:spPr>
-          <a:xfrm>
-            <a:off x="3028950" y="6356351"/>
-            <a:ext cx="3086100" cy="365125"/>
-          </a:xfrm>
-          <a:prstGeom prst="rect">
-            <a:avLst/>
-          </a:prstGeom>
-        </p:spPr>
-        <p:txBody>
-          <a:bodyPr vert="horz" lIns="91440" tIns="45720" rIns="91440" bIns="45720" rtlCol="0" anchor="ctr"/>
-          <a:lstStyle>
-            <a:lvl1pPr algn="ctr">
-              <a:defRPr sz="1200">
-                <a:solidFill>
-                  <a:schemeClr val="tx1">
-                    <a:tint val="75000"/>
-                  </a:schemeClr>
-                </a:solidFill>
-              </a:defRPr>
-            </a:lvl1pPr>
-          </a:lstStyle>
-          <a:p>
-            <a:endParaRPr lang="en-US"/>
-          </a:p>
-        </p:txBody>
-      </p:sp>
-      <p:sp>
-        <p:nvSpPr>
-          <p:cNvPr id="6" name="Slide Number Placeholder 5"/>
-          <p:cNvSpPr>
-            <a:spLocks noGrp="1"/>
-          </p:cNvSpPr>
-          <p:nvPr>
-            <p:ph type="sldNum" sz="quarter" idx="4"/>
-          </p:nvPr>
-        </p:nvSpPr>
-        <p:spPr>
-          <a:xfrm>
-            <a:off x="6457950" y="6356351"/>
-            <a:ext cx="2057400" cy="365125"/>
-          </a:xfrm>
-          <a:prstGeom prst="rect">
-            <a:avLst/>
-          </a:prstGeom>
-        </p:spPr>
-        <p:txBody>
-          <a:bodyPr vert="horz" lIns="91440" tIns="45720" rIns="91440" bIns="45720" rtlCol="0" anchor="ctr"/>
-          <a:lstStyle>
-            <a:lvl1pPr algn="r">
-              <a:defRPr sz="1200">
-                <a:solidFill>
-                  <a:schemeClr val="tx1">
-                    <a:tint val="75000"/>
-                  </a:schemeClr>
-                </a:solidFill>
-              </a:defRPr>
-            </a:lvl1pPr>
-          </a:lstStyle>
-          <a:p>
-            <a:fld id="{1F6F384A-117A-4317-A980-29424180BA92}" type="slidenum">
-              <a:rPr lang="en-US" smtClean="0"/>
-              <a:t>‹#›</a:t>
-            </a:fld>
-            <a:endParaRPr lang="en-US"/>
-          </a:p>
-        </p:txBody>
-      </p:sp>
-    </p:spTree>
-    <p:extLst>
-      <p:ext uri="{BB962C8B-B14F-4D97-AF65-F5344CB8AC3E}">
-        <p14:creationId xmlns:p14="http://schemas.microsoft.com/office/powerpoint/2010/main" val="481541414"/>
-      </p:ext>
-    </p:extLst>
-  </p:cSld>
-  <p:clrMap bg1="lt1" tx1="dk1" bg2="lt2" tx2="dk2" accent1="accent1" accent2="accent2" accent3="accent3" accent4="accent4" accent5="accent5" accent6="accent6" hlink="hlink" folHlink="folHlink"/>
-  <p:sldLayoutIdLst>
-    <p:sldLayoutId id="2147483661" r:id="rId1"/>
-    <p:sldLayoutId id="2147483662" r:id="rId2"/>
-    <p:sldLayoutId id="2147483663" r:id="rId3"/>
-    <p:sldLayoutId id="2147483664" r:id="rId4"/>
-    <p:sldLayoutId id="2147483665" r:id="rId5"/>
-    <p:sldLayoutId id="2147483666" r:id="rId6"/>
-    <p:sldLayoutId id="2147483667" r:id="rId7"/>
-    <p:sldLayoutId id="2147483668" r:id="rId8"/>
-    <p:sldLayoutId id="2147483669" r:id="rId9"/>
-    <p:sldLayoutId id="2147483670" r:id="rId10"/>
-    <p:sldLayoutId id="2147483671" r:id="rId11"/>
-  </p:sldLayoutIdLst>
-  <p:hf hdr="0" ftr="0" dt="0"/>
-  <p:txStyles>
-    <p:titleStyle>
-      <a:lvl1pPr algn="l" defTabSz="914400" rtl="0" eaLnBrk="1" latinLnBrk="0" hangingPunct="1">
-        <a:lnSpc>
-          <a:spcPct val="90000"/>
-        </a:lnSpc>
-        <a:spcBef>
-          <a:spcPct val="0"/>
-        </a:spcBef>
-        <a:buNone/>
-        <a:defRPr sz="4400" kern="1200">
-          <a:solidFill>
-            <a:schemeClr val="tx1"/>
-          </a:solidFill>
-          <a:latin typeface="+mj-lt"/>
-          <a:ea typeface="+mj-ea"/>
-          <a:cs typeface="+mj-cs"/>
-        </a:defRPr>
-      </a:lvl1pPr>
-    </p:titleStyle>
-    <p:bodyStyle>
-      <a:lvl1pPr marL="228600" indent="-228600" algn="l" defTabSz="914400" rtl="0" eaLnBrk="1" latinLnBrk="0" hangingPunct="1">
-        <a:lnSpc>
-          <a:spcPct val="90000"/>
-        </a:lnSpc>
-        <a:spcBef>
-          <a:spcPts val="1000"/>
-        </a:spcBef>
-        <a:buFont typeface="Arial" panose="020B0604020202020204" pitchFamily="34" charset="0"/>
-        <a:buChar char="•"/>
-        <a:defRPr sz="2800" kern="1200">
-          <a:solidFill>
-            <a:schemeClr val="tx1"/>
-          </a:solidFill>
-          <a:latin typeface="+mn-lt"/>
-          <a:ea typeface="+mn-ea"/>
-          <a:cs typeface="+mn-cs"/>
-        </a:defRPr>
-      </a:lvl1pPr>
-      <a:lvl2pPr marL="685800" indent="-228600" algn="l" defTabSz="914400" rtl="0" eaLnBrk="1" latinLnBrk="0" hangingPunct="1">
-        <a:lnSpc>
-          <a:spcPct val="90000"/>
-        </a:lnSpc>
-        <a:spcBef>
-          <a:spcPts val="500"/>
-        </a:spcBef>
-        <a:buFont typeface="Arial" panose="020B0604020202020204" pitchFamily="34" charset="0"/>
-        <a:buChar char="•"/>
-        <a:defRPr sz="2400" kern="1200">
-          <a:solidFill>
-            <a:schemeClr val="tx1"/>
-          </a:solidFill>
-          <a:latin typeface="+mn-lt"/>
-          <a:ea typeface="+mn-ea"/>
-          <a:cs typeface="+mn-cs"/>
-        </a:defRPr>
-      </a:lvl2pPr>
-      <a:lvl3pPr marL="1143000" indent="-228600" algn="l" defTabSz="914400" rtl="0" eaLnBrk="1" latinLnBrk="0" hangingPunct="1">
-        <a:lnSpc>
-          <a:spcPct val="90000"/>
-        </a:lnSpc>
-        <a:spcBef>
-          <a:spcPts val="500"/>
-        </a:spcBef>
-        <a:buFont typeface="Arial" panose="020B0604020202020204" pitchFamily="34" charset="0"/>
-        <a:buChar char="•"/>
-        <a:defRPr sz="2000" kern="1200">
-          <a:solidFill>
-            <a:schemeClr val="tx1"/>
-          </a:solidFill>
-          <a:latin typeface="+mn-lt"/>
-          <a:ea typeface="+mn-ea"/>
-          <a:cs typeface="+mn-cs"/>
-        </a:defRPr>
-      </a:lvl3pPr>
-      <a:lvl4pPr marL="1600200" indent="-228600" algn="l" defTabSz="914400" rtl="0" eaLnBrk="1" latinLnBrk="0" hangingPunct="1">
-        <a:lnSpc>
-          <a:spcPct val="90000"/>
-        </a:lnSpc>
-        <a:spcBef>
-          <a:spcPts val="500"/>
-        </a:spcBef>
-        <a:buFont typeface="Arial" panose="020B0604020202020204" pitchFamily="34" charset="0"/>
-        <a:buChar char="•"/>
-        <a:defRPr sz="1800" kern="1200">
-          <a:solidFill>
-            <a:schemeClr val="tx1"/>
-          </a:solidFill>
-          <a:latin typeface="+mn-lt"/>
-          <a:ea typeface="+mn-ea"/>
-          <a:cs typeface="+mn-cs"/>
-        </a:defRPr>
-      </a:lvl4pPr>
-      <a:lvl5pPr marL="2057400" indent="-228600" algn="l" defTabSz="914400" rtl="0" eaLnBrk="1" latinLnBrk="0" hangingPunct="1">
-        <a:lnSpc>
-          <a:spcPct val="90000"/>
-        </a:lnSpc>
-        <a:spcBef>
-          <a:spcPts val="500"/>
-        </a:spcBef>
-        <a:buFont typeface="Arial" panose="020B0604020202020204" pitchFamily="34" charset="0"/>
-        <a:buChar char="•"/>
-        <a:defRPr sz="1800" kern="1200">
-          <a:solidFill>
-            <a:schemeClr val="tx1"/>
-          </a:solidFill>
-          <a:latin typeface="+mn-lt"/>
-          <a:ea typeface="+mn-ea"/>
-          <a:cs typeface="+mn-cs"/>
-        </a:defRPr>
-      </a:lvl5pPr>
-      <a:lvl6pPr marL="2514600" indent="-228600" algn="l" defTabSz="914400" rtl="0" eaLnBrk="1" latinLnBrk="0" hangingPunct="1">
-        <a:lnSpc>
-          <a:spcPct val="90000"/>
-        </a:lnSpc>
-        <a:spcBef>
-          <a:spcPts val="500"/>
-        </a:spcBef>
-        <a:buFont typeface="Arial" panose="020B0604020202020204" pitchFamily="34" charset="0"/>
-        <a:buChar char="•"/>
-        <a:defRPr sz="1800" kern="1200">
-          <a:solidFill>
-            <a:schemeClr val="tx1"/>
-          </a:solidFill>
-          <a:latin typeface="+mn-lt"/>
-          <a:ea typeface="+mn-ea"/>
-          <a:cs typeface="+mn-cs"/>
-        </a:defRPr>
-      </a:lvl6pPr>
-      <a:lvl7pPr marL="2971800" indent="-228600" algn="l" defTabSz="914400" rtl="0" eaLnBrk="1" latinLnBrk="0" hangingPunct="1">
-        <a:lnSpc>
-          <a:spcPct val="90000"/>
-        </a:lnSpc>
-        <a:spcBef>
-          <a:spcPts val="500"/>
-        </a:spcBef>
-        <a:buFont typeface="Arial" panose="020B0604020202020204" pitchFamily="34" charset="0"/>
-        <a:buChar char="•"/>
-        <a:defRPr sz="1800" kern="1200">
-          <a:solidFill>
-            <a:schemeClr val="tx1"/>
-          </a:solidFill>
-          <a:latin typeface="+mn-lt"/>
-          <a:ea typeface="+mn-ea"/>
-          <a:cs typeface="+mn-cs"/>
-        </a:defRPr>
-      </a:lvl7pPr>
-      <a:lvl8pPr marL="3429000" indent="-228600" algn="l" defTabSz="914400" rtl="0" eaLnBrk="1" latinLnBrk="0" hangingPunct="1">
-        <a:lnSpc>
-          <a:spcPct val="90000"/>
-        </a:lnSpc>
-        <a:spcBef>
-          <a:spcPts val="500"/>
-        </a:spcBef>
-        <a:buFont typeface="Arial" panose="020B0604020202020204" pitchFamily="34" charset="0"/>
-        <a:buChar char="•"/>
-        <a:defRPr sz="1800" kern="1200">
-          <a:solidFill>
-            <a:schemeClr val="tx1"/>
-          </a:solidFill>
-          <a:latin typeface="+mn-lt"/>
-          <a:ea typeface="+mn-ea"/>
-          <a:cs typeface="+mn-cs"/>
-        </a:defRPr>
-      </a:lvl8pPr>
-      <a:lvl9pPr marL="3886200" indent="-228600" algn="l" defTabSz="914400" rtl="0" eaLnBrk="1" latinLnBrk="0" hangingPunct="1">
-        <a:lnSpc>
-          <a:spcPct val="90000"/>
-        </a:lnSpc>
-        <a:spcBef>
-          <a:spcPts val="500"/>
-        </a:spcBef>
-        <a:buFont typeface="Arial" panose="020B0604020202020204" pitchFamily="34" charset="0"/>
-        <a:buChar char="•"/>
-        <a:defRPr sz="1800" kern="1200">
-          <a:solidFill>
-            <a:schemeClr val="tx1"/>
-          </a:solidFill>
-          <a:latin typeface="+mn-lt"/>
-          <a:ea typeface="+mn-ea"/>
-          <a:cs typeface="+mn-cs"/>
-        </a:defRPr>
-      </a:lvl9pPr>
-    </p:bodyStyle>
-    <p:otherStyle>
-      <a:defPPr>
-        <a:defRPr lang="en-US"/>
-      </a:defPPr>
-      <a:lvl1pPr marL="0" algn="l" defTabSz="914400" rtl="0" eaLnBrk="1" latinLnBrk="0" hangingPunct="1">
-        <a:defRPr sz="1800" kern="1200">
-          <a:solidFill>
-            <a:schemeClr val="tx1"/>
-          </a:solidFill>
-          <a:latin typeface="+mn-lt"/>
-          <a:ea typeface="+mn-ea"/>
-          <a:cs typeface="+mn-cs"/>
-        </a:defRPr>
-      </a:lvl1pPr>
-      <a:lvl2pPr marL="457200" algn="l" defTabSz="914400" rtl="0" eaLnBrk="1" latinLnBrk="0" hangingPunct="1">
-        <a:defRPr sz="1800" kern="1200">
-          <a:solidFill>
-            <a:schemeClr val="tx1"/>
-          </a:solidFill>
-          <a:latin typeface="+mn-lt"/>
-          <a:ea typeface="+mn-ea"/>
-          <a:cs typeface="+mn-cs"/>
-        </a:defRPr>
-      </a:lvl2pPr>
-      <a:lvl3pPr marL="914400" algn="l" defTabSz="914400" rtl="0" eaLnBrk="1" latinLnBrk="0" hangingPunct="1">
-        <a:defRPr sz="1800" kern="1200">
-          <a:solidFill>
-            <a:schemeClr val="tx1"/>
-          </a:solidFill>
-          <a:latin typeface="+mn-lt"/>
-          <a:ea typeface="+mn-ea"/>
-          <a:cs typeface="+mn-cs"/>
-        </a:defRPr>
-      </a:lvl3pPr>
-      <a:lvl4pPr marL="1371600" algn="l" defTabSz="914400" rtl="0" eaLnBrk="1" latinLnBrk="0" hangingPunct="1">
-        <a:defRPr sz="1800" kern="1200">
-          <a:solidFill>
-            <a:schemeClr val="tx1"/>
-          </a:solidFill>
-          <a:latin typeface="+mn-lt"/>
-          <a:ea typeface="+mn-ea"/>
-          <a:cs typeface="+mn-cs"/>
-        </a:defRPr>
-      </a:lvl4pPr>
-      <a:lvl5pPr marL="1828800" algn="l" defTabSz="914400" rtl="0" eaLnBrk="1" latinLnBrk="0" hangingPunct="1">
-        <a:defRPr sz="1800" kern="1200">
-          <a:solidFill>
-            <a:schemeClr val="tx1"/>
-          </a:solidFill>
-          <a:latin typeface="+mn-lt"/>
-          <a:ea typeface="+mn-ea"/>
-          <a:cs typeface="+mn-cs"/>
-        </a:defRPr>
-      </a:lvl5pPr>
-      <a:lvl6pPr marL="2286000" algn="l" defTabSz="914400" rtl="0" eaLnBrk="1" latinLnBrk="0" hangingPunct="1">
-        <a:defRPr sz="1800" kern="1200">
-          <a:solidFill>
-            <a:schemeClr val="tx1"/>
-          </a:solidFill>
-          <a:latin typeface="+mn-lt"/>
-          <a:ea typeface="+mn-ea"/>
-          <a:cs typeface="+mn-cs"/>
-        </a:defRPr>
-      </a:lvl6pPr>
-      <a:lvl7pPr marL="2743200" algn="l" defTabSz="914400" rtl="0" eaLnBrk="1" latinLnBrk="0" hangingPunct="1">
-        <a:defRPr sz="1800" kern="1200">
-          <a:solidFill>
-            <a:schemeClr val="tx1"/>
-          </a:solidFill>
-          <a:latin typeface="+mn-lt"/>
-          <a:ea typeface="+mn-ea"/>
-          <a:cs typeface="+mn-cs"/>
-        </a:defRPr>
-      </a:lvl7pPr>
-      <a:lvl8pPr marL="3200400" algn="l" defTabSz="914400" rtl="0" eaLnBrk="1" latinLnBrk="0" hangingPunct="1">
-        <a:defRPr sz="1800" kern="1200">
-          <a:solidFill>
-            <a:schemeClr val="tx1"/>
-          </a:solidFill>
-          <a:latin typeface="+mn-lt"/>
-          <a:ea typeface="+mn-ea"/>
-          <a:cs typeface="+mn-cs"/>
-        </a:defRPr>
-      </a:lvl8pPr>
-      <a:lvl9pPr marL="3657600" algn="l" defTabSz="914400" rtl="0" eaLnBrk="1" latinLnBrk="0" hangingPunct="1">
-        <a:defRPr sz="1800" kern="1200">
-          <a:solidFill>
-            <a:schemeClr val="tx1"/>
-          </a:solidFill>
-          <a:latin typeface="+mn-lt"/>
-          <a:ea typeface="+mn-ea"/>
-          <a:cs typeface="+mn-cs"/>
-        </a:defRPr>
-      </a:lvl9pPr>
-    </p:otherStyle>
-  </p:txStyles>
-</p:sldMaster>
-</file>
-
-<file path=ppt/slideMasters/slideMaster2.xml><?xml version="1.0" encoding="utf-8"?>
-<p:sldMaster xmlns:a="http://schemas.openxmlformats.org/drawingml/2006/main" xmlns:r="http://schemas.openxmlformats.org/officeDocument/2006/relationships" xmlns:p="http://schemas.openxmlformats.org/presentationml/2006/main">
-  <p:cSld>
-    <p:bg>
-      <p:bgRef idx="1001">
-        <a:schemeClr val="bg1"/>
-      </p:bgRef>
-    </p:bg>
-    <p:spTree>
-      <p:nvGrpSpPr>
-        <p:cNvPr id="1" name=""/>
-        <p:cNvGrpSpPr/>
-        <p:nvPr/>
-      </p:nvGrpSpPr>
-      <p:grpSpPr>
-        <a:xfrm>
-          <a:off x="0" y="0"/>
-          <a:ext cx="0" cy="0"/>
-          <a:chOff x="0" y="0"/>
-          <a:chExt cx="0" cy="0"/>
-        </a:xfrm>
-      </p:grpSpPr>
-      <p:sp>
-        <p:nvSpPr>
-          <p:cNvPr id="2" name="Title Placeholder 1"/>
-          <p:cNvSpPr>
-            <a:spLocks noGrp="1"/>
-          </p:cNvSpPr>
-          <p:nvPr>
-            <p:ph type="title"/>
-          </p:nvPr>
-        </p:nvSpPr>
-        <p:spPr>
-          <a:xfrm>
-            <a:off x="457200" y="274638"/>
-            <a:ext cx="8229600" cy="1143000"/>
-          </a:xfrm>
-          <a:prstGeom prst="rect">
-            <a:avLst/>
-          </a:prstGeom>
-        </p:spPr>
-        <p:txBody>
-          <a:bodyPr vert="horz" lIns="91440" tIns="45720" rIns="91440" bIns="45720" rtlCol="0" anchor="ctr">
-            <a:normAutofit/>
-          </a:bodyPr>
-          <a:lstStyle/>
-          <a:p>
-            <a:r>
-              <a:rPr lang="en-US" smtClean="0"/>
-              <a:t>Click to edit Master title style</a:t>
-            </a:r>
-            <a:endParaRPr lang="nl-BE"/>
-          </a:p>
-        </p:txBody>
-      </p:sp>
-      <p:sp>
-        <p:nvSpPr>
-          <p:cNvPr id="3" name="Text Placeholder 2"/>
-          <p:cNvSpPr>
-            <a:spLocks noGrp="1"/>
-          </p:cNvSpPr>
-          <p:nvPr>
-            <p:ph type="body" idx="1"/>
-          </p:nvPr>
-        </p:nvSpPr>
-        <p:spPr>
-          <a:xfrm>
-            <a:off x="457200" y="1600200"/>
-            <a:ext cx="8229600" cy="4525963"/>
-          </a:xfrm>
-          <a:prstGeom prst="rect">
-            <a:avLst/>
-          </a:prstGeom>
-        </p:spPr>
-        <p:txBody>
-          <a:bodyPr vert="horz" lIns="91440" tIns="45720" rIns="91440" bIns="45720" rtlCol="0">
-            <a:normAutofit/>
-          </a:bodyPr>
-          <a:lstStyle/>
-          <a:p>
-            <a:pPr lvl="0"/>
-            <a:r>
-              <a:rPr lang="en-US" smtClean="0"/>
-              <a:t>Click to edit Master text styles</a:t>
-            </a:r>
-          </a:p>
-          <a:p>
-            <a:pPr lvl="1"/>
-            <a:r>
-              <a:rPr lang="en-US" smtClean="0"/>
-              <a:t>Second level</a:t>
-            </a:r>
-          </a:p>
-          <a:p>
-            <a:pPr lvl="2"/>
-            <a:r>
-              <a:rPr lang="en-US" smtClean="0"/>
-              <a:t>Third level</a:t>
-            </a:r>
-          </a:p>
-          <a:p>
-            <a:pPr lvl="3"/>
-            <a:r>
-              <a:rPr lang="en-US" smtClean="0"/>
-              <a:t>Fourth level</a:t>
-            </a:r>
-          </a:p>
-          <a:p>
-            <a:pPr lvl="4"/>
-            <a:r>
-              <a:rPr lang="en-US" smtClean="0"/>
-              <a:t>Fifth level</a:t>
-            </a:r>
-            <a:endParaRPr lang="nl-BE"/>
-          </a:p>
-        </p:txBody>
-      </p:sp>
-      <p:sp>
-        <p:nvSpPr>
-          <p:cNvPr id="4" name="Date Placeholder 3"/>
-          <p:cNvSpPr>
-            <a:spLocks noGrp="1"/>
-          </p:cNvSpPr>
-          <p:nvPr>
-            <p:ph type="dt" sz="half" idx="2"/>
-          </p:nvPr>
-        </p:nvSpPr>
-        <p:spPr>
-          <a:xfrm>
-            <a:off x="457200" y="6356350"/>
-            <a:ext cx="2133600" cy="365125"/>
-          </a:xfrm>
-          <a:prstGeom prst="rect">
-            <a:avLst/>
-          </a:prstGeom>
-        </p:spPr>
-        <p:txBody>
-          <a:bodyPr vert="horz" lIns="91440" tIns="45720" rIns="91440" bIns="45720" rtlCol="0" anchor="ctr"/>
-          <a:lstStyle>
-            <a:lvl1pPr algn="l">
-              <a:defRPr sz="1200">
-                <a:solidFill>
-                  <a:schemeClr val="tx1">
-                    <a:tint val="75000"/>
-                  </a:schemeClr>
-                </a:solidFill>
-              </a:defRPr>
-            </a:lvl1pPr>
-          </a:lstStyle>
-          <a:p>
             <a:fld id="{AFF0BB8E-41A9-4D12-9A22-82FF4E94F27A}" type="datetime1">
               <a:rPr lang="nl-BE" smtClean="0">
                 <a:solidFill>
@@ -6278,7 +3442,7 @@
                 </a:solidFill>
               </a:rPr>
               <a:pPr/>
-              <a:t>20/10/2017</a:t>
+              <a:t>22/10/2017</a:t>
             </a:fld>
             <a:endParaRPr lang="nl-BE">
               <a:solidFill>
@@ -6871,69 +4035,96 @@
         </p:nvSpPr>
         <p:spPr/>
         <p:txBody>
-          <a:bodyPr/>
+          <a:bodyPr>
+            <a:normAutofit fontScale="92500" lnSpcReduction="20000"/>
+          </a:bodyPr>
           <a:lstStyle/>
           <a:p>
             <a:r>
               <a:rPr lang="en-US" dirty="0" smtClean="0"/>
-              <a:t>Micro-services</a:t>
-            </a:r>
+              <a:t>Graphical Informatio</a:t>
+            </a:r>
+            <a:r>
+              <a:rPr lang="en-US" dirty="0" smtClean="0"/>
+              <a:t>n System (GIS), e.g.,</a:t>
+            </a:r>
+            <a:endParaRPr lang="en-US" dirty="0" smtClean="0"/>
           </a:p>
           <a:p>
             <a:pPr lvl="1"/>
             <a:r>
               <a:rPr lang="en-US" dirty="0" smtClean="0"/>
-              <a:t>single user web application</a:t>
-            </a:r>
+              <a:t>ArcGIS</a:t>
+            </a:r>
+            <a:endParaRPr lang="en-US" dirty="0" smtClean="0"/>
           </a:p>
           <a:p>
             <a:pPr lvl="1"/>
             <a:r>
+              <a:rPr lang="en-US" dirty="0" err="1" smtClean="0"/>
+              <a:t>QGis</a:t>
+            </a:r>
+            <a:endParaRPr lang="en-US" dirty="0" smtClean="0"/>
+          </a:p>
+          <a:p>
+            <a:r>
               <a:rPr lang="en-US" dirty="0" smtClean="0"/>
-              <a:t>can act as API (REST interface)</a:t>
-            </a:r>
+              <a:t>Many </a:t>
+            </a:r>
+            <a:r>
+              <a:rPr lang="en-US" dirty="0" smtClean="0"/>
+              <a:t>data formats, e.g.,</a:t>
+            </a:r>
+            <a:endParaRPr lang="en-US" dirty="0" smtClean="0"/>
           </a:p>
           <a:p>
             <a:pPr lvl="1"/>
             <a:r>
               <a:rPr lang="en-US" dirty="0" smtClean="0"/>
-              <a:t>can act as GUI (HTML/</a:t>
-            </a:r>
+              <a:t>shape files</a:t>
+            </a:r>
+            <a:endParaRPr lang="en-US" dirty="0" smtClean="0"/>
+          </a:p>
+          <a:p>
+            <a:pPr lvl="1"/>
             <a:r>
               <a:rPr lang="en-US" dirty="0" err="1" smtClean="0"/>
-              <a:t>Javascript</a:t>
-            </a:r>
+              <a:t>GeoJSON</a:t>
+            </a:r>
+            <a:endParaRPr lang="en-US" dirty="0" smtClean="0"/>
+          </a:p>
+          <a:p>
             <a:r>
               <a:rPr lang="en-US" dirty="0" smtClean="0"/>
-              <a:t>)</a:t>
-            </a:r>
-          </a:p>
-          <a:p>
+              <a:t>Python &amp; GIS</a:t>
+            </a:r>
+          </a:p>
+          <a:p>
+            <a:pPr lvl="1"/>
             <a:r>
               <a:rPr lang="en-US" dirty="0" smtClean="0"/>
-              <a:t>Many frameworks, e.g., Flask</a:t>
-            </a:r>
+              <a:t>I/O library: </a:t>
+            </a:r>
+            <a:r>
+              <a:rPr lang="en-US" dirty="0" err="1" smtClean="0"/>
+              <a:t>fiona</a:t>
+            </a:r>
+            <a:endParaRPr lang="en-US" dirty="0" smtClean="0"/>
           </a:p>
           <a:p>
             <a:pPr lvl="1"/>
             <a:r>
               <a:rPr lang="en-US" dirty="0" smtClean="0"/>
-              <a:t>easy to install</a:t>
+              <a:t>visualization: folium</a:t>
             </a:r>
           </a:p>
           <a:p>
             <a:pPr lvl="1"/>
             <a:r>
               <a:rPr lang="en-US" dirty="0" smtClean="0"/>
-              <a:t>nice for simple applications</a:t>
-            </a:r>
-          </a:p>
-          <a:p>
-            <a:r>
-              <a:rPr lang="en-US" dirty="0" smtClean="0"/>
-              <a:t>Note: security!</a:t>
-            </a:r>
-            <a:endParaRPr lang="en-US" dirty="0"/>
+              <a:t>data processing/modeling: shapely</a:t>
+            </a:r>
+            <a:endParaRPr lang="en-US" dirty="0" smtClean="0"/>
           </a:p>
         </p:txBody>
       </p:sp>
@@ -7099,15 +4290,33 @@
                                   </p:childTnLst>
                                 </p:cTn>
                               </p:par>
+                            </p:childTnLst>
+                          </p:cTn>
+                        </p:par>
+                      </p:childTnLst>
+                    </p:cTn>
+                  </p:par>
+                  <p:par>
+                    <p:cTn id="11" fill="hold">
+                      <p:stCondLst>
+                        <p:cond delay="indefinite"/>
+                      </p:stCondLst>
+                      <p:childTnLst>
+                        <p:par>
+                          <p:cTn id="12" fill="hold">
+                            <p:stCondLst>
+                              <p:cond delay="0"/>
+                            </p:stCondLst>
+                            <p:childTnLst>
                               <p:par>
-                                <p:cTn id="11" presetID="1" presetClass="entr" presetSubtype="0" fill="hold" grpId="0" nodeType="withEffect">
+                                <p:cTn id="13" presetID="1" presetClass="entr" presetSubtype="0" fill="hold" grpId="0" nodeType="clickEffect">
                                   <p:stCondLst>
                                     <p:cond delay="0"/>
                                   </p:stCondLst>
                                   <p:childTnLst>
                                     <p:set>
                                       <p:cBhvr>
-                                        <p:cTn id="12" dur="1" fill="hold">
+                                        <p:cTn id="14" dur="1" fill="hold">
                                           <p:stCondLst>
                                             <p:cond delay="0"/>
                                           </p:stCondLst>
@@ -7130,26 +4339,8 @@
                                   </p:childTnLst>
                                 </p:cTn>
                               </p:par>
-                            </p:childTnLst>
-                          </p:cTn>
-                        </p:par>
-                      </p:childTnLst>
-                    </p:cTn>
-                  </p:par>
-                  <p:par>
-                    <p:cTn id="13" fill="hold">
-                      <p:stCondLst>
-                        <p:cond delay="indefinite"/>
-                      </p:stCondLst>
-                      <p:childTnLst>
-                        <p:par>
-                          <p:cTn id="14" fill="hold">
-                            <p:stCondLst>
-                              <p:cond delay="0"/>
-                            </p:stCondLst>
-                            <p:childTnLst>
                               <p:par>
-                                <p:cTn id="15" presetID="1" presetClass="entr" presetSubtype="0" fill="hold" grpId="0" nodeType="clickEffect">
+                                <p:cTn id="15" presetID="1" presetClass="entr" presetSubtype="0" fill="hold" grpId="0" nodeType="withEffect">
                                   <p:stCondLst>
                                     <p:cond delay="0"/>
                                   </p:stCondLst>
@@ -7210,15 +4401,33 @@
                                   </p:childTnLst>
                                 </p:cTn>
                               </p:par>
+                            </p:childTnLst>
+                          </p:cTn>
+                        </p:par>
+                      </p:childTnLst>
+                    </p:cTn>
+                  </p:par>
+                  <p:par>
+                    <p:cTn id="19" fill="hold">
+                      <p:stCondLst>
+                        <p:cond delay="indefinite"/>
+                      </p:stCondLst>
+                      <p:childTnLst>
+                        <p:par>
+                          <p:cTn id="20" fill="hold">
+                            <p:stCondLst>
+                              <p:cond delay="0"/>
+                            </p:stCondLst>
+                            <p:childTnLst>
                               <p:par>
-                                <p:cTn id="19" presetID="1" presetClass="entr" presetSubtype="0" fill="hold" grpId="0" nodeType="withEffect">
+                                <p:cTn id="21" presetID="1" presetClass="entr" presetSubtype="0" fill="hold" grpId="0" nodeType="clickEffect">
                                   <p:stCondLst>
                                     <p:cond delay="0"/>
                                   </p:stCondLst>
                                   <p:childTnLst>
                                     <p:set>
                                       <p:cBhvr>
-                                        <p:cTn id="20" dur="1" fill="hold">
+                                        <p:cTn id="22" dur="1" fill="hold">
                                           <p:stCondLst>
                                             <p:cond delay="0"/>
                                           </p:stCondLst>
@@ -7241,26 +4450,8 @@
                                   </p:childTnLst>
                                 </p:cTn>
                               </p:par>
-                            </p:childTnLst>
-                          </p:cTn>
-                        </p:par>
-                      </p:childTnLst>
-                    </p:cTn>
-                  </p:par>
-                  <p:par>
-                    <p:cTn id="21" fill="hold">
-                      <p:stCondLst>
-                        <p:cond delay="indefinite"/>
-                      </p:stCondLst>
-                      <p:childTnLst>
-                        <p:par>
-                          <p:cTn id="22" fill="hold">
-                            <p:stCondLst>
-                              <p:cond delay="0"/>
-                            </p:stCondLst>
-                            <p:childTnLst>
                               <p:par>
-                                <p:cTn id="23" presetID="1" presetClass="entr" presetSubtype="0" fill="hold" grpId="0" nodeType="clickEffect">
+                                <p:cTn id="23" presetID="1" presetClass="entr" presetSubtype="0" fill="hold" grpId="0" nodeType="withEffect">
                                   <p:stCondLst>
                                     <p:cond delay="0"/>
                                   </p:stCondLst>
@@ -7276,6 +4467,68 @@
                                           <p:spTgt spid="3">
                                             <p:txEl>
                                               <p:pRg st="7" end="7"/>
+                                            </p:txEl>
+                                          </p:spTgt>
+                                        </p:tgtEl>
+                                        <p:attrNameLst>
+                                          <p:attrName>style.visibility</p:attrName>
+                                        </p:attrNameLst>
+                                      </p:cBhvr>
+                                      <p:to>
+                                        <p:strVal val="visible"/>
+                                      </p:to>
+                                    </p:set>
+                                  </p:childTnLst>
+                                </p:cTn>
+                              </p:par>
+                              <p:par>
+                                <p:cTn id="25" presetID="1" presetClass="entr" presetSubtype="0" fill="hold" grpId="0" nodeType="withEffect">
+                                  <p:stCondLst>
+                                    <p:cond delay="0"/>
+                                  </p:stCondLst>
+                                  <p:childTnLst>
+                                    <p:set>
+                                      <p:cBhvr>
+                                        <p:cTn id="26" dur="1" fill="hold">
+                                          <p:stCondLst>
+                                            <p:cond delay="0"/>
+                                          </p:stCondLst>
+                                        </p:cTn>
+                                        <p:tgtEl>
+                                          <p:spTgt spid="3">
+                                            <p:txEl>
+                                              <p:pRg st="8" end="8"/>
+                                            </p:txEl>
+                                          </p:spTgt>
+                                        </p:tgtEl>
+                                        <p:attrNameLst>
+                                          <p:attrName>style.visibility</p:attrName>
+                                        </p:attrNameLst>
+                                      </p:cBhvr>
+                                      <p:to>
+                                        <p:strVal val="visible"/>
+                                      </p:to>
+                                    </p:set>
+                                  </p:childTnLst>
+                                </p:cTn>
+                              </p:par>
+                              <p:par>
+                                <p:cTn id="27" presetID="1" presetClass="entr" presetSubtype="0" fill="hold" grpId="0" nodeType="withEffect">
+                                  <p:stCondLst>
+                                    <p:cond delay="0"/>
+                                  </p:stCondLst>
+                                  <p:childTnLst>
+                                    <p:set>
+                                      <p:cBhvr>
+                                        <p:cTn id="28" dur="1" fill="hold">
+                                          <p:stCondLst>
+                                            <p:cond delay="0"/>
+                                          </p:stCondLst>
+                                        </p:cTn>
+                                        <p:tgtEl>
+                                          <p:spTgt spid="3">
+                                            <p:txEl>
+                                              <p:pRg st="9" end="9"/>
                                             </p:txEl>
                                           </p:spTgt>
                                         </p:tgtEl>
@@ -7318,7 +4571,7 @@
       </p:par>
     </p:tnLst>
     <p:bldLst>
-      <p:bldP spid="3" grpId="0" build="p"/>
+      <p:bldP spid="3" grpId="0" uiExpand="1" build="p"/>
     </p:bldLst>
   </p:timing>
 </p:sld>
@@ -7358,7 +4611,7 @@
           <a:p>
             <a:r>
               <a:rPr lang="en-US" dirty="0" smtClean="0"/>
-              <a:t>Further reading</a:t>
+              <a:t>World Happiness Index</a:t>
             </a:r>
             <a:endParaRPr lang="en-US" dirty="0"/>
           </a:p>
@@ -7381,75 +4634,55 @@
           <a:p>
             <a:r>
               <a:rPr lang="en-US" dirty="0" smtClean="0"/>
-              <a:t>Flask</a:t>
-            </a:r>
+              <a:t>Data</a:t>
+            </a:r>
+          </a:p>
+          <a:p>
+            <a:pPr lvl="1"/>
+            <a:r>
+              <a:rPr lang="en-US" dirty="0" smtClean="0"/>
+              <a:t>World Happiness information: CSV file</a:t>
+            </a:r>
+          </a:p>
+          <a:p>
+            <a:pPr lvl="2"/>
+            <a:r>
+              <a:rPr lang="en-US" dirty="0" smtClean="0"/>
+              <a:t>relevant columns: Country, Happiness Score</a:t>
+            </a:r>
+          </a:p>
+          <a:p>
+            <a:pPr lvl="2"/>
+            <a:r>
+              <a:rPr lang="en-US" dirty="0" smtClean="0"/>
+              <a:t>data on 157 countries</a:t>
+            </a:r>
+          </a:p>
+          <a:p>
+            <a:pPr lvl="1"/>
+            <a:endParaRPr lang="en-US" dirty="0"/>
+          </a:p>
+          <a:p>
+            <a:pPr marL="457200" lvl="1" indent="0">
+              <a:buNone/>
+            </a:pPr>
+            <a:endParaRPr lang="en-US" dirty="0" smtClean="0"/>
+          </a:p>
+          <a:p>
+            <a:pPr lvl="1"/>
             <a:r>
               <a:rPr lang="en-US" dirty="0"/>
-              <a:t/>
-            </a:r>
-            <a:br>
-              <a:rPr lang="en-US" dirty="0"/>
-            </a:br>
-            <a:r>
-              <a:rPr lang="en-US" sz="2000" dirty="0">
-                <a:hlinkClick r:id="rId2"/>
-              </a:rPr>
-              <a:t>http://</a:t>
-            </a:r>
-            <a:r>
-              <a:rPr lang="en-US" sz="2000" dirty="0" smtClean="0">
-                <a:hlinkClick r:id="rId2"/>
-              </a:rPr>
-              <a:t>flask.pocoo.org/docs/latest</a:t>
-            </a:r>
-            <a:r>
-              <a:rPr lang="en-US" sz="2000" dirty="0" smtClean="0"/>
-              <a:t>  </a:t>
-            </a:r>
-          </a:p>
-          <a:p>
+              <a:t>country names, borders,… </a:t>
+            </a:r>
             <a:r>
               <a:rPr lang="en-US" dirty="0" smtClean="0"/>
-              <a:t>Jinja2 0.25 (check for </a:t>
-            </a:r>
-            <a:r>
-              <a:rPr lang="en-US" dirty="0"/>
-              <a:t>latest version</a:t>
-            </a:r>
-            <a:r>
-              <a:rPr lang="en-US" dirty="0" smtClean="0"/>
-              <a:t>)</a:t>
-            </a:r>
-            <a:br>
-              <a:rPr lang="en-US" dirty="0" smtClean="0"/>
-            </a:br>
-            <a:r>
-              <a:rPr lang="en-US" sz="2000" dirty="0" smtClean="0">
-                <a:hlinkClick r:id="rId3"/>
-              </a:rPr>
-              <a:t>http</a:t>
-            </a:r>
-            <a:r>
-              <a:rPr lang="en-US" sz="2000" dirty="0">
-                <a:hlinkClick r:id="rId3"/>
-              </a:rPr>
-              <a:t>://</a:t>
-            </a:r>
-            <a:r>
-              <a:rPr lang="en-US" sz="2000" smtClean="0">
-                <a:hlinkClick r:id="rId3"/>
-              </a:rPr>
-              <a:t>jinja.pocoo.org/docs/latest</a:t>
-            </a:r>
-            <a:r>
-              <a:rPr lang="en-US" sz="2000" smtClean="0"/>
-              <a:t> </a:t>
-            </a:r>
-            <a:r>
-              <a:rPr lang="en-US" smtClean="0"/>
-              <a:t> </a:t>
-            </a:r>
-            <a:endParaRPr lang="en-US" dirty="0" smtClean="0"/>
+              <a:t>: </a:t>
+            </a:r>
+            <a:r>
+              <a:rPr lang="en-US" dirty="0" err="1" smtClean="0"/>
+              <a:t>GeoJSON</a:t>
+            </a:r>
+            <a:endParaRPr lang="en-US" dirty="0"/>
           </a:p>
         </p:txBody>
       </p:sp>
@@ -7478,6 +4711,2406 @@
               </a:rPr>
               <a:pPr/>
               <a:t>3</a:t>
+            </a:fld>
+            <a:endParaRPr lang="nl-BE">
+              <a:solidFill>
+                <a:prstClr val="black">
+                  <a:tint val="75000"/>
+                </a:prstClr>
+              </a:solidFill>
+            </a:endParaRPr>
+          </a:p>
+        </p:txBody>
+      </p:sp>
+      <p:sp>
+        <p:nvSpPr>
+          <p:cNvPr id="5" name="TextBox 4"/>
+          <p:cNvSpPr txBox="1"/>
+          <p:nvPr/>
+        </p:nvSpPr>
+        <p:spPr>
+          <a:xfrm>
+            <a:off x="782175" y="3609779"/>
+            <a:ext cx="6939720" cy="646331"/>
+          </a:xfrm>
+          <a:prstGeom prst="rect">
+            <a:avLst/>
+          </a:prstGeom>
+          <a:solidFill>
+            <a:schemeClr val="accent4">
+              <a:lumMod val="40000"/>
+              <a:lumOff val="60000"/>
+            </a:schemeClr>
+          </a:solidFill>
+        </p:spPr>
+        <p:txBody>
+          <a:bodyPr wrap="none" rtlCol="0">
+            <a:spAutoFit/>
+          </a:bodyPr>
+          <a:lstStyle/>
+          <a:p>
+            <a:r>
+              <a:rPr lang="en-US" dirty="0">
+                <a:latin typeface="Courier New" pitchFamily="49" charset="0"/>
+                <a:cs typeface="Courier New" pitchFamily="49" charset="0"/>
+              </a:rPr>
+              <a:t>import </a:t>
+            </a:r>
+            <a:r>
+              <a:rPr lang="en-US" dirty="0" smtClean="0">
+                <a:latin typeface="Courier New" pitchFamily="49" charset="0"/>
+                <a:cs typeface="Courier New" pitchFamily="49" charset="0"/>
+              </a:rPr>
+              <a:t>pandas as </a:t>
+            </a:r>
+            <a:r>
+              <a:rPr lang="en-US" dirty="0" err="1" smtClean="0">
+                <a:latin typeface="Courier New" pitchFamily="49" charset="0"/>
+                <a:cs typeface="Courier New" pitchFamily="49" charset="0"/>
+              </a:rPr>
+              <a:t>pd</a:t>
+            </a:r>
+            <a:endParaRPr lang="en-US" dirty="0">
+              <a:latin typeface="Courier New" pitchFamily="49" charset="0"/>
+              <a:cs typeface="Courier New" pitchFamily="49" charset="0"/>
+            </a:endParaRPr>
+          </a:p>
+          <a:p>
+            <a:r>
+              <a:rPr lang="en-US" dirty="0" err="1" smtClean="0">
+                <a:latin typeface="Courier New" pitchFamily="49" charset="0"/>
+                <a:cs typeface="Courier New" pitchFamily="49" charset="0"/>
+              </a:rPr>
+              <a:t>happiness_data</a:t>
+            </a:r>
+            <a:r>
+              <a:rPr lang="en-US" dirty="0" smtClean="0">
+                <a:latin typeface="Courier New" pitchFamily="49" charset="0"/>
+                <a:cs typeface="Courier New" pitchFamily="49" charset="0"/>
+              </a:rPr>
+              <a:t> </a:t>
+            </a:r>
+            <a:r>
+              <a:rPr lang="en-US" dirty="0">
+                <a:latin typeface="Courier New" pitchFamily="49" charset="0"/>
+                <a:cs typeface="Courier New" pitchFamily="49" charset="0"/>
+              </a:rPr>
+              <a:t>= </a:t>
+            </a:r>
+            <a:r>
+              <a:rPr lang="en-US" dirty="0" err="1">
+                <a:latin typeface="Courier New" pitchFamily="49" charset="0"/>
+                <a:cs typeface="Courier New" pitchFamily="49" charset="0"/>
+              </a:rPr>
+              <a:t>pd.read_csv</a:t>
+            </a:r>
+            <a:r>
+              <a:rPr lang="en-US" dirty="0">
+                <a:latin typeface="Courier New" pitchFamily="49" charset="0"/>
+                <a:cs typeface="Courier New" pitchFamily="49" charset="0"/>
+              </a:rPr>
+              <a:t>(</a:t>
+            </a:r>
+            <a:r>
+              <a:rPr lang="en-US" dirty="0" err="1">
+                <a:latin typeface="Courier New" pitchFamily="49" charset="0"/>
+                <a:cs typeface="Courier New" pitchFamily="49" charset="0"/>
+              </a:rPr>
+              <a:t>happiness_filename</a:t>
+            </a:r>
+            <a:r>
+              <a:rPr lang="en-US" dirty="0">
+                <a:latin typeface="Courier New" pitchFamily="49" charset="0"/>
+                <a:cs typeface="Courier New" pitchFamily="49" charset="0"/>
+              </a:rPr>
+              <a:t>)</a:t>
+            </a:r>
+            <a:endParaRPr lang="en-US" dirty="0" smtClean="0">
+              <a:latin typeface="Courier New" pitchFamily="49" charset="0"/>
+              <a:cs typeface="Courier New" pitchFamily="49" charset="0"/>
+            </a:endParaRPr>
+          </a:p>
+        </p:txBody>
+      </p:sp>
+    </p:spTree>
+    <p:extLst>
+      <p:ext uri="{BB962C8B-B14F-4D97-AF65-F5344CB8AC3E}">
+        <p14:creationId xmlns:p14="http://schemas.microsoft.com/office/powerpoint/2010/main" val="3629846942"/>
+      </p:ext>
+    </p:extLst>
+  </p:cSld>
+  <p:clrMapOvr>
+    <a:masterClrMapping/>
+  </p:clrMapOvr>
+  <p:timing>
+    <p:tnLst>
+      <p:par>
+        <p:cTn id="1" dur="indefinite" restart="never" nodeType="tmRoot"/>
+      </p:par>
+    </p:tnLst>
+  </p:timing>
+</p:sld>
+</file>
+
+<file path=ppt/slides/slide4.xml><?xml version="1.0" encoding="utf-8"?>
+<p:sld xmlns:a="http://schemas.openxmlformats.org/drawingml/2006/main" xmlns:r="http://schemas.openxmlformats.org/officeDocument/2006/relationships" xmlns:p="http://schemas.openxmlformats.org/presentationml/2006/main">
+  <p:cSld>
+    <p:spTree>
+      <p:nvGrpSpPr>
+        <p:cNvPr id="1" name=""/>
+        <p:cNvGrpSpPr/>
+        <p:nvPr/>
+      </p:nvGrpSpPr>
+      <p:grpSpPr>
+        <a:xfrm>
+          <a:off x="0" y="0"/>
+          <a:ext cx="0" cy="0"/>
+          <a:chOff x="0" y="0"/>
+          <a:chExt cx="0" cy="0"/>
+        </a:xfrm>
+      </p:grpSpPr>
+      <p:sp>
+        <p:nvSpPr>
+          <p:cNvPr id="2" name="Title 1"/>
+          <p:cNvSpPr>
+            <a:spLocks noGrp="1"/>
+          </p:cNvSpPr>
+          <p:nvPr>
+            <p:ph type="title"/>
+          </p:nvPr>
+        </p:nvSpPr>
+        <p:spPr/>
+        <p:txBody>
+          <a:bodyPr/>
+          <a:lstStyle/>
+          <a:p>
+            <a:r>
+              <a:rPr lang="en-US" dirty="0"/>
+              <a:t>f</a:t>
+            </a:r>
+            <a:r>
+              <a:rPr lang="en-US" dirty="0" smtClean="0"/>
+              <a:t>olium visualization</a:t>
+            </a:r>
+            <a:endParaRPr lang="en-US" dirty="0"/>
+          </a:p>
+        </p:txBody>
+      </p:sp>
+      <p:sp>
+        <p:nvSpPr>
+          <p:cNvPr id="3" name="Content Placeholder 2"/>
+          <p:cNvSpPr>
+            <a:spLocks noGrp="1"/>
+          </p:cNvSpPr>
+          <p:nvPr>
+            <p:ph idx="1"/>
+          </p:nvPr>
+        </p:nvSpPr>
+        <p:spPr/>
+        <p:txBody>
+          <a:bodyPr/>
+          <a:lstStyle/>
+          <a:p>
+            <a:r>
+              <a:rPr lang="en-US" dirty="0" smtClean="0"/>
+              <a:t>Create world map</a:t>
+            </a:r>
+          </a:p>
+          <a:p>
+            <a:endParaRPr lang="en-US" dirty="0"/>
+          </a:p>
+          <a:p>
+            <a:endParaRPr lang="en-US" dirty="0" smtClean="0"/>
+          </a:p>
+          <a:p>
+            <a:r>
+              <a:rPr lang="en-US" dirty="0" smtClean="0"/>
+              <a:t>Add </a:t>
+            </a:r>
+            <a:r>
+              <a:rPr lang="en-US" dirty="0" err="1" smtClean="0"/>
+              <a:t>chloropleth</a:t>
+            </a:r>
+            <a:endParaRPr lang="en-US" dirty="0"/>
+          </a:p>
+        </p:txBody>
+      </p:sp>
+      <p:sp>
+        <p:nvSpPr>
+          <p:cNvPr id="4" name="Slide Number Placeholder 3"/>
+          <p:cNvSpPr>
+            <a:spLocks noGrp="1"/>
+          </p:cNvSpPr>
+          <p:nvPr>
+            <p:ph type="sldNum" sz="quarter" idx="12"/>
+          </p:nvPr>
+        </p:nvSpPr>
+        <p:spPr/>
+        <p:txBody>
+          <a:bodyPr/>
+          <a:lstStyle/>
+          <a:p>
+            <a:fld id="{5A209D72-2E9D-49B0-8977-41DCCC66C0BB}" type="slidenum">
+              <a:rPr lang="nl-BE" smtClean="0">
+                <a:solidFill>
+                  <a:prstClr val="black">
+                    <a:tint val="75000"/>
+                  </a:prstClr>
+                </a:solidFill>
+              </a:rPr>
+              <a:pPr/>
+              <a:t>4</a:t>
+            </a:fld>
+            <a:endParaRPr lang="nl-BE">
+              <a:solidFill>
+                <a:prstClr val="black">
+                  <a:tint val="75000"/>
+                </a:prstClr>
+              </a:solidFill>
+            </a:endParaRPr>
+          </a:p>
+        </p:txBody>
+      </p:sp>
+      <p:sp>
+        <p:nvSpPr>
+          <p:cNvPr id="5" name="TextBox 4"/>
+          <p:cNvSpPr txBox="1"/>
+          <p:nvPr/>
+        </p:nvSpPr>
+        <p:spPr>
+          <a:xfrm>
+            <a:off x="782174" y="2174280"/>
+            <a:ext cx="6112571" cy="1200329"/>
+          </a:xfrm>
+          <a:prstGeom prst="rect">
+            <a:avLst/>
+          </a:prstGeom>
+          <a:solidFill>
+            <a:schemeClr val="accent4">
+              <a:lumMod val="40000"/>
+              <a:lumOff val="60000"/>
+            </a:schemeClr>
+          </a:solidFill>
+        </p:spPr>
+        <p:txBody>
+          <a:bodyPr wrap="square" rtlCol="0">
+            <a:spAutoFit/>
+          </a:bodyPr>
+          <a:lstStyle/>
+          <a:p>
+            <a:r>
+              <a:rPr lang="en-US" dirty="0" smtClean="0">
+                <a:latin typeface="Courier New" pitchFamily="49" charset="0"/>
+                <a:cs typeface="Courier New" pitchFamily="49" charset="0"/>
+              </a:rPr>
+              <a:t>world = </a:t>
+            </a:r>
+            <a:r>
+              <a:rPr lang="en-US" dirty="0" err="1" smtClean="0">
+                <a:latin typeface="Courier New" pitchFamily="49" charset="0"/>
+                <a:cs typeface="Courier New" pitchFamily="49" charset="0"/>
+              </a:rPr>
+              <a:t>folium.Map</a:t>
+            </a:r>
+            <a:r>
+              <a:rPr lang="en-US" dirty="0" smtClean="0">
+                <a:latin typeface="Courier New" pitchFamily="49" charset="0"/>
+                <a:cs typeface="Courier New" pitchFamily="49" charset="0"/>
+              </a:rPr>
+              <a:t>(</a:t>
+            </a:r>
+          </a:p>
+          <a:p>
+            <a:r>
+              <a:rPr lang="en-US" dirty="0" smtClean="0">
+                <a:latin typeface="Courier New" pitchFamily="49" charset="0"/>
+                <a:cs typeface="Courier New" pitchFamily="49" charset="0"/>
+              </a:rPr>
+              <a:t>    location=[0.0, 0.0],</a:t>
+            </a:r>
+          </a:p>
+          <a:p>
+            <a:r>
+              <a:rPr lang="en-US" dirty="0" smtClean="0">
+                <a:latin typeface="Courier New" pitchFamily="49" charset="0"/>
+                <a:cs typeface="Courier New" pitchFamily="49" charset="0"/>
+              </a:rPr>
+              <a:t>    tiles='</a:t>
+            </a:r>
+            <a:r>
+              <a:rPr lang="en-US" dirty="0" err="1" smtClean="0">
+                <a:latin typeface="Courier New" pitchFamily="49" charset="0"/>
+                <a:cs typeface="Courier New" pitchFamily="49" charset="0"/>
+              </a:rPr>
+              <a:t>Mapbox</a:t>
+            </a:r>
+            <a:r>
+              <a:rPr lang="en-US" dirty="0" smtClean="0">
+                <a:latin typeface="Courier New" pitchFamily="49" charset="0"/>
+                <a:cs typeface="Courier New" pitchFamily="49" charset="0"/>
+              </a:rPr>
+              <a:t> Bright',</a:t>
+            </a:r>
+          </a:p>
+          <a:p>
+            <a:r>
+              <a:rPr lang="en-US" dirty="0" smtClean="0">
+                <a:latin typeface="Courier New" pitchFamily="49" charset="0"/>
+                <a:cs typeface="Courier New" pitchFamily="49" charset="0"/>
+              </a:rPr>
+              <a:t>    </a:t>
+            </a:r>
+            <a:r>
+              <a:rPr lang="en-US" dirty="0" err="1" smtClean="0">
+                <a:latin typeface="Courier New" pitchFamily="49" charset="0"/>
+                <a:cs typeface="Courier New" pitchFamily="49" charset="0"/>
+              </a:rPr>
+              <a:t>zoom_start</a:t>
+            </a:r>
+            <a:r>
+              <a:rPr lang="en-US" dirty="0" smtClean="0">
+                <a:latin typeface="Courier New" pitchFamily="49" charset="0"/>
+                <a:cs typeface="Courier New" pitchFamily="49" charset="0"/>
+              </a:rPr>
+              <a:t>=2)</a:t>
+            </a:r>
+            <a:endParaRPr lang="en-US" dirty="0" smtClean="0">
+              <a:latin typeface="Courier New" pitchFamily="49" charset="0"/>
+              <a:cs typeface="Courier New" pitchFamily="49" charset="0"/>
+            </a:endParaRPr>
+          </a:p>
+        </p:txBody>
+      </p:sp>
+      <p:grpSp>
+        <p:nvGrpSpPr>
+          <p:cNvPr id="38" name="Group 37"/>
+          <p:cNvGrpSpPr/>
+          <p:nvPr/>
+        </p:nvGrpSpPr>
+        <p:grpSpPr>
+          <a:xfrm>
+            <a:off x="2753616" y="1779209"/>
+            <a:ext cx="4392489" cy="1008112"/>
+            <a:chOff x="2753616" y="1779209"/>
+            <a:chExt cx="4392489" cy="1008112"/>
+          </a:xfrm>
+        </p:grpSpPr>
+        <p:grpSp>
+          <p:nvGrpSpPr>
+            <p:cNvPr id="6" name="Group 5"/>
+            <p:cNvGrpSpPr/>
+            <p:nvPr/>
+          </p:nvGrpSpPr>
+          <p:grpSpPr>
+            <a:xfrm>
+              <a:off x="2753616" y="1779209"/>
+              <a:ext cx="3249759" cy="1008112"/>
+              <a:chOff x="3697513" y="2492896"/>
+              <a:chExt cx="3249759" cy="1008112"/>
+            </a:xfrm>
+          </p:grpSpPr>
+          <p:sp>
+            <p:nvSpPr>
+              <p:cNvPr id="7" name="Rectangle 6"/>
+              <p:cNvSpPr/>
+              <p:nvPr/>
+            </p:nvSpPr>
+            <p:spPr>
+              <a:xfrm>
+                <a:off x="3697513" y="3212976"/>
+                <a:ext cx="500861" cy="288032"/>
+              </a:xfrm>
+              <a:prstGeom prst="rect">
+                <a:avLst/>
+              </a:prstGeom>
+              <a:noFill/>
+              <a:ln>
+                <a:solidFill>
+                  <a:srgbClr val="00B050"/>
+                </a:solidFill>
+              </a:ln>
+            </p:spPr>
+            <p:style>
+              <a:lnRef idx="2">
+                <a:schemeClr val="accent1">
+                  <a:shade val="50000"/>
+                </a:schemeClr>
+              </a:lnRef>
+              <a:fillRef idx="1">
+                <a:schemeClr val="accent1"/>
+              </a:fillRef>
+              <a:effectRef idx="0">
+                <a:schemeClr val="accent1"/>
+              </a:effectRef>
+              <a:fontRef idx="minor">
+                <a:schemeClr val="lt1"/>
+              </a:fontRef>
+            </p:style>
+            <p:txBody>
+              <a:bodyPr rtlCol="0" anchor="ctr"/>
+              <a:lstStyle/>
+              <a:p>
+                <a:pPr algn="ctr"/>
+                <a:endParaRPr lang="nl-BE"/>
+              </a:p>
+            </p:txBody>
+          </p:sp>
+          <p:sp>
+            <p:nvSpPr>
+              <p:cNvPr id="8" name="TextBox 7"/>
+              <p:cNvSpPr txBox="1"/>
+              <p:nvPr/>
+            </p:nvSpPr>
+            <p:spPr>
+              <a:xfrm>
+                <a:off x="5868130" y="2492896"/>
+                <a:ext cx="1079142" cy="369332"/>
+              </a:xfrm>
+              <a:prstGeom prst="rect">
+                <a:avLst/>
+              </a:prstGeom>
+              <a:solidFill>
+                <a:schemeClr val="bg1"/>
+              </a:solidFill>
+              <a:ln>
+                <a:solidFill>
+                  <a:srgbClr val="00B050"/>
+                </a:solidFill>
+              </a:ln>
+            </p:spPr>
+            <p:txBody>
+              <a:bodyPr wrap="none" rtlCol="0">
+                <a:spAutoFit/>
+              </a:bodyPr>
+              <a:lstStyle/>
+              <a:p>
+                <a:r>
+                  <a:rPr lang="en-US" dirty="0" smtClean="0">
+                    <a:solidFill>
+                      <a:srgbClr val="00B050"/>
+                    </a:solidFill>
+                  </a:rPr>
+                  <a:t>longitude</a:t>
+                </a:r>
+                <a:endParaRPr lang="nl-BE" dirty="0">
+                  <a:solidFill>
+                    <a:srgbClr val="00B050"/>
+                  </a:solidFill>
+                </a:endParaRPr>
+              </a:p>
+            </p:txBody>
+          </p:sp>
+          <p:cxnSp>
+            <p:nvCxnSpPr>
+              <p:cNvPr id="9" name="Straight Arrow Connector 8"/>
+              <p:cNvCxnSpPr>
+                <a:stCxn id="8" idx="1"/>
+                <a:endCxn id="7" idx="0"/>
+              </p:cNvCxnSpPr>
+              <p:nvPr/>
+            </p:nvCxnSpPr>
+            <p:spPr>
+              <a:xfrm flipH="1">
+                <a:off x="3947944" y="2677562"/>
+                <a:ext cx="1920186" cy="535414"/>
+              </a:xfrm>
+              <a:prstGeom prst="straightConnector1">
+                <a:avLst/>
+              </a:prstGeom>
+              <a:ln w="19050">
+                <a:solidFill>
+                  <a:srgbClr val="00B050"/>
+                </a:solidFill>
+                <a:tailEnd type="stealth" w="lg" len="lg"/>
+              </a:ln>
+            </p:spPr>
+            <p:style>
+              <a:lnRef idx="1">
+                <a:schemeClr val="accent1"/>
+              </a:lnRef>
+              <a:fillRef idx="0">
+                <a:schemeClr val="accent1"/>
+              </a:fillRef>
+              <a:effectRef idx="0">
+                <a:schemeClr val="accent1"/>
+              </a:effectRef>
+              <a:fontRef idx="minor">
+                <a:schemeClr val="tx1"/>
+              </a:fontRef>
+            </p:style>
+          </p:cxnSp>
+        </p:grpSp>
+        <p:grpSp>
+          <p:nvGrpSpPr>
+            <p:cNvPr id="12" name="Group 11"/>
+            <p:cNvGrpSpPr/>
+            <p:nvPr/>
+          </p:nvGrpSpPr>
+          <p:grpSpPr>
+            <a:xfrm>
+              <a:off x="3465847" y="2046916"/>
+              <a:ext cx="3680258" cy="740405"/>
+              <a:chOff x="3697513" y="2760603"/>
+              <a:chExt cx="3680258" cy="740405"/>
+            </a:xfrm>
+          </p:grpSpPr>
+          <p:sp>
+            <p:nvSpPr>
+              <p:cNvPr id="13" name="Rectangle 12"/>
+              <p:cNvSpPr/>
+              <p:nvPr/>
+            </p:nvSpPr>
+            <p:spPr>
+              <a:xfrm>
+                <a:off x="3697513" y="3212976"/>
+                <a:ext cx="500861" cy="288032"/>
+              </a:xfrm>
+              <a:prstGeom prst="rect">
+                <a:avLst/>
+              </a:prstGeom>
+              <a:noFill/>
+              <a:ln>
+                <a:solidFill>
+                  <a:srgbClr val="00B050"/>
+                </a:solidFill>
+              </a:ln>
+            </p:spPr>
+            <p:style>
+              <a:lnRef idx="2">
+                <a:schemeClr val="accent1">
+                  <a:shade val="50000"/>
+                </a:schemeClr>
+              </a:lnRef>
+              <a:fillRef idx="1">
+                <a:schemeClr val="accent1"/>
+              </a:fillRef>
+              <a:effectRef idx="0">
+                <a:schemeClr val="accent1"/>
+              </a:effectRef>
+              <a:fontRef idx="minor">
+                <a:schemeClr val="lt1"/>
+              </a:fontRef>
+            </p:style>
+            <p:txBody>
+              <a:bodyPr rtlCol="0" anchor="ctr"/>
+              <a:lstStyle/>
+              <a:p>
+                <a:pPr algn="ctr"/>
+                <a:endParaRPr lang="nl-BE"/>
+              </a:p>
+            </p:txBody>
+          </p:sp>
+          <p:sp>
+            <p:nvSpPr>
+              <p:cNvPr id="14" name="TextBox 13"/>
+              <p:cNvSpPr txBox="1"/>
+              <p:nvPr/>
+            </p:nvSpPr>
+            <p:spPr>
+              <a:xfrm>
+                <a:off x="6392180" y="2760603"/>
+                <a:ext cx="985591" cy="369332"/>
+              </a:xfrm>
+              <a:prstGeom prst="rect">
+                <a:avLst/>
+              </a:prstGeom>
+              <a:solidFill>
+                <a:schemeClr val="bg1"/>
+              </a:solidFill>
+              <a:ln>
+                <a:solidFill>
+                  <a:srgbClr val="00B050"/>
+                </a:solidFill>
+              </a:ln>
+            </p:spPr>
+            <p:txBody>
+              <a:bodyPr wrap="none" rtlCol="0">
+                <a:spAutoFit/>
+              </a:bodyPr>
+              <a:lstStyle/>
+              <a:p>
+                <a:r>
+                  <a:rPr lang="en-US" dirty="0" err="1" smtClean="0">
+                    <a:solidFill>
+                      <a:srgbClr val="00B050"/>
+                    </a:solidFill>
+                  </a:rPr>
+                  <a:t>lattitude</a:t>
+                </a:r>
+                <a:endParaRPr lang="nl-BE" dirty="0">
+                  <a:solidFill>
+                    <a:srgbClr val="00B050"/>
+                  </a:solidFill>
+                </a:endParaRPr>
+              </a:p>
+            </p:txBody>
+          </p:sp>
+          <p:cxnSp>
+            <p:nvCxnSpPr>
+              <p:cNvPr id="15" name="Straight Arrow Connector 14"/>
+              <p:cNvCxnSpPr>
+                <a:stCxn id="14" idx="1"/>
+                <a:endCxn id="13" idx="3"/>
+              </p:cNvCxnSpPr>
+              <p:nvPr/>
+            </p:nvCxnSpPr>
+            <p:spPr>
+              <a:xfrm flipH="1">
+                <a:off x="4198374" y="2945269"/>
+                <a:ext cx="2193806" cy="411723"/>
+              </a:xfrm>
+              <a:prstGeom prst="straightConnector1">
+                <a:avLst/>
+              </a:prstGeom>
+              <a:ln w="19050">
+                <a:solidFill>
+                  <a:srgbClr val="00B050"/>
+                </a:solidFill>
+                <a:tailEnd type="stealth" w="lg" len="lg"/>
+              </a:ln>
+            </p:spPr>
+            <p:style>
+              <a:lnRef idx="1">
+                <a:schemeClr val="accent1"/>
+              </a:lnRef>
+              <a:fillRef idx="0">
+                <a:schemeClr val="accent1"/>
+              </a:fillRef>
+              <a:effectRef idx="0">
+                <a:schemeClr val="accent1"/>
+              </a:effectRef>
+              <a:fontRef idx="minor">
+                <a:schemeClr val="tx1"/>
+              </a:fontRef>
+            </p:style>
+          </p:cxnSp>
+        </p:grpSp>
+      </p:grpSp>
+      <p:grpSp>
+        <p:nvGrpSpPr>
+          <p:cNvPr id="19" name="Group 18"/>
+          <p:cNvGrpSpPr/>
+          <p:nvPr/>
+        </p:nvGrpSpPr>
+        <p:grpSpPr>
+          <a:xfrm>
+            <a:off x="2910348" y="2880950"/>
+            <a:ext cx="4524416" cy="455470"/>
+            <a:chOff x="4041665" y="3045538"/>
+            <a:chExt cx="4524416" cy="455470"/>
+          </a:xfrm>
+        </p:grpSpPr>
+        <p:sp>
+          <p:nvSpPr>
+            <p:cNvPr id="20" name="Rectangle 19"/>
+            <p:cNvSpPr/>
+            <p:nvPr/>
+          </p:nvSpPr>
+          <p:spPr>
+            <a:xfrm>
+              <a:off x="4041665" y="3212976"/>
+              <a:ext cx="156709" cy="288032"/>
+            </a:xfrm>
+            <a:prstGeom prst="rect">
+              <a:avLst/>
+            </a:prstGeom>
+            <a:noFill/>
+            <a:ln>
+              <a:solidFill>
+                <a:srgbClr val="00B050"/>
+              </a:solidFill>
+            </a:ln>
+          </p:spPr>
+          <p:style>
+            <a:lnRef idx="2">
+              <a:schemeClr val="accent1">
+                <a:shade val="50000"/>
+              </a:schemeClr>
+            </a:lnRef>
+            <a:fillRef idx="1">
+              <a:schemeClr val="accent1"/>
+            </a:fillRef>
+            <a:effectRef idx="0">
+              <a:schemeClr val="accent1"/>
+            </a:effectRef>
+            <a:fontRef idx="minor">
+              <a:schemeClr val="lt1"/>
+            </a:fontRef>
+          </p:style>
+          <p:txBody>
+            <a:bodyPr rtlCol="0" anchor="ctr"/>
+            <a:lstStyle/>
+            <a:p>
+              <a:pPr algn="ctr"/>
+              <a:endParaRPr lang="nl-BE"/>
+            </a:p>
+          </p:txBody>
+        </p:sp>
+        <p:sp>
+          <p:nvSpPr>
+            <p:cNvPr id="21" name="TextBox 20"/>
+            <p:cNvSpPr txBox="1"/>
+            <p:nvPr/>
+          </p:nvSpPr>
+          <p:spPr>
+            <a:xfrm>
+              <a:off x="6593040" y="3045538"/>
+              <a:ext cx="1973041" cy="369332"/>
+            </a:xfrm>
+            <a:prstGeom prst="rect">
+              <a:avLst/>
+            </a:prstGeom>
+            <a:solidFill>
+              <a:schemeClr val="bg1"/>
+            </a:solidFill>
+            <a:ln>
+              <a:solidFill>
+                <a:srgbClr val="00B050"/>
+              </a:solidFill>
+            </a:ln>
+          </p:spPr>
+          <p:txBody>
+            <a:bodyPr wrap="none" rtlCol="0">
+              <a:spAutoFit/>
+            </a:bodyPr>
+            <a:lstStyle/>
+            <a:p>
+              <a:r>
+                <a:rPr lang="en-US" dirty="0" smtClean="0">
+                  <a:solidFill>
+                    <a:srgbClr val="00B050"/>
+                  </a:solidFill>
+                </a:rPr>
+                <a:t>shows entire world</a:t>
+              </a:r>
+              <a:endParaRPr lang="nl-BE" dirty="0">
+                <a:solidFill>
+                  <a:srgbClr val="00B050"/>
+                </a:solidFill>
+              </a:endParaRPr>
+            </a:p>
+          </p:txBody>
+        </p:sp>
+        <p:cxnSp>
+          <p:nvCxnSpPr>
+            <p:cNvPr id="22" name="Straight Arrow Connector 21"/>
+            <p:cNvCxnSpPr>
+              <a:stCxn id="21" idx="1"/>
+              <a:endCxn id="20" idx="3"/>
+            </p:cNvCxnSpPr>
+            <p:nvPr/>
+          </p:nvCxnSpPr>
+          <p:spPr>
+            <a:xfrm flipH="1">
+              <a:off x="4198374" y="3230204"/>
+              <a:ext cx="2394666" cy="126788"/>
+            </a:xfrm>
+            <a:prstGeom prst="straightConnector1">
+              <a:avLst/>
+            </a:prstGeom>
+            <a:ln w="19050">
+              <a:solidFill>
+                <a:srgbClr val="00B050"/>
+              </a:solidFill>
+              <a:tailEnd type="stealth" w="lg" len="lg"/>
+            </a:ln>
+          </p:spPr>
+          <p:style>
+            <a:lnRef idx="1">
+              <a:schemeClr val="accent1"/>
+            </a:lnRef>
+            <a:fillRef idx="0">
+              <a:schemeClr val="accent1"/>
+            </a:fillRef>
+            <a:effectRef idx="0">
+              <a:schemeClr val="accent1"/>
+            </a:effectRef>
+            <a:fontRef idx="minor">
+              <a:schemeClr val="tx1"/>
+            </a:fontRef>
+          </p:style>
+        </p:cxnSp>
+      </p:grpSp>
+      <p:sp>
+        <p:nvSpPr>
+          <p:cNvPr id="25" name="TextBox 24"/>
+          <p:cNvSpPr txBox="1"/>
+          <p:nvPr/>
+        </p:nvSpPr>
+        <p:spPr>
+          <a:xfrm>
+            <a:off x="782175" y="3910023"/>
+            <a:ext cx="6112571" cy="2585323"/>
+          </a:xfrm>
+          <a:prstGeom prst="rect">
+            <a:avLst/>
+          </a:prstGeom>
+          <a:solidFill>
+            <a:schemeClr val="accent4">
+              <a:lumMod val="40000"/>
+              <a:lumOff val="60000"/>
+            </a:schemeClr>
+          </a:solidFill>
+        </p:spPr>
+        <p:txBody>
+          <a:bodyPr wrap="none" rtlCol="0">
+            <a:spAutoFit/>
+          </a:bodyPr>
+          <a:lstStyle/>
+          <a:p>
+            <a:r>
+              <a:rPr lang="en-US" dirty="0" err="1">
+                <a:latin typeface="Courier New" pitchFamily="49" charset="0"/>
+                <a:cs typeface="Courier New" pitchFamily="49" charset="0"/>
+              </a:rPr>
+              <a:t>world.choropleth</a:t>
+            </a:r>
+            <a:r>
+              <a:rPr lang="en-US" dirty="0">
+                <a:latin typeface="Courier New" pitchFamily="49" charset="0"/>
+                <a:cs typeface="Courier New" pitchFamily="49" charset="0"/>
+              </a:rPr>
+              <a:t>(</a:t>
+            </a:r>
+          </a:p>
+          <a:p>
+            <a:r>
+              <a:rPr lang="en-US" dirty="0" smtClean="0">
+                <a:latin typeface="Courier New" pitchFamily="49" charset="0"/>
+                <a:cs typeface="Courier New" pitchFamily="49" charset="0"/>
+              </a:rPr>
+              <a:t>    name</a:t>
+            </a:r>
+            <a:r>
+              <a:rPr lang="en-US" dirty="0">
+                <a:latin typeface="Courier New" pitchFamily="49" charset="0"/>
+                <a:cs typeface="Courier New" pitchFamily="49" charset="0"/>
+              </a:rPr>
+              <a:t>='world happiness',</a:t>
+            </a:r>
+          </a:p>
+          <a:p>
+            <a:r>
+              <a:rPr lang="en-US" dirty="0">
+                <a:latin typeface="Courier New" pitchFamily="49" charset="0"/>
+                <a:cs typeface="Courier New" pitchFamily="49" charset="0"/>
+              </a:rPr>
+              <a:t>    data=</a:t>
+            </a:r>
+            <a:r>
+              <a:rPr lang="en-US" dirty="0" err="1">
+                <a:latin typeface="Courier New" pitchFamily="49" charset="0"/>
+                <a:cs typeface="Courier New" pitchFamily="49" charset="0"/>
+              </a:rPr>
+              <a:t>happiness_data</a:t>
+            </a:r>
+            <a:r>
+              <a:rPr lang="en-US" dirty="0">
+                <a:latin typeface="Courier New" pitchFamily="49" charset="0"/>
+                <a:cs typeface="Courier New" pitchFamily="49" charset="0"/>
+              </a:rPr>
+              <a:t>,</a:t>
+            </a:r>
+          </a:p>
+          <a:p>
+            <a:r>
+              <a:rPr lang="en-US" dirty="0">
+                <a:latin typeface="Courier New" pitchFamily="49" charset="0"/>
+                <a:cs typeface="Courier New" pitchFamily="49" charset="0"/>
+              </a:rPr>
+              <a:t>    columns=['Country', 'Happiness Score'],</a:t>
+            </a:r>
+          </a:p>
+          <a:p>
+            <a:r>
+              <a:rPr lang="en-US" dirty="0" smtClean="0">
+                <a:latin typeface="Courier New" pitchFamily="49" charset="0"/>
+                <a:cs typeface="Courier New" pitchFamily="49" charset="0"/>
+              </a:rPr>
+              <a:t>    </a:t>
+            </a:r>
+            <a:r>
+              <a:rPr lang="en-US" dirty="0" err="1">
+                <a:latin typeface="Courier New" pitchFamily="49" charset="0"/>
+                <a:cs typeface="Courier New" pitchFamily="49" charset="0"/>
+              </a:rPr>
+              <a:t>geo_data</a:t>
+            </a:r>
+            <a:r>
+              <a:rPr lang="en-US" dirty="0">
+                <a:latin typeface="Courier New" pitchFamily="49" charset="0"/>
+                <a:cs typeface="Courier New" pitchFamily="49" charset="0"/>
+              </a:rPr>
+              <a:t>=</a:t>
+            </a:r>
+            <a:r>
+              <a:rPr lang="en-US" dirty="0" err="1">
+                <a:latin typeface="Courier New" pitchFamily="49" charset="0"/>
+                <a:cs typeface="Courier New" pitchFamily="49" charset="0"/>
+              </a:rPr>
+              <a:t>str</a:t>
+            </a:r>
+            <a:r>
+              <a:rPr lang="en-US" dirty="0">
+                <a:latin typeface="Courier New" pitchFamily="49" charset="0"/>
+                <a:cs typeface="Courier New" pitchFamily="49" charset="0"/>
+              </a:rPr>
+              <a:t>(</a:t>
+            </a:r>
+            <a:r>
+              <a:rPr lang="en-US" dirty="0" err="1">
+                <a:latin typeface="Courier New" pitchFamily="49" charset="0"/>
+                <a:cs typeface="Courier New" pitchFamily="49" charset="0"/>
+              </a:rPr>
+              <a:t>country_geo_filename</a:t>
+            </a:r>
+            <a:r>
+              <a:rPr lang="en-US" dirty="0" smtClean="0">
+                <a:latin typeface="Courier New" pitchFamily="49" charset="0"/>
+                <a:cs typeface="Courier New" pitchFamily="49" charset="0"/>
+              </a:rPr>
+              <a:t>),</a:t>
+            </a:r>
+          </a:p>
+          <a:p>
+            <a:r>
+              <a:rPr lang="en-US" dirty="0" smtClean="0">
+                <a:latin typeface="Courier New" pitchFamily="49" charset="0"/>
+                <a:cs typeface="Courier New" pitchFamily="49" charset="0"/>
+              </a:rPr>
+              <a:t>    </a:t>
+            </a:r>
+            <a:r>
+              <a:rPr lang="en-US" dirty="0" err="1">
+                <a:latin typeface="Courier New" pitchFamily="49" charset="0"/>
+                <a:cs typeface="Courier New" pitchFamily="49" charset="0"/>
+              </a:rPr>
+              <a:t>key_on</a:t>
+            </a:r>
+            <a:r>
+              <a:rPr lang="en-US" dirty="0">
+                <a:latin typeface="Courier New" pitchFamily="49" charset="0"/>
+                <a:cs typeface="Courier New" pitchFamily="49" charset="0"/>
+              </a:rPr>
+              <a:t>='properties.name',</a:t>
+            </a:r>
+          </a:p>
+          <a:p>
+            <a:r>
+              <a:rPr lang="en-US" dirty="0">
+                <a:latin typeface="Courier New" pitchFamily="49" charset="0"/>
+                <a:cs typeface="Courier New" pitchFamily="49" charset="0"/>
+              </a:rPr>
+              <a:t>    </a:t>
+            </a:r>
+            <a:r>
+              <a:rPr lang="en-US" dirty="0" err="1">
+                <a:latin typeface="Courier New" pitchFamily="49" charset="0"/>
+                <a:cs typeface="Courier New" pitchFamily="49" charset="0"/>
+              </a:rPr>
+              <a:t>fill_color</a:t>
+            </a:r>
+            <a:r>
+              <a:rPr lang="en-US" dirty="0">
+                <a:latin typeface="Courier New" pitchFamily="49" charset="0"/>
+                <a:cs typeface="Courier New" pitchFamily="49" charset="0"/>
+              </a:rPr>
+              <a:t>='</a:t>
+            </a:r>
+            <a:r>
+              <a:rPr lang="en-US" dirty="0" err="1">
+                <a:latin typeface="Courier New" pitchFamily="49" charset="0"/>
+                <a:cs typeface="Courier New" pitchFamily="49" charset="0"/>
+              </a:rPr>
+              <a:t>YlGn</a:t>
+            </a:r>
+            <a:r>
+              <a:rPr lang="en-US" dirty="0" smtClean="0">
+                <a:latin typeface="Courier New" pitchFamily="49" charset="0"/>
+                <a:cs typeface="Courier New" pitchFamily="49" charset="0"/>
+              </a:rPr>
+              <a:t>', </a:t>
+            </a:r>
+            <a:r>
+              <a:rPr lang="en-US" dirty="0" err="1" smtClean="0">
+                <a:latin typeface="Courier New" pitchFamily="49" charset="0"/>
+                <a:cs typeface="Courier New" pitchFamily="49" charset="0"/>
+              </a:rPr>
+              <a:t>fill_opacity</a:t>
+            </a:r>
+            <a:r>
+              <a:rPr lang="en-US" dirty="0" smtClean="0">
+                <a:latin typeface="Courier New" pitchFamily="49" charset="0"/>
+                <a:cs typeface="Courier New" pitchFamily="49" charset="0"/>
+              </a:rPr>
+              <a:t>=0.7</a:t>
+            </a:r>
+            <a:r>
+              <a:rPr lang="en-US" dirty="0">
+                <a:latin typeface="Courier New" pitchFamily="49" charset="0"/>
+                <a:cs typeface="Courier New" pitchFamily="49" charset="0"/>
+              </a:rPr>
+              <a:t>,</a:t>
+            </a:r>
+          </a:p>
+          <a:p>
+            <a:r>
+              <a:rPr lang="en-US" dirty="0">
+                <a:latin typeface="Courier New" pitchFamily="49" charset="0"/>
+                <a:cs typeface="Courier New" pitchFamily="49" charset="0"/>
+              </a:rPr>
+              <a:t>    </a:t>
+            </a:r>
+            <a:r>
+              <a:rPr lang="en-US" dirty="0" err="1">
+                <a:latin typeface="Courier New" pitchFamily="49" charset="0"/>
+                <a:cs typeface="Courier New" pitchFamily="49" charset="0"/>
+              </a:rPr>
+              <a:t>line_opacity</a:t>
+            </a:r>
+            <a:r>
+              <a:rPr lang="en-US" dirty="0">
+                <a:latin typeface="Courier New" pitchFamily="49" charset="0"/>
+                <a:cs typeface="Courier New" pitchFamily="49" charset="0"/>
+              </a:rPr>
+              <a:t>=0.2,</a:t>
+            </a:r>
+          </a:p>
+          <a:p>
+            <a:r>
+              <a:rPr lang="en-US" dirty="0">
+                <a:latin typeface="Courier New" pitchFamily="49" charset="0"/>
+                <a:cs typeface="Courier New" pitchFamily="49" charset="0"/>
+              </a:rPr>
+              <a:t>    </a:t>
+            </a:r>
+            <a:r>
+              <a:rPr lang="en-US" dirty="0" err="1">
+                <a:latin typeface="Courier New" pitchFamily="49" charset="0"/>
+                <a:cs typeface="Courier New" pitchFamily="49" charset="0"/>
+              </a:rPr>
+              <a:t>legend_name</a:t>
+            </a:r>
+            <a:r>
+              <a:rPr lang="en-US" dirty="0">
+                <a:latin typeface="Courier New" pitchFamily="49" charset="0"/>
+                <a:cs typeface="Courier New" pitchFamily="49" charset="0"/>
+              </a:rPr>
+              <a:t>='Happiness Score</a:t>
+            </a:r>
+            <a:r>
+              <a:rPr lang="en-US" dirty="0" smtClean="0">
+                <a:latin typeface="Courier New" pitchFamily="49" charset="0"/>
+                <a:cs typeface="Courier New" pitchFamily="49" charset="0"/>
+              </a:rPr>
+              <a:t>')</a:t>
+            </a:r>
+            <a:endParaRPr lang="en-US" dirty="0" smtClean="0">
+              <a:latin typeface="Courier New" pitchFamily="49" charset="0"/>
+              <a:cs typeface="Courier New" pitchFamily="49" charset="0"/>
+            </a:endParaRPr>
+          </a:p>
+        </p:txBody>
+      </p:sp>
+      <p:grpSp>
+        <p:nvGrpSpPr>
+          <p:cNvPr id="26" name="Group 25"/>
+          <p:cNvGrpSpPr/>
+          <p:nvPr/>
+        </p:nvGrpSpPr>
+        <p:grpSpPr>
+          <a:xfrm>
+            <a:off x="1368433" y="4101120"/>
+            <a:ext cx="7430449" cy="952609"/>
+            <a:chOff x="3697513" y="2837067"/>
+            <a:chExt cx="7430449" cy="952609"/>
+          </a:xfrm>
+        </p:grpSpPr>
+        <p:sp>
+          <p:nvSpPr>
+            <p:cNvPr id="27" name="Rectangle 26"/>
+            <p:cNvSpPr/>
+            <p:nvPr/>
+          </p:nvSpPr>
+          <p:spPr>
+            <a:xfrm>
+              <a:off x="3697513" y="3212976"/>
+              <a:ext cx="5445322" cy="576700"/>
+            </a:xfrm>
+            <a:prstGeom prst="rect">
+              <a:avLst/>
+            </a:prstGeom>
+            <a:noFill/>
+            <a:ln w="12700">
+              <a:solidFill>
+                <a:srgbClr val="C00000"/>
+              </a:solidFill>
+            </a:ln>
+          </p:spPr>
+          <p:style>
+            <a:lnRef idx="2">
+              <a:schemeClr val="accent1">
+                <a:shade val="50000"/>
+              </a:schemeClr>
+            </a:lnRef>
+            <a:fillRef idx="1">
+              <a:schemeClr val="accent1"/>
+            </a:fillRef>
+            <a:effectRef idx="0">
+              <a:schemeClr val="accent1"/>
+            </a:effectRef>
+            <a:fontRef idx="minor">
+              <a:schemeClr val="lt1"/>
+            </a:fontRef>
+          </p:style>
+          <p:txBody>
+            <a:bodyPr rtlCol="0" anchor="ctr"/>
+            <a:lstStyle/>
+            <a:p>
+              <a:pPr algn="ctr"/>
+              <a:endParaRPr lang="nl-BE"/>
+            </a:p>
+          </p:txBody>
+        </p:sp>
+        <p:sp>
+          <p:nvSpPr>
+            <p:cNvPr id="28" name="TextBox 27"/>
+            <p:cNvSpPr txBox="1"/>
+            <p:nvPr/>
+          </p:nvSpPr>
+          <p:spPr>
+            <a:xfrm>
+              <a:off x="10079277" y="2837067"/>
+              <a:ext cx="1048685" cy="369332"/>
+            </a:xfrm>
+            <a:prstGeom prst="rect">
+              <a:avLst/>
+            </a:prstGeom>
+            <a:solidFill>
+              <a:schemeClr val="bg1"/>
+            </a:solidFill>
+            <a:ln>
+              <a:solidFill>
+                <a:srgbClr val="C00000"/>
+              </a:solidFill>
+            </a:ln>
+          </p:spPr>
+          <p:txBody>
+            <a:bodyPr wrap="square" rtlCol="0">
+              <a:spAutoFit/>
+            </a:bodyPr>
+            <a:lstStyle/>
+            <a:p>
+              <a:pPr algn="ctr"/>
+              <a:r>
+                <a:rPr lang="en-US" dirty="0" smtClean="0">
+                  <a:solidFill>
+                    <a:srgbClr val="C00000"/>
+                  </a:solidFill>
+                </a:rPr>
+                <a:t>pandas</a:t>
+              </a:r>
+              <a:endParaRPr lang="nl-BE" dirty="0">
+                <a:solidFill>
+                  <a:srgbClr val="C00000"/>
+                </a:solidFill>
+              </a:endParaRPr>
+            </a:p>
+          </p:txBody>
+        </p:sp>
+        <p:cxnSp>
+          <p:nvCxnSpPr>
+            <p:cNvPr id="29" name="Straight Arrow Connector 28"/>
+            <p:cNvCxnSpPr>
+              <a:stCxn id="28" idx="1"/>
+              <a:endCxn id="27" idx="3"/>
+            </p:cNvCxnSpPr>
+            <p:nvPr/>
+          </p:nvCxnSpPr>
+          <p:spPr>
+            <a:xfrm flipH="1">
+              <a:off x="9142835" y="3021733"/>
+              <a:ext cx="936442" cy="479593"/>
+            </a:xfrm>
+            <a:prstGeom prst="straightConnector1">
+              <a:avLst/>
+            </a:prstGeom>
+            <a:ln w="9525">
+              <a:solidFill>
+                <a:srgbClr val="C00000"/>
+              </a:solidFill>
+              <a:tailEnd type="stealth" w="lg" len="lg"/>
+            </a:ln>
+          </p:spPr>
+          <p:style>
+            <a:lnRef idx="1">
+              <a:schemeClr val="accent1"/>
+            </a:lnRef>
+            <a:fillRef idx="0">
+              <a:schemeClr val="accent1"/>
+            </a:fillRef>
+            <a:effectRef idx="0">
+              <a:schemeClr val="accent1"/>
+            </a:effectRef>
+            <a:fontRef idx="minor">
+              <a:schemeClr val="tx1"/>
+            </a:fontRef>
+          </p:style>
+        </p:cxnSp>
+      </p:grpSp>
+      <p:grpSp>
+        <p:nvGrpSpPr>
+          <p:cNvPr id="32" name="Group 31"/>
+          <p:cNvGrpSpPr/>
+          <p:nvPr/>
+        </p:nvGrpSpPr>
+        <p:grpSpPr>
+          <a:xfrm>
+            <a:off x="1368433" y="5086028"/>
+            <a:ext cx="7430449" cy="604594"/>
+            <a:chOff x="3697513" y="3212976"/>
+            <a:chExt cx="7430449" cy="604594"/>
+          </a:xfrm>
+        </p:grpSpPr>
+        <p:sp>
+          <p:nvSpPr>
+            <p:cNvPr id="33" name="Rectangle 32"/>
+            <p:cNvSpPr/>
+            <p:nvPr/>
+          </p:nvSpPr>
+          <p:spPr>
+            <a:xfrm>
+              <a:off x="3697513" y="3212976"/>
+              <a:ext cx="5445322" cy="576700"/>
+            </a:xfrm>
+            <a:prstGeom prst="rect">
+              <a:avLst/>
+            </a:prstGeom>
+            <a:noFill/>
+            <a:ln w="12700">
+              <a:solidFill>
+                <a:srgbClr val="002060"/>
+              </a:solidFill>
+            </a:ln>
+          </p:spPr>
+          <p:style>
+            <a:lnRef idx="2">
+              <a:schemeClr val="accent1">
+                <a:shade val="50000"/>
+              </a:schemeClr>
+            </a:lnRef>
+            <a:fillRef idx="1">
+              <a:schemeClr val="accent1"/>
+            </a:fillRef>
+            <a:effectRef idx="0">
+              <a:schemeClr val="accent1"/>
+            </a:effectRef>
+            <a:fontRef idx="minor">
+              <a:schemeClr val="lt1"/>
+            </a:fontRef>
+          </p:style>
+          <p:txBody>
+            <a:bodyPr rtlCol="0" anchor="ctr"/>
+            <a:lstStyle/>
+            <a:p>
+              <a:pPr algn="ctr"/>
+              <a:endParaRPr lang="nl-BE"/>
+            </a:p>
+          </p:txBody>
+        </p:sp>
+        <p:sp>
+          <p:nvSpPr>
+            <p:cNvPr id="34" name="TextBox 33"/>
+            <p:cNvSpPr txBox="1"/>
+            <p:nvPr/>
+          </p:nvSpPr>
+          <p:spPr>
+            <a:xfrm>
+              <a:off x="10079277" y="3448238"/>
+              <a:ext cx="1048685" cy="369332"/>
+            </a:xfrm>
+            <a:prstGeom prst="rect">
+              <a:avLst/>
+            </a:prstGeom>
+            <a:solidFill>
+              <a:schemeClr val="bg1"/>
+            </a:solidFill>
+            <a:ln>
+              <a:solidFill>
+                <a:srgbClr val="002060"/>
+              </a:solidFill>
+            </a:ln>
+          </p:spPr>
+          <p:txBody>
+            <a:bodyPr wrap="none" rtlCol="0">
+              <a:spAutoFit/>
+            </a:bodyPr>
+            <a:lstStyle/>
+            <a:p>
+              <a:r>
+                <a:rPr lang="en-US" dirty="0" err="1" smtClean="0">
+                  <a:solidFill>
+                    <a:srgbClr val="0070C0"/>
+                  </a:solidFill>
+                </a:rPr>
+                <a:t>GeoJSON</a:t>
+              </a:r>
+              <a:endParaRPr lang="nl-BE" dirty="0">
+                <a:solidFill>
+                  <a:srgbClr val="0070C0"/>
+                </a:solidFill>
+              </a:endParaRPr>
+            </a:p>
+          </p:txBody>
+        </p:sp>
+        <p:cxnSp>
+          <p:nvCxnSpPr>
+            <p:cNvPr id="35" name="Straight Arrow Connector 34"/>
+            <p:cNvCxnSpPr>
+              <a:stCxn id="34" idx="1"/>
+              <a:endCxn id="33" idx="3"/>
+            </p:cNvCxnSpPr>
+            <p:nvPr/>
+          </p:nvCxnSpPr>
+          <p:spPr>
+            <a:xfrm flipH="1" flipV="1">
+              <a:off x="9142835" y="3501326"/>
+              <a:ext cx="936442" cy="131578"/>
+            </a:xfrm>
+            <a:prstGeom prst="straightConnector1">
+              <a:avLst/>
+            </a:prstGeom>
+            <a:ln w="9525">
+              <a:solidFill>
+                <a:srgbClr val="002060"/>
+              </a:solidFill>
+              <a:tailEnd type="stealth" w="lg" len="lg"/>
+            </a:ln>
+          </p:spPr>
+          <p:style>
+            <a:lnRef idx="1">
+              <a:schemeClr val="accent1"/>
+            </a:lnRef>
+            <a:fillRef idx="0">
+              <a:schemeClr val="accent1"/>
+            </a:fillRef>
+            <a:effectRef idx="0">
+              <a:schemeClr val="accent1"/>
+            </a:effectRef>
+            <a:fontRef idx="minor">
+              <a:schemeClr val="tx1"/>
+            </a:fontRef>
+          </p:style>
+        </p:cxnSp>
+      </p:grpSp>
+      <p:sp>
+        <p:nvSpPr>
+          <p:cNvPr id="39" name="TextBox 38"/>
+          <p:cNvSpPr txBox="1"/>
+          <p:nvPr/>
+        </p:nvSpPr>
+        <p:spPr>
+          <a:xfrm>
+            <a:off x="6641854" y="1500679"/>
+            <a:ext cx="2069473" cy="369332"/>
+          </a:xfrm>
+          <a:prstGeom prst="rect">
+            <a:avLst/>
+          </a:prstGeom>
+          <a:solidFill>
+            <a:schemeClr val="accent4">
+              <a:lumMod val="40000"/>
+              <a:lumOff val="60000"/>
+            </a:schemeClr>
+          </a:solidFill>
+        </p:spPr>
+        <p:txBody>
+          <a:bodyPr wrap="square" rtlCol="0">
+            <a:spAutoFit/>
+          </a:bodyPr>
+          <a:lstStyle/>
+          <a:p>
+            <a:r>
+              <a:rPr lang="en-US" dirty="0" smtClean="0">
+                <a:latin typeface="Courier New" pitchFamily="49" charset="0"/>
+                <a:cs typeface="Courier New" pitchFamily="49" charset="0"/>
+              </a:rPr>
+              <a:t>import folium</a:t>
+            </a:r>
+            <a:endParaRPr lang="en-US" dirty="0" smtClean="0">
+              <a:latin typeface="Courier New" pitchFamily="49" charset="0"/>
+              <a:cs typeface="Courier New" pitchFamily="49" charset="0"/>
+            </a:endParaRPr>
+          </a:p>
+        </p:txBody>
+      </p:sp>
+    </p:spTree>
+    <p:extLst>
+      <p:ext uri="{BB962C8B-B14F-4D97-AF65-F5344CB8AC3E}">
+        <p14:creationId xmlns:p14="http://schemas.microsoft.com/office/powerpoint/2010/main" val="4230293936"/>
+      </p:ext>
+    </p:extLst>
+  </p:cSld>
+  <p:clrMapOvr>
+    <a:masterClrMapping/>
+  </p:clrMapOvr>
+  <p:timing>
+    <p:tnLst>
+      <p:par>
+        <p:cTn id="1" dur="indefinite" restart="never" nodeType="tmRoot">
+          <p:childTnLst>
+            <p:seq concurrent="1" nextAc="seek">
+              <p:cTn id="2" dur="indefinite" nodeType="mainSeq">
+                <p:childTnLst>
+                  <p:par>
+                    <p:cTn id="3" fill="hold">
+                      <p:stCondLst>
+                        <p:cond delay="indefinite"/>
+                        <p:cond evt="onBegin" delay="0">
+                          <p:tn val="2"/>
+                        </p:cond>
+                      </p:stCondLst>
+                      <p:childTnLst>
+                        <p:par>
+                          <p:cTn id="4" fill="hold">
+                            <p:stCondLst>
+                              <p:cond delay="0"/>
+                            </p:stCondLst>
+                            <p:childTnLst>
+                              <p:par>
+                                <p:cTn id="5" presetID="1" presetClass="entr" presetSubtype="0" fill="hold" grpId="0" nodeType="withEffect">
+                                  <p:stCondLst>
+                                    <p:cond delay="0"/>
+                                  </p:stCondLst>
+                                  <p:childTnLst>
+                                    <p:set>
+                                      <p:cBhvr>
+                                        <p:cTn id="6" dur="1" fill="hold">
+                                          <p:stCondLst>
+                                            <p:cond delay="0"/>
+                                          </p:stCondLst>
+                                        </p:cTn>
+                                        <p:tgtEl>
+                                          <p:spTgt spid="3">
+                                            <p:txEl>
+                                              <p:pRg st="0" end="0"/>
+                                            </p:txEl>
+                                          </p:spTgt>
+                                        </p:tgtEl>
+                                        <p:attrNameLst>
+                                          <p:attrName>style.visibility</p:attrName>
+                                        </p:attrNameLst>
+                                      </p:cBhvr>
+                                      <p:to>
+                                        <p:strVal val="visible"/>
+                                      </p:to>
+                                    </p:set>
+                                  </p:childTnLst>
+                                </p:cTn>
+                              </p:par>
+                              <p:par>
+                                <p:cTn id="7" presetID="1" presetClass="entr" presetSubtype="0" fill="hold" grpId="0" nodeType="withEffect">
+                                  <p:stCondLst>
+                                    <p:cond delay="0"/>
+                                  </p:stCondLst>
+                                  <p:childTnLst>
+                                    <p:set>
+                                      <p:cBhvr>
+                                        <p:cTn id="8" dur="1" fill="hold">
+                                          <p:stCondLst>
+                                            <p:cond delay="0"/>
+                                          </p:stCondLst>
+                                        </p:cTn>
+                                        <p:tgtEl>
+                                          <p:spTgt spid="5"/>
+                                        </p:tgtEl>
+                                        <p:attrNameLst>
+                                          <p:attrName>style.visibility</p:attrName>
+                                        </p:attrNameLst>
+                                      </p:cBhvr>
+                                      <p:to>
+                                        <p:strVal val="visible"/>
+                                      </p:to>
+                                    </p:set>
+                                  </p:childTnLst>
+                                </p:cTn>
+                              </p:par>
+                            </p:childTnLst>
+                          </p:cTn>
+                        </p:par>
+                      </p:childTnLst>
+                    </p:cTn>
+                  </p:par>
+                  <p:par>
+                    <p:cTn id="9" fill="hold">
+                      <p:stCondLst>
+                        <p:cond delay="indefinite"/>
+                      </p:stCondLst>
+                      <p:childTnLst>
+                        <p:par>
+                          <p:cTn id="10" fill="hold">
+                            <p:stCondLst>
+                              <p:cond delay="0"/>
+                            </p:stCondLst>
+                            <p:childTnLst>
+                              <p:par>
+                                <p:cTn id="11" presetID="1" presetClass="entr" presetSubtype="0" fill="hold" nodeType="clickEffect">
+                                  <p:stCondLst>
+                                    <p:cond delay="0"/>
+                                  </p:stCondLst>
+                                  <p:childTnLst>
+                                    <p:set>
+                                      <p:cBhvr>
+                                        <p:cTn id="12" dur="1" fill="hold">
+                                          <p:stCondLst>
+                                            <p:cond delay="0"/>
+                                          </p:stCondLst>
+                                        </p:cTn>
+                                        <p:tgtEl>
+                                          <p:spTgt spid="38"/>
+                                        </p:tgtEl>
+                                        <p:attrNameLst>
+                                          <p:attrName>style.visibility</p:attrName>
+                                        </p:attrNameLst>
+                                      </p:cBhvr>
+                                      <p:to>
+                                        <p:strVal val="visible"/>
+                                      </p:to>
+                                    </p:set>
+                                  </p:childTnLst>
+                                </p:cTn>
+                              </p:par>
+                            </p:childTnLst>
+                          </p:cTn>
+                        </p:par>
+                      </p:childTnLst>
+                    </p:cTn>
+                  </p:par>
+                  <p:par>
+                    <p:cTn id="13" fill="hold">
+                      <p:stCondLst>
+                        <p:cond delay="indefinite"/>
+                      </p:stCondLst>
+                      <p:childTnLst>
+                        <p:par>
+                          <p:cTn id="14" fill="hold">
+                            <p:stCondLst>
+                              <p:cond delay="0"/>
+                            </p:stCondLst>
+                            <p:childTnLst>
+                              <p:par>
+                                <p:cTn id="15" presetID="1" presetClass="entr" presetSubtype="0" fill="hold" nodeType="clickEffect">
+                                  <p:stCondLst>
+                                    <p:cond delay="0"/>
+                                  </p:stCondLst>
+                                  <p:childTnLst>
+                                    <p:set>
+                                      <p:cBhvr>
+                                        <p:cTn id="16" dur="1" fill="hold">
+                                          <p:stCondLst>
+                                            <p:cond delay="0"/>
+                                          </p:stCondLst>
+                                        </p:cTn>
+                                        <p:tgtEl>
+                                          <p:spTgt spid="19"/>
+                                        </p:tgtEl>
+                                        <p:attrNameLst>
+                                          <p:attrName>style.visibility</p:attrName>
+                                        </p:attrNameLst>
+                                      </p:cBhvr>
+                                      <p:to>
+                                        <p:strVal val="visible"/>
+                                      </p:to>
+                                    </p:set>
+                                  </p:childTnLst>
+                                </p:cTn>
+                              </p:par>
+                            </p:childTnLst>
+                          </p:cTn>
+                        </p:par>
+                      </p:childTnLst>
+                    </p:cTn>
+                  </p:par>
+                  <p:par>
+                    <p:cTn id="17" fill="hold">
+                      <p:stCondLst>
+                        <p:cond delay="indefinite"/>
+                      </p:stCondLst>
+                      <p:childTnLst>
+                        <p:par>
+                          <p:cTn id="18" fill="hold">
+                            <p:stCondLst>
+                              <p:cond delay="0"/>
+                            </p:stCondLst>
+                            <p:childTnLst>
+                              <p:par>
+                                <p:cTn id="19" presetID="1" presetClass="entr" presetSubtype="0" fill="hold" grpId="0" nodeType="clickEffect">
+                                  <p:stCondLst>
+                                    <p:cond delay="0"/>
+                                  </p:stCondLst>
+                                  <p:childTnLst>
+                                    <p:set>
+                                      <p:cBhvr>
+                                        <p:cTn id="20" dur="1" fill="hold">
+                                          <p:stCondLst>
+                                            <p:cond delay="0"/>
+                                          </p:stCondLst>
+                                        </p:cTn>
+                                        <p:tgtEl>
+                                          <p:spTgt spid="3">
+                                            <p:txEl>
+                                              <p:pRg st="3" end="3"/>
+                                            </p:txEl>
+                                          </p:spTgt>
+                                        </p:tgtEl>
+                                        <p:attrNameLst>
+                                          <p:attrName>style.visibility</p:attrName>
+                                        </p:attrNameLst>
+                                      </p:cBhvr>
+                                      <p:to>
+                                        <p:strVal val="visible"/>
+                                      </p:to>
+                                    </p:set>
+                                  </p:childTnLst>
+                                </p:cTn>
+                              </p:par>
+                              <p:par>
+                                <p:cTn id="21" presetID="1" presetClass="entr" presetSubtype="0" fill="hold" grpId="0" nodeType="withEffect">
+                                  <p:stCondLst>
+                                    <p:cond delay="0"/>
+                                  </p:stCondLst>
+                                  <p:childTnLst>
+                                    <p:set>
+                                      <p:cBhvr>
+                                        <p:cTn id="22" dur="1" fill="hold">
+                                          <p:stCondLst>
+                                            <p:cond delay="0"/>
+                                          </p:stCondLst>
+                                        </p:cTn>
+                                        <p:tgtEl>
+                                          <p:spTgt spid="25"/>
+                                        </p:tgtEl>
+                                        <p:attrNameLst>
+                                          <p:attrName>style.visibility</p:attrName>
+                                        </p:attrNameLst>
+                                      </p:cBhvr>
+                                      <p:to>
+                                        <p:strVal val="visible"/>
+                                      </p:to>
+                                    </p:set>
+                                  </p:childTnLst>
+                                </p:cTn>
+                              </p:par>
+                            </p:childTnLst>
+                          </p:cTn>
+                        </p:par>
+                      </p:childTnLst>
+                    </p:cTn>
+                  </p:par>
+                  <p:par>
+                    <p:cTn id="23" fill="hold">
+                      <p:stCondLst>
+                        <p:cond delay="indefinite"/>
+                      </p:stCondLst>
+                      <p:childTnLst>
+                        <p:par>
+                          <p:cTn id="24" fill="hold">
+                            <p:stCondLst>
+                              <p:cond delay="0"/>
+                            </p:stCondLst>
+                            <p:childTnLst>
+                              <p:par>
+                                <p:cTn id="25" presetID="1" presetClass="entr" presetSubtype="0" fill="hold" nodeType="clickEffect">
+                                  <p:stCondLst>
+                                    <p:cond delay="0"/>
+                                  </p:stCondLst>
+                                  <p:childTnLst>
+                                    <p:set>
+                                      <p:cBhvr>
+                                        <p:cTn id="26" dur="1" fill="hold">
+                                          <p:stCondLst>
+                                            <p:cond delay="0"/>
+                                          </p:stCondLst>
+                                        </p:cTn>
+                                        <p:tgtEl>
+                                          <p:spTgt spid="26"/>
+                                        </p:tgtEl>
+                                        <p:attrNameLst>
+                                          <p:attrName>style.visibility</p:attrName>
+                                        </p:attrNameLst>
+                                      </p:cBhvr>
+                                      <p:to>
+                                        <p:strVal val="visible"/>
+                                      </p:to>
+                                    </p:set>
+                                  </p:childTnLst>
+                                </p:cTn>
+                              </p:par>
+                            </p:childTnLst>
+                          </p:cTn>
+                        </p:par>
+                      </p:childTnLst>
+                    </p:cTn>
+                  </p:par>
+                  <p:par>
+                    <p:cTn id="27" fill="hold">
+                      <p:stCondLst>
+                        <p:cond delay="indefinite"/>
+                      </p:stCondLst>
+                      <p:childTnLst>
+                        <p:par>
+                          <p:cTn id="28" fill="hold">
+                            <p:stCondLst>
+                              <p:cond delay="0"/>
+                            </p:stCondLst>
+                            <p:childTnLst>
+                              <p:par>
+                                <p:cTn id="29" presetID="1" presetClass="entr" presetSubtype="0" fill="hold" nodeType="clickEffect">
+                                  <p:stCondLst>
+                                    <p:cond delay="0"/>
+                                  </p:stCondLst>
+                                  <p:childTnLst>
+                                    <p:set>
+                                      <p:cBhvr>
+                                        <p:cTn id="30" dur="1" fill="hold">
+                                          <p:stCondLst>
+                                            <p:cond delay="0"/>
+                                          </p:stCondLst>
+                                        </p:cTn>
+                                        <p:tgtEl>
+                                          <p:spTgt spid="32"/>
+                                        </p:tgtEl>
+                                        <p:attrNameLst>
+                                          <p:attrName>style.visibility</p:attrName>
+                                        </p:attrNameLst>
+                                      </p:cBhvr>
+                                      <p:to>
+                                        <p:strVal val="visible"/>
+                                      </p:to>
+                                    </p:set>
+                                  </p:childTnLst>
+                                </p:cTn>
+                              </p:par>
+                            </p:childTnLst>
+                          </p:cTn>
+                        </p:par>
+                      </p:childTnLst>
+                    </p:cTn>
+                  </p:par>
+                </p:childTnLst>
+              </p:cTn>
+              <p:prevCondLst>
+                <p:cond evt="onPrev" delay="0">
+                  <p:tgtEl>
+                    <p:sldTgt/>
+                  </p:tgtEl>
+                </p:cond>
+              </p:prevCondLst>
+              <p:nextCondLst>
+                <p:cond evt="onNext" delay="0">
+                  <p:tgtEl>
+                    <p:sldTgt/>
+                  </p:tgtEl>
+                </p:cond>
+              </p:nextCondLst>
+            </p:seq>
+          </p:childTnLst>
+        </p:cTn>
+      </p:par>
+    </p:tnLst>
+    <p:bldLst>
+      <p:bldP spid="3" grpId="0" uiExpand="1" build="p"/>
+      <p:bldP spid="5" grpId="0" animBg="1"/>
+      <p:bldP spid="25" grpId="0" animBg="1"/>
+    </p:bldLst>
+  </p:timing>
+</p:sld>
+</file>
+
+<file path=ppt/slides/slide5.xml><?xml version="1.0" encoding="utf-8"?>
+<p:sld xmlns:a="http://schemas.openxmlformats.org/drawingml/2006/main" xmlns:r="http://schemas.openxmlformats.org/officeDocument/2006/relationships" xmlns:p="http://schemas.openxmlformats.org/presentationml/2006/main">
+  <p:cSld>
+    <p:spTree>
+      <p:nvGrpSpPr>
+        <p:cNvPr id="1" name=""/>
+        <p:cNvGrpSpPr/>
+        <p:nvPr/>
+      </p:nvGrpSpPr>
+      <p:grpSpPr>
+        <a:xfrm>
+          <a:off x="0" y="0"/>
+          <a:ext cx="0" cy="0"/>
+          <a:chOff x="0" y="0"/>
+          <a:chExt cx="0" cy="0"/>
+        </a:xfrm>
+      </p:grpSpPr>
+      <p:sp>
+        <p:nvSpPr>
+          <p:cNvPr id="2" name="Title 1"/>
+          <p:cNvSpPr>
+            <a:spLocks noGrp="1"/>
+          </p:cNvSpPr>
+          <p:nvPr>
+            <p:ph type="title"/>
+          </p:nvPr>
+        </p:nvSpPr>
+        <p:spPr/>
+        <p:txBody>
+          <a:bodyPr/>
+          <a:lstStyle/>
+          <a:p>
+            <a:r>
+              <a:rPr lang="en-US" dirty="0" smtClean="0"/>
+              <a:t>Result in </a:t>
+            </a:r>
+            <a:r>
+              <a:rPr lang="en-US" dirty="0" err="1" smtClean="0"/>
+              <a:t>Jupyter</a:t>
+            </a:r>
+            <a:r>
+              <a:rPr lang="en-US" dirty="0" smtClean="0"/>
+              <a:t> Notebook</a:t>
+            </a:r>
+            <a:endParaRPr lang="en-US" dirty="0"/>
+          </a:p>
+        </p:txBody>
+      </p:sp>
+      <p:sp>
+        <p:nvSpPr>
+          <p:cNvPr id="4" name="Slide Number Placeholder 3"/>
+          <p:cNvSpPr>
+            <a:spLocks noGrp="1"/>
+          </p:cNvSpPr>
+          <p:nvPr>
+            <p:ph type="sldNum" sz="quarter" idx="12"/>
+          </p:nvPr>
+        </p:nvSpPr>
+        <p:spPr/>
+        <p:txBody>
+          <a:bodyPr/>
+          <a:lstStyle/>
+          <a:p>
+            <a:fld id="{5A209D72-2E9D-49B0-8977-41DCCC66C0BB}" type="slidenum">
+              <a:rPr lang="nl-BE" smtClean="0">
+                <a:solidFill>
+                  <a:prstClr val="black">
+                    <a:tint val="75000"/>
+                  </a:prstClr>
+                </a:solidFill>
+              </a:rPr>
+              <a:pPr/>
+              <a:t>5</a:t>
+            </a:fld>
+            <a:endParaRPr lang="nl-BE">
+              <a:solidFill>
+                <a:prstClr val="black">
+                  <a:tint val="75000"/>
+                </a:prstClr>
+              </a:solidFill>
+            </a:endParaRPr>
+          </a:p>
+        </p:txBody>
+      </p:sp>
+      <p:pic>
+        <p:nvPicPr>
+          <p:cNvPr id="5" name="Picture 4"/>
+          <p:cNvPicPr>
+            <a:picLocks noChangeAspect="1"/>
+          </p:cNvPicPr>
+          <p:nvPr/>
+        </p:nvPicPr>
+        <p:blipFill rotWithShape="1">
+          <a:blip r:embed="rId2">
+            <a:extLst>
+              <a:ext uri="{28A0092B-C50C-407E-A947-70E740481C1C}">
+                <a14:useLocalDpi xmlns:a14="http://schemas.microsoft.com/office/drawing/2010/main" val="0"/>
+              </a:ext>
+            </a:extLst>
+          </a:blip>
+          <a:srcRect r="800" b="970"/>
+          <a:stretch/>
+        </p:blipFill>
+        <p:spPr>
+          <a:xfrm>
+            <a:off x="285133" y="1193872"/>
+            <a:ext cx="8534402" cy="5177432"/>
+          </a:xfrm>
+          <a:prstGeom prst="rect">
+            <a:avLst/>
+          </a:prstGeom>
+        </p:spPr>
+      </p:pic>
+      <p:grpSp>
+        <p:nvGrpSpPr>
+          <p:cNvPr id="15" name="Group 14"/>
+          <p:cNvGrpSpPr/>
+          <p:nvPr/>
+        </p:nvGrpSpPr>
+        <p:grpSpPr>
+          <a:xfrm>
+            <a:off x="1091381" y="2202426"/>
+            <a:ext cx="4508090" cy="3315582"/>
+            <a:chOff x="1091381" y="2202426"/>
+            <a:chExt cx="4508090" cy="3315582"/>
+          </a:xfrm>
+        </p:grpSpPr>
+        <p:sp>
+          <p:nvSpPr>
+            <p:cNvPr id="6" name="Rounded Rectangle 5"/>
+            <p:cNvSpPr/>
+            <p:nvPr/>
+          </p:nvSpPr>
+          <p:spPr>
+            <a:xfrm>
+              <a:off x="1091381" y="2202426"/>
+              <a:ext cx="2035277" cy="1061884"/>
+            </a:xfrm>
+            <a:prstGeom prst="roundRect">
+              <a:avLst/>
+            </a:prstGeom>
+            <a:noFill/>
+            <a:ln w="19050">
+              <a:solidFill>
+                <a:srgbClr val="FF0000"/>
+              </a:solidFill>
+            </a:ln>
+          </p:spPr>
+          <p:style>
+            <a:lnRef idx="2">
+              <a:schemeClr val="accent1">
+                <a:shade val="50000"/>
+              </a:schemeClr>
+            </a:lnRef>
+            <a:fillRef idx="1">
+              <a:schemeClr val="accent1"/>
+            </a:fillRef>
+            <a:effectRef idx="0">
+              <a:schemeClr val="accent1"/>
+            </a:effectRef>
+            <a:fontRef idx="minor">
+              <a:schemeClr val="lt1"/>
+            </a:fontRef>
+          </p:style>
+          <p:txBody>
+            <a:bodyPr rtlCol="0" anchor="ctr"/>
+            <a:lstStyle/>
+            <a:p>
+              <a:pPr algn="ctr"/>
+              <a:endParaRPr lang="en-US"/>
+            </a:p>
+          </p:txBody>
+        </p:sp>
+        <p:sp>
+          <p:nvSpPr>
+            <p:cNvPr id="7" name="Rounded Rectangle 6"/>
+            <p:cNvSpPr/>
+            <p:nvPr/>
+          </p:nvSpPr>
+          <p:spPr>
+            <a:xfrm>
+              <a:off x="4572000" y="3363529"/>
+              <a:ext cx="1027471" cy="1061884"/>
+            </a:xfrm>
+            <a:prstGeom prst="roundRect">
+              <a:avLst/>
+            </a:prstGeom>
+            <a:noFill/>
+            <a:ln w="19050">
+              <a:solidFill>
+                <a:srgbClr val="FF0000"/>
+              </a:solidFill>
+            </a:ln>
+          </p:spPr>
+          <p:style>
+            <a:lnRef idx="2">
+              <a:schemeClr val="accent1">
+                <a:shade val="50000"/>
+              </a:schemeClr>
+            </a:lnRef>
+            <a:fillRef idx="1">
+              <a:schemeClr val="accent1"/>
+            </a:fillRef>
+            <a:effectRef idx="0">
+              <a:schemeClr val="accent1"/>
+            </a:effectRef>
+            <a:fontRef idx="minor">
+              <a:schemeClr val="lt1"/>
+            </a:fontRef>
+          </p:style>
+          <p:txBody>
+            <a:bodyPr rtlCol="0" anchor="ctr"/>
+            <a:lstStyle/>
+            <a:p>
+              <a:pPr algn="ctr"/>
+              <a:endParaRPr lang="en-US"/>
+            </a:p>
+          </p:txBody>
+        </p:sp>
+        <p:sp>
+          <p:nvSpPr>
+            <p:cNvPr id="8" name="TextBox 7"/>
+            <p:cNvSpPr txBox="1"/>
+            <p:nvPr/>
+          </p:nvSpPr>
+          <p:spPr>
+            <a:xfrm>
+              <a:off x="3313471" y="4994788"/>
+              <a:ext cx="2188741" cy="523220"/>
+            </a:xfrm>
+            <a:prstGeom prst="rect">
+              <a:avLst/>
+            </a:prstGeom>
+            <a:solidFill>
+              <a:schemeClr val="bg1"/>
+            </a:solidFill>
+            <a:ln w="19050">
+              <a:solidFill>
+                <a:srgbClr val="FF0000"/>
+              </a:solidFill>
+            </a:ln>
+          </p:spPr>
+          <p:txBody>
+            <a:bodyPr wrap="none" rtlCol="0">
+              <a:spAutoFit/>
+            </a:bodyPr>
+            <a:lstStyle/>
+            <a:p>
+              <a:r>
+                <a:rPr lang="en-US" sz="2800" dirty="0" smtClean="0">
+                  <a:solidFill>
+                    <a:srgbClr val="FF0000"/>
+                  </a:solidFill>
+                </a:rPr>
+                <a:t>Missing data?</a:t>
+              </a:r>
+              <a:endParaRPr lang="en-US" sz="2800" dirty="0">
+                <a:solidFill>
+                  <a:srgbClr val="FF0000"/>
+                </a:solidFill>
+              </a:endParaRPr>
+            </a:p>
+          </p:txBody>
+        </p:sp>
+        <p:cxnSp>
+          <p:nvCxnSpPr>
+            <p:cNvPr id="9" name="Straight Arrow Connector 8"/>
+            <p:cNvCxnSpPr>
+              <a:stCxn id="8" idx="0"/>
+              <a:endCxn id="6" idx="2"/>
+            </p:cNvCxnSpPr>
+            <p:nvPr/>
+          </p:nvCxnSpPr>
+          <p:spPr>
+            <a:xfrm flipH="1" flipV="1">
+              <a:off x="2109020" y="3264310"/>
+              <a:ext cx="2298822" cy="1730478"/>
+            </a:xfrm>
+            <a:prstGeom prst="straightConnector1">
+              <a:avLst/>
+            </a:prstGeom>
+            <a:ln w="19050">
+              <a:solidFill>
+                <a:srgbClr val="FF0000"/>
+              </a:solidFill>
+              <a:tailEnd type="stealth" w="lg" len="lg"/>
+            </a:ln>
+          </p:spPr>
+          <p:style>
+            <a:lnRef idx="1">
+              <a:schemeClr val="accent1"/>
+            </a:lnRef>
+            <a:fillRef idx="0">
+              <a:schemeClr val="accent1"/>
+            </a:fillRef>
+            <a:effectRef idx="0">
+              <a:schemeClr val="accent1"/>
+            </a:effectRef>
+            <a:fontRef idx="minor">
+              <a:schemeClr val="tx1"/>
+            </a:fontRef>
+          </p:style>
+        </p:cxnSp>
+        <p:cxnSp>
+          <p:nvCxnSpPr>
+            <p:cNvPr id="12" name="Straight Arrow Connector 11"/>
+            <p:cNvCxnSpPr>
+              <a:stCxn id="8" idx="0"/>
+            </p:cNvCxnSpPr>
+            <p:nvPr/>
+          </p:nvCxnSpPr>
+          <p:spPr>
+            <a:xfrm flipV="1">
+              <a:off x="4407842" y="4425413"/>
+              <a:ext cx="822919" cy="569375"/>
+            </a:xfrm>
+            <a:prstGeom prst="straightConnector1">
+              <a:avLst/>
+            </a:prstGeom>
+            <a:ln w="19050">
+              <a:solidFill>
+                <a:srgbClr val="FF0000"/>
+              </a:solidFill>
+              <a:tailEnd type="stealth" w="lg" len="lg"/>
+            </a:ln>
+          </p:spPr>
+          <p:style>
+            <a:lnRef idx="1">
+              <a:schemeClr val="accent1"/>
+            </a:lnRef>
+            <a:fillRef idx="0">
+              <a:schemeClr val="accent1"/>
+            </a:fillRef>
+            <a:effectRef idx="0">
+              <a:schemeClr val="accent1"/>
+            </a:effectRef>
+            <a:fontRef idx="minor">
+              <a:schemeClr val="tx1"/>
+            </a:fontRef>
+          </p:style>
+        </p:cxnSp>
+      </p:grpSp>
+    </p:spTree>
+    <p:extLst>
+      <p:ext uri="{BB962C8B-B14F-4D97-AF65-F5344CB8AC3E}">
+        <p14:creationId xmlns:p14="http://schemas.microsoft.com/office/powerpoint/2010/main" val="1085047030"/>
+      </p:ext>
+    </p:extLst>
+  </p:cSld>
+  <p:clrMapOvr>
+    <a:masterClrMapping/>
+  </p:clrMapOvr>
+  <p:timing>
+    <p:tnLst>
+      <p:par>
+        <p:cTn id="1" dur="indefinite" restart="never" nodeType="tmRoot">
+          <p:childTnLst>
+            <p:seq concurrent="1" nextAc="seek">
+              <p:cTn id="2" dur="indefinite" nodeType="mainSeq">
+                <p:childTnLst>
+                  <p:par>
+                    <p:cTn id="3" fill="hold">
+                      <p:stCondLst>
+                        <p:cond delay="indefinite"/>
+                      </p:stCondLst>
+                      <p:childTnLst>
+                        <p:par>
+                          <p:cTn id="4" fill="hold">
+                            <p:stCondLst>
+                              <p:cond delay="0"/>
+                            </p:stCondLst>
+                            <p:childTnLst>
+                              <p:par>
+                                <p:cTn id="5" presetID="1" presetClass="entr" presetSubtype="0" fill="hold" nodeType="clickEffect">
+                                  <p:stCondLst>
+                                    <p:cond delay="0"/>
+                                  </p:stCondLst>
+                                  <p:childTnLst>
+                                    <p:set>
+                                      <p:cBhvr>
+                                        <p:cTn id="6" dur="1" fill="hold">
+                                          <p:stCondLst>
+                                            <p:cond delay="0"/>
+                                          </p:stCondLst>
+                                        </p:cTn>
+                                        <p:tgtEl>
+                                          <p:spTgt spid="15"/>
+                                        </p:tgtEl>
+                                        <p:attrNameLst>
+                                          <p:attrName>style.visibility</p:attrName>
+                                        </p:attrNameLst>
+                                      </p:cBhvr>
+                                      <p:to>
+                                        <p:strVal val="visible"/>
+                                      </p:to>
+                                    </p:set>
+                                  </p:childTnLst>
+                                </p:cTn>
+                              </p:par>
+                            </p:childTnLst>
+                          </p:cTn>
+                        </p:par>
+                      </p:childTnLst>
+                    </p:cTn>
+                  </p:par>
+                </p:childTnLst>
+              </p:cTn>
+              <p:prevCondLst>
+                <p:cond evt="onPrev" delay="0">
+                  <p:tgtEl>
+                    <p:sldTgt/>
+                  </p:tgtEl>
+                </p:cond>
+              </p:prevCondLst>
+              <p:nextCondLst>
+                <p:cond evt="onNext" delay="0">
+                  <p:tgtEl>
+                    <p:sldTgt/>
+                  </p:tgtEl>
+                </p:cond>
+              </p:nextCondLst>
+            </p:seq>
+          </p:childTnLst>
+        </p:cTn>
+      </p:par>
+    </p:tnLst>
+  </p:timing>
+</p:sld>
+</file>
+
+<file path=ppt/slides/slide6.xml><?xml version="1.0" encoding="utf-8"?>
+<p:sld xmlns:a="http://schemas.openxmlformats.org/drawingml/2006/main" xmlns:r="http://schemas.openxmlformats.org/officeDocument/2006/relationships" xmlns:p="http://schemas.openxmlformats.org/presentationml/2006/main">
+  <p:cSld>
+    <p:spTree>
+      <p:nvGrpSpPr>
+        <p:cNvPr id="1" name=""/>
+        <p:cNvGrpSpPr/>
+        <p:nvPr/>
+      </p:nvGrpSpPr>
+      <p:grpSpPr>
+        <a:xfrm>
+          <a:off x="0" y="0"/>
+          <a:ext cx="0" cy="0"/>
+          <a:chOff x="0" y="0"/>
+          <a:chExt cx="0" cy="0"/>
+        </a:xfrm>
+      </p:grpSpPr>
+      <p:sp>
+        <p:nvSpPr>
+          <p:cNvPr id="2" name="Title 1"/>
+          <p:cNvSpPr>
+            <a:spLocks noGrp="1"/>
+          </p:cNvSpPr>
+          <p:nvPr>
+            <p:ph type="title"/>
+          </p:nvPr>
+        </p:nvSpPr>
+        <p:spPr/>
+        <p:txBody>
+          <a:bodyPr/>
+          <a:lstStyle/>
+          <a:p>
+            <a:r>
+              <a:rPr lang="en-US" dirty="0" smtClean="0"/>
+              <a:t>Further reading</a:t>
+            </a:r>
+            <a:endParaRPr lang="en-US" dirty="0"/>
+          </a:p>
+        </p:txBody>
+      </p:sp>
+      <p:sp>
+        <p:nvSpPr>
+          <p:cNvPr id="3" name="Content Placeholder 2"/>
+          <p:cNvSpPr>
+            <a:spLocks noGrp="1"/>
+          </p:cNvSpPr>
+          <p:nvPr>
+            <p:ph idx="1"/>
+          </p:nvPr>
+        </p:nvSpPr>
+        <p:spPr/>
+        <p:txBody>
+          <a:bodyPr/>
+          <a:lstStyle/>
+          <a:p>
+            <a:r>
+              <a:rPr lang="en-US" dirty="0" smtClean="0"/>
+              <a:t>Flask</a:t>
+            </a:r>
+            <a:r>
+              <a:rPr lang="en-US" dirty="0"/>
+              <a:t/>
+            </a:r>
+            <a:br>
+              <a:rPr lang="en-US" dirty="0"/>
+            </a:br>
+            <a:r>
+              <a:rPr lang="en-US" sz="2000" dirty="0">
+                <a:hlinkClick r:id="rId2"/>
+              </a:rPr>
+              <a:t>http://</a:t>
+            </a:r>
+            <a:r>
+              <a:rPr lang="en-US" sz="2000" dirty="0" smtClean="0">
+                <a:hlinkClick r:id="rId2"/>
+              </a:rPr>
+              <a:t>flask.pocoo.org/docs/latest</a:t>
+            </a:r>
+            <a:r>
+              <a:rPr lang="en-US" sz="2000" dirty="0" smtClean="0"/>
+              <a:t>  </a:t>
+            </a:r>
+          </a:p>
+          <a:p>
+            <a:r>
+              <a:rPr lang="en-US" dirty="0" smtClean="0"/>
+              <a:t>Jinja2 0.25 (check for </a:t>
+            </a:r>
+            <a:r>
+              <a:rPr lang="en-US" dirty="0"/>
+              <a:t>latest version</a:t>
+            </a:r>
+            <a:r>
+              <a:rPr lang="en-US" dirty="0" smtClean="0"/>
+              <a:t>)</a:t>
+            </a:r>
+            <a:br>
+              <a:rPr lang="en-US" dirty="0" smtClean="0"/>
+            </a:br>
+            <a:r>
+              <a:rPr lang="en-US" sz="2000" dirty="0" smtClean="0">
+                <a:hlinkClick r:id="rId3"/>
+              </a:rPr>
+              <a:t>http</a:t>
+            </a:r>
+            <a:r>
+              <a:rPr lang="en-US" sz="2000" dirty="0">
+                <a:hlinkClick r:id="rId3"/>
+              </a:rPr>
+              <a:t>://</a:t>
+            </a:r>
+            <a:r>
+              <a:rPr lang="en-US" sz="2000" smtClean="0">
+                <a:hlinkClick r:id="rId3"/>
+              </a:rPr>
+              <a:t>jinja.pocoo.org/docs/latest</a:t>
+            </a:r>
+            <a:r>
+              <a:rPr lang="en-US" sz="2000" smtClean="0"/>
+              <a:t> </a:t>
+            </a:r>
+            <a:r>
+              <a:rPr lang="en-US" smtClean="0"/>
+              <a:t> </a:t>
+            </a:r>
+            <a:endParaRPr lang="en-US" dirty="0" smtClean="0"/>
+          </a:p>
+        </p:txBody>
+      </p:sp>
+      <p:sp>
+        <p:nvSpPr>
+          <p:cNvPr id="4" name="Slide Number Placeholder 3"/>
+          <p:cNvSpPr>
+            <a:spLocks noGrp="1"/>
+          </p:cNvSpPr>
+          <p:nvPr>
+            <p:ph type="sldNum" sz="quarter" idx="12"/>
+          </p:nvPr>
+        </p:nvSpPr>
+        <p:spPr/>
+        <p:txBody>
+          <a:bodyPr/>
+          <a:lstStyle/>
+          <a:p>
+            <a:fld id="{5A209D72-2E9D-49B0-8977-41DCCC66C0BB}" type="slidenum">
+              <a:rPr lang="nl-BE" smtClean="0">
+                <a:solidFill>
+                  <a:prstClr val="black">
+                    <a:tint val="75000"/>
+                  </a:prstClr>
+                </a:solidFill>
+              </a:rPr>
+              <a:pPr/>
+              <a:t>6</a:t>
             </a:fld>
             <a:endParaRPr lang="nl-BE">
               <a:solidFill>
@@ -7637,267 +7270,6 @@
 </file>
 
 <file path=ppt/theme/theme1.xml><?xml version="1.0" encoding="utf-8"?>
-<a:theme xmlns:a="http://schemas.openxmlformats.org/drawingml/2006/main" name="Office Theme">
-  <a:themeElements>
-    <a:clrScheme name="Office Theme">
-      <a:dk1>
-        <a:sysClr val="windowText" lastClr="000000"/>
-      </a:dk1>
-      <a:lt1>
-        <a:sysClr val="window" lastClr="FFFFFF"/>
-      </a:lt1>
-      <a:dk2>
-        <a:srgbClr val="44546A"/>
-      </a:dk2>
-      <a:lt2>
-        <a:srgbClr val="E7E6E6"/>
-      </a:lt2>
-      <a:accent1>
-        <a:srgbClr val="5B9BD5"/>
-      </a:accent1>
-      <a:accent2>
-        <a:srgbClr val="ED7D31"/>
-      </a:accent2>
-      <a:accent3>
-        <a:srgbClr val="A5A5A5"/>
-      </a:accent3>
-      <a:accent4>
-        <a:srgbClr val="FFC000"/>
-      </a:accent4>
-      <a:accent5>
-        <a:srgbClr val="4472C4"/>
-      </a:accent5>
-      <a:accent6>
-        <a:srgbClr val="70AD47"/>
-      </a:accent6>
-      <a:hlink>
-        <a:srgbClr val="0563C1"/>
-      </a:hlink>
-      <a:folHlink>
-        <a:srgbClr val="954F72"/>
-      </a:folHlink>
-    </a:clrScheme>
-    <a:fontScheme name="Office Theme">
-      <a:majorFont>
-        <a:latin typeface="Calibri Light" panose="020F0302020204030204"/>
-        <a:ea typeface=""/>
-        <a:cs typeface=""/>
-        <a:font script="Jpan" typeface="ＭＳ Ｐゴシック"/>
-        <a:font script="Hang" typeface="맑은 고딕"/>
-        <a:font script="Hans" typeface="宋体"/>
-        <a:font script="Hant" typeface="新細明體"/>
-        <a:font script="Arab" typeface="Times New Roman"/>
-        <a:font script="Hebr" typeface="Times New Roman"/>
-        <a:font script="Thai" typeface="Angsana New"/>
-        <a:font script="Ethi" typeface="Nyala"/>
-        <a:font script="Beng" typeface="Vrinda"/>
-        <a:font script="Gujr" typeface="Shruti"/>
-        <a:font script="Khmr" typeface="MoolBoran"/>
-        <a:font script="Knda" typeface="Tunga"/>
-        <a:font script="Guru" typeface="Raavi"/>
-        <a:font script="Cans" typeface="Euphemia"/>
-        <a:font script="Cher" typeface="Plantagenet Cherokee"/>
-        <a:font script="Yiii" typeface="Microsoft Yi Baiti"/>
-        <a:font script="Tibt" typeface="Microsoft Himalaya"/>
-        <a:font script="Thaa" typeface="MV Boli"/>
-        <a:font script="Deva" typeface="Mangal"/>
-        <a:font script="Telu" typeface="Gautami"/>
-        <a:font script="Taml" typeface="Latha"/>
-        <a:font script="Syrc" typeface="Estrangelo Edessa"/>
-        <a:font script="Orya" typeface="Kalinga"/>
-        <a:font script="Mlym" typeface="Kartika"/>
-        <a:font script="Laoo" typeface="DokChampa"/>
-        <a:font script="Sinh" typeface="Iskoola Pota"/>
-        <a:font script="Mong" typeface="Mongolian Baiti"/>
-        <a:font script="Viet" typeface="Times New Roman"/>
-        <a:font script="Uigh" typeface="Microsoft Uighur"/>
-        <a:font script="Geor" typeface="Sylfaen"/>
-      </a:majorFont>
-      <a:minorFont>
-        <a:latin typeface="Calibri" panose="020F0502020204030204"/>
-        <a:ea typeface=""/>
-        <a:cs typeface=""/>
-        <a:font script="Jpan" typeface="ＭＳ Ｐゴシック"/>
-        <a:font script="Hang" typeface="맑은 고딕"/>
-        <a:font script="Hans" typeface="宋体"/>
-        <a:font script="Hant" typeface="新細明體"/>
-        <a:font script="Arab" typeface="Arial"/>
-        <a:font script="Hebr" typeface="Arial"/>
-        <a:font script="Thai" typeface="Cordia New"/>
-        <a:font script="Ethi" typeface="Nyala"/>
-        <a:font script="Beng" typeface="Vrinda"/>
-        <a:font script="Gujr" typeface="Shruti"/>
-        <a:font script="Khmr" typeface="DaunPenh"/>
-        <a:font script="Knda" typeface="Tunga"/>
-        <a:font script="Guru" typeface="Raavi"/>
-        <a:font script="Cans" typeface="Euphemia"/>
-        <a:font script="Cher" typeface="Plantagenet Cherokee"/>
-        <a:font script="Yiii" typeface="Microsoft Yi Baiti"/>
-        <a:font script="Tibt" typeface="Microsoft Himalaya"/>
-        <a:font script="Thaa" typeface="MV Boli"/>
-        <a:font script="Deva" typeface="Mangal"/>
-        <a:font script="Telu" typeface="Gautami"/>
-        <a:font script="Taml" typeface="Latha"/>
-        <a:font script="Syrc" typeface="Estrangelo Edessa"/>
-        <a:font script="Orya" typeface="Kalinga"/>
-        <a:font script="Mlym" typeface="Kartika"/>
-        <a:font script="Laoo" typeface="DokChampa"/>
-        <a:font script="Sinh" typeface="Iskoola Pota"/>
-        <a:font script="Mong" typeface="Mongolian Baiti"/>
-        <a:font script="Viet" typeface="Arial"/>
-        <a:font script="Uigh" typeface="Microsoft Uighur"/>
-        <a:font script="Geor" typeface="Sylfaen"/>
-      </a:minorFont>
-    </a:fontScheme>
-    <a:fmtScheme name="Office Theme">
-      <a:fillStyleLst>
-        <a:solidFill>
-          <a:schemeClr val="phClr"/>
-        </a:solidFill>
-        <a:gradFill rotWithShape="1">
-          <a:gsLst>
-            <a:gs pos="0">
-              <a:schemeClr val="phClr">
-                <a:lumMod val="110000"/>
-                <a:satMod val="105000"/>
-                <a:tint val="67000"/>
-              </a:schemeClr>
-            </a:gs>
-            <a:gs pos="50000">
-              <a:schemeClr val="phClr">
-                <a:lumMod val="105000"/>
-                <a:satMod val="103000"/>
-                <a:tint val="73000"/>
-              </a:schemeClr>
-            </a:gs>
-            <a:gs pos="100000">
-              <a:schemeClr val="phClr">
-                <a:lumMod val="105000"/>
-                <a:satMod val="109000"/>
-                <a:tint val="81000"/>
-              </a:schemeClr>
-            </a:gs>
-          </a:gsLst>
-          <a:lin ang="5400000" scaled="0"/>
-        </a:gradFill>
-        <a:gradFill rotWithShape="1">
-          <a:gsLst>
-            <a:gs pos="0">
-              <a:schemeClr val="phClr">
-                <a:satMod val="103000"/>
-                <a:lumMod val="102000"/>
-                <a:tint val="94000"/>
-              </a:schemeClr>
-            </a:gs>
-            <a:gs pos="50000">
-              <a:schemeClr val="phClr">
-                <a:satMod val="110000"/>
-                <a:lumMod val="100000"/>
-                <a:shade val="100000"/>
-              </a:schemeClr>
-            </a:gs>
-            <a:gs pos="100000">
-              <a:schemeClr val="phClr">
-                <a:lumMod val="99000"/>
-                <a:satMod val="120000"/>
-                <a:shade val="78000"/>
-              </a:schemeClr>
-            </a:gs>
-          </a:gsLst>
-          <a:lin ang="5400000" scaled="0"/>
-        </a:gradFill>
-      </a:fillStyleLst>
-      <a:lnStyleLst>
-        <a:ln w="6350" cap="flat" cmpd="sng" algn="ctr">
-          <a:solidFill>
-            <a:schemeClr val="phClr"/>
-          </a:solidFill>
-          <a:prstDash val="solid"/>
-          <a:miter lim="800000"/>
-        </a:ln>
-        <a:ln w="12700" cap="flat" cmpd="sng" algn="ctr">
-          <a:solidFill>
-            <a:schemeClr val="phClr"/>
-          </a:solidFill>
-          <a:prstDash val="solid"/>
-          <a:miter lim="800000"/>
-        </a:ln>
-        <a:ln w="19050" cap="flat" cmpd="sng" algn="ctr">
-          <a:solidFill>
-            <a:schemeClr val="phClr"/>
-          </a:solidFill>
-          <a:prstDash val="solid"/>
-          <a:miter lim="800000"/>
-        </a:ln>
-      </a:lnStyleLst>
-      <a:effectStyleLst>
-        <a:effectStyle>
-          <a:effectLst/>
-        </a:effectStyle>
-        <a:effectStyle>
-          <a:effectLst/>
-        </a:effectStyle>
-        <a:effectStyle>
-          <a:effectLst>
-            <a:outerShdw blurRad="57150" dist="19050" dir="5400000" algn="ctr" rotWithShape="0">
-              <a:srgbClr val="000000">
-                <a:alpha val="63000"/>
-              </a:srgbClr>
-            </a:outerShdw>
-          </a:effectLst>
-        </a:effectStyle>
-      </a:effectStyleLst>
-      <a:bgFillStyleLst>
-        <a:solidFill>
-          <a:schemeClr val="phClr"/>
-        </a:solidFill>
-        <a:solidFill>
-          <a:schemeClr val="phClr">
-            <a:tint val="95000"/>
-            <a:satMod val="170000"/>
-          </a:schemeClr>
-        </a:solidFill>
-        <a:gradFill rotWithShape="1">
-          <a:gsLst>
-            <a:gs pos="0">
-              <a:schemeClr val="phClr">
-                <a:tint val="93000"/>
-                <a:satMod val="150000"/>
-                <a:shade val="98000"/>
-                <a:lumMod val="102000"/>
-              </a:schemeClr>
-            </a:gs>
-            <a:gs pos="50000">
-              <a:schemeClr val="phClr">
-                <a:tint val="98000"/>
-                <a:satMod val="130000"/>
-                <a:shade val="90000"/>
-                <a:lumMod val="103000"/>
-              </a:schemeClr>
-            </a:gs>
-            <a:gs pos="100000">
-              <a:schemeClr val="phClr">
-                <a:shade val="63000"/>
-                <a:satMod val="120000"/>
-              </a:schemeClr>
-            </a:gs>
-          </a:gsLst>
-          <a:lin ang="5400000" scaled="0"/>
-        </a:gradFill>
-      </a:bgFillStyleLst>
-    </a:fmtScheme>
-  </a:themeElements>
-  <a:objectDefaults/>
-  <a:extraClrSchemeLst/>
-  <a:extLst>
-    <a:ext uri="{05A4C25C-085E-4340-85A3-A5531E510DB2}">
-      <thm15:themeFamily xmlns:thm15="http://schemas.microsoft.com/office/thememl/2012/main" name="Office Theme" id="{62F939B6-93AF-4DB8-9C6B-D6C7DFDC589F}" vid="{4A3C46E8-61CC-4603-A589-7422A47A8E4A}"/>
-    </a:ext>
-  </a:extLst>
-</a:theme>
-</file>
-
-<file path=ppt/theme/theme2.xml><?xml version="1.0" encoding="utf-8"?>
 <a:theme xmlns:a="http://schemas.openxmlformats.org/drawingml/2006/main" name="1_Office Theme">
   <a:themeElements>
     <a:clrScheme name="Office">
@@ -8182,7 +7554,7 @@
 </a:theme>
 </file>
 
-<file path=ppt/theme/theme3.xml><?xml version="1.0" encoding="utf-8"?>
+<file path=ppt/theme/theme2.xml><?xml version="1.0" encoding="utf-8"?>
 <a:theme xmlns:a="http://schemas.openxmlformats.org/drawingml/2006/main" name="Office Theme">
   <a:themeElements>
     <a:clrScheme name="Office">

--- a/Python/python_gis.pptx
+++ b/Python/python_gis.pptx
@@ -202,7 +202,7 @@
           <a:p>
             <a:fld id="{794915E2-5A19-401A-AAB5-929FAFDC4B58}" type="datetimeFigureOut">
               <a:rPr lang="en-US" smtClean="0"/>
-              <a:t>2017-10-22</a:t>
+              <a:t>2017-10-23</a:t>
             </a:fld>
             <a:endParaRPr lang="en-US"/>
           </a:p>
@@ -658,7 +658,7 @@
                 </a:solidFill>
               </a:rPr>
               <a:pPr/>
-              <a:t>22/10/2017</a:t>
+              <a:t>23/10/2017</a:t>
             </a:fld>
             <a:endParaRPr lang="nl-BE">
               <a:solidFill>
@@ -860,7 +860,7 @@
                 </a:solidFill>
               </a:rPr>
               <a:pPr/>
-              <a:t>22/10/2017</a:t>
+              <a:t>23/10/2017</a:t>
             </a:fld>
             <a:endParaRPr lang="nl-BE">
               <a:solidFill>
@@ -1072,7 +1072,7 @@
                 </a:solidFill>
               </a:rPr>
               <a:pPr/>
-              <a:t>22/10/2017</a:t>
+              <a:t>23/10/2017</a:t>
             </a:fld>
             <a:endParaRPr lang="nl-BE">
               <a:solidFill>
@@ -1274,7 +1274,7 @@
                 </a:solidFill>
               </a:rPr>
               <a:pPr/>
-              <a:t>22/10/2017</a:t>
+              <a:t>23/10/2017</a:t>
             </a:fld>
             <a:endParaRPr lang="nl-BE">
               <a:solidFill>
@@ -1552,7 +1552,7 @@
                 </a:solidFill>
               </a:rPr>
               <a:pPr/>
-              <a:t>22/10/2017</a:t>
+              <a:t>23/10/2017</a:t>
             </a:fld>
             <a:endParaRPr lang="nl-BE">
               <a:solidFill>
@@ -1872,7 +1872,7 @@
                 </a:solidFill>
               </a:rPr>
               <a:pPr/>
-              <a:t>22/10/2017</a:t>
+              <a:t>23/10/2017</a:t>
             </a:fld>
             <a:endParaRPr lang="nl-BE">
               <a:solidFill>
@@ -2326,7 +2326,7 @@
                 </a:solidFill>
               </a:rPr>
               <a:pPr/>
-              <a:t>22/10/2017</a:t>
+              <a:t>23/10/2017</a:t>
             </a:fld>
             <a:endParaRPr lang="nl-BE">
               <a:solidFill>
@@ -2476,7 +2476,7 @@
                 </a:solidFill>
               </a:rPr>
               <a:pPr/>
-              <a:t>22/10/2017</a:t>
+              <a:t>23/10/2017</a:t>
             </a:fld>
             <a:endParaRPr lang="nl-BE">
               <a:solidFill>
@@ -2603,7 +2603,7 @@
                 </a:solidFill>
               </a:rPr>
               <a:pPr/>
-              <a:t>22/10/2017</a:t>
+              <a:t>23/10/2017</a:t>
             </a:fld>
             <a:endParaRPr lang="nl-BE">
               <a:solidFill>
@@ -2912,7 +2912,7 @@
                 </a:solidFill>
               </a:rPr>
               <a:pPr/>
-              <a:t>22/10/2017</a:t>
+              <a:t>23/10/2017</a:t>
             </a:fld>
             <a:endParaRPr lang="nl-BE">
               <a:solidFill>
@@ -3197,7 +3197,7 @@
                 </a:solidFill>
               </a:rPr>
               <a:pPr/>
-              <a:t>22/10/2017</a:t>
+              <a:t>23/10/2017</a:t>
             </a:fld>
             <a:endParaRPr lang="nl-BE">
               <a:solidFill>
@@ -3442,7 +3442,7 @@
                 </a:solidFill>
               </a:rPr>
               <a:pPr/>
-              <a:t>22/10/2017</a:t>
+              <a:t>23/10/2017</a:t>
             </a:fld>
             <a:endParaRPr lang="nl-BE">
               <a:solidFill>
@@ -4042,13 +4042,8 @@
           <a:p>
             <a:r>
               <a:rPr lang="en-US" dirty="0" smtClean="0"/>
-              <a:t>Graphical Informatio</a:t>
-            </a:r>
-            <a:r>
-              <a:rPr lang="en-US" dirty="0" smtClean="0"/>
-              <a:t>n System (GIS), e.g.,</a:t>
-            </a:r>
-            <a:endParaRPr lang="en-US" dirty="0" smtClean="0"/>
+              <a:t>Graphical Information System (GIS), e.g.,</a:t>
+            </a:r>
           </a:p>
           <a:p>
             <a:pPr lvl="1"/>
@@ -4056,26 +4051,20 @@
               <a:rPr lang="en-US" dirty="0" smtClean="0"/>
               <a:t>ArcGIS</a:t>
             </a:r>
+          </a:p>
+          <a:p>
+            <a:pPr lvl="1"/>
+            <a:r>
+              <a:rPr lang="en-US" dirty="0" smtClean="0"/>
+              <a:t>QGIS</a:t>
+            </a:r>
             <a:endParaRPr lang="en-US" dirty="0" smtClean="0"/>
           </a:p>
           <a:p>
-            <a:pPr lvl="1"/>
-            <a:r>
-              <a:rPr lang="en-US" dirty="0" err="1" smtClean="0"/>
-              <a:t>QGis</a:t>
-            </a:r>
-            <a:endParaRPr lang="en-US" dirty="0" smtClean="0"/>
-          </a:p>
-          <a:p>
             <a:r>
               <a:rPr lang="en-US" dirty="0" smtClean="0"/>
-              <a:t>Many </a:t>
-            </a:r>
-            <a:r>
-              <a:rPr lang="en-US" dirty="0" smtClean="0"/>
-              <a:t>data formats, e.g.,</a:t>
-            </a:r>
-            <a:endParaRPr lang="en-US" dirty="0" smtClean="0"/>
+              <a:t>Many data formats, e.g.,</a:t>
+            </a:r>
           </a:p>
           <a:p>
             <a:pPr lvl="1"/>
@@ -4083,7 +4072,6 @@
               <a:rPr lang="en-US" dirty="0" smtClean="0"/>
               <a:t>shape files</a:t>
             </a:r>
-            <a:endParaRPr lang="en-US" dirty="0" smtClean="0"/>
           </a:p>
           <a:p>
             <a:pPr lvl="1"/>
@@ -4106,8 +4094,8 @@
               <a:t>I/O library: </a:t>
             </a:r>
             <a:r>
-              <a:rPr lang="en-US" dirty="0" err="1" smtClean="0"/>
-              <a:t>fiona</a:t>
+              <a:rPr lang="en-US" dirty="0" smtClean="0"/>
+              <a:t>Fiona</a:t>
             </a:r>
             <a:endParaRPr lang="en-US" dirty="0" smtClean="0"/>
           </a:p>
@@ -4115,14 +4103,23 @@
             <a:pPr lvl="1"/>
             <a:r>
               <a:rPr lang="en-US" dirty="0" smtClean="0"/>
-              <a:t>visualization: folium</a:t>
-            </a:r>
+              <a:t>visualization: </a:t>
+            </a:r>
+            <a:r>
+              <a:rPr lang="en-US" dirty="0" smtClean="0"/>
+              <a:t>Folium</a:t>
+            </a:r>
+            <a:endParaRPr lang="en-US" dirty="0" smtClean="0"/>
           </a:p>
           <a:p>
             <a:pPr lvl="1"/>
             <a:r>
               <a:rPr lang="en-US" dirty="0" smtClean="0"/>
-              <a:t>data processing/modeling: shapely</a:t>
+              <a:t>data processing/modeling: </a:t>
+            </a:r>
+            <a:r>
+              <a:rPr lang="en-US" dirty="0" smtClean="0"/>
+              <a:t>Shapely</a:t>
             </a:r>
             <a:endParaRPr lang="en-US" dirty="0" smtClean="0"/>
           </a:p>
@@ -4161,6 +4158,41 @@
                 </a:prstClr>
               </a:solidFill>
             </a:endParaRPr>
+          </a:p>
+        </p:txBody>
+      </p:sp>
+      <p:sp>
+        <p:nvSpPr>
+          <p:cNvPr id="5" name="TextBox 4"/>
+          <p:cNvSpPr txBox="1"/>
+          <p:nvPr/>
+        </p:nvSpPr>
+        <p:spPr>
+          <a:xfrm>
+            <a:off x="3042606" y="2160573"/>
+            <a:ext cx="3697038" cy="461665"/>
+          </a:xfrm>
+          <a:prstGeom prst="rect">
+            <a:avLst/>
+          </a:prstGeom>
+          <a:noFill/>
+          <a:ln>
+            <a:solidFill>
+              <a:schemeClr val="tx1"/>
+            </a:solidFill>
+          </a:ln>
+        </p:spPr>
+        <p:txBody>
+          <a:bodyPr wrap="none" rtlCol="0">
+            <a:spAutoFit/>
+          </a:bodyPr>
+          <a:lstStyle/>
+          <a:p>
+            <a:r>
+              <a:rPr lang="en-US" sz="2400" dirty="0" smtClean="0"/>
+              <a:t>Can be scripted with Python</a:t>
+            </a:r>
+            <a:endParaRPr lang="en-US" sz="2400" dirty="0"/>
           </a:p>
         </p:txBody>
       </p:sp>
@@ -4322,6 +4354,51 @@
                                           </p:stCondLst>
                                         </p:cTn>
                                         <p:tgtEl>
+                                          <p:spTgt spid="5"/>
+                                        </p:tgtEl>
+                                        <p:attrNameLst>
+                                          <p:attrName>style.visibility</p:attrName>
+                                        </p:attrNameLst>
+                                      </p:cBhvr>
+                                      <p:to>
+                                        <p:strVal val="visible"/>
+                                      </p:to>
+                                    </p:set>
+                                  </p:childTnLst>
+                                </p:cTn>
+                              </p:par>
+                            </p:childTnLst>
+                          </p:cTn>
+                        </p:par>
+                      </p:childTnLst>
+                    </p:cTn>
+                  </p:par>
+                  <p:par>
+                    <p:cTn id="15" fill="hold">
+                      <p:stCondLst>
+                        <p:cond delay="indefinite"/>
+                      </p:stCondLst>
+                      <p:childTnLst>
+                        <p:par>
+                          <p:cTn id="16" fill="hold">
+                            <p:stCondLst>
+                              <p:cond delay="0"/>
+                            </p:stCondLst>
+                            <p:childTnLst>
+                              <p:par>
+                                <p:cTn id="17" presetID="1" presetClass="entr" presetSubtype="0" fill="hold" grpId="0" nodeType="clickEffect">
+                                  <p:stCondLst>
+                                    <p:cond delay="0"/>
+                                  </p:stCondLst>
+                                  <p:childTnLst>
+                                    <p:set>
+                                      <p:cBhvr>
+                                        <p:cTn id="18" dur="1" fill="hold">
+                                          <p:stCondLst>
+                                            <p:cond delay="0"/>
+                                          </p:stCondLst>
+                                        </p:cTn>
+                                        <p:tgtEl>
                                           <p:spTgt spid="3">
                                             <p:txEl>
                                               <p:pRg st="3" end="3"/>
@@ -4340,14 +4417,14 @@
                                 </p:cTn>
                               </p:par>
                               <p:par>
-                                <p:cTn id="15" presetID="1" presetClass="entr" presetSubtype="0" fill="hold" grpId="0" nodeType="withEffect">
+                                <p:cTn id="19" presetID="1" presetClass="entr" presetSubtype="0" fill="hold" grpId="0" nodeType="withEffect">
                                   <p:stCondLst>
                                     <p:cond delay="0"/>
                                   </p:stCondLst>
                                   <p:childTnLst>
                                     <p:set>
                                       <p:cBhvr>
-                                        <p:cTn id="16" dur="1" fill="hold">
+                                        <p:cTn id="20" dur="1" fill="hold">
                                           <p:stCondLst>
                                             <p:cond delay="0"/>
                                           </p:stCondLst>
@@ -4371,14 +4448,14 @@
                                 </p:cTn>
                               </p:par>
                               <p:par>
-                                <p:cTn id="17" presetID="1" presetClass="entr" presetSubtype="0" fill="hold" grpId="0" nodeType="withEffect">
+                                <p:cTn id="21" presetID="1" presetClass="entr" presetSubtype="0" fill="hold" grpId="0" nodeType="withEffect">
                                   <p:stCondLst>
                                     <p:cond delay="0"/>
                                   </p:stCondLst>
                                   <p:childTnLst>
                                     <p:set>
                                       <p:cBhvr>
-                                        <p:cTn id="18" dur="1" fill="hold">
+                                        <p:cTn id="22" dur="1" fill="hold">
                                           <p:stCondLst>
                                             <p:cond delay="0"/>
                                           </p:stCondLst>
@@ -4408,26 +4485,26 @@
                     </p:cTn>
                   </p:par>
                   <p:par>
-                    <p:cTn id="19" fill="hold">
+                    <p:cTn id="23" fill="hold">
                       <p:stCondLst>
                         <p:cond delay="indefinite"/>
                       </p:stCondLst>
                       <p:childTnLst>
                         <p:par>
-                          <p:cTn id="20" fill="hold">
+                          <p:cTn id="24" fill="hold">
                             <p:stCondLst>
                               <p:cond delay="0"/>
                             </p:stCondLst>
                             <p:childTnLst>
                               <p:par>
-                                <p:cTn id="21" presetID="1" presetClass="entr" presetSubtype="0" fill="hold" grpId="0" nodeType="clickEffect">
+                                <p:cTn id="25" presetID="1" presetClass="entr" presetSubtype="0" fill="hold" grpId="0" nodeType="clickEffect">
                                   <p:stCondLst>
                                     <p:cond delay="0"/>
                                   </p:stCondLst>
                                   <p:childTnLst>
                                     <p:set>
                                       <p:cBhvr>
-                                        <p:cTn id="22" dur="1" fill="hold">
+                                        <p:cTn id="26" dur="1" fill="hold">
                                           <p:stCondLst>
                                             <p:cond delay="0"/>
                                           </p:stCondLst>
@@ -4451,14 +4528,14 @@
                                 </p:cTn>
                               </p:par>
                               <p:par>
-                                <p:cTn id="23" presetID="1" presetClass="entr" presetSubtype="0" fill="hold" grpId="0" nodeType="withEffect">
+                                <p:cTn id="27" presetID="1" presetClass="entr" presetSubtype="0" fill="hold" grpId="0" nodeType="withEffect">
                                   <p:stCondLst>
                                     <p:cond delay="0"/>
                                   </p:stCondLst>
                                   <p:childTnLst>
                                     <p:set>
                                       <p:cBhvr>
-                                        <p:cTn id="24" dur="1" fill="hold">
+                                        <p:cTn id="28" dur="1" fill="hold">
                                           <p:stCondLst>
                                             <p:cond delay="0"/>
                                           </p:stCondLst>
@@ -4482,14 +4559,14 @@
                                 </p:cTn>
                               </p:par>
                               <p:par>
-                                <p:cTn id="25" presetID="1" presetClass="entr" presetSubtype="0" fill="hold" grpId="0" nodeType="withEffect">
+                                <p:cTn id="29" presetID="1" presetClass="entr" presetSubtype="0" fill="hold" grpId="0" nodeType="withEffect">
                                   <p:stCondLst>
                                     <p:cond delay="0"/>
                                   </p:stCondLst>
                                   <p:childTnLst>
                                     <p:set>
                                       <p:cBhvr>
-                                        <p:cTn id="26" dur="1" fill="hold">
+                                        <p:cTn id="30" dur="1" fill="hold">
                                           <p:stCondLst>
                                             <p:cond delay="0"/>
                                           </p:stCondLst>
@@ -4513,14 +4590,14 @@
                                 </p:cTn>
                               </p:par>
                               <p:par>
-                                <p:cTn id="27" presetID="1" presetClass="entr" presetSubtype="0" fill="hold" grpId="0" nodeType="withEffect">
+                                <p:cTn id="31" presetID="1" presetClass="entr" presetSubtype="0" fill="hold" grpId="0" nodeType="withEffect">
                                   <p:stCondLst>
                                     <p:cond delay="0"/>
                                   </p:stCondLst>
                                   <p:childTnLst>
                                     <p:set>
                                       <p:cBhvr>
-                                        <p:cTn id="28" dur="1" fill="hold">
+                                        <p:cTn id="32" dur="1" fill="hold">
                                           <p:stCondLst>
                                             <p:cond delay="0"/>
                                           </p:stCondLst>
@@ -4572,6 +4649,7 @@
     </p:tnLst>
     <p:bldLst>
       <p:bldP spid="3" grpId="0" uiExpand="1" build="p"/>
+      <p:bldP spid="5" grpId="0" animBg="1"/>
     </p:bldLst>
   </p:timing>
 </p:sld>
@@ -4845,9 +4923,257 @@
   <p:timing>
     <p:tnLst>
       <p:par>
-        <p:cTn id="1" dur="indefinite" restart="never" nodeType="tmRoot"/>
+        <p:cTn id="1" dur="indefinite" restart="never" nodeType="tmRoot">
+          <p:childTnLst>
+            <p:seq concurrent="1" nextAc="seek">
+              <p:cTn id="2" dur="indefinite" nodeType="mainSeq">
+                <p:childTnLst>
+                  <p:par>
+                    <p:cTn id="3" fill="hold">
+                      <p:stCondLst>
+                        <p:cond delay="indefinite"/>
+                        <p:cond evt="onBegin" delay="0">
+                          <p:tn val="2"/>
+                        </p:cond>
+                      </p:stCondLst>
+                      <p:childTnLst>
+                        <p:par>
+                          <p:cTn id="4" fill="hold">
+                            <p:stCondLst>
+                              <p:cond delay="0"/>
+                            </p:stCondLst>
+                            <p:childTnLst>
+                              <p:par>
+                                <p:cTn id="5" presetID="1" presetClass="entr" presetSubtype="0" fill="hold" grpId="0" nodeType="withEffect">
+                                  <p:stCondLst>
+                                    <p:cond delay="0"/>
+                                  </p:stCondLst>
+                                  <p:childTnLst>
+                                    <p:set>
+                                      <p:cBhvr>
+                                        <p:cTn id="6" dur="1" fill="hold">
+                                          <p:stCondLst>
+                                            <p:cond delay="0"/>
+                                          </p:stCondLst>
+                                        </p:cTn>
+                                        <p:tgtEl>
+                                          <p:spTgt spid="3">
+                                            <p:txEl>
+                                              <p:pRg st="0" end="0"/>
+                                            </p:txEl>
+                                          </p:spTgt>
+                                        </p:tgtEl>
+                                        <p:attrNameLst>
+                                          <p:attrName>style.visibility</p:attrName>
+                                        </p:attrNameLst>
+                                      </p:cBhvr>
+                                      <p:to>
+                                        <p:strVal val="visible"/>
+                                      </p:to>
+                                    </p:set>
+                                  </p:childTnLst>
+                                </p:cTn>
+                              </p:par>
+                              <p:par>
+                                <p:cTn id="7" presetID="1" presetClass="entr" presetSubtype="0" fill="hold" grpId="0" nodeType="withEffect">
+                                  <p:stCondLst>
+                                    <p:cond delay="0"/>
+                                  </p:stCondLst>
+                                  <p:childTnLst>
+                                    <p:set>
+                                      <p:cBhvr>
+                                        <p:cTn id="8" dur="1" fill="hold">
+                                          <p:stCondLst>
+                                            <p:cond delay="0"/>
+                                          </p:stCondLst>
+                                        </p:cTn>
+                                        <p:tgtEl>
+                                          <p:spTgt spid="3">
+                                            <p:txEl>
+                                              <p:pRg st="1" end="1"/>
+                                            </p:txEl>
+                                          </p:spTgt>
+                                        </p:tgtEl>
+                                        <p:attrNameLst>
+                                          <p:attrName>style.visibility</p:attrName>
+                                        </p:attrNameLst>
+                                      </p:cBhvr>
+                                      <p:to>
+                                        <p:strVal val="visible"/>
+                                      </p:to>
+                                    </p:set>
+                                  </p:childTnLst>
+                                </p:cTn>
+                              </p:par>
+                              <p:par>
+                                <p:cTn id="9" presetID="1" presetClass="entr" presetSubtype="0" fill="hold" grpId="0" nodeType="withEffect">
+                                  <p:stCondLst>
+                                    <p:cond delay="0"/>
+                                  </p:stCondLst>
+                                  <p:childTnLst>
+                                    <p:set>
+                                      <p:cBhvr>
+                                        <p:cTn id="10" dur="1" fill="hold">
+                                          <p:stCondLst>
+                                            <p:cond delay="0"/>
+                                          </p:stCondLst>
+                                        </p:cTn>
+                                        <p:tgtEl>
+                                          <p:spTgt spid="3">
+                                            <p:txEl>
+                                              <p:pRg st="2" end="2"/>
+                                            </p:txEl>
+                                          </p:spTgt>
+                                        </p:tgtEl>
+                                        <p:attrNameLst>
+                                          <p:attrName>style.visibility</p:attrName>
+                                        </p:attrNameLst>
+                                      </p:cBhvr>
+                                      <p:to>
+                                        <p:strVal val="visible"/>
+                                      </p:to>
+                                    </p:set>
+                                  </p:childTnLst>
+                                </p:cTn>
+                              </p:par>
+                              <p:par>
+                                <p:cTn id="11" presetID="1" presetClass="entr" presetSubtype="0" fill="hold" grpId="0" nodeType="withEffect">
+                                  <p:stCondLst>
+                                    <p:cond delay="0"/>
+                                  </p:stCondLst>
+                                  <p:childTnLst>
+                                    <p:set>
+                                      <p:cBhvr>
+                                        <p:cTn id="12" dur="1" fill="hold">
+                                          <p:stCondLst>
+                                            <p:cond delay="0"/>
+                                          </p:stCondLst>
+                                        </p:cTn>
+                                        <p:tgtEl>
+                                          <p:spTgt spid="3">
+                                            <p:txEl>
+                                              <p:pRg st="3" end="3"/>
+                                            </p:txEl>
+                                          </p:spTgt>
+                                        </p:tgtEl>
+                                        <p:attrNameLst>
+                                          <p:attrName>style.visibility</p:attrName>
+                                        </p:attrNameLst>
+                                      </p:cBhvr>
+                                      <p:to>
+                                        <p:strVal val="visible"/>
+                                      </p:to>
+                                    </p:set>
+                                  </p:childTnLst>
+                                </p:cTn>
+                              </p:par>
+                              <p:par>
+                                <p:cTn id="13" presetID="1" presetClass="entr" presetSubtype="0" fill="hold" grpId="0" nodeType="withEffect">
+                                  <p:stCondLst>
+                                    <p:cond delay="0"/>
+                                  </p:stCondLst>
+                                  <p:childTnLst>
+                                    <p:set>
+                                      <p:cBhvr>
+                                        <p:cTn id="14" dur="1" fill="hold">
+                                          <p:stCondLst>
+                                            <p:cond delay="0"/>
+                                          </p:stCondLst>
+                                        </p:cTn>
+                                        <p:tgtEl>
+                                          <p:spTgt spid="5"/>
+                                        </p:tgtEl>
+                                        <p:attrNameLst>
+                                          <p:attrName>style.visibility</p:attrName>
+                                        </p:attrNameLst>
+                                      </p:cBhvr>
+                                      <p:to>
+                                        <p:strVal val="visible"/>
+                                      </p:to>
+                                    </p:set>
+                                  </p:childTnLst>
+                                </p:cTn>
+                              </p:par>
+                            </p:childTnLst>
+                          </p:cTn>
+                        </p:par>
+                      </p:childTnLst>
+                    </p:cTn>
+                  </p:par>
+                  <p:par>
+                    <p:cTn id="15" fill="hold">
+                      <p:stCondLst>
+                        <p:cond delay="indefinite"/>
+                      </p:stCondLst>
+                      <p:childTnLst>
+                        <p:par>
+                          <p:cTn id="16" fill="hold">
+                            <p:stCondLst>
+                              <p:cond delay="0"/>
+                            </p:stCondLst>
+                            <p:childTnLst>
+                              <p:par>
+                                <p:cTn id="17" presetID="1" presetClass="entr" presetSubtype="0" fill="hold" grpId="0" nodeType="clickEffect">
+                                  <p:stCondLst>
+                                    <p:cond delay="0"/>
+                                  </p:stCondLst>
+                                  <p:childTnLst>
+                                    <p:set>
+                                      <p:cBhvr>
+                                        <p:cTn id="18" dur="1" fill="hold">
+                                          <p:stCondLst>
+                                            <p:cond delay="0"/>
+                                          </p:stCondLst>
+                                        </p:cTn>
+                                        <p:tgtEl>
+                                          <p:spTgt spid="3">
+                                            <p:txEl>
+                                              <p:pRg st="6" end="6"/>
+                                            </p:txEl>
+                                          </p:spTgt>
+                                        </p:tgtEl>
+                                        <p:attrNameLst>
+                                          <p:attrName>style.visibility</p:attrName>
+                                        </p:attrNameLst>
+                                      </p:cBhvr>
+                                      <p:to>
+                                        <p:strVal val="visible"/>
+                                      </p:to>
+                                    </p:set>
+                                  </p:childTnLst>
+                                </p:cTn>
+                              </p:par>
+                            </p:childTnLst>
+                          </p:cTn>
+                        </p:par>
+                      </p:childTnLst>
+                    </p:cTn>
+                  </p:par>
+                </p:childTnLst>
+              </p:cTn>
+              <p:prevCondLst>
+                <p:cond evt="onPrev" delay="0">
+                  <p:tgtEl>
+                    <p:sldTgt/>
+                  </p:tgtEl>
+                </p:cond>
+              </p:prevCondLst>
+              <p:nextCondLst>
+                <p:cond evt="onNext" delay="0">
+                  <p:tgtEl>
+                    <p:sldTgt/>
+                  </p:tgtEl>
+                </p:cond>
+              </p:nextCondLst>
+            </p:seq>
+          </p:childTnLst>
+        </p:cTn>
       </p:par>
     </p:tnLst>
+    <p:bldLst>
+      <p:bldP spid="3" grpId="0" uiExpand="1" build="p" bldLvl="2"/>
+      <p:bldP spid="5" grpId="0" animBg="1"/>
+    </p:bldLst>
   </p:timing>
 </p:sld>
 </file>
@@ -4886,11 +5212,15 @@
           <a:p>
             <a:r>
               <a:rPr lang="en-US" dirty="0"/>
-              <a:t>f</a:t>
+              <a:t>F</a:t>
             </a:r>
             <a:r>
               <a:rPr lang="en-US" dirty="0" smtClean="0"/>
-              <a:t>olium visualization</a:t>
+              <a:t>olium </a:t>
+            </a:r>
+            <a:r>
+              <a:rPr lang="en-US" dirty="0" smtClean="0"/>
+              <a:t>visualization</a:t>
             </a:r>
             <a:endParaRPr lang="en-US" dirty="0"/>
           </a:p>
@@ -5074,10 +5404,6 @@
               </a:rPr>
               <a:t>=2)</a:t>
             </a:r>
-            <a:endParaRPr lang="en-US" dirty="0" smtClean="0">
-              <a:latin typeface="Courier New" pitchFamily="49" charset="0"/>
-              <a:cs typeface="Courier New" pitchFamily="49" charset="0"/>
-            </a:endParaRPr>
           </a:p>
         </p:txBody>
       </p:sp>
@@ -5805,10 +6131,6 @@
               </a:rPr>
               <a:t>')</a:t>
             </a:r>
-            <a:endParaRPr lang="en-US" dirty="0" smtClean="0">
-              <a:latin typeface="Courier New" pitchFamily="49" charset="0"/>
-              <a:cs typeface="Courier New" pitchFamily="49" charset="0"/>
-            </a:endParaRPr>
           </a:p>
         </p:txBody>
       </p:sp>
@@ -6137,10 +6459,6 @@
               </a:rPr>
               <a:t>import folium</a:t>
             </a:r>
-            <a:endParaRPr lang="en-US" dirty="0" smtClean="0">
-              <a:latin typeface="Courier New" pitchFamily="49" charset="0"/>
-              <a:cs typeface="Courier New" pitchFamily="49" charset="0"/>
-            </a:endParaRPr>
           </a:p>
         </p:txBody>
       </p:sp>
@@ -7014,7 +7332,7 @@
           <a:p>
             <a:r>
               <a:rPr lang="en-US" dirty="0" smtClean="0"/>
-              <a:t>Flask</a:t>
+              <a:t>Fiona manual</a:t>
             </a:r>
             <a:r>
               <a:rPr lang="en-US" dirty="0"/>
@@ -7033,55 +7351,63 @@
               <a:rPr lang="en-US" sz="2000" dirty="0" smtClean="0">
                 <a:hlinkClick r:id="rId2"/>
               </a:rPr>
-              <a:t>flask.pocoo.org/docs/latest</a:t>
+              <a:t>toblerity.org/fiona/index.html</a:t>
+            </a:r>
+            <a:endParaRPr lang="en-US" sz="2000" dirty="0" smtClean="0"/>
+          </a:p>
+          <a:p>
+            <a:r>
+              <a:rPr lang="en-US" dirty="0"/>
+              <a:t>Folium manual</a:t>
+            </a:r>
+            <a:br>
+              <a:rPr lang="en-US" dirty="0"/>
+            </a:br>
+            <a:r>
+              <a:rPr lang="en-US" sz="2000" dirty="0">
+                <a:hlinkClick r:id="rId3"/>
+              </a:rPr>
+              <a:t>http://python-visualization.github.io/folium/docs-master</a:t>
+            </a:r>
+            <a:r>
+              <a:rPr lang="en-US" sz="2000" dirty="0" smtClean="0">
+                <a:hlinkClick r:id="rId3"/>
+              </a:rPr>
+              <a:t>/</a:t>
             </a:r>
             <a:r>
               <a:rPr lang="en-US" sz="2000" dirty="0" smtClean="0"/>
-              <a:t>  </a:t>
-            </a:r>
+              <a:t> </a:t>
+            </a:r>
+            <a:endParaRPr lang="en-US" dirty="0"/>
           </a:p>
           <a:p>
             <a:r>
               <a:rPr lang="en-US" dirty="0" smtClean="0"/>
-              <a:t>Jinja2 0.25 (check for </a:t>
-            </a:r>
-            <a:r>
-              <a:rPr lang="en-US" dirty="0"/>
-              <a:t>latest version</a:t>
+              <a:t>Shapely manual</a:t>
             </a:r>
             <a:r>
               <a:rPr lang="en-US" dirty="0" smtClean="0"/>
-              <a:t>)</a:t>
+              <a:t/>
             </a:r>
             <a:br>
               <a:rPr lang="en-US" dirty="0" smtClean="0"/>
             </a:br>
             <a:r>
+              <a:rPr lang="en-US" sz="2000" dirty="0">
+                <a:hlinkClick r:id="rId4"/>
+              </a:rPr>
+              <a:t>https://shapely.readthedocs.io/en/latest</a:t>
+            </a:r>
+            <a:r>
               <a:rPr lang="en-US" sz="2000" dirty="0" smtClean="0">
-                <a:hlinkClick r:id="rId3"/>
-              </a:rPr>
-              <a:t>http</a:t>
-            </a:r>
-            <a:r>
-              <a:rPr lang="en-US" sz="2000" dirty="0">
-                <a:hlinkClick r:id="rId3"/>
-              </a:rPr>
-              <a:t>://</a:t>
-            </a:r>
-            <a:r>
-              <a:rPr lang="en-US" sz="2000" smtClean="0">
-                <a:hlinkClick r:id="rId3"/>
-              </a:rPr>
-              <a:t>jinja.pocoo.org/docs/latest</a:t>
-            </a:r>
-            <a:r>
-              <a:rPr lang="en-US" sz="2000" smtClean="0"/>
-              <a:t> </a:t>
-            </a:r>
-            <a:r>
-              <a:rPr lang="en-US" smtClean="0"/>
-              <a:t> </a:t>
-            </a:r>
+                <a:hlinkClick r:id="rId4"/>
+              </a:rPr>
+              <a:t>/</a:t>
+            </a:r>
+            <a:endParaRPr lang="en-US" sz="2000" dirty="0" smtClean="0"/>
+          </a:p>
+          <a:p>
             <a:endParaRPr lang="en-US" dirty="0" smtClean="0"/>
           </a:p>
         </p:txBody>
@@ -7221,6 +7547,55 @@
                                           <p:spTgt spid="3">
                                             <p:txEl>
                                               <p:pRg st="1" end="1"/>
+                                            </p:txEl>
+                                          </p:spTgt>
+                                        </p:tgtEl>
+                                        <p:attrNameLst>
+                                          <p:attrName>style.visibility</p:attrName>
+                                        </p:attrNameLst>
+                                      </p:cBhvr>
+                                      <p:to>
+                                        <p:strVal val="visible"/>
+                                      </p:to>
+                                    </p:set>
+                                  </p:childTnLst>
+                                </p:cTn>
+                              </p:par>
+                            </p:childTnLst>
+                          </p:cTn>
+                        </p:par>
+                      </p:childTnLst>
+                    </p:cTn>
+                  </p:par>
+                  <p:par>
+                    <p:cTn id="11" fill="hold">
+                      <p:stCondLst>
+                        <p:cond delay="indefinite"/>
+                      </p:stCondLst>
+                      <p:childTnLst>
+                        <p:par>
+                          <p:cTn id="12" fill="hold">
+                            <p:stCondLst>
+                              <p:cond delay="0"/>
+                            </p:stCondLst>
+                            <p:childTnLst>
+                              <p:par>
+                                <p:cTn id="13" presetID="1" presetClass="entr" presetSubtype="0" fill="hold" grpId="0" nodeType="clickEffect">
+                                  <p:stCondLst>
+                                    <p:cond delay="0"/>
+                                  </p:stCondLst>
+                                  <p:childTnLst>
+                                    <p:set>
+                                      <p:cBhvr>
+                                        <p:cTn id="14" dur="1" fill="hold">
+                                          <p:stCondLst>
+                                            <p:cond delay="0"/>
+                                          </p:stCondLst>
+                                        </p:cTn>
+                                        <p:tgtEl>
+                                          <p:spTgt spid="3">
+                                            <p:txEl>
+                                              <p:pRg st="2" end="2"/>
                                             </p:txEl>
                                           </p:spTgt>
                                         </p:tgtEl>

--- a/Python/python_gis.pptx
+++ b/Python/python_gis.pptx
@@ -5,7 +5,7 @@
     <p:sldMasterId id="2147483672" r:id="rId1"/>
   </p:sldMasterIdLst>
   <p:notesMasterIdLst>
-    <p:notesMasterId r:id="rId8"/>
+    <p:notesMasterId r:id="rId9"/>
   </p:notesMasterIdLst>
   <p:sldIdLst>
     <p:sldId id="256" r:id="rId2"/>
@@ -13,7 +13,8 @@
     <p:sldId id="266" r:id="rId4"/>
     <p:sldId id="267" r:id="rId5"/>
     <p:sldId id="268" r:id="rId6"/>
-    <p:sldId id="265" r:id="rId7"/>
+    <p:sldId id="269" r:id="rId7"/>
+    <p:sldId id="265" r:id="rId8"/>
   </p:sldIdLst>
   <p:sldSz cx="9144000" cy="6858000" type="screen4x3"/>
   <p:notesSz cx="6858000" cy="9144000"/>
@@ -7309,7 +7310,7 @@
           <a:p>
             <a:r>
               <a:rPr lang="en-US" dirty="0" smtClean="0"/>
-              <a:t>Further reading</a:t>
+              <a:t>Data linkage issue</a:t>
             </a:r>
             <a:endParaRPr lang="en-US" dirty="0"/>
           </a:p>
@@ -7317,7 +7318,7 @@
       </p:sp>
       <p:sp>
         <p:nvSpPr>
-          <p:cNvPr id="3" name="Content Placeholder 2"/>
+          <p:cNvPr id="4" name="Content Placeholder 3"/>
           <p:cNvSpPr>
             <a:spLocks noGrp="1"/>
           </p:cNvSpPr>
@@ -7332,89 +7333,51 @@
           <a:p>
             <a:r>
               <a:rPr lang="en-US" dirty="0" smtClean="0"/>
-              <a:t>Fiona manual</a:t>
-            </a:r>
-            <a:r>
-              <a:rPr lang="en-US" dirty="0"/>
-              <a:t/>
-            </a:r>
-            <a:br>
-              <a:rPr lang="en-US" dirty="0"/>
-            </a:br>
-            <a:r>
-              <a:rPr lang="en-US" sz="2000" dirty="0">
-                <a:hlinkClick r:id="rId2"/>
-              </a:rPr>
-              <a:t>http://</a:t>
-            </a:r>
-            <a:r>
-              <a:rPr lang="en-US" sz="2000" dirty="0" smtClean="0">
-                <a:hlinkClick r:id="rId2"/>
-              </a:rPr>
-              <a:t>toblerity.org/fiona/index.html</a:t>
-            </a:r>
-            <a:endParaRPr lang="en-US" sz="2000" dirty="0" smtClean="0"/>
-          </a:p>
-          <a:p>
-            <a:r>
-              <a:rPr lang="en-US" dirty="0"/>
-              <a:t>Folium manual</a:t>
-            </a:r>
-            <a:br>
-              <a:rPr lang="en-US" dirty="0"/>
-            </a:br>
-            <a:r>
-              <a:rPr lang="en-US" sz="2000" dirty="0">
-                <a:hlinkClick r:id="rId3"/>
-              </a:rPr>
-              <a:t>http://python-visualization.github.io/folium/docs-master</a:t>
-            </a:r>
-            <a:r>
-              <a:rPr lang="en-US" sz="2000" dirty="0" smtClean="0">
-                <a:hlinkClick r:id="rId3"/>
-              </a:rPr>
-              <a:t>/</a:t>
-            </a:r>
-            <a:r>
-              <a:rPr lang="en-US" sz="2000" dirty="0" smtClean="0"/>
-              <a:t> </a:t>
+              <a:t>In World Happiness Index: </a:t>
+            </a:r>
+            <a:r>
+              <a:rPr lang="en-US" dirty="0" smtClean="0">
+                <a:solidFill>
+                  <a:srgbClr val="C00000"/>
+                </a:solidFill>
+              </a:rPr>
+              <a:t>United States</a:t>
+            </a:r>
+          </a:p>
+          <a:p>
+            <a:r>
+              <a:rPr lang="en-US" dirty="0" smtClean="0"/>
+              <a:t>In </a:t>
+            </a:r>
+            <a:r>
+              <a:rPr lang="en-US" dirty="0" err="1" smtClean="0"/>
+              <a:t>GeoJSON</a:t>
+            </a:r>
+            <a:r>
+              <a:rPr lang="en-US" dirty="0" smtClean="0"/>
+              <a:t> file: </a:t>
+            </a:r>
+            <a:r>
+              <a:rPr lang="en-US" dirty="0" smtClean="0">
+                <a:solidFill>
+                  <a:srgbClr val="00B050"/>
+                </a:solidFill>
+              </a:rPr>
+              <a:t>United States of America</a:t>
+            </a:r>
+          </a:p>
+          <a:p>
+            <a:r>
+              <a:rPr lang="en-US" dirty="0" smtClean="0"/>
+              <a:t>Fix: change names, e.g.,</a:t>
             </a:r>
             <a:endParaRPr lang="en-US" dirty="0"/>
           </a:p>
-          <a:p>
-            <a:r>
-              <a:rPr lang="en-US" dirty="0" smtClean="0"/>
-              <a:t>Shapely manual</a:t>
-            </a:r>
-            <a:r>
-              <a:rPr lang="en-US" dirty="0" smtClean="0"/>
-              <a:t/>
-            </a:r>
-            <a:br>
-              <a:rPr lang="en-US" dirty="0" smtClean="0"/>
-            </a:br>
-            <a:r>
-              <a:rPr lang="en-US" sz="2000" dirty="0">
-                <a:hlinkClick r:id="rId4"/>
-              </a:rPr>
-              <a:t>https://shapely.readthedocs.io/en/latest</a:t>
-            </a:r>
-            <a:r>
-              <a:rPr lang="en-US" sz="2000" dirty="0" smtClean="0">
-                <a:hlinkClick r:id="rId4"/>
-              </a:rPr>
-              <a:t>/</a:t>
-            </a:r>
-            <a:endParaRPr lang="en-US" sz="2000" dirty="0" smtClean="0"/>
-          </a:p>
-          <a:p>
-            <a:endParaRPr lang="en-US" dirty="0" smtClean="0"/>
-          </a:p>
-        </p:txBody>
-      </p:sp>
-      <p:sp>
-        <p:nvSpPr>
-          <p:cNvPr id="4" name="Slide Number Placeholder 3"/>
+        </p:txBody>
+      </p:sp>
+      <p:sp>
+        <p:nvSpPr>
+          <p:cNvPr id="3" name="Slide Number Placeholder 2"/>
           <p:cNvSpPr>
             <a:spLocks noGrp="1"/>
           </p:cNvSpPr>
@@ -7437,6 +7400,519 @@
               </a:rPr>
               <a:pPr/>
               <a:t>6</a:t>
+            </a:fld>
+            <a:endParaRPr lang="nl-BE">
+              <a:solidFill>
+                <a:prstClr val="black">
+                  <a:tint val="75000"/>
+                </a:prstClr>
+              </a:solidFill>
+            </a:endParaRPr>
+          </a:p>
+        </p:txBody>
+      </p:sp>
+      <p:sp>
+        <p:nvSpPr>
+          <p:cNvPr id="5" name="TextBox 4"/>
+          <p:cNvSpPr txBox="1"/>
+          <p:nvPr/>
+        </p:nvSpPr>
+        <p:spPr>
+          <a:xfrm>
+            <a:off x="304800" y="3453774"/>
+            <a:ext cx="8711381" cy="369332"/>
+          </a:xfrm>
+          <a:prstGeom prst="rect">
+            <a:avLst/>
+          </a:prstGeom>
+          <a:solidFill>
+            <a:schemeClr val="accent4">
+              <a:lumMod val="40000"/>
+              <a:lumOff val="60000"/>
+            </a:schemeClr>
+          </a:solidFill>
+        </p:spPr>
+        <p:txBody>
+          <a:bodyPr wrap="square" rtlCol="0">
+            <a:spAutoFit/>
+          </a:bodyPr>
+          <a:lstStyle/>
+          <a:p>
+            <a:r>
+              <a:rPr lang="en-US" dirty="0">
+                <a:latin typeface="Courier New" pitchFamily="49" charset="0"/>
+                <a:cs typeface="Courier New" pitchFamily="49" charset="0"/>
+              </a:rPr>
+              <a:t>happiness_data.at[12, 'Country'] = 'United States of America'</a:t>
+            </a:r>
+            <a:endParaRPr lang="en-US" dirty="0" smtClean="0">
+              <a:latin typeface="Courier New" pitchFamily="49" charset="0"/>
+              <a:cs typeface="Courier New" pitchFamily="49" charset="0"/>
+            </a:endParaRPr>
+          </a:p>
+        </p:txBody>
+      </p:sp>
+      <p:pic>
+        <p:nvPicPr>
+          <p:cNvPr id="6" name="Picture 5"/>
+          <p:cNvPicPr>
+            <a:picLocks noChangeAspect="1"/>
+          </p:cNvPicPr>
+          <p:nvPr/>
+        </p:nvPicPr>
+        <p:blipFill>
+          <a:blip r:embed="rId2">
+            <a:extLst>
+              <a:ext uri="{28A0092B-C50C-407E-A947-70E740481C1C}">
+                <a14:useLocalDpi xmlns:a14="http://schemas.microsoft.com/office/drawing/2010/main" val="0"/>
+              </a:ext>
+            </a:extLst>
+          </a:blip>
+          <a:stretch>
+            <a:fillRect/>
+          </a:stretch>
+        </p:blipFill>
+        <p:spPr>
+          <a:xfrm>
+            <a:off x="1612490" y="3990596"/>
+            <a:ext cx="4404852" cy="2640217"/>
+          </a:xfrm>
+          <a:prstGeom prst="rect">
+            <a:avLst/>
+          </a:prstGeom>
+        </p:spPr>
+      </p:pic>
+    </p:spTree>
+    <p:extLst>
+      <p:ext uri="{BB962C8B-B14F-4D97-AF65-F5344CB8AC3E}">
+        <p14:creationId xmlns:p14="http://schemas.microsoft.com/office/powerpoint/2010/main" val="1737312593"/>
+      </p:ext>
+    </p:extLst>
+  </p:cSld>
+  <p:clrMapOvr>
+    <a:masterClrMapping/>
+  </p:clrMapOvr>
+  <p:timing>
+    <p:tnLst>
+      <p:par>
+        <p:cTn id="1" dur="indefinite" restart="never" nodeType="tmRoot">
+          <p:childTnLst>
+            <p:seq concurrent="1" nextAc="seek">
+              <p:cTn id="2" dur="indefinite" nodeType="mainSeq">
+                <p:childTnLst>
+                  <p:par>
+                    <p:cTn id="3" fill="hold">
+                      <p:stCondLst>
+                        <p:cond delay="indefinite"/>
+                        <p:cond evt="onBegin" delay="0">
+                          <p:tn val="2"/>
+                        </p:cond>
+                      </p:stCondLst>
+                      <p:childTnLst>
+                        <p:par>
+                          <p:cTn id="4" fill="hold">
+                            <p:stCondLst>
+                              <p:cond delay="0"/>
+                            </p:stCondLst>
+                            <p:childTnLst>
+                              <p:par>
+                                <p:cTn id="5" presetID="1" presetClass="entr" presetSubtype="0" fill="hold" grpId="0" nodeType="withEffect">
+                                  <p:stCondLst>
+                                    <p:cond delay="0"/>
+                                  </p:stCondLst>
+                                  <p:childTnLst>
+                                    <p:set>
+                                      <p:cBhvr>
+                                        <p:cTn id="6" dur="1" fill="hold">
+                                          <p:stCondLst>
+                                            <p:cond delay="0"/>
+                                          </p:stCondLst>
+                                        </p:cTn>
+                                        <p:tgtEl>
+                                          <p:spTgt spid="4">
+                                            <p:txEl>
+                                              <p:pRg st="0" end="0"/>
+                                            </p:txEl>
+                                          </p:spTgt>
+                                        </p:tgtEl>
+                                        <p:attrNameLst>
+                                          <p:attrName>style.visibility</p:attrName>
+                                        </p:attrNameLst>
+                                      </p:cBhvr>
+                                      <p:to>
+                                        <p:strVal val="visible"/>
+                                      </p:to>
+                                    </p:set>
+                                  </p:childTnLst>
+                                </p:cTn>
+                              </p:par>
+                            </p:childTnLst>
+                          </p:cTn>
+                        </p:par>
+                      </p:childTnLst>
+                    </p:cTn>
+                  </p:par>
+                  <p:par>
+                    <p:cTn id="7" fill="hold">
+                      <p:stCondLst>
+                        <p:cond delay="indefinite"/>
+                      </p:stCondLst>
+                      <p:childTnLst>
+                        <p:par>
+                          <p:cTn id="8" fill="hold">
+                            <p:stCondLst>
+                              <p:cond delay="0"/>
+                            </p:stCondLst>
+                            <p:childTnLst>
+                              <p:par>
+                                <p:cTn id="9" presetID="1" presetClass="entr" presetSubtype="0" fill="hold" grpId="0" nodeType="clickEffect">
+                                  <p:stCondLst>
+                                    <p:cond delay="0"/>
+                                  </p:stCondLst>
+                                  <p:childTnLst>
+                                    <p:set>
+                                      <p:cBhvr>
+                                        <p:cTn id="10" dur="1" fill="hold">
+                                          <p:stCondLst>
+                                            <p:cond delay="0"/>
+                                          </p:stCondLst>
+                                        </p:cTn>
+                                        <p:tgtEl>
+                                          <p:spTgt spid="4">
+                                            <p:txEl>
+                                              <p:pRg st="1" end="1"/>
+                                            </p:txEl>
+                                          </p:spTgt>
+                                        </p:tgtEl>
+                                        <p:attrNameLst>
+                                          <p:attrName>style.visibility</p:attrName>
+                                        </p:attrNameLst>
+                                      </p:cBhvr>
+                                      <p:to>
+                                        <p:strVal val="visible"/>
+                                      </p:to>
+                                    </p:set>
+                                  </p:childTnLst>
+                                </p:cTn>
+                              </p:par>
+                            </p:childTnLst>
+                          </p:cTn>
+                        </p:par>
+                      </p:childTnLst>
+                    </p:cTn>
+                  </p:par>
+                  <p:par>
+                    <p:cTn id="11" fill="hold">
+                      <p:stCondLst>
+                        <p:cond delay="indefinite"/>
+                      </p:stCondLst>
+                      <p:childTnLst>
+                        <p:par>
+                          <p:cTn id="12" fill="hold">
+                            <p:stCondLst>
+                              <p:cond delay="0"/>
+                            </p:stCondLst>
+                            <p:childTnLst>
+                              <p:par>
+                                <p:cTn id="13" presetID="1" presetClass="entr" presetSubtype="0" fill="hold" grpId="0" nodeType="clickEffect">
+                                  <p:stCondLst>
+                                    <p:cond delay="0"/>
+                                  </p:stCondLst>
+                                  <p:childTnLst>
+                                    <p:set>
+                                      <p:cBhvr>
+                                        <p:cTn id="14" dur="1" fill="hold">
+                                          <p:stCondLst>
+                                            <p:cond delay="0"/>
+                                          </p:stCondLst>
+                                        </p:cTn>
+                                        <p:tgtEl>
+                                          <p:spTgt spid="4">
+                                            <p:txEl>
+                                              <p:pRg st="2" end="2"/>
+                                            </p:txEl>
+                                          </p:spTgt>
+                                        </p:tgtEl>
+                                        <p:attrNameLst>
+                                          <p:attrName>style.visibility</p:attrName>
+                                        </p:attrNameLst>
+                                      </p:cBhvr>
+                                      <p:to>
+                                        <p:strVal val="visible"/>
+                                      </p:to>
+                                    </p:set>
+                                  </p:childTnLst>
+                                </p:cTn>
+                              </p:par>
+                              <p:par>
+                                <p:cTn id="15" presetID="1" presetClass="entr" presetSubtype="0" fill="hold" grpId="0" nodeType="withEffect">
+                                  <p:stCondLst>
+                                    <p:cond delay="0"/>
+                                  </p:stCondLst>
+                                  <p:childTnLst>
+                                    <p:set>
+                                      <p:cBhvr>
+                                        <p:cTn id="16" dur="1" fill="hold">
+                                          <p:stCondLst>
+                                            <p:cond delay="0"/>
+                                          </p:stCondLst>
+                                        </p:cTn>
+                                        <p:tgtEl>
+                                          <p:spTgt spid="5"/>
+                                        </p:tgtEl>
+                                        <p:attrNameLst>
+                                          <p:attrName>style.visibility</p:attrName>
+                                        </p:attrNameLst>
+                                      </p:cBhvr>
+                                      <p:to>
+                                        <p:strVal val="visible"/>
+                                      </p:to>
+                                    </p:set>
+                                  </p:childTnLst>
+                                </p:cTn>
+                              </p:par>
+                            </p:childTnLst>
+                          </p:cTn>
+                        </p:par>
+                      </p:childTnLst>
+                    </p:cTn>
+                  </p:par>
+                  <p:par>
+                    <p:cTn id="17" fill="hold">
+                      <p:stCondLst>
+                        <p:cond delay="indefinite"/>
+                      </p:stCondLst>
+                      <p:childTnLst>
+                        <p:par>
+                          <p:cTn id="18" fill="hold">
+                            <p:stCondLst>
+                              <p:cond delay="0"/>
+                            </p:stCondLst>
+                            <p:childTnLst>
+                              <p:par>
+                                <p:cTn id="19" presetID="1" presetClass="entr" presetSubtype="0" fill="hold" nodeType="clickEffect">
+                                  <p:stCondLst>
+                                    <p:cond delay="0"/>
+                                  </p:stCondLst>
+                                  <p:childTnLst>
+                                    <p:set>
+                                      <p:cBhvr>
+                                        <p:cTn id="20" dur="1" fill="hold">
+                                          <p:stCondLst>
+                                            <p:cond delay="0"/>
+                                          </p:stCondLst>
+                                        </p:cTn>
+                                        <p:tgtEl>
+                                          <p:spTgt spid="6"/>
+                                        </p:tgtEl>
+                                        <p:attrNameLst>
+                                          <p:attrName>style.visibility</p:attrName>
+                                        </p:attrNameLst>
+                                      </p:cBhvr>
+                                      <p:to>
+                                        <p:strVal val="visible"/>
+                                      </p:to>
+                                    </p:set>
+                                  </p:childTnLst>
+                                </p:cTn>
+                              </p:par>
+                            </p:childTnLst>
+                          </p:cTn>
+                        </p:par>
+                      </p:childTnLst>
+                    </p:cTn>
+                  </p:par>
+                </p:childTnLst>
+              </p:cTn>
+              <p:prevCondLst>
+                <p:cond evt="onPrev" delay="0">
+                  <p:tgtEl>
+                    <p:sldTgt/>
+                  </p:tgtEl>
+                </p:cond>
+              </p:prevCondLst>
+              <p:nextCondLst>
+                <p:cond evt="onNext" delay="0">
+                  <p:tgtEl>
+                    <p:sldTgt/>
+                  </p:tgtEl>
+                </p:cond>
+              </p:nextCondLst>
+            </p:seq>
+          </p:childTnLst>
+        </p:cTn>
+      </p:par>
+    </p:tnLst>
+    <p:bldLst>
+      <p:bldP spid="4" grpId="0" uiExpand="1" build="p"/>
+      <p:bldP spid="5" grpId="0" animBg="1"/>
+    </p:bldLst>
+  </p:timing>
+</p:sld>
+</file>
+
+<file path=ppt/slides/slide7.xml><?xml version="1.0" encoding="utf-8"?>
+<p:sld xmlns:a="http://schemas.openxmlformats.org/drawingml/2006/main" xmlns:r="http://schemas.openxmlformats.org/officeDocument/2006/relationships" xmlns:p="http://schemas.openxmlformats.org/presentationml/2006/main">
+  <p:cSld>
+    <p:spTree>
+      <p:nvGrpSpPr>
+        <p:cNvPr id="1" name=""/>
+        <p:cNvGrpSpPr/>
+        <p:nvPr/>
+      </p:nvGrpSpPr>
+      <p:grpSpPr>
+        <a:xfrm>
+          <a:off x="0" y="0"/>
+          <a:ext cx="0" cy="0"/>
+          <a:chOff x="0" y="0"/>
+          <a:chExt cx="0" cy="0"/>
+        </a:xfrm>
+      </p:grpSpPr>
+      <p:sp>
+        <p:nvSpPr>
+          <p:cNvPr id="2" name="Title 1"/>
+          <p:cNvSpPr>
+            <a:spLocks noGrp="1"/>
+          </p:cNvSpPr>
+          <p:nvPr>
+            <p:ph type="title"/>
+          </p:nvPr>
+        </p:nvSpPr>
+        <p:spPr/>
+        <p:txBody>
+          <a:bodyPr/>
+          <a:lstStyle/>
+          <a:p>
+            <a:r>
+              <a:rPr lang="en-US" dirty="0" smtClean="0"/>
+              <a:t>Further reading</a:t>
+            </a:r>
+            <a:endParaRPr lang="en-US" dirty="0"/>
+          </a:p>
+        </p:txBody>
+      </p:sp>
+      <p:sp>
+        <p:nvSpPr>
+          <p:cNvPr id="3" name="Content Placeholder 2"/>
+          <p:cNvSpPr>
+            <a:spLocks noGrp="1"/>
+          </p:cNvSpPr>
+          <p:nvPr>
+            <p:ph idx="1"/>
+          </p:nvPr>
+        </p:nvSpPr>
+        <p:spPr/>
+        <p:txBody>
+          <a:bodyPr/>
+          <a:lstStyle/>
+          <a:p>
+            <a:r>
+              <a:rPr lang="en-US" dirty="0" smtClean="0"/>
+              <a:t>Fiona manual</a:t>
+            </a:r>
+            <a:r>
+              <a:rPr lang="en-US" dirty="0"/>
+              <a:t/>
+            </a:r>
+            <a:br>
+              <a:rPr lang="en-US" dirty="0"/>
+            </a:br>
+            <a:r>
+              <a:rPr lang="en-US" sz="2000" dirty="0">
+                <a:hlinkClick r:id="rId2"/>
+              </a:rPr>
+              <a:t>http://</a:t>
+            </a:r>
+            <a:r>
+              <a:rPr lang="en-US" sz="2000" dirty="0" smtClean="0">
+                <a:hlinkClick r:id="rId2"/>
+              </a:rPr>
+              <a:t>toblerity.org/fiona/index.html</a:t>
+            </a:r>
+            <a:endParaRPr lang="en-US" sz="2000" dirty="0" smtClean="0"/>
+          </a:p>
+          <a:p>
+            <a:r>
+              <a:rPr lang="en-US" dirty="0"/>
+              <a:t>Folium manual</a:t>
+            </a:r>
+            <a:br>
+              <a:rPr lang="en-US" dirty="0"/>
+            </a:br>
+            <a:r>
+              <a:rPr lang="en-US" sz="2000" dirty="0">
+                <a:hlinkClick r:id="rId3"/>
+              </a:rPr>
+              <a:t>http://python-visualization.github.io/folium/docs-master</a:t>
+            </a:r>
+            <a:r>
+              <a:rPr lang="en-US" sz="2000" dirty="0" smtClean="0">
+                <a:hlinkClick r:id="rId3"/>
+              </a:rPr>
+              <a:t>/</a:t>
+            </a:r>
+            <a:r>
+              <a:rPr lang="en-US" sz="2000" dirty="0" smtClean="0"/>
+              <a:t> </a:t>
+            </a:r>
+            <a:endParaRPr lang="en-US" dirty="0"/>
+          </a:p>
+          <a:p>
+            <a:r>
+              <a:rPr lang="en-US" dirty="0" smtClean="0"/>
+              <a:t>Shapely manual</a:t>
+            </a:r>
+            <a:r>
+              <a:rPr lang="en-US" dirty="0" smtClean="0"/>
+              <a:t/>
+            </a:r>
+            <a:br>
+              <a:rPr lang="en-US" dirty="0" smtClean="0"/>
+            </a:br>
+            <a:r>
+              <a:rPr lang="en-US" sz="2000" dirty="0">
+                <a:hlinkClick r:id="rId4"/>
+              </a:rPr>
+              <a:t>https://shapely.readthedocs.io/en/latest</a:t>
+            </a:r>
+            <a:r>
+              <a:rPr lang="en-US" sz="2000" dirty="0" smtClean="0">
+                <a:hlinkClick r:id="rId4"/>
+              </a:rPr>
+              <a:t>/</a:t>
+            </a:r>
+            <a:endParaRPr lang="en-US" sz="2000" dirty="0" smtClean="0"/>
+          </a:p>
+          <a:p>
+            <a:endParaRPr lang="en-US" dirty="0" smtClean="0"/>
+          </a:p>
+        </p:txBody>
+      </p:sp>
+      <p:sp>
+        <p:nvSpPr>
+          <p:cNvPr id="4" name="Slide Number Placeholder 3"/>
+          <p:cNvSpPr>
+            <a:spLocks noGrp="1"/>
+          </p:cNvSpPr>
+          <p:nvPr>
+            <p:ph type="sldNum" sz="quarter" idx="12"/>
+          </p:nvPr>
+        </p:nvSpPr>
+        <p:spPr/>
+        <p:txBody>
+          <a:bodyPr/>
+          <a:lstStyle/>
+          <a:p>
+            <a:fld id="{5A209D72-2E9D-49B0-8977-41DCCC66C0BB}" type="slidenum">
+              <a:rPr lang="nl-BE" smtClean="0">
+                <a:solidFill>
+                  <a:prstClr val="black">
+                    <a:tint val="75000"/>
+                  </a:prstClr>
+                </a:solidFill>
+              </a:rPr>
+              <a:pPr/>
+              <a:t>7</a:t>
             </a:fld>
             <a:endParaRPr lang="nl-BE">
               <a:solidFill>

--- a/Python/python_gis.pptx
+++ b/Python/python_gis.pptx
@@ -5,7 +5,7 @@
     <p:sldMasterId id="2147483672" r:id="rId1"/>
   </p:sldMasterIdLst>
   <p:notesMasterIdLst>
-    <p:notesMasterId r:id="rId9"/>
+    <p:notesMasterId r:id="rId11"/>
   </p:notesMasterIdLst>
   <p:sldIdLst>
     <p:sldId id="256" r:id="rId2"/>
@@ -14,7 +14,9 @@
     <p:sldId id="267" r:id="rId5"/>
     <p:sldId id="268" r:id="rId6"/>
     <p:sldId id="269" r:id="rId7"/>
-    <p:sldId id="265" r:id="rId8"/>
+    <p:sldId id="270" r:id="rId8"/>
+    <p:sldId id="271" r:id="rId9"/>
+    <p:sldId id="265" r:id="rId10"/>
   </p:sldIdLst>
   <p:sldSz cx="9144000" cy="6858000" type="screen4x3"/>
   <p:notesSz cx="6858000" cy="9144000"/>
@@ -203,7 +205,7 @@
           <a:p>
             <a:fld id="{794915E2-5A19-401A-AAB5-929FAFDC4B58}" type="datetimeFigureOut">
               <a:rPr lang="en-US" smtClean="0"/>
-              <a:t>2017-10-23</a:t>
+              <a:t>2017-10-26</a:t>
             </a:fld>
             <a:endParaRPr lang="en-US"/>
           </a:p>
@@ -659,7 +661,7 @@
                 </a:solidFill>
               </a:rPr>
               <a:pPr/>
-              <a:t>23/10/2017</a:t>
+              <a:t>26/10/2017</a:t>
             </a:fld>
             <a:endParaRPr lang="nl-BE">
               <a:solidFill>
@@ -861,7 +863,7 @@
                 </a:solidFill>
               </a:rPr>
               <a:pPr/>
-              <a:t>23/10/2017</a:t>
+              <a:t>26/10/2017</a:t>
             </a:fld>
             <a:endParaRPr lang="nl-BE">
               <a:solidFill>
@@ -1073,7 +1075,7 @@
                 </a:solidFill>
               </a:rPr>
               <a:pPr/>
-              <a:t>23/10/2017</a:t>
+              <a:t>26/10/2017</a:t>
             </a:fld>
             <a:endParaRPr lang="nl-BE">
               <a:solidFill>
@@ -1275,7 +1277,7 @@
                 </a:solidFill>
               </a:rPr>
               <a:pPr/>
-              <a:t>23/10/2017</a:t>
+              <a:t>26/10/2017</a:t>
             </a:fld>
             <a:endParaRPr lang="nl-BE">
               <a:solidFill>
@@ -1553,7 +1555,7 @@
                 </a:solidFill>
               </a:rPr>
               <a:pPr/>
-              <a:t>23/10/2017</a:t>
+              <a:t>26/10/2017</a:t>
             </a:fld>
             <a:endParaRPr lang="nl-BE">
               <a:solidFill>
@@ -1873,7 +1875,7 @@
                 </a:solidFill>
               </a:rPr>
               <a:pPr/>
-              <a:t>23/10/2017</a:t>
+              <a:t>26/10/2017</a:t>
             </a:fld>
             <a:endParaRPr lang="nl-BE">
               <a:solidFill>
@@ -2327,7 +2329,7 @@
                 </a:solidFill>
               </a:rPr>
               <a:pPr/>
-              <a:t>23/10/2017</a:t>
+              <a:t>26/10/2017</a:t>
             </a:fld>
             <a:endParaRPr lang="nl-BE">
               <a:solidFill>
@@ -2477,7 +2479,7 @@
                 </a:solidFill>
               </a:rPr>
               <a:pPr/>
-              <a:t>23/10/2017</a:t>
+              <a:t>26/10/2017</a:t>
             </a:fld>
             <a:endParaRPr lang="nl-BE">
               <a:solidFill>
@@ -2604,7 +2606,7 @@
                 </a:solidFill>
               </a:rPr>
               <a:pPr/>
-              <a:t>23/10/2017</a:t>
+              <a:t>26/10/2017</a:t>
             </a:fld>
             <a:endParaRPr lang="nl-BE">
               <a:solidFill>
@@ -2913,7 +2915,7 @@
                 </a:solidFill>
               </a:rPr>
               <a:pPr/>
-              <a:t>23/10/2017</a:t>
+              <a:t>26/10/2017</a:t>
             </a:fld>
             <a:endParaRPr lang="nl-BE">
               <a:solidFill>
@@ -3198,7 +3200,7 @@
                 </a:solidFill>
               </a:rPr>
               <a:pPr/>
-              <a:t>23/10/2017</a:t>
+              <a:t>26/10/2017</a:t>
             </a:fld>
             <a:endParaRPr lang="nl-BE">
               <a:solidFill>
@@ -3443,7 +3445,7 @@
                 </a:solidFill>
               </a:rPr>
               <a:pPr/>
-              <a:t>23/10/2017</a:t>
+              <a:t>26/10/2017</a:t>
             </a:fld>
             <a:endParaRPr lang="nl-BE">
               <a:solidFill>
@@ -4059,7 +4061,6 @@
               <a:rPr lang="en-US" dirty="0" smtClean="0"/>
               <a:t>QGIS</a:t>
             </a:r>
-            <a:endParaRPr lang="en-US" dirty="0" smtClean="0"/>
           </a:p>
           <a:p>
             <a:r>
@@ -4092,37 +4093,22 @@
             <a:pPr lvl="1"/>
             <a:r>
               <a:rPr lang="en-US" dirty="0" smtClean="0"/>
-              <a:t>I/O library: </a:t>
-            </a:r>
+              <a:t>I/O library: Fiona</a:t>
+            </a:r>
+          </a:p>
+          <a:p>
+            <a:pPr lvl="1"/>
             <a:r>
               <a:rPr lang="en-US" dirty="0" smtClean="0"/>
-              <a:t>Fiona</a:t>
-            </a:r>
-            <a:endParaRPr lang="en-US" dirty="0" smtClean="0"/>
+              <a:t>visualization: Folium</a:t>
+            </a:r>
           </a:p>
           <a:p>
             <a:pPr lvl="1"/>
             <a:r>
               <a:rPr lang="en-US" dirty="0" smtClean="0"/>
-              <a:t>visualization: </a:t>
-            </a:r>
-            <a:r>
-              <a:rPr lang="en-US" dirty="0" smtClean="0"/>
-              <a:t>Folium</a:t>
-            </a:r>
-            <a:endParaRPr lang="en-US" dirty="0" smtClean="0"/>
-          </a:p>
-          <a:p>
-            <a:pPr lvl="1"/>
-            <a:r>
-              <a:rPr lang="en-US" dirty="0" smtClean="0"/>
-              <a:t>data processing/modeling: </a:t>
-            </a:r>
-            <a:r>
-              <a:rPr lang="en-US" dirty="0" smtClean="0"/>
-              <a:t>Shapely</a:t>
-            </a:r>
-            <a:endParaRPr lang="en-US" dirty="0" smtClean="0"/>
+              <a:t>data processing/modeling: Shapely</a:t>
+            </a:r>
           </a:p>
         </p:txBody>
       </p:sp>
@@ -5217,11 +5203,7 @@
             </a:r>
             <a:r>
               <a:rPr lang="en-US" dirty="0" smtClean="0"/>
-              <a:t>olium </a:t>
-            </a:r>
-            <a:r>
-              <a:rPr lang="en-US" dirty="0" smtClean="0"/>
-              <a:t>visualization</a:t>
+              <a:t>olium visualization</a:t>
             </a:r>
             <a:endParaRPr lang="en-US" dirty="0"/>
           </a:p>
@@ -7785,7 +7767,7 @@
           <a:p>
             <a:r>
               <a:rPr lang="en-US" dirty="0" smtClean="0"/>
-              <a:t>Further reading</a:t>
+              <a:t>Shapely geometric objects</a:t>
             </a:r>
             <a:endParaRPr lang="en-US" dirty="0"/>
           </a:p>
@@ -7801,90 +7783,174 @@
             <p:ph idx="1"/>
           </p:nvPr>
         </p:nvSpPr>
-        <p:spPr/>
-        <p:txBody>
-          <a:bodyPr/>
+        <p:spPr>
+          <a:xfrm>
+            <a:off x="457200" y="1600200"/>
+            <a:ext cx="7211961" cy="4525963"/>
+          </a:xfrm>
+        </p:spPr>
+        <p:txBody>
+          <a:bodyPr>
+            <a:normAutofit fontScale="85000" lnSpcReduction="10000"/>
+          </a:bodyPr>
           <a:lstStyle/>
           <a:p>
             <a:r>
+              <a:rPr lang="en-US" dirty="0" smtClean="0">
+                <a:latin typeface="Courier New" panose="02070309020205020404" pitchFamily="49" charset="0"/>
+                <a:cs typeface="Courier New" panose="02070309020205020404" pitchFamily="49" charset="0"/>
+              </a:rPr>
+              <a:t>Point</a:t>
+            </a:r>
+            <a:r>
               <a:rPr lang="en-US" dirty="0" smtClean="0"/>
-              <a:t>Fiona manual</a:t>
-            </a:r>
-            <a:r>
-              <a:rPr lang="en-US" dirty="0"/>
-              <a:t/>
-            </a:r>
-            <a:br>
-              <a:rPr lang="en-US" dirty="0"/>
-            </a:br>
-            <a:r>
-              <a:rPr lang="en-US" sz="2000" dirty="0">
-                <a:hlinkClick r:id="rId2"/>
-              </a:rPr>
-              <a:t>http://</a:t>
-            </a:r>
-            <a:r>
-              <a:rPr lang="en-US" sz="2000" dirty="0" smtClean="0">
-                <a:hlinkClick r:id="rId2"/>
-              </a:rPr>
-              <a:t>toblerity.org/fiona/index.html</a:t>
-            </a:r>
-            <a:endParaRPr lang="en-US" sz="2000" dirty="0" smtClean="0"/>
-          </a:p>
-          <a:p>
-            <a:r>
-              <a:rPr lang="en-US" dirty="0"/>
-              <a:t>Folium manual</a:t>
-            </a:r>
-            <a:br>
-              <a:rPr lang="en-US" dirty="0"/>
-            </a:br>
-            <a:r>
-              <a:rPr lang="en-US" sz="2000" dirty="0">
-                <a:hlinkClick r:id="rId3"/>
-              </a:rPr>
-              <a:t>http://python-visualization.github.io/folium/docs-master</a:t>
-            </a:r>
-            <a:r>
-              <a:rPr lang="en-US" sz="2000" dirty="0" smtClean="0">
-                <a:hlinkClick r:id="rId3"/>
-              </a:rPr>
-              <a:t>/</a:t>
-            </a:r>
-            <a:r>
-              <a:rPr lang="en-US" sz="2000" dirty="0" smtClean="0"/>
-              <a:t> </a:t>
+              <a:t>: 2D or 3D</a:t>
+            </a:r>
+          </a:p>
+          <a:p>
+            <a:r>
+              <a:rPr lang="en-US" dirty="0" err="1" smtClean="0">
+                <a:latin typeface="Courier New" panose="02070309020205020404" pitchFamily="49" charset="0"/>
+                <a:cs typeface="Courier New" panose="02070309020205020404" pitchFamily="49" charset="0"/>
+              </a:rPr>
+              <a:t>LineString</a:t>
+            </a:r>
+            <a:r>
+              <a:rPr lang="en-US" dirty="0" smtClean="0"/>
+              <a:t>: sequence of </a:t>
+            </a:r>
+            <a:r>
+              <a:rPr lang="en-US" dirty="0" smtClean="0">
+                <a:latin typeface="Courier New" panose="02070309020205020404" pitchFamily="49" charset="0"/>
+                <a:cs typeface="Courier New" panose="02070309020205020404" pitchFamily="49" charset="0"/>
+              </a:rPr>
+              <a:t>Point</a:t>
+            </a:r>
+          </a:p>
+          <a:p>
+            <a:r>
+              <a:rPr lang="en-US" dirty="0" err="1" smtClean="0">
+                <a:latin typeface="Courier New" panose="02070309020205020404" pitchFamily="49" charset="0"/>
+                <a:cs typeface="Courier New" panose="02070309020205020404" pitchFamily="49" charset="0"/>
+              </a:rPr>
+              <a:t>MultiLineString</a:t>
+            </a:r>
+            <a:r>
+              <a:rPr lang="en-US" dirty="0" smtClean="0"/>
+              <a:t>: multiple </a:t>
+            </a:r>
+            <a:r>
+              <a:rPr lang="en-US" dirty="0" err="1" smtClean="0">
+                <a:latin typeface="Courier New" panose="02070309020205020404" pitchFamily="49" charset="0"/>
+                <a:cs typeface="Courier New" panose="02070309020205020404" pitchFamily="49" charset="0"/>
+              </a:rPr>
+              <a:t>LineString</a:t>
+            </a:r>
+            <a:endParaRPr lang="en-US" dirty="0" smtClean="0">
+              <a:latin typeface="Courier New" panose="02070309020205020404" pitchFamily="49" charset="0"/>
+              <a:cs typeface="Courier New" panose="02070309020205020404" pitchFamily="49" charset="0"/>
+            </a:endParaRPr>
+          </a:p>
+          <a:p>
+            <a:r>
+              <a:rPr lang="en-US" dirty="0" err="1" smtClean="0">
+                <a:latin typeface="Courier New" panose="02070309020205020404" pitchFamily="49" charset="0"/>
+                <a:cs typeface="Courier New" panose="02070309020205020404" pitchFamily="49" charset="0"/>
+              </a:rPr>
+              <a:t>LinearRing</a:t>
+            </a:r>
+            <a:r>
+              <a:rPr lang="en-US" dirty="0" smtClean="0"/>
+              <a:t>: closed </a:t>
+            </a:r>
+            <a:r>
+              <a:rPr lang="en-US" dirty="0" err="1" smtClean="0">
+                <a:latin typeface="Courier New" panose="02070309020205020404" pitchFamily="49" charset="0"/>
+                <a:cs typeface="Courier New" panose="02070309020205020404" pitchFamily="49" charset="0"/>
+              </a:rPr>
+              <a:t>LineString</a:t>
+            </a:r>
+            <a:endParaRPr lang="en-US" dirty="0" smtClean="0">
+              <a:latin typeface="Courier New" panose="02070309020205020404" pitchFamily="49" charset="0"/>
+              <a:cs typeface="Courier New" panose="02070309020205020404" pitchFamily="49" charset="0"/>
+            </a:endParaRPr>
+          </a:p>
+          <a:p>
+            <a:pPr lvl="1"/>
+            <a:r>
+              <a:rPr lang="en-US" dirty="0" smtClean="0"/>
+              <a:t>should not cross</a:t>
+            </a:r>
+          </a:p>
+          <a:p>
+            <a:r>
+              <a:rPr lang="en-US" dirty="0" smtClean="0">
+                <a:latin typeface="Courier New" panose="02070309020205020404" pitchFamily="49" charset="0"/>
+                <a:cs typeface="Courier New" panose="02070309020205020404" pitchFamily="49" charset="0"/>
+              </a:rPr>
+              <a:t>Polygon</a:t>
+            </a:r>
+            <a:r>
+              <a:rPr lang="en-US" dirty="0" smtClean="0"/>
+              <a:t>: </a:t>
+            </a:r>
+            <a:r>
+              <a:rPr lang="en-US" dirty="0" err="1" smtClean="0">
+                <a:latin typeface="Courier New" panose="02070309020205020404" pitchFamily="49" charset="0"/>
+                <a:cs typeface="Courier New" panose="02070309020205020404" pitchFamily="49" charset="0"/>
+              </a:rPr>
+              <a:t>LinearRing</a:t>
+            </a:r>
+            <a:r>
+              <a:rPr lang="en-US" dirty="0" smtClean="0"/>
+              <a:t> as outer boundary, optionally multiple </a:t>
+            </a:r>
+            <a:r>
+              <a:rPr lang="en-US" dirty="0" err="1" smtClean="0">
+                <a:latin typeface="Courier New" panose="02070309020205020404" pitchFamily="49" charset="0"/>
+                <a:cs typeface="Courier New" panose="02070309020205020404" pitchFamily="49" charset="0"/>
+              </a:rPr>
+              <a:t>LinearRing</a:t>
+            </a:r>
+            <a:r>
+              <a:rPr lang="en-US" dirty="0" smtClean="0"/>
+              <a:t> as "holes"</a:t>
+            </a:r>
+          </a:p>
+          <a:p>
+            <a:pPr lvl="1"/>
+            <a:r>
+              <a:rPr lang="en-US" dirty="0" smtClean="0"/>
+              <a:t>should not touch in more than one point</a:t>
+            </a:r>
+          </a:p>
+          <a:p>
+            <a:r>
+              <a:rPr lang="en-US" dirty="0" err="1" smtClean="0">
+                <a:latin typeface="Courier New" panose="02070309020205020404" pitchFamily="49" charset="0"/>
+                <a:cs typeface="Courier New" panose="02070309020205020404" pitchFamily="49" charset="0"/>
+              </a:rPr>
+              <a:t>MultiPolygon</a:t>
+            </a:r>
+            <a:r>
+              <a:rPr lang="en-US" dirty="0" smtClean="0"/>
+              <a:t>: multiple </a:t>
+            </a:r>
+            <a:r>
+              <a:rPr lang="en-US" dirty="0" smtClean="0">
+                <a:latin typeface="Courier New" panose="02070309020205020404" pitchFamily="49" charset="0"/>
+                <a:cs typeface="Courier New" panose="02070309020205020404" pitchFamily="49" charset="0"/>
+              </a:rPr>
+              <a:t>Polygon</a:t>
+            </a:r>
+          </a:p>
+          <a:p>
+            <a:pPr lvl="1"/>
+            <a:r>
+              <a:rPr lang="en-US" dirty="0" smtClean="0"/>
+              <a:t>should not touch in more than one point</a:t>
             </a:r>
             <a:endParaRPr lang="en-US" dirty="0"/>
-          </a:p>
-          <a:p>
-            <a:r>
-              <a:rPr lang="en-US" dirty="0" smtClean="0"/>
-              <a:t>Shapely manual</a:t>
-            </a:r>
-            <a:r>
-              <a:rPr lang="en-US" dirty="0" smtClean="0"/>
-              <a:t/>
-            </a:r>
-            <a:br>
-              <a:rPr lang="en-US" dirty="0" smtClean="0"/>
-            </a:br>
-            <a:r>
-              <a:rPr lang="en-US" sz="2000" dirty="0">
-                <a:hlinkClick r:id="rId4"/>
-              </a:rPr>
-              <a:t>https://shapely.readthedocs.io/en/latest</a:t>
-            </a:r>
-            <a:r>
-              <a:rPr lang="en-US" sz="2000" dirty="0" smtClean="0">
-                <a:hlinkClick r:id="rId4"/>
-              </a:rPr>
-              <a:t>/</a:t>
-            </a:r>
-            <a:endParaRPr lang="en-US" sz="2000" dirty="0" smtClean="0"/>
-          </a:p>
-          <a:p>
-            <a:endParaRPr lang="en-US" dirty="0" smtClean="0"/>
           </a:p>
         </p:txBody>
       </p:sp>
@@ -7913,6 +7979,1208 @@
               </a:rPr>
               <a:pPr/>
               <a:t>7</a:t>
+            </a:fld>
+            <a:endParaRPr lang="nl-BE">
+              <a:solidFill>
+                <a:prstClr val="black">
+                  <a:tint val="75000"/>
+                </a:prstClr>
+              </a:solidFill>
+            </a:endParaRPr>
+          </a:p>
+        </p:txBody>
+      </p:sp>
+      <p:pic>
+        <p:nvPicPr>
+          <p:cNvPr id="5" name="Picture 4"/>
+          <p:cNvPicPr>
+            <a:picLocks noChangeAspect="1"/>
+          </p:cNvPicPr>
+          <p:nvPr/>
+        </p:nvPicPr>
+        <p:blipFill>
+          <a:blip r:embed="rId2">
+            <a:extLst>
+              <a:ext uri="{28A0092B-C50C-407E-A947-70E740481C1C}">
+                <a14:useLocalDpi xmlns:a14="http://schemas.microsoft.com/office/drawing/2010/main" val="0"/>
+              </a:ext>
+            </a:extLst>
+          </a:blip>
+          <a:stretch>
+            <a:fillRect/>
+          </a:stretch>
+        </p:blipFill>
+        <p:spPr>
+          <a:xfrm>
+            <a:off x="6275717" y="1858758"/>
+            <a:ext cx="1033374" cy="555830"/>
+          </a:xfrm>
+          <a:prstGeom prst="rect">
+            <a:avLst/>
+          </a:prstGeom>
+          <a:effectLst>
+            <a:outerShdw blurRad="50800" dist="38100" dir="2700000" algn="tl" rotWithShape="0">
+              <a:prstClr val="black">
+                <a:alpha val="40000"/>
+              </a:prstClr>
+            </a:outerShdw>
+          </a:effectLst>
+        </p:spPr>
+      </p:pic>
+      <p:pic>
+        <p:nvPicPr>
+          <p:cNvPr id="6" name="Picture 5"/>
+          <p:cNvPicPr>
+            <a:picLocks noChangeAspect="1"/>
+          </p:cNvPicPr>
+          <p:nvPr/>
+        </p:nvPicPr>
+        <p:blipFill>
+          <a:blip r:embed="rId3">
+            <a:extLst>
+              <a:ext uri="{28A0092B-C50C-407E-A947-70E740481C1C}">
+                <a14:useLocalDpi xmlns:a14="http://schemas.microsoft.com/office/drawing/2010/main" val="0"/>
+              </a:ext>
+            </a:extLst>
+          </a:blip>
+          <a:stretch>
+            <a:fillRect/>
+          </a:stretch>
+        </p:blipFill>
+        <p:spPr>
+          <a:xfrm>
+            <a:off x="7669161" y="2414588"/>
+            <a:ext cx="1257300" cy="581025"/>
+          </a:xfrm>
+          <a:prstGeom prst="rect">
+            <a:avLst/>
+          </a:prstGeom>
+          <a:effectLst>
+            <a:outerShdw blurRad="50800" dist="38100" dir="2700000" algn="tl" rotWithShape="0">
+              <a:prstClr val="black">
+                <a:alpha val="40000"/>
+              </a:prstClr>
+            </a:outerShdw>
+          </a:effectLst>
+        </p:spPr>
+      </p:pic>
+      <p:pic>
+        <p:nvPicPr>
+          <p:cNvPr id="7" name="Picture 6"/>
+          <p:cNvPicPr>
+            <a:picLocks noChangeAspect="1"/>
+          </p:cNvPicPr>
+          <p:nvPr/>
+        </p:nvPicPr>
+        <p:blipFill>
+          <a:blip r:embed="rId4">
+            <a:extLst>
+              <a:ext uri="{28A0092B-C50C-407E-A947-70E740481C1C}">
+                <a14:useLocalDpi xmlns:a14="http://schemas.microsoft.com/office/drawing/2010/main" val="0"/>
+              </a:ext>
+            </a:extLst>
+          </a:blip>
+          <a:stretch>
+            <a:fillRect/>
+          </a:stretch>
+        </p:blipFill>
+        <p:spPr>
+          <a:xfrm>
+            <a:off x="7669161" y="3800858"/>
+            <a:ext cx="801402" cy="795141"/>
+          </a:xfrm>
+          <a:prstGeom prst="rect">
+            <a:avLst/>
+          </a:prstGeom>
+          <a:effectLst>
+            <a:outerShdw blurRad="50800" dist="38100" dir="2700000" algn="tl" rotWithShape="0">
+              <a:prstClr val="black">
+                <a:alpha val="40000"/>
+              </a:prstClr>
+            </a:outerShdw>
+          </a:effectLst>
+        </p:spPr>
+      </p:pic>
+      <p:pic>
+        <p:nvPicPr>
+          <p:cNvPr id="8" name="Picture 7"/>
+          <p:cNvPicPr>
+            <a:picLocks noChangeAspect="1"/>
+          </p:cNvPicPr>
+          <p:nvPr/>
+        </p:nvPicPr>
+        <p:blipFill>
+          <a:blip r:embed="rId5">
+            <a:extLst>
+              <a:ext uri="{28A0092B-C50C-407E-A947-70E740481C1C}">
+                <a14:useLocalDpi xmlns:a14="http://schemas.microsoft.com/office/drawing/2010/main" val="0"/>
+              </a:ext>
+            </a:extLst>
+          </a:blip>
+          <a:stretch>
+            <a:fillRect/>
+          </a:stretch>
+        </p:blipFill>
+        <p:spPr>
+          <a:xfrm>
+            <a:off x="6753670" y="5154613"/>
+            <a:ext cx="1228725" cy="971550"/>
+          </a:xfrm>
+          <a:prstGeom prst="rect">
+            <a:avLst/>
+          </a:prstGeom>
+          <a:effectLst>
+            <a:outerShdw blurRad="50800" dist="38100" dir="2700000" algn="tl" rotWithShape="0">
+              <a:prstClr val="black">
+                <a:alpha val="40000"/>
+              </a:prstClr>
+            </a:outerShdw>
+          </a:effectLst>
+        </p:spPr>
+      </p:pic>
+    </p:spTree>
+    <p:extLst>
+      <p:ext uri="{BB962C8B-B14F-4D97-AF65-F5344CB8AC3E}">
+        <p14:creationId xmlns:p14="http://schemas.microsoft.com/office/powerpoint/2010/main" val="65218945"/>
+      </p:ext>
+    </p:extLst>
+  </p:cSld>
+  <p:clrMapOvr>
+    <a:masterClrMapping/>
+  </p:clrMapOvr>
+  <p:timing>
+    <p:tnLst>
+      <p:par>
+        <p:cTn id="1" dur="indefinite" restart="never" nodeType="tmRoot">
+          <p:childTnLst>
+            <p:seq concurrent="1" nextAc="seek">
+              <p:cTn id="2" dur="indefinite" nodeType="mainSeq">
+                <p:childTnLst>
+                  <p:par>
+                    <p:cTn id="3" fill="hold">
+                      <p:stCondLst>
+                        <p:cond delay="indefinite"/>
+                        <p:cond evt="onBegin" delay="0">
+                          <p:tn val="2"/>
+                        </p:cond>
+                      </p:stCondLst>
+                      <p:childTnLst>
+                        <p:par>
+                          <p:cTn id="4" fill="hold">
+                            <p:stCondLst>
+                              <p:cond delay="0"/>
+                            </p:stCondLst>
+                            <p:childTnLst>
+                              <p:par>
+                                <p:cTn id="5" presetID="1" presetClass="entr" presetSubtype="0" fill="hold" grpId="0" nodeType="withEffect">
+                                  <p:stCondLst>
+                                    <p:cond delay="0"/>
+                                  </p:stCondLst>
+                                  <p:childTnLst>
+                                    <p:set>
+                                      <p:cBhvr>
+                                        <p:cTn id="6" dur="1" fill="hold">
+                                          <p:stCondLst>
+                                            <p:cond delay="0"/>
+                                          </p:stCondLst>
+                                        </p:cTn>
+                                        <p:tgtEl>
+                                          <p:spTgt spid="3">
+                                            <p:txEl>
+                                              <p:pRg st="0" end="0"/>
+                                            </p:txEl>
+                                          </p:spTgt>
+                                        </p:tgtEl>
+                                        <p:attrNameLst>
+                                          <p:attrName>style.visibility</p:attrName>
+                                        </p:attrNameLst>
+                                      </p:cBhvr>
+                                      <p:to>
+                                        <p:strVal val="visible"/>
+                                      </p:to>
+                                    </p:set>
+                                  </p:childTnLst>
+                                </p:cTn>
+                              </p:par>
+                            </p:childTnLst>
+                          </p:cTn>
+                        </p:par>
+                      </p:childTnLst>
+                    </p:cTn>
+                  </p:par>
+                  <p:par>
+                    <p:cTn id="7" fill="hold">
+                      <p:stCondLst>
+                        <p:cond delay="indefinite"/>
+                      </p:stCondLst>
+                      <p:childTnLst>
+                        <p:par>
+                          <p:cTn id="8" fill="hold">
+                            <p:stCondLst>
+                              <p:cond delay="0"/>
+                            </p:stCondLst>
+                            <p:childTnLst>
+                              <p:par>
+                                <p:cTn id="9" presetID="1" presetClass="entr" presetSubtype="0" fill="hold" grpId="0" nodeType="clickEffect">
+                                  <p:stCondLst>
+                                    <p:cond delay="0"/>
+                                  </p:stCondLst>
+                                  <p:childTnLst>
+                                    <p:set>
+                                      <p:cBhvr>
+                                        <p:cTn id="10" dur="1" fill="hold">
+                                          <p:stCondLst>
+                                            <p:cond delay="0"/>
+                                          </p:stCondLst>
+                                        </p:cTn>
+                                        <p:tgtEl>
+                                          <p:spTgt spid="3">
+                                            <p:txEl>
+                                              <p:pRg st="1" end="1"/>
+                                            </p:txEl>
+                                          </p:spTgt>
+                                        </p:tgtEl>
+                                        <p:attrNameLst>
+                                          <p:attrName>style.visibility</p:attrName>
+                                        </p:attrNameLst>
+                                      </p:cBhvr>
+                                      <p:to>
+                                        <p:strVal val="visible"/>
+                                      </p:to>
+                                    </p:set>
+                                  </p:childTnLst>
+                                </p:cTn>
+                              </p:par>
+                              <p:par>
+                                <p:cTn id="11" presetID="1" presetClass="entr" presetSubtype="0" fill="hold" nodeType="withEffect">
+                                  <p:stCondLst>
+                                    <p:cond delay="0"/>
+                                  </p:stCondLst>
+                                  <p:childTnLst>
+                                    <p:set>
+                                      <p:cBhvr>
+                                        <p:cTn id="12" dur="1" fill="hold">
+                                          <p:stCondLst>
+                                            <p:cond delay="0"/>
+                                          </p:stCondLst>
+                                        </p:cTn>
+                                        <p:tgtEl>
+                                          <p:spTgt spid="5"/>
+                                        </p:tgtEl>
+                                        <p:attrNameLst>
+                                          <p:attrName>style.visibility</p:attrName>
+                                        </p:attrNameLst>
+                                      </p:cBhvr>
+                                      <p:to>
+                                        <p:strVal val="visible"/>
+                                      </p:to>
+                                    </p:set>
+                                  </p:childTnLst>
+                                </p:cTn>
+                              </p:par>
+                            </p:childTnLst>
+                          </p:cTn>
+                        </p:par>
+                      </p:childTnLst>
+                    </p:cTn>
+                  </p:par>
+                  <p:par>
+                    <p:cTn id="13" fill="hold">
+                      <p:stCondLst>
+                        <p:cond delay="indefinite"/>
+                      </p:stCondLst>
+                      <p:childTnLst>
+                        <p:par>
+                          <p:cTn id="14" fill="hold">
+                            <p:stCondLst>
+                              <p:cond delay="0"/>
+                            </p:stCondLst>
+                            <p:childTnLst>
+                              <p:par>
+                                <p:cTn id="15" presetID="1" presetClass="entr" presetSubtype="0" fill="hold" grpId="0" nodeType="clickEffect">
+                                  <p:stCondLst>
+                                    <p:cond delay="0"/>
+                                  </p:stCondLst>
+                                  <p:childTnLst>
+                                    <p:set>
+                                      <p:cBhvr>
+                                        <p:cTn id="16" dur="1" fill="hold">
+                                          <p:stCondLst>
+                                            <p:cond delay="0"/>
+                                          </p:stCondLst>
+                                        </p:cTn>
+                                        <p:tgtEl>
+                                          <p:spTgt spid="3">
+                                            <p:txEl>
+                                              <p:pRg st="2" end="2"/>
+                                            </p:txEl>
+                                          </p:spTgt>
+                                        </p:tgtEl>
+                                        <p:attrNameLst>
+                                          <p:attrName>style.visibility</p:attrName>
+                                        </p:attrNameLst>
+                                      </p:cBhvr>
+                                      <p:to>
+                                        <p:strVal val="visible"/>
+                                      </p:to>
+                                    </p:set>
+                                  </p:childTnLst>
+                                </p:cTn>
+                              </p:par>
+                              <p:par>
+                                <p:cTn id="17" presetID="1" presetClass="entr" presetSubtype="0" fill="hold" nodeType="withEffect">
+                                  <p:stCondLst>
+                                    <p:cond delay="0"/>
+                                  </p:stCondLst>
+                                  <p:childTnLst>
+                                    <p:set>
+                                      <p:cBhvr>
+                                        <p:cTn id="18" dur="1" fill="hold">
+                                          <p:stCondLst>
+                                            <p:cond delay="0"/>
+                                          </p:stCondLst>
+                                        </p:cTn>
+                                        <p:tgtEl>
+                                          <p:spTgt spid="6"/>
+                                        </p:tgtEl>
+                                        <p:attrNameLst>
+                                          <p:attrName>style.visibility</p:attrName>
+                                        </p:attrNameLst>
+                                      </p:cBhvr>
+                                      <p:to>
+                                        <p:strVal val="visible"/>
+                                      </p:to>
+                                    </p:set>
+                                  </p:childTnLst>
+                                </p:cTn>
+                              </p:par>
+                            </p:childTnLst>
+                          </p:cTn>
+                        </p:par>
+                      </p:childTnLst>
+                    </p:cTn>
+                  </p:par>
+                  <p:par>
+                    <p:cTn id="19" fill="hold">
+                      <p:stCondLst>
+                        <p:cond delay="indefinite"/>
+                      </p:stCondLst>
+                      <p:childTnLst>
+                        <p:par>
+                          <p:cTn id="20" fill="hold">
+                            <p:stCondLst>
+                              <p:cond delay="0"/>
+                            </p:stCondLst>
+                            <p:childTnLst>
+                              <p:par>
+                                <p:cTn id="21" presetID="1" presetClass="entr" presetSubtype="0" fill="hold" grpId="0" nodeType="clickEffect">
+                                  <p:stCondLst>
+                                    <p:cond delay="0"/>
+                                  </p:stCondLst>
+                                  <p:childTnLst>
+                                    <p:set>
+                                      <p:cBhvr>
+                                        <p:cTn id="22" dur="1" fill="hold">
+                                          <p:stCondLst>
+                                            <p:cond delay="0"/>
+                                          </p:stCondLst>
+                                        </p:cTn>
+                                        <p:tgtEl>
+                                          <p:spTgt spid="3">
+                                            <p:txEl>
+                                              <p:pRg st="3" end="3"/>
+                                            </p:txEl>
+                                          </p:spTgt>
+                                        </p:tgtEl>
+                                        <p:attrNameLst>
+                                          <p:attrName>style.visibility</p:attrName>
+                                        </p:attrNameLst>
+                                      </p:cBhvr>
+                                      <p:to>
+                                        <p:strVal val="visible"/>
+                                      </p:to>
+                                    </p:set>
+                                  </p:childTnLst>
+                                </p:cTn>
+                              </p:par>
+                              <p:par>
+                                <p:cTn id="23" presetID="1" presetClass="entr" presetSubtype="0" fill="hold" grpId="0" nodeType="withEffect">
+                                  <p:stCondLst>
+                                    <p:cond delay="0"/>
+                                  </p:stCondLst>
+                                  <p:childTnLst>
+                                    <p:set>
+                                      <p:cBhvr>
+                                        <p:cTn id="24" dur="1" fill="hold">
+                                          <p:stCondLst>
+                                            <p:cond delay="0"/>
+                                          </p:stCondLst>
+                                        </p:cTn>
+                                        <p:tgtEl>
+                                          <p:spTgt spid="3">
+                                            <p:txEl>
+                                              <p:pRg st="4" end="4"/>
+                                            </p:txEl>
+                                          </p:spTgt>
+                                        </p:tgtEl>
+                                        <p:attrNameLst>
+                                          <p:attrName>style.visibility</p:attrName>
+                                        </p:attrNameLst>
+                                      </p:cBhvr>
+                                      <p:to>
+                                        <p:strVal val="visible"/>
+                                      </p:to>
+                                    </p:set>
+                                  </p:childTnLst>
+                                </p:cTn>
+                              </p:par>
+                            </p:childTnLst>
+                          </p:cTn>
+                        </p:par>
+                      </p:childTnLst>
+                    </p:cTn>
+                  </p:par>
+                  <p:par>
+                    <p:cTn id="25" fill="hold">
+                      <p:stCondLst>
+                        <p:cond delay="indefinite"/>
+                      </p:stCondLst>
+                      <p:childTnLst>
+                        <p:par>
+                          <p:cTn id="26" fill="hold">
+                            <p:stCondLst>
+                              <p:cond delay="0"/>
+                            </p:stCondLst>
+                            <p:childTnLst>
+                              <p:par>
+                                <p:cTn id="27" presetID="1" presetClass="entr" presetSubtype="0" fill="hold" grpId="0" nodeType="clickEffect">
+                                  <p:stCondLst>
+                                    <p:cond delay="0"/>
+                                  </p:stCondLst>
+                                  <p:childTnLst>
+                                    <p:set>
+                                      <p:cBhvr>
+                                        <p:cTn id="28" dur="1" fill="hold">
+                                          <p:stCondLst>
+                                            <p:cond delay="0"/>
+                                          </p:stCondLst>
+                                        </p:cTn>
+                                        <p:tgtEl>
+                                          <p:spTgt spid="3">
+                                            <p:txEl>
+                                              <p:pRg st="5" end="5"/>
+                                            </p:txEl>
+                                          </p:spTgt>
+                                        </p:tgtEl>
+                                        <p:attrNameLst>
+                                          <p:attrName>style.visibility</p:attrName>
+                                        </p:attrNameLst>
+                                      </p:cBhvr>
+                                      <p:to>
+                                        <p:strVal val="visible"/>
+                                      </p:to>
+                                    </p:set>
+                                  </p:childTnLst>
+                                </p:cTn>
+                              </p:par>
+                              <p:par>
+                                <p:cTn id="29" presetID="1" presetClass="entr" presetSubtype="0" fill="hold" grpId="0" nodeType="withEffect">
+                                  <p:stCondLst>
+                                    <p:cond delay="0"/>
+                                  </p:stCondLst>
+                                  <p:childTnLst>
+                                    <p:set>
+                                      <p:cBhvr>
+                                        <p:cTn id="30" dur="1" fill="hold">
+                                          <p:stCondLst>
+                                            <p:cond delay="0"/>
+                                          </p:stCondLst>
+                                        </p:cTn>
+                                        <p:tgtEl>
+                                          <p:spTgt spid="3">
+                                            <p:txEl>
+                                              <p:pRg st="6" end="6"/>
+                                            </p:txEl>
+                                          </p:spTgt>
+                                        </p:tgtEl>
+                                        <p:attrNameLst>
+                                          <p:attrName>style.visibility</p:attrName>
+                                        </p:attrNameLst>
+                                      </p:cBhvr>
+                                      <p:to>
+                                        <p:strVal val="visible"/>
+                                      </p:to>
+                                    </p:set>
+                                  </p:childTnLst>
+                                </p:cTn>
+                              </p:par>
+                              <p:par>
+                                <p:cTn id="31" presetID="1" presetClass="entr" presetSubtype="0" fill="hold" nodeType="withEffect">
+                                  <p:stCondLst>
+                                    <p:cond delay="0"/>
+                                  </p:stCondLst>
+                                  <p:childTnLst>
+                                    <p:set>
+                                      <p:cBhvr>
+                                        <p:cTn id="32" dur="1" fill="hold">
+                                          <p:stCondLst>
+                                            <p:cond delay="0"/>
+                                          </p:stCondLst>
+                                        </p:cTn>
+                                        <p:tgtEl>
+                                          <p:spTgt spid="7"/>
+                                        </p:tgtEl>
+                                        <p:attrNameLst>
+                                          <p:attrName>style.visibility</p:attrName>
+                                        </p:attrNameLst>
+                                      </p:cBhvr>
+                                      <p:to>
+                                        <p:strVal val="visible"/>
+                                      </p:to>
+                                    </p:set>
+                                  </p:childTnLst>
+                                </p:cTn>
+                              </p:par>
+                            </p:childTnLst>
+                          </p:cTn>
+                        </p:par>
+                      </p:childTnLst>
+                    </p:cTn>
+                  </p:par>
+                  <p:par>
+                    <p:cTn id="33" fill="hold">
+                      <p:stCondLst>
+                        <p:cond delay="indefinite"/>
+                      </p:stCondLst>
+                      <p:childTnLst>
+                        <p:par>
+                          <p:cTn id="34" fill="hold">
+                            <p:stCondLst>
+                              <p:cond delay="0"/>
+                            </p:stCondLst>
+                            <p:childTnLst>
+                              <p:par>
+                                <p:cTn id="35" presetID="1" presetClass="entr" presetSubtype="0" fill="hold" grpId="0" nodeType="clickEffect">
+                                  <p:stCondLst>
+                                    <p:cond delay="0"/>
+                                  </p:stCondLst>
+                                  <p:childTnLst>
+                                    <p:set>
+                                      <p:cBhvr>
+                                        <p:cTn id="36" dur="1" fill="hold">
+                                          <p:stCondLst>
+                                            <p:cond delay="0"/>
+                                          </p:stCondLst>
+                                        </p:cTn>
+                                        <p:tgtEl>
+                                          <p:spTgt spid="3">
+                                            <p:txEl>
+                                              <p:pRg st="7" end="7"/>
+                                            </p:txEl>
+                                          </p:spTgt>
+                                        </p:tgtEl>
+                                        <p:attrNameLst>
+                                          <p:attrName>style.visibility</p:attrName>
+                                        </p:attrNameLst>
+                                      </p:cBhvr>
+                                      <p:to>
+                                        <p:strVal val="visible"/>
+                                      </p:to>
+                                    </p:set>
+                                  </p:childTnLst>
+                                </p:cTn>
+                              </p:par>
+                              <p:par>
+                                <p:cTn id="37" presetID="1" presetClass="entr" presetSubtype="0" fill="hold" grpId="0" nodeType="withEffect">
+                                  <p:stCondLst>
+                                    <p:cond delay="0"/>
+                                  </p:stCondLst>
+                                  <p:childTnLst>
+                                    <p:set>
+                                      <p:cBhvr>
+                                        <p:cTn id="38" dur="1" fill="hold">
+                                          <p:stCondLst>
+                                            <p:cond delay="0"/>
+                                          </p:stCondLst>
+                                        </p:cTn>
+                                        <p:tgtEl>
+                                          <p:spTgt spid="3">
+                                            <p:txEl>
+                                              <p:pRg st="8" end="8"/>
+                                            </p:txEl>
+                                          </p:spTgt>
+                                        </p:tgtEl>
+                                        <p:attrNameLst>
+                                          <p:attrName>style.visibility</p:attrName>
+                                        </p:attrNameLst>
+                                      </p:cBhvr>
+                                      <p:to>
+                                        <p:strVal val="visible"/>
+                                      </p:to>
+                                    </p:set>
+                                  </p:childTnLst>
+                                </p:cTn>
+                              </p:par>
+                              <p:par>
+                                <p:cTn id="39" presetID="1" presetClass="entr" presetSubtype="0" fill="hold" nodeType="withEffect">
+                                  <p:stCondLst>
+                                    <p:cond delay="0"/>
+                                  </p:stCondLst>
+                                  <p:childTnLst>
+                                    <p:set>
+                                      <p:cBhvr>
+                                        <p:cTn id="40" dur="1" fill="hold">
+                                          <p:stCondLst>
+                                            <p:cond delay="0"/>
+                                          </p:stCondLst>
+                                        </p:cTn>
+                                        <p:tgtEl>
+                                          <p:spTgt spid="8"/>
+                                        </p:tgtEl>
+                                        <p:attrNameLst>
+                                          <p:attrName>style.visibility</p:attrName>
+                                        </p:attrNameLst>
+                                      </p:cBhvr>
+                                      <p:to>
+                                        <p:strVal val="visible"/>
+                                      </p:to>
+                                    </p:set>
+                                  </p:childTnLst>
+                                </p:cTn>
+                              </p:par>
+                            </p:childTnLst>
+                          </p:cTn>
+                        </p:par>
+                      </p:childTnLst>
+                    </p:cTn>
+                  </p:par>
+                </p:childTnLst>
+              </p:cTn>
+              <p:prevCondLst>
+                <p:cond evt="onPrev" delay="0">
+                  <p:tgtEl>
+                    <p:sldTgt/>
+                  </p:tgtEl>
+                </p:cond>
+              </p:prevCondLst>
+              <p:nextCondLst>
+                <p:cond evt="onNext" delay="0">
+                  <p:tgtEl>
+                    <p:sldTgt/>
+                  </p:tgtEl>
+                </p:cond>
+              </p:nextCondLst>
+            </p:seq>
+          </p:childTnLst>
+        </p:cTn>
+      </p:par>
+    </p:tnLst>
+    <p:bldLst>
+      <p:bldP spid="3" grpId="0" uiExpand="1" build="p"/>
+    </p:bldLst>
+  </p:timing>
+</p:sld>
+</file>
+
+<file path=ppt/slides/slide8.xml><?xml version="1.0" encoding="utf-8"?>
+<p:sld xmlns:a="http://schemas.openxmlformats.org/drawingml/2006/main" xmlns:r="http://schemas.openxmlformats.org/officeDocument/2006/relationships" xmlns:p="http://schemas.openxmlformats.org/presentationml/2006/main">
+  <p:cSld>
+    <p:spTree>
+      <p:nvGrpSpPr>
+        <p:cNvPr id="1" name=""/>
+        <p:cNvGrpSpPr/>
+        <p:nvPr/>
+      </p:nvGrpSpPr>
+      <p:grpSpPr>
+        <a:xfrm>
+          <a:off x="0" y="0"/>
+          <a:ext cx="0" cy="0"/>
+          <a:chOff x="0" y="0"/>
+          <a:chExt cx="0" cy="0"/>
+        </a:xfrm>
+      </p:grpSpPr>
+      <p:sp>
+        <p:nvSpPr>
+          <p:cNvPr id="2" name="Title 1"/>
+          <p:cNvSpPr>
+            <a:spLocks noGrp="1"/>
+          </p:cNvSpPr>
+          <p:nvPr>
+            <p:ph type="title"/>
+          </p:nvPr>
+        </p:nvSpPr>
+        <p:spPr/>
+        <p:txBody>
+          <a:bodyPr/>
+          <a:lstStyle/>
+          <a:p>
+            <a:r>
+              <a:rPr lang="en-US" dirty="0" smtClean="0"/>
+              <a:t>Shapely objects examples</a:t>
+            </a:r>
+            <a:endParaRPr lang="en-US" dirty="0"/>
+          </a:p>
+        </p:txBody>
+      </p:sp>
+      <p:sp>
+        <p:nvSpPr>
+          <p:cNvPr id="3" name="Content Placeholder 2"/>
+          <p:cNvSpPr>
+            <a:spLocks noGrp="1"/>
+          </p:cNvSpPr>
+          <p:nvPr>
+            <p:ph idx="1"/>
+          </p:nvPr>
+        </p:nvSpPr>
+        <p:spPr/>
+        <p:txBody>
+          <a:bodyPr/>
+          <a:lstStyle/>
+          <a:p>
+            <a:r>
+              <a:rPr lang="en-US" dirty="0" err="1" smtClean="0">
+                <a:latin typeface="Courier New" panose="02070309020205020404" pitchFamily="49" charset="0"/>
+                <a:cs typeface="Courier New" panose="02070309020205020404" pitchFamily="49" charset="0"/>
+              </a:rPr>
+              <a:t>LineString</a:t>
+            </a:r>
+            <a:endParaRPr lang="en-US" dirty="0" smtClean="0">
+              <a:latin typeface="Courier New" panose="02070309020205020404" pitchFamily="49" charset="0"/>
+              <a:cs typeface="Courier New" panose="02070309020205020404" pitchFamily="49" charset="0"/>
+            </a:endParaRPr>
+          </a:p>
+          <a:p>
+            <a:endParaRPr lang="en-US" dirty="0"/>
+          </a:p>
+          <a:p>
+            <a:r>
+              <a:rPr lang="en-US" dirty="0" err="1" smtClean="0">
+                <a:latin typeface="Courier New" panose="02070309020205020404" pitchFamily="49" charset="0"/>
+                <a:cs typeface="Courier New" panose="02070309020205020404" pitchFamily="49" charset="0"/>
+              </a:rPr>
+              <a:t>LinearRing</a:t>
+            </a:r>
+            <a:endParaRPr lang="en-US" dirty="0">
+              <a:latin typeface="Courier New" panose="02070309020205020404" pitchFamily="49" charset="0"/>
+              <a:cs typeface="Courier New" panose="02070309020205020404" pitchFamily="49" charset="0"/>
+            </a:endParaRPr>
+          </a:p>
+        </p:txBody>
+      </p:sp>
+      <p:sp>
+        <p:nvSpPr>
+          <p:cNvPr id="4" name="Slide Number Placeholder 3"/>
+          <p:cNvSpPr>
+            <a:spLocks noGrp="1"/>
+          </p:cNvSpPr>
+          <p:nvPr>
+            <p:ph type="sldNum" sz="quarter" idx="12"/>
+          </p:nvPr>
+        </p:nvSpPr>
+        <p:spPr/>
+        <p:txBody>
+          <a:bodyPr/>
+          <a:lstStyle/>
+          <a:p>
+            <a:fld id="{5A209D72-2E9D-49B0-8977-41DCCC66C0BB}" type="slidenum">
+              <a:rPr lang="nl-BE" smtClean="0">
+                <a:solidFill>
+                  <a:prstClr val="black">
+                    <a:tint val="75000"/>
+                  </a:prstClr>
+                </a:solidFill>
+              </a:rPr>
+              <a:pPr/>
+              <a:t>8</a:t>
+            </a:fld>
+            <a:endParaRPr lang="nl-BE">
+              <a:solidFill>
+                <a:prstClr val="black">
+                  <a:tint val="75000"/>
+                </a:prstClr>
+              </a:solidFill>
+            </a:endParaRPr>
+          </a:p>
+        </p:txBody>
+      </p:sp>
+      <p:sp>
+        <p:nvSpPr>
+          <p:cNvPr id="5" name="TextBox 4"/>
+          <p:cNvSpPr txBox="1"/>
+          <p:nvPr/>
+        </p:nvSpPr>
+        <p:spPr>
+          <a:xfrm>
+            <a:off x="782174" y="2174280"/>
+            <a:ext cx="8155349" cy="369332"/>
+          </a:xfrm>
+          <a:prstGeom prst="rect">
+            <a:avLst/>
+          </a:prstGeom>
+          <a:solidFill>
+            <a:schemeClr val="accent4">
+              <a:lumMod val="40000"/>
+              <a:lumOff val="60000"/>
+            </a:schemeClr>
+          </a:solidFill>
+        </p:spPr>
+        <p:txBody>
+          <a:bodyPr wrap="square" rtlCol="0">
+            <a:spAutoFit/>
+          </a:bodyPr>
+          <a:lstStyle/>
+          <a:p>
+            <a:r>
+              <a:rPr lang="en-US" dirty="0" smtClean="0">
+                <a:latin typeface="Courier New" pitchFamily="49" charset="0"/>
+                <a:cs typeface="Courier New" pitchFamily="49" charset="0"/>
+              </a:rPr>
+              <a:t>line </a:t>
+            </a:r>
+            <a:r>
+              <a:rPr lang="en-US" dirty="0">
+                <a:latin typeface="Courier New" pitchFamily="49" charset="0"/>
+                <a:cs typeface="Courier New" pitchFamily="49" charset="0"/>
+              </a:rPr>
+              <a:t>= </a:t>
+            </a:r>
+            <a:r>
+              <a:rPr lang="en-US" dirty="0" err="1">
+                <a:latin typeface="Courier New" pitchFamily="49" charset="0"/>
+                <a:cs typeface="Courier New" pitchFamily="49" charset="0"/>
+              </a:rPr>
+              <a:t>LineString</a:t>
+            </a:r>
+            <a:r>
+              <a:rPr lang="en-US" dirty="0">
+                <a:latin typeface="Courier New" pitchFamily="49" charset="0"/>
+                <a:cs typeface="Courier New" pitchFamily="49" charset="0"/>
+              </a:rPr>
+              <a:t>([(0.0, 0.0), (1.0, 1.0), (2.0, 0.5)])</a:t>
+            </a:r>
+            <a:endParaRPr lang="en-US" dirty="0" smtClean="0">
+              <a:latin typeface="Courier New" pitchFamily="49" charset="0"/>
+              <a:cs typeface="Courier New" pitchFamily="49" charset="0"/>
+            </a:endParaRPr>
+          </a:p>
+        </p:txBody>
+      </p:sp>
+      <p:pic>
+        <p:nvPicPr>
+          <p:cNvPr id="6" name="Picture 5"/>
+          <p:cNvPicPr>
+            <a:picLocks noChangeAspect="1"/>
+          </p:cNvPicPr>
+          <p:nvPr/>
+        </p:nvPicPr>
+        <p:blipFill>
+          <a:blip r:embed="rId2">
+            <a:extLst>
+              <a:ext uri="{28A0092B-C50C-407E-A947-70E740481C1C}">
+                <a14:useLocalDpi xmlns:a14="http://schemas.microsoft.com/office/drawing/2010/main" val="0"/>
+              </a:ext>
+            </a:extLst>
+          </a:blip>
+          <a:stretch>
+            <a:fillRect/>
+          </a:stretch>
+        </p:blipFill>
+        <p:spPr>
+          <a:xfrm>
+            <a:off x="7401132" y="1457406"/>
+            <a:ext cx="1033374" cy="555830"/>
+          </a:xfrm>
+          <a:prstGeom prst="rect">
+            <a:avLst/>
+          </a:prstGeom>
+          <a:effectLst>
+            <a:outerShdw blurRad="50800" dist="38100" dir="2700000" algn="tl" rotWithShape="0">
+              <a:prstClr val="black">
+                <a:alpha val="40000"/>
+              </a:prstClr>
+            </a:outerShdw>
+          </a:effectLst>
+        </p:spPr>
+      </p:pic>
+    </p:spTree>
+    <p:extLst>
+      <p:ext uri="{BB962C8B-B14F-4D97-AF65-F5344CB8AC3E}">
+        <p14:creationId xmlns:p14="http://schemas.microsoft.com/office/powerpoint/2010/main" val="718425353"/>
+      </p:ext>
+    </p:extLst>
+  </p:cSld>
+  <p:clrMapOvr>
+    <a:masterClrMapping/>
+  </p:clrMapOvr>
+  <p:timing>
+    <p:tnLst>
+      <p:par>
+        <p:cTn id="1" dur="indefinite" restart="never" nodeType="tmRoot">
+          <p:childTnLst>
+            <p:seq concurrent="1" nextAc="seek">
+              <p:cTn id="2" dur="indefinite" nodeType="mainSeq">
+                <p:childTnLst>
+                  <p:par>
+                    <p:cTn id="3" fill="hold">
+                      <p:stCondLst>
+                        <p:cond delay="indefinite"/>
+                        <p:cond evt="onBegin" delay="0">
+                          <p:tn val="2"/>
+                        </p:cond>
+                      </p:stCondLst>
+                      <p:childTnLst>
+                        <p:par>
+                          <p:cTn id="4" fill="hold">
+                            <p:stCondLst>
+                              <p:cond delay="0"/>
+                            </p:stCondLst>
+                            <p:childTnLst>
+                              <p:par>
+                                <p:cTn id="5" presetID="1" presetClass="entr" presetSubtype="0" fill="hold" grpId="0" nodeType="withEffect">
+                                  <p:stCondLst>
+                                    <p:cond delay="0"/>
+                                  </p:stCondLst>
+                                  <p:childTnLst>
+                                    <p:set>
+                                      <p:cBhvr>
+                                        <p:cTn id="6" dur="1" fill="hold">
+                                          <p:stCondLst>
+                                            <p:cond delay="0"/>
+                                          </p:stCondLst>
+                                        </p:cTn>
+                                        <p:tgtEl>
+                                          <p:spTgt spid="5"/>
+                                        </p:tgtEl>
+                                        <p:attrNameLst>
+                                          <p:attrName>style.visibility</p:attrName>
+                                        </p:attrNameLst>
+                                      </p:cBhvr>
+                                      <p:to>
+                                        <p:strVal val="visible"/>
+                                      </p:to>
+                                    </p:set>
+                                  </p:childTnLst>
+                                </p:cTn>
+                              </p:par>
+                              <p:par>
+                                <p:cTn id="7" presetID="1" presetClass="entr" presetSubtype="0" fill="hold" nodeType="withEffect">
+                                  <p:stCondLst>
+                                    <p:cond delay="0"/>
+                                  </p:stCondLst>
+                                  <p:childTnLst>
+                                    <p:set>
+                                      <p:cBhvr>
+                                        <p:cTn id="8" dur="1" fill="hold">
+                                          <p:stCondLst>
+                                            <p:cond delay="0"/>
+                                          </p:stCondLst>
+                                        </p:cTn>
+                                        <p:tgtEl>
+                                          <p:spTgt spid="6"/>
+                                        </p:tgtEl>
+                                        <p:attrNameLst>
+                                          <p:attrName>style.visibility</p:attrName>
+                                        </p:attrNameLst>
+                                      </p:cBhvr>
+                                      <p:to>
+                                        <p:strVal val="visible"/>
+                                      </p:to>
+                                    </p:set>
+                                  </p:childTnLst>
+                                </p:cTn>
+                              </p:par>
+                            </p:childTnLst>
+                          </p:cTn>
+                        </p:par>
+                      </p:childTnLst>
+                    </p:cTn>
+                  </p:par>
+                </p:childTnLst>
+              </p:cTn>
+              <p:prevCondLst>
+                <p:cond evt="onPrev" delay="0">
+                  <p:tgtEl>
+                    <p:sldTgt/>
+                  </p:tgtEl>
+                </p:cond>
+              </p:prevCondLst>
+              <p:nextCondLst>
+                <p:cond evt="onNext" delay="0">
+                  <p:tgtEl>
+                    <p:sldTgt/>
+                  </p:tgtEl>
+                </p:cond>
+              </p:nextCondLst>
+            </p:seq>
+          </p:childTnLst>
+        </p:cTn>
+      </p:par>
+    </p:tnLst>
+    <p:bldLst>
+      <p:bldP spid="5" grpId="0" animBg="1"/>
+    </p:bldLst>
+  </p:timing>
+</p:sld>
+</file>
+
+<file path=ppt/slides/slide9.xml><?xml version="1.0" encoding="utf-8"?>
+<p:sld xmlns:a="http://schemas.openxmlformats.org/drawingml/2006/main" xmlns:r="http://schemas.openxmlformats.org/officeDocument/2006/relationships" xmlns:p="http://schemas.openxmlformats.org/presentationml/2006/main">
+  <p:cSld>
+    <p:spTree>
+      <p:nvGrpSpPr>
+        <p:cNvPr id="1" name=""/>
+        <p:cNvGrpSpPr/>
+        <p:nvPr/>
+      </p:nvGrpSpPr>
+      <p:grpSpPr>
+        <a:xfrm>
+          <a:off x="0" y="0"/>
+          <a:ext cx="0" cy="0"/>
+          <a:chOff x="0" y="0"/>
+          <a:chExt cx="0" cy="0"/>
+        </a:xfrm>
+      </p:grpSpPr>
+      <p:sp>
+        <p:nvSpPr>
+          <p:cNvPr id="2" name="Title 1"/>
+          <p:cNvSpPr>
+            <a:spLocks noGrp="1"/>
+          </p:cNvSpPr>
+          <p:nvPr>
+            <p:ph type="title"/>
+          </p:nvPr>
+        </p:nvSpPr>
+        <p:spPr/>
+        <p:txBody>
+          <a:bodyPr/>
+          <a:lstStyle/>
+          <a:p>
+            <a:r>
+              <a:rPr lang="en-US" dirty="0" smtClean="0"/>
+              <a:t>Further reading</a:t>
+            </a:r>
+            <a:endParaRPr lang="en-US" dirty="0"/>
+          </a:p>
+        </p:txBody>
+      </p:sp>
+      <p:sp>
+        <p:nvSpPr>
+          <p:cNvPr id="3" name="Content Placeholder 2"/>
+          <p:cNvSpPr>
+            <a:spLocks noGrp="1"/>
+          </p:cNvSpPr>
+          <p:nvPr>
+            <p:ph idx="1"/>
+          </p:nvPr>
+        </p:nvSpPr>
+        <p:spPr/>
+        <p:txBody>
+          <a:bodyPr/>
+          <a:lstStyle/>
+          <a:p>
+            <a:r>
+              <a:rPr lang="en-US" dirty="0" smtClean="0"/>
+              <a:t>Fiona manual</a:t>
+            </a:r>
+            <a:r>
+              <a:rPr lang="en-US" dirty="0"/>
+              <a:t/>
+            </a:r>
+            <a:br>
+              <a:rPr lang="en-US" dirty="0"/>
+            </a:br>
+            <a:r>
+              <a:rPr lang="en-US" sz="2000" dirty="0">
+                <a:hlinkClick r:id="rId2"/>
+              </a:rPr>
+              <a:t>http://</a:t>
+            </a:r>
+            <a:r>
+              <a:rPr lang="en-US" sz="2000" dirty="0" smtClean="0">
+                <a:hlinkClick r:id="rId2"/>
+              </a:rPr>
+              <a:t>toblerity.org/fiona/index.html</a:t>
+            </a:r>
+            <a:endParaRPr lang="en-US" sz="2000" dirty="0" smtClean="0"/>
+          </a:p>
+          <a:p>
+            <a:r>
+              <a:rPr lang="en-US" dirty="0"/>
+              <a:t>Folium manual</a:t>
+            </a:r>
+            <a:br>
+              <a:rPr lang="en-US" dirty="0"/>
+            </a:br>
+            <a:r>
+              <a:rPr lang="en-US" sz="2000" dirty="0">
+                <a:hlinkClick r:id="rId3"/>
+              </a:rPr>
+              <a:t>http://python-visualization.github.io/folium/docs-master</a:t>
+            </a:r>
+            <a:r>
+              <a:rPr lang="en-US" sz="2000" dirty="0" smtClean="0">
+                <a:hlinkClick r:id="rId3"/>
+              </a:rPr>
+              <a:t>/</a:t>
+            </a:r>
+            <a:r>
+              <a:rPr lang="en-US" sz="2000" dirty="0" smtClean="0"/>
+              <a:t> </a:t>
+            </a:r>
+            <a:endParaRPr lang="en-US" dirty="0"/>
+          </a:p>
+          <a:p>
+            <a:r>
+              <a:rPr lang="en-US" dirty="0" smtClean="0"/>
+              <a:t>Shapely manual</a:t>
+            </a:r>
+            <a:br>
+              <a:rPr lang="en-US" dirty="0" smtClean="0"/>
+            </a:br>
+            <a:r>
+              <a:rPr lang="en-US" sz="2000" dirty="0">
+                <a:hlinkClick r:id="rId4"/>
+              </a:rPr>
+              <a:t>https://shapely.readthedocs.io/en/latest</a:t>
+            </a:r>
+            <a:r>
+              <a:rPr lang="en-US" sz="2000" dirty="0" smtClean="0">
+                <a:hlinkClick r:id="rId4"/>
+              </a:rPr>
+              <a:t>/</a:t>
+            </a:r>
+            <a:endParaRPr lang="en-US" sz="2000" dirty="0" smtClean="0"/>
+          </a:p>
+          <a:p>
+            <a:endParaRPr lang="en-US" dirty="0" smtClean="0"/>
+          </a:p>
+        </p:txBody>
+      </p:sp>
+      <p:sp>
+        <p:nvSpPr>
+          <p:cNvPr id="4" name="Slide Number Placeholder 3"/>
+          <p:cNvSpPr>
+            <a:spLocks noGrp="1"/>
+          </p:cNvSpPr>
+          <p:nvPr>
+            <p:ph type="sldNum" sz="quarter" idx="12"/>
+          </p:nvPr>
+        </p:nvSpPr>
+        <p:spPr/>
+        <p:txBody>
+          <a:bodyPr/>
+          <a:lstStyle/>
+          <a:p>
+            <a:fld id="{5A209D72-2E9D-49B0-8977-41DCCC66C0BB}" type="slidenum">
+              <a:rPr lang="nl-BE" smtClean="0">
+                <a:solidFill>
+                  <a:prstClr val="black">
+                    <a:tint val="75000"/>
+                  </a:prstClr>
+                </a:solidFill>
+              </a:rPr>
+              <a:pPr/>
+              <a:t>9</a:t>
             </a:fld>
             <a:endParaRPr lang="nl-BE">
               <a:solidFill>

--- a/Python/python_gis.pptx
+++ b/Python/python_gis.pptx
@@ -8716,7 +8716,15 @@
           <a:p>
             <a:r>
               <a:rPr lang="en-US" dirty="0" smtClean="0"/>
-              <a:t>Shapely objects examples</a:t>
+              <a:t>Shapely </a:t>
+            </a:r>
+            <a:r>
+              <a:rPr lang="en-US" dirty="0" smtClean="0"/>
+              <a:t>object </a:t>
+            </a:r>
+            <a:r>
+              <a:rPr lang="en-US" dirty="0" smtClean="0"/>
+              <a:t>examples</a:t>
             </a:r>
             <a:endParaRPr lang="en-US" dirty="0"/>
           </a:p>
@@ -8759,6 +8767,37 @@
                 <a:cs typeface="Courier New" panose="02070309020205020404" pitchFamily="49" charset="0"/>
               </a:rPr>
               <a:t>LinearRing</a:t>
+            </a:r>
+            <a:endParaRPr lang="en-US" dirty="0" smtClean="0">
+              <a:latin typeface="Courier New" panose="02070309020205020404" pitchFamily="49" charset="0"/>
+              <a:cs typeface="Courier New" panose="02070309020205020404" pitchFamily="49" charset="0"/>
+            </a:endParaRPr>
+          </a:p>
+          <a:p>
+            <a:endParaRPr lang="en-US" dirty="0">
+              <a:latin typeface="Courier New" panose="02070309020205020404" pitchFamily="49" charset="0"/>
+              <a:cs typeface="Courier New" panose="02070309020205020404" pitchFamily="49" charset="0"/>
+            </a:endParaRPr>
+          </a:p>
+          <a:p>
+            <a:endParaRPr lang="en-US" dirty="0" smtClean="0">
+              <a:latin typeface="Courier New" panose="02070309020205020404" pitchFamily="49" charset="0"/>
+              <a:cs typeface="Courier New" panose="02070309020205020404" pitchFamily="49" charset="0"/>
+            </a:endParaRPr>
+          </a:p>
+          <a:p>
+            <a:endParaRPr lang="en-US" dirty="0">
+              <a:latin typeface="Courier New" panose="02070309020205020404" pitchFamily="49" charset="0"/>
+              <a:cs typeface="Courier New" panose="02070309020205020404" pitchFamily="49" charset="0"/>
+            </a:endParaRPr>
+          </a:p>
+          <a:p>
+            <a:r>
+              <a:rPr lang="en-US" dirty="0" smtClean="0">
+                <a:latin typeface="Courier New" panose="02070309020205020404" pitchFamily="49" charset="0"/>
+                <a:cs typeface="Courier New" panose="02070309020205020404" pitchFamily="49" charset="0"/>
+              </a:rPr>
+              <a:t>Polygon</a:t>
             </a:r>
             <a:endParaRPr lang="en-US" dirty="0">
               <a:latin typeface="Courier New" panose="02070309020205020404" pitchFamily="49" charset="0"/>
@@ -8856,12 +8895,15 @@
                 <a:latin typeface="Courier New" pitchFamily="49" charset="0"/>
                 <a:cs typeface="Courier New" pitchFamily="49" charset="0"/>
               </a:rPr>
-              <a:t>([(0.0, 0.0), (1.0, 1.0), (2.0, 0.5)])</a:t>
-            </a:r>
-            <a:endParaRPr lang="en-US" dirty="0" smtClean="0">
-              <a:latin typeface="Courier New" pitchFamily="49" charset="0"/>
-              <a:cs typeface="Courier New" pitchFamily="49" charset="0"/>
-            </a:endParaRPr>
+              <a:t>([(0.0, 0.0), (1.0, 1.0), (2.0, 0.5</a:t>
+            </a:r>
+            <a:r>
+              <a:rPr lang="en-US" dirty="0" smtClean="0">
+                <a:latin typeface="Courier New" pitchFamily="49" charset="0"/>
+                <a:cs typeface="Courier New" pitchFamily="49" charset="0"/>
+              </a:rPr>
+              <a:t>)])</a:t>
+            </a:r>
           </a:p>
         </p:txBody>
       </p:sp>
@@ -8889,6 +8931,356 @@
           <a:xfrm>
             <a:off x="7401132" y="1457406"/>
             <a:ext cx="1033374" cy="555830"/>
+          </a:xfrm>
+          <a:prstGeom prst="rect">
+            <a:avLst/>
+          </a:prstGeom>
+          <a:effectLst>
+            <a:outerShdw blurRad="50800" dist="38100" dir="2700000" algn="tl" rotWithShape="0">
+              <a:prstClr val="black">
+                <a:alpha val="40000"/>
+              </a:prstClr>
+            </a:outerShdw>
+          </a:effectLst>
+        </p:spPr>
+      </p:pic>
+      <p:sp>
+        <p:nvSpPr>
+          <p:cNvPr id="7" name="TextBox 6"/>
+          <p:cNvSpPr txBox="1"/>
+          <p:nvPr/>
+        </p:nvSpPr>
+        <p:spPr>
+          <a:xfrm>
+            <a:off x="782173" y="3411557"/>
+            <a:ext cx="8155349" cy="1754326"/>
+          </a:xfrm>
+          <a:prstGeom prst="rect">
+            <a:avLst/>
+          </a:prstGeom>
+          <a:solidFill>
+            <a:schemeClr val="accent4">
+              <a:lumMod val="40000"/>
+              <a:lumOff val="60000"/>
+            </a:schemeClr>
+          </a:solidFill>
+        </p:spPr>
+        <p:txBody>
+          <a:bodyPr wrap="square" rtlCol="0">
+            <a:spAutoFit/>
+          </a:bodyPr>
+          <a:lstStyle/>
+          <a:p>
+            <a:r>
+              <a:rPr lang="en-US" dirty="0" smtClean="0">
+                <a:latin typeface="Courier New" pitchFamily="49" charset="0"/>
+                <a:cs typeface="Courier New" pitchFamily="49" charset="0"/>
+              </a:rPr>
+              <a:t>outer </a:t>
+            </a:r>
+            <a:r>
+              <a:rPr lang="en-US" dirty="0">
+                <a:latin typeface="Courier New" pitchFamily="49" charset="0"/>
+                <a:cs typeface="Courier New" pitchFamily="49" charset="0"/>
+              </a:rPr>
+              <a:t>= </a:t>
+            </a:r>
+            <a:r>
+              <a:rPr lang="en-US" dirty="0" err="1">
+                <a:latin typeface="Courier New" pitchFamily="49" charset="0"/>
+                <a:cs typeface="Courier New" pitchFamily="49" charset="0"/>
+              </a:rPr>
+              <a:t>LinearRing</a:t>
+            </a:r>
+            <a:r>
+              <a:rPr lang="en-US" dirty="0">
+                <a:latin typeface="Courier New" pitchFamily="49" charset="0"/>
+                <a:cs typeface="Courier New" pitchFamily="49" charset="0"/>
+              </a:rPr>
+              <a:t>([(3.0, 2.0), (3.0, 5.0), (6.0, 5.0</a:t>
+            </a:r>
+            <a:r>
+              <a:rPr lang="en-US" dirty="0" smtClean="0">
+                <a:latin typeface="Courier New" pitchFamily="49" charset="0"/>
+                <a:cs typeface="Courier New" pitchFamily="49" charset="0"/>
+              </a:rPr>
+              <a:t>),</a:t>
+            </a:r>
+          </a:p>
+          <a:p>
+            <a:r>
+              <a:rPr lang="en-US" dirty="0">
+                <a:latin typeface="Courier New" pitchFamily="49" charset="0"/>
+                <a:cs typeface="Courier New" pitchFamily="49" charset="0"/>
+              </a:rPr>
+              <a:t> </a:t>
+            </a:r>
+            <a:r>
+              <a:rPr lang="en-US" dirty="0" smtClean="0">
+                <a:latin typeface="Courier New" pitchFamily="49" charset="0"/>
+                <a:cs typeface="Courier New" pitchFamily="49" charset="0"/>
+              </a:rPr>
+              <a:t>                   </a:t>
+            </a:r>
+            <a:r>
+              <a:rPr lang="en-US" dirty="0">
+                <a:latin typeface="Courier New" pitchFamily="49" charset="0"/>
+                <a:cs typeface="Courier New" pitchFamily="49" charset="0"/>
+              </a:rPr>
+              <a:t>(6.0, 2.0</a:t>
+            </a:r>
+            <a:r>
+              <a:rPr lang="en-US" dirty="0" smtClean="0">
+                <a:latin typeface="Courier New" pitchFamily="49" charset="0"/>
+                <a:cs typeface="Courier New" pitchFamily="49" charset="0"/>
+              </a:rPr>
+              <a:t>)])</a:t>
+            </a:r>
+          </a:p>
+          <a:p>
+            <a:r>
+              <a:rPr lang="en-US" dirty="0" smtClean="0">
+                <a:latin typeface="Courier New" pitchFamily="49" charset="0"/>
+                <a:cs typeface="Courier New" pitchFamily="49" charset="0"/>
+              </a:rPr>
+              <a:t>inner1 </a:t>
+            </a:r>
+            <a:r>
+              <a:rPr lang="en-US" dirty="0">
+                <a:latin typeface="Courier New" pitchFamily="49" charset="0"/>
+                <a:cs typeface="Courier New" pitchFamily="49" charset="0"/>
+              </a:rPr>
+              <a:t>= </a:t>
+            </a:r>
+            <a:r>
+              <a:rPr lang="en-US" dirty="0" err="1">
+                <a:latin typeface="Courier New" pitchFamily="49" charset="0"/>
+                <a:cs typeface="Courier New" pitchFamily="49" charset="0"/>
+              </a:rPr>
+              <a:t>LinearRing</a:t>
+            </a:r>
+            <a:r>
+              <a:rPr lang="en-US" dirty="0">
+                <a:latin typeface="Courier New" pitchFamily="49" charset="0"/>
+                <a:cs typeface="Courier New" pitchFamily="49" charset="0"/>
+              </a:rPr>
+              <a:t>([(3.5, 2.5), (3.5, 4.5), (4.5, 4.5</a:t>
+            </a:r>
+            <a:r>
+              <a:rPr lang="en-US" dirty="0" smtClean="0">
+                <a:latin typeface="Courier New" pitchFamily="49" charset="0"/>
+                <a:cs typeface="Courier New" pitchFamily="49" charset="0"/>
+              </a:rPr>
+              <a:t>),</a:t>
+            </a:r>
+          </a:p>
+          <a:p>
+            <a:r>
+              <a:rPr lang="en-US" dirty="0">
+                <a:latin typeface="Courier New" pitchFamily="49" charset="0"/>
+                <a:cs typeface="Courier New" pitchFamily="49" charset="0"/>
+              </a:rPr>
+              <a:t> </a:t>
+            </a:r>
+            <a:r>
+              <a:rPr lang="en-US" dirty="0" smtClean="0">
+                <a:latin typeface="Courier New" pitchFamily="49" charset="0"/>
+                <a:cs typeface="Courier New" pitchFamily="49" charset="0"/>
+              </a:rPr>
+              <a:t>                    </a:t>
+            </a:r>
+            <a:r>
+              <a:rPr lang="en-US" dirty="0">
+                <a:latin typeface="Courier New" pitchFamily="49" charset="0"/>
+                <a:cs typeface="Courier New" pitchFamily="49" charset="0"/>
+              </a:rPr>
+              <a:t>(4.5, 2.5</a:t>
+            </a:r>
+            <a:r>
+              <a:rPr lang="en-US" dirty="0" smtClean="0">
+                <a:latin typeface="Courier New" pitchFamily="49" charset="0"/>
+                <a:cs typeface="Courier New" pitchFamily="49" charset="0"/>
+              </a:rPr>
+              <a:t>)])</a:t>
+            </a:r>
+          </a:p>
+          <a:p>
+            <a:r>
+              <a:rPr lang="en-US" dirty="0" smtClean="0">
+                <a:latin typeface="Courier New" pitchFamily="49" charset="0"/>
+                <a:cs typeface="Courier New" pitchFamily="49" charset="0"/>
+              </a:rPr>
+              <a:t>inner2 </a:t>
+            </a:r>
+            <a:r>
+              <a:rPr lang="en-US" dirty="0">
+                <a:latin typeface="Courier New" pitchFamily="49" charset="0"/>
+                <a:cs typeface="Courier New" pitchFamily="49" charset="0"/>
+              </a:rPr>
+              <a:t>= </a:t>
+            </a:r>
+            <a:r>
+              <a:rPr lang="en-US" dirty="0" err="1">
+                <a:latin typeface="Courier New" pitchFamily="49" charset="0"/>
+                <a:cs typeface="Courier New" pitchFamily="49" charset="0"/>
+              </a:rPr>
+              <a:t>LinearRing</a:t>
+            </a:r>
+            <a:r>
+              <a:rPr lang="en-US" dirty="0">
+                <a:latin typeface="Courier New" pitchFamily="49" charset="0"/>
+                <a:cs typeface="Courier New" pitchFamily="49" charset="0"/>
+              </a:rPr>
+              <a:t>([(5.0, 2.5), (5.0, 4.5), (5.5, 4.5</a:t>
+            </a:r>
+            <a:r>
+              <a:rPr lang="en-US" dirty="0" smtClean="0">
+                <a:latin typeface="Courier New" pitchFamily="49" charset="0"/>
+                <a:cs typeface="Courier New" pitchFamily="49" charset="0"/>
+              </a:rPr>
+              <a:t>),</a:t>
+            </a:r>
+            <a:br>
+              <a:rPr lang="en-US" dirty="0" smtClean="0">
+                <a:latin typeface="Courier New" pitchFamily="49" charset="0"/>
+                <a:cs typeface="Courier New" pitchFamily="49" charset="0"/>
+              </a:rPr>
+            </a:br>
+            <a:r>
+              <a:rPr lang="en-US" dirty="0" smtClean="0">
+                <a:latin typeface="Courier New" pitchFamily="49" charset="0"/>
+                <a:cs typeface="Courier New" pitchFamily="49" charset="0"/>
+              </a:rPr>
+              <a:t>                     </a:t>
+            </a:r>
+            <a:r>
+              <a:rPr lang="en-US" dirty="0">
+                <a:latin typeface="Courier New" pitchFamily="49" charset="0"/>
+                <a:cs typeface="Courier New" pitchFamily="49" charset="0"/>
+              </a:rPr>
+              <a:t>(5.5, 2.5)])</a:t>
+            </a:r>
+            <a:endParaRPr lang="en-US" dirty="0" smtClean="0">
+              <a:latin typeface="Courier New" pitchFamily="49" charset="0"/>
+              <a:cs typeface="Courier New" pitchFamily="49" charset="0"/>
+            </a:endParaRPr>
+          </a:p>
+        </p:txBody>
+      </p:sp>
+      <p:sp>
+        <p:nvSpPr>
+          <p:cNvPr id="8" name="TextBox 7"/>
+          <p:cNvSpPr txBox="1"/>
+          <p:nvPr/>
+        </p:nvSpPr>
+        <p:spPr>
+          <a:xfrm>
+            <a:off x="782172" y="5782463"/>
+            <a:ext cx="8155349" cy="369332"/>
+          </a:xfrm>
+          <a:prstGeom prst="rect">
+            <a:avLst/>
+          </a:prstGeom>
+          <a:solidFill>
+            <a:schemeClr val="accent4">
+              <a:lumMod val="40000"/>
+              <a:lumOff val="60000"/>
+            </a:schemeClr>
+          </a:solidFill>
+        </p:spPr>
+        <p:txBody>
+          <a:bodyPr wrap="square" rtlCol="0">
+            <a:spAutoFit/>
+          </a:bodyPr>
+          <a:lstStyle/>
+          <a:p>
+            <a:r>
+              <a:rPr lang="en-US" dirty="0" smtClean="0">
+                <a:latin typeface="Courier New" pitchFamily="49" charset="0"/>
+                <a:cs typeface="Courier New" pitchFamily="49" charset="0"/>
+              </a:rPr>
+              <a:t>polygon </a:t>
+            </a:r>
+            <a:r>
+              <a:rPr lang="en-US" dirty="0">
+                <a:latin typeface="Courier New" pitchFamily="49" charset="0"/>
+                <a:cs typeface="Courier New" pitchFamily="49" charset="0"/>
+              </a:rPr>
+              <a:t>= </a:t>
+            </a:r>
+            <a:r>
+              <a:rPr lang="en-US" dirty="0" smtClean="0">
+                <a:latin typeface="Courier New" pitchFamily="49" charset="0"/>
+                <a:cs typeface="Courier New" pitchFamily="49" charset="0"/>
+              </a:rPr>
+              <a:t>Polygon(outer</a:t>
+            </a:r>
+            <a:r>
+              <a:rPr lang="en-US" dirty="0">
+                <a:latin typeface="Courier New" pitchFamily="49" charset="0"/>
+                <a:cs typeface="Courier New" pitchFamily="49" charset="0"/>
+              </a:rPr>
+              <a:t>, </a:t>
+            </a:r>
+            <a:r>
+              <a:rPr lang="en-US" dirty="0" smtClean="0">
+                <a:latin typeface="Courier New" pitchFamily="49" charset="0"/>
+                <a:cs typeface="Courier New" pitchFamily="49" charset="0"/>
+              </a:rPr>
+              <a:t>inner1</a:t>
+            </a:r>
+            <a:r>
+              <a:rPr lang="en-US" dirty="0">
+                <a:latin typeface="Courier New" pitchFamily="49" charset="0"/>
+                <a:cs typeface="Courier New" pitchFamily="49" charset="0"/>
+              </a:rPr>
+              <a:t>, </a:t>
+            </a:r>
+            <a:r>
+              <a:rPr lang="en-US" dirty="0" smtClean="0">
+                <a:latin typeface="Courier New" pitchFamily="49" charset="0"/>
+                <a:cs typeface="Courier New" pitchFamily="49" charset="0"/>
+              </a:rPr>
+              <a:t>inner2</a:t>
+            </a:r>
+            <a:r>
+              <a:rPr lang="en-US" dirty="0">
+                <a:latin typeface="Courier New" pitchFamily="49" charset="0"/>
+                <a:cs typeface="Courier New" pitchFamily="49" charset="0"/>
+              </a:rPr>
+              <a:t>])</a:t>
+            </a:r>
+            <a:endParaRPr lang="en-US" dirty="0" smtClean="0">
+              <a:latin typeface="Courier New" pitchFamily="49" charset="0"/>
+              <a:cs typeface="Courier New" pitchFamily="49" charset="0"/>
+            </a:endParaRPr>
+          </a:p>
+        </p:txBody>
+      </p:sp>
+      <p:pic>
+        <p:nvPicPr>
+          <p:cNvPr id="9" name="Picture 8"/>
+          <p:cNvPicPr>
+            <a:picLocks noChangeAspect="1"/>
+          </p:cNvPicPr>
+          <p:nvPr/>
+        </p:nvPicPr>
+        <p:blipFill>
+          <a:blip r:embed="rId3">
+            <a:extLst>
+              <a:ext uri="{28A0092B-C50C-407E-A947-70E740481C1C}">
+                <a14:useLocalDpi xmlns:a14="http://schemas.microsoft.com/office/drawing/2010/main" val="0"/>
+              </a:ext>
+            </a:extLst>
+          </a:blip>
+          <a:stretch>
+            <a:fillRect/>
+          </a:stretch>
+        </p:blipFill>
+        <p:spPr>
+          <a:xfrm>
+            <a:off x="7000431" y="5504882"/>
+            <a:ext cx="801402" cy="795141"/>
           </a:xfrm>
           <a:prstGeom prst="rect">
             <a:avLst/>
@@ -8949,6 +9341,37 @@
                                           </p:stCondLst>
                                         </p:cTn>
                                         <p:tgtEl>
+                                          <p:spTgt spid="3">
+                                            <p:txEl>
+                                              <p:pRg st="0" end="0"/>
+                                            </p:txEl>
+                                          </p:spTgt>
+                                        </p:tgtEl>
+                                        <p:attrNameLst>
+                                          <p:attrName>style.visibility</p:attrName>
+                                        </p:attrNameLst>
+                                      </p:cBhvr>
+                                      <p:to>
+                                        <p:strVal val="visible"/>
+                                      </p:to>
+                                    </p:set>
+                                  </p:childTnLst>
+                                </p:cTn>
+                              </p:par>
+                              <p:par>
+                                <p:cTn id="7" presetID="1" presetClass="entr" presetSubtype="0" fill="hold" grpId="0" nodeType="withEffect">
+                                  <p:stCondLst>
+                                    <p:cond delay="0"/>
+                                  </p:stCondLst>
+                                  <p:childTnLst>
+                                    <p:set>
+                                      <p:cBhvr>
+                                        <p:cTn id="8" dur="1" fill="hold">
+                                          <p:stCondLst>
+                                            <p:cond delay="0"/>
+                                          </p:stCondLst>
+                                        </p:cTn>
+                                        <p:tgtEl>
                                           <p:spTgt spid="5"/>
                                         </p:tgtEl>
                                         <p:attrNameLst>
@@ -8962,21 +9385,236 @@
                                   </p:childTnLst>
                                 </p:cTn>
                               </p:par>
+                            </p:childTnLst>
+                          </p:cTn>
+                        </p:par>
+                      </p:childTnLst>
+                    </p:cTn>
+                  </p:par>
+                  <p:par>
+                    <p:cTn id="9" fill="hold">
+                      <p:stCondLst>
+                        <p:cond delay="indefinite"/>
+                      </p:stCondLst>
+                      <p:childTnLst>
+                        <p:par>
+                          <p:cTn id="10" fill="hold">
+                            <p:stCondLst>
+                              <p:cond delay="0"/>
+                            </p:stCondLst>
+                            <p:childTnLst>
                               <p:par>
-                                <p:cTn id="7" presetID="1" presetClass="entr" presetSubtype="0" fill="hold" nodeType="withEffect">
+                                <p:cTn id="11" presetID="1" presetClass="entr" presetSubtype="0" fill="hold" nodeType="clickEffect">
                                   <p:stCondLst>
                                     <p:cond delay="0"/>
                                   </p:stCondLst>
                                   <p:childTnLst>
                                     <p:set>
                                       <p:cBhvr>
-                                        <p:cTn id="8" dur="1" fill="hold">
+                                        <p:cTn id="12" dur="1" fill="hold">
                                           <p:stCondLst>
                                             <p:cond delay="0"/>
                                           </p:stCondLst>
                                         </p:cTn>
                                         <p:tgtEl>
                                           <p:spTgt spid="6"/>
+                                        </p:tgtEl>
+                                        <p:attrNameLst>
+                                          <p:attrName>style.visibility</p:attrName>
+                                        </p:attrNameLst>
+                                      </p:cBhvr>
+                                      <p:to>
+                                        <p:strVal val="visible"/>
+                                      </p:to>
+                                    </p:set>
+                                  </p:childTnLst>
+                                </p:cTn>
+                              </p:par>
+                            </p:childTnLst>
+                          </p:cTn>
+                        </p:par>
+                      </p:childTnLst>
+                    </p:cTn>
+                  </p:par>
+                  <p:par>
+                    <p:cTn id="13" fill="hold">
+                      <p:stCondLst>
+                        <p:cond delay="indefinite"/>
+                      </p:stCondLst>
+                      <p:childTnLst>
+                        <p:par>
+                          <p:cTn id="14" fill="hold">
+                            <p:stCondLst>
+                              <p:cond delay="0"/>
+                            </p:stCondLst>
+                            <p:childTnLst>
+                              <p:par>
+                                <p:cTn id="15" presetID="1" presetClass="entr" presetSubtype="0" fill="hold" grpId="0" nodeType="clickEffect">
+                                  <p:stCondLst>
+                                    <p:cond delay="0"/>
+                                  </p:stCondLst>
+                                  <p:childTnLst>
+                                    <p:set>
+                                      <p:cBhvr>
+                                        <p:cTn id="16" dur="1" fill="hold">
+                                          <p:stCondLst>
+                                            <p:cond delay="0"/>
+                                          </p:stCondLst>
+                                        </p:cTn>
+                                        <p:tgtEl>
+                                          <p:spTgt spid="3">
+                                            <p:txEl>
+                                              <p:pRg st="2" end="2"/>
+                                            </p:txEl>
+                                          </p:spTgt>
+                                        </p:tgtEl>
+                                        <p:attrNameLst>
+                                          <p:attrName>style.visibility</p:attrName>
+                                        </p:attrNameLst>
+                                      </p:cBhvr>
+                                      <p:to>
+                                        <p:strVal val="visible"/>
+                                      </p:to>
+                                    </p:set>
+                                  </p:childTnLst>
+                                </p:cTn>
+                              </p:par>
+                              <p:par>
+                                <p:cTn id="17" presetID="1" presetClass="entr" presetSubtype="0" fill="hold" grpId="0" nodeType="withEffect">
+                                  <p:stCondLst>
+                                    <p:cond delay="0"/>
+                                  </p:stCondLst>
+                                  <p:childTnLst>
+                                    <p:set>
+                                      <p:cBhvr>
+                                        <p:cTn id="18" dur="1" fill="hold">
+                                          <p:stCondLst>
+                                            <p:cond delay="0"/>
+                                          </p:stCondLst>
+                                        </p:cTn>
+                                        <p:tgtEl>
+                                          <p:spTgt spid="7"/>
+                                        </p:tgtEl>
+                                        <p:attrNameLst>
+                                          <p:attrName>style.visibility</p:attrName>
+                                        </p:attrNameLst>
+                                      </p:cBhvr>
+                                      <p:to>
+                                        <p:strVal val="visible"/>
+                                      </p:to>
+                                    </p:set>
+                                  </p:childTnLst>
+                                </p:cTn>
+                              </p:par>
+                            </p:childTnLst>
+                          </p:cTn>
+                        </p:par>
+                      </p:childTnLst>
+                    </p:cTn>
+                  </p:par>
+                  <p:par>
+                    <p:cTn id="19" fill="hold">
+                      <p:stCondLst>
+                        <p:cond delay="indefinite"/>
+                      </p:stCondLst>
+                      <p:childTnLst>
+                        <p:par>
+                          <p:cTn id="20" fill="hold">
+                            <p:stCondLst>
+                              <p:cond delay="0"/>
+                            </p:stCondLst>
+                            <p:childTnLst>
+                              <p:par>
+                                <p:cTn id="21" presetID="1" presetClass="entr" presetSubtype="0" fill="hold" grpId="0" nodeType="clickEffect">
+                                  <p:stCondLst>
+                                    <p:cond delay="0"/>
+                                  </p:stCondLst>
+                                  <p:childTnLst>
+                                    <p:set>
+                                      <p:cBhvr>
+                                        <p:cTn id="22" dur="1" fill="hold">
+                                          <p:stCondLst>
+                                            <p:cond delay="0"/>
+                                          </p:stCondLst>
+                                        </p:cTn>
+                                        <p:tgtEl>
+                                          <p:spTgt spid="3">
+                                            <p:txEl>
+                                              <p:pRg st="6" end="6"/>
+                                            </p:txEl>
+                                          </p:spTgt>
+                                        </p:tgtEl>
+                                        <p:attrNameLst>
+                                          <p:attrName>style.visibility</p:attrName>
+                                        </p:attrNameLst>
+                                      </p:cBhvr>
+                                      <p:to>
+                                        <p:strVal val="visible"/>
+                                      </p:to>
+                                    </p:set>
+                                  </p:childTnLst>
+                                </p:cTn>
+                              </p:par>
+                              <p:par>
+                                <p:cTn id="23" presetID="1" presetClass="entr" presetSubtype="0" fill="hold" grpId="0" nodeType="withEffect">
+                                  <p:stCondLst>
+                                    <p:cond delay="0"/>
+                                  </p:stCondLst>
+                                  <p:childTnLst>
+                                    <p:set>
+                                      <p:cBhvr>
+                                        <p:cTn id="24" dur="1" fill="hold">
+                                          <p:stCondLst>
+                                            <p:cond delay="0"/>
+                                          </p:stCondLst>
+                                        </p:cTn>
+                                        <p:tgtEl>
+                                          <p:spTgt spid="8"/>
+                                        </p:tgtEl>
+                                        <p:attrNameLst>
+                                          <p:attrName>style.visibility</p:attrName>
+                                        </p:attrNameLst>
+                                      </p:cBhvr>
+                                      <p:to>
+                                        <p:strVal val="visible"/>
+                                      </p:to>
+                                    </p:set>
+                                  </p:childTnLst>
+                                </p:cTn>
+                              </p:par>
+                            </p:childTnLst>
+                          </p:cTn>
+                        </p:par>
+                      </p:childTnLst>
+                    </p:cTn>
+                  </p:par>
+                  <p:par>
+                    <p:cTn id="25" fill="hold">
+                      <p:stCondLst>
+                        <p:cond delay="indefinite"/>
+                      </p:stCondLst>
+                      <p:childTnLst>
+                        <p:par>
+                          <p:cTn id="26" fill="hold">
+                            <p:stCondLst>
+                              <p:cond delay="0"/>
+                            </p:stCondLst>
+                            <p:childTnLst>
+                              <p:par>
+                                <p:cTn id="27" presetID="1" presetClass="entr" presetSubtype="0" fill="hold" nodeType="clickEffect">
+                                  <p:stCondLst>
+                                    <p:cond delay="0"/>
+                                  </p:stCondLst>
+                                  <p:childTnLst>
+                                    <p:set>
+                                      <p:cBhvr>
+                                        <p:cTn id="28" dur="1" fill="hold">
+                                          <p:stCondLst>
+                                            <p:cond delay="0"/>
+                                          </p:stCondLst>
+                                        </p:cTn>
+                                        <p:tgtEl>
+                                          <p:spTgt spid="9"/>
                                         </p:tgtEl>
                                         <p:attrNameLst>
                                           <p:attrName>style.visibility</p:attrName>
@@ -9017,7 +9655,10 @@
       </p:par>
     </p:tnLst>
     <p:bldLst>
+      <p:bldP spid="3" grpId="0" uiExpand="1" build="p"/>
       <p:bldP spid="5" grpId="0" animBg="1"/>
+      <p:bldP spid="7" grpId="0" animBg="1"/>
+      <p:bldP spid="8" grpId="0" animBg="1"/>
     </p:bldLst>
   </p:timing>
 </p:sld>

--- a/Python/python_gis.pptx
+++ b/Python/python_gis.pptx
@@ -5,7 +5,7 @@
     <p:sldMasterId id="2147483672" r:id="rId1"/>
   </p:sldMasterIdLst>
   <p:notesMasterIdLst>
-    <p:notesMasterId r:id="rId11"/>
+    <p:notesMasterId r:id="rId12"/>
   </p:notesMasterIdLst>
   <p:sldIdLst>
     <p:sldId id="256" r:id="rId2"/>
@@ -16,7 +16,8 @@
     <p:sldId id="269" r:id="rId7"/>
     <p:sldId id="270" r:id="rId8"/>
     <p:sldId id="271" r:id="rId9"/>
-    <p:sldId id="265" r:id="rId10"/>
+    <p:sldId id="272" r:id="rId10"/>
+    <p:sldId id="265" r:id="rId11"/>
   </p:sldIdLst>
   <p:sldSz cx="9144000" cy="6858000" type="screen4x3"/>
   <p:notesSz cx="6858000" cy="9144000"/>
@@ -3982,6 +3983,371 @@
         <p:cTn id="1" dur="indefinite" restart="never" nodeType="tmRoot"/>
       </p:par>
     </p:tnLst>
+  </p:timing>
+</p:sld>
+</file>
+
+<file path=ppt/slides/slide10.xml><?xml version="1.0" encoding="utf-8"?>
+<p:sld xmlns:a="http://schemas.openxmlformats.org/drawingml/2006/main" xmlns:r="http://schemas.openxmlformats.org/officeDocument/2006/relationships" xmlns:p="http://schemas.openxmlformats.org/presentationml/2006/main">
+  <p:cSld>
+    <p:spTree>
+      <p:nvGrpSpPr>
+        <p:cNvPr id="1" name=""/>
+        <p:cNvGrpSpPr/>
+        <p:nvPr/>
+      </p:nvGrpSpPr>
+      <p:grpSpPr>
+        <a:xfrm>
+          <a:off x="0" y="0"/>
+          <a:ext cx="0" cy="0"/>
+          <a:chOff x="0" y="0"/>
+          <a:chExt cx="0" cy="0"/>
+        </a:xfrm>
+      </p:grpSpPr>
+      <p:sp>
+        <p:nvSpPr>
+          <p:cNvPr id="2" name="Title 1"/>
+          <p:cNvSpPr>
+            <a:spLocks noGrp="1"/>
+          </p:cNvSpPr>
+          <p:nvPr>
+            <p:ph type="title"/>
+          </p:nvPr>
+        </p:nvSpPr>
+        <p:spPr/>
+        <p:txBody>
+          <a:bodyPr/>
+          <a:lstStyle/>
+          <a:p>
+            <a:r>
+              <a:rPr lang="en-US" dirty="0" smtClean="0"/>
+              <a:t>Further reading</a:t>
+            </a:r>
+            <a:endParaRPr lang="en-US" dirty="0"/>
+          </a:p>
+        </p:txBody>
+      </p:sp>
+      <p:sp>
+        <p:nvSpPr>
+          <p:cNvPr id="3" name="Content Placeholder 2"/>
+          <p:cNvSpPr>
+            <a:spLocks noGrp="1"/>
+          </p:cNvSpPr>
+          <p:nvPr>
+            <p:ph idx="1"/>
+          </p:nvPr>
+        </p:nvSpPr>
+        <p:spPr/>
+        <p:txBody>
+          <a:bodyPr/>
+          <a:lstStyle/>
+          <a:p>
+            <a:r>
+              <a:rPr lang="en-US" dirty="0" smtClean="0"/>
+              <a:t>Fiona manual</a:t>
+            </a:r>
+            <a:r>
+              <a:rPr lang="en-US" dirty="0"/>
+              <a:t/>
+            </a:r>
+            <a:br>
+              <a:rPr lang="en-US" dirty="0"/>
+            </a:br>
+            <a:r>
+              <a:rPr lang="en-US" sz="2000" dirty="0">
+                <a:hlinkClick r:id="rId2"/>
+              </a:rPr>
+              <a:t>http://</a:t>
+            </a:r>
+            <a:r>
+              <a:rPr lang="en-US" sz="2000" dirty="0" smtClean="0">
+                <a:hlinkClick r:id="rId2"/>
+              </a:rPr>
+              <a:t>toblerity.org/fiona/index.html</a:t>
+            </a:r>
+            <a:endParaRPr lang="en-US" sz="2000" dirty="0" smtClean="0"/>
+          </a:p>
+          <a:p>
+            <a:r>
+              <a:rPr lang="en-US" dirty="0"/>
+              <a:t>Folium manual</a:t>
+            </a:r>
+            <a:br>
+              <a:rPr lang="en-US" dirty="0"/>
+            </a:br>
+            <a:r>
+              <a:rPr lang="en-US" sz="2000" dirty="0">
+                <a:hlinkClick r:id="rId3"/>
+              </a:rPr>
+              <a:t>http://python-visualization.github.io/folium/docs-master</a:t>
+            </a:r>
+            <a:r>
+              <a:rPr lang="en-US" sz="2000" dirty="0" smtClean="0">
+                <a:hlinkClick r:id="rId3"/>
+              </a:rPr>
+              <a:t>/</a:t>
+            </a:r>
+            <a:r>
+              <a:rPr lang="en-US" sz="2000" dirty="0" smtClean="0"/>
+              <a:t> </a:t>
+            </a:r>
+            <a:endParaRPr lang="en-US" dirty="0"/>
+          </a:p>
+          <a:p>
+            <a:r>
+              <a:rPr lang="en-US" dirty="0" smtClean="0"/>
+              <a:t>Shapely manual</a:t>
+            </a:r>
+            <a:br>
+              <a:rPr lang="en-US" dirty="0" smtClean="0"/>
+            </a:br>
+            <a:r>
+              <a:rPr lang="en-US" sz="2000" dirty="0">
+                <a:hlinkClick r:id="rId4"/>
+              </a:rPr>
+              <a:t>https://shapely.readthedocs.io/en/latest</a:t>
+            </a:r>
+            <a:r>
+              <a:rPr lang="en-US" sz="2000" dirty="0" smtClean="0">
+                <a:hlinkClick r:id="rId4"/>
+              </a:rPr>
+              <a:t>/</a:t>
+            </a:r>
+            <a:endParaRPr lang="en-US" sz="2000" dirty="0" smtClean="0"/>
+          </a:p>
+          <a:p>
+            <a:endParaRPr lang="en-US" dirty="0" smtClean="0"/>
+          </a:p>
+        </p:txBody>
+      </p:sp>
+      <p:sp>
+        <p:nvSpPr>
+          <p:cNvPr id="4" name="Slide Number Placeholder 3"/>
+          <p:cNvSpPr>
+            <a:spLocks noGrp="1"/>
+          </p:cNvSpPr>
+          <p:nvPr>
+            <p:ph type="sldNum" sz="quarter" idx="12"/>
+          </p:nvPr>
+        </p:nvSpPr>
+        <p:spPr/>
+        <p:txBody>
+          <a:bodyPr/>
+          <a:lstStyle/>
+          <a:p>
+            <a:fld id="{5A209D72-2E9D-49B0-8977-41DCCC66C0BB}" type="slidenum">
+              <a:rPr lang="nl-BE" smtClean="0">
+                <a:solidFill>
+                  <a:prstClr val="black">
+                    <a:tint val="75000"/>
+                  </a:prstClr>
+                </a:solidFill>
+              </a:rPr>
+              <a:pPr/>
+              <a:t>10</a:t>
+            </a:fld>
+            <a:endParaRPr lang="nl-BE">
+              <a:solidFill>
+                <a:prstClr val="black">
+                  <a:tint val="75000"/>
+                </a:prstClr>
+              </a:solidFill>
+            </a:endParaRPr>
+          </a:p>
+        </p:txBody>
+      </p:sp>
+    </p:spTree>
+    <p:extLst>
+      <p:ext uri="{BB962C8B-B14F-4D97-AF65-F5344CB8AC3E}">
+        <p14:creationId xmlns:p14="http://schemas.microsoft.com/office/powerpoint/2010/main" val="1702400260"/>
+      </p:ext>
+    </p:extLst>
+  </p:cSld>
+  <p:clrMapOvr>
+    <a:masterClrMapping/>
+  </p:clrMapOvr>
+  <p:timing>
+    <p:tnLst>
+      <p:par>
+        <p:cTn id="1" dur="indefinite" restart="never" nodeType="tmRoot">
+          <p:childTnLst>
+            <p:seq concurrent="1" nextAc="seek">
+              <p:cTn id="2" dur="indefinite" nodeType="mainSeq">
+                <p:childTnLst>
+                  <p:par>
+                    <p:cTn id="3" fill="hold">
+                      <p:stCondLst>
+                        <p:cond delay="indefinite"/>
+                        <p:cond evt="onBegin" delay="0">
+                          <p:tn val="2"/>
+                        </p:cond>
+                      </p:stCondLst>
+                      <p:childTnLst>
+                        <p:par>
+                          <p:cTn id="4" fill="hold">
+                            <p:stCondLst>
+                              <p:cond delay="0"/>
+                            </p:stCondLst>
+                            <p:childTnLst>
+                              <p:par>
+                                <p:cTn id="5" presetID="1" presetClass="entr" presetSubtype="0" fill="hold" grpId="0" nodeType="withEffect">
+                                  <p:stCondLst>
+                                    <p:cond delay="0"/>
+                                  </p:stCondLst>
+                                  <p:childTnLst>
+                                    <p:set>
+                                      <p:cBhvr>
+                                        <p:cTn id="6" dur="1" fill="hold">
+                                          <p:stCondLst>
+                                            <p:cond delay="0"/>
+                                          </p:stCondLst>
+                                        </p:cTn>
+                                        <p:tgtEl>
+                                          <p:spTgt spid="3">
+                                            <p:txEl>
+                                              <p:pRg st="0" end="0"/>
+                                            </p:txEl>
+                                          </p:spTgt>
+                                        </p:tgtEl>
+                                        <p:attrNameLst>
+                                          <p:attrName>style.visibility</p:attrName>
+                                        </p:attrNameLst>
+                                      </p:cBhvr>
+                                      <p:to>
+                                        <p:strVal val="visible"/>
+                                      </p:to>
+                                    </p:set>
+                                  </p:childTnLst>
+                                </p:cTn>
+                              </p:par>
+                            </p:childTnLst>
+                          </p:cTn>
+                        </p:par>
+                      </p:childTnLst>
+                    </p:cTn>
+                  </p:par>
+                  <p:par>
+                    <p:cTn id="7" fill="hold">
+                      <p:stCondLst>
+                        <p:cond delay="indefinite"/>
+                      </p:stCondLst>
+                      <p:childTnLst>
+                        <p:par>
+                          <p:cTn id="8" fill="hold">
+                            <p:stCondLst>
+                              <p:cond delay="0"/>
+                            </p:stCondLst>
+                            <p:childTnLst>
+                              <p:par>
+                                <p:cTn id="9" presetID="1" presetClass="entr" presetSubtype="0" fill="hold" grpId="0" nodeType="clickEffect">
+                                  <p:stCondLst>
+                                    <p:cond delay="0"/>
+                                  </p:stCondLst>
+                                  <p:childTnLst>
+                                    <p:set>
+                                      <p:cBhvr>
+                                        <p:cTn id="10" dur="1" fill="hold">
+                                          <p:stCondLst>
+                                            <p:cond delay="0"/>
+                                          </p:stCondLst>
+                                        </p:cTn>
+                                        <p:tgtEl>
+                                          <p:spTgt spid="3">
+                                            <p:txEl>
+                                              <p:pRg st="1" end="1"/>
+                                            </p:txEl>
+                                          </p:spTgt>
+                                        </p:tgtEl>
+                                        <p:attrNameLst>
+                                          <p:attrName>style.visibility</p:attrName>
+                                        </p:attrNameLst>
+                                      </p:cBhvr>
+                                      <p:to>
+                                        <p:strVal val="visible"/>
+                                      </p:to>
+                                    </p:set>
+                                  </p:childTnLst>
+                                </p:cTn>
+                              </p:par>
+                            </p:childTnLst>
+                          </p:cTn>
+                        </p:par>
+                      </p:childTnLst>
+                    </p:cTn>
+                  </p:par>
+                  <p:par>
+                    <p:cTn id="11" fill="hold">
+                      <p:stCondLst>
+                        <p:cond delay="indefinite"/>
+                      </p:stCondLst>
+                      <p:childTnLst>
+                        <p:par>
+                          <p:cTn id="12" fill="hold">
+                            <p:stCondLst>
+                              <p:cond delay="0"/>
+                            </p:stCondLst>
+                            <p:childTnLst>
+                              <p:par>
+                                <p:cTn id="13" presetID="1" presetClass="entr" presetSubtype="0" fill="hold" grpId="0" nodeType="clickEffect">
+                                  <p:stCondLst>
+                                    <p:cond delay="0"/>
+                                  </p:stCondLst>
+                                  <p:childTnLst>
+                                    <p:set>
+                                      <p:cBhvr>
+                                        <p:cTn id="14" dur="1" fill="hold">
+                                          <p:stCondLst>
+                                            <p:cond delay="0"/>
+                                          </p:stCondLst>
+                                        </p:cTn>
+                                        <p:tgtEl>
+                                          <p:spTgt spid="3">
+                                            <p:txEl>
+                                              <p:pRg st="2" end="2"/>
+                                            </p:txEl>
+                                          </p:spTgt>
+                                        </p:tgtEl>
+                                        <p:attrNameLst>
+                                          <p:attrName>style.visibility</p:attrName>
+                                        </p:attrNameLst>
+                                      </p:cBhvr>
+                                      <p:to>
+                                        <p:strVal val="visible"/>
+                                      </p:to>
+                                    </p:set>
+                                  </p:childTnLst>
+                                </p:cTn>
+                              </p:par>
+                            </p:childTnLst>
+                          </p:cTn>
+                        </p:par>
+                      </p:childTnLst>
+                    </p:cTn>
+                  </p:par>
+                </p:childTnLst>
+              </p:cTn>
+              <p:prevCondLst>
+                <p:cond evt="onPrev" delay="0">
+                  <p:tgtEl>
+                    <p:sldTgt/>
+                  </p:tgtEl>
+                </p:cond>
+              </p:prevCondLst>
+              <p:nextCondLst>
+                <p:cond evt="onNext" delay="0">
+                  <p:tgtEl>
+                    <p:sldTgt/>
+                  </p:tgtEl>
+                </p:cond>
+              </p:nextCondLst>
+            </p:seq>
+          </p:childTnLst>
+        </p:cTn>
+      </p:par>
+    </p:tnLst>
+    <p:bldLst>
+      <p:bldP spid="3" grpId="0" build="p"/>
+    </p:bldLst>
   </p:timing>
 </p:sld>
 </file>
@@ -9227,7 +9593,7 @@
                 <a:latin typeface="Courier New" pitchFamily="49" charset="0"/>
                 <a:cs typeface="Courier New" pitchFamily="49" charset="0"/>
               </a:rPr>
-              <a:t>inner1</a:t>
+              <a:t>[inner1</a:t>
             </a:r>
             <a:r>
               <a:rPr lang="en-US" dirty="0">
@@ -9698,7 +10064,7 @@
           <a:p>
             <a:r>
               <a:rPr lang="en-US" dirty="0" smtClean="0"/>
-              <a:t>Further reading</a:t>
+              <a:t>Shapely spatial analysis</a:t>
             </a:r>
             <a:endParaRPr lang="en-US" dirty="0"/>
           </a:p>
@@ -9719,81 +10085,7 @@
           <a:bodyPr/>
           <a:lstStyle/>
           <a:p>
-            <a:r>
-              <a:rPr lang="en-US" dirty="0" smtClean="0"/>
-              <a:t>Fiona manual</a:t>
-            </a:r>
-            <a:r>
-              <a:rPr lang="en-US" dirty="0"/>
-              <a:t/>
-            </a:r>
-            <a:br>
-              <a:rPr lang="en-US" dirty="0"/>
-            </a:br>
-            <a:r>
-              <a:rPr lang="en-US" sz="2000" dirty="0">
-                <a:hlinkClick r:id="rId2"/>
-              </a:rPr>
-              <a:t>http://</a:t>
-            </a:r>
-            <a:r>
-              <a:rPr lang="en-US" sz="2000" dirty="0" smtClean="0">
-                <a:hlinkClick r:id="rId2"/>
-              </a:rPr>
-              <a:t>toblerity.org/fiona/index.html</a:t>
-            </a:r>
-            <a:endParaRPr lang="en-US" sz="2000" dirty="0" smtClean="0"/>
-          </a:p>
-          <a:p>
-            <a:r>
-              <a:rPr lang="en-US" dirty="0"/>
-              <a:t>Folium manual</a:t>
-            </a:r>
-            <a:br>
-              <a:rPr lang="en-US" dirty="0"/>
-            </a:br>
-            <a:r>
-              <a:rPr lang="en-US" sz="2000" dirty="0">
-                <a:hlinkClick r:id="rId3"/>
-              </a:rPr>
-              <a:t>http://python-visualization.github.io/folium/docs-master</a:t>
-            </a:r>
-            <a:r>
-              <a:rPr lang="en-US" sz="2000" dirty="0" smtClean="0">
-                <a:hlinkClick r:id="rId3"/>
-              </a:rPr>
-              <a:t>/</a:t>
-            </a:r>
-            <a:r>
-              <a:rPr lang="en-US" sz="2000" dirty="0" smtClean="0"/>
-              <a:t> </a:t>
-            </a:r>
             <a:endParaRPr lang="en-US" dirty="0"/>
-          </a:p>
-          <a:p>
-            <a:r>
-              <a:rPr lang="en-US" dirty="0" smtClean="0"/>
-              <a:t>Shapely manual</a:t>
-            </a:r>
-            <a:br>
-              <a:rPr lang="en-US" dirty="0" smtClean="0"/>
-            </a:br>
-            <a:r>
-              <a:rPr lang="en-US" sz="2000" dirty="0">
-                <a:hlinkClick r:id="rId4"/>
-              </a:rPr>
-              <a:t>https://shapely.readthedocs.io/en/latest</a:t>
-            </a:r>
-            <a:r>
-              <a:rPr lang="en-US" sz="2000" dirty="0" smtClean="0">
-                <a:hlinkClick r:id="rId4"/>
-              </a:rPr>
-              <a:t>/</a:t>
-            </a:r>
-            <a:endParaRPr lang="en-US" sz="2000" dirty="0" smtClean="0"/>
-          </a:p>
-          <a:p>
-            <a:endParaRPr lang="en-US" dirty="0" smtClean="0"/>
           </a:p>
         </p:txBody>
       </p:sp>
@@ -9836,7 +10128,7 @@
     </p:spTree>
     <p:extLst>
       <p:ext uri="{BB962C8B-B14F-4D97-AF65-F5344CB8AC3E}">
-        <p14:creationId xmlns:p14="http://schemas.microsoft.com/office/powerpoint/2010/main" val="1702400260"/>
+        <p14:creationId xmlns:p14="http://schemas.microsoft.com/office/powerpoint/2010/main" val="2751693019"/>
       </p:ext>
     </p:extLst>
   </p:cSld>
@@ -9846,185 +10138,9 @@
   <p:timing>
     <p:tnLst>
       <p:par>
-        <p:cTn id="1" dur="indefinite" restart="never" nodeType="tmRoot">
-          <p:childTnLst>
-            <p:seq concurrent="1" nextAc="seek">
-              <p:cTn id="2" dur="indefinite" nodeType="mainSeq">
-                <p:childTnLst>
-                  <p:par>
-                    <p:cTn id="3" fill="hold">
-                      <p:stCondLst>
-                        <p:cond delay="indefinite"/>
-                        <p:cond evt="onBegin" delay="0">
-                          <p:tn val="2"/>
-                        </p:cond>
-                      </p:stCondLst>
-                      <p:childTnLst>
-                        <p:par>
-                          <p:cTn id="4" fill="hold">
-                            <p:stCondLst>
-                              <p:cond delay="0"/>
-                            </p:stCondLst>
-                            <p:childTnLst>
-                              <p:par>
-                                <p:cTn id="5" presetID="1" presetClass="entr" presetSubtype="0" fill="hold" grpId="0" nodeType="withEffect">
-                                  <p:stCondLst>
-                                    <p:cond delay="0"/>
-                                  </p:stCondLst>
-                                  <p:childTnLst>
-                                    <p:set>
-                                      <p:cBhvr>
-                                        <p:cTn id="6" dur="1" fill="hold">
-                                          <p:stCondLst>
-                                            <p:cond delay="0"/>
-                                          </p:stCondLst>
-                                        </p:cTn>
-                                        <p:tgtEl>
-                                          <p:spTgt spid="3">
-                                            <p:txEl>
-                                              <p:pRg st="0" end="0"/>
-                                            </p:txEl>
-                                          </p:spTgt>
-                                        </p:tgtEl>
-                                        <p:attrNameLst>
-                                          <p:attrName>style.visibility</p:attrName>
-                                        </p:attrNameLst>
-                                      </p:cBhvr>
-                                      <p:to>
-                                        <p:strVal val="visible"/>
-                                      </p:to>
-                                    </p:set>
-                                  </p:childTnLst>
-                                </p:cTn>
-                              </p:par>
-                            </p:childTnLst>
-                          </p:cTn>
-                        </p:par>
-                      </p:childTnLst>
-                    </p:cTn>
-                  </p:par>
-                  <p:par>
-                    <p:cTn id="7" fill="hold">
-                      <p:stCondLst>
-                        <p:cond delay="indefinite"/>
-                      </p:stCondLst>
-                      <p:childTnLst>
-                        <p:par>
-                          <p:cTn id="8" fill="hold">
-                            <p:stCondLst>
-                              <p:cond delay="0"/>
-                            </p:stCondLst>
-                            <p:childTnLst>
-                              <p:par>
-                                <p:cTn id="9" presetID="1" presetClass="entr" presetSubtype="0" fill="hold" grpId="0" nodeType="clickEffect">
-                                  <p:stCondLst>
-                                    <p:cond delay="0"/>
-                                  </p:stCondLst>
-                                  <p:childTnLst>
-                                    <p:set>
-                                      <p:cBhvr>
-                                        <p:cTn id="10" dur="1" fill="hold">
-                                          <p:stCondLst>
-                                            <p:cond delay="0"/>
-                                          </p:stCondLst>
-                                        </p:cTn>
-                                        <p:tgtEl>
-                                          <p:spTgt spid="3">
-                                            <p:txEl>
-                                              <p:pRg st="1" end="1"/>
-                                            </p:txEl>
-                                          </p:spTgt>
-                                        </p:tgtEl>
-                                        <p:attrNameLst>
-                                          <p:attrName>style.visibility</p:attrName>
-                                        </p:attrNameLst>
-                                      </p:cBhvr>
-                                      <p:to>
-                                        <p:strVal val="visible"/>
-                                      </p:to>
-                                    </p:set>
-                                  </p:childTnLst>
-                                </p:cTn>
-                              </p:par>
-                            </p:childTnLst>
-                          </p:cTn>
-                        </p:par>
-                      </p:childTnLst>
-                    </p:cTn>
-                  </p:par>
-                  <p:par>
-                    <p:cTn id="11" fill="hold">
-                      <p:stCondLst>
-                        <p:cond delay="indefinite"/>
-                      </p:stCondLst>
-                      <p:childTnLst>
-                        <p:par>
-                          <p:cTn id="12" fill="hold">
-                            <p:stCondLst>
-                              <p:cond delay="0"/>
-                            </p:stCondLst>
-                            <p:childTnLst>
-                              <p:par>
-                                <p:cTn id="13" presetID="1" presetClass="entr" presetSubtype="0" fill="hold" grpId="0" nodeType="clickEffect">
-                                  <p:stCondLst>
-                                    <p:cond delay="0"/>
-                                  </p:stCondLst>
-                                  <p:childTnLst>
-                                    <p:set>
-                                      <p:cBhvr>
-                                        <p:cTn id="14" dur="1" fill="hold">
-                                          <p:stCondLst>
-                                            <p:cond delay="0"/>
-                                          </p:stCondLst>
-                                        </p:cTn>
-                                        <p:tgtEl>
-                                          <p:spTgt spid="3">
-                                            <p:txEl>
-                                              <p:pRg st="2" end="2"/>
-                                            </p:txEl>
-                                          </p:spTgt>
-                                        </p:tgtEl>
-                                        <p:attrNameLst>
-                                          <p:attrName>style.visibility</p:attrName>
-                                        </p:attrNameLst>
-                                      </p:cBhvr>
-                                      <p:to>
-                                        <p:strVal val="visible"/>
-                                      </p:to>
-                                    </p:set>
-                                  </p:childTnLst>
-                                </p:cTn>
-                              </p:par>
-                            </p:childTnLst>
-                          </p:cTn>
-                        </p:par>
-                      </p:childTnLst>
-                    </p:cTn>
-                  </p:par>
-                </p:childTnLst>
-              </p:cTn>
-              <p:prevCondLst>
-                <p:cond evt="onPrev" delay="0">
-                  <p:tgtEl>
-                    <p:sldTgt/>
-                  </p:tgtEl>
-                </p:cond>
-              </p:prevCondLst>
-              <p:nextCondLst>
-                <p:cond evt="onNext" delay="0">
-                  <p:tgtEl>
-                    <p:sldTgt/>
-                  </p:tgtEl>
-                </p:cond>
-              </p:nextCondLst>
-            </p:seq>
-          </p:childTnLst>
-        </p:cTn>
+        <p:cTn id="1" dur="indefinite" restart="never" nodeType="tmRoot"/>
       </p:par>
     </p:tnLst>
-    <p:bldLst>
-      <p:bldP spid="3" grpId="0" build="p"/>
-    </p:bldLst>
   </p:timing>
 </p:sld>
 </file>

--- a/Python/python_gis.pptx
+++ b/Python/python_gis.pptx
@@ -206,7 +206,7 @@
           <a:p>
             <a:fld id="{794915E2-5A19-401A-AAB5-929FAFDC4B58}" type="datetimeFigureOut">
               <a:rPr lang="en-US" smtClean="0"/>
-              <a:t>2017-10-26</a:t>
+              <a:t>2017-10-27</a:t>
             </a:fld>
             <a:endParaRPr lang="en-US"/>
           </a:p>
@@ -662,7 +662,7 @@
                 </a:solidFill>
               </a:rPr>
               <a:pPr/>
-              <a:t>26/10/2017</a:t>
+              <a:t>27/10/2017</a:t>
             </a:fld>
             <a:endParaRPr lang="nl-BE">
               <a:solidFill>
@@ -864,7 +864,7 @@
                 </a:solidFill>
               </a:rPr>
               <a:pPr/>
-              <a:t>26/10/2017</a:t>
+              <a:t>27/10/2017</a:t>
             </a:fld>
             <a:endParaRPr lang="nl-BE">
               <a:solidFill>
@@ -1076,7 +1076,7 @@
                 </a:solidFill>
               </a:rPr>
               <a:pPr/>
-              <a:t>26/10/2017</a:t>
+              <a:t>27/10/2017</a:t>
             </a:fld>
             <a:endParaRPr lang="nl-BE">
               <a:solidFill>
@@ -1278,7 +1278,7 @@
                 </a:solidFill>
               </a:rPr>
               <a:pPr/>
-              <a:t>26/10/2017</a:t>
+              <a:t>27/10/2017</a:t>
             </a:fld>
             <a:endParaRPr lang="nl-BE">
               <a:solidFill>
@@ -1556,7 +1556,7 @@
                 </a:solidFill>
               </a:rPr>
               <a:pPr/>
-              <a:t>26/10/2017</a:t>
+              <a:t>27/10/2017</a:t>
             </a:fld>
             <a:endParaRPr lang="nl-BE">
               <a:solidFill>
@@ -1876,7 +1876,7 @@
                 </a:solidFill>
               </a:rPr>
               <a:pPr/>
-              <a:t>26/10/2017</a:t>
+              <a:t>27/10/2017</a:t>
             </a:fld>
             <a:endParaRPr lang="nl-BE">
               <a:solidFill>
@@ -2330,7 +2330,7 @@
                 </a:solidFill>
               </a:rPr>
               <a:pPr/>
-              <a:t>26/10/2017</a:t>
+              <a:t>27/10/2017</a:t>
             </a:fld>
             <a:endParaRPr lang="nl-BE">
               <a:solidFill>
@@ -2480,7 +2480,7 @@
                 </a:solidFill>
               </a:rPr>
               <a:pPr/>
-              <a:t>26/10/2017</a:t>
+              <a:t>27/10/2017</a:t>
             </a:fld>
             <a:endParaRPr lang="nl-BE">
               <a:solidFill>
@@ -2607,7 +2607,7 @@
                 </a:solidFill>
               </a:rPr>
               <a:pPr/>
-              <a:t>26/10/2017</a:t>
+              <a:t>27/10/2017</a:t>
             </a:fld>
             <a:endParaRPr lang="nl-BE">
               <a:solidFill>
@@ -2916,7 +2916,7 @@
                 </a:solidFill>
               </a:rPr>
               <a:pPr/>
-              <a:t>26/10/2017</a:t>
+              <a:t>27/10/2017</a:t>
             </a:fld>
             <a:endParaRPr lang="nl-BE">
               <a:solidFill>
@@ -3201,7 +3201,7 @@
                 </a:solidFill>
               </a:rPr>
               <a:pPr/>
-              <a:t>26/10/2017</a:t>
+              <a:t>27/10/2017</a:t>
             </a:fld>
             <a:endParaRPr lang="nl-BE">
               <a:solidFill>
@@ -3446,7 +3446,7 @@
                 </a:solidFill>
               </a:rPr>
               <a:pPr/>
-              <a:t>26/10/2017</a:t>
+              <a:t>27/10/2017</a:t>
             </a:fld>
             <a:endParaRPr lang="nl-BE">
               <a:solidFill>
@@ -9082,15 +9082,7 @@
           <a:p>
             <a:r>
               <a:rPr lang="en-US" dirty="0" smtClean="0"/>
-              <a:t>Shapely </a:t>
-            </a:r>
-            <a:r>
-              <a:rPr lang="en-US" dirty="0" smtClean="0"/>
-              <a:t>object </a:t>
-            </a:r>
-            <a:r>
-              <a:rPr lang="en-US" dirty="0" smtClean="0"/>
-              <a:t>examples</a:t>
+              <a:t>Shapely object examples</a:t>
             </a:r>
             <a:endParaRPr lang="en-US" dirty="0"/>
           </a:p>
@@ -10064,7 +10056,11 @@
           <a:p>
             <a:r>
               <a:rPr lang="en-US" dirty="0" smtClean="0"/>
-              <a:t>Shapely spatial analysis</a:t>
+              <a:t>Shapely </a:t>
+            </a:r>
+            <a:r>
+              <a:rPr lang="en-US" dirty="0" smtClean="0"/>
+              <a:t>predicates</a:t>
             </a:r>
             <a:endParaRPr lang="en-US" dirty="0"/>
           </a:p>
@@ -10085,6 +10081,177 @@
           <a:bodyPr/>
           <a:lstStyle/>
           <a:p>
+            <a:r>
+              <a:rPr lang="en-US" dirty="0" err="1" smtClean="0">
+                <a:latin typeface="Courier New" panose="02070309020205020404" pitchFamily="49" charset="0"/>
+                <a:cs typeface="Courier New" panose="02070309020205020404" pitchFamily="49" charset="0"/>
+              </a:rPr>
+              <a:t>a.within</a:t>
+            </a:r>
+            <a:r>
+              <a:rPr lang="en-US" dirty="0" smtClean="0">
+                <a:latin typeface="Courier New" panose="02070309020205020404" pitchFamily="49" charset="0"/>
+                <a:cs typeface="Courier New" panose="02070309020205020404" pitchFamily="49" charset="0"/>
+              </a:rPr>
+              <a:t>(b)</a:t>
+            </a:r>
+            <a:r>
+              <a:rPr lang="en-US" dirty="0" smtClean="0"/>
+              <a:t> </a:t>
+            </a:r>
+            <a:r>
+              <a:rPr lang="en-US" dirty="0" smtClean="0">
+                <a:sym typeface="Symbol" panose="05050102010706020507" pitchFamily="18" charset="2"/>
+              </a:rPr>
+              <a:t></a:t>
+            </a:r>
+            <a:r>
+              <a:rPr lang="en-US" dirty="0" smtClean="0"/>
+              <a:t> </a:t>
+            </a:r>
+            <a:r>
+              <a:rPr lang="en-US" dirty="0" err="1" smtClean="0">
+                <a:latin typeface="Courier New" panose="02070309020205020404" pitchFamily="49" charset="0"/>
+                <a:cs typeface="Courier New" panose="02070309020205020404" pitchFamily="49" charset="0"/>
+              </a:rPr>
+              <a:t>b.contains</a:t>
+            </a:r>
+            <a:r>
+              <a:rPr lang="en-US" dirty="0" smtClean="0">
+                <a:latin typeface="Courier New" panose="02070309020205020404" pitchFamily="49" charset="0"/>
+                <a:cs typeface="Courier New" panose="02070309020205020404" pitchFamily="49" charset="0"/>
+              </a:rPr>
+              <a:t>(a)</a:t>
+            </a:r>
+          </a:p>
+          <a:p>
+            <a:r>
+              <a:rPr lang="en-US" dirty="0" err="1" smtClean="0">
+                <a:latin typeface="Courier New" panose="02070309020205020404" pitchFamily="49" charset="0"/>
+                <a:cs typeface="Courier New" panose="02070309020205020404" pitchFamily="49" charset="0"/>
+              </a:rPr>
+              <a:t>a.intersects</a:t>
+            </a:r>
+            <a:r>
+              <a:rPr lang="en-US" dirty="0" smtClean="0">
+                <a:latin typeface="Courier New" panose="02070309020205020404" pitchFamily="49" charset="0"/>
+                <a:cs typeface="Courier New" panose="02070309020205020404" pitchFamily="49" charset="0"/>
+              </a:rPr>
+              <a:t>(b)</a:t>
+            </a:r>
+            <a:r>
+              <a:rPr lang="en-US" dirty="0"/>
+              <a:t> </a:t>
+            </a:r>
+            <a:r>
+              <a:rPr lang="en-US" dirty="0" smtClean="0"/>
+              <a:t> </a:t>
+            </a:r>
+            <a:br>
+              <a:rPr lang="en-US" dirty="0" smtClean="0"/>
+            </a:br>
+            <a:r>
+              <a:rPr lang="en-US" dirty="0" smtClean="0"/>
+              <a:t>             </a:t>
+            </a:r>
+            <a:r>
+              <a:rPr lang="en-US" dirty="0" smtClean="0">
+                <a:sym typeface="Symbol" panose="05050102010706020507" pitchFamily="18" charset="2"/>
+              </a:rPr>
+              <a:t></a:t>
+            </a:r>
+            <a:r>
+              <a:rPr lang="en-US" dirty="0" smtClean="0"/>
+              <a:t> </a:t>
+            </a:r>
+            <a:r>
+              <a:rPr lang="en-US" dirty="0" smtClean="0">
+                <a:latin typeface="Courier New" panose="02070309020205020404" pitchFamily="49" charset="0"/>
+                <a:cs typeface="Courier New" panose="02070309020205020404" pitchFamily="49" charset="0"/>
+              </a:rPr>
+              <a:t>not </a:t>
+            </a:r>
+            <a:r>
+              <a:rPr lang="en-US" dirty="0" err="1" smtClean="0">
+                <a:latin typeface="Courier New" panose="02070309020205020404" pitchFamily="49" charset="0"/>
+                <a:cs typeface="Courier New" panose="02070309020205020404" pitchFamily="49" charset="0"/>
+              </a:rPr>
+              <a:t>a.disjoint</a:t>
+            </a:r>
+            <a:r>
+              <a:rPr lang="en-US" dirty="0" smtClean="0">
+                <a:latin typeface="Courier New" panose="02070309020205020404" pitchFamily="49" charset="0"/>
+                <a:cs typeface="Courier New" panose="02070309020205020404" pitchFamily="49" charset="0"/>
+              </a:rPr>
+              <a:t>(b)</a:t>
+            </a:r>
+          </a:p>
+          <a:p>
+            <a:r>
+              <a:rPr lang="en-US" dirty="0" err="1" smtClean="0">
+                <a:latin typeface="Courier New" panose="02070309020205020404" pitchFamily="49" charset="0"/>
+                <a:cs typeface="Courier New" panose="02070309020205020404" pitchFamily="49" charset="0"/>
+              </a:rPr>
+              <a:t>a.crosses</a:t>
+            </a:r>
+            <a:r>
+              <a:rPr lang="en-US" dirty="0" smtClean="0">
+                <a:latin typeface="Courier New" panose="02070309020205020404" pitchFamily="49" charset="0"/>
+                <a:cs typeface="Courier New" panose="02070309020205020404" pitchFamily="49" charset="0"/>
+              </a:rPr>
+              <a:t>(b)</a:t>
+            </a:r>
+          </a:p>
+          <a:p>
+            <a:r>
+              <a:rPr lang="en-US" dirty="0" err="1" smtClean="0">
+                <a:latin typeface="Courier New" panose="02070309020205020404" pitchFamily="49" charset="0"/>
+                <a:cs typeface="Courier New" panose="02070309020205020404" pitchFamily="49" charset="0"/>
+              </a:rPr>
+              <a:t>a.almostequals</a:t>
+            </a:r>
+            <a:r>
+              <a:rPr lang="en-US" dirty="0" smtClean="0">
+                <a:latin typeface="Courier New" panose="02070309020205020404" pitchFamily="49" charset="0"/>
+                <a:cs typeface="Courier New" panose="02070309020205020404" pitchFamily="49" charset="0"/>
+              </a:rPr>
+              <a:t>(b, decimal=3)</a:t>
+            </a:r>
+          </a:p>
+          <a:p>
+            <a:r>
+              <a:rPr lang="en-US" dirty="0" err="1" smtClean="0">
+                <a:latin typeface="Courier New" panose="02070309020205020404" pitchFamily="49" charset="0"/>
+                <a:cs typeface="Courier New" panose="02070309020205020404" pitchFamily="49" charset="0"/>
+              </a:rPr>
+              <a:t>a.is_valid</a:t>
+            </a:r>
+            <a:endParaRPr lang="en-US" dirty="0" smtClean="0">
+              <a:latin typeface="Courier New" panose="02070309020205020404" pitchFamily="49" charset="0"/>
+              <a:cs typeface="Courier New" panose="02070309020205020404" pitchFamily="49" charset="0"/>
+            </a:endParaRPr>
+          </a:p>
+          <a:p>
+            <a:pPr lvl="1"/>
+            <a:r>
+              <a:rPr lang="en-US" dirty="0" smtClean="0"/>
+              <a:t>Shapely lets you create invalid objects</a:t>
+            </a:r>
+          </a:p>
+          <a:p>
+            <a:r>
+              <a:rPr lang="en-US" dirty="0" err="1" smtClean="0">
+                <a:latin typeface="Courier New" panose="02070309020205020404" pitchFamily="49" charset="0"/>
+                <a:cs typeface="Courier New" panose="02070309020205020404" pitchFamily="49" charset="0"/>
+              </a:rPr>
+              <a:t>line.is_ring</a:t>
+            </a:r>
+            <a:endParaRPr lang="en-US" dirty="0" smtClean="0">
+              <a:latin typeface="Courier New" panose="02070309020205020404" pitchFamily="49" charset="0"/>
+              <a:cs typeface="Courier New" panose="02070309020205020404" pitchFamily="49" charset="0"/>
+            </a:endParaRPr>
+          </a:p>
+          <a:p>
             <a:endParaRPr lang="en-US" dirty="0"/>
           </a:p>
         </p:txBody>
@@ -10138,9 +10305,363 @@
   <p:timing>
     <p:tnLst>
       <p:par>
-        <p:cTn id="1" dur="indefinite" restart="never" nodeType="tmRoot"/>
+        <p:cTn id="1" dur="indefinite" restart="never" nodeType="tmRoot">
+          <p:childTnLst>
+            <p:seq concurrent="1" nextAc="seek">
+              <p:cTn id="2" dur="indefinite" nodeType="mainSeq">
+                <p:childTnLst>
+                  <p:par>
+                    <p:cTn id="3" fill="hold">
+                      <p:stCondLst>
+                        <p:cond delay="indefinite"/>
+                        <p:cond evt="onBegin" delay="0">
+                          <p:tn val="2"/>
+                        </p:cond>
+                      </p:stCondLst>
+                      <p:childTnLst>
+                        <p:par>
+                          <p:cTn id="4" fill="hold">
+                            <p:stCondLst>
+                              <p:cond delay="0"/>
+                            </p:stCondLst>
+                            <p:childTnLst>
+                              <p:par>
+                                <p:cTn id="5" presetID="1" presetClass="entr" presetSubtype="0" fill="hold" grpId="0" nodeType="withEffect">
+                                  <p:stCondLst>
+                                    <p:cond delay="0"/>
+                                  </p:stCondLst>
+                                  <p:childTnLst>
+                                    <p:set>
+                                      <p:cBhvr>
+                                        <p:cTn id="6" dur="1" fill="hold">
+                                          <p:stCondLst>
+                                            <p:cond delay="0"/>
+                                          </p:stCondLst>
+                                        </p:cTn>
+                                        <p:tgtEl>
+                                          <p:spTgt spid="3">
+                                            <p:txEl>
+                                              <p:pRg st="0" end="0"/>
+                                            </p:txEl>
+                                          </p:spTgt>
+                                        </p:tgtEl>
+                                        <p:attrNameLst>
+                                          <p:attrName>style.visibility</p:attrName>
+                                        </p:attrNameLst>
+                                      </p:cBhvr>
+                                      <p:to>
+                                        <p:strVal val="visible"/>
+                                      </p:to>
+                                    </p:set>
+                                  </p:childTnLst>
+                                </p:cTn>
+                              </p:par>
+                            </p:childTnLst>
+                          </p:cTn>
+                        </p:par>
+                      </p:childTnLst>
+                    </p:cTn>
+                  </p:par>
+                  <p:par>
+                    <p:cTn id="7" fill="hold">
+                      <p:stCondLst>
+                        <p:cond delay="indefinite"/>
+                      </p:stCondLst>
+                      <p:childTnLst>
+                        <p:par>
+                          <p:cTn id="8" fill="hold">
+                            <p:stCondLst>
+                              <p:cond delay="0"/>
+                            </p:stCondLst>
+                            <p:childTnLst>
+                              <p:par>
+                                <p:cTn id="9" presetID="1" presetClass="entr" presetSubtype="0" fill="hold" grpId="0" nodeType="clickEffect">
+                                  <p:stCondLst>
+                                    <p:cond delay="0"/>
+                                  </p:stCondLst>
+                                  <p:childTnLst>
+                                    <p:set>
+                                      <p:cBhvr>
+                                        <p:cTn id="10" dur="1" fill="hold">
+                                          <p:stCondLst>
+                                            <p:cond delay="0"/>
+                                          </p:stCondLst>
+                                        </p:cTn>
+                                        <p:tgtEl>
+                                          <p:spTgt spid="3">
+                                            <p:txEl>
+                                              <p:pRg st="1" end="1"/>
+                                            </p:txEl>
+                                          </p:spTgt>
+                                        </p:tgtEl>
+                                        <p:attrNameLst>
+                                          <p:attrName>style.visibility</p:attrName>
+                                        </p:attrNameLst>
+                                      </p:cBhvr>
+                                      <p:to>
+                                        <p:strVal val="visible"/>
+                                      </p:to>
+                                    </p:set>
+                                  </p:childTnLst>
+                                </p:cTn>
+                              </p:par>
+                            </p:childTnLst>
+                          </p:cTn>
+                        </p:par>
+                      </p:childTnLst>
+                    </p:cTn>
+                  </p:par>
+                  <p:par>
+                    <p:cTn id="11" fill="hold">
+                      <p:stCondLst>
+                        <p:cond delay="indefinite"/>
+                      </p:stCondLst>
+                      <p:childTnLst>
+                        <p:par>
+                          <p:cTn id="12" fill="hold">
+                            <p:stCondLst>
+                              <p:cond delay="0"/>
+                            </p:stCondLst>
+                            <p:childTnLst>
+                              <p:par>
+                                <p:cTn id="13" presetID="1" presetClass="entr" presetSubtype="0" fill="hold" grpId="0" nodeType="clickEffect">
+                                  <p:stCondLst>
+                                    <p:cond delay="0"/>
+                                  </p:stCondLst>
+                                  <p:childTnLst>
+                                    <p:set>
+                                      <p:cBhvr>
+                                        <p:cTn id="14" dur="1" fill="hold">
+                                          <p:stCondLst>
+                                            <p:cond delay="0"/>
+                                          </p:stCondLst>
+                                        </p:cTn>
+                                        <p:tgtEl>
+                                          <p:spTgt spid="3">
+                                            <p:txEl>
+                                              <p:pRg st="2" end="2"/>
+                                            </p:txEl>
+                                          </p:spTgt>
+                                        </p:tgtEl>
+                                        <p:attrNameLst>
+                                          <p:attrName>style.visibility</p:attrName>
+                                        </p:attrNameLst>
+                                      </p:cBhvr>
+                                      <p:to>
+                                        <p:strVal val="visible"/>
+                                      </p:to>
+                                    </p:set>
+                                  </p:childTnLst>
+                                </p:cTn>
+                              </p:par>
+                            </p:childTnLst>
+                          </p:cTn>
+                        </p:par>
+                      </p:childTnLst>
+                    </p:cTn>
+                  </p:par>
+                  <p:par>
+                    <p:cTn id="15" fill="hold">
+                      <p:stCondLst>
+                        <p:cond delay="indefinite"/>
+                      </p:stCondLst>
+                      <p:childTnLst>
+                        <p:par>
+                          <p:cTn id="16" fill="hold">
+                            <p:stCondLst>
+                              <p:cond delay="0"/>
+                            </p:stCondLst>
+                            <p:childTnLst>
+                              <p:par>
+                                <p:cTn id="17" presetID="1" presetClass="entr" presetSubtype="0" fill="hold" grpId="0" nodeType="clickEffect">
+                                  <p:stCondLst>
+                                    <p:cond delay="0"/>
+                                  </p:stCondLst>
+                                  <p:childTnLst>
+                                    <p:set>
+                                      <p:cBhvr>
+                                        <p:cTn id="18" dur="1" fill="hold">
+                                          <p:stCondLst>
+                                            <p:cond delay="0"/>
+                                          </p:stCondLst>
+                                        </p:cTn>
+                                        <p:tgtEl>
+                                          <p:spTgt spid="3">
+                                            <p:txEl>
+                                              <p:pRg st="3" end="3"/>
+                                            </p:txEl>
+                                          </p:spTgt>
+                                        </p:tgtEl>
+                                        <p:attrNameLst>
+                                          <p:attrName>style.visibility</p:attrName>
+                                        </p:attrNameLst>
+                                      </p:cBhvr>
+                                      <p:to>
+                                        <p:strVal val="visible"/>
+                                      </p:to>
+                                    </p:set>
+                                  </p:childTnLst>
+                                </p:cTn>
+                              </p:par>
+                            </p:childTnLst>
+                          </p:cTn>
+                        </p:par>
+                      </p:childTnLst>
+                    </p:cTn>
+                  </p:par>
+                  <p:par>
+                    <p:cTn id="19" fill="hold">
+                      <p:stCondLst>
+                        <p:cond delay="indefinite"/>
+                      </p:stCondLst>
+                      <p:childTnLst>
+                        <p:par>
+                          <p:cTn id="20" fill="hold">
+                            <p:stCondLst>
+                              <p:cond delay="0"/>
+                            </p:stCondLst>
+                            <p:childTnLst>
+                              <p:par>
+                                <p:cTn id="21" presetID="1" presetClass="entr" presetSubtype="0" fill="hold" grpId="0" nodeType="clickEffect">
+                                  <p:stCondLst>
+                                    <p:cond delay="0"/>
+                                  </p:stCondLst>
+                                  <p:childTnLst>
+                                    <p:set>
+                                      <p:cBhvr>
+                                        <p:cTn id="22" dur="1" fill="hold">
+                                          <p:stCondLst>
+                                            <p:cond delay="0"/>
+                                          </p:stCondLst>
+                                        </p:cTn>
+                                        <p:tgtEl>
+                                          <p:spTgt spid="3">
+                                            <p:txEl>
+                                              <p:pRg st="4" end="4"/>
+                                            </p:txEl>
+                                          </p:spTgt>
+                                        </p:tgtEl>
+                                        <p:attrNameLst>
+                                          <p:attrName>style.visibility</p:attrName>
+                                        </p:attrNameLst>
+                                      </p:cBhvr>
+                                      <p:to>
+                                        <p:strVal val="visible"/>
+                                      </p:to>
+                                    </p:set>
+                                  </p:childTnLst>
+                                </p:cTn>
+                              </p:par>
+                              <p:par>
+                                <p:cTn id="23" presetID="1" presetClass="entr" presetSubtype="0" fill="hold" grpId="0" nodeType="withEffect">
+                                  <p:stCondLst>
+                                    <p:cond delay="0"/>
+                                  </p:stCondLst>
+                                  <p:childTnLst>
+                                    <p:set>
+                                      <p:cBhvr>
+                                        <p:cTn id="24" dur="1" fill="hold">
+                                          <p:stCondLst>
+                                            <p:cond delay="0"/>
+                                          </p:stCondLst>
+                                        </p:cTn>
+                                        <p:tgtEl>
+                                          <p:spTgt spid="3">
+                                            <p:txEl>
+                                              <p:pRg st="5" end="5"/>
+                                            </p:txEl>
+                                          </p:spTgt>
+                                        </p:tgtEl>
+                                        <p:attrNameLst>
+                                          <p:attrName>style.visibility</p:attrName>
+                                        </p:attrNameLst>
+                                      </p:cBhvr>
+                                      <p:to>
+                                        <p:strVal val="visible"/>
+                                      </p:to>
+                                    </p:set>
+                                  </p:childTnLst>
+                                </p:cTn>
+                              </p:par>
+                            </p:childTnLst>
+                          </p:cTn>
+                        </p:par>
+                      </p:childTnLst>
+                    </p:cTn>
+                  </p:par>
+                  <p:par>
+                    <p:cTn id="25" fill="hold">
+                      <p:stCondLst>
+                        <p:cond delay="indefinite"/>
+                      </p:stCondLst>
+                      <p:childTnLst>
+                        <p:par>
+                          <p:cTn id="26" fill="hold">
+                            <p:stCondLst>
+                              <p:cond delay="0"/>
+                            </p:stCondLst>
+                            <p:childTnLst>
+                              <p:par>
+                                <p:cTn id="27" presetID="1" presetClass="entr" presetSubtype="0" fill="hold" grpId="0" nodeType="clickEffect">
+                                  <p:stCondLst>
+                                    <p:cond delay="0"/>
+                                  </p:stCondLst>
+                                  <p:childTnLst>
+                                    <p:set>
+                                      <p:cBhvr>
+                                        <p:cTn id="28" dur="1" fill="hold">
+                                          <p:stCondLst>
+                                            <p:cond delay="0"/>
+                                          </p:stCondLst>
+                                        </p:cTn>
+                                        <p:tgtEl>
+                                          <p:spTgt spid="3">
+                                            <p:txEl>
+                                              <p:pRg st="6" end="6"/>
+                                            </p:txEl>
+                                          </p:spTgt>
+                                        </p:tgtEl>
+                                        <p:attrNameLst>
+                                          <p:attrName>style.visibility</p:attrName>
+                                        </p:attrNameLst>
+                                      </p:cBhvr>
+                                      <p:to>
+                                        <p:strVal val="visible"/>
+                                      </p:to>
+                                    </p:set>
+                                  </p:childTnLst>
+                                </p:cTn>
+                              </p:par>
+                            </p:childTnLst>
+                          </p:cTn>
+                        </p:par>
+                      </p:childTnLst>
+                    </p:cTn>
+                  </p:par>
+                </p:childTnLst>
+              </p:cTn>
+              <p:prevCondLst>
+                <p:cond evt="onPrev" delay="0">
+                  <p:tgtEl>
+                    <p:sldTgt/>
+                  </p:tgtEl>
+                </p:cond>
+              </p:prevCondLst>
+              <p:nextCondLst>
+                <p:cond evt="onNext" delay="0">
+                  <p:tgtEl>
+                    <p:sldTgt/>
+                  </p:tgtEl>
+                </p:cond>
+              </p:nextCondLst>
+            </p:seq>
+          </p:childTnLst>
+        </p:cTn>
       </p:par>
     </p:tnLst>
+    <p:bldLst>
+      <p:bldP spid="3" grpId="0" uiExpand="1" build="p"/>
+    </p:bldLst>
   </p:timing>
 </p:sld>
 </file>

--- a/Python/python_gis.pptx
+++ b/Python/python_gis.pptx
@@ -5,7 +5,7 @@
     <p:sldMasterId id="2147483672" r:id="rId1"/>
   </p:sldMasterIdLst>
   <p:notesMasterIdLst>
-    <p:notesMasterId r:id="rId12"/>
+    <p:notesMasterId r:id="rId13"/>
   </p:notesMasterIdLst>
   <p:sldIdLst>
     <p:sldId id="256" r:id="rId2"/>
@@ -17,7 +17,8 @@
     <p:sldId id="270" r:id="rId8"/>
     <p:sldId id="271" r:id="rId9"/>
     <p:sldId id="272" r:id="rId10"/>
-    <p:sldId id="265" r:id="rId11"/>
+    <p:sldId id="273" r:id="rId11"/>
+    <p:sldId id="265" r:id="rId12"/>
   </p:sldIdLst>
   <p:sldSz cx="9144000" cy="6858000" type="screen4x3"/>
   <p:notesSz cx="6858000" cy="9144000"/>
@@ -4021,7 +4022,7 @@
           <a:p>
             <a:r>
               <a:rPr lang="en-US" dirty="0" smtClean="0"/>
-              <a:t>Further reading</a:t>
+              <a:t>Shapely spatial analysis</a:t>
             </a:r>
             <a:endParaRPr lang="en-US" dirty="0"/>
           </a:p>
@@ -4043,80 +4044,71 @@
           <a:lstStyle/>
           <a:p>
             <a:r>
-              <a:rPr lang="en-US" dirty="0" smtClean="0"/>
-              <a:t>Fiona manual</a:t>
-            </a:r>
-            <a:r>
-              <a:rPr lang="en-US" dirty="0"/>
-              <a:t/>
-            </a:r>
-            <a:br>
-              <a:rPr lang="en-US" dirty="0"/>
-            </a:br>
-            <a:r>
-              <a:rPr lang="en-US" sz="2000" dirty="0">
-                <a:hlinkClick r:id="rId2"/>
-              </a:rPr>
-              <a:t>http://</a:t>
-            </a:r>
-            <a:r>
-              <a:rPr lang="en-US" sz="2000" dirty="0" smtClean="0">
-                <a:hlinkClick r:id="rId2"/>
-              </a:rPr>
-              <a:t>toblerity.org/fiona/index.html</a:t>
-            </a:r>
-            <a:endParaRPr lang="en-US" sz="2000" dirty="0" smtClean="0"/>
-          </a:p>
-          <a:p>
-            <a:r>
-              <a:rPr lang="en-US" dirty="0"/>
-              <a:t>Folium manual</a:t>
-            </a:r>
-            <a:br>
-              <a:rPr lang="en-US" dirty="0"/>
-            </a:br>
-            <a:r>
-              <a:rPr lang="en-US" sz="2000" dirty="0">
-                <a:hlinkClick r:id="rId3"/>
-              </a:rPr>
-              <a:t>http://python-visualization.github.io/folium/docs-master</a:t>
-            </a:r>
-            <a:r>
-              <a:rPr lang="en-US" sz="2000" dirty="0" smtClean="0">
-                <a:hlinkClick r:id="rId3"/>
-              </a:rPr>
-              <a:t>/</a:t>
-            </a:r>
-            <a:r>
-              <a:rPr lang="en-US" sz="2000" dirty="0" smtClean="0"/>
-              <a:t> </a:t>
-            </a:r>
-            <a:endParaRPr lang="en-US" dirty="0"/>
-          </a:p>
-          <a:p>
-            <a:r>
-              <a:rPr lang="en-US" dirty="0" smtClean="0"/>
-              <a:t>Shapely manual</a:t>
-            </a:r>
-            <a:br>
-              <a:rPr lang="en-US" dirty="0" smtClean="0"/>
-            </a:br>
-            <a:r>
-              <a:rPr lang="en-US" sz="2000" dirty="0">
-                <a:hlinkClick r:id="rId4"/>
-              </a:rPr>
-              <a:t>https://shapely.readthedocs.io/en/latest</a:t>
-            </a:r>
-            <a:r>
-              <a:rPr lang="en-US" sz="2000" dirty="0" smtClean="0">
-                <a:hlinkClick r:id="rId4"/>
-              </a:rPr>
-              <a:t>/</a:t>
-            </a:r>
-            <a:endParaRPr lang="en-US" sz="2000" dirty="0" smtClean="0"/>
-          </a:p>
-          <a:p>
-            <a:endParaRPr lang="en-US" dirty="0" smtClean="0"/>
+              <a:rPr lang="en-US" dirty="0" err="1" smtClean="0">
+                <a:latin typeface="Courier New" panose="02070309020205020404" pitchFamily="49" charset="0"/>
+                <a:cs typeface="Courier New" panose="02070309020205020404" pitchFamily="49" charset="0"/>
+              </a:rPr>
+              <a:t>a.intersection</a:t>
+            </a:r>
+            <a:r>
+              <a:rPr lang="en-US" dirty="0" smtClean="0">
+                <a:latin typeface="Courier New" panose="02070309020205020404" pitchFamily="49" charset="0"/>
+                <a:cs typeface="Courier New" panose="02070309020205020404" pitchFamily="49" charset="0"/>
+              </a:rPr>
+              <a:t>(b)</a:t>
+            </a:r>
+          </a:p>
+          <a:p>
+            <a:r>
+              <a:rPr lang="en-US" dirty="0" err="1" smtClean="0">
+                <a:latin typeface="Courier New" panose="02070309020205020404" pitchFamily="49" charset="0"/>
+                <a:cs typeface="Courier New" panose="02070309020205020404" pitchFamily="49" charset="0"/>
+              </a:rPr>
+              <a:t>a.union</a:t>
+            </a:r>
+            <a:r>
+              <a:rPr lang="en-US" dirty="0" smtClean="0">
+                <a:latin typeface="Courier New" panose="02070309020205020404" pitchFamily="49" charset="0"/>
+                <a:cs typeface="Courier New" panose="02070309020205020404" pitchFamily="49" charset="0"/>
+              </a:rPr>
+              <a:t>(b)</a:t>
+            </a:r>
+          </a:p>
+          <a:p>
+            <a:r>
+              <a:rPr lang="en-US" dirty="0" err="1" smtClean="0">
+                <a:latin typeface="Courier New" panose="02070309020205020404" pitchFamily="49" charset="0"/>
+                <a:cs typeface="Courier New" panose="02070309020205020404" pitchFamily="49" charset="0"/>
+              </a:rPr>
+              <a:t>a.difference</a:t>
+            </a:r>
+            <a:r>
+              <a:rPr lang="en-US" dirty="0" smtClean="0">
+                <a:latin typeface="Courier New" panose="02070309020205020404" pitchFamily="49" charset="0"/>
+                <a:cs typeface="Courier New" panose="02070309020205020404" pitchFamily="49" charset="0"/>
+              </a:rPr>
+              <a:t>(b)</a:t>
+            </a:r>
+          </a:p>
+          <a:p>
+            <a:r>
+              <a:rPr lang="en-US" dirty="0" err="1" smtClean="0">
+                <a:latin typeface="Courier New" panose="02070309020205020404" pitchFamily="49" charset="0"/>
+                <a:cs typeface="Courier New" panose="02070309020205020404" pitchFamily="49" charset="0"/>
+              </a:rPr>
+              <a:t>a.symmetric_difference</a:t>
+            </a:r>
+            <a:r>
+              <a:rPr lang="en-US" dirty="0" smtClean="0">
+                <a:latin typeface="Courier New" panose="02070309020205020404" pitchFamily="49" charset="0"/>
+                <a:cs typeface="Courier New" panose="02070309020205020404" pitchFamily="49" charset="0"/>
+              </a:rPr>
+              <a:t>(b)</a:t>
+            </a:r>
+            <a:endParaRPr lang="en-US" dirty="0">
+              <a:latin typeface="Courier New" panose="02070309020205020404" pitchFamily="49" charset="0"/>
+              <a:cs typeface="Courier New" panose="02070309020205020404" pitchFamily="49" charset="0"/>
+            </a:endParaRPr>
           </a:p>
         </p:txBody>
       </p:sp>
@@ -4145,6 +4137,734 @@
               </a:rPr>
               <a:pPr/>
               <a:t>10</a:t>
+            </a:fld>
+            <a:endParaRPr lang="nl-BE">
+              <a:solidFill>
+                <a:prstClr val="black">
+                  <a:tint val="75000"/>
+                </a:prstClr>
+              </a:solidFill>
+            </a:endParaRPr>
+          </a:p>
+        </p:txBody>
+      </p:sp>
+      <p:sp>
+        <p:nvSpPr>
+          <p:cNvPr id="5" name="TextBox 4"/>
+          <p:cNvSpPr txBox="1"/>
+          <p:nvPr/>
+        </p:nvSpPr>
+        <p:spPr>
+          <a:xfrm>
+            <a:off x="5947507" y="2104845"/>
+            <a:ext cx="2054793" cy="954107"/>
+          </a:xfrm>
+          <a:prstGeom prst="rect">
+            <a:avLst/>
+          </a:prstGeom>
+          <a:noFill/>
+          <a:ln>
+            <a:solidFill>
+              <a:schemeClr val="tx1"/>
+            </a:solidFill>
+          </a:ln>
+        </p:spPr>
+        <p:txBody>
+          <a:bodyPr wrap="none" rtlCol="0">
+            <a:spAutoFit/>
+          </a:bodyPr>
+          <a:lstStyle/>
+          <a:p>
+            <a:r>
+              <a:rPr lang="en-US" sz="2800" dirty="0" smtClean="0"/>
+              <a:t>Set theoretic</a:t>
+            </a:r>
+            <a:br>
+              <a:rPr lang="en-US" sz="2800" dirty="0" smtClean="0"/>
+            </a:br>
+            <a:r>
+              <a:rPr lang="en-US" sz="2800" dirty="0" smtClean="0"/>
+              <a:t>operations</a:t>
+            </a:r>
+            <a:endParaRPr lang="en-US" sz="2800" dirty="0"/>
+          </a:p>
+        </p:txBody>
+      </p:sp>
+      <p:sp>
+        <p:nvSpPr>
+          <p:cNvPr id="6" name="TextBox 5"/>
+          <p:cNvSpPr txBox="1"/>
+          <p:nvPr/>
+        </p:nvSpPr>
+        <p:spPr>
+          <a:xfrm>
+            <a:off x="397351" y="4287328"/>
+            <a:ext cx="8289449" cy="400110"/>
+          </a:xfrm>
+          <a:prstGeom prst="rect">
+            <a:avLst/>
+          </a:prstGeom>
+          <a:noFill/>
+        </p:spPr>
+        <p:txBody>
+          <a:bodyPr wrap="none" rtlCol="0">
+            <a:spAutoFit/>
+          </a:bodyPr>
+          <a:lstStyle/>
+          <a:p>
+            <a:r>
+              <a:rPr lang="en-US" sz="2000" dirty="0" smtClean="0">
+                <a:latin typeface="Courier New" panose="02070309020205020404" pitchFamily="49" charset="0"/>
+                <a:cs typeface="Courier New" panose="02070309020205020404" pitchFamily="49" charset="0"/>
+              </a:rPr>
+              <a:t>a</a:t>
+            </a:r>
+            <a:r>
+              <a:rPr lang="en-US" sz="2000" dirty="0"/>
+              <a:t> </a:t>
+            </a:r>
+            <a:r>
+              <a:rPr lang="en-US" sz="2000" dirty="0">
+                <a:sym typeface="Symbol" panose="05050102010706020507" pitchFamily="18" charset="2"/>
+              </a:rPr>
+              <a:t></a:t>
+            </a:r>
+            <a:r>
+              <a:rPr lang="en-US" sz="2000" dirty="0"/>
+              <a:t> </a:t>
+            </a:r>
+            <a:r>
+              <a:rPr lang="en-US" sz="2000" dirty="0" err="1" smtClean="0">
+                <a:latin typeface="Courier New" panose="02070309020205020404" pitchFamily="49" charset="0"/>
+                <a:cs typeface="Courier New" panose="02070309020205020404" pitchFamily="49" charset="0"/>
+              </a:rPr>
+              <a:t>a.intersection</a:t>
+            </a:r>
+            <a:r>
+              <a:rPr lang="en-US" sz="2000" dirty="0" smtClean="0">
+                <a:latin typeface="Courier New" panose="02070309020205020404" pitchFamily="49" charset="0"/>
+                <a:cs typeface="Courier New" panose="02070309020205020404" pitchFamily="49" charset="0"/>
+              </a:rPr>
+              <a:t>(b).union(</a:t>
+            </a:r>
+            <a:r>
+              <a:rPr lang="en-US" sz="2000" dirty="0" err="1" smtClean="0">
+                <a:latin typeface="Courier New" panose="02070309020205020404" pitchFamily="49" charset="0"/>
+                <a:cs typeface="Courier New" panose="02070309020205020404" pitchFamily="49" charset="0"/>
+              </a:rPr>
+              <a:t>a.symmetric_difference</a:t>
+            </a:r>
+            <a:r>
+              <a:rPr lang="en-US" sz="2000" dirty="0" smtClean="0">
+                <a:latin typeface="Courier New" panose="02070309020205020404" pitchFamily="49" charset="0"/>
+                <a:cs typeface="Courier New" panose="02070309020205020404" pitchFamily="49" charset="0"/>
+              </a:rPr>
+              <a:t>(b))</a:t>
+            </a:r>
+            <a:endParaRPr lang="en-US" sz="2000" dirty="0">
+              <a:latin typeface="Courier New" panose="02070309020205020404" pitchFamily="49" charset="0"/>
+              <a:cs typeface="Courier New" panose="02070309020205020404" pitchFamily="49" charset="0"/>
+            </a:endParaRPr>
+          </a:p>
+        </p:txBody>
+      </p:sp>
+      <p:sp>
+        <p:nvSpPr>
+          <p:cNvPr id="7" name="TextBox 6"/>
+          <p:cNvSpPr txBox="1"/>
+          <p:nvPr/>
+        </p:nvSpPr>
+        <p:spPr>
+          <a:xfrm>
+            <a:off x="457200" y="5015731"/>
+            <a:ext cx="7366119" cy="707886"/>
+          </a:xfrm>
+          <a:prstGeom prst="rect">
+            <a:avLst/>
+          </a:prstGeom>
+          <a:noFill/>
+        </p:spPr>
+        <p:txBody>
+          <a:bodyPr wrap="none" rtlCol="0">
+            <a:spAutoFit/>
+          </a:bodyPr>
+          <a:lstStyle/>
+          <a:p>
+            <a:r>
+              <a:rPr lang="en-US" sz="2000" dirty="0" err="1">
+                <a:latin typeface="Courier New" panose="02070309020205020404" pitchFamily="49" charset="0"/>
+                <a:cs typeface="Courier New" panose="02070309020205020404" pitchFamily="49" charset="0"/>
+              </a:rPr>
+              <a:t>a.symmetric_difference</a:t>
+            </a:r>
+            <a:r>
+              <a:rPr lang="en-US" sz="2000" dirty="0">
+                <a:latin typeface="Courier New" panose="02070309020205020404" pitchFamily="49" charset="0"/>
+                <a:cs typeface="Courier New" panose="02070309020205020404" pitchFamily="49" charset="0"/>
+              </a:rPr>
+              <a:t>(b</a:t>
+            </a:r>
+            <a:r>
+              <a:rPr lang="en-US" sz="2000" dirty="0" smtClean="0">
+                <a:latin typeface="Courier New" panose="02070309020205020404" pitchFamily="49" charset="0"/>
+                <a:cs typeface="Courier New" panose="02070309020205020404" pitchFamily="49" charset="0"/>
+              </a:rPr>
+              <a:t>)</a:t>
+            </a:r>
+            <a:br>
+              <a:rPr lang="en-US" sz="2000" dirty="0" smtClean="0">
+                <a:latin typeface="Courier New" panose="02070309020205020404" pitchFamily="49" charset="0"/>
+                <a:cs typeface="Courier New" panose="02070309020205020404" pitchFamily="49" charset="0"/>
+              </a:rPr>
+            </a:br>
+            <a:r>
+              <a:rPr lang="en-US" sz="2000" dirty="0" smtClean="0">
+                <a:latin typeface="Courier New" panose="02070309020205020404" pitchFamily="49" charset="0"/>
+                <a:cs typeface="Courier New" panose="02070309020205020404" pitchFamily="49" charset="0"/>
+              </a:rPr>
+              <a:t>       </a:t>
+            </a:r>
+            <a:r>
+              <a:rPr lang="en-US" sz="2000" dirty="0" smtClean="0"/>
+              <a:t> </a:t>
+            </a:r>
+            <a:r>
+              <a:rPr lang="en-US" sz="2000" dirty="0">
+                <a:sym typeface="Symbol" panose="05050102010706020507" pitchFamily="18" charset="2"/>
+              </a:rPr>
+              <a:t></a:t>
+            </a:r>
+            <a:r>
+              <a:rPr lang="en-US" sz="2000" dirty="0"/>
+              <a:t> </a:t>
+            </a:r>
+            <a:r>
+              <a:rPr lang="en-US" sz="2000" dirty="0" err="1" smtClean="0">
+                <a:latin typeface="Courier New" panose="02070309020205020404" pitchFamily="49" charset="0"/>
+                <a:cs typeface="Courier New" panose="02070309020205020404" pitchFamily="49" charset="0"/>
+              </a:rPr>
+              <a:t>a.difference</a:t>
+            </a:r>
+            <a:r>
+              <a:rPr lang="en-US" sz="2000" dirty="0" smtClean="0">
+                <a:latin typeface="Courier New" panose="02070309020205020404" pitchFamily="49" charset="0"/>
+                <a:cs typeface="Courier New" panose="02070309020205020404" pitchFamily="49" charset="0"/>
+              </a:rPr>
+              <a:t>(b).union(</a:t>
+            </a:r>
+            <a:r>
+              <a:rPr lang="en-US" sz="2000" dirty="0" err="1" smtClean="0">
+                <a:latin typeface="Courier New" panose="02070309020205020404" pitchFamily="49" charset="0"/>
+                <a:cs typeface="Courier New" panose="02070309020205020404" pitchFamily="49" charset="0"/>
+              </a:rPr>
+              <a:t>b.difference</a:t>
+            </a:r>
+            <a:r>
+              <a:rPr lang="en-US" sz="2000" dirty="0" smtClean="0">
+                <a:latin typeface="Courier New" panose="02070309020205020404" pitchFamily="49" charset="0"/>
+                <a:cs typeface="Courier New" panose="02070309020205020404" pitchFamily="49" charset="0"/>
+              </a:rPr>
+              <a:t>(a))</a:t>
+            </a:r>
+            <a:endParaRPr lang="en-US" sz="2000" dirty="0">
+              <a:latin typeface="Courier New" panose="02070309020205020404" pitchFamily="49" charset="0"/>
+              <a:cs typeface="Courier New" panose="02070309020205020404" pitchFamily="49" charset="0"/>
+            </a:endParaRPr>
+          </a:p>
+        </p:txBody>
+      </p:sp>
+    </p:spTree>
+    <p:extLst>
+      <p:ext uri="{BB962C8B-B14F-4D97-AF65-F5344CB8AC3E}">
+        <p14:creationId xmlns:p14="http://schemas.microsoft.com/office/powerpoint/2010/main" val="3716621734"/>
+      </p:ext>
+    </p:extLst>
+  </p:cSld>
+  <p:clrMapOvr>
+    <a:masterClrMapping/>
+  </p:clrMapOvr>
+  <p:timing>
+    <p:tnLst>
+      <p:par>
+        <p:cTn id="1" dur="indefinite" restart="never" nodeType="tmRoot">
+          <p:childTnLst>
+            <p:seq concurrent="1" nextAc="seek">
+              <p:cTn id="2" dur="indefinite" nodeType="mainSeq">
+                <p:childTnLst>
+                  <p:par>
+                    <p:cTn id="3" fill="hold">
+                      <p:stCondLst>
+                        <p:cond delay="indefinite"/>
+                      </p:stCondLst>
+                      <p:childTnLst>
+                        <p:par>
+                          <p:cTn id="4" fill="hold">
+                            <p:stCondLst>
+                              <p:cond delay="0"/>
+                            </p:stCondLst>
+                            <p:childTnLst>
+                              <p:par>
+                                <p:cTn id="5" presetID="1" presetClass="entr" presetSubtype="0" fill="hold" grpId="0" nodeType="clickEffect">
+                                  <p:stCondLst>
+                                    <p:cond delay="0"/>
+                                  </p:stCondLst>
+                                  <p:childTnLst>
+                                    <p:set>
+                                      <p:cBhvr>
+                                        <p:cTn id="6" dur="1" fill="hold">
+                                          <p:stCondLst>
+                                            <p:cond delay="0"/>
+                                          </p:stCondLst>
+                                        </p:cTn>
+                                        <p:tgtEl>
+                                          <p:spTgt spid="3">
+                                            <p:txEl>
+                                              <p:pRg st="0" end="0"/>
+                                            </p:txEl>
+                                          </p:spTgt>
+                                        </p:tgtEl>
+                                        <p:attrNameLst>
+                                          <p:attrName>style.visibility</p:attrName>
+                                        </p:attrNameLst>
+                                      </p:cBhvr>
+                                      <p:to>
+                                        <p:strVal val="visible"/>
+                                      </p:to>
+                                    </p:set>
+                                  </p:childTnLst>
+                                </p:cTn>
+                              </p:par>
+                            </p:childTnLst>
+                          </p:cTn>
+                        </p:par>
+                      </p:childTnLst>
+                    </p:cTn>
+                  </p:par>
+                  <p:par>
+                    <p:cTn id="7" fill="hold">
+                      <p:stCondLst>
+                        <p:cond delay="indefinite"/>
+                      </p:stCondLst>
+                      <p:childTnLst>
+                        <p:par>
+                          <p:cTn id="8" fill="hold">
+                            <p:stCondLst>
+                              <p:cond delay="0"/>
+                            </p:stCondLst>
+                            <p:childTnLst>
+                              <p:par>
+                                <p:cTn id="9" presetID="1" presetClass="entr" presetSubtype="0" fill="hold" grpId="0" nodeType="clickEffect">
+                                  <p:stCondLst>
+                                    <p:cond delay="0"/>
+                                  </p:stCondLst>
+                                  <p:childTnLst>
+                                    <p:set>
+                                      <p:cBhvr>
+                                        <p:cTn id="10" dur="1" fill="hold">
+                                          <p:stCondLst>
+                                            <p:cond delay="0"/>
+                                          </p:stCondLst>
+                                        </p:cTn>
+                                        <p:tgtEl>
+                                          <p:spTgt spid="3">
+                                            <p:txEl>
+                                              <p:pRg st="1" end="1"/>
+                                            </p:txEl>
+                                          </p:spTgt>
+                                        </p:tgtEl>
+                                        <p:attrNameLst>
+                                          <p:attrName>style.visibility</p:attrName>
+                                        </p:attrNameLst>
+                                      </p:cBhvr>
+                                      <p:to>
+                                        <p:strVal val="visible"/>
+                                      </p:to>
+                                    </p:set>
+                                  </p:childTnLst>
+                                </p:cTn>
+                              </p:par>
+                            </p:childTnLst>
+                          </p:cTn>
+                        </p:par>
+                      </p:childTnLst>
+                    </p:cTn>
+                  </p:par>
+                  <p:par>
+                    <p:cTn id="11" fill="hold">
+                      <p:stCondLst>
+                        <p:cond delay="indefinite"/>
+                      </p:stCondLst>
+                      <p:childTnLst>
+                        <p:par>
+                          <p:cTn id="12" fill="hold">
+                            <p:stCondLst>
+                              <p:cond delay="0"/>
+                            </p:stCondLst>
+                            <p:childTnLst>
+                              <p:par>
+                                <p:cTn id="13" presetID="1" presetClass="entr" presetSubtype="0" fill="hold" grpId="0" nodeType="clickEffect">
+                                  <p:stCondLst>
+                                    <p:cond delay="0"/>
+                                  </p:stCondLst>
+                                  <p:childTnLst>
+                                    <p:set>
+                                      <p:cBhvr>
+                                        <p:cTn id="14" dur="1" fill="hold">
+                                          <p:stCondLst>
+                                            <p:cond delay="0"/>
+                                          </p:stCondLst>
+                                        </p:cTn>
+                                        <p:tgtEl>
+                                          <p:spTgt spid="3">
+                                            <p:txEl>
+                                              <p:pRg st="2" end="2"/>
+                                            </p:txEl>
+                                          </p:spTgt>
+                                        </p:tgtEl>
+                                        <p:attrNameLst>
+                                          <p:attrName>style.visibility</p:attrName>
+                                        </p:attrNameLst>
+                                      </p:cBhvr>
+                                      <p:to>
+                                        <p:strVal val="visible"/>
+                                      </p:to>
+                                    </p:set>
+                                  </p:childTnLst>
+                                </p:cTn>
+                              </p:par>
+                            </p:childTnLst>
+                          </p:cTn>
+                        </p:par>
+                      </p:childTnLst>
+                    </p:cTn>
+                  </p:par>
+                  <p:par>
+                    <p:cTn id="15" fill="hold">
+                      <p:stCondLst>
+                        <p:cond delay="indefinite"/>
+                      </p:stCondLst>
+                      <p:childTnLst>
+                        <p:par>
+                          <p:cTn id="16" fill="hold">
+                            <p:stCondLst>
+                              <p:cond delay="0"/>
+                            </p:stCondLst>
+                            <p:childTnLst>
+                              <p:par>
+                                <p:cTn id="17" presetID="1" presetClass="entr" presetSubtype="0" fill="hold" grpId="0" nodeType="clickEffect">
+                                  <p:stCondLst>
+                                    <p:cond delay="0"/>
+                                  </p:stCondLst>
+                                  <p:childTnLst>
+                                    <p:set>
+                                      <p:cBhvr>
+                                        <p:cTn id="18" dur="1" fill="hold">
+                                          <p:stCondLst>
+                                            <p:cond delay="0"/>
+                                          </p:stCondLst>
+                                        </p:cTn>
+                                        <p:tgtEl>
+                                          <p:spTgt spid="3">
+                                            <p:txEl>
+                                              <p:pRg st="3" end="3"/>
+                                            </p:txEl>
+                                          </p:spTgt>
+                                        </p:tgtEl>
+                                        <p:attrNameLst>
+                                          <p:attrName>style.visibility</p:attrName>
+                                        </p:attrNameLst>
+                                      </p:cBhvr>
+                                      <p:to>
+                                        <p:strVal val="visible"/>
+                                      </p:to>
+                                    </p:set>
+                                  </p:childTnLst>
+                                </p:cTn>
+                              </p:par>
+                            </p:childTnLst>
+                          </p:cTn>
+                        </p:par>
+                      </p:childTnLst>
+                    </p:cTn>
+                  </p:par>
+                  <p:par>
+                    <p:cTn id="19" fill="hold">
+                      <p:stCondLst>
+                        <p:cond delay="indefinite"/>
+                      </p:stCondLst>
+                      <p:childTnLst>
+                        <p:par>
+                          <p:cTn id="20" fill="hold">
+                            <p:stCondLst>
+                              <p:cond delay="0"/>
+                            </p:stCondLst>
+                            <p:childTnLst>
+                              <p:par>
+                                <p:cTn id="21" presetID="1" presetClass="entr" presetSubtype="0" fill="hold" grpId="0" nodeType="clickEffect">
+                                  <p:stCondLst>
+                                    <p:cond delay="0"/>
+                                  </p:stCondLst>
+                                  <p:childTnLst>
+                                    <p:set>
+                                      <p:cBhvr>
+                                        <p:cTn id="22" dur="1" fill="hold">
+                                          <p:stCondLst>
+                                            <p:cond delay="0"/>
+                                          </p:stCondLst>
+                                        </p:cTn>
+                                        <p:tgtEl>
+                                          <p:spTgt spid="6"/>
+                                        </p:tgtEl>
+                                        <p:attrNameLst>
+                                          <p:attrName>style.visibility</p:attrName>
+                                        </p:attrNameLst>
+                                      </p:cBhvr>
+                                      <p:to>
+                                        <p:strVal val="visible"/>
+                                      </p:to>
+                                    </p:set>
+                                  </p:childTnLst>
+                                </p:cTn>
+                              </p:par>
+                            </p:childTnLst>
+                          </p:cTn>
+                        </p:par>
+                      </p:childTnLst>
+                    </p:cTn>
+                  </p:par>
+                  <p:par>
+                    <p:cTn id="23" fill="hold">
+                      <p:stCondLst>
+                        <p:cond delay="indefinite"/>
+                      </p:stCondLst>
+                      <p:childTnLst>
+                        <p:par>
+                          <p:cTn id="24" fill="hold">
+                            <p:stCondLst>
+                              <p:cond delay="0"/>
+                            </p:stCondLst>
+                            <p:childTnLst>
+                              <p:par>
+                                <p:cTn id="25" presetID="1" presetClass="entr" presetSubtype="0" fill="hold" grpId="0" nodeType="clickEffect">
+                                  <p:stCondLst>
+                                    <p:cond delay="0"/>
+                                  </p:stCondLst>
+                                  <p:childTnLst>
+                                    <p:set>
+                                      <p:cBhvr>
+                                        <p:cTn id="26" dur="1" fill="hold">
+                                          <p:stCondLst>
+                                            <p:cond delay="0"/>
+                                          </p:stCondLst>
+                                        </p:cTn>
+                                        <p:tgtEl>
+                                          <p:spTgt spid="7"/>
+                                        </p:tgtEl>
+                                        <p:attrNameLst>
+                                          <p:attrName>style.visibility</p:attrName>
+                                        </p:attrNameLst>
+                                      </p:cBhvr>
+                                      <p:to>
+                                        <p:strVal val="visible"/>
+                                      </p:to>
+                                    </p:set>
+                                  </p:childTnLst>
+                                </p:cTn>
+                              </p:par>
+                            </p:childTnLst>
+                          </p:cTn>
+                        </p:par>
+                      </p:childTnLst>
+                    </p:cTn>
+                  </p:par>
+                </p:childTnLst>
+              </p:cTn>
+              <p:prevCondLst>
+                <p:cond evt="onPrev" delay="0">
+                  <p:tgtEl>
+                    <p:sldTgt/>
+                  </p:tgtEl>
+                </p:cond>
+              </p:prevCondLst>
+              <p:nextCondLst>
+                <p:cond evt="onNext" delay="0">
+                  <p:tgtEl>
+                    <p:sldTgt/>
+                  </p:tgtEl>
+                </p:cond>
+              </p:nextCondLst>
+            </p:seq>
+          </p:childTnLst>
+        </p:cTn>
+      </p:par>
+    </p:tnLst>
+    <p:bldLst>
+      <p:bldP spid="3" grpId="0" uiExpand="1" build="p"/>
+      <p:bldP spid="6" grpId="0"/>
+      <p:bldP spid="7" grpId="0"/>
+    </p:bldLst>
+  </p:timing>
+</p:sld>
+</file>
+
+<file path=ppt/slides/slide11.xml><?xml version="1.0" encoding="utf-8"?>
+<p:sld xmlns:a="http://schemas.openxmlformats.org/drawingml/2006/main" xmlns:r="http://schemas.openxmlformats.org/officeDocument/2006/relationships" xmlns:p="http://schemas.openxmlformats.org/presentationml/2006/main">
+  <p:cSld>
+    <p:spTree>
+      <p:nvGrpSpPr>
+        <p:cNvPr id="1" name=""/>
+        <p:cNvGrpSpPr/>
+        <p:nvPr/>
+      </p:nvGrpSpPr>
+      <p:grpSpPr>
+        <a:xfrm>
+          <a:off x="0" y="0"/>
+          <a:ext cx="0" cy="0"/>
+          <a:chOff x="0" y="0"/>
+          <a:chExt cx="0" cy="0"/>
+        </a:xfrm>
+      </p:grpSpPr>
+      <p:sp>
+        <p:nvSpPr>
+          <p:cNvPr id="2" name="Title 1"/>
+          <p:cNvSpPr>
+            <a:spLocks noGrp="1"/>
+          </p:cNvSpPr>
+          <p:nvPr>
+            <p:ph type="title"/>
+          </p:nvPr>
+        </p:nvSpPr>
+        <p:spPr/>
+        <p:txBody>
+          <a:bodyPr/>
+          <a:lstStyle/>
+          <a:p>
+            <a:r>
+              <a:rPr lang="en-US" dirty="0" smtClean="0"/>
+              <a:t>Further reading</a:t>
+            </a:r>
+            <a:endParaRPr lang="en-US" dirty="0"/>
+          </a:p>
+        </p:txBody>
+      </p:sp>
+      <p:sp>
+        <p:nvSpPr>
+          <p:cNvPr id="3" name="Content Placeholder 2"/>
+          <p:cNvSpPr>
+            <a:spLocks noGrp="1"/>
+          </p:cNvSpPr>
+          <p:nvPr>
+            <p:ph idx="1"/>
+          </p:nvPr>
+        </p:nvSpPr>
+        <p:spPr/>
+        <p:txBody>
+          <a:bodyPr/>
+          <a:lstStyle/>
+          <a:p>
+            <a:r>
+              <a:rPr lang="en-US" dirty="0" smtClean="0"/>
+              <a:t>Fiona manual</a:t>
+            </a:r>
+            <a:r>
+              <a:rPr lang="en-US" dirty="0"/>
+              <a:t/>
+            </a:r>
+            <a:br>
+              <a:rPr lang="en-US" dirty="0"/>
+            </a:br>
+            <a:r>
+              <a:rPr lang="en-US" sz="2000" dirty="0">
+                <a:hlinkClick r:id="rId2"/>
+              </a:rPr>
+              <a:t>http://</a:t>
+            </a:r>
+            <a:r>
+              <a:rPr lang="en-US" sz="2000" dirty="0" smtClean="0">
+                <a:hlinkClick r:id="rId2"/>
+              </a:rPr>
+              <a:t>toblerity.org/fiona/index.html</a:t>
+            </a:r>
+            <a:endParaRPr lang="en-US" sz="2000" dirty="0" smtClean="0"/>
+          </a:p>
+          <a:p>
+            <a:r>
+              <a:rPr lang="en-US" dirty="0"/>
+              <a:t>Folium manual</a:t>
+            </a:r>
+            <a:br>
+              <a:rPr lang="en-US" dirty="0"/>
+            </a:br>
+            <a:r>
+              <a:rPr lang="en-US" sz="2000" dirty="0">
+                <a:hlinkClick r:id="rId3"/>
+              </a:rPr>
+              <a:t>http://python-visualization.github.io/folium/docs-master</a:t>
+            </a:r>
+            <a:r>
+              <a:rPr lang="en-US" sz="2000" dirty="0" smtClean="0">
+                <a:hlinkClick r:id="rId3"/>
+              </a:rPr>
+              <a:t>/</a:t>
+            </a:r>
+            <a:r>
+              <a:rPr lang="en-US" sz="2000" dirty="0" smtClean="0"/>
+              <a:t> </a:t>
+            </a:r>
+            <a:endParaRPr lang="en-US" dirty="0"/>
+          </a:p>
+          <a:p>
+            <a:r>
+              <a:rPr lang="en-US" dirty="0" smtClean="0"/>
+              <a:t>Shapely manual</a:t>
+            </a:r>
+            <a:br>
+              <a:rPr lang="en-US" dirty="0" smtClean="0"/>
+            </a:br>
+            <a:r>
+              <a:rPr lang="en-US" sz="2000" dirty="0">
+                <a:hlinkClick r:id="rId4"/>
+              </a:rPr>
+              <a:t>https://shapely.readthedocs.io/en/latest</a:t>
+            </a:r>
+            <a:r>
+              <a:rPr lang="en-US" sz="2000" dirty="0" smtClean="0">
+                <a:hlinkClick r:id="rId4"/>
+              </a:rPr>
+              <a:t>/</a:t>
+            </a:r>
+            <a:endParaRPr lang="en-US" sz="2000" dirty="0" smtClean="0"/>
+          </a:p>
+          <a:p>
+            <a:endParaRPr lang="en-US" dirty="0" smtClean="0"/>
+          </a:p>
+        </p:txBody>
+      </p:sp>
+      <p:sp>
+        <p:nvSpPr>
+          <p:cNvPr id="4" name="Slide Number Placeholder 3"/>
+          <p:cNvSpPr>
+            <a:spLocks noGrp="1"/>
+          </p:cNvSpPr>
+          <p:nvPr>
+            <p:ph type="sldNum" sz="quarter" idx="12"/>
+          </p:nvPr>
+        </p:nvSpPr>
+        <p:spPr/>
+        <p:txBody>
+          <a:bodyPr/>
+          <a:lstStyle/>
+          <a:p>
+            <a:fld id="{5A209D72-2E9D-49B0-8977-41DCCC66C0BB}" type="slidenum">
+              <a:rPr lang="nl-BE" smtClean="0">
+                <a:solidFill>
+                  <a:prstClr val="black">
+                    <a:tint val="75000"/>
+                  </a:prstClr>
+                </a:solidFill>
+              </a:rPr>
+              <a:pPr/>
+              <a:t>11</a:t>
             </a:fld>
             <a:endParaRPr lang="nl-BE">
               <a:solidFill>

--- a/Python/python_gis.pptx
+++ b/Python/python_gis.pptx
@@ -5,7 +5,7 @@
     <p:sldMasterId id="2147483672" r:id="rId1"/>
   </p:sldMasterIdLst>
   <p:notesMasterIdLst>
-    <p:notesMasterId r:id="rId13"/>
+    <p:notesMasterId r:id="rId14"/>
   </p:notesMasterIdLst>
   <p:sldIdLst>
     <p:sldId id="256" r:id="rId2"/>
@@ -18,7 +18,8 @@
     <p:sldId id="271" r:id="rId9"/>
     <p:sldId id="272" r:id="rId10"/>
     <p:sldId id="273" r:id="rId11"/>
-    <p:sldId id="265" r:id="rId12"/>
+    <p:sldId id="274" r:id="rId12"/>
+    <p:sldId id="265" r:id="rId13"/>
   </p:sldIdLst>
   <p:sldSz cx="9144000" cy="6858000" type="screen4x3"/>
   <p:notesSz cx="6858000" cy="9144000"/>
@@ -4022,7 +4023,7 @@
           <a:p>
             <a:r>
               <a:rPr lang="en-US" dirty="0" smtClean="0"/>
-              <a:t>Shapely spatial analysis</a:t>
+              <a:t>Shapely: spatial analysis</a:t>
             </a:r>
             <a:endParaRPr lang="en-US" dirty="0"/>
           </a:p>
@@ -4040,7 +4041,9 @@
         </p:nvSpPr>
         <p:spPr/>
         <p:txBody>
-          <a:bodyPr/>
+          <a:bodyPr>
+            <a:normAutofit fontScale="92500" lnSpcReduction="20000"/>
+          </a:bodyPr>
           <a:lstStyle/>
           <a:p>
             <a:r>
@@ -4105,8 +4108,55 @@
               </a:rPr>
               <a:t>(b)</a:t>
             </a:r>
+          </a:p>
+          <a:p>
             <a:endParaRPr lang="en-US" dirty="0">
               <a:latin typeface="Courier New" panose="02070309020205020404" pitchFamily="49" charset="0"/>
+              <a:cs typeface="Courier New" panose="02070309020205020404" pitchFamily="49" charset="0"/>
+            </a:endParaRPr>
+          </a:p>
+          <a:p>
+            <a:endParaRPr lang="en-US" dirty="0" smtClean="0">
+              <a:latin typeface="Courier New" panose="02070309020205020404" pitchFamily="49" charset="0"/>
+              <a:cs typeface="Courier New" panose="02070309020205020404" pitchFamily="49" charset="0"/>
+            </a:endParaRPr>
+          </a:p>
+          <a:p>
+            <a:endParaRPr lang="en-US" dirty="0">
+              <a:latin typeface="Courier New" panose="02070309020205020404" pitchFamily="49" charset="0"/>
+              <a:cs typeface="Courier New" panose="02070309020205020404" pitchFamily="49" charset="0"/>
+            </a:endParaRPr>
+          </a:p>
+          <a:p>
+            <a:r>
+              <a:rPr lang="en-US" dirty="0" err="1" smtClean="0">
+                <a:latin typeface="Courier New" panose="02070309020205020404" pitchFamily="49" charset="0"/>
+                <a:cs typeface="Courier New" panose="02070309020205020404" pitchFamily="49" charset="0"/>
+              </a:rPr>
+              <a:t>a.boundary</a:t>
+            </a:r>
+            <a:r>
+              <a:rPr lang="en-US" dirty="0" smtClean="0">
+                <a:cs typeface="Courier New" panose="02070309020205020404" pitchFamily="49" charset="0"/>
+              </a:rPr>
+              <a:t>: one dimension less</a:t>
+            </a:r>
+          </a:p>
+          <a:p>
+            <a:r>
+              <a:rPr lang="en-US" dirty="0" err="1" smtClean="0">
+                <a:latin typeface="Courier New" panose="02070309020205020404" pitchFamily="49" charset="0"/>
+                <a:cs typeface="Courier New" panose="02070309020205020404" pitchFamily="49" charset="0"/>
+              </a:rPr>
+              <a:t>a.centroid</a:t>
+            </a:r>
+            <a:r>
+              <a:rPr lang="en-US" dirty="0" smtClean="0">
+                <a:cs typeface="Courier New" panose="02070309020205020404" pitchFamily="49" charset="0"/>
+              </a:rPr>
+              <a:t>: "mean" position</a:t>
+            </a:r>
+            <a:endParaRPr lang="en-US" dirty="0">
               <a:cs typeface="Courier New" panose="02070309020205020404" pitchFamily="49" charset="0"/>
             </a:endParaRPr>
           </a:p>
@@ -4156,7 +4206,7 @@
         </p:nvSpPr>
         <p:spPr>
           <a:xfrm>
-            <a:off x="5947507" y="2104845"/>
+            <a:off x="5835364" y="1740928"/>
             <a:ext cx="2054793" cy="954107"/>
           </a:xfrm>
           <a:prstGeom prst="rect">
@@ -4198,7 +4248,7 @@
         </p:nvSpPr>
         <p:spPr>
           <a:xfrm>
-            <a:off x="397351" y="4287328"/>
+            <a:off x="397351" y="3536848"/>
             <a:ext cx="8289449" cy="400110"/>
           </a:xfrm>
           <a:prstGeom prst="rect">
@@ -4276,7 +4326,7 @@
         </p:nvSpPr>
         <p:spPr>
           <a:xfrm>
-            <a:off x="457200" y="5015731"/>
+            <a:off x="397351" y="3936958"/>
             <a:ext cx="7366119" cy="707886"/>
           </a:xfrm>
           <a:prstGeom prst="rect">
@@ -4370,6 +4420,52 @@
               <a:latin typeface="Courier New" panose="02070309020205020404" pitchFamily="49" charset="0"/>
               <a:cs typeface="Courier New" panose="02070309020205020404" pitchFamily="49" charset="0"/>
             </a:endParaRPr>
+          </a:p>
+        </p:txBody>
+      </p:sp>
+      <p:sp>
+        <p:nvSpPr>
+          <p:cNvPr id="8" name="TextBox 7"/>
+          <p:cNvSpPr txBox="1"/>
+          <p:nvPr/>
+        </p:nvSpPr>
+        <p:spPr>
+          <a:xfrm>
+            <a:off x="1017917" y="5895330"/>
+            <a:ext cx="6333529" cy="461665"/>
+          </a:xfrm>
+          <a:prstGeom prst="rect">
+            <a:avLst/>
+          </a:prstGeom>
+          <a:noFill/>
+          <a:ln>
+            <a:solidFill>
+              <a:schemeClr val="tx1"/>
+            </a:solidFill>
+          </a:ln>
+        </p:spPr>
+        <p:txBody>
+          <a:bodyPr wrap="none" rtlCol="0">
+            <a:spAutoFit/>
+          </a:bodyPr>
+          <a:lstStyle/>
+          <a:p>
+            <a:r>
+              <a:rPr lang="en-US" sz="2400" dirty="0" smtClean="0"/>
+              <a:t>Note: use </a:t>
+            </a:r>
+            <a:r>
+              <a:rPr lang="en-US" sz="2400" dirty="0" err="1" smtClean="0">
+                <a:latin typeface="Courier New" panose="02070309020205020404" pitchFamily="49" charset="0"/>
+                <a:cs typeface="Courier New" panose="02070309020205020404" pitchFamily="49" charset="0"/>
+              </a:rPr>
+              <a:t>cascading_union</a:t>
+            </a:r>
+            <a:r>
+              <a:rPr lang="en-US" sz="2400" dirty="0" smtClean="0"/>
+              <a:t> for performance</a:t>
+            </a:r>
+            <a:endParaRPr lang="en-US" sz="2400" dirty="0"/>
           </a:p>
         </p:txBody>
       </p:sp>
@@ -4613,7 +4709,11 @@
                                           </p:stCondLst>
                                         </p:cTn>
                                         <p:tgtEl>
-                                          <p:spTgt spid="6"/>
+                                          <p:spTgt spid="3">
+                                            <p:txEl>
+                                              <p:pRg st="7" end="7"/>
+                                            </p:txEl>
+                                          </p:spTgt>
                                         </p:tgtEl>
                                         <p:attrNameLst>
                                           <p:attrName>style.visibility</p:attrName>
@@ -4658,7 +4758,146 @@
                                           </p:stCondLst>
                                         </p:cTn>
                                         <p:tgtEl>
+                                          <p:spTgt spid="3">
+                                            <p:txEl>
+                                              <p:pRg st="8" end="8"/>
+                                            </p:txEl>
+                                          </p:spTgt>
+                                        </p:tgtEl>
+                                        <p:attrNameLst>
+                                          <p:attrName>style.visibility</p:attrName>
+                                        </p:attrNameLst>
+                                      </p:cBhvr>
+                                      <p:to>
+                                        <p:strVal val="visible"/>
+                                      </p:to>
+                                    </p:set>
+                                  </p:childTnLst>
+                                </p:cTn>
+                              </p:par>
+                            </p:childTnLst>
+                          </p:cTn>
+                        </p:par>
+                      </p:childTnLst>
+                    </p:cTn>
+                  </p:par>
+                  <p:par>
+                    <p:cTn id="27" fill="hold">
+                      <p:stCondLst>
+                        <p:cond delay="indefinite"/>
+                      </p:stCondLst>
+                      <p:childTnLst>
+                        <p:par>
+                          <p:cTn id="28" fill="hold">
+                            <p:stCondLst>
+                              <p:cond delay="0"/>
+                            </p:stCondLst>
+                            <p:childTnLst>
+                              <p:par>
+                                <p:cTn id="29" presetID="1" presetClass="entr" presetSubtype="0" fill="hold" grpId="0" nodeType="clickEffect">
+                                  <p:stCondLst>
+                                    <p:cond delay="0"/>
+                                  </p:stCondLst>
+                                  <p:childTnLst>
+                                    <p:set>
+                                      <p:cBhvr>
+                                        <p:cTn id="30" dur="1" fill="hold">
+                                          <p:stCondLst>
+                                            <p:cond delay="0"/>
+                                          </p:stCondLst>
+                                        </p:cTn>
+                                        <p:tgtEl>
+                                          <p:spTgt spid="6"/>
+                                        </p:tgtEl>
+                                        <p:attrNameLst>
+                                          <p:attrName>style.visibility</p:attrName>
+                                        </p:attrNameLst>
+                                      </p:cBhvr>
+                                      <p:to>
+                                        <p:strVal val="visible"/>
+                                      </p:to>
+                                    </p:set>
+                                  </p:childTnLst>
+                                </p:cTn>
+                              </p:par>
+                            </p:childTnLst>
+                          </p:cTn>
+                        </p:par>
+                      </p:childTnLst>
+                    </p:cTn>
+                  </p:par>
+                  <p:par>
+                    <p:cTn id="31" fill="hold">
+                      <p:stCondLst>
+                        <p:cond delay="indefinite"/>
+                      </p:stCondLst>
+                      <p:childTnLst>
+                        <p:par>
+                          <p:cTn id="32" fill="hold">
+                            <p:stCondLst>
+                              <p:cond delay="0"/>
+                            </p:stCondLst>
+                            <p:childTnLst>
+                              <p:par>
+                                <p:cTn id="33" presetID="1" presetClass="entr" presetSubtype="0" fill="hold" grpId="0" nodeType="clickEffect">
+                                  <p:stCondLst>
+                                    <p:cond delay="0"/>
+                                  </p:stCondLst>
+                                  <p:childTnLst>
+                                    <p:set>
+                                      <p:cBhvr>
+                                        <p:cTn id="34" dur="1" fill="hold">
+                                          <p:stCondLst>
+                                            <p:cond delay="0"/>
+                                          </p:stCondLst>
+                                        </p:cTn>
+                                        <p:tgtEl>
                                           <p:spTgt spid="7"/>
+                                        </p:tgtEl>
+                                        <p:attrNameLst>
+                                          <p:attrName>style.visibility</p:attrName>
+                                        </p:attrNameLst>
+                                      </p:cBhvr>
+                                      <p:to>
+                                        <p:strVal val="visible"/>
+                                      </p:to>
+                                    </p:set>
+                                  </p:childTnLst>
+                                </p:cTn>
+                              </p:par>
+                            </p:childTnLst>
+                          </p:cTn>
+                        </p:par>
+                      </p:childTnLst>
+                    </p:cTn>
+                  </p:par>
+                  <p:par>
+                    <p:cTn id="35" fill="hold">
+                      <p:stCondLst>
+                        <p:cond delay="indefinite"/>
+                      </p:stCondLst>
+                      <p:childTnLst>
+                        <p:par>
+                          <p:cTn id="36" fill="hold">
+                            <p:stCondLst>
+                              <p:cond delay="0"/>
+                            </p:stCondLst>
+                            <p:childTnLst>
+                              <p:par>
+                                <p:cTn id="37" presetID="1" presetClass="entr" presetSubtype="0" fill="hold" grpId="0" nodeType="clickEffect">
+                                  <p:stCondLst>
+                                    <p:cond delay="0"/>
+                                  </p:stCondLst>
+                                  <p:childTnLst>
+                                    <p:set>
+                                      <p:cBhvr>
+                                        <p:cTn id="38" dur="1" fill="hold">
+                                          <p:stCondLst>
+                                            <p:cond delay="0"/>
+                                          </p:stCondLst>
+                                        </p:cTn>
+                                        <p:tgtEl>
+                                          <p:spTgt spid="8"/>
                                         </p:tgtEl>
                                         <p:attrNameLst>
                                           <p:attrName>style.visibility</p:attrName>
@@ -4702,6 +4941,7 @@
       <p:bldP spid="3" grpId="0" uiExpand="1" build="p"/>
       <p:bldP spid="6" grpId="0"/>
       <p:bldP spid="7" grpId="0"/>
+      <p:bldP spid="8" grpId="0" animBg="1"/>
     </p:bldLst>
   </p:timing>
 </p:sld>
@@ -4741,7 +4981,7 @@
           <a:p>
             <a:r>
               <a:rPr lang="en-US" dirty="0" smtClean="0"/>
-              <a:t>Further reading</a:t>
+              <a:t>Shapely: buffer</a:t>
             </a:r>
             <a:endParaRPr lang="en-US" dirty="0"/>
           </a:p>
@@ -4763,80 +5003,45 @@
           <a:lstStyle/>
           <a:p>
             <a:r>
+              <a:rPr lang="en-US" dirty="0" smtClean="0">
+                <a:latin typeface="Courier New" panose="02070309020205020404" pitchFamily="49" charset="0"/>
+                <a:cs typeface="Courier New" panose="02070309020205020404" pitchFamily="49" charset="0"/>
+              </a:rPr>
+              <a:t>Point</a:t>
+            </a:r>
+            <a:r>
               <a:rPr lang="en-US" dirty="0" smtClean="0"/>
-              <a:t>Fiona manual</a:t>
-            </a:r>
-            <a:r>
-              <a:rPr lang="en-US" dirty="0"/>
-              <a:t/>
-            </a:r>
-            <a:br>
-              <a:rPr lang="en-US" dirty="0"/>
-            </a:br>
-            <a:r>
-              <a:rPr lang="en-US" sz="2000" dirty="0">
-                <a:hlinkClick r:id="rId2"/>
-              </a:rPr>
-              <a:t>http://</a:t>
-            </a:r>
-            <a:r>
-              <a:rPr lang="en-US" sz="2000" dirty="0" smtClean="0">
-                <a:hlinkClick r:id="rId2"/>
-              </a:rPr>
-              <a:t>toblerity.org/fiona/index.html</a:t>
-            </a:r>
-            <a:endParaRPr lang="en-US" sz="2000" dirty="0" smtClean="0"/>
-          </a:p>
-          <a:p>
-            <a:r>
-              <a:rPr lang="en-US" dirty="0"/>
-              <a:t>Folium manual</a:t>
-            </a:r>
-            <a:br>
-              <a:rPr lang="en-US" dirty="0"/>
-            </a:br>
-            <a:r>
-              <a:rPr lang="en-US" sz="2000" dirty="0">
-                <a:hlinkClick r:id="rId3"/>
-              </a:rPr>
-              <a:t>http://python-visualization.github.io/folium/docs-master</a:t>
-            </a:r>
-            <a:r>
-              <a:rPr lang="en-US" sz="2000" dirty="0" smtClean="0">
-                <a:hlinkClick r:id="rId3"/>
-              </a:rPr>
-              <a:t>/</a:t>
-            </a:r>
-            <a:r>
-              <a:rPr lang="en-US" sz="2000" dirty="0" smtClean="0"/>
-              <a:t> </a:t>
+              <a:t>: 0D, </a:t>
+            </a:r>
+            <a:r>
+              <a:rPr lang="en-US" dirty="0" err="1" smtClean="0">
+                <a:latin typeface="Courier New" panose="02070309020205020404" pitchFamily="49" charset="0"/>
+                <a:cs typeface="Courier New" panose="02070309020205020404" pitchFamily="49" charset="0"/>
+              </a:rPr>
+              <a:t>LineString</a:t>
+            </a:r>
+            <a:r>
+              <a:rPr lang="en-US" dirty="0" smtClean="0"/>
+              <a:t>: 1D</a:t>
+            </a:r>
+          </a:p>
+          <a:p>
+            <a:pPr lvl="1"/>
+            <a:r>
+              <a:rPr lang="en-US" dirty="0" smtClean="0"/>
+              <a:t>buffer operation </a:t>
+            </a:r>
+            <a:r>
+              <a:rPr lang="en-US" dirty="0" smtClean="0">
+                <a:sym typeface="Symbol" panose="05050102010706020507" pitchFamily="18" charset="2"/>
+              </a:rPr>
+              <a:t></a:t>
+            </a:r>
+            <a:r>
+              <a:rPr lang="en-US" dirty="0" smtClean="0"/>
+              <a:t> 2D</a:t>
             </a:r>
             <a:endParaRPr lang="en-US" dirty="0"/>
-          </a:p>
-          <a:p>
-            <a:r>
-              <a:rPr lang="en-US" dirty="0" smtClean="0"/>
-              <a:t>Shapely manual</a:t>
-            </a:r>
-            <a:br>
-              <a:rPr lang="en-US" dirty="0" smtClean="0"/>
-            </a:br>
-            <a:r>
-              <a:rPr lang="en-US" sz="2000" dirty="0">
-                <a:hlinkClick r:id="rId4"/>
-              </a:rPr>
-              <a:t>https://shapely.readthedocs.io/en/latest</a:t>
-            </a:r>
-            <a:r>
-              <a:rPr lang="en-US" sz="2000" dirty="0" smtClean="0">
-                <a:hlinkClick r:id="rId4"/>
-              </a:rPr>
-              <a:t>/</a:t>
-            </a:r>
-            <a:endParaRPr lang="en-US" sz="2000" dirty="0" smtClean="0"/>
-          </a:p>
-          <a:p>
-            <a:endParaRPr lang="en-US" dirty="0" smtClean="0"/>
           </a:p>
         </p:txBody>
       </p:sp>
@@ -4865,6 +5070,195 @@
               </a:rPr>
               <a:pPr/>
               <a:t>11</a:t>
+            </a:fld>
+            <a:endParaRPr lang="nl-BE">
+              <a:solidFill>
+                <a:prstClr val="black">
+                  <a:tint val="75000"/>
+                </a:prstClr>
+              </a:solidFill>
+            </a:endParaRPr>
+          </a:p>
+        </p:txBody>
+      </p:sp>
+    </p:spTree>
+    <p:extLst>
+      <p:ext uri="{BB962C8B-B14F-4D97-AF65-F5344CB8AC3E}">
+        <p14:creationId xmlns:p14="http://schemas.microsoft.com/office/powerpoint/2010/main" val="3929986609"/>
+      </p:ext>
+    </p:extLst>
+  </p:cSld>
+  <p:clrMapOvr>
+    <a:masterClrMapping/>
+  </p:clrMapOvr>
+  <p:timing>
+    <p:tnLst>
+      <p:par>
+        <p:cTn id="1" dur="indefinite" restart="never" nodeType="tmRoot"/>
+      </p:par>
+    </p:tnLst>
+  </p:timing>
+</p:sld>
+</file>
+
+<file path=ppt/slides/slide12.xml><?xml version="1.0" encoding="utf-8"?>
+<p:sld xmlns:a="http://schemas.openxmlformats.org/drawingml/2006/main" xmlns:r="http://schemas.openxmlformats.org/officeDocument/2006/relationships" xmlns:p="http://schemas.openxmlformats.org/presentationml/2006/main">
+  <p:cSld>
+    <p:spTree>
+      <p:nvGrpSpPr>
+        <p:cNvPr id="1" name=""/>
+        <p:cNvGrpSpPr/>
+        <p:nvPr/>
+      </p:nvGrpSpPr>
+      <p:grpSpPr>
+        <a:xfrm>
+          <a:off x="0" y="0"/>
+          <a:ext cx="0" cy="0"/>
+          <a:chOff x="0" y="0"/>
+          <a:chExt cx="0" cy="0"/>
+        </a:xfrm>
+      </p:grpSpPr>
+      <p:sp>
+        <p:nvSpPr>
+          <p:cNvPr id="2" name="Title 1"/>
+          <p:cNvSpPr>
+            <a:spLocks noGrp="1"/>
+          </p:cNvSpPr>
+          <p:nvPr>
+            <p:ph type="title"/>
+          </p:nvPr>
+        </p:nvSpPr>
+        <p:spPr/>
+        <p:txBody>
+          <a:bodyPr/>
+          <a:lstStyle/>
+          <a:p>
+            <a:r>
+              <a:rPr lang="en-US" dirty="0" smtClean="0"/>
+              <a:t>Further reading</a:t>
+            </a:r>
+            <a:endParaRPr lang="en-US" dirty="0"/>
+          </a:p>
+        </p:txBody>
+      </p:sp>
+      <p:sp>
+        <p:nvSpPr>
+          <p:cNvPr id="3" name="Content Placeholder 2"/>
+          <p:cNvSpPr>
+            <a:spLocks noGrp="1"/>
+          </p:cNvSpPr>
+          <p:nvPr>
+            <p:ph idx="1"/>
+          </p:nvPr>
+        </p:nvSpPr>
+        <p:spPr/>
+        <p:txBody>
+          <a:bodyPr/>
+          <a:lstStyle/>
+          <a:p>
+            <a:r>
+              <a:rPr lang="en-US" dirty="0" smtClean="0"/>
+              <a:t>Fiona manual</a:t>
+            </a:r>
+            <a:r>
+              <a:rPr lang="en-US" dirty="0"/>
+              <a:t/>
+            </a:r>
+            <a:br>
+              <a:rPr lang="en-US" dirty="0"/>
+            </a:br>
+            <a:r>
+              <a:rPr lang="en-US" sz="2000" dirty="0">
+                <a:hlinkClick r:id="rId2"/>
+              </a:rPr>
+              <a:t>http://</a:t>
+            </a:r>
+            <a:r>
+              <a:rPr lang="en-US" sz="2000" dirty="0" smtClean="0">
+                <a:hlinkClick r:id="rId2"/>
+              </a:rPr>
+              <a:t>toblerity.org/fiona/index.html</a:t>
+            </a:r>
+            <a:endParaRPr lang="en-US" sz="2000" dirty="0" smtClean="0"/>
+          </a:p>
+          <a:p>
+            <a:r>
+              <a:rPr lang="en-US" dirty="0"/>
+              <a:t>Folium manual</a:t>
+            </a:r>
+            <a:br>
+              <a:rPr lang="en-US" dirty="0"/>
+            </a:br>
+            <a:r>
+              <a:rPr lang="en-US" sz="2000" dirty="0">
+                <a:hlinkClick r:id="rId3"/>
+              </a:rPr>
+              <a:t>http://python-visualization.github.io/folium/docs-master</a:t>
+            </a:r>
+            <a:r>
+              <a:rPr lang="en-US" sz="2000" dirty="0" smtClean="0">
+                <a:hlinkClick r:id="rId3"/>
+              </a:rPr>
+              <a:t>/</a:t>
+            </a:r>
+            <a:r>
+              <a:rPr lang="en-US" sz="2000" dirty="0" smtClean="0"/>
+              <a:t> </a:t>
+            </a:r>
+            <a:endParaRPr lang="en-US" dirty="0"/>
+          </a:p>
+          <a:p>
+            <a:r>
+              <a:rPr lang="en-US" dirty="0" smtClean="0"/>
+              <a:t>Shapely manual</a:t>
+            </a:r>
+            <a:br>
+              <a:rPr lang="en-US" dirty="0" smtClean="0"/>
+            </a:br>
+            <a:r>
+              <a:rPr lang="en-US" sz="2000" dirty="0">
+                <a:hlinkClick r:id="rId4"/>
+              </a:rPr>
+              <a:t>https://shapely.readthedocs.io/en/latest</a:t>
+            </a:r>
+            <a:r>
+              <a:rPr lang="en-US" sz="2000" dirty="0" smtClean="0">
+                <a:hlinkClick r:id="rId4"/>
+              </a:rPr>
+              <a:t>/</a:t>
+            </a:r>
+            <a:endParaRPr lang="en-US" sz="2000" dirty="0" smtClean="0"/>
+          </a:p>
+          <a:p>
+            <a:endParaRPr lang="en-US" dirty="0" smtClean="0"/>
+          </a:p>
+        </p:txBody>
+      </p:sp>
+      <p:sp>
+        <p:nvSpPr>
+          <p:cNvPr id="4" name="Slide Number Placeholder 3"/>
+          <p:cNvSpPr>
+            <a:spLocks noGrp="1"/>
+          </p:cNvSpPr>
+          <p:nvPr>
+            <p:ph type="sldNum" sz="quarter" idx="12"/>
+          </p:nvPr>
+        </p:nvSpPr>
+        <p:spPr/>
+        <p:txBody>
+          <a:bodyPr/>
+          <a:lstStyle/>
+          <a:p>
+            <a:fld id="{5A209D72-2E9D-49B0-8977-41DCCC66C0BB}" type="slidenum">
+              <a:rPr lang="nl-BE" smtClean="0">
+                <a:solidFill>
+                  <a:prstClr val="black">
+                    <a:tint val="75000"/>
+                  </a:prstClr>
+                </a:solidFill>
+              </a:rPr>
+              <a:pPr/>
+              <a:t>12</a:t>
             </a:fld>
             <a:endParaRPr lang="nl-BE">
               <a:solidFill>
@@ -8853,7 +9247,11 @@
           <a:p>
             <a:r>
               <a:rPr lang="en-US" dirty="0" smtClean="0"/>
-              <a:t>Shapely geometric objects</a:t>
+              <a:t>Shapely: </a:t>
+            </a:r>
+            <a:r>
+              <a:rPr lang="en-US" dirty="0" smtClean="0"/>
+              <a:t>geometric objects</a:t>
             </a:r>
             <a:endParaRPr lang="en-US" dirty="0"/>
           </a:p>
@@ -8877,7 +9275,7 @@
         </p:spPr>
         <p:txBody>
           <a:bodyPr>
-            <a:normAutofit fontScale="85000" lnSpcReduction="10000"/>
+            <a:normAutofit fontScale="85000" lnSpcReduction="20000"/>
           </a:bodyPr>
           <a:lstStyle/>
           <a:p>
@@ -8890,8 +9288,26 @@
             </a:r>
             <a:r>
               <a:rPr lang="en-US" dirty="0" smtClean="0"/>
-              <a:t>: 2D or 3D</a:t>
-            </a:r>
+              <a:t>: 2D or </a:t>
+            </a:r>
+            <a:r>
+              <a:rPr lang="en-US" dirty="0" smtClean="0"/>
+              <a:t>3D</a:t>
+            </a:r>
+          </a:p>
+          <a:p>
+            <a:r>
+              <a:rPr lang="en-US" dirty="0" smtClean="0">
+                <a:latin typeface="Courier New" panose="02070309020205020404" pitchFamily="49" charset="0"/>
+                <a:cs typeface="Courier New" panose="02070309020205020404" pitchFamily="49" charset="0"/>
+              </a:rPr>
+              <a:t>MultiPoint</a:t>
+            </a:r>
+            <a:r>
+              <a:rPr lang="en-US" dirty="0" smtClean="0"/>
+              <a:t>: collection of Point</a:t>
+            </a:r>
+            <a:endParaRPr lang="en-US" dirty="0" smtClean="0"/>
           </a:p>
           <a:p>
             <a:r>
@@ -9098,7 +9514,7 @@
         </p:blipFill>
         <p:spPr>
           <a:xfrm>
-            <a:off x="6275717" y="1858758"/>
+            <a:off x="6236983" y="2108924"/>
             <a:ext cx="1033374" cy="555830"/>
           </a:xfrm>
           <a:prstGeom prst="rect">
@@ -9135,7 +9551,7 @@
         </p:blipFill>
         <p:spPr>
           <a:xfrm>
-            <a:off x="7669161" y="2414588"/>
+            <a:off x="7669161" y="2796381"/>
             <a:ext cx="1257300" cy="581025"/>
           </a:xfrm>
           <a:prstGeom prst="rect">
@@ -9337,15 +9753,64 @@
                                   </p:childTnLst>
                                 </p:cTn>
                               </p:par>
+                            </p:childTnLst>
+                          </p:cTn>
+                        </p:par>
+                      </p:childTnLst>
+                    </p:cTn>
+                  </p:par>
+                  <p:par>
+                    <p:cTn id="11" fill="hold">
+                      <p:stCondLst>
+                        <p:cond delay="indefinite"/>
+                      </p:stCondLst>
+                      <p:childTnLst>
+                        <p:par>
+                          <p:cTn id="12" fill="hold">
+                            <p:stCondLst>
+                              <p:cond delay="0"/>
+                            </p:stCondLst>
+                            <p:childTnLst>
                               <p:par>
-                                <p:cTn id="11" presetID="1" presetClass="entr" presetSubtype="0" fill="hold" nodeType="withEffect">
+                                <p:cTn id="13" presetID="1" presetClass="entr" presetSubtype="0" fill="hold" grpId="0" nodeType="clickEffect">
                                   <p:stCondLst>
                                     <p:cond delay="0"/>
                                   </p:stCondLst>
                                   <p:childTnLst>
                                     <p:set>
                                       <p:cBhvr>
-                                        <p:cTn id="12" dur="1" fill="hold">
+                                        <p:cTn id="14" dur="1" fill="hold">
+                                          <p:stCondLst>
+                                            <p:cond delay="0"/>
+                                          </p:stCondLst>
+                                        </p:cTn>
+                                        <p:tgtEl>
+                                          <p:spTgt spid="3">
+                                            <p:txEl>
+                                              <p:pRg st="2" end="2"/>
+                                            </p:txEl>
+                                          </p:spTgt>
+                                        </p:tgtEl>
+                                        <p:attrNameLst>
+                                          <p:attrName>style.visibility</p:attrName>
+                                        </p:attrNameLst>
+                                      </p:cBhvr>
+                                      <p:to>
+                                        <p:strVal val="visible"/>
+                                      </p:to>
+                                    </p:set>
+                                  </p:childTnLst>
+                                </p:cTn>
+                              </p:par>
+                              <p:par>
+                                <p:cTn id="15" presetID="1" presetClass="entr" presetSubtype="0" fill="hold" nodeType="withEffect">
+                                  <p:stCondLst>
+                                    <p:cond delay="0"/>
+                                  </p:stCondLst>
+                                  <p:childTnLst>
+                                    <p:set>
+                                      <p:cBhvr>
+                                        <p:cTn id="16" dur="1" fill="hold">
                                           <p:stCondLst>
                                             <p:cond delay="0"/>
                                           </p:stCondLst>
@@ -9371,26 +9836,26 @@
                     </p:cTn>
                   </p:par>
                   <p:par>
-                    <p:cTn id="13" fill="hold">
+                    <p:cTn id="17" fill="hold">
                       <p:stCondLst>
                         <p:cond delay="indefinite"/>
                       </p:stCondLst>
                       <p:childTnLst>
                         <p:par>
-                          <p:cTn id="14" fill="hold">
+                          <p:cTn id="18" fill="hold">
                             <p:stCondLst>
                               <p:cond delay="0"/>
                             </p:stCondLst>
                             <p:childTnLst>
                               <p:par>
-                                <p:cTn id="15" presetID="1" presetClass="entr" presetSubtype="0" fill="hold" grpId="0" nodeType="clickEffect">
+                                <p:cTn id="19" presetID="1" presetClass="entr" presetSubtype="0" fill="hold" grpId="0" nodeType="clickEffect">
                                   <p:stCondLst>
                                     <p:cond delay="0"/>
                                   </p:stCondLst>
                                   <p:childTnLst>
                                     <p:set>
                                       <p:cBhvr>
-                                        <p:cTn id="16" dur="1" fill="hold">
+                                        <p:cTn id="20" dur="1" fill="hold">
                                           <p:stCondLst>
                                             <p:cond delay="0"/>
                                           </p:stCondLst>
@@ -9398,7 +9863,7 @@
                                         <p:tgtEl>
                                           <p:spTgt spid="3">
                                             <p:txEl>
-                                              <p:pRg st="2" end="2"/>
+                                              <p:pRg st="3" end="3"/>
                                             </p:txEl>
                                           </p:spTgt>
                                         </p:tgtEl>
@@ -9414,14 +9879,14 @@
                                 </p:cTn>
                               </p:par>
                               <p:par>
-                                <p:cTn id="17" presetID="1" presetClass="entr" presetSubtype="0" fill="hold" nodeType="withEffect">
+                                <p:cTn id="21" presetID="1" presetClass="entr" presetSubtype="0" fill="hold" nodeType="withEffect">
                                   <p:stCondLst>
                                     <p:cond delay="0"/>
                                   </p:stCondLst>
                                   <p:childTnLst>
                                     <p:set>
                                       <p:cBhvr>
-                                        <p:cTn id="18" dur="1" fill="hold">
+                                        <p:cTn id="22" dur="1" fill="hold">
                                           <p:stCondLst>
                                             <p:cond delay="0"/>
                                           </p:stCondLst>
@@ -9447,57 +9912,26 @@
                     </p:cTn>
                   </p:par>
                   <p:par>
-                    <p:cTn id="19" fill="hold">
+                    <p:cTn id="23" fill="hold">
                       <p:stCondLst>
                         <p:cond delay="indefinite"/>
                       </p:stCondLst>
                       <p:childTnLst>
                         <p:par>
-                          <p:cTn id="20" fill="hold">
+                          <p:cTn id="24" fill="hold">
                             <p:stCondLst>
                               <p:cond delay="0"/>
                             </p:stCondLst>
                             <p:childTnLst>
                               <p:par>
-                                <p:cTn id="21" presetID="1" presetClass="entr" presetSubtype="0" fill="hold" grpId="0" nodeType="clickEffect">
+                                <p:cTn id="25" presetID="1" presetClass="entr" presetSubtype="0" fill="hold" grpId="0" nodeType="clickEffect">
                                   <p:stCondLst>
                                     <p:cond delay="0"/>
                                   </p:stCondLst>
                                   <p:childTnLst>
                                     <p:set>
                                       <p:cBhvr>
-                                        <p:cTn id="22" dur="1" fill="hold">
-                                          <p:stCondLst>
-                                            <p:cond delay="0"/>
-                                          </p:stCondLst>
-                                        </p:cTn>
-                                        <p:tgtEl>
-                                          <p:spTgt spid="3">
-                                            <p:txEl>
-                                              <p:pRg st="3" end="3"/>
-                                            </p:txEl>
-                                          </p:spTgt>
-                                        </p:tgtEl>
-                                        <p:attrNameLst>
-                                          <p:attrName>style.visibility</p:attrName>
-                                        </p:attrNameLst>
-                                      </p:cBhvr>
-                                      <p:to>
-                                        <p:strVal val="visible"/>
-                                      </p:to>
-                                    </p:set>
-                                  </p:childTnLst>
-                                </p:cTn>
-                              </p:par>
-                              <p:par>
-                                <p:cTn id="23" presetID="1" presetClass="entr" presetSubtype="0" fill="hold" grpId="0" nodeType="withEffect">
-                                  <p:stCondLst>
-                                    <p:cond delay="0"/>
-                                  </p:stCondLst>
-                                  <p:childTnLst>
-                                    <p:set>
-                                      <p:cBhvr>
-                                        <p:cTn id="24" dur="1" fill="hold">
+                                        <p:cTn id="26" dur="1" fill="hold">
                                           <p:stCondLst>
                                             <p:cond delay="0"/>
                                           </p:stCondLst>
@@ -9520,26 +9954,8 @@
                                   </p:childTnLst>
                                 </p:cTn>
                               </p:par>
-                            </p:childTnLst>
-                          </p:cTn>
-                        </p:par>
-                      </p:childTnLst>
-                    </p:cTn>
-                  </p:par>
-                  <p:par>
-                    <p:cTn id="25" fill="hold">
-                      <p:stCondLst>
-                        <p:cond delay="indefinite"/>
-                      </p:stCondLst>
-                      <p:childTnLst>
-                        <p:par>
-                          <p:cTn id="26" fill="hold">
-                            <p:stCondLst>
-                              <p:cond delay="0"/>
-                            </p:stCondLst>
-                            <p:childTnLst>
                               <p:par>
-                                <p:cTn id="27" presetID="1" presetClass="entr" presetSubtype="0" fill="hold" grpId="0" nodeType="clickEffect">
+                                <p:cTn id="27" presetID="1" presetClass="entr" presetSubtype="0" fill="hold" grpId="0" nodeType="withEffect">
                                   <p:stCondLst>
                                     <p:cond delay="0"/>
                                   </p:stCondLst>
@@ -9569,15 +9985,33 @@
                                   </p:childTnLst>
                                 </p:cTn>
                               </p:par>
+                            </p:childTnLst>
+                          </p:cTn>
+                        </p:par>
+                      </p:childTnLst>
+                    </p:cTn>
+                  </p:par>
+                  <p:par>
+                    <p:cTn id="29" fill="hold">
+                      <p:stCondLst>
+                        <p:cond delay="indefinite"/>
+                      </p:stCondLst>
+                      <p:childTnLst>
+                        <p:par>
+                          <p:cTn id="30" fill="hold">
+                            <p:stCondLst>
+                              <p:cond delay="0"/>
+                            </p:stCondLst>
+                            <p:childTnLst>
                               <p:par>
-                                <p:cTn id="29" presetID="1" presetClass="entr" presetSubtype="0" fill="hold" grpId="0" nodeType="withEffect">
+                                <p:cTn id="31" presetID="1" presetClass="entr" presetSubtype="0" fill="hold" grpId="0" nodeType="clickEffect">
                                   <p:stCondLst>
                                     <p:cond delay="0"/>
                                   </p:stCondLst>
                                   <p:childTnLst>
                                     <p:set>
                                       <p:cBhvr>
-                                        <p:cTn id="30" dur="1" fill="hold">
+                                        <p:cTn id="32" dur="1" fill="hold">
                                           <p:stCondLst>
                                             <p:cond delay="0"/>
                                           </p:stCondLst>
@@ -9601,14 +10035,45 @@
                                 </p:cTn>
                               </p:par>
                               <p:par>
-                                <p:cTn id="31" presetID="1" presetClass="entr" presetSubtype="0" fill="hold" nodeType="withEffect">
+                                <p:cTn id="33" presetID="1" presetClass="entr" presetSubtype="0" fill="hold" grpId="0" nodeType="withEffect">
                                   <p:stCondLst>
                                     <p:cond delay="0"/>
                                   </p:stCondLst>
                                   <p:childTnLst>
                                     <p:set>
                                       <p:cBhvr>
-                                        <p:cTn id="32" dur="1" fill="hold">
+                                        <p:cTn id="34" dur="1" fill="hold">
+                                          <p:stCondLst>
+                                            <p:cond delay="0"/>
+                                          </p:stCondLst>
+                                        </p:cTn>
+                                        <p:tgtEl>
+                                          <p:spTgt spid="3">
+                                            <p:txEl>
+                                              <p:pRg st="7" end="7"/>
+                                            </p:txEl>
+                                          </p:spTgt>
+                                        </p:tgtEl>
+                                        <p:attrNameLst>
+                                          <p:attrName>style.visibility</p:attrName>
+                                        </p:attrNameLst>
+                                      </p:cBhvr>
+                                      <p:to>
+                                        <p:strVal val="visible"/>
+                                      </p:to>
+                                    </p:set>
+                                  </p:childTnLst>
+                                </p:cTn>
+                              </p:par>
+                              <p:par>
+                                <p:cTn id="35" presetID="1" presetClass="entr" presetSubtype="0" fill="hold" nodeType="withEffect">
+                                  <p:stCondLst>
+                                    <p:cond delay="0"/>
+                                  </p:stCondLst>
+                                  <p:childTnLst>
+                                    <p:set>
+                                      <p:cBhvr>
+                                        <p:cTn id="36" dur="1" fill="hold">
                                           <p:stCondLst>
                                             <p:cond delay="0"/>
                                           </p:stCondLst>
@@ -9634,57 +10099,26 @@
                     </p:cTn>
                   </p:par>
                   <p:par>
-                    <p:cTn id="33" fill="hold">
+                    <p:cTn id="37" fill="hold">
                       <p:stCondLst>
                         <p:cond delay="indefinite"/>
                       </p:stCondLst>
                       <p:childTnLst>
                         <p:par>
-                          <p:cTn id="34" fill="hold">
+                          <p:cTn id="38" fill="hold">
                             <p:stCondLst>
                               <p:cond delay="0"/>
                             </p:stCondLst>
                             <p:childTnLst>
                               <p:par>
-                                <p:cTn id="35" presetID="1" presetClass="entr" presetSubtype="0" fill="hold" grpId="0" nodeType="clickEffect">
+                                <p:cTn id="39" presetID="1" presetClass="entr" presetSubtype="0" fill="hold" grpId="0" nodeType="clickEffect">
                                   <p:stCondLst>
                                     <p:cond delay="0"/>
                                   </p:stCondLst>
                                   <p:childTnLst>
                                     <p:set>
                                       <p:cBhvr>
-                                        <p:cTn id="36" dur="1" fill="hold">
-                                          <p:stCondLst>
-                                            <p:cond delay="0"/>
-                                          </p:stCondLst>
-                                        </p:cTn>
-                                        <p:tgtEl>
-                                          <p:spTgt spid="3">
-                                            <p:txEl>
-                                              <p:pRg st="7" end="7"/>
-                                            </p:txEl>
-                                          </p:spTgt>
-                                        </p:tgtEl>
-                                        <p:attrNameLst>
-                                          <p:attrName>style.visibility</p:attrName>
-                                        </p:attrNameLst>
-                                      </p:cBhvr>
-                                      <p:to>
-                                        <p:strVal val="visible"/>
-                                      </p:to>
-                                    </p:set>
-                                  </p:childTnLst>
-                                </p:cTn>
-                              </p:par>
-                              <p:par>
-                                <p:cTn id="37" presetID="1" presetClass="entr" presetSubtype="0" fill="hold" grpId="0" nodeType="withEffect">
-                                  <p:stCondLst>
-                                    <p:cond delay="0"/>
-                                  </p:stCondLst>
-                                  <p:childTnLst>
-                                    <p:set>
-                                      <p:cBhvr>
-                                        <p:cTn id="38" dur="1" fill="hold">
+                                        <p:cTn id="40" dur="1" fill="hold">
                                           <p:stCondLst>
                                             <p:cond delay="0"/>
                                           </p:stCondLst>
@@ -9708,14 +10142,45 @@
                                 </p:cTn>
                               </p:par>
                               <p:par>
-                                <p:cTn id="39" presetID="1" presetClass="entr" presetSubtype="0" fill="hold" nodeType="withEffect">
+                                <p:cTn id="41" presetID="1" presetClass="entr" presetSubtype="0" fill="hold" grpId="0" nodeType="withEffect">
                                   <p:stCondLst>
                                     <p:cond delay="0"/>
                                   </p:stCondLst>
                                   <p:childTnLst>
                                     <p:set>
                                       <p:cBhvr>
-                                        <p:cTn id="40" dur="1" fill="hold">
+                                        <p:cTn id="42" dur="1" fill="hold">
+                                          <p:stCondLst>
+                                            <p:cond delay="0"/>
+                                          </p:stCondLst>
+                                        </p:cTn>
+                                        <p:tgtEl>
+                                          <p:spTgt spid="3">
+                                            <p:txEl>
+                                              <p:pRg st="9" end="9"/>
+                                            </p:txEl>
+                                          </p:spTgt>
+                                        </p:tgtEl>
+                                        <p:attrNameLst>
+                                          <p:attrName>style.visibility</p:attrName>
+                                        </p:attrNameLst>
+                                      </p:cBhvr>
+                                      <p:to>
+                                        <p:strVal val="visible"/>
+                                      </p:to>
+                                    </p:set>
+                                  </p:childTnLst>
+                                </p:cTn>
+                              </p:par>
+                              <p:par>
+                                <p:cTn id="43" presetID="1" presetClass="entr" presetSubtype="0" fill="hold" nodeType="withEffect">
+                                  <p:stCondLst>
+                                    <p:cond delay="0"/>
+                                  </p:stCondLst>
+                                  <p:childTnLst>
+                                    <p:set>
+                                      <p:cBhvr>
+                                        <p:cTn id="44" dur="1" fill="hold">
                                           <p:stCondLst>
                                             <p:cond delay="0"/>
                                           </p:stCondLst>
@@ -9802,7 +10267,11 @@
           <a:p>
             <a:r>
               <a:rPr lang="en-US" dirty="0" smtClean="0"/>
-              <a:t>Shapely object examples</a:t>
+              <a:t>Shapely: </a:t>
+            </a:r>
+            <a:r>
+              <a:rPr lang="en-US" dirty="0" smtClean="0"/>
+              <a:t>object examples</a:t>
             </a:r>
             <a:endParaRPr lang="en-US" dirty="0"/>
           </a:p>
@@ -10776,11 +11245,7 @@
           <a:p>
             <a:r>
               <a:rPr lang="en-US" dirty="0" smtClean="0"/>
-              <a:t>Shapely </a:t>
-            </a:r>
-            <a:r>
-              <a:rPr lang="en-US" dirty="0" smtClean="0"/>
-              <a:t>predicates</a:t>
+              <a:t>Shapely: predicates</a:t>
             </a:r>
             <a:endParaRPr lang="en-US" dirty="0"/>
           </a:p>

--- a/Python/python_gis.pptx
+++ b/Python/python_gis.pptx
@@ -5,7 +5,7 @@
     <p:sldMasterId id="2147483672" r:id="rId1"/>
   </p:sldMasterIdLst>
   <p:notesMasterIdLst>
-    <p:notesMasterId r:id="rId14"/>
+    <p:notesMasterId r:id="rId15"/>
   </p:notesMasterIdLst>
   <p:sldIdLst>
     <p:sldId id="256" r:id="rId2"/>
@@ -19,7 +19,8 @@
     <p:sldId id="272" r:id="rId10"/>
     <p:sldId id="273" r:id="rId11"/>
     <p:sldId id="274" r:id="rId12"/>
-    <p:sldId id="265" r:id="rId13"/>
+    <p:sldId id="275" r:id="rId13"/>
+    <p:sldId id="265" r:id="rId14"/>
   </p:sldIdLst>
   <p:sldSz cx="9144000" cy="6858000" type="screen4x3"/>
   <p:notesSz cx="6858000" cy="9144000"/>
@@ -5135,6 +5136,1095 @@
           <a:p>
             <a:r>
               <a:rPr lang="en-US" dirty="0" smtClean="0"/>
+              <a:t>Shapely: example</a:t>
+            </a:r>
+            <a:endParaRPr lang="en-US" dirty="0"/>
+          </a:p>
+        </p:txBody>
+      </p:sp>
+      <p:sp>
+        <p:nvSpPr>
+          <p:cNvPr id="3" name="Content Placeholder 2"/>
+          <p:cNvSpPr>
+            <a:spLocks noGrp="1"/>
+          </p:cNvSpPr>
+          <p:nvPr>
+            <p:ph idx="1"/>
+          </p:nvPr>
+        </p:nvSpPr>
+        <p:spPr/>
+        <p:txBody>
+          <a:bodyPr>
+            <a:normAutofit fontScale="77500" lnSpcReduction="20000"/>
+          </a:bodyPr>
+          <a:lstStyle/>
+          <a:p>
+            <a:r>
+              <a:rPr lang="en-US" dirty="0" smtClean="0"/>
+              <a:t>Create island</a:t>
+            </a:r>
+          </a:p>
+          <a:p>
+            <a:pPr lvl="1"/>
+            <a:r>
+              <a:rPr lang="en-US" dirty="0" smtClean="0"/>
+              <a:t>create coast as </a:t>
+            </a:r>
+            <a:r>
+              <a:rPr lang="en-US" dirty="0" err="1" smtClean="0">
+                <a:latin typeface="Courier New" panose="02070309020205020404" pitchFamily="49" charset="0"/>
+                <a:cs typeface="Courier New" panose="02070309020205020404" pitchFamily="49" charset="0"/>
+              </a:rPr>
+              <a:t>LinearRing</a:t>
+            </a:r>
+            <a:endParaRPr lang="en-US" dirty="0" smtClean="0">
+              <a:latin typeface="Courier New" panose="02070309020205020404" pitchFamily="49" charset="0"/>
+              <a:cs typeface="Courier New" panose="02070309020205020404" pitchFamily="49" charset="0"/>
+            </a:endParaRPr>
+          </a:p>
+          <a:p>
+            <a:pPr lvl="1"/>
+            <a:r>
+              <a:rPr lang="en-US" dirty="0" smtClean="0"/>
+              <a:t>create lake contour as </a:t>
+            </a:r>
+            <a:r>
+              <a:rPr lang="en-US" dirty="0" err="1" smtClean="0">
+                <a:latin typeface="Courier New" panose="02070309020205020404" pitchFamily="49" charset="0"/>
+                <a:cs typeface="Courier New" panose="02070309020205020404" pitchFamily="49" charset="0"/>
+              </a:rPr>
+              <a:t>LinearRing</a:t>
+            </a:r>
+            <a:endParaRPr lang="en-US" dirty="0" smtClean="0">
+              <a:latin typeface="Courier New" panose="02070309020205020404" pitchFamily="49" charset="0"/>
+              <a:cs typeface="Courier New" panose="02070309020205020404" pitchFamily="49" charset="0"/>
+            </a:endParaRPr>
+          </a:p>
+          <a:p>
+            <a:pPr lvl="1"/>
+            <a:r>
+              <a:rPr lang="en-US" dirty="0" smtClean="0"/>
+              <a:t>check whether </a:t>
+            </a:r>
+            <a:r>
+              <a:rPr lang="en-US" dirty="0" err="1" smtClean="0">
+                <a:latin typeface="Courier New" panose="02070309020205020404" pitchFamily="49" charset="0"/>
+                <a:cs typeface="Courier New" panose="02070309020205020404" pitchFamily="49" charset="0"/>
+              </a:rPr>
+              <a:t>lake.within</a:t>
+            </a:r>
+            <a:r>
+              <a:rPr lang="en-US" dirty="0" smtClean="0">
+                <a:latin typeface="Courier New" panose="02070309020205020404" pitchFamily="49" charset="0"/>
+                <a:cs typeface="Courier New" panose="02070309020205020404" pitchFamily="49" charset="0"/>
+              </a:rPr>
+              <a:t>(coast)</a:t>
+            </a:r>
+          </a:p>
+          <a:p>
+            <a:pPr lvl="1"/>
+            <a:r>
+              <a:rPr lang="en-US" dirty="0" smtClean="0"/>
+              <a:t>create island as </a:t>
+            </a:r>
+            <a:r>
+              <a:rPr lang="en-US" dirty="0" smtClean="0">
+                <a:latin typeface="Courier New" panose="02070309020205020404" pitchFamily="49" charset="0"/>
+                <a:cs typeface="Courier New" panose="02070309020205020404" pitchFamily="49" charset="0"/>
+              </a:rPr>
+              <a:t>Polygon</a:t>
+            </a:r>
+            <a:r>
+              <a:rPr lang="en-US" dirty="0" smtClean="0">
+                <a:cs typeface="Courier New" panose="02070309020205020404" pitchFamily="49" charset="0"/>
+              </a:rPr>
+              <a:t>, coast as boundary, lake as hole</a:t>
+            </a:r>
+          </a:p>
+          <a:p>
+            <a:r>
+              <a:rPr lang="en-US" dirty="0" smtClean="0"/>
+              <a:t>Create cities</a:t>
+            </a:r>
+          </a:p>
+          <a:p>
+            <a:pPr lvl="1"/>
+            <a:r>
+              <a:rPr lang="en-US" dirty="0" smtClean="0"/>
+              <a:t>create city position as </a:t>
+            </a:r>
+            <a:r>
+              <a:rPr lang="en-US" dirty="0" smtClean="0">
+                <a:latin typeface="Courier New" panose="02070309020205020404" pitchFamily="49" charset="0"/>
+                <a:cs typeface="Courier New" panose="02070309020205020404" pitchFamily="49" charset="0"/>
+              </a:rPr>
+              <a:t>Point</a:t>
+            </a:r>
+          </a:p>
+          <a:p>
+            <a:pPr lvl="1"/>
+            <a:r>
+              <a:rPr lang="en-US" dirty="0" smtClean="0"/>
+              <a:t>extend proportional to size </a:t>
+            </a:r>
+            <a:r>
+              <a:rPr lang="en-US" dirty="0" smtClean="0">
+                <a:latin typeface="Courier New" panose="02070309020205020404" pitchFamily="49" charset="0"/>
+                <a:cs typeface="Courier New" panose="02070309020205020404" pitchFamily="49" charset="0"/>
+              </a:rPr>
+              <a:t>city = </a:t>
+            </a:r>
+            <a:r>
+              <a:rPr lang="en-US" dirty="0" err="1" smtClean="0">
+                <a:latin typeface="Courier New" panose="02070309020205020404" pitchFamily="49" charset="0"/>
+                <a:cs typeface="Courier New" panose="02070309020205020404" pitchFamily="49" charset="0"/>
+              </a:rPr>
+              <a:t>city.buffer</a:t>
+            </a:r>
+            <a:r>
+              <a:rPr lang="en-US" dirty="0" smtClean="0">
+                <a:latin typeface="Courier New" panose="02070309020205020404" pitchFamily="49" charset="0"/>
+                <a:cs typeface="Courier New" panose="02070309020205020404" pitchFamily="49" charset="0"/>
+              </a:rPr>
+              <a:t>(population)</a:t>
+            </a:r>
+          </a:p>
+          <a:p>
+            <a:pPr lvl="1"/>
+            <a:r>
+              <a:rPr lang="en-US" dirty="0" smtClean="0"/>
+              <a:t>retain if </a:t>
+            </a:r>
+            <a:r>
+              <a:rPr lang="en-US" dirty="0" err="1" smtClean="0">
+                <a:latin typeface="Courier New" panose="02070309020205020404" pitchFamily="49" charset="0"/>
+                <a:cs typeface="Courier New" panose="02070309020205020404" pitchFamily="49" charset="0"/>
+              </a:rPr>
+              <a:t>city.within</a:t>
+            </a:r>
+            <a:r>
+              <a:rPr lang="en-US" dirty="0" smtClean="0">
+                <a:latin typeface="Courier New" panose="02070309020205020404" pitchFamily="49" charset="0"/>
+                <a:cs typeface="Courier New" panose="02070309020205020404" pitchFamily="49" charset="0"/>
+              </a:rPr>
+              <a:t>(island)</a:t>
+            </a:r>
+          </a:p>
+          <a:p>
+            <a:r>
+              <a:rPr lang="en-US" dirty="0" smtClean="0"/>
+              <a:t>Create roads</a:t>
+            </a:r>
+          </a:p>
+          <a:p>
+            <a:pPr lvl="1"/>
+            <a:r>
+              <a:rPr lang="en-US" dirty="0" smtClean="0"/>
+              <a:t>create road as </a:t>
+            </a:r>
+            <a:r>
+              <a:rPr lang="en-US" dirty="0" err="1" smtClean="0">
+                <a:latin typeface="Courier New" panose="02070309020205020404" pitchFamily="49" charset="0"/>
+                <a:cs typeface="Courier New" panose="02070309020205020404" pitchFamily="49" charset="0"/>
+              </a:rPr>
+              <a:t>LineString</a:t>
+            </a:r>
+            <a:r>
+              <a:rPr lang="en-US" dirty="0" smtClean="0"/>
+              <a:t> between cities</a:t>
+            </a:r>
+          </a:p>
+          <a:p>
+            <a:pPr lvl="1"/>
+            <a:r>
+              <a:rPr lang="en-US" dirty="0" smtClean="0"/>
+              <a:t>retain if </a:t>
+            </a:r>
+            <a:r>
+              <a:rPr lang="en-US" dirty="0" err="1" smtClean="0">
+                <a:latin typeface="Courier New" panose="02070309020205020404" pitchFamily="49" charset="0"/>
+                <a:cs typeface="Courier New" panose="02070309020205020404" pitchFamily="49" charset="0"/>
+              </a:rPr>
+              <a:t>road.within</a:t>
+            </a:r>
+            <a:r>
+              <a:rPr lang="en-US" dirty="0" smtClean="0">
+                <a:latin typeface="Courier New" panose="02070309020205020404" pitchFamily="49" charset="0"/>
+                <a:cs typeface="Courier New" panose="02070309020205020404" pitchFamily="49" charset="0"/>
+              </a:rPr>
+              <a:t>(island)</a:t>
+            </a:r>
+            <a:endParaRPr lang="en-US" dirty="0">
+              <a:latin typeface="Courier New" panose="02070309020205020404" pitchFamily="49" charset="0"/>
+              <a:cs typeface="Courier New" panose="02070309020205020404" pitchFamily="49" charset="0"/>
+            </a:endParaRPr>
+          </a:p>
+        </p:txBody>
+      </p:sp>
+      <p:sp>
+        <p:nvSpPr>
+          <p:cNvPr id="4" name="Slide Number Placeholder 3"/>
+          <p:cNvSpPr>
+            <a:spLocks noGrp="1"/>
+          </p:cNvSpPr>
+          <p:nvPr>
+            <p:ph type="sldNum" sz="quarter" idx="12"/>
+          </p:nvPr>
+        </p:nvSpPr>
+        <p:spPr/>
+        <p:txBody>
+          <a:bodyPr/>
+          <a:lstStyle/>
+          <a:p>
+            <a:fld id="{5A209D72-2E9D-49B0-8977-41DCCC66C0BB}" type="slidenum">
+              <a:rPr lang="nl-BE" smtClean="0">
+                <a:solidFill>
+                  <a:prstClr val="black">
+                    <a:tint val="75000"/>
+                  </a:prstClr>
+                </a:solidFill>
+              </a:rPr>
+              <a:pPr/>
+              <a:t>12</a:t>
+            </a:fld>
+            <a:endParaRPr lang="nl-BE">
+              <a:solidFill>
+                <a:prstClr val="black">
+                  <a:tint val="75000"/>
+                </a:prstClr>
+              </a:solidFill>
+            </a:endParaRPr>
+          </a:p>
+        </p:txBody>
+      </p:sp>
+      <p:pic>
+        <p:nvPicPr>
+          <p:cNvPr id="5" name="Picture 4"/>
+          <p:cNvPicPr>
+            <a:picLocks noChangeAspect="1"/>
+          </p:cNvPicPr>
+          <p:nvPr/>
+        </p:nvPicPr>
+        <p:blipFill>
+          <a:blip r:embed="rId2">
+            <a:extLst>
+              <a:ext uri="{28A0092B-C50C-407E-A947-70E740481C1C}">
+                <a14:useLocalDpi xmlns:a14="http://schemas.microsoft.com/office/drawing/2010/main" val="0"/>
+              </a:ext>
+            </a:extLst>
+          </a:blip>
+          <a:stretch>
+            <a:fillRect/>
+          </a:stretch>
+        </p:blipFill>
+        <p:spPr>
+          <a:xfrm>
+            <a:off x="7234280" y="1600200"/>
+            <a:ext cx="1227376" cy="1155426"/>
+          </a:xfrm>
+          <a:prstGeom prst="rect">
+            <a:avLst/>
+          </a:prstGeom>
+          <a:effectLst>
+            <a:outerShdw blurRad="50800" dist="38100" dir="2700000" algn="tl" rotWithShape="0">
+              <a:prstClr val="black">
+                <a:alpha val="40000"/>
+              </a:prstClr>
+            </a:outerShdw>
+          </a:effectLst>
+        </p:spPr>
+      </p:pic>
+      <p:pic>
+        <p:nvPicPr>
+          <p:cNvPr id="6" name="Picture 5"/>
+          <p:cNvPicPr>
+            <a:picLocks noChangeAspect="1"/>
+          </p:cNvPicPr>
+          <p:nvPr/>
+        </p:nvPicPr>
+        <p:blipFill>
+          <a:blip r:embed="rId3">
+            <a:extLst>
+              <a:ext uri="{28A0092B-C50C-407E-A947-70E740481C1C}">
+                <a14:useLocalDpi xmlns:a14="http://schemas.microsoft.com/office/drawing/2010/main" val="0"/>
+              </a:ext>
+            </a:extLst>
+          </a:blip>
+          <a:stretch>
+            <a:fillRect/>
+          </a:stretch>
+        </p:blipFill>
+        <p:spPr>
+          <a:xfrm>
+            <a:off x="6684022" y="3701006"/>
+            <a:ext cx="2328390" cy="2336706"/>
+          </a:xfrm>
+          <a:prstGeom prst="rect">
+            <a:avLst/>
+          </a:prstGeom>
+        </p:spPr>
+      </p:pic>
+    </p:spTree>
+    <p:extLst>
+      <p:ext uri="{BB962C8B-B14F-4D97-AF65-F5344CB8AC3E}">
+        <p14:creationId xmlns:p14="http://schemas.microsoft.com/office/powerpoint/2010/main" val="309507373"/>
+      </p:ext>
+    </p:extLst>
+  </p:cSld>
+  <p:clrMapOvr>
+    <a:masterClrMapping/>
+  </p:clrMapOvr>
+  <p:timing>
+    <p:tnLst>
+      <p:par>
+        <p:cTn id="1" dur="indefinite" restart="never" nodeType="tmRoot">
+          <p:childTnLst>
+            <p:seq concurrent="1" nextAc="seek">
+              <p:cTn id="2" dur="indefinite" nodeType="mainSeq">
+                <p:childTnLst>
+                  <p:par>
+                    <p:cTn id="3" fill="hold">
+                      <p:stCondLst>
+                        <p:cond delay="indefinite"/>
+                        <p:cond evt="onBegin" delay="0">
+                          <p:tn val="2"/>
+                        </p:cond>
+                      </p:stCondLst>
+                      <p:childTnLst>
+                        <p:par>
+                          <p:cTn id="4" fill="hold">
+                            <p:stCondLst>
+                              <p:cond delay="0"/>
+                            </p:stCondLst>
+                            <p:childTnLst>
+                              <p:par>
+                                <p:cTn id="5" presetID="1" presetClass="entr" presetSubtype="0" fill="hold" grpId="0" nodeType="withEffect">
+                                  <p:stCondLst>
+                                    <p:cond delay="0"/>
+                                  </p:stCondLst>
+                                  <p:childTnLst>
+                                    <p:set>
+                                      <p:cBhvr>
+                                        <p:cTn id="6" dur="1" fill="hold">
+                                          <p:stCondLst>
+                                            <p:cond delay="0"/>
+                                          </p:stCondLst>
+                                        </p:cTn>
+                                        <p:tgtEl>
+                                          <p:spTgt spid="3">
+                                            <p:txEl>
+                                              <p:pRg st="0" end="0"/>
+                                            </p:txEl>
+                                          </p:spTgt>
+                                        </p:tgtEl>
+                                        <p:attrNameLst>
+                                          <p:attrName>style.visibility</p:attrName>
+                                        </p:attrNameLst>
+                                      </p:cBhvr>
+                                      <p:to>
+                                        <p:strVal val="visible"/>
+                                      </p:to>
+                                    </p:set>
+                                  </p:childTnLst>
+                                </p:cTn>
+                              </p:par>
+                            </p:childTnLst>
+                          </p:cTn>
+                        </p:par>
+                      </p:childTnLst>
+                    </p:cTn>
+                  </p:par>
+                  <p:par>
+                    <p:cTn id="7" fill="hold">
+                      <p:stCondLst>
+                        <p:cond delay="indefinite"/>
+                      </p:stCondLst>
+                      <p:childTnLst>
+                        <p:par>
+                          <p:cTn id="8" fill="hold">
+                            <p:stCondLst>
+                              <p:cond delay="0"/>
+                            </p:stCondLst>
+                            <p:childTnLst>
+                              <p:par>
+                                <p:cTn id="9" presetID="1" presetClass="entr" presetSubtype="0" fill="hold" grpId="0" nodeType="clickEffect">
+                                  <p:stCondLst>
+                                    <p:cond delay="0"/>
+                                  </p:stCondLst>
+                                  <p:childTnLst>
+                                    <p:set>
+                                      <p:cBhvr>
+                                        <p:cTn id="10" dur="1" fill="hold">
+                                          <p:stCondLst>
+                                            <p:cond delay="0"/>
+                                          </p:stCondLst>
+                                        </p:cTn>
+                                        <p:tgtEl>
+                                          <p:spTgt spid="3">
+                                            <p:txEl>
+                                              <p:pRg st="1" end="1"/>
+                                            </p:txEl>
+                                          </p:spTgt>
+                                        </p:tgtEl>
+                                        <p:attrNameLst>
+                                          <p:attrName>style.visibility</p:attrName>
+                                        </p:attrNameLst>
+                                      </p:cBhvr>
+                                      <p:to>
+                                        <p:strVal val="visible"/>
+                                      </p:to>
+                                    </p:set>
+                                  </p:childTnLst>
+                                </p:cTn>
+                              </p:par>
+                            </p:childTnLst>
+                          </p:cTn>
+                        </p:par>
+                      </p:childTnLst>
+                    </p:cTn>
+                  </p:par>
+                  <p:par>
+                    <p:cTn id="11" fill="hold">
+                      <p:stCondLst>
+                        <p:cond delay="indefinite"/>
+                      </p:stCondLst>
+                      <p:childTnLst>
+                        <p:par>
+                          <p:cTn id="12" fill="hold">
+                            <p:stCondLst>
+                              <p:cond delay="0"/>
+                            </p:stCondLst>
+                            <p:childTnLst>
+                              <p:par>
+                                <p:cTn id="13" presetID="1" presetClass="entr" presetSubtype="0" fill="hold" grpId="0" nodeType="clickEffect">
+                                  <p:stCondLst>
+                                    <p:cond delay="0"/>
+                                  </p:stCondLst>
+                                  <p:childTnLst>
+                                    <p:set>
+                                      <p:cBhvr>
+                                        <p:cTn id="14" dur="1" fill="hold">
+                                          <p:stCondLst>
+                                            <p:cond delay="0"/>
+                                          </p:stCondLst>
+                                        </p:cTn>
+                                        <p:tgtEl>
+                                          <p:spTgt spid="3">
+                                            <p:txEl>
+                                              <p:pRg st="2" end="2"/>
+                                            </p:txEl>
+                                          </p:spTgt>
+                                        </p:tgtEl>
+                                        <p:attrNameLst>
+                                          <p:attrName>style.visibility</p:attrName>
+                                        </p:attrNameLst>
+                                      </p:cBhvr>
+                                      <p:to>
+                                        <p:strVal val="visible"/>
+                                      </p:to>
+                                    </p:set>
+                                  </p:childTnLst>
+                                </p:cTn>
+                              </p:par>
+                            </p:childTnLst>
+                          </p:cTn>
+                        </p:par>
+                      </p:childTnLst>
+                    </p:cTn>
+                  </p:par>
+                  <p:par>
+                    <p:cTn id="15" fill="hold">
+                      <p:stCondLst>
+                        <p:cond delay="indefinite"/>
+                      </p:stCondLst>
+                      <p:childTnLst>
+                        <p:par>
+                          <p:cTn id="16" fill="hold">
+                            <p:stCondLst>
+                              <p:cond delay="0"/>
+                            </p:stCondLst>
+                            <p:childTnLst>
+                              <p:par>
+                                <p:cTn id="17" presetID="1" presetClass="entr" presetSubtype="0" fill="hold" grpId="0" nodeType="clickEffect">
+                                  <p:stCondLst>
+                                    <p:cond delay="0"/>
+                                  </p:stCondLst>
+                                  <p:childTnLst>
+                                    <p:set>
+                                      <p:cBhvr>
+                                        <p:cTn id="18" dur="1" fill="hold">
+                                          <p:stCondLst>
+                                            <p:cond delay="0"/>
+                                          </p:stCondLst>
+                                        </p:cTn>
+                                        <p:tgtEl>
+                                          <p:spTgt spid="3">
+                                            <p:txEl>
+                                              <p:pRg st="3" end="3"/>
+                                            </p:txEl>
+                                          </p:spTgt>
+                                        </p:tgtEl>
+                                        <p:attrNameLst>
+                                          <p:attrName>style.visibility</p:attrName>
+                                        </p:attrNameLst>
+                                      </p:cBhvr>
+                                      <p:to>
+                                        <p:strVal val="visible"/>
+                                      </p:to>
+                                    </p:set>
+                                  </p:childTnLst>
+                                </p:cTn>
+                              </p:par>
+                            </p:childTnLst>
+                          </p:cTn>
+                        </p:par>
+                      </p:childTnLst>
+                    </p:cTn>
+                  </p:par>
+                  <p:par>
+                    <p:cTn id="19" fill="hold">
+                      <p:stCondLst>
+                        <p:cond delay="indefinite"/>
+                      </p:stCondLst>
+                      <p:childTnLst>
+                        <p:par>
+                          <p:cTn id="20" fill="hold">
+                            <p:stCondLst>
+                              <p:cond delay="0"/>
+                            </p:stCondLst>
+                            <p:childTnLst>
+                              <p:par>
+                                <p:cTn id="21" presetID="1" presetClass="entr" presetSubtype="0" fill="hold" grpId="0" nodeType="clickEffect">
+                                  <p:stCondLst>
+                                    <p:cond delay="0"/>
+                                  </p:stCondLst>
+                                  <p:childTnLst>
+                                    <p:set>
+                                      <p:cBhvr>
+                                        <p:cTn id="22" dur="1" fill="hold">
+                                          <p:stCondLst>
+                                            <p:cond delay="0"/>
+                                          </p:stCondLst>
+                                        </p:cTn>
+                                        <p:tgtEl>
+                                          <p:spTgt spid="3">
+                                            <p:txEl>
+                                              <p:pRg st="4" end="4"/>
+                                            </p:txEl>
+                                          </p:spTgt>
+                                        </p:tgtEl>
+                                        <p:attrNameLst>
+                                          <p:attrName>style.visibility</p:attrName>
+                                        </p:attrNameLst>
+                                      </p:cBhvr>
+                                      <p:to>
+                                        <p:strVal val="visible"/>
+                                      </p:to>
+                                    </p:set>
+                                  </p:childTnLst>
+                                </p:cTn>
+                              </p:par>
+                            </p:childTnLst>
+                          </p:cTn>
+                        </p:par>
+                      </p:childTnLst>
+                    </p:cTn>
+                  </p:par>
+                  <p:par>
+                    <p:cTn id="23" fill="hold">
+                      <p:stCondLst>
+                        <p:cond delay="indefinite"/>
+                      </p:stCondLst>
+                      <p:childTnLst>
+                        <p:par>
+                          <p:cTn id="24" fill="hold">
+                            <p:stCondLst>
+                              <p:cond delay="0"/>
+                            </p:stCondLst>
+                            <p:childTnLst>
+                              <p:par>
+                                <p:cTn id="25" presetID="1" presetClass="entr" presetSubtype="0" fill="hold" nodeType="clickEffect">
+                                  <p:stCondLst>
+                                    <p:cond delay="0"/>
+                                  </p:stCondLst>
+                                  <p:childTnLst>
+                                    <p:set>
+                                      <p:cBhvr>
+                                        <p:cTn id="26" dur="1" fill="hold">
+                                          <p:stCondLst>
+                                            <p:cond delay="0"/>
+                                          </p:stCondLst>
+                                        </p:cTn>
+                                        <p:tgtEl>
+                                          <p:spTgt spid="5"/>
+                                        </p:tgtEl>
+                                        <p:attrNameLst>
+                                          <p:attrName>style.visibility</p:attrName>
+                                        </p:attrNameLst>
+                                      </p:cBhvr>
+                                      <p:to>
+                                        <p:strVal val="visible"/>
+                                      </p:to>
+                                    </p:set>
+                                  </p:childTnLst>
+                                </p:cTn>
+                              </p:par>
+                            </p:childTnLst>
+                          </p:cTn>
+                        </p:par>
+                      </p:childTnLst>
+                    </p:cTn>
+                  </p:par>
+                  <p:par>
+                    <p:cTn id="27" fill="hold">
+                      <p:stCondLst>
+                        <p:cond delay="indefinite"/>
+                      </p:stCondLst>
+                      <p:childTnLst>
+                        <p:par>
+                          <p:cTn id="28" fill="hold">
+                            <p:stCondLst>
+                              <p:cond delay="0"/>
+                            </p:stCondLst>
+                            <p:childTnLst>
+                              <p:par>
+                                <p:cTn id="29" presetID="1" presetClass="entr" presetSubtype="0" fill="hold" grpId="0" nodeType="clickEffect">
+                                  <p:stCondLst>
+                                    <p:cond delay="0"/>
+                                  </p:stCondLst>
+                                  <p:childTnLst>
+                                    <p:set>
+                                      <p:cBhvr>
+                                        <p:cTn id="30" dur="1" fill="hold">
+                                          <p:stCondLst>
+                                            <p:cond delay="0"/>
+                                          </p:stCondLst>
+                                        </p:cTn>
+                                        <p:tgtEl>
+                                          <p:spTgt spid="3">
+                                            <p:txEl>
+                                              <p:pRg st="5" end="5"/>
+                                            </p:txEl>
+                                          </p:spTgt>
+                                        </p:tgtEl>
+                                        <p:attrNameLst>
+                                          <p:attrName>style.visibility</p:attrName>
+                                        </p:attrNameLst>
+                                      </p:cBhvr>
+                                      <p:to>
+                                        <p:strVal val="visible"/>
+                                      </p:to>
+                                    </p:set>
+                                  </p:childTnLst>
+                                </p:cTn>
+                              </p:par>
+                            </p:childTnLst>
+                          </p:cTn>
+                        </p:par>
+                      </p:childTnLst>
+                    </p:cTn>
+                  </p:par>
+                  <p:par>
+                    <p:cTn id="31" fill="hold">
+                      <p:stCondLst>
+                        <p:cond delay="indefinite"/>
+                      </p:stCondLst>
+                      <p:childTnLst>
+                        <p:par>
+                          <p:cTn id="32" fill="hold">
+                            <p:stCondLst>
+                              <p:cond delay="0"/>
+                            </p:stCondLst>
+                            <p:childTnLst>
+                              <p:par>
+                                <p:cTn id="33" presetID="1" presetClass="entr" presetSubtype="0" fill="hold" grpId="0" nodeType="clickEffect">
+                                  <p:stCondLst>
+                                    <p:cond delay="0"/>
+                                  </p:stCondLst>
+                                  <p:childTnLst>
+                                    <p:set>
+                                      <p:cBhvr>
+                                        <p:cTn id="34" dur="1" fill="hold">
+                                          <p:stCondLst>
+                                            <p:cond delay="0"/>
+                                          </p:stCondLst>
+                                        </p:cTn>
+                                        <p:tgtEl>
+                                          <p:spTgt spid="3">
+                                            <p:txEl>
+                                              <p:pRg st="6" end="6"/>
+                                            </p:txEl>
+                                          </p:spTgt>
+                                        </p:tgtEl>
+                                        <p:attrNameLst>
+                                          <p:attrName>style.visibility</p:attrName>
+                                        </p:attrNameLst>
+                                      </p:cBhvr>
+                                      <p:to>
+                                        <p:strVal val="visible"/>
+                                      </p:to>
+                                    </p:set>
+                                  </p:childTnLst>
+                                </p:cTn>
+                              </p:par>
+                            </p:childTnLst>
+                          </p:cTn>
+                        </p:par>
+                      </p:childTnLst>
+                    </p:cTn>
+                  </p:par>
+                  <p:par>
+                    <p:cTn id="35" fill="hold">
+                      <p:stCondLst>
+                        <p:cond delay="indefinite"/>
+                      </p:stCondLst>
+                      <p:childTnLst>
+                        <p:par>
+                          <p:cTn id="36" fill="hold">
+                            <p:stCondLst>
+                              <p:cond delay="0"/>
+                            </p:stCondLst>
+                            <p:childTnLst>
+                              <p:par>
+                                <p:cTn id="37" presetID="1" presetClass="entr" presetSubtype="0" fill="hold" grpId="0" nodeType="clickEffect">
+                                  <p:stCondLst>
+                                    <p:cond delay="0"/>
+                                  </p:stCondLst>
+                                  <p:childTnLst>
+                                    <p:set>
+                                      <p:cBhvr>
+                                        <p:cTn id="38" dur="1" fill="hold">
+                                          <p:stCondLst>
+                                            <p:cond delay="0"/>
+                                          </p:stCondLst>
+                                        </p:cTn>
+                                        <p:tgtEl>
+                                          <p:spTgt spid="3">
+                                            <p:txEl>
+                                              <p:pRg st="7" end="7"/>
+                                            </p:txEl>
+                                          </p:spTgt>
+                                        </p:tgtEl>
+                                        <p:attrNameLst>
+                                          <p:attrName>style.visibility</p:attrName>
+                                        </p:attrNameLst>
+                                      </p:cBhvr>
+                                      <p:to>
+                                        <p:strVal val="visible"/>
+                                      </p:to>
+                                    </p:set>
+                                  </p:childTnLst>
+                                </p:cTn>
+                              </p:par>
+                            </p:childTnLst>
+                          </p:cTn>
+                        </p:par>
+                      </p:childTnLst>
+                    </p:cTn>
+                  </p:par>
+                  <p:par>
+                    <p:cTn id="39" fill="hold">
+                      <p:stCondLst>
+                        <p:cond delay="indefinite"/>
+                      </p:stCondLst>
+                      <p:childTnLst>
+                        <p:par>
+                          <p:cTn id="40" fill="hold">
+                            <p:stCondLst>
+                              <p:cond delay="0"/>
+                            </p:stCondLst>
+                            <p:childTnLst>
+                              <p:par>
+                                <p:cTn id="41" presetID="1" presetClass="entr" presetSubtype="0" fill="hold" grpId="0" nodeType="clickEffect">
+                                  <p:stCondLst>
+                                    <p:cond delay="0"/>
+                                  </p:stCondLst>
+                                  <p:childTnLst>
+                                    <p:set>
+                                      <p:cBhvr>
+                                        <p:cTn id="42" dur="1" fill="hold">
+                                          <p:stCondLst>
+                                            <p:cond delay="0"/>
+                                          </p:stCondLst>
+                                        </p:cTn>
+                                        <p:tgtEl>
+                                          <p:spTgt spid="3">
+                                            <p:txEl>
+                                              <p:pRg st="8" end="8"/>
+                                            </p:txEl>
+                                          </p:spTgt>
+                                        </p:tgtEl>
+                                        <p:attrNameLst>
+                                          <p:attrName>style.visibility</p:attrName>
+                                        </p:attrNameLst>
+                                      </p:cBhvr>
+                                      <p:to>
+                                        <p:strVal val="visible"/>
+                                      </p:to>
+                                    </p:set>
+                                  </p:childTnLst>
+                                </p:cTn>
+                              </p:par>
+                            </p:childTnLst>
+                          </p:cTn>
+                        </p:par>
+                      </p:childTnLst>
+                    </p:cTn>
+                  </p:par>
+                  <p:par>
+                    <p:cTn id="43" fill="hold">
+                      <p:stCondLst>
+                        <p:cond delay="indefinite"/>
+                      </p:stCondLst>
+                      <p:childTnLst>
+                        <p:par>
+                          <p:cTn id="44" fill="hold">
+                            <p:stCondLst>
+                              <p:cond delay="0"/>
+                            </p:stCondLst>
+                            <p:childTnLst>
+                              <p:par>
+                                <p:cTn id="45" presetID="1" presetClass="entr" presetSubtype="0" fill="hold" grpId="0" nodeType="clickEffect">
+                                  <p:stCondLst>
+                                    <p:cond delay="0"/>
+                                  </p:stCondLst>
+                                  <p:childTnLst>
+                                    <p:set>
+                                      <p:cBhvr>
+                                        <p:cTn id="46" dur="1" fill="hold">
+                                          <p:stCondLst>
+                                            <p:cond delay="0"/>
+                                          </p:stCondLst>
+                                        </p:cTn>
+                                        <p:tgtEl>
+                                          <p:spTgt spid="3">
+                                            <p:txEl>
+                                              <p:pRg st="9" end="9"/>
+                                            </p:txEl>
+                                          </p:spTgt>
+                                        </p:tgtEl>
+                                        <p:attrNameLst>
+                                          <p:attrName>style.visibility</p:attrName>
+                                        </p:attrNameLst>
+                                      </p:cBhvr>
+                                      <p:to>
+                                        <p:strVal val="visible"/>
+                                      </p:to>
+                                    </p:set>
+                                  </p:childTnLst>
+                                </p:cTn>
+                              </p:par>
+                            </p:childTnLst>
+                          </p:cTn>
+                        </p:par>
+                      </p:childTnLst>
+                    </p:cTn>
+                  </p:par>
+                  <p:par>
+                    <p:cTn id="47" fill="hold">
+                      <p:stCondLst>
+                        <p:cond delay="indefinite"/>
+                      </p:stCondLst>
+                      <p:childTnLst>
+                        <p:par>
+                          <p:cTn id="48" fill="hold">
+                            <p:stCondLst>
+                              <p:cond delay="0"/>
+                            </p:stCondLst>
+                            <p:childTnLst>
+                              <p:par>
+                                <p:cTn id="49" presetID="1" presetClass="entr" presetSubtype="0" fill="hold" grpId="0" nodeType="clickEffect">
+                                  <p:stCondLst>
+                                    <p:cond delay="0"/>
+                                  </p:stCondLst>
+                                  <p:childTnLst>
+                                    <p:set>
+                                      <p:cBhvr>
+                                        <p:cTn id="50" dur="1" fill="hold">
+                                          <p:stCondLst>
+                                            <p:cond delay="0"/>
+                                          </p:stCondLst>
+                                        </p:cTn>
+                                        <p:tgtEl>
+                                          <p:spTgt spid="3">
+                                            <p:txEl>
+                                              <p:pRg st="10" end="10"/>
+                                            </p:txEl>
+                                          </p:spTgt>
+                                        </p:tgtEl>
+                                        <p:attrNameLst>
+                                          <p:attrName>style.visibility</p:attrName>
+                                        </p:attrNameLst>
+                                      </p:cBhvr>
+                                      <p:to>
+                                        <p:strVal val="visible"/>
+                                      </p:to>
+                                    </p:set>
+                                  </p:childTnLst>
+                                </p:cTn>
+                              </p:par>
+                            </p:childTnLst>
+                          </p:cTn>
+                        </p:par>
+                      </p:childTnLst>
+                    </p:cTn>
+                  </p:par>
+                  <p:par>
+                    <p:cTn id="51" fill="hold">
+                      <p:stCondLst>
+                        <p:cond delay="indefinite"/>
+                      </p:stCondLst>
+                      <p:childTnLst>
+                        <p:par>
+                          <p:cTn id="52" fill="hold">
+                            <p:stCondLst>
+                              <p:cond delay="0"/>
+                            </p:stCondLst>
+                            <p:childTnLst>
+                              <p:par>
+                                <p:cTn id="53" presetID="1" presetClass="entr" presetSubtype="0" fill="hold" grpId="0" nodeType="clickEffect">
+                                  <p:stCondLst>
+                                    <p:cond delay="0"/>
+                                  </p:stCondLst>
+                                  <p:childTnLst>
+                                    <p:set>
+                                      <p:cBhvr>
+                                        <p:cTn id="54" dur="1" fill="hold">
+                                          <p:stCondLst>
+                                            <p:cond delay="0"/>
+                                          </p:stCondLst>
+                                        </p:cTn>
+                                        <p:tgtEl>
+                                          <p:spTgt spid="3">
+                                            <p:txEl>
+                                              <p:pRg st="11" end="11"/>
+                                            </p:txEl>
+                                          </p:spTgt>
+                                        </p:tgtEl>
+                                        <p:attrNameLst>
+                                          <p:attrName>style.visibility</p:attrName>
+                                        </p:attrNameLst>
+                                      </p:cBhvr>
+                                      <p:to>
+                                        <p:strVal val="visible"/>
+                                      </p:to>
+                                    </p:set>
+                                  </p:childTnLst>
+                                </p:cTn>
+                              </p:par>
+                            </p:childTnLst>
+                          </p:cTn>
+                        </p:par>
+                      </p:childTnLst>
+                    </p:cTn>
+                  </p:par>
+                  <p:par>
+                    <p:cTn id="55" fill="hold">
+                      <p:stCondLst>
+                        <p:cond delay="indefinite"/>
+                      </p:stCondLst>
+                      <p:childTnLst>
+                        <p:par>
+                          <p:cTn id="56" fill="hold">
+                            <p:stCondLst>
+                              <p:cond delay="0"/>
+                            </p:stCondLst>
+                            <p:childTnLst>
+                              <p:par>
+                                <p:cTn id="57" presetID="1" presetClass="entr" presetSubtype="0" fill="hold" nodeType="clickEffect">
+                                  <p:stCondLst>
+                                    <p:cond delay="0"/>
+                                  </p:stCondLst>
+                                  <p:childTnLst>
+                                    <p:set>
+                                      <p:cBhvr>
+                                        <p:cTn id="58" dur="1" fill="hold">
+                                          <p:stCondLst>
+                                            <p:cond delay="0"/>
+                                          </p:stCondLst>
+                                        </p:cTn>
+                                        <p:tgtEl>
+                                          <p:spTgt spid="6"/>
+                                        </p:tgtEl>
+                                        <p:attrNameLst>
+                                          <p:attrName>style.visibility</p:attrName>
+                                        </p:attrNameLst>
+                                      </p:cBhvr>
+                                      <p:to>
+                                        <p:strVal val="visible"/>
+                                      </p:to>
+                                    </p:set>
+                                  </p:childTnLst>
+                                </p:cTn>
+                              </p:par>
+                            </p:childTnLst>
+                          </p:cTn>
+                        </p:par>
+                      </p:childTnLst>
+                    </p:cTn>
+                  </p:par>
+                </p:childTnLst>
+              </p:cTn>
+              <p:prevCondLst>
+                <p:cond evt="onPrev" delay="0">
+                  <p:tgtEl>
+                    <p:sldTgt/>
+                  </p:tgtEl>
+                </p:cond>
+              </p:prevCondLst>
+              <p:nextCondLst>
+                <p:cond evt="onNext" delay="0">
+                  <p:tgtEl>
+                    <p:sldTgt/>
+                  </p:tgtEl>
+                </p:cond>
+              </p:nextCondLst>
+            </p:seq>
+          </p:childTnLst>
+        </p:cTn>
+      </p:par>
+    </p:tnLst>
+    <p:bldLst>
+      <p:bldP spid="3" grpId="0" uiExpand="1" build="p" bldLvl="2"/>
+    </p:bldLst>
+  </p:timing>
+</p:sld>
+</file>
+
+<file path=ppt/slides/slide13.xml><?xml version="1.0" encoding="utf-8"?>
+<p:sld xmlns:a="http://schemas.openxmlformats.org/drawingml/2006/main" xmlns:r="http://schemas.openxmlformats.org/officeDocument/2006/relationships" xmlns:p="http://schemas.openxmlformats.org/presentationml/2006/main">
+  <p:cSld>
+    <p:spTree>
+      <p:nvGrpSpPr>
+        <p:cNvPr id="1" name=""/>
+        <p:cNvGrpSpPr/>
+        <p:nvPr/>
+      </p:nvGrpSpPr>
+      <p:grpSpPr>
+        <a:xfrm>
+          <a:off x="0" y="0"/>
+          <a:ext cx="0" cy="0"/>
+          <a:chOff x="0" y="0"/>
+          <a:chExt cx="0" cy="0"/>
+        </a:xfrm>
+      </p:grpSpPr>
+      <p:sp>
+        <p:nvSpPr>
+          <p:cNvPr id="2" name="Title 1"/>
+          <p:cNvSpPr>
+            <a:spLocks noGrp="1"/>
+          </p:cNvSpPr>
+          <p:nvPr>
+            <p:ph type="title"/>
+          </p:nvPr>
+        </p:nvSpPr>
+        <p:spPr/>
+        <p:txBody>
+          <a:bodyPr/>
+          <a:lstStyle/>
+          <a:p>
+            <a:r>
+              <a:rPr lang="en-US" dirty="0" smtClean="0"/>
               <a:t>Further reading</a:t>
             </a:r>
             <a:endParaRPr lang="en-US" dirty="0"/>
@@ -5258,7 +6348,7 @@
                 </a:solidFill>
               </a:rPr>
               <a:pPr/>
-              <a:t>12</a:t>
+              <a:t>13</a:t>
             </a:fld>
             <a:endParaRPr lang="nl-BE">
               <a:solidFill>
@@ -9247,11 +10337,7 @@
           <a:p>
             <a:r>
               <a:rPr lang="en-US" dirty="0" smtClean="0"/>
-              <a:t>Shapely: </a:t>
-            </a:r>
-            <a:r>
-              <a:rPr lang="en-US" dirty="0" smtClean="0"/>
-              <a:t>geometric objects</a:t>
+              <a:t>Shapely: geometric objects</a:t>
             </a:r>
             <a:endParaRPr lang="en-US" dirty="0"/>
           </a:p>
@@ -9288,11 +10374,7 @@
             </a:r>
             <a:r>
               <a:rPr lang="en-US" dirty="0" smtClean="0"/>
-              <a:t>: 2D or </a:t>
-            </a:r>
-            <a:r>
-              <a:rPr lang="en-US" dirty="0" smtClean="0"/>
-              <a:t>3D</a:t>
+              <a:t>: 2D or 3D</a:t>
             </a:r>
           </a:p>
           <a:p>
@@ -9307,7 +10389,6 @@
               <a:rPr lang="en-US" dirty="0" smtClean="0"/>
               <a:t>: collection of Point</a:t>
             </a:r>
-            <a:endParaRPr lang="en-US" dirty="0" smtClean="0"/>
           </a:p>
           <a:p>
             <a:r>
@@ -10267,11 +11348,7 @@
           <a:p>
             <a:r>
               <a:rPr lang="en-US" dirty="0" smtClean="0"/>
-              <a:t>Shapely: </a:t>
-            </a:r>
-            <a:r>
-              <a:rPr lang="en-US" dirty="0" smtClean="0"/>
-              <a:t>object examples</a:t>
+              <a:t>Shapely: object examples</a:t>
             </a:r>
             <a:endParaRPr lang="en-US" dirty="0"/>
           </a:p>

--- a/Python/python_gis.pptx
+++ b/Python/python_gis.pptx
@@ -5082,6 +5082,463 @@
           </a:p>
         </p:txBody>
       </p:sp>
+      <p:grpSp>
+        <p:nvGrpSpPr>
+          <p:cNvPr id="11" name="Group 10"/>
+          <p:cNvGrpSpPr/>
+          <p:nvPr/>
+        </p:nvGrpSpPr>
+        <p:grpSpPr>
+          <a:xfrm>
+            <a:off x="301922" y="2799091"/>
+            <a:ext cx="8437195" cy="1398699"/>
+            <a:chOff x="301922" y="2799091"/>
+            <a:chExt cx="8437195" cy="1398699"/>
+          </a:xfrm>
+        </p:grpSpPr>
+        <p:sp>
+          <p:nvSpPr>
+            <p:cNvPr id="5" name="TextBox 4"/>
+            <p:cNvSpPr txBox="1"/>
+            <p:nvPr/>
+          </p:nvSpPr>
+          <p:spPr>
+            <a:xfrm>
+              <a:off x="301922" y="2799091"/>
+              <a:ext cx="8437195" cy="923330"/>
+            </a:xfrm>
+            <a:prstGeom prst="rect">
+              <a:avLst/>
+            </a:prstGeom>
+            <a:solidFill>
+              <a:schemeClr val="accent4">
+                <a:lumMod val="40000"/>
+                <a:lumOff val="60000"/>
+              </a:schemeClr>
+            </a:solidFill>
+          </p:spPr>
+          <p:txBody>
+            <a:bodyPr wrap="square" rtlCol="0">
+              <a:spAutoFit/>
+            </a:bodyPr>
+            <a:lstStyle/>
+            <a:p>
+              <a:r>
+                <a:rPr lang="en-US" dirty="0">
+                  <a:latin typeface="Courier New" pitchFamily="49" charset="0"/>
+                  <a:cs typeface="Courier New" pitchFamily="49" charset="0"/>
+                </a:rPr>
+                <a:t>line1 = </a:t>
+              </a:r>
+              <a:r>
+                <a:rPr lang="en-US" dirty="0" err="1">
+                  <a:latin typeface="Courier New" pitchFamily="49" charset="0"/>
+                  <a:cs typeface="Courier New" pitchFamily="49" charset="0"/>
+                </a:rPr>
+                <a:t>LineString</a:t>
+              </a:r>
+              <a:r>
+                <a:rPr lang="en-US" dirty="0">
+                  <a:latin typeface="Courier New" pitchFamily="49" charset="0"/>
+                  <a:cs typeface="Courier New" pitchFamily="49" charset="0"/>
+                </a:rPr>
+                <a:t>([(0.0, 1.0), (1.0, 0.5), (2.0, 1.5)])</a:t>
+              </a:r>
+            </a:p>
+            <a:p>
+              <a:r>
+                <a:rPr lang="en-US" dirty="0">
+                  <a:latin typeface="Courier New" pitchFamily="49" charset="0"/>
+                  <a:cs typeface="Courier New" pitchFamily="49" charset="0"/>
+                </a:rPr>
+                <a:t>line2 = </a:t>
+              </a:r>
+              <a:r>
+                <a:rPr lang="en-US" dirty="0" err="1">
+                  <a:latin typeface="Courier New" pitchFamily="49" charset="0"/>
+                  <a:cs typeface="Courier New" pitchFamily="49" charset="0"/>
+                </a:rPr>
+                <a:t>LineString</a:t>
+              </a:r>
+              <a:r>
+                <a:rPr lang="en-US" dirty="0">
+                  <a:latin typeface="Courier New" pitchFamily="49" charset="0"/>
+                  <a:cs typeface="Courier New" pitchFamily="49" charset="0"/>
+                </a:rPr>
+                <a:t>([(1.0, 0.5), (0.0, 2.0), ((-1.5, 1.0))])</a:t>
+              </a:r>
+            </a:p>
+            <a:p>
+              <a:r>
+                <a:rPr lang="en-US" dirty="0" err="1">
+                  <a:latin typeface="Courier New" pitchFamily="49" charset="0"/>
+                  <a:cs typeface="Courier New" pitchFamily="49" charset="0"/>
+                </a:rPr>
+                <a:t>multi_line</a:t>
+              </a:r>
+              <a:r>
+                <a:rPr lang="en-US" dirty="0">
+                  <a:latin typeface="Courier New" pitchFamily="49" charset="0"/>
+                  <a:cs typeface="Courier New" pitchFamily="49" charset="0"/>
+                </a:rPr>
+                <a:t> = </a:t>
+              </a:r>
+              <a:r>
+                <a:rPr lang="en-US" dirty="0" err="1">
+                  <a:latin typeface="Courier New" pitchFamily="49" charset="0"/>
+                  <a:cs typeface="Courier New" pitchFamily="49" charset="0"/>
+                </a:rPr>
+                <a:t>MultiLineString</a:t>
+              </a:r>
+              <a:r>
+                <a:rPr lang="en-US" dirty="0">
+                  <a:latin typeface="Courier New" pitchFamily="49" charset="0"/>
+                  <a:cs typeface="Courier New" pitchFamily="49" charset="0"/>
+                </a:rPr>
+                <a:t>([line1, line2]</a:t>
+              </a:r>
+              <a:endParaRPr lang="en-US" dirty="0" smtClean="0">
+                <a:latin typeface="Courier New" pitchFamily="49" charset="0"/>
+                <a:cs typeface="Courier New" pitchFamily="49" charset="0"/>
+              </a:endParaRPr>
+            </a:p>
+          </p:txBody>
+        </p:sp>
+        <p:pic>
+          <p:nvPicPr>
+            <p:cNvPr id="6" name="Picture 5"/>
+            <p:cNvPicPr>
+              <a:picLocks noChangeAspect="1"/>
+            </p:cNvPicPr>
+            <p:nvPr/>
+          </p:nvPicPr>
+          <p:blipFill>
+            <a:blip r:embed="rId2">
+              <a:extLst>
+                <a:ext uri="{28A0092B-C50C-407E-A947-70E740481C1C}">
+                  <a14:useLocalDpi xmlns:a14="http://schemas.microsoft.com/office/drawing/2010/main" val="0"/>
+                </a:ext>
+              </a:extLst>
+            </a:blip>
+            <a:stretch>
+              <a:fillRect/>
+            </a:stretch>
+          </p:blipFill>
+          <p:spPr>
+            <a:xfrm>
+              <a:off x="6613315" y="3569140"/>
+              <a:ext cx="1285875" cy="628650"/>
+            </a:xfrm>
+            <a:prstGeom prst="rect">
+              <a:avLst/>
+            </a:prstGeom>
+            <a:effectLst>
+              <a:outerShdw blurRad="50800" dist="38100" dir="2700000" algn="tl" rotWithShape="0">
+                <a:prstClr val="black">
+                  <a:alpha val="40000"/>
+                </a:prstClr>
+              </a:outerShdw>
+            </a:effectLst>
+          </p:spPr>
+        </p:pic>
+      </p:grpSp>
+      <p:grpSp>
+        <p:nvGrpSpPr>
+          <p:cNvPr id="10" name="Group 9"/>
+          <p:cNvGrpSpPr/>
+          <p:nvPr/>
+        </p:nvGrpSpPr>
+        <p:grpSpPr>
+          <a:xfrm>
+            <a:off x="301921" y="4382354"/>
+            <a:ext cx="8437195" cy="744920"/>
+            <a:chOff x="301921" y="4382354"/>
+            <a:chExt cx="8437195" cy="744920"/>
+          </a:xfrm>
+        </p:grpSpPr>
+        <p:sp>
+          <p:nvSpPr>
+            <p:cNvPr id="7" name="TextBox 6"/>
+            <p:cNvSpPr txBox="1"/>
+            <p:nvPr/>
+          </p:nvSpPr>
+          <p:spPr>
+            <a:xfrm>
+              <a:off x="301921" y="4382354"/>
+              <a:ext cx="8437195" cy="369332"/>
+            </a:xfrm>
+            <a:prstGeom prst="rect">
+              <a:avLst/>
+            </a:prstGeom>
+            <a:solidFill>
+              <a:schemeClr val="accent4">
+                <a:lumMod val="40000"/>
+                <a:lumOff val="60000"/>
+              </a:schemeClr>
+            </a:solidFill>
+          </p:spPr>
+          <p:txBody>
+            <a:bodyPr wrap="square" rtlCol="0">
+              <a:spAutoFit/>
+            </a:bodyPr>
+            <a:lstStyle/>
+            <a:p>
+              <a:r>
+                <a:rPr lang="en-US" dirty="0" smtClean="0">
+                  <a:latin typeface="Courier New" pitchFamily="49" charset="0"/>
+                  <a:cs typeface="Courier New" pitchFamily="49" charset="0"/>
+                </a:rPr>
+                <a:t>buff1 </a:t>
+              </a:r>
+              <a:r>
+                <a:rPr lang="en-US" dirty="0">
+                  <a:latin typeface="Courier New" pitchFamily="49" charset="0"/>
+                  <a:cs typeface="Courier New" pitchFamily="49" charset="0"/>
+                </a:rPr>
+                <a:t>= </a:t>
+              </a:r>
+              <a:r>
+                <a:rPr lang="en-US" dirty="0" err="1">
+                  <a:latin typeface="Courier New" pitchFamily="49" charset="0"/>
+                  <a:cs typeface="Courier New" pitchFamily="49" charset="0"/>
+                </a:rPr>
+                <a:t>multi_line.buffer</a:t>
+              </a:r>
+              <a:r>
+                <a:rPr lang="en-US" dirty="0">
+                  <a:latin typeface="Courier New" pitchFamily="49" charset="0"/>
+                  <a:cs typeface="Courier New" pitchFamily="49" charset="0"/>
+                </a:rPr>
+                <a:t>(0.1)</a:t>
+              </a:r>
+              <a:endParaRPr lang="en-US" dirty="0" smtClean="0">
+                <a:latin typeface="Courier New" pitchFamily="49" charset="0"/>
+                <a:cs typeface="Courier New" pitchFamily="49" charset="0"/>
+              </a:endParaRPr>
+            </a:p>
+          </p:txBody>
+        </p:sp>
+        <p:pic>
+          <p:nvPicPr>
+            <p:cNvPr id="8" name="Picture 7"/>
+            <p:cNvPicPr>
+              <a:picLocks noChangeAspect="1"/>
+            </p:cNvPicPr>
+            <p:nvPr/>
+          </p:nvPicPr>
+          <p:blipFill>
+            <a:blip r:embed="rId3">
+              <a:extLst>
+                <a:ext uri="{28A0092B-C50C-407E-A947-70E740481C1C}">
+                  <a14:useLocalDpi xmlns:a14="http://schemas.microsoft.com/office/drawing/2010/main" val="0"/>
+                </a:ext>
+              </a:extLst>
+            </a:blip>
+            <a:stretch>
+              <a:fillRect/>
+            </a:stretch>
+          </p:blipFill>
+          <p:spPr>
+            <a:xfrm>
+              <a:off x="6689515" y="4517674"/>
+              <a:ext cx="1209675" cy="609600"/>
+            </a:xfrm>
+            <a:prstGeom prst="rect">
+              <a:avLst/>
+            </a:prstGeom>
+            <a:effectLst>
+              <a:outerShdw blurRad="50800" dist="38100" dir="2700000" algn="tl" rotWithShape="0">
+                <a:prstClr val="black">
+                  <a:alpha val="40000"/>
+                </a:prstClr>
+              </a:outerShdw>
+            </a:effectLst>
+          </p:spPr>
+        </p:pic>
+      </p:grpSp>
+      <p:grpSp>
+        <p:nvGrpSpPr>
+          <p:cNvPr id="13" name="Group 12"/>
+          <p:cNvGrpSpPr/>
+          <p:nvPr/>
+        </p:nvGrpSpPr>
+        <p:grpSpPr>
+          <a:xfrm>
+            <a:off x="301921" y="5322897"/>
+            <a:ext cx="8437195" cy="1257673"/>
+            <a:chOff x="301921" y="5322897"/>
+            <a:chExt cx="8437195" cy="1257673"/>
+          </a:xfrm>
+        </p:grpSpPr>
+        <p:sp>
+          <p:nvSpPr>
+            <p:cNvPr id="9" name="TextBox 8"/>
+            <p:cNvSpPr txBox="1"/>
+            <p:nvPr/>
+          </p:nvSpPr>
+          <p:spPr>
+            <a:xfrm>
+              <a:off x="301921" y="5322897"/>
+              <a:ext cx="8437195" cy="646331"/>
+            </a:xfrm>
+            <a:prstGeom prst="rect">
+              <a:avLst/>
+            </a:prstGeom>
+            <a:solidFill>
+              <a:schemeClr val="accent4">
+                <a:lumMod val="40000"/>
+                <a:lumOff val="60000"/>
+              </a:schemeClr>
+            </a:solidFill>
+          </p:spPr>
+          <p:txBody>
+            <a:bodyPr wrap="square" rtlCol="0">
+              <a:spAutoFit/>
+            </a:bodyPr>
+            <a:lstStyle/>
+            <a:p>
+              <a:r>
+                <a:rPr lang="en-US" dirty="0" smtClean="0">
+                  <a:latin typeface="Courier New" pitchFamily="49" charset="0"/>
+                  <a:cs typeface="Courier New" pitchFamily="49" charset="0"/>
+                </a:rPr>
+                <a:t>buff2 = </a:t>
+              </a:r>
+              <a:r>
+                <a:rPr lang="en-US" dirty="0" err="1" smtClean="0">
+                  <a:latin typeface="Courier New" pitchFamily="49" charset="0"/>
+                  <a:cs typeface="Courier New" pitchFamily="49" charset="0"/>
+                </a:rPr>
+                <a:t>multi_line.buffer</a:t>
+              </a:r>
+              <a:r>
+                <a:rPr lang="en-US" dirty="0" smtClean="0">
+                  <a:latin typeface="Courier New" pitchFamily="49" charset="0"/>
+                  <a:cs typeface="Courier New" pitchFamily="49" charset="0"/>
+                </a:rPr>
+                <a:t>(0.1</a:t>
+              </a:r>
+              <a:r>
+                <a:rPr lang="en-US" dirty="0">
+                  <a:latin typeface="Courier New" pitchFamily="49" charset="0"/>
+                  <a:cs typeface="Courier New" pitchFamily="49" charset="0"/>
+                </a:rPr>
+                <a:t>, </a:t>
+              </a:r>
+              <a:r>
+                <a:rPr lang="en-US" dirty="0" err="1">
+                  <a:latin typeface="Courier New" pitchFamily="49" charset="0"/>
+                  <a:cs typeface="Courier New" pitchFamily="49" charset="0"/>
+                </a:rPr>
+                <a:t>cap_style</a:t>
+              </a:r>
+              <a:r>
+                <a:rPr lang="en-US" dirty="0">
+                  <a:latin typeface="Courier New" pitchFamily="49" charset="0"/>
+                  <a:cs typeface="Courier New" pitchFamily="49" charset="0"/>
+                </a:rPr>
+                <a:t>=</a:t>
+              </a:r>
+              <a:r>
+                <a:rPr lang="en-US" dirty="0" err="1">
+                  <a:latin typeface="Courier New" pitchFamily="49" charset="0"/>
+                  <a:cs typeface="Courier New" pitchFamily="49" charset="0"/>
+                </a:rPr>
+                <a:t>CAP_STYLE.flat</a:t>
+              </a:r>
+              <a:r>
+                <a:rPr lang="en-US" dirty="0" smtClean="0">
+                  <a:latin typeface="Courier New" pitchFamily="49" charset="0"/>
+                  <a:cs typeface="Courier New" pitchFamily="49" charset="0"/>
+                </a:rPr>
+                <a:t>,</a:t>
+              </a:r>
+              <a:br>
+                <a:rPr lang="en-US" dirty="0" smtClean="0">
+                  <a:latin typeface="Courier New" pitchFamily="49" charset="0"/>
+                  <a:cs typeface="Courier New" pitchFamily="49" charset="0"/>
+                </a:rPr>
+              </a:br>
+              <a:r>
+                <a:rPr lang="en-US" dirty="0" smtClean="0">
+                  <a:latin typeface="Courier New" pitchFamily="49" charset="0"/>
+                  <a:cs typeface="Courier New" pitchFamily="49" charset="0"/>
+                </a:rPr>
+                <a:t>                               </a:t>
+              </a:r>
+              <a:r>
+                <a:rPr lang="en-US" dirty="0" err="1">
+                  <a:latin typeface="Courier New" pitchFamily="49" charset="0"/>
+                  <a:cs typeface="Courier New" pitchFamily="49" charset="0"/>
+                </a:rPr>
+                <a:t>join_style</a:t>
+              </a:r>
+              <a:r>
+                <a:rPr lang="en-US" dirty="0">
+                  <a:latin typeface="Courier New" pitchFamily="49" charset="0"/>
+                  <a:cs typeface="Courier New" pitchFamily="49" charset="0"/>
+                </a:rPr>
+                <a:t>=</a:t>
+              </a:r>
+              <a:r>
+                <a:rPr lang="en-US" dirty="0" err="1">
+                  <a:latin typeface="Courier New" pitchFamily="49" charset="0"/>
+                  <a:cs typeface="Courier New" pitchFamily="49" charset="0"/>
+                </a:rPr>
+                <a:t>JOIN_STYLE.mitre</a:t>
+              </a:r>
+              <a:r>
+                <a:rPr lang="en-US" dirty="0">
+                  <a:latin typeface="Courier New" pitchFamily="49" charset="0"/>
+                  <a:cs typeface="Courier New" pitchFamily="49" charset="0"/>
+                </a:rPr>
+                <a:t>)</a:t>
+              </a:r>
+              <a:endParaRPr lang="en-US" dirty="0" smtClean="0">
+                <a:latin typeface="Courier New" pitchFamily="49" charset="0"/>
+                <a:cs typeface="Courier New" pitchFamily="49" charset="0"/>
+              </a:endParaRPr>
+            </a:p>
+          </p:txBody>
+        </p:sp>
+        <p:pic>
+          <p:nvPicPr>
+            <p:cNvPr id="12" name="Picture 11"/>
+            <p:cNvPicPr>
+              <a:picLocks noChangeAspect="1"/>
+            </p:cNvPicPr>
+            <p:nvPr/>
+          </p:nvPicPr>
+          <p:blipFill>
+            <a:blip r:embed="rId4">
+              <a:extLst>
+                <a:ext uri="{28A0092B-C50C-407E-A947-70E740481C1C}">
+                  <a14:useLocalDpi xmlns:a14="http://schemas.microsoft.com/office/drawing/2010/main" val="0"/>
+                </a:ext>
+              </a:extLst>
+            </a:blip>
+            <a:stretch>
+              <a:fillRect/>
+            </a:stretch>
+          </p:blipFill>
+          <p:spPr>
+            <a:xfrm>
+              <a:off x="6689515" y="5942395"/>
+              <a:ext cx="1209675" cy="638175"/>
+            </a:xfrm>
+            <a:prstGeom prst="rect">
+              <a:avLst/>
+            </a:prstGeom>
+            <a:effectLst>
+              <a:outerShdw blurRad="50800" dist="38100" dir="2700000" algn="tl" rotWithShape="0">
+                <a:prstClr val="black">
+                  <a:alpha val="40000"/>
+                </a:prstClr>
+              </a:outerShdw>
+            </a:effectLst>
+          </p:spPr>
+        </p:pic>
+      </p:grpSp>
     </p:spTree>
     <p:extLst>
       <p:ext uri="{BB962C8B-B14F-4D97-AF65-F5344CB8AC3E}">
@@ -5095,7 +5552,165 @@
   <p:timing>
     <p:tnLst>
       <p:par>
-        <p:cTn id="1" dur="indefinite" restart="never" nodeType="tmRoot"/>
+        <p:cTn id="1" dur="indefinite" restart="never" nodeType="tmRoot">
+          <p:childTnLst>
+            <p:seq concurrent="1" nextAc="seek">
+              <p:cTn id="2" dur="indefinite" nodeType="mainSeq">
+                <p:childTnLst>
+                  <p:par>
+                    <p:cTn id="3" fill="hold">
+                      <p:stCondLst>
+                        <p:cond delay="indefinite"/>
+                      </p:stCondLst>
+                      <p:childTnLst>
+                        <p:par>
+                          <p:cTn id="4" fill="hold">
+                            <p:stCondLst>
+                              <p:cond delay="0"/>
+                            </p:stCondLst>
+                            <p:childTnLst>
+                              <p:par>
+                                <p:cTn id="5" presetID="1" presetClass="entr" presetSubtype="0" fill="hold" nodeType="clickEffect">
+                                  <p:stCondLst>
+                                    <p:cond delay="0"/>
+                                  </p:stCondLst>
+                                  <p:childTnLst>
+                                    <p:set>
+                                      <p:cBhvr>
+                                        <p:cTn id="6" dur="1" fill="hold">
+                                          <p:stCondLst>
+                                            <p:cond delay="0"/>
+                                          </p:stCondLst>
+                                        </p:cTn>
+                                        <p:tgtEl>
+                                          <p:spTgt spid="11"/>
+                                        </p:tgtEl>
+                                        <p:attrNameLst>
+                                          <p:attrName>style.visibility</p:attrName>
+                                        </p:attrNameLst>
+                                      </p:cBhvr>
+                                      <p:to>
+                                        <p:strVal val="visible"/>
+                                      </p:to>
+                                    </p:set>
+                                  </p:childTnLst>
+                                </p:cTn>
+                              </p:par>
+                            </p:childTnLst>
+                          </p:cTn>
+                        </p:par>
+                      </p:childTnLst>
+                    </p:cTn>
+                  </p:par>
+                  <p:par>
+                    <p:cTn id="7" fill="hold">
+                      <p:stCondLst>
+                        <p:cond delay="indefinite"/>
+                      </p:stCondLst>
+                      <p:childTnLst>
+                        <p:par>
+                          <p:cTn id="8" fill="hold">
+                            <p:stCondLst>
+                              <p:cond delay="0"/>
+                            </p:stCondLst>
+                            <p:childTnLst>
+                              <p:par>
+                                <p:cTn id="9" presetID="1" presetClass="entr" presetSubtype="0" fill="hold" nodeType="clickEffect">
+                                  <p:stCondLst>
+                                    <p:cond delay="0"/>
+                                  </p:stCondLst>
+                                  <p:childTnLst>
+                                    <p:set>
+                                      <p:cBhvr>
+                                        <p:cTn id="10" dur="1" fill="hold">
+                                          <p:stCondLst>
+                                            <p:cond delay="0"/>
+                                          </p:stCondLst>
+                                        </p:cTn>
+                                        <p:tgtEl>
+                                          <p:spTgt spid="10"/>
+                                        </p:tgtEl>
+                                        <p:attrNameLst>
+                                          <p:attrName>style.visibility</p:attrName>
+                                        </p:attrNameLst>
+                                      </p:cBhvr>
+                                      <p:to>
+                                        <p:strVal val="visible"/>
+                                      </p:to>
+                                    </p:set>
+                                  </p:childTnLst>
+                                </p:cTn>
+                              </p:par>
+                            </p:childTnLst>
+                          </p:cTn>
+                        </p:par>
+                      </p:childTnLst>
+                    </p:cTn>
+                  </p:par>
+                  <p:par>
+                    <p:cTn id="11" fill="hold">
+                      <p:stCondLst>
+                        <p:cond delay="indefinite"/>
+                      </p:stCondLst>
+                      <p:childTnLst>
+                        <p:par>
+                          <p:cTn id="12" fill="hold">
+                            <p:stCondLst>
+                              <p:cond delay="0"/>
+                            </p:stCondLst>
+                            <p:childTnLst>
+                              <p:par>
+                                <p:cTn id="13" presetID="1" presetClass="entr" presetSubtype="0" fill="hold" nodeType="clickEffect">
+                                  <p:stCondLst>
+                                    <p:cond delay="0"/>
+                                  </p:stCondLst>
+                                  <p:childTnLst>
+                                    <p:set>
+                                      <p:cBhvr>
+                                        <p:cTn id="14" dur="1" fill="hold">
+                                          <p:stCondLst>
+                                            <p:cond delay="0"/>
+                                          </p:stCondLst>
+                                        </p:cTn>
+                                        <p:tgtEl>
+                                          <p:spTgt spid="13"/>
+                                        </p:tgtEl>
+                                        <p:attrNameLst>
+                                          <p:attrName>style.visibility</p:attrName>
+                                        </p:attrNameLst>
+                                      </p:cBhvr>
+                                      <p:to>
+                                        <p:strVal val="visible"/>
+                                      </p:to>
+                                    </p:set>
+                                  </p:childTnLst>
+                                </p:cTn>
+                              </p:par>
+                            </p:childTnLst>
+                          </p:cTn>
+                        </p:par>
+                      </p:childTnLst>
+                    </p:cTn>
+                  </p:par>
+                </p:childTnLst>
+              </p:cTn>
+              <p:prevCondLst>
+                <p:cond evt="onPrev" delay="0">
+                  <p:tgtEl>
+                    <p:sldTgt/>
+                  </p:tgtEl>
+                </p:cond>
+              </p:prevCondLst>
+              <p:nextCondLst>
+                <p:cond evt="onNext" delay="0">
+                  <p:tgtEl>
+                    <p:sldTgt/>
+                  </p:tgtEl>
+                </p:cond>
+              </p:nextCondLst>
+            </p:seq>
+          </p:childTnLst>
+        </p:cTn>
       </p:par>
     </p:tnLst>
   </p:timing>

--- a/Python/python_gis.pptx
+++ b/Python/python_gis.pptx
@@ -5,7 +5,7 @@
     <p:sldMasterId id="2147483672" r:id="rId1"/>
   </p:sldMasterIdLst>
   <p:notesMasterIdLst>
-    <p:notesMasterId r:id="rId15"/>
+    <p:notesMasterId r:id="rId17"/>
   </p:notesMasterIdLst>
   <p:sldIdLst>
     <p:sldId id="256" r:id="rId2"/>
@@ -20,7 +20,9 @@
     <p:sldId id="273" r:id="rId11"/>
     <p:sldId id="274" r:id="rId12"/>
     <p:sldId id="275" r:id="rId13"/>
-    <p:sldId id="265" r:id="rId14"/>
+    <p:sldId id="276" r:id="rId14"/>
+    <p:sldId id="277" r:id="rId15"/>
+    <p:sldId id="265" r:id="rId16"/>
   </p:sldIdLst>
   <p:sldSz cx="9144000" cy="6858000" type="screen4x3"/>
   <p:notesSz cx="6858000" cy="9144000"/>
@@ -6840,7 +6842,7 @@
           <a:p>
             <a:r>
               <a:rPr lang="en-US" dirty="0" smtClean="0"/>
-              <a:t>Further reading</a:t>
+              <a:t>Shapely: other constructions</a:t>
             </a:r>
             <a:endParaRPr lang="en-US" dirty="0"/>
           </a:p>
@@ -6862,80 +6864,195 @@
           <a:lstStyle/>
           <a:p>
             <a:r>
+              <a:rPr lang="en-US" dirty="0" err="1" smtClean="0">
+                <a:latin typeface="Courier New" panose="02070309020205020404" pitchFamily="49" charset="0"/>
+                <a:cs typeface="Courier New" panose="02070309020205020404" pitchFamily="49" charset="0"/>
+              </a:rPr>
+              <a:t>shape.convex_hull</a:t>
+            </a:r>
+            <a:r>
               <a:rPr lang="en-US" dirty="0" smtClean="0"/>
-              <a:t>Fiona manual</a:t>
-            </a:r>
-            <a:r>
-              <a:rPr lang="en-US" dirty="0"/>
-              <a:t/>
-            </a:r>
-            <a:br>
-              <a:rPr lang="en-US" dirty="0"/>
-            </a:br>
-            <a:r>
-              <a:rPr lang="en-US" sz="2000" dirty="0">
-                <a:hlinkClick r:id="rId2"/>
-              </a:rPr>
-              <a:t>http://</a:t>
-            </a:r>
-            <a:r>
-              <a:rPr lang="en-US" sz="2000" dirty="0" smtClean="0">
-                <a:hlinkClick r:id="rId2"/>
-              </a:rPr>
-              <a:t>toblerity.org/fiona/index.html</a:t>
-            </a:r>
-            <a:endParaRPr lang="en-US" sz="2000" dirty="0" smtClean="0"/>
-          </a:p>
-          <a:p>
-            <a:r>
-              <a:rPr lang="en-US" dirty="0"/>
-              <a:t>Folium manual</a:t>
-            </a:r>
-            <a:br>
-              <a:rPr lang="en-US" dirty="0"/>
-            </a:br>
-            <a:r>
-              <a:rPr lang="en-US" sz="2000" dirty="0">
-                <a:hlinkClick r:id="rId3"/>
-              </a:rPr>
-              <a:t>http://python-visualization.github.io/folium/docs-master</a:t>
-            </a:r>
-            <a:r>
-              <a:rPr lang="en-US" sz="2000" dirty="0" smtClean="0">
-                <a:hlinkClick r:id="rId3"/>
-              </a:rPr>
-              <a:t>/</a:t>
-            </a:r>
-            <a:r>
-              <a:rPr lang="en-US" sz="2000" dirty="0" smtClean="0"/>
-              <a:t> </a:t>
-            </a:r>
-            <a:endParaRPr lang="en-US" dirty="0"/>
-          </a:p>
-          <a:p>
-            <a:r>
-              <a:rPr lang="en-US" dirty="0" smtClean="0"/>
-              <a:t>Shapely manual</a:t>
+              <a:t>:</a:t>
             </a:r>
             <a:br>
               <a:rPr lang="en-US" dirty="0" smtClean="0"/>
             </a:br>
             <a:r>
-              <a:rPr lang="en-US" sz="2000" dirty="0">
-                <a:hlinkClick r:id="rId4"/>
-              </a:rPr>
-              <a:t>https://shapely.readthedocs.io/en/latest</a:t>
-            </a:r>
-            <a:r>
-              <a:rPr lang="en-US" sz="2000" dirty="0" smtClean="0">
-                <a:hlinkClick r:id="rId4"/>
-              </a:rPr>
-              <a:t>/</a:t>
-            </a:r>
-            <a:endParaRPr lang="en-US" sz="2000" dirty="0" smtClean="0"/>
-          </a:p>
-          <a:p>
+              <a:rPr lang="en-US" dirty="0" smtClean="0"/>
+              <a:t>    </a:t>
+            </a:r>
+            <a:r>
+              <a:rPr lang="en-US" dirty="0" smtClean="0">
+                <a:latin typeface="Courier New" panose="02070309020205020404" pitchFamily="49" charset="0"/>
+                <a:cs typeface="Courier New" panose="02070309020205020404" pitchFamily="49" charset="0"/>
+              </a:rPr>
+              <a:t>shape</a:t>
+            </a:r>
+            <a:r>
+              <a:rPr lang="en-US" dirty="0" smtClean="0">
+                <a:cs typeface="Courier New" panose="02070309020205020404" pitchFamily="49" charset="0"/>
+              </a:rPr>
+              <a:t> </a:t>
+            </a:r>
+            <a:r>
+              <a:rPr lang="en-US" dirty="0" smtClean="0">
+                <a:sym typeface="Symbol" panose="05050102010706020507" pitchFamily="18" charset="2"/>
+              </a:rPr>
+              <a:t> </a:t>
+            </a:r>
+            <a:r>
+              <a:rPr lang="en-US" dirty="0" smtClean="0">
+                <a:latin typeface="Courier New" panose="02070309020205020404" pitchFamily="49" charset="0"/>
+                <a:cs typeface="Courier New" panose="02070309020205020404" pitchFamily="49" charset="0"/>
+              </a:rPr>
+              <a:t>Polygon</a:t>
+            </a:r>
+          </a:p>
+          <a:p>
+            <a:r>
+              <a:rPr lang="en-US" dirty="0" err="1" smtClean="0">
+                <a:latin typeface="Courier New" panose="02070309020205020404" pitchFamily="49" charset="0"/>
+                <a:cs typeface="Courier New" panose="02070309020205020404" pitchFamily="49" charset="0"/>
+              </a:rPr>
+              <a:t>shape.envelope</a:t>
+            </a:r>
+            <a:r>
+              <a:rPr lang="en-US" dirty="0" smtClean="0"/>
+              <a:t>: </a:t>
+            </a:r>
+            <a:r>
+              <a:rPr lang="en-US" dirty="0" smtClean="0">
+                <a:latin typeface="Courier New" panose="02070309020205020404" pitchFamily="49" charset="0"/>
+                <a:cs typeface="Courier New" panose="02070309020205020404" pitchFamily="49" charset="0"/>
+              </a:rPr>
+              <a:t>shape</a:t>
+            </a:r>
+            <a:r>
+              <a:rPr lang="en-US" dirty="0" smtClean="0">
+                <a:cs typeface="Courier New" panose="02070309020205020404" pitchFamily="49" charset="0"/>
+              </a:rPr>
+              <a:t> </a:t>
+            </a:r>
+            <a:r>
+              <a:rPr lang="en-US" dirty="0">
+                <a:sym typeface="Symbol" panose="05050102010706020507" pitchFamily="18" charset="2"/>
+              </a:rPr>
+              <a:t> </a:t>
+            </a:r>
+            <a:r>
+              <a:rPr lang="en-US" dirty="0">
+                <a:latin typeface="Courier New" panose="02070309020205020404" pitchFamily="49" charset="0"/>
+                <a:cs typeface="Courier New" panose="02070309020205020404" pitchFamily="49" charset="0"/>
+              </a:rPr>
+              <a:t>Polygon</a:t>
+            </a:r>
             <a:endParaRPr lang="en-US" dirty="0" smtClean="0"/>
+          </a:p>
+          <a:p>
+            <a:pPr lvl="1"/>
+            <a:r>
+              <a:rPr lang="en-US" dirty="0" smtClean="0"/>
+              <a:t>rectangle, sides parallel to axes</a:t>
+            </a:r>
+          </a:p>
+          <a:p>
+            <a:r>
+              <a:rPr lang="en-US" dirty="0" err="1" smtClean="0">
+                <a:latin typeface="Courier New" panose="02070309020205020404" pitchFamily="49" charset="0"/>
+                <a:cs typeface="Courier New" panose="02070309020205020404" pitchFamily="49" charset="0"/>
+              </a:rPr>
+              <a:t>shape.minimum_rotated_rectangle</a:t>
+            </a:r>
+            <a:r>
+              <a:rPr lang="en-US" dirty="0" smtClean="0"/>
+              <a:t>:</a:t>
+            </a:r>
+            <a:br>
+              <a:rPr lang="en-US" dirty="0" smtClean="0"/>
+            </a:br>
+            <a:r>
+              <a:rPr lang="en-US" dirty="0" smtClean="0"/>
+              <a:t>    </a:t>
+            </a:r>
+            <a:r>
+              <a:rPr lang="en-US" dirty="0" smtClean="0">
+                <a:latin typeface="Courier New" panose="02070309020205020404" pitchFamily="49" charset="0"/>
+                <a:cs typeface="Courier New" panose="02070309020205020404" pitchFamily="49" charset="0"/>
+              </a:rPr>
+              <a:t>shape</a:t>
+            </a:r>
+            <a:r>
+              <a:rPr lang="en-US" dirty="0">
+                <a:cs typeface="Courier New" panose="02070309020205020404" pitchFamily="49" charset="0"/>
+              </a:rPr>
+              <a:t> </a:t>
+            </a:r>
+            <a:r>
+              <a:rPr lang="en-US" dirty="0">
+                <a:sym typeface="Symbol" panose="05050102010706020507" pitchFamily="18" charset="2"/>
+              </a:rPr>
+              <a:t> </a:t>
+            </a:r>
+            <a:r>
+              <a:rPr lang="en-US" dirty="0">
+                <a:latin typeface="Courier New" panose="02070309020205020404" pitchFamily="49" charset="0"/>
+                <a:cs typeface="Courier New" panose="02070309020205020404" pitchFamily="49" charset="0"/>
+              </a:rPr>
+              <a:t>Polygon</a:t>
+            </a:r>
+            <a:endParaRPr lang="en-US" dirty="0" smtClean="0"/>
+          </a:p>
+          <a:p>
+            <a:r>
+              <a:rPr lang="en-US" dirty="0" err="1" smtClean="0">
+                <a:latin typeface="Courier New" panose="02070309020205020404" pitchFamily="49" charset="0"/>
+                <a:cs typeface="Courier New" panose="02070309020205020404" pitchFamily="49" charset="0"/>
+              </a:rPr>
+              <a:t>line.parallel_offset</a:t>
+            </a:r>
+            <a:r>
+              <a:rPr lang="en-US" dirty="0" smtClean="0">
+                <a:latin typeface="Courier New" panose="02070309020205020404" pitchFamily="49" charset="0"/>
+                <a:cs typeface="Courier New" panose="02070309020205020404" pitchFamily="49" charset="0"/>
+              </a:rPr>
+              <a:t>(…)</a:t>
+            </a:r>
+            <a:r>
+              <a:rPr lang="en-US" dirty="0" smtClean="0"/>
+              <a:t>:</a:t>
+            </a:r>
+            <a:br>
+              <a:rPr lang="en-US" dirty="0" smtClean="0"/>
+            </a:br>
+            <a:r>
+              <a:rPr lang="en-US" dirty="0" smtClean="0"/>
+              <a:t>    </a:t>
+            </a:r>
+            <a:r>
+              <a:rPr lang="en-US" dirty="0" smtClean="0">
+                <a:latin typeface="Courier New" panose="02070309020205020404" pitchFamily="49" charset="0"/>
+                <a:cs typeface="Courier New" panose="02070309020205020404" pitchFamily="49" charset="0"/>
+              </a:rPr>
+              <a:t>line</a:t>
+            </a:r>
+            <a:r>
+              <a:rPr lang="en-US" dirty="0" smtClean="0"/>
+              <a:t> </a:t>
+            </a:r>
+            <a:r>
+              <a:rPr lang="en-US" dirty="0">
+                <a:sym typeface="Symbol" panose="05050102010706020507" pitchFamily="18" charset="2"/>
+              </a:rPr>
+              <a:t> </a:t>
+            </a:r>
+            <a:r>
+              <a:rPr lang="en-US" dirty="0" err="1" smtClean="0">
+                <a:latin typeface="Courier New" panose="02070309020205020404" pitchFamily="49" charset="0"/>
+                <a:cs typeface="Courier New" panose="02070309020205020404" pitchFamily="49" charset="0"/>
+              </a:rPr>
+              <a:t>LineString</a:t>
+            </a:r>
+            <a:endParaRPr lang="en-US" dirty="0"/>
           </a:p>
         </p:txBody>
       </p:sp>
@@ -6964,6 +7081,1307 @@
               </a:rPr>
               <a:pPr/>
               <a:t>13</a:t>
+            </a:fld>
+            <a:endParaRPr lang="nl-BE">
+              <a:solidFill>
+                <a:prstClr val="black">
+                  <a:tint val="75000"/>
+                </a:prstClr>
+              </a:solidFill>
+            </a:endParaRPr>
+          </a:p>
+        </p:txBody>
+      </p:sp>
+      <p:grpSp>
+        <p:nvGrpSpPr>
+          <p:cNvPr id="9" name="Group 8"/>
+          <p:cNvGrpSpPr/>
+          <p:nvPr/>
+        </p:nvGrpSpPr>
+        <p:grpSpPr>
+          <a:xfrm>
+            <a:off x="154917" y="4781750"/>
+            <a:ext cx="8834166" cy="1850140"/>
+            <a:chOff x="154917" y="4781750"/>
+            <a:chExt cx="8834166" cy="1850140"/>
+          </a:xfrm>
+        </p:grpSpPr>
+        <p:sp>
+          <p:nvSpPr>
+            <p:cNvPr id="7" name="TextBox 6"/>
+            <p:cNvSpPr txBox="1"/>
+            <p:nvPr/>
+          </p:nvSpPr>
+          <p:spPr>
+            <a:xfrm>
+              <a:off x="154917" y="5985559"/>
+              <a:ext cx="8437195" cy="646331"/>
+            </a:xfrm>
+            <a:prstGeom prst="rect">
+              <a:avLst/>
+            </a:prstGeom>
+            <a:solidFill>
+              <a:schemeClr val="accent4">
+                <a:lumMod val="40000"/>
+                <a:lumOff val="60000"/>
+              </a:schemeClr>
+            </a:solidFill>
+          </p:spPr>
+          <p:txBody>
+            <a:bodyPr wrap="square" rtlCol="0">
+              <a:spAutoFit/>
+            </a:bodyPr>
+            <a:lstStyle/>
+            <a:p>
+              <a:r>
+                <a:rPr lang="en-US" dirty="0">
+                  <a:latin typeface="Courier New" pitchFamily="49" charset="0"/>
+                  <a:cs typeface="Courier New" pitchFamily="49" charset="0"/>
+                </a:rPr>
+                <a:t>parallel = </a:t>
+              </a:r>
+              <a:r>
+                <a:rPr lang="en-US" dirty="0" err="1">
+                  <a:latin typeface="Courier New" pitchFamily="49" charset="0"/>
+                  <a:cs typeface="Courier New" pitchFamily="49" charset="0"/>
+                </a:rPr>
+                <a:t>line.parallel_offset</a:t>
+              </a:r>
+              <a:r>
+                <a:rPr lang="en-US" dirty="0">
+                  <a:latin typeface="Courier New" pitchFamily="49" charset="0"/>
+                  <a:cs typeface="Courier New" pitchFamily="49" charset="0"/>
+                </a:rPr>
+                <a:t>(0.5, 'left</a:t>
+              </a:r>
+              <a:r>
+                <a:rPr lang="en-US" dirty="0" smtClean="0">
+                  <a:latin typeface="Courier New" pitchFamily="49" charset="0"/>
+                  <a:cs typeface="Courier New" pitchFamily="49" charset="0"/>
+                </a:rPr>
+                <a:t>',</a:t>
+              </a:r>
+              <a:br>
+                <a:rPr lang="en-US" dirty="0" smtClean="0">
+                  <a:latin typeface="Courier New" pitchFamily="49" charset="0"/>
+                  <a:cs typeface="Courier New" pitchFamily="49" charset="0"/>
+                </a:rPr>
+              </a:br>
+              <a:r>
+                <a:rPr lang="en-US" dirty="0" smtClean="0">
+                  <a:latin typeface="Courier New" pitchFamily="49" charset="0"/>
+                  <a:cs typeface="Courier New" pitchFamily="49" charset="0"/>
+                </a:rPr>
+                <a:t>                                </a:t>
+              </a:r>
+              <a:r>
+                <a:rPr lang="en-US" dirty="0" err="1">
+                  <a:latin typeface="Courier New" pitchFamily="49" charset="0"/>
+                  <a:cs typeface="Courier New" pitchFamily="49" charset="0"/>
+                </a:rPr>
+                <a:t>join_style</a:t>
+              </a:r>
+              <a:r>
+                <a:rPr lang="en-US" dirty="0">
+                  <a:latin typeface="Courier New" pitchFamily="49" charset="0"/>
+                  <a:cs typeface="Courier New" pitchFamily="49" charset="0"/>
+                </a:rPr>
+                <a:t>=</a:t>
+              </a:r>
+              <a:r>
+                <a:rPr lang="en-US" dirty="0" err="1">
+                  <a:latin typeface="Courier New" pitchFamily="49" charset="0"/>
+                  <a:cs typeface="Courier New" pitchFamily="49" charset="0"/>
+                </a:rPr>
+                <a:t>JOIN_STYLE.mitre</a:t>
+              </a:r>
+              <a:r>
+                <a:rPr lang="en-US" dirty="0">
+                  <a:latin typeface="Courier New" pitchFamily="49" charset="0"/>
+                  <a:cs typeface="Courier New" pitchFamily="49" charset="0"/>
+                </a:rPr>
+                <a:t>)</a:t>
+              </a:r>
+              <a:endParaRPr lang="en-US" dirty="0" smtClean="0">
+                <a:latin typeface="Courier New" pitchFamily="49" charset="0"/>
+                <a:cs typeface="Courier New" pitchFamily="49" charset="0"/>
+              </a:endParaRPr>
+            </a:p>
+          </p:txBody>
+        </p:sp>
+        <p:pic>
+          <p:nvPicPr>
+            <p:cNvPr id="5" name="Picture 4"/>
+            <p:cNvPicPr>
+              <a:picLocks noChangeAspect="1"/>
+            </p:cNvPicPr>
+            <p:nvPr/>
+          </p:nvPicPr>
+          <p:blipFill>
+            <a:blip r:embed="rId2">
+              <a:extLst>
+                <a:ext uri="{28A0092B-C50C-407E-A947-70E740481C1C}">
+                  <a14:useLocalDpi xmlns:a14="http://schemas.microsoft.com/office/drawing/2010/main" val="0"/>
+                </a:ext>
+              </a:extLst>
+            </a:blip>
+            <a:stretch>
+              <a:fillRect/>
+            </a:stretch>
+          </p:blipFill>
+          <p:spPr>
+            <a:xfrm>
+              <a:off x="6883878" y="4781750"/>
+              <a:ext cx="2105205" cy="1344413"/>
+            </a:xfrm>
+            <a:prstGeom prst="rect">
+              <a:avLst/>
+            </a:prstGeom>
+            <a:effectLst>
+              <a:outerShdw blurRad="50800" dist="38100" dir="2700000" algn="tl" rotWithShape="0">
+                <a:prstClr val="black">
+                  <a:alpha val="40000"/>
+                </a:prstClr>
+              </a:outerShdw>
+            </a:effectLst>
+          </p:spPr>
+        </p:pic>
+      </p:grpSp>
+    </p:spTree>
+    <p:extLst>
+      <p:ext uri="{BB962C8B-B14F-4D97-AF65-F5344CB8AC3E}">
+        <p14:creationId xmlns:p14="http://schemas.microsoft.com/office/powerpoint/2010/main" val="350369731"/>
+      </p:ext>
+    </p:extLst>
+  </p:cSld>
+  <p:clrMapOvr>
+    <a:masterClrMapping/>
+  </p:clrMapOvr>
+  <p:timing>
+    <p:tnLst>
+      <p:par>
+        <p:cTn id="1" dur="indefinite" restart="never" nodeType="tmRoot">
+          <p:childTnLst>
+            <p:seq concurrent="1" nextAc="seek">
+              <p:cTn id="2" dur="indefinite" nodeType="mainSeq">
+                <p:childTnLst>
+                  <p:par>
+                    <p:cTn id="3" fill="hold">
+                      <p:stCondLst>
+                        <p:cond delay="indefinite"/>
+                        <p:cond evt="onBegin" delay="0">
+                          <p:tn val="2"/>
+                        </p:cond>
+                      </p:stCondLst>
+                      <p:childTnLst>
+                        <p:par>
+                          <p:cTn id="4" fill="hold">
+                            <p:stCondLst>
+                              <p:cond delay="0"/>
+                            </p:stCondLst>
+                            <p:childTnLst>
+                              <p:par>
+                                <p:cTn id="5" presetID="1" presetClass="entr" presetSubtype="0" fill="hold" grpId="0" nodeType="withEffect">
+                                  <p:stCondLst>
+                                    <p:cond delay="0"/>
+                                  </p:stCondLst>
+                                  <p:childTnLst>
+                                    <p:set>
+                                      <p:cBhvr>
+                                        <p:cTn id="6" dur="1" fill="hold">
+                                          <p:stCondLst>
+                                            <p:cond delay="0"/>
+                                          </p:stCondLst>
+                                        </p:cTn>
+                                        <p:tgtEl>
+                                          <p:spTgt spid="3">
+                                            <p:txEl>
+                                              <p:pRg st="0" end="0"/>
+                                            </p:txEl>
+                                          </p:spTgt>
+                                        </p:tgtEl>
+                                        <p:attrNameLst>
+                                          <p:attrName>style.visibility</p:attrName>
+                                        </p:attrNameLst>
+                                      </p:cBhvr>
+                                      <p:to>
+                                        <p:strVal val="visible"/>
+                                      </p:to>
+                                    </p:set>
+                                  </p:childTnLst>
+                                </p:cTn>
+                              </p:par>
+                            </p:childTnLst>
+                          </p:cTn>
+                        </p:par>
+                      </p:childTnLst>
+                    </p:cTn>
+                  </p:par>
+                  <p:par>
+                    <p:cTn id="7" fill="hold">
+                      <p:stCondLst>
+                        <p:cond delay="indefinite"/>
+                      </p:stCondLst>
+                      <p:childTnLst>
+                        <p:par>
+                          <p:cTn id="8" fill="hold">
+                            <p:stCondLst>
+                              <p:cond delay="0"/>
+                            </p:stCondLst>
+                            <p:childTnLst>
+                              <p:par>
+                                <p:cTn id="9" presetID="1" presetClass="entr" presetSubtype="0" fill="hold" grpId="0" nodeType="clickEffect">
+                                  <p:stCondLst>
+                                    <p:cond delay="0"/>
+                                  </p:stCondLst>
+                                  <p:childTnLst>
+                                    <p:set>
+                                      <p:cBhvr>
+                                        <p:cTn id="10" dur="1" fill="hold">
+                                          <p:stCondLst>
+                                            <p:cond delay="0"/>
+                                          </p:stCondLst>
+                                        </p:cTn>
+                                        <p:tgtEl>
+                                          <p:spTgt spid="3">
+                                            <p:txEl>
+                                              <p:pRg st="1" end="1"/>
+                                            </p:txEl>
+                                          </p:spTgt>
+                                        </p:tgtEl>
+                                        <p:attrNameLst>
+                                          <p:attrName>style.visibility</p:attrName>
+                                        </p:attrNameLst>
+                                      </p:cBhvr>
+                                      <p:to>
+                                        <p:strVal val="visible"/>
+                                      </p:to>
+                                    </p:set>
+                                  </p:childTnLst>
+                                </p:cTn>
+                              </p:par>
+                              <p:par>
+                                <p:cTn id="11" presetID="1" presetClass="entr" presetSubtype="0" fill="hold" grpId="0" nodeType="withEffect">
+                                  <p:stCondLst>
+                                    <p:cond delay="0"/>
+                                  </p:stCondLst>
+                                  <p:childTnLst>
+                                    <p:set>
+                                      <p:cBhvr>
+                                        <p:cTn id="12" dur="1" fill="hold">
+                                          <p:stCondLst>
+                                            <p:cond delay="0"/>
+                                          </p:stCondLst>
+                                        </p:cTn>
+                                        <p:tgtEl>
+                                          <p:spTgt spid="3">
+                                            <p:txEl>
+                                              <p:pRg st="2" end="2"/>
+                                            </p:txEl>
+                                          </p:spTgt>
+                                        </p:tgtEl>
+                                        <p:attrNameLst>
+                                          <p:attrName>style.visibility</p:attrName>
+                                        </p:attrNameLst>
+                                      </p:cBhvr>
+                                      <p:to>
+                                        <p:strVal val="visible"/>
+                                      </p:to>
+                                    </p:set>
+                                  </p:childTnLst>
+                                </p:cTn>
+                              </p:par>
+                            </p:childTnLst>
+                          </p:cTn>
+                        </p:par>
+                      </p:childTnLst>
+                    </p:cTn>
+                  </p:par>
+                  <p:par>
+                    <p:cTn id="13" fill="hold">
+                      <p:stCondLst>
+                        <p:cond delay="indefinite"/>
+                      </p:stCondLst>
+                      <p:childTnLst>
+                        <p:par>
+                          <p:cTn id="14" fill="hold">
+                            <p:stCondLst>
+                              <p:cond delay="0"/>
+                            </p:stCondLst>
+                            <p:childTnLst>
+                              <p:par>
+                                <p:cTn id="15" presetID="1" presetClass="entr" presetSubtype="0" fill="hold" grpId="0" nodeType="clickEffect">
+                                  <p:stCondLst>
+                                    <p:cond delay="0"/>
+                                  </p:stCondLst>
+                                  <p:childTnLst>
+                                    <p:set>
+                                      <p:cBhvr>
+                                        <p:cTn id="16" dur="1" fill="hold">
+                                          <p:stCondLst>
+                                            <p:cond delay="0"/>
+                                          </p:stCondLst>
+                                        </p:cTn>
+                                        <p:tgtEl>
+                                          <p:spTgt spid="3">
+                                            <p:txEl>
+                                              <p:pRg st="3" end="3"/>
+                                            </p:txEl>
+                                          </p:spTgt>
+                                        </p:tgtEl>
+                                        <p:attrNameLst>
+                                          <p:attrName>style.visibility</p:attrName>
+                                        </p:attrNameLst>
+                                      </p:cBhvr>
+                                      <p:to>
+                                        <p:strVal val="visible"/>
+                                      </p:to>
+                                    </p:set>
+                                  </p:childTnLst>
+                                </p:cTn>
+                              </p:par>
+                            </p:childTnLst>
+                          </p:cTn>
+                        </p:par>
+                      </p:childTnLst>
+                    </p:cTn>
+                  </p:par>
+                  <p:par>
+                    <p:cTn id="17" fill="hold">
+                      <p:stCondLst>
+                        <p:cond delay="indefinite"/>
+                      </p:stCondLst>
+                      <p:childTnLst>
+                        <p:par>
+                          <p:cTn id="18" fill="hold">
+                            <p:stCondLst>
+                              <p:cond delay="0"/>
+                            </p:stCondLst>
+                            <p:childTnLst>
+                              <p:par>
+                                <p:cTn id="19" presetID="1" presetClass="entr" presetSubtype="0" fill="hold" grpId="0" nodeType="clickEffect">
+                                  <p:stCondLst>
+                                    <p:cond delay="0"/>
+                                  </p:stCondLst>
+                                  <p:childTnLst>
+                                    <p:set>
+                                      <p:cBhvr>
+                                        <p:cTn id="20" dur="1" fill="hold">
+                                          <p:stCondLst>
+                                            <p:cond delay="0"/>
+                                          </p:stCondLst>
+                                        </p:cTn>
+                                        <p:tgtEl>
+                                          <p:spTgt spid="3">
+                                            <p:txEl>
+                                              <p:pRg st="4" end="4"/>
+                                            </p:txEl>
+                                          </p:spTgt>
+                                        </p:tgtEl>
+                                        <p:attrNameLst>
+                                          <p:attrName>style.visibility</p:attrName>
+                                        </p:attrNameLst>
+                                      </p:cBhvr>
+                                      <p:to>
+                                        <p:strVal val="visible"/>
+                                      </p:to>
+                                    </p:set>
+                                  </p:childTnLst>
+                                </p:cTn>
+                              </p:par>
+                            </p:childTnLst>
+                          </p:cTn>
+                        </p:par>
+                      </p:childTnLst>
+                    </p:cTn>
+                  </p:par>
+                  <p:par>
+                    <p:cTn id="21" fill="hold">
+                      <p:stCondLst>
+                        <p:cond delay="indefinite"/>
+                      </p:stCondLst>
+                      <p:childTnLst>
+                        <p:par>
+                          <p:cTn id="22" fill="hold">
+                            <p:stCondLst>
+                              <p:cond delay="0"/>
+                            </p:stCondLst>
+                            <p:childTnLst>
+                              <p:par>
+                                <p:cTn id="23" presetID="1" presetClass="entr" presetSubtype="0" fill="hold" nodeType="clickEffect">
+                                  <p:stCondLst>
+                                    <p:cond delay="0"/>
+                                  </p:stCondLst>
+                                  <p:childTnLst>
+                                    <p:set>
+                                      <p:cBhvr>
+                                        <p:cTn id="24" dur="1" fill="hold">
+                                          <p:stCondLst>
+                                            <p:cond delay="0"/>
+                                          </p:stCondLst>
+                                        </p:cTn>
+                                        <p:tgtEl>
+                                          <p:spTgt spid="9"/>
+                                        </p:tgtEl>
+                                        <p:attrNameLst>
+                                          <p:attrName>style.visibility</p:attrName>
+                                        </p:attrNameLst>
+                                      </p:cBhvr>
+                                      <p:to>
+                                        <p:strVal val="visible"/>
+                                      </p:to>
+                                    </p:set>
+                                  </p:childTnLst>
+                                </p:cTn>
+                              </p:par>
+                            </p:childTnLst>
+                          </p:cTn>
+                        </p:par>
+                      </p:childTnLst>
+                    </p:cTn>
+                  </p:par>
+                </p:childTnLst>
+              </p:cTn>
+              <p:prevCondLst>
+                <p:cond evt="onPrev" delay="0">
+                  <p:tgtEl>
+                    <p:sldTgt/>
+                  </p:tgtEl>
+                </p:cond>
+              </p:prevCondLst>
+              <p:nextCondLst>
+                <p:cond evt="onNext" delay="0">
+                  <p:tgtEl>
+                    <p:sldTgt/>
+                  </p:tgtEl>
+                </p:cond>
+              </p:nextCondLst>
+            </p:seq>
+          </p:childTnLst>
+        </p:cTn>
+      </p:par>
+    </p:tnLst>
+    <p:bldLst>
+      <p:bldP spid="3" grpId="0" uiExpand="1" build="p"/>
+    </p:bldLst>
+  </p:timing>
+</p:sld>
+</file>
+
+<file path=ppt/slides/slide14.xml><?xml version="1.0" encoding="utf-8"?>
+<p:sld xmlns:a="http://schemas.openxmlformats.org/drawingml/2006/main" xmlns:r="http://schemas.openxmlformats.org/officeDocument/2006/relationships" xmlns:p="http://schemas.openxmlformats.org/presentationml/2006/main">
+  <p:cSld>
+    <p:spTree>
+      <p:nvGrpSpPr>
+        <p:cNvPr id="1" name=""/>
+        <p:cNvGrpSpPr/>
+        <p:nvPr/>
+      </p:nvGrpSpPr>
+      <p:grpSpPr>
+        <a:xfrm>
+          <a:off x="0" y="0"/>
+          <a:ext cx="0" cy="0"/>
+          <a:chOff x="0" y="0"/>
+          <a:chExt cx="0" cy="0"/>
+        </a:xfrm>
+      </p:grpSpPr>
+      <p:sp>
+        <p:nvSpPr>
+          <p:cNvPr id="2" name="Title 1"/>
+          <p:cNvSpPr>
+            <a:spLocks noGrp="1"/>
+          </p:cNvSpPr>
+          <p:nvPr>
+            <p:ph type="title"/>
+          </p:nvPr>
+        </p:nvSpPr>
+        <p:spPr/>
+        <p:txBody>
+          <a:bodyPr/>
+          <a:lstStyle/>
+          <a:p>
+            <a:r>
+              <a:rPr lang="en-US" dirty="0" smtClean="0"/>
+              <a:t>Shapely: interpolation</a:t>
+            </a:r>
+            <a:endParaRPr lang="en-US" dirty="0"/>
+          </a:p>
+        </p:txBody>
+      </p:sp>
+      <p:sp>
+        <p:nvSpPr>
+          <p:cNvPr id="3" name="Content Placeholder 2"/>
+          <p:cNvSpPr>
+            <a:spLocks noGrp="1"/>
+          </p:cNvSpPr>
+          <p:nvPr>
+            <p:ph idx="1"/>
+          </p:nvPr>
+        </p:nvSpPr>
+        <p:spPr/>
+        <p:txBody>
+          <a:bodyPr/>
+          <a:lstStyle/>
+          <a:p>
+            <a:r>
+              <a:rPr lang="en-US" dirty="0" smtClean="0"/>
+              <a:t>Compute point at given distance from point along a line</a:t>
+            </a:r>
+            <a:endParaRPr lang="en-US" dirty="0"/>
+          </a:p>
+        </p:txBody>
+      </p:sp>
+      <p:sp>
+        <p:nvSpPr>
+          <p:cNvPr id="4" name="Slide Number Placeholder 3"/>
+          <p:cNvSpPr>
+            <a:spLocks noGrp="1"/>
+          </p:cNvSpPr>
+          <p:nvPr>
+            <p:ph type="sldNum" sz="quarter" idx="12"/>
+          </p:nvPr>
+        </p:nvSpPr>
+        <p:spPr/>
+        <p:txBody>
+          <a:bodyPr/>
+          <a:lstStyle/>
+          <a:p>
+            <a:fld id="{5A209D72-2E9D-49B0-8977-41DCCC66C0BB}" type="slidenum">
+              <a:rPr lang="nl-BE" smtClean="0">
+                <a:solidFill>
+                  <a:prstClr val="black">
+                    <a:tint val="75000"/>
+                  </a:prstClr>
+                </a:solidFill>
+              </a:rPr>
+              <a:pPr/>
+              <a:t>14</a:t>
+            </a:fld>
+            <a:endParaRPr lang="nl-BE">
+              <a:solidFill>
+                <a:prstClr val="black">
+                  <a:tint val="75000"/>
+                </a:prstClr>
+              </a:solidFill>
+            </a:endParaRPr>
+          </a:p>
+        </p:txBody>
+      </p:sp>
+      <p:sp>
+        <p:nvSpPr>
+          <p:cNvPr id="5" name="TextBox 4"/>
+          <p:cNvSpPr txBox="1"/>
+          <p:nvPr/>
+        </p:nvSpPr>
+        <p:spPr>
+          <a:xfrm>
+            <a:off x="457200" y="2829888"/>
+            <a:ext cx="5089585" cy="1200329"/>
+          </a:xfrm>
+          <a:prstGeom prst="rect">
+            <a:avLst/>
+          </a:prstGeom>
+          <a:solidFill>
+            <a:schemeClr val="accent4">
+              <a:lumMod val="40000"/>
+              <a:lumOff val="60000"/>
+            </a:schemeClr>
+          </a:solidFill>
+        </p:spPr>
+        <p:txBody>
+          <a:bodyPr wrap="square" rtlCol="0">
+            <a:spAutoFit/>
+          </a:bodyPr>
+          <a:lstStyle/>
+          <a:p>
+            <a:r>
+              <a:rPr lang="en-US" dirty="0">
+                <a:latin typeface="Courier New" pitchFamily="49" charset="0"/>
+                <a:cs typeface="Courier New" pitchFamily="49" charset="0"/>
+              </a:rPr>
+              <a:t>point1 = Point((1.0, 1.0))</a:t>
+            </a:r>
+          </a:p>
+          <a:p>
+            <a:r>
+              <a:rPr lang="en-US" dirty="0">
+                <a:latin typeface="Courier New" pitchFamily="49" charset="0"/>
+                <a:cs typeface="Courier New" pitchFamily="49" charset="0"/>
+              </a:rPr>
+              <a:t>point2 = Point((3.0, 3.0))</a:t>
+            </a:r>
+          </a:p>
+          <a:p>
+            <a:r>
+              <a:rPr lang="en-US" dirty="0" smtClean="0">
+                <a:latin typeface="Courier New" pitchFamily="49" charset="0"/>
+                <a:cs typeface="Courier New" pitchFamily="49" charset="0"/>
+              </a:rPr>
+              <a:t>line </a:t>
+            </a:r>
+            <a:r>
+              <a:rPr lang="en-US" dirty="0">
+                <a:latin typeface="Courier New" pitchFamily="49" charset="0"/>
+                <a:cs typeface="Courier New" pitchFamily="49" charset="0"/>
+              </a:rPr>
+              <a:t>= </a:t>
+            </a:r>
+            <a:r>
+              <a:rPr lang="en-US" dirty="0" err="1">
+                <a:latin typeface="Courier New" pitchFamily="49" charset="0"/>
+                <a:cs typeface="Courier New" pitchFamily="49" charset="0"/>
+              </a:rPr>
+              <a:t>LineString</a:t>
+            </a:r>
+            <a:r>
+              <a:rPr lang="en-US" dirty="0">
+                <a:latin typeface="Courier New" pitchFamily="49" charset="0"/>
+                <a:cs typeface="Courier New" pitchFamily="49" charset="0"/>
+              </a:rPr>
+              <a:t>([point1, point2</a:t>
+            </a:r>
+            <a:r>
+              <a:rPr lang="en-US" dirty="0" smtClean="0">
+                <a:latin typeface="Courier New" pitchFamily="49" charset="0"/>
+                <a:cs typeface="Courier New" pitchFamily="49" charset="0"/>
+              </a:rPr>
+              <a:t>])</a:t>
+            </a:r>
+          </a:p>
+          <a:p>
+            <a:r>
+              <a:rPr lang="en-US" dirty="0">
+                <a:latin typeface="Courier New" pitchFamily="49" charset="0"/>
+                <a:cs typeface="Courier New" pitchFamily="49" charset="0"/>
+              </a:rPr>
+              <a:t>point3 = </a:t>
+            </a:r>
+            <a:r>
+              <a:rPr lang="en-US" dirty="0" err="1" smtClean="0">
+                <a:latin typeface="Courier New" pitchFamily="49" charset="0"/>
+                <a:cs typeface="Courier New" pitchFamily="49" charset="0"/>
+              </a:rPr>
+              <a:t>line.interpolate</a:t>
+            </a:r>
+            <a:r>
+              <a:rPr lang="en-US" dirty="0" smtClean="0">
+                <a:latin typeface="Courier New" pitchFamily="49" charset="0"/>
+                <a:cs typeface="Courier New" pitchFamily="49" charset="0"/>
+              </a:rPr>
+              <a:t>(1.0</a:t>
+            </a:r>
+            <a:r>
+              <a:rPr lang="en-US" dirty="0">
+                <a:latin typeface="Courier New" pitchFamily="49" charset="0"/>
+                <a:cs typeface="Courier New" pitchFamily="49" charset="0"/>
+              </a:rPr>
+              <a:t>)</a:t>
+            </a:r>
+            <a:endParaRPr lang="en-US" dirty="0" smtClean="0">
+              <a:latin typeface="Courier New" pitchFamily="49" charset="0"/>
+              <a:cs typeface="Courier New" pitchFamily="49" charset="0"/>
+            </a:endParaRPr>
+          </a:p>
+        </p:txBody>
+      </p:sp>
+      <p:pic>
+        <p:nvPicPr>
+          <p:cNvPr id="8" name="Picture 7"/>
+          <p:cNvPicPr>
+            <a:picLocks noChangeAspect="1"/>
+          </p:cNvPicPr>
+          <p:nvPr/>
+        </p:nvPicPr>
+        <p:blipFill>
+          <a:blip r:embed="rId2">
+            <a:extLst>
+              <a:ext uri="{28A0092B-C50C-407E-A947-70E740481C1C}">
+                <a14:useLocalDpi xmlns:a14="http://schemas.microsoft.com/office/drawing/2010/main" val="0"/>
+              </a:ext>
+            </a:extLst>
+          </a:blip>
+          <a:stretch>
+            <a:fillRect/>
+          </a:stretch>
+        </p:blipFill>
+        <p:spPr>
+          <a:xfrm>
+            <a:off x="5773909" y="2994390"/>
+            <a:ext cx="3209925" cy="2990850"/>
+          </a:xfrm>
+          <a:prstGeom prst="rect">
+            <a:avLst/>
+          </a:prstGeom>
+        </p:spPr>
+      </p:pic>
+      <p:grpSp>
+        <p:nvGrpSpPr>
+          <p:cNvPr id="10" name="Group 9"/>
+          <p:cNvGrpSpPr/>
+          <p:nvPr/>
+        </p:nvGrpSpPr>
+        <p:grpSpPr>
+          <a:xfrm>
+            <a:off x="6146098" y="4587351"/>
+            <a:ext cx="1147770" cy="556910"/>
+            <a:chOff x="5516369" y="5415487"/>
+            <a:chExt cx="1147770" cy="556910"/>
+          </a:xfrm>
+        </p:grpSpPr>
+        <p:sp>
+          <p:nvSpPr>
+            <p:cNvPr id="7" name="Left Brace 6"/>
+            <p:cNvSpPr/>
+            <p:nvPr/>
+          </p:nvSpPr>
+          <p:spPr>
+            <a:xfrm rot="2700000">
+              <a:off x="6001734" y="5309993"/>
+              <a:ext cx="177039" cy="1147770"/>
+            </a:xfrm>
+            <a:prstGeom prst="leftBrace">
+              <a:avLst/>
+            </a:prstGeom>
+            <a:ln>
+              <a:solidFill>
+                <a:schemeClr val="tx1"/>
+              </a:solidFill>
+            </a:ln>
+          </p:spPr>
+          <p:style>
+            <a:lnRef idx="1">
+              <a:schemeClr val="accent1"/>
+            </a:lnRef>
+            <a:fillRef idx="0">
+              <a:schemeClr val="accent1"/>
+            </a:fillRef>
+            <a:effectRef idx="0">
+              <a:schemeClr val="accent1"/>
+            </a:effectRef>
+            <a:fontRef idx="minor">
+              <a:schemeClr val="tx1"/>
+            </a:fontRef>
+          </p:style>
+          <p:txBody>
+            <a:bodyPr rtlCol="0" anchor="ctr"/>
+            <a:lstStyle/>
+            <a:p>
+              <a:pPr algn="ctr"/>
+              <a:endParaRPr lang="en-US"/>
+            </a:p>
+          </p:txBody>
+        </p:sp>
+        <p:sp>
+          <p:nvSpPr>
+            <p:cNvPr id="9" name="TextBox 8"/>
+            <p:cNvSpPr txBox="1"/>
+            <p:nvPr/>
+          </p:nvSpPr>
+          <p:spPr>
+            <a:xfrm>
+              <a:off x="5621862" y="5415487"/>
+              <a:ext cx="745717" cy="338554"/>
+            </a:xfrm>
+            <a:prstGeom prst="rect">
+              <a:avLst/>
+            </a:prstGeom>
+            <a:noFill/>
+          </p:spPr>
+          <p:txBody>
+            <a:bodyPr wrap="none" rtlCol="0">
+              <a:spAutoFit/>
+            </a:bodyPr>
+            <a:lstStyle/>
+            <a:p>
+              <a:r>
+                <a:rPr lang="en-US" sz="1600" i="1" dirty="0" smtClean="0"/>
+                <a:t>d</a:t>
+              </a:r>
+              <a:r>
+                <a:rPr lang="en-US" sz="1600" dirty="0" smtClean="0"/>
+                <a:t> = 1.0</a:t>
+              </a:r>
+              <a:endParaRPr lang="en-US" sz="1600" dirty="0"/>
+            </a:p>
+          </p:txBody>
+        </p:sp>
+      </p:grpSp>
+      <p:grpSp>
+        <p:nvGrpSpPr>
+          <p:cNvPr id="13" name="Group 12"/>
+          <p:cNvGrpSpPr/>
+          <p:nvPr/>
+        </p:nvGrpSpPr>
+        <p:grpSpPr>
+          <a:xfrm>
+            <a:off x="457200" y="4353520"/>
+            <a:ext cx="5089585" cy="738664"/>
+            <a:chOff x="457200" y="4353520"/>
+            <a:chExt cx="5089585" cy="738664"/>
+          </a:xfrm>
+        </p:grpSpPr>
+        <p:sp>
+          <p:nvSpPr>
+            <p:cNvPr id="11" name="TextBox 10"/>
+            <p:cNvSpPr txBox="1"/>
+            <p:nvPr/>
+          </p:nvSpPr>
+          <p:spPr>
+            <a:xfrm>
+              <a:off x="457200" y="4353520"/>
+              <a:ext cx="5089585" cy="369332"/>
+            </a:xfrm>
+            <a:prstGeom prst="rect">
+              <a:avLst/>
+            </a:prstGeom>
+            <a:solidFill>
+              <a:schemeClr val="accent4">
+                <a:lumMod val="40000"/>
+                <a:lumOff val="60000"/>
+              </a:schemeClr>
+            </a:solidFill>
+          </p:spPr>
+          <p:txBody>
+            <a:bodyPr wrap="square" rtlCol="0">
+              <a:spAutoFit/>
+            </a:bodyPr>
+            <a:lstStyle/>
+            <a:p>
+              <a:r>
+                <a:rPr lang="en-US" dirty="0" smtClean="0">
+                  <a:latin typeface="Courier New" pitchFamily="49" charset="0"/>
+                  <a:cs typeface="Courier New" pitchFamily="49" charset="0"/>
+                </a:rPr>
+                <a:t>point1.distance(point3)</a:t>
+              </a:r>
+              <a:endParaRPr lang="en-US" dirty="0" smtClean="0">
+                <a:latin typeface="Courier New" pitchFamily="49" charset="0"/>
+                <a:cs typeface="Courier New" pitchFamily="49" charset="0"/>
+              </a:endParaRPr>
+            </a:p>
+          </p:txBody>
+        </p:sp>
+        <p:sp>
+          <p:nvSpPr>
+            <p:cNvPr id="12" name="TextBox 11"/>
+            <p:cNvSpPr txBox="1"/>
+            <p:nvPr/>
+          </p:nvSpPr>
+          <p:spPr>
+            <a:xfrm>
+              <a:off x="2422221" y="4722852"/>
+              <a:ext cx="756938" cy="369332"/>
+            </a:xfrm>
+            <a:prstGeom prst="rect">
+              <a:avLst/>
+            </a:prstGeom>
+            <a:noFill/>
+          </p:spPr>
+          <p:txBody>
+            <a:bodyPr wrap="none" rtlCol="0">
+              <a:spAutoFit/>
+            </a:bodyPr>
+            <a:lstStyle/>
+            <a:p>
+              <a:r>
+                <a:rPr lang="en-US" dirty="0" smtClean="0">
+                  <a:sym typeface="Symbol" panose="05050102010706020507" pitchFamily="18" charset="2"/>
+                </a:rPr>
+                <a:t> </a:t>
+              </a:r>
+              <a:r>
+                <a:rPr lang="en-US" dirty="0" smtClean="0"/>
+                <a:t>1.0</a:t>
+              </a:r>
+              <a:endParaRPr lang="en-US" dirty="0"/>
+            </a:p>
+          </p:txBody>
+        </p:sp>
+      </p:grpSp>
+    </p:spTree>
+    <p:extLst>
+      <p:ext uri="{BB962C8B-B14F-4D97-AF65-F5344CB8AC3E}">
+        <p14:creationId xmlns:p14="http://schemas.microsoft.com/office/powerpoint/2010/main" val="2035376356"/>
+      </p:ext>
+    </p:extLst>
+  </p:cSld>
+  <p:clrMapOvr>
+    <a:masterClrMapping/>
+  </p:clrMapOvr>
+  <p:timing>
+    <p:tnLst>
+      <p:par>
+        <p:cTn id="1" dur="indefinite" restart="never" nodeType="tmRoot">
+          <p:childTnLst>
+            <p:seq concurrent="1" nextAc="seek">
+              <p:cTn id="2" dur="indefinite" nodeType="mainSeq">
+                <p:childTnLst>
+                  <p:par>
+                    <p:cTn id="3" fill="hold">
+                      <p:stCondLst>
+                        <p:cond delay="indefinite"/>
+                      </p:stCondLst>
+                      <p:childTnLst>
+                        <p:par>
+                          <p:cTn id="4" fill="hold">
+                            <p:stCondLst>
+                              <p:cond delay="0"/>
+                            </p:stCondLst>
+                            <p:childTnLst>
+                              <p:par>
+                                <p:cTn id="5" presetID="1" presetClass="entr" presetSubtype="0" fill="hold" grpId="0" nodeType="clickEffect">
+                                  <p:stCondLst>
+                                    <p:cond delay="0"/>
+                                  </p:stCondLst>
+                                  <p:childTnLst>
+                                    <p:set>
+                                      <p:cBhvr>
+                                        <p:cTn id="6" dur="1" fill="hold">
+                                          <p:stCondLst>
+                                            <p:cond delay="0"/>
+                                          </p:stCondLst>
+                                        </p:cTn>
+                                        <p:tgtEl>
+                                          <p:spTgt spid="5"/>
+                                        </p:tgtEl>
+                                        <p:attrNameLst>
+                                          <p:attrName>style.visibility</p:attrName>
+                                        </p:attrNameLst>
+                                      </p:cBhvr>
+                                      <p:to>
+                                        <p:strVal val="visible"/>
+                                      </p:to>
+                                    </p:set>
+                                  </p:childTnLst>
+                                </p:cTn>
+                              </p:par>
+                            </p:childTnLst>
+                          </p:cTn>
+                        </p:par>
+                      </p:childTnLst>
+                    </p:cTn>
+                  </p:par>
+                  <p:par>
+                    <p:cTn id="7" fill="hold">
+                      <p:stCondLst>
+                        <p:cond delay="indefinite"/>
+                      </p:stCondLst>
+                      <p:childTnLst>
+                        <p:par>
+                          <p:cTn id="8" fill="hold">
+                            <p:stCondLst>
+                              <p:cond delay="0"/>
+                            </p:stCondLst>
+                            <p:childTnLst>
+                              <p:par>
+                                <p:cTn id="9" presetID="1" presetClass="entr" presetSubtype="0" fill="hold" nodeType="clickEffect">
+                                  <p:stCondLst>
+                                    <p:cond delay="0"/>
+                                  </p:stCondLst>
+                                  <p:childTnLst>
+                                    <p:set>
+                                      <p:cBhvr>
+                                        <p:cTn id="10" dur="1" fill="hold">
+                                          <p:stCondLst>
+                                            <p:cond delay="0"/>
+                                          </p:stCondLst>
+                                        </p:cTn>
+                                        <p:tgtEl>
+                                          <p:spTgt spid="8"/>
+                                        </p:tgtEl>
+                                        <p:attrNameLst>
+                                          <p:attrName>style.visibility</p:attrName>
+                                        </p:attrNameLst>
+                                      </p:cBhvr>
+                                      <p:to>
+                                        <p:strVal val="visible"/>
+                                      </p:to>
+                                    </p:set>
+                                  </p:childTnLst>
+                                </p:cTn>
+                              </p:par>
+                            </p:childTnLst>
+                          </p:cTn>
+                        </p:par>
+                      </p:childTnLst>
+                    </p:cTn>
+                  </p:par>
+                  <p:par>
+                    <p:cTn id="11" fill="hold">
+                      <p:stCondLst>
+                        <p:cond delay="indefinite"/>
+                      </p:stCondLst>
+                      <p:childTnLst>
+                        <p:par>
+                          <p:cTn id="12" fill="hold">
+                            <p:stCondLst>
+                              <p:cond delay="0"/>
+                            </p:stCondLst>
+                            <p:childTnLst>
+                              <p:par>
+                                <p:cTn id="13" presetID="1" presetClass="entr" presetSubtype="0" fill="hold" nodeType="clickEffect">
+                                  <p:stCondLst>
+                                    <p:cond delay="0"/>
+                                  </p:stCondLst>
+                                  <p:childTnLst>
+                                    <p:set>
+                                      <p:cBhvr>
+                                        <p:cTn id="14" dur="1" fill="hold">
+                                          <p:stCondLst>
+                                            <p:cond delay="0"/>
+                                          </p:stCondLst>
+                                        </p:cTn>
+                                        <p:tgtEl>
+                                          <p:spTgt spid="10"/>
+                                        </p:tgtEl>
+                                        <p:attrNameLst>
+                                          <p:attrName>style.visibility</p:attrName>
+                                        </p:attrNameLst>
+                                      </p:cBhvr>
+                                      <p:to>
+                                        <p:strVal val="visible"/>
+                                      </p:to>
+                                    </p:set>
+                                  </p:childTnLst>
+                                </p:cTn>
+                              </p:par>
+                            </p:childTnLst>
+                          </p:cTn>
+                        </p:par>
+                      </p:childTnLst>
+                    </p:cTn>
+                  </p:par>
+                  <p:par>
+                    <p:cTn id="15" fill="hold">
+                      <p:stCondLst>
+                        <p:cond delay="indefinite"/>
+                      </p:stCondLst>
+                      <p:childTnLst>
+                        <p:par>
+                          <p:cTn id="16" fill="hold">
+                            <p:stCondLst>
+                              <p:cond delay="0"/>
+                            </p:stCondLst>
+                            <p:childTnLst>
+                              <p:par>
+                                <p:cTn id="17" presetID="1" presetClass="entr" presetSubtype="0" fill="hold" nodeType="clickEffect">
+                                  <p:stCondLst>
+                                    <p:cond delay="0"/>
+                                  </p:stCondLst>
+                                  <p:childTnLst>
+                                    <p:set>
+                                      <p:cBhvr>
+                                        <p:cTn id="18" dur="1" fill="hold">
+                                          <p:stCondLst>
+                                            <p:cond delay="0"/>
+                                          </p:stCondLst>
+                                        </p:cTn>
+                                        <p:tgtEl>
+                                          <p:spTgt spid="13"/>
+                                        </p:tgtEl>
+                                        <p:attrNameLst>
+                                          <p:attrName>style.visibility</p:attrName>
+                                        </p:attrNameLst>
+                                      </p:cBhvr>
+                                      <p:to>
+                                        <p:strVal val="visible"/>
+                                      </p:to>
+                                    </p:set>
+                                  </p:childTnLst>
+                                </p:cTn>
+                              </p:par>
+                            </p:childTnLst>
+                          </p:cTn>
+                        </p:par>
+                      </p:childTnLst>
+                    </p:cTn>
+                  </p:par>
+                </p:childTnLst>
+              </p:cTn>
+              <p:prevCondLst>
+                <p:cond evt="onPrev" delay="0">
+                  <p:tgtEl>
+                    <p:sldTgt/>
+                  </p:tgtEl>
+                </p:cond>
+              </p:prevCondLst>
+              <p:nextCondLst>
+                <p:cond evt="onNext" delay="0">
+                  <p:tgtEl>
+                    <p:sldTgt/>
+                  </p:tgtEl>
+                </p:cond>
+              </p:nextCondLst>
+            </p:seq>
+          </p:childTnLst>
+        </p:cTn>
+      </p:par>
+    </p:tnLst>
+    <p:bldLst>
+      <p:bldP spid="5" grpId="0" animBg="1"/>
+    </p:bldLst>
+  </p:timing>
+</p:sld>
+</file>
+
+<file path=ppt/slides/slide15.xml><?xml version="1.0" encoding="utf-8"?>
+<p:sld xmlns:a="http://schemas.openxmlformats.org/drawingml/2006/main" xmlns:r="http://schemas.openxmlformats.org/officeDocument/2006/relationships" xmlns:p="http://schemas.openxmlformats.org/presentationml/2006/main">
+  <p:cSld>
+    <p:spTree>
+      <p:nvGrpSpPr>
+        <p:cNvPr id="1" name=""/>
+        <p:cNvGrpSpPr/>
+        <p:nvPr/>
+      </p:nvGrpSpPr>
+      <p:grpSpPr>
+        <a:xfrm>
+          <a:off x="0" y="0"/>
+          <a:ext cx="0" cy="0"/>
+          <a:chOff x="0" y="0"/>
+          <a:chExt cx="0" cy="0"/>
+        </a:xfrm>
+      </p:grpSpPr>
+      <p:sp>
+        <p:nvSpPr>
+          <p:cNvPr id="2" name="Title 1"/>
+          <p:cNvSpPr>
+            <a:spLocks noGrp="1"/>
+          </p:cNvSpPr>
+          <p:nvPr>
+            <p:ph type="title"/>
+          </p:nvPr>
+        </p:nvSpPr>
+        <p:spPr/>
+        <p:txBody>
+          <a:bodyPr/>
+          <a:lstStyle/>
+          <a:p>
+            <a:r>
+              <a:rPr lang="en-US" dirty="0" smtClean="0"/>
+              <a:t>Further reading</a:t>
+            </a:r>
+            <a:endParaRPr lang="en-US" dirty="0"/>
+          </a:p>
+        </p:txBody>
+      </p:sp>
+      <p:sp>
+        <p:nvSpPr>
+          <p:cNvPr id="3" name="Content Placeholder 2"/>
+          <p:cNvSpPr>
+            <a:spLocks noGrp="1"/>
+          </p:cNvSpPr>
+          <p:nvPr>
+            <p:ph idx="1"/>
+          </p:nvPr>
+        </p:nvSpPr>
+        <p:spPr/>
+        <p:txBody>
+          <a:bodyPr/>
+          <a:lstStyle/>
+          <a:p>
+            <a:r>
+              <a:rPr lang="en-US" dirty="0" smtClean="0"/>
+              <a:t>Fiona manual</a:t>
+            </a:r>
+            <a:r>
+              <a:rPr lang="en-US" dirty="0"/>
+              <a:t/>
+            </a:r>
+            <a:br>
+              <a:rPr lang="en-US" dirty="0"/>
+            </a:br>
+            <a:r>
+              <a:rPr lang="en-US" sz="2000" dirty="0">
+                <a:hlinkClick r:id="rId2"/>
+              </a:rPr>
+              <a:t>http://</a:t>
+            </a:r>
+            <a:r>
+              <a:rPr lang="en-US" sz="2000" dirty="0" smtClean="0">
+                <a:hlinkClick r:id="rId2"/>
+              </a:rPr>
+              <a:t>toblerity.org/fiona/index.html</a:t>
+            </a:r>
+            <a:endParaRPr lang="en-US" sz="2000" dirty="0" smtClean="0"/>
+          </a:p>
+          <a:p>
+            <a:r>
+              <a:rPr lang="en-US" dirty="0"/>
+              <a:t>Folium manual</a:t>
+            </a:r>
+            <a:br>
+              <a:rPr lang="en-US" dirty="0"/>
+            </a:br>
+            <a:r>
+              <a:rPr lang="en-US" sz="2000" dirty="0">
+                <a:hlinkClick r:id="rId3"/>
+              </a:rPr>
+              <a:t>http://python-visualization.github.io/folium/docs-master</a:t>
+            </a:r>
+            <a:r>
+              <a:rPr lang="en-US" sz="2000" dirty="0" smtClean="0">
+                <a:hlinkClick r:id="rId3"/>
+              </a:rPr>
+              <a:t>/</a:t>
+            </a:r>
+            <a:r>
+              <a:rPr lang="en-US" sz="2000" dirty="0" smtClean="0"/>
+              <a:t> </a:t>
+            </a:r>
+            <a:endParaRPr lang="en-US" dirty="0"/>
+          </a:p>
+          <a:p>
+            <a:r>
+              <a:rPr lang="en-US" dirty="0" smtClean="0"/>
+              <a:t>Shapely manual</a:t>
+            </a:r>
+            <a:br>
+              <a:rPr lang="en-US" dirty="0" smtClean="0"/>
+            </a:br>
+            <a:r>
+              <a:rPr lang="en-US" sz="2000" dirty="0">
+                <a:hlinkClick r:id="rId4"/>
+              </a:rPr>
+              <a:t>https://shapely.readthedocs.io/en/latest</a:t>
+            </a:r>
+            <a:r>
+              <a:rPr lang="en-US" sz="2000" dirty="0" smtClean="0">
+                <a:hlinkClick r:id="rId4"/>
+              </a:rPr>
+              <a:t>/</a:t>
+            </a:r>
+            <a:endParaRPr lang="en-US" sz="2000" dirty="0" smtClean="0"/>
+          </a:p>
+          <a:p>
+            <a:endParaRPr lang="en-US" dirty="0" smtClean="0"/>
+          </a:p>
+        </p:txBody>
+      </p:sp>
+      <p:sp>
+        <p:nvSpPr>
+          <p:cNvPr id="4" name="Slide Number Placeholder 3"/>
+          <p:cNvSpPr>
+            <a:spLocks noGrp="1"/>
+          </p:cNvSpPr>
+          <p:nvPr>
+            <p:ph type="sldNum" sz="quarter" idx="12"/>
+          </p:nvPr>
+        </p:nvSpPr>
+        <p:spPr/>
+        <p:txBody>
+          <a:bodyPr/>
+          <a:lstStyle/>
+          <a:p>
+            <a:fld id="{5A209D72-2E9D-49B0-8977-41DCCC66C0BB}" type="slidenum">
+              <a:rPr lang="nl-BE" smtClean="0">
+                <a:solidFill>
+                  <a:prstClr val="black">
+                    <a:tint val="75000"/>
+                  </a:prstClr>
+                </a:solidFill>
+              </a:rPr>
+              <a:pPr/>
+              <a:t>15</a:t>
             </a:fld>
             <a:endParaRPr lang="nl-BE">
               <a:solidFill>
@@ -10047,7 +11465,7 @@
           <a:p>
             <a:r>
               <a:rPr lang="en-US" dirty="0" smtClean="0"/>
-              <a:t>Result in </a:t>
+              <a:t>Folium in </a:t>
             </a:r>
             <a:r>
               <a:rPr lang="en-US" dirty="0" err="1" smtClean="0"/>

--- a/Python/python_gis.pptx
+++ b/Python/python_gis.pptx
@@ -7954,10 +7954,6 @@
                 </a:rPr>
                 <a:t>point1.distance(point3)</a:t>
               </a:r>
-              <a:endParaRPr lang="en-US" dirty="0" smtClean="0">
-                <a:latin typeface="Courier New" pitchFamily="49" charset="0"/>
-                <a:cs typeface="Courier New" pitchFamily="49" charset="0"/>
-              </a:endParaRPr>
             </a:p>
           </p:txBody>
         </p:sp>
@@ -8276,16 +8272,18 @@
         </p:nvSpPr>
         <p:spPr/>
         <p:txBody>
-          <a:bodyPr/>
+          <a:bodyPr>
+            <a:normAutofit/>
+          </a:bodyPr>
           <a:lstStyle/>
           <a:p>
             <a:r>
               <a:rPr lang="en-US" dirty="0" smtClean="0"/>
-              <a:t>Fiona manual</a:t>
+              <a:t>GIS &amp; </a:t>
             </a:r>
             <a:r>
               <a:rPr lang="en-US" dirty="0"/>
-              <a:t/>
+              <a:t>Python introduction</a:t>
             </a:r>
             <a:br>
               <a:rPr lang="en-US" dirty="0"/>
@@ -8294,20 +8292,32 @@
               <a:rPr lang="en-US" sz="2000" dirty="0">
                 <a:hlinkClick r:id="rId2"/>
               </a:rPr>
-              <a:t>http://</a:t>
+              <a:t>https://</a:t>
             </a:r>
             <a:r>
               <a:rPr lang="en-US" sz="2000" dirty="0" smtClean="0">
                 <a:hlinkClick r:id="rId2"/>
               </a:rPr>
-              <a:t>toblerity.org/fiona/index.html</a:t>
-            </a:r>
-            <a:endParaRPr lang="en-US" sz="2000" dirty="0" smtClean="0"/>
-          </a:p>
-          <a:p>
+              <a:t>macwright.org/2012/10/31/gis-with-python-shapely-fiona.html</a:t>
+            </a:r>
+            <a:r>
+              <a:rPr lang="en-US" sz="2000" dirty="0" smtClean="0"/>
+              <a:t> </a:t>
+            </a:r>
+            <a:endParaRPr lang="en-US" dirty="0"/>
+          </a:p>
+          <a:p>
+            <a:r>
+              <a:rPr lang="en-US" dirty="0" smtClean="0"/>
+              <a:t>Fiona </a:t>
+            </a:r>
+            <a:r>
+              <a:rPr lang="en-US" dirty="0" smtClean="0"/>
+              <a:t>manual</a:t>
+            </a:r>
             <a:r>
               <a:rPr lang="en-US" dirty="0"/>
-              <a:t>Folium manual</a:t>
+              <a:t/>
             </a:r>
             <a:br>
               <a:rPr lang="en-US" dirty="0"/>
@@ -8316,37 +8326,90 @@
               <a:rPr lang="en-US" sz="2000" dirty="0">
                 <a:hlinkClick r:id="rId3"/>
               </a:rPr>
-              <a:t>http://python-visualization.github.io/folium/docs-master</a:t>
+              <a:t>http://</a:t>
             </a:r>
             <a:r>
               <a:rPr lang="en-US" sz="2000" dirty="0" smtClean="0">
                 <a:hlinkClick r:id="rId3"/>
               </a:rPr>
-              <a:t>/</a:t>
-            </a:r>
-            <a:r>
-              <a:rPr lang="en-US" sz="2000" dirty="0" smtClean="0"/>
-              <a:t> </a:t>
-            </a:r>
-            <a:endParaRPr lang="en-US" dirty="0"/>
+              <a:t>toblerity.org/fiona/index.html</a:t>
+            </a:r>
+            <a:endParaRPr lang="en-US" sz="2000" dirty="0" smtClean="0"/>
           </a:p>
           <a:p>
             <a:r>
               <a:rPr lang="en-US" dirty="0" smtClean="0"/>
-              <a:t>Shapely manual</a:t>
+              <a:t>Editing/displaying </a:t>
+            </a:r>
+            <a:r>
+              <a:rPr lang="en-US" dirty="0" err="1" smtClean="0"/>
+              <a:t>GeoJSON</a:t>
+            </a:r>
+            <a:r>
+              <a:rPr lang="en-US" dirty="0" smtClean="0"/>
+              <a:t/>
             </a:r>
             <a:br>
               <a:rPr lang="en-US" dirty="0" smtClean="0"/>
             </a:br>
             <a:r>
-              <a:rPr lang="en-US" sz="2000" dirty="0">
-                <a:hlinkClick r:id="rId4"/>
-              </a:rPr>
-              <a:t>https://shapely.readthedocs.io/en/latest</a:t>
-            </a:r>
-            <a:r>
               <a:rPr lang="en-US" sz="2000" dirty="0" smtClean="0">
                 <a:hlinkClick r:id="rId4"/>
+              </a:rPr>
+              <a:t>http://geojson.io/</a:t>
+            </a:r>
+            <a:r>
+              <a:rPr lang="en-US" sz="2000" dirty="0" smtClean="0"/>
+              <a:t> </a:t>
+            </a:r>
+          </a:p>
+          <a:p>
+            <a:r>
+              <a:rPr lang="en-US" dirty="0" smtClean="0"/>
+              <a:t>Folium </a:t>
+            </a:r>
+            <a:r>
+              <a:rPr lang="en-US" dirty="0"/>
+              <a:t>manual</a:t>
+            </a:r>
+            <a:br>
+              <a:rPr lang="en-US" dirty="0"/>
+            </a:br>
+            <a:r>
+              <a:rPr lang="en-US" sz="2000" dirty="0">
+                <a:hlinkClick r:id="rId5"/>
+              </a:rPr>
+              <a:t>http://python-visualization.github.io/folium/docs-master</a:t>
+            </a:r>
+            <a:r>
+              <a:rPr lang="en-US" sz="2000" dirty="0" smtClean="0">
+                <a:hlinkClick r:id="rId5"/>
+              </a:rPr>
+              <a:t>/</a:t>
+            </a:r>
+            <a:r>
+              <a:rPr lang="en-US" sz="2000" dirty="0" smtClean="0"/>
+              <a:t> </a:t>
+            </a:r>
+            <a:endParaRPr lang="en-US" dirty="0"/>
+          </a:p>
+          <a:p>
+            <a:r>
+              <a:rPr lang="en-US" dirty="0" smtClean="0"/>
+              <a:t>Shapely manual</a:t>
+            </a:r>
+            <a:br>
+              <a:rPr lang="en-US" dirty="0" smtClean="0"/>
+            </a:br>
+            <a:r>
+              <a:rPr lang="en-US" sz="2000" dirty="0">
+                <a:hlinkClick r:id="rId6"/>
+              </a:rPr>
+              <a:t>https://shapely.readthedocs.io/en/latest</a:t>
+            </a:r>
+            <a:r>
+              <a:rPr lang="en-US" sz="2000" dirty="0" smtClean="0">
+                <a:hlinkClick r:id="rId6"/>
               </a:rPr>
               <a:t>/</a:t>
             </a:r>
@@ -8541,6 +8604,104 @@
                                           <p:spTgt spid="3">
                                             <p:txEl>
                                               <p:pRg st="2" end="2"/>
+                                            </p:txEl>
+                                          </p:spTgt>
+                                        </p:tgtEl>
+                                        <p:attrNameLst>
+                                          <p:attrName>style.visibility</p:attrName>
+                                        </p:attrNameLst>
+                                      </p:cBhvr>
+                                      <p:to>
+                                        <p:strVal val="visible"/>
+                                      </p:to>
+                                    </p:set>
+                                  </p:childTnLst>
+                                </p:cTn>
+                              </p:par>
+                            </p:childTnLst>
+                          </p:cTn>
+                        </p:par>
+                      </p:childTnLst>
+                    </p:cTn>
+                  </p:par>
+                  <p:par>
+                    <p:cTn id="15" fill="hold">
+                      <p:stCondLst>
+                        <p:cond delay="indefinite"/>
+                      </p:stCondLst>
+                      <p:childTnLst>
+                        <p:par>
+                          <p:cTn id="16" fill="hold">
+                            <p:stCondLst>
+                              <p:cond delay="0"/>
+                            </p:stCondLst>
+                            <p:childTnLst>
+                              <p:par>
+                                <p:cTn id="17" presetID="1" presetClass="entr" presetSubtype="0" fill="hold" grpId="0" nodeType="clickEffect">
+                                  <p:stCondLst>
+                                    <p:cond delay="0"/>
+                                  </p:stCondLst>
+                                  <p:childTnLst>
+                                    <p:set>
+                                      <p:cBhvr>
+                                        <p:cTn id="18" dur="1" fill="hold">
+                                          <p:stCondLst>
+                                            <p:cond delay="0"/>
+                                          </p:stCondLst>
+                                        </p:cTn>
+                                        <p:tgtEl>
+                                          <p:spTgt spid="3">
+                                            <p:txEl>
+                                              <p:pRg st="3" end="3"/>
+                                            </p:txEl>
+                                          </p:spTgt>
+                                        </p:tgtEl>
+                                        <p:attrNameLst>
+                                          <p:attrName>style.visibility</p:attrName>
+                                        </p:attrNameLst>
+                                      </p:cBhvr>
+                                      <p:to>
+                                        <p:strVal val="visible"/>
+                                      </p:to>
+                                    </p:set>
+                                  </p:childTnLst>
+                                </p:cTn>
+                              </p:par>
+                            </p:childTnLst>
+                          </p:cTn>
+                        </p:par>
+                      </p:childTnLst>
+                    </p:cTn>
+                  </p:par>
+                  <p:par>
+                    <p:cTn id="19" fill="hold">
+                      <p:stCondLst>
+                        <p:cond delay="indefinite"/>
+                      </p:stCondLst>
+                      <p:childTnLst>
+                        <p:par>
+                          <p:cTn id="20" fill="hold">
+                            <p:stCondLst>
+                              <p:cond delay="0"/>
+                            </p:stCondLst>
+                            <p:childTnLst>
+                              <p:par>
+                                <p:cTn id="21" presetID="1" presetClass="entr" presetSubtype="0" fill="hold" grpId="0" nodeType="clickEffect">
+                                  <p:stCondLst>
+                                    <p:cond delay="0"/>
+                                  </p:stCondLst>
+                                  <p:childTnLst>
+                                    <p:set>
+                                      <p:cBhvr>
+                                        <p:cTn id="22" dur="1" fill="hold">
+                                          <p:stCondLst>
+                                            <p:cond delay="0"/>
+                                          </p:stCondLst>
+                                        </p:cTn>
+                                        <p:tgtEl>
+                                          <p:spTgt spid="3">
+                                            <p:txEl>
+                                              <p:pRg st="4" end="4"/>
                                             </p:txEl>
                                           </p:spTgt>
                                         </p:tgtEl>

--- a/Python/python_gis.pptx
+++ b/Python/python_gis.pptx
@@ -5,7 +5,7 @@
     <p:sldMasterId id="2147483672" r:id="rId1"/>
   </p:sldMasterIdLst>
   <p:notesMasterIdLst>
-    <p:notesMasterId r:id="rId17"/>
+    <p:notesMasterId r:id="rId20"/>
   </p:notesMasterIdLst>
   <p:sldIdLst>
     <p:sldId id="256" r:id="rId2"/>
@@ -22,7 +22,10 @@
     <p:sldId id="275" r:id="rId13"/>
     <p:sldId id="276" r:id="rId14"/>
     <p:sldId id="277" r:id="rId15"/>
-    <p:sldId id="265" r:id="rId16"/>
+    <p:sldId id="278" r:id="rId16"/>
+    <p:sldId id="279" r:id="rId17"/>
+    <p:sldId id="280" r:id="rId18"/>
+    <p:sldId id="265" r:id="rId19"/>
   </p:sldIdLst>
   <p:sldSz cx="9144000" cy="6858000" type="screen4x3"/>
   <p:notesSz cx="6858000" cy="9144000"/>
@@ -211,7 +214,7 @@
           <a:p>
             <a:fld id="{794915E2-5A19-401A-AAB5-929FAFDC4B58}" type="datetimeFigureOut">
               <a:rPr lang="en-US" smtClean="0"/>
-              <a:t>2017-10-27</a:t>
+              <a:t>2017-10-29</a:t>
             </a:fld>
             <a:endParaRPr lang="en-US"/>
           </a:p>
@@ -667,7 +670,7 @@
                 </a:solidFill>
               </a:rPr>
               <a:pPr/>
-              <a:t>27/10/2017</a:t>
+              <a:t>29/10/2017</a:t>
             </a:fld>
             <a:endParaRPr lang="nl-BE">
               <a:solidFill>
@@ -869,7 +872,7 @@
                 </a:solidFill>
               </a:rPr>
               <a:pPr/>
-              <a:t>27/10/2017</a:t>
+              <a:t>29/10/2017</a:t>
             </a:fld>
             <a:endParaRPr lang="nl-BE">
               <a:solidFill>
@@ -1081,7 +1084,7 @@
                 </a:solidFill>
               </a:rPr>
               <a:pPr/>
-              <a:t>27/10/2017</a:t>
+              <a:t>29/10/2017</a:t>
             </a:fld>
             <a:endParaRPr lang="nl-BE">
               <a:solidFill>
@@ -1283,7 +1286,7 @@
                 </a:solidFill>
               </a:rPr>
               <a:pPr/>
-              <a:t>27/10/2017</a:t>
+              <a:t>29/10/2017</a:t>
             </a:fld>
             <a:endParaRPr lang="nl-BE">
               <a:solidFill>
@@ -1561,7 +1564,7 @@
                 </a:solidFill>
               </a:rPr>
               <a:pPr/>
-              <a:t>27/10/2017</a:t>
+              <a:t>29/10/2017</a:t>
             </a:fld>
             <a:endParaRPr lang="nl-BE">
               <a:solidFill>
@@ -1881,7 +1884,7 @@
                 </a:solidFill>
               </a:rPr>
               <a:pPr/>
-              <a:t>27/10/2017</a:t>
+              <a:t>29/10/2017</a:t>
             </a:fld>
             <a:endParaRPr lang="nl-BE">
               <a:solidFill>
@@ -2335,7 +2338,7 @@
                 </a:solidFill>
               </a:rPr>
               <a:pPr/>
-              <a:t>27/10/2017</a:t>
+              <a:t>29/10/2017</a:t>
             </a:fld>
             <a:endParaRPr lang="nl-BE">
               <a:solidFill>
@@ -2485,7 +2488,7 @@
                 </a:solidFill>
               </a:rPr>
               <a:pPr/>
-              <a:t>27/10/2017</a:t>
+              <a:t>29/10/2017</a:t>
             </a:fld>
             <a:endParaRPr lang="nl-BE">
               <a:solidFill>
@@ -2612,7 +2615,7 @@
                 </a:solidFill>
               </a:rPr>
               <a:pPr/>
-              <a:t>27/10/2017</a:t>
+              <a:t>29/10/2017</a:t>
             </a:fld>
             <a:endParaRPr lang="nl-BE">
               <a:solidFill>
@@ -2921,7 +2924,7 @@
                 </a:solidFill>
               </a:rPr>
               <a:pPr/>
-              <a:t>27/10/2017</a:t>
+              <a:t>29/10/2017</a:t>
             </a:fld>
             <a:endParaRPr lang="nl-BE">
               <a:solidFill>
@@ -3206,7 +3209,7 @@
                 </a:solidFill>
               </a:rPr>
               <a:pPr/>
-              <a:t>27/10/2017</a:t>
+              <a:t>29/10/2017</a:t>
             </a:fld>
             <a:endParaRPr lang="nl-BE">
               <a:solidFill>
@@ -3451,7 +3454,7 @@
                 </a:solidFill>
               </a:rPr>
               <a:pPr/>
-              <a:t>27/10/2017</a:t>
+              <a:t>29/10/2017</a:t>
             </a:fld>
             <a:endParaRPr lang="nl-BE">
               <a:solidFill>
@@ -8253,8 +8256,8 @@
           <a:lstStyle/>
           <a:p>
             <a:r>
-              <a:rPr lang="en-US" dirty="0" smtClean="0"/>
-              <a:t>Further reading</a:t>
+              <a:rPr lang="en-US" dirty="0" err="1" smtClean="0"/>
+              <a:t>GeoTIFF</a:t>
             </a:r>
             <a:endParaRPr lang="en-US" dirty="0"/>
           </a:p>
@@ -8272,151 +8275,56 @@
         </p:nvSpPr>
         <p:spPr/>
         <p:txBody>
-          <a:bodyPr>
-            <a:normAutofit/>
-          </a:bodyPr>
+          <a:bodyPr/>
           <a:lstStyle/>
           <a:p>
             <a:r>
               <a:rPr lang="en-US" dirty="0" smtClean="0"/>
-              <a:t>GIS &amp; </a:t>
-            </a:r>
-            <a:r>
-              <a:rPr lang="en-US" dirty="0"/>
-              <a:t>Python introduction</a:t>
-            </a:r>
-            <a:br>
-              <a:rPr lang="en-US" dirty="0"/>
-            </a:br>
-            <a:r>
-              <a:rPr lang="en-US" sz="2000" dirty="0">
-                <a:hlinkClick r:id="rId2"/>
-              </a:rPr>
-              <a:t>https://</a:t>
-            </a:r>
-            <a:r>
-              <a:rPr lang="en-US" sz="2000" dirty="0" smtClean="0">
-                <a:hlinkClick r:id="rId2"/>
-              </a:rPr>
-              <a:t>macwright.org/2012/10/31/gis-with-python-shapely-fiona.html</a:t>
-            </a:r>
-            <a:r>
-              <a:rPr lang="en-US" sz="2000" dirty="0" smtClean="0"/>
-              <a:t> </a:t>
+              <a:t>Raster data, e.g., satellite imagery</a:t>
+            </a:r>
+          </a:p>
+          <a:p>
+            <a:pPr lvl="1"/>
+            <a:r>
+              <a:rPr lang="en-US" dirty="0" smtClean="0"/>
+              <a:t>TIFF image file</a:t>
+            </a:r>
+          </a:p>
+          <a:p>
+            <a:pPr lvl="2"/>
+            <a:r>
+              <a:rPr lang="en-US" dirty="0" smtClean="0"/>
+              <a:t>1 or more raster bands</a:t>
+            </a:r>
+          </a:p>
+          <a:p>
+            <a:pPr lvl="1"/>
+            <a:r>
+              <a:rPr lang="en-US" dirty="0" smtClean="0"/>
+              <a:t>meta-data in tags</a:t>
+            </a:r>
+          </a:p>
+          <a:p>
+            <a:pPr lvl="2"/>
+            <a:r>
+              <a:rPr lang="en-US" dirty="0" smtClean="0"/>
+              <a:t>coordinate reference system</a:t>
+            </a:r>
+          </a:p>
+          <a:p>
+            <a:pPr lvl="2"/>
+            <a:r>
+              <a:rPr lang="en-US" dirty="0" err="1" smtClean="0"/>
+              <a:t>geotransform</a:t>
+            </a:r>
+            <a:endParaRPr lang="en-US" dirty="0" smtClean="0"/>
+          </a:p>
+          <a:p>
+            <a:r>
+              <a:rPr lang="en-US" dirty="0" smtClean="0"/>
+              <a:t>I/O: GDAL library with Python wrapper</a:t>
             </a:r>
             <a:endParaRPr lang="en-US" dirty="0"/>
-          </a:p>
-          <a:p>
-            <a:r>
-              <a:rPr lang="en-US" dirty="0" smtClean="0"/>
-              <a:t>Fiona </a:t>
-            </a:r>
-            <a:r>
-              <a:rPr lang="en-US" dirty="0" smtClean="0"/>
-              <a:t>manual</a:t>
-            </a:r>
-            <a:r>
-              <a:rPr lang="en-US" dirty="0"/>
-              <a:t/>
-            </a:r>
-            <a:br>
-              <a:rPr lang="en-US" dirty="0"/>
-            </a:br>
-            <a:r>
-              <a:rPr lang="en-US" sz="2000" dirty="0">
-                <a:hlinkClick r:id="rId3"/>
-              </a:rPr>
-              <a:t>http://</a:t>
-            </a:r>
-            <a:r>
-              <a:rPr lang="en-US" sz="2000" dirty="0" smtClean="0">
-                <a:hlinkClick r:id="rId3"/>
-              </a:rPr>
-              <a:t>toblerity.org/fiona/index.html</a:t>
-            </a:r>
-            <a:endParaRPr lang="en-US" sz="2000" dirty="0" smtClean="0"/>
-          </a:p>
-          <a:p>
-            <a:r>
-              <a:rPr lang="en-US" dirty="0" smtClean="0"/>
-              <a:t>Editing/displaying </a:t>
-            </a:r>
-            <a:r>
-              <a:rPr lang="en-US" dirty="0" err="1" smtClean="0"/>
-              <a:t>GeoJSON</a:t>
-            </a:r>
-            <a:r>
-              <a:rPr lang="en-US" dirty="0" smtClean="0"/>
-              <a:t/>
-            </a:r>
-            <a:br>
-              <a:rPr lang="en-US" dirty="0" smtClean="0"/>
-            </a:br>
-            <a:r>
-              <a:rPr lang="en-US" sz="2000" dirty="0" smtClean="0">
-                <a:hlinkClick r:id="rId4"/>
-              </a:rPr>
-              <a:t>http://geojson.io/</a:t>
-            </a:r>
-            <a:r>
-              <a:rPr lang="en-US" sz="2000" dirty="0" smtClean="0"/>
-              <a:t> </a:t>
-            </a:r>
-          </a:p>
-          <a:p>
-            <a:r>
-              <a:rPr lang="en-US" dirty="0" smtClean="0"/>
-              <a:t>Folium </a:t>
-            </a:r>
-            <a:r>
-              <a:rPr lang="en-US" dirty="0"/>
-              <a:t>manual</a:t>
-            </a:r>
-            <a:br>
-              <a:rPr lang="en-US" dirty="0"/>
-            </a:br>
-            <a:r>
-              <a:rPr lang="en-US" sz="2000" dirty="0">
-                <a:hlinkClick r:id="rId5"/>
-              </a:rPr>
-              <a:t>http://python-visualization.github.io/folium/docs-master</a:t>
-            </a:r>
-            <a:r>
-              <a:rPr lang="en-US" sz="2000" dirty="0" smtClean="0">
-                <a:hlinkClick r:id="rId5"/>
-              </a:rPr>
-              <a:t>/</a:t>
-            </a:r>
-            <a:r>
-              <a:rPr lang="en-US" sz="2000" dirty="0" smtClean="0"/>
-              <a:t> </a:t>
-            </a:r>
-            <a:endParaRPr lang="en-US" dirty="0"/>
-          </a:p>
-          <a:p>
-            <a:r>
-              <a:rPr lang="en-US" dirty="0" smtClean="0"/>
-              <a:t>Shapely manual</a:t>
-            </a:r>
-            <a:br>
-              <a:rPr lang="en-US" dirty="0" smtClean="0"/>
-            </a:br>
-            <a:r>
-              <a:rPr lang="en-US" sz="2000" dirty="0">
-                <a:hlinkClick r:id="rId6"/>
-              </a:rPr>
-              <a:t>https://shapely.readthedocs.io/en/latest</a:t>
-            </a:r>
-            <a:r>
-              <a:rPr lang="en-US" sz="2000" dirty="0" smtClean="0">
-                <a:hlinkClick r:id="rId6"/>
-              </a:rPr>
-              <a:t>/</a:t>
-            </a:r>
-            <a:endParaRPr lang="en-US" sz="2000" dirty="0" smtClean="0"/>
-          </a:p>
-          <a:p>
-            <a:endParaRPr lang="en-US" dirty="0" smtClean="0"/>
           </a:p>
         </p:txBody>
       </p:sp>
@@ -8445,6 +8353,2135 @@
               </a:rPr>
               <a:pPr/>
               <a:t>15</a:t>
+            </a:fld>
+            <a:endParaRPr lang="nl-BE">
+              <a:solidFill>
+                <a:prstClr val="black">
+                  <a:tint val="75000"/>
+                </a:prstClr>
+              </a:solidFill>
+            </a:endParaRPr>
+          </a:p>
+        </p:txBody>
+      </p:sp>
+    </p:spTree>
+    <p:extLst>
+      <p:ext uri="{BB962C8B-B14F-4D97-AF65-F5344CB8AC3E}">
+        <p14:creationId xmlns:p14="http://schemas.microsoft.com/office/powerpoint/2010/main" val="2949198633"/>
+      </p:ext>
+    </p:extLst>
+  </p:cSld>
+  <p:clrMapOvr>
+    <a:masterClrMapping/>
+  </p:clrMapOvr>
+  <p:timing>
+    <p:tnLst>
+      <p:par>
+        <p:cTn id="1" dur="indefinite" restart="never" nodeType="tmRoot">
+          <p:childTnLst>
+            <p:seq concurrent="1" nextAc="seek">
+              <p:cTn id="2" dur="indefinite" nodeType="mainSeq">
+                <p:childTnLst>
+                  <p:par>
+                    <p:cTn id="3" fill="hold">
+                      <p:stCondLst>
+                        <p:cond delay="indefinite"/>
+                        <p:cond evt="onBegin" delay="0">
+                          <p:tn val="2"/>
+                        </p:cond>
+                      </p:stCondLst>
+                      <p:childTnLst>
+                        <p:par>
+                          <p:cTn id="4" fill="hold">
+                            <p:stCondLst>
+                              <p:cond delay="0"/>
+                            </p:stCondLst>
+                            <p:childTnLst>
+                              <p:par>
+                                <p:cTn id="5" presetID="1" presetClass="entr" presetSubtype="0" fill="hold" grpId="0" nodeType="withEffect">
+                                  <p:stCondLst>
+                                    <p:cond delay="0"/>
+                                  </p:stCondLst>
+                                  <p:childTnLst>
+                                    <p:set>
+                                      <p:cBhvr>
+                                        <p:cTn id="6" dur="1" fill="hold">
+                                          <p:stCondLst>
+                                            <p:cond delay="0"/>
+                                          </p:stCondLst>
+                                        </p:cTn>
+                                        <p:tgtEl>
+                                          <p:spTgt spid="3">
+                                            <p:txEl>
+                                              <p:pRg st="0" end="0"/>
+                                            </p:txEl>
+                                          </p:spTgt>
+                                        </p:tgtEl>
+                                        <p:attrNameLst>
+                                          <p:attrName>style.visibility</p:attrName>
+                                        </p:attrNameLst>
+                                      </p:cBhvr>
+                                      <p:to>
+                                        <p:strVal val="visible"/>
+                                      </p:to>
+                                    </p:set>
+                                  </p:childTnLst>
+                                </p:cTn>
+                              </p:par>
+                              <p:par>
+                                <p:cTn id="7" presetID="1" presetClass="entr" presetSubtype="0" fill="hold" grpId="0" nodeType="withEffect">
+                                  <p:stCondLst>
+                                    <p:cond delay="0"/>
+                                  </p:stCondLst>
+                                  <p:childTnLst>
+                                    <p:set>
+                                      <p:cBhvr>
+                                        <p:cTn id="8" dur="1" fill="hold">
+                                          <p:stCondLst>
+                                            <p:cond delay="0"/>
+                                          </p:stCondLst>
+                                        </p:cTn>
+                                        <p:tgtEl>
+                                          <p:spTgt spid="3">
+                                            <p:txEl>
+                                              <p:pRg st="1" end="1"/>
+                                            </p:txEl>
+                                          </p:spTgt>
+                                        </p:tgtEl>
+                                        <p:attrNameLst>
+                                          <p:attrName>style.visibility</p:attrName>
+                                        </p:attrNameLst>
+                                      </p:cBhvr>
+                                      <p:to>
+                                        <p:strVal val="visible"/>
+                                      </p:to>
+                                    </p:set>
+                                  </p:childTnLst>
+                                </p:cTn>
+                              </p:par>
+                              <p:par>
+                                <p:cTn id="9" presetID="1" presetClass="entr" presetSubtype="0" fill="hold" grpId="0" nodeType="withEffect">
+                                  <p:stCondLst>
+                                    <p:cond delay="0"/>
+                                  </p:stCondLst>
+                                  <p:childTnLst>
+                                    <p:set>
+                                      <p:cBhvr>
+                                        <p:cTn id="10" dur="1" fill="hold">
+                                          <p:stCondLst>
+                                            <p:cond delay="0"/>
+                                          </p:stCondLst>
+                                        </p:cTn>
+                                        <p:tgtEl>
+                                          <p:spTgt spid="3">
+                                            <p:txEl>
+                                              <p:pRg st="2" end="2"/>
+                                            </p:txEl>
+                                          </p:spTgt>
+                                        </p:tgtEl>
+                                        <p:attrNameLst>
+                                          <p:attrName>style.visibility</p:attrName>
+                                        </p:attrNameLst>
+                                      </p:cBhvr>
+                                      <p:to>
+                                        <p:strVal val="visible"/>
+                                      </p:to>
+                                    </p:set>
+                                  </p:childTnLst>
+                                </p:cTn>
+                              </p:par>
+                            </p:childTnLst>
+                          </p:cTn>
+                        </p:par>
+                      </p:childTnLst>
+                    </p:cTn>
+                  </p:par>
+                  <p:par>
+                    <p:cTn id="11" fill="hold">
+                      <p:stCondLst>
+                        <p:cond delay="indefinite"/>
+                      </p:stCondLst>
+                      <p:childTnLst>
+                        <p:par>
+                          <p:cTn id="12" fill="hold">
+                            <p:stCondLst>
+                              <p:cond delay="0"/>
+                            </p:stCondLst>
+                            <p:childTnLst>
+                              <p:par>
+                                <p:cTn id="13" presetID="1" presetClass="entr" presetSubtype="0" fill="hold" grpId="0" nodeType="clickEffect">
+                                  <p:stCondLst>
+                                    <p:cond delay="0"/>
+                                  </p:stCondLst>
+                                  <p:childTnLst>
+                                    <p:set>
+                                      <p:cBhvr>
+                                        <p:cTn id="14" dur="1" fill="hold">
+                                          <p:stCondLst>
+                                            <p:cond delay="0"/>
+                                          </p:stCondLst>
+                                        </p:cTn>
+                                        <p:tgtEl>
+                                          <p:spTgt spid="3">
+                                            <p:txEl>
+                                              <p:pRg st="3" end="3"/>
+                                            </p:txEl>
+                                          </p:spTgt>
+                                        </p:tgtEl>
+                                        <p:attrNameLst>
+                                          <p:attrName>style.visibility</p:attrName>
+                                        </p:attrNameLst>
+                                      </p:cBhvr>
+                                      <p:to>
+                                        <p:strVal val="visible"/>
+                                      </p:to>
+                                    </p:set>
+                                  </p:childTnLst>
+                                </p:cTn>
+                              </p:par>
+                              <p:par>
+                                <p:cTn id="15" presetID="1" presetClass="entr" presetSubtype="0" fill="hold" grpId="0" nodeType="withEffect">
+                                  <p:stCondLst>
+                                    <p:cond delay="0"/>
+                                  </p:stCondLst>
+                                  <p:childTnLst>
+                                    <p:set>
+                                      <p:cBhvr>
+                                        <p:cTn id="16" dur="1" fill="hold">
+                                          <p:stCondLst>
+                                            <p:cond delay="0"/>
+                                          </p:stCondLst>
+                                        </p:cTn>
+                                        <p:tgtEl>
+                                          <p:spTgt spid="3">
+                                            <p:txEl>
+                                              <p:pRg st="4" end="4"/>
+                                            </p:txEl>
+                                          </p:spTgt>
+                                        </p:tgtEl>
+                                        <p:attrNameLst>
+                                          <p:attrName>style.visibility</p:attrName>
+                                        </p:attrNameLst>
+                                      </p:cBhvr>
+                                      <p:to>
+                                        <p:strVal val="visible"/>
+                                      </p:to>
+                                    </p:set>
+                                  </p:childTnLst>
+                                </p:cTn>
+                              </p:par>
+                              <p:par>
+                                <p:cTn id="17" presetID="1" presetClass="entr" presetSubtype="0" fill="hold" grpId="0" nodeType="withEffect">
+                                  <p:stCondLst>
+                                    <p:cond delay="0"/>
+                                  </p:stCondLst>
+                                  <p:childTnLst>
+                                    <p:set>
+                                      <p:cBhvr>
+                                        <p:cTn id="18" dur="1" fill="hold">
+                                          <p:stCondLst>
+                                            <p:cond delay="0"/>
+                                          </p:stCondLst>
+                                        </p:cTn>
+                                        <p:tgtEl>
+                                          <p:spTgt spid="3">
+                                            <p:txEl>
+                                              <p:pRg st="5" end="5"/>
+                                            </p:txEl>
+                                          </p:spTgt>
+                                        </p:tgtEl>
+                                        <p:attrNameLst>
+                                          <p:attrName>style.visibility</p:attrName>
+                                        </p:attrNameLst>
+                                      </p:cBhvr>
+                                      <p:to>
+                                        <p:strVal val="visible"/>
+                                      </p:to>
+                                    </p:set>
+                                  </p:childTnLst>
+                                </p:cTn>
+                              </p:par>
+                            </p:childTnLst>
+                          </p:cTn>
+                        </p:par>
+                      </p:childTnLst>
+                    </p:cTn>
+                  </p:par>
+                  <p:par>
+                    <p:cTn id="19" fill="hold">
+                      <p:stCondLst>
+                        <p:cond delay="indefinite"/>
+                      </p:stCondLst>
+                      <p:childTnLst>
+                        <p:par>
+                          <p:cTn id="20" fill="hold">
+                            <p:stCondLst>
+                              <p:cond delay="0"/>
+                            </p:stCondLst>
+                            <p:childTnLst>
+                              <p:par>
+                                <p:cTn id="21" presetID="1" presetClass="entr" presetSubtype="0" fill="hold" grpId="0" nodeType="clickEffect">
+                                  <p:stCondLst>
+                                    <p:cond delay="0"/>
+                                  </p:stCondLst>
+                                  <p:childTnLst>
+                                    <p:set>
+                                      <p:cBhvr>
+                                        <p:cTn id="22" dur="1" fill="hold">
+                                          <p:stCondLst>
+                                            <p:cond delay="0"/>
+                                          </p:stCondLst>
+                                        </p:cTn>
+                                        <p:tgtEl>
+                                          <p:spTgt spid="3">
+                                            <p:txEl>
+                                              <p:pRg st="6" end="6"/>
+                                            </p:txEl>
+                                          </p:spTgt>
+                                        </p:tgtEl>
+                                        <p:attrNameLst>
+                                          <p:attrName>style.visibility</p:attrName>
+                                        </p:attrNameLst>
+                                      </p:cBhvr>
+                                      <p:to>
+                                        <p:strVal val="visible"/>
+                                      </p:to>
+                                    </p:set>
+                                  </p:childTnLst>
+                                </p:cTn>
+                              </p:par>
+                            </p:childTnLst>
+                          </p:cTn>
+                        </p:par>
+                      </p:childTnLst>
+                    </p:cTn>
+                  </p:par>
+                </p:childTnLst>
+              </p:cTn>
+              <p:prevCondLst>
+                <p:cond evt="onPrev" delay="0">
+                  <p:tgtEl>
+                    <p:sldTgt/>
+                  </p:tgtEl>
+                </p:cond>
+              </p:prevCondLst>
+              <p:nextCondLst>
+                <p:cond evt="onNext" delay="0">
+                  <p:tgtEl>
+                    <p:sldTgt/>
+                  </p:tgtEl>
+                </p:cond>
+              </p:nextCondLst>
+            </p:seq>
+          </p:childTnLst>
+        </p:cTn>
+      </p:par>
+    </p:tnLst>
+    <p:bldLst>
+      <p:bldP spid="3" grpId="0" uiExpand="1" build="p" bldLvl="2"/>
+    </p:bldLst>
+  </p:timing>
+</p:sld>
+</file>
+
+<file path=ppt/slides/slide16.xml><?xml version="1.0" encoding="utf-8"?>
+<p:sld xmlns:a="http://schemas.openxmlformats.org/drawingml/2006/main" xmlns:r="http://schemas.openxmlformats.org/officeDocument/2006/relationships" xmlns:p="http://schemas.openxmlformats.org/presentationml/2006/main">
+  <p:cSld>
+    <p:spTree>
+      <p:nvGrpSpPr>
+        <p:cNvPr id="1" name=""/>
+        <p:cNvGrpSpPr/>
+        <p:nvPr/>
+      </p:nvGrpSpPr>
+      <p:grpSpPr>
+        <a:xfrm>
+          <a:off x="0" y="0"/>
+          <a:ext cx="0" cy="0"/>
+          <a:chOff x="0" y="0"/>
+          <a:chExt cx="0" cy="0"/>
+        </a:xfrm>
+      </p:grpSpPr>
+      <p:sp>
+        <p:nvSpPr>
+          <p:cNvPr id="2" name="Title 1"/>
+          <p:cNvSpPr>
+            <a:spLocks noGrp="1"/>
+          </p:cNvSpPr>
+          <p:nvPr>
+            <p:ph type="title"/>
+          </p:nvPr>
+        </p:nvSpPr>
+        <p:spPr/>
+        <p:txBody>
+          <a:bodyPr/>
+          <a:lstStyle/>
+          <a:p>
+            <a:r>
+              <a:rPr lang="en-US" dirty="0" smtClean="0"/>
+              <a:t>Reading </a:t>
+            </a:r>
+            <a:r>
+              <a:rPr lang="en-US" dirty="0" err="1" smtClean="0"/>
+              <a:t>GeoTIFF</a:t>
+            </a:r>
+            <a:endParaRPr lang="en-US" dirty="0"/>
+          </a:p>
+        </p:txBody>
+      </p:sp>
+      <p:sp>
+        <p:nvSpPr>
+          <p:cNvPr id="3" name="Content Placeholder 2"/>
+          <p:cNvSpPr>
+            <a:spLocks noGrp="1"/>
+          </p:cNvSpPr>
+          <p:nvPr>
+            <p:ph idx="1"/>
+          </p:nvPr>
+        </p:nvSpPr>
+        <p:spPr/>
+        <p:txBody>
+          <a:bodyPr>
+            <a:normAutofit lnSpcReduction="10000"/>
+          </a:bodyPr>
+          <a:lstStyle/>
+          <a:p>
+            <a:r>
+              <a:rPr lang="en-US" dirty="0" smtClean="0"/>
+              <a:t>Open &amp; read </a:t>
+            </a:r>
+            <a:r>
+              <a:rPr lang="en-US" dirty="0" err="1" smtClean="0"/>
+              <a:t>GeoTIFF</a:t>
+            </a:r>
+            <a:endParaRPr lang="en-US" dirty="0" smtClean="0"/>
+          </a:p>
+          <a:p>
+            <a:endParaRPr lang="en-US" dirty="0"/>
+          </a:p>
+          <a:p>
+            <a:r>
+              <a:rPr lang="en-US" dirty="0" smtClean="0"/>
+              <a:t>Number raster bands: </a:t>
+            </a:r>
+            <a:r>
+              <a:rPr lang="en-US" dirty="0" err="1" smtClean="0">
+                <a:latin typeface="Courier New" panose="02070309020205020404" pitchFamily="49" charset="0"/>
+                <a:cs typeface="Courier New" panose="02070309020205020404" pitchFamily="49" charset="0"/>
+              </a:rPr>
+              <a:t>data.RasterCount</a:t>
+            </a:r>
+            <a:endParaRPr lang="en-US" dirty="0" smtClean="0">
+              <a:latin typeface="Courier New" panose="02070309020205020404" pitchFamily="49" charset="0"/>
+              <a:cs typeface="Courier New" panose="02070309020205020404" pitchFamily="49" charset="0"/>
+            </a:endParaRPr>
+          </a:p>
+          <a:p>
+            <a:r>
+              <a:rPr lang="en-US" dirty="0" smtClean="0">
+                <a:cs typeface="Courier New" panose="02070309020205020404" pitchFamily="49" charset="0"/>
+              </a:rPr>
+              <a:t>Raster band as </a:t>
+            </a:r>
+            <a:r>
+              <a:rPr lang="en-US" dirty="0" err="1" smtClean="0">
+                <a:cs typeface="Courier New" panose="02070309020205020404" pitchFamily="49" charset="0"/>
+              </a:rPr>
+              <a:t>numpy</a:t>
+            </a:r>
+            <a:r>
+              <a:rPr lang="en-US" dirty="0" smtClean="0">
+                <a:cs typeface="Courier New" panose="02070309020205020404" pitchFamily="49" charset="0"/>
+              </a:rPr>
+              <a:t> array</a:t>
+            </a:r>
+          </a:p>
+          <a:p>
+            <a:endParaRPr lang="en-US" dirty="0">
+              <a:cs typeface="Courier New" panose="02070309020205020404" pitchFamily="49" charset="0"/>
+            </a:endParaRPr>
+          </a:p>
+          <a:p>
+            <a:r>
+              <a:rPr lang="en-US" dirty="0"/>
+              <a:t>Projection: </a:t>
+            </a:r>
+            <a:r>
+              <a:rPr lang="en-US" dirty="0" err="1">
+                <a:latin typeface="Courier New" panose="02070309020205020404" pitchFamily="49" charset="0"/>
+                <a:cs typeface="Courier New" panose="02070309020205020404" pitchFamily="49" charset="0"/>
+              </a:rPr>
+              <a:t>data.GetProjection</a:t>
+            </a:r>
+            <a:r>
+              <a:rPr lang="en-US" dirty="0">
+                <a:latin typeface="Courier New" panose="02070309020205020404" pitchFamily="49" charset="0"/>
+                <a:cs typeface="Courier New" panose="02070309020205020404" pitchFamily="49" charset="0"/>
+              </a:rPr>
+              <a:t>()</a:t>
+            </a:r>
+          </a:p>
+          <a:p>
+            <a:r>
+              <a:rPr lang="en-US" dirty="0" err="1"/>
+              <a:t>GeoTransform</a:t>
+            </a:r>
+            <a:r>
+              <a:rPr lang="en-US" dirty="0"/>
+              <a:t>: </a:t>
+            </a:r>
+            <a:r>
+              <a:rPr lang="en-US" dirty="0" err="1">
+                <a:latin typeface="Courier New" panose="02070309020205020404" pitchFamily="49" charset="0"/>
+                <a:cs typeface="Courier New" panose="02070309020205020404" pitchFamily="49" charset="0"/>
+              </a:rPr>
+              <a:t>data.GetGeoTransform</a:t>
+            </a:r>
+            <a:r>
+              <a:rPr lang="en-US" dirty="0">
+                <a:latin typeface="Courier New" panose="02070309020205020404" pitchFamily="49" charset="0"/>
+                <a:cs typeface="Courier New" panose="02070309020205020404" pitchFamily="49" charset="0"/>
+              </a:rPr>
+              <a:t>()</a:t>
+            </a:r>
+          </a:p>
+          <a:p>
+            <a:endParaRPr lang="en-US" dirty="0">
+              <a:cs typeface="Courier New" panose="02070309020205020404" pitchFamily="49" charset="0"/>
+            </a:endParaRPr>
+          </a:p>
+        </p:txBody>
+      </p:sp>
+      <p:sp>
+        <p:nvSpPr>
+          <p:cNvPr id="4" name="Slide Number Placeholder 3"/>
+          <p:cNvSpPr>
+            <a:spLocks noGrp="1"/>
+          </p:cNvSpPr>
+          <p:nvPr>
+            <p:ph type="sldNum" sz="quarter" idx="12"/>
+          </p:nvPr>
+        </p:nvSpPr>
+        <p:spPr/>
+        <p:txBody>
+          <a:bodyPr/>
+          <a:lstStyle/>
+          <a:p>
+            <a:fld id="{5A209D72-2E9D-49B0-8977-41DCCC66C0BB}" type="slidenum">
+              <a:rPr lang="nl-BE" smtClean="0">
+                <a:solidFill>
+                  <a:prstClr val="black">
+                    <a:tint val="75000"/>
+                  </a:prstClr>
+                </a:solidFill>
+              </a:rPr>
+              <a:pPr/>
+              <a:t>16</a:t>
+            </a:fld>
+            <a:endParaRPr lang="nl-BE">
+              <a:solidFill>
+                <a:prstClr val="black">
+                  <a:tint val="75000"/>
+                </a:prstClr>
+              </a:solidFill>
+            </a:endParaRPr>
+          </a:p>
+        </p:txBody>
+      </p:sp>
+      <p:sp>
+        <p:nvSpPr>
+          <p:cNvPr id="5" name="TextBox 4"/>
+          <p:cNvSpPr txBox="1"/>
+          <p:nvPr/>
+        </p:nvSpPr>
+        <p:spPr>
+          <a:xfrm>
+            <a:off x="534838" y="2079397"/>
+            <a:ext cx="5089585" cy="646331"/>
+          </a:xfrm>
+          <a:prstGeom prst="rect">
+            <a:avLst/>
+          </a:prstGeom>
+          <a:solidFill>
+            <a:schemeClr val="accent4">
+              <a:lumMod val="40000"/>
+              <a:lumOff val="60000"/>
+            </a:schemeClr>
+          </a:solidFill>
+        </p:spPr>
+        <p:txBody>
+          <a:bodyPr wrap="square" rtlCol="0">
+            <a:spAutoFit/>
+          </a:bodyPr>
+          <a:lstStyle/>
+          <a:p>
+            <a:r>
+              <a:rPr lang="en-US" dirty="0" smtClean="0">
+                <a:latin typeface="Courier New" pitchFamily="49" charset="0"/>
+                <a:cs typeface="Courier New" pitchFamily="49" charset="0"/>
+              </a:rPr>
+              <a:t>import </a:t>
+            </a:r>
+            <a:r>
+              <a:rPr lang="en-US" dirty="0" err="1" smtClean="0">
+                <a:latin typeface="Courier New" pitchFamily="49" charset="0"/>
+                <a:cs typeface="Courier New" pitchFamily="49" charset="0"/>
+              </a:rPr>
+              <a:t>gdal</a:t>
+            </a:r>
+            <a:endParaRPr lang="en-US" dirty="0" smtClean="0">
+              <a:latin typeface="Courier New" pitchFamily="49" charset="0"/>
+              <a:cs typeface="Courier New" pitchFamily="49" charset="0"/>
+            </a:endParaRPr>
+          </a:p>
+          <a:p>
+            <a:r>
+              <a:rPr lang="en-US" dirty="0" smtClean="0">
+                <a:latin typeface="Courier New" pitchFamily="49" charset="0"/>
+                <a:cs typeface="Courier New" pitchFamily="49" charset="0"/>
+              </a:rPr>
+              <a:t>data = </a:t>
+            </a:r>
+            <a:r>
+              <a:rPr lang="en-US" dirty="0" err="1" smtClean="0">
+                <a:latin typeface="Courier New" pitchFamily="49" charset="0"/>
+                <a:cs typeface="Courier New" pitchFamily="49" charset="0"/>
+              </a:rPr>
+              <a:t>gdal.Open</a:t>
+            </a:r>
+            <a:r>
+              <a:rPr lang="en-US" dirty="0" smtClean="0">
+                <a:latin typeface="Courier New" pitchFamily="49" charset="0"/>
+                <a:cs typeface="Courier New" pitchFamily="49" charset="0"/>
+              </a:rPr>
+              <a:t>(</a:t>
+            </a:r>
+            <a:r>
+              <a:rPr lang="en-US" dirty="0" err="1" smtClean="0">
+                <a:latin typeface="Courier New" pitchFamily="49" charset="0"/>
+                <a:cs typeface="Courier New" pitchFamily="49" charset="0"/>
+              </a:rPr>
+              <a:t>file_name</a:t>
+            </a:r>
+            <a:r>
+              <a:rPr lang="en-US" dirty="0" smtClean="0">
+                <a:latin typeface="Courier New" pitchFamily="49" charset="0"/>
+                <a:cs typeface="Courier New" pitchFamily="49" charset="0"/>
+              </a:rPr>
+              <a:t>)</a:t>
+            </a:r>
+            <a:endParaRPr lang="en-US" dirty="0" smtClean="0">
+              <a:latin typeface="Courier New" pitchFamily="49" charset="0"/>
+              <a:cs typeface="Courier New" pitchFamily="49" charset="0"/>
+            </a:endParaRPr>
+          </a:p>
+        </p:txBody>
+      </p:sp>
+      <p:sp>
+        <p:nvSpPr>
+          <p:cNvPr id="7" name="TextBox 6"/>
+          <p:cNvSpPr txBox="1"/>
+          <p:nvPr/>
+        </p:nvSpPr>
+        <p:spPr>
+          <a:xfrm>
+            <a:off x="534838" y="3732789"/>
+            <a:ext cx="7168551" cy="369332"/>
+          </a:xfrm>
+          <a:prstGeom prst="rect">
+            <a:avLst/>
+          </a:prstGeom>
+          <a:solidFill>
+            <a:schemeClr val="accent4">
+              <a:lumMod val="40000"/>
+              <a:lumOff val="60000"/>
+            </a:schemeClr>
+          </a:solidFill>
+        </p:spPr>
+        <p:txBody>
+          <a:bodyPr wrap="square" rtlCol="0">
+            <a:spAutoFit/>
+          </a:bodyPr>
+          <a:lstStyle/>
+          <a:p>
+            <a:r>
+              <a:rPr lang="en-US" dirty="0" err="1" smtClean="0">
+                <a:latin typeface="Courier New" pitchFamily="49" charset="0"/>
+                <a:cs typeface="Courier New" pitchFamily="49" charset="0"/>
+              </a:rPr>
+              <a:t>raster_band</a:t>
+            </a:r>
+            <a:r>
+              <a:rPr lang="en-US" dirty="0" smtClean="0">
+                <a:latin typeface="Courier New" pitchFamily="49" charset="0"/>
+                <a:cs typeface="Courier New" pitchFamily="49" charset="0"/>
+              </a:rPr>
+              <a:t> = </a:t>
+            </a:r>
+            <a:r>
+              <a:rPr lang="en-US" dirty="0" err="1" smtClean="0">
+                <a:latin typeface="Courier New" pitchFamily="49" charset="0"/>
+                <a:cs typeface="Courier New" pitchFamily="49" charset="0"/>
+              </a:rPr>
+              <a:t>data.GetRasterBand</a:t>
+            </a:r>
+            <a:r>
+              <a:rPr lang="en-US" dirty="0" smtClean="0">
+                <a:latin typeface="Courier New" pitchFamily="49" charset="0"/>
+                <a:cs typeface="Courier New" pitchFamily="49" charset="0"/>
+              </a:rPr>
+              <a:t>(1).</a:t>
+            </a:r>
+            <a:r>
+              <a:rPr lang="en-US" dirty="0" err="1" smtClean="0">
+                <a:latin typeface="Courier New" pitchFamily="49" charset="0"/>
+                <a:cs typeface="Courier New" pitchFamily="49" charset="0"/>
+              </a:rPr>
+              <a:t>ReadAsArray</a:t>
+            </a:r>
+            <a:r>
+              <a:rPr lang="en-US" dirty="0" smtClean="0">
+                <a:latin typeface="Courier New" pitchFamily="49" charset="0"/>
+                <a:cs typeface="Courier New" pitchFamily="49" charset="0"/>
+              </a:rPr>
+              <a:t>()</a:t>
+            </a:r>
+            <a:endParaRPr lang="en-US" dirty="0" smtClean="0">
+              <a:latin typeface="Courier New" pitchFamily="49" charset="0"/>
+              <a:cs typeface="Courier New" pitchFamily="49" charset="0"/>
+            </a:endParaRPr>
+          </a:p>
+        </p:txBody>
+      </p:sp>
+      <p:grpSp>
+        <p:nvGrpSpPr>
+          <p:cNvPr id="8" name="Group 7"/>
+          <p:cNvGrpSpPr/>
+          <p:nvPr/>
+        </p:nvGrpSpPr>
+        <p:grpSpPr>
+          <a:xfrm>
+            <a:off x="5119916" y="3226035"/>
+            <a:ext cx="2919327" cy="835436"/>
+            <a:chOff x="4999197" y="3383033"/>
+            <a:chExt cx="2919327" cy="835436"/>
+          </a:xfrm>
+        </p:grpSpPr>
+        <p:sp>
+          <p:nvSpPr>
+            <p:cNvPr id="9" name="Rectangle 8"/>
+            <p:cNvSpPr/>
+            <p:nvPr/>
+          </p:nvSpPr>
+          <p:spPr>
+            <a:xfrm>
+              <a:off x="4999197" y="3930437"/>
+              <a:ext cx="156709" cy="288032"/>
+            </a:xfrm>
+            <a:prstGeom prst="rect">
+              <a:avLst/>
+            </a:prstGeom>
+            <a:noFill/>
+            <a:ln>
+              <a:solidFill>
+                <a:srgbClr val="C00000"/>
+              </a:solidFill>
+            </a:ln>
+          </p:spPr>
+          <p:style>
+            <a:lnRef idx="2">
+              <a:schemeClr val="accent1">
+                <a:shade val="50000"/>
+              </a:schemeClr>
+            </a:lnRef>
+            <a:fillRef idx="1">
+              <a:schemeClr val="accent1"/>
+            </a:fillRef>
+            <a:effectRef idx="0">
+              <a:schemeClr val="accent1"/>
+            </a:effectRef>
+            <a:fontRef idx="minor">
+              <a:schemeClr val="lt1"/>
+            </a:fontRef>
+          </p:style>
+          <p:txBody>
+            <a:bodyPr rtlCol="0" anchor="ctr"/>
+            <a:lstStyle/>
+            <a:p>
+              <a:pPr algn="ctr"/>
+              <a:endParaRPr lang="nl-BE"/>
+            </a:p>
+          </p:txBody>
+        </p:sp>
+        <p:sp>
+          <p:nvSpPr>
+            <p:cNvPr id="10" name="TextBox 9"/>
+            <p:cNvSpPr txBox="1"/>
+            <p:nvPr/>
+          </p:nvSpPr>
+          <p:spPr>
+            <a:xfrm>
+              <a:off x="6446390" y="3383033"/>
+              <a:ext cx="1472134" cy="369332"/>
+            </a:xfrm>
+            <a:prstGeom prst="rect">
+              <a:avLst/>
+            </a:prstGeom>
+            <a:solidFill>
+              <a:schemeClr val="bg1"/>
+            </a:solidFill>
+            <a:ln>
+              <a:solidFill>
+                <a:srgbClr val="C00000"/>
+              </a:solidFill>
+            </a:ln>
+          </p:spPr>
+          <p:txBody>
+            <a:bodyPr wrap="none" rtlCol="0">
+              <a:spAutoFit/>
+            </a:bodyPr>
+            <a:lstStyle/>
+            <a:p>
+              <a:r>
+                <a:rPr lang="en-US" dirty="0" smtClean="0">
+                  <a:solidFill>
+                    <a:srgbClr val="C00000"/>
+                  </a:solidFill>
+                </a:rPr>
+                <a:t>count from 1!</a:t>
+              </a:r>
+              <a:endParaRPr lang="nl-BE" dirty="0">
+                <a:solidFill>
+                  <a:srgbClr val="C00000"/>
+                </a:solidFill>
+              </a:endParaRPr>
+            </a:p>
+          </p:txBody>
+        </p:sp>
+        <p:cxnSp>
+          <p:nvCxnSpPr>
+            <p:cNvPr id="11" name="Straight Arrow Connector 10"/>
+            <p:cNvCxnSpPr>
+              <a:stCxn id="10" idx="1"/>
+              <a:endCxn id="9" idx="3"/>
+            </p:cNvCxnSpPr>
+            <p:nvPr/>
+          </p:nvCxnSpPr>
+          <p:spPr>
+            <a:xfrm flipH="1">
+              <a:off x="5155906" y="3567699"/>
+              <a:ext cx="1290484" cy="506754"/>
+            </a:xfrm>
+            <a:prstGeom prst="straightConnector1">
+              <a:avLst/>
+            </a:prstGeom>
+            <a:ln w="19050">
+              <a:solidFill>
+                <a:srgbClr val="C00000"/>
+              </a:solidFill>
+              <a:tailEnd type="stealth" w="lg" len="lg"/>
+            </a:ln>
+          </p:spPr>
+          <p:style>
+            <a:lnRef idx="1">
+              <a:schemeClr val="accent1"/>
+            </a:lnRef>
+            <a:fillRef idx="0">
+              <a:schemeClr val="accent1"/>
+            </a:fillRef>
+            <a:effectRef idx="0">
+              <a:schemeClr val="accent1"/>
+            </a:effectRef>
+            <a:fontRef idx="minor">
+              <a:schemeClr val="tx1"/>
+            </a:fontRef>
+          </p:style>
+        </p:cxnSp>
+      </p:grpSp>
+      <p:pic>
+        <p:nvPicPr>
+          <p:cNvPr id="14" name="Picture 13"/>
+          <p:cNvPicPr>
+            <a:picLocks noChangeAspect="1"/>
+          </p:cNvPicPr>
+          <p:nvPr/>
+        </p:nvPicPr>
+        <p:blipFill rotWithShape="1">
+          <a:blip r:embed="rId2">
+            <a:extLst>
+              <a:ext uri="{28A0092B-C50C-407E-A947-70E740481C1C}">
+                <a14:useLocalDpi xmlns:a14="http://schemas.microsoft.com/office/drawing/2010/main" val="0"/>
+              </a:ext>
+            </a:extLst>
+          </a:blip>
+          <a:srcRect l="14493" t="2200" r="2331" b="8702"/>
+          <a:stretch/>
+        </p:blipFill>
+        <p:spPr>
+          <a:xfrm>
+            <a:off x="6573328" y="4770407"/>
+            <a:ext cx="2035834" cy="2054861"/>
+          </a:xfrm>
+          <a:prstGeom prst="rect">
+            <a:avLst/>
+          </a:prstGeom>
+        </p:spPr>
+      </p:pic>
+    </p:spTree>
+    <p:extLst>
+      <p:ext uri="{BB962C8B-B14F-4D97-AF65-F5344CB8AC3E}">
+        <p14:creationId xmlns:p14="http://schemas.microsoft.com/office/powerpoint/2010/main" val="3850822376"/>
+      </p:ext>
+    </p:extLst>
+  </p:cSld>
+  <p:clrMapOvr>
+    <a:masterClrMapping/>
+  </p:clrMapOvr>
+  <p:timing>
+    <p:tnLst>
+      <p:par>
+        <p:cTn id="1" dur="indefinite" restart="never" nodeType="tmRoot">
+          <p:childTnLst>
+            <p:seq concurrent="1" nextAc="seek">
+              <p:cTn id="2" dur="indefinite" nodeType="mainSeq">
+                <p:childTnLst>
+                  <p:par>
+                    <p:cTn id="3" fill="hold">
+                      <p:stCondLst>
+                        <p:cond delay="indefinite"/>
+                      </p:stCondLst>
+                      <p:childTnLst>
+                        <p:par>
+                          <p:cTn id="4" fill="hold">
+                            <p:stCondLst>
+                              <p:cond delay="0"/>
+                            </p:stCondLst>
+                            <p:childTnLst>
+                              <p:par>
+                                <p:cTn id="5" presetID="1" presetClass="entr" presetSubtype="0" fill="hold" grpId="0" nodeType="clickEffect">
+                                  <p:stCondLst>
+                                    <p:cond delay="0"/>
+                                  </p:stCondLst>
+                                  <p:childTnLst>
+                                    <p:set>
+                                      <p:cBhvr>
+                                        <p:cTn id="6" dur="1" fill="hold">
+                                          <p:stCondLst>
+                                            <p:cond delay="0"/>
+                                          </p:stCondLst>
+                                        </p:cTn>
+                                        <p:tgtEl>
+                                          <p:spTgt spid="3">
+                                            <p:txEl>
+                                              <p:pRg st="0" end="0"/>
+                                            </p:txEl>
+                                          </p:spTgt>
+                                        </p:tgtEl>
+                                        <p:attrNameLst>
+                                          <p:attrName>style.visibility</p:attrName>
+                                        </p:attrNameLst>
+                                      </p:cBhvr>
+                                      <p:to>
+                                        <p:strVal val="visible"/>
+                                      </p:to>
+                                    </p:set>
+                                  </p:childTnLst>
+                                </p:cTn>
+                              </p:par>
+                              <p:par>
+                                <p:cTn id="7" presetID="1" presetClass="entr" presetSubtype="0" fill="hold" grpId="0" nodeType="withEffect">
+                                  <p:stCondLst>
+                                    <p:cond delay="0"/>
+                                  </p:stCondLst>
+                                  <p:childTnLst>
+                                    <p:set>
+                                      <p:cBhvr>
+                                        <p:cTn id="8" dur="1" fill="hold">
+                                          <p:stCondLst>
+                                            <p:cond delay="0"/>
+                                          </p:stCondLst>
+                                        </p:cTn>
+                                        <p:tgtEl>
+                                          <p:spTgt spid="5"/>
+                                        </p:tgtEl>
+                                        <p:attrNameLst>
+                                          <p:attrName>style.visibility</p:attrName>
+                                        </p:attrNameLst>
+                                      </p:cBhvr>
+                                      <p:to>
+                                        <p:strVal val="visible"/>
+                                      </p:to>
+                                    </p:set>
+                                  </p:childTnLst>
+                                </p:cTn>
+                              </p:par>
+                            </p:childTnLst>
+                          </p:cTn>
+                        </p:par>
+                      </p:childTnLst>
+                    </p:cTn>
+                  </p:par>
+                  <p:par>
+                    <p:cTn id="9" fill="hold">
+                      <p:stCondLst>
+                        <p:cond delay="indefinite"/>
+                      </p:stCondLst>
+                      <p:childTnLst>
+                        <p:par>
+                          <p:cTn id="10" fill="hold">
+                            <p:stCondLst>
+                              <p:cond delay="0"/>
+                            </p:stCondLst>
+                            <p:childTnLst>
+                              <p:par>
+                                <p:cTn id="11" presetID="1" presetClass="entr" presetSubtype="0" fill="hold" grpId="0" nodeType="clickEffect">
+                                  <p:stCondLst>
+                                    <p:cond delay="0"/>
+                                  </p:stCondLst>
+                                  <p:childTnLst>
+                                    <p:set>
+                                      <p:cBhvr>
+                                        <p:cTn id="12" dur="1" fill="hold">
+                                          <p:stCondLst>
+                                            <p:cond delay="0"/>
+                                          </p:stCondLst>
+                                        </p:cTn>
+                                        <p:tgtEl>
+                                          <p:spTgt spid="3">
+                                            <p:txEl>
+                                              <p:pRg st="2" end="2"/>
+                                            </p:txEl>
+                                          </p:spTgt>
+                                        </p:tgtEl>
+                                        <p:attrNameLst>
+                                          <p:attrName>style.visibility</p:attrName>
+                                        </p:attrNameLst>
+                                      </p:cBhvr>
+                                      <p:to>
+                                        <p:strVal val="visible"/>
+                                      </p:to>
+                                    </p:set>
+                                  </p:childTnLst>
+                                </p:cTn>
+                              </p:par>
+                            </p:childTnLst>
+                          </p:cTn>
+                        </p:par>
+                      </p:childTnLst>
+                    </p:cTn>
+                  </p:par>
+                  <p:par>
+                    <p:cTn id="13" fill="hold">
+                      <p:stCondLst>
+                        <p:cond delay="indefinite"/>
+                      </p:stCondLst>
+                      <p:childTnLst>
+                        <p:par>
+                          <p:cTn id="14" fill="hold">
+                            <p:stCondLst>
+                              <p:cond delay="0"/>
+                            </p:stCondLst>
+                            <p:childTnLst>
+                              <p:par>
+                                <p:cTn id="15" presetID="1" presetClass="entr" presetSubtype="0" fill="hold" grpId="0" nodeType="clickEffect">
+                                  <p:stCondLst>
+                                    <p:cond delay="0"/>
+                                  </p:stCondLst>
+                                  <p:childTnLst>
+                                    <p:set>
+                                      <p:cBhvr>
+                                        <p:cTn id="16" dur="1" fill="hold">
+                                          <p:stCondLst>
+                                            <p:cond delay="0"/>
+                                          </p:stCondLst>
+                                        </p:cTn>
+                                        <p:tgtEl>
+                                          <p:spTgt spid="3">
+                                            <p:txEl>
+                                              <p:pRg st="3" end="3"/>
+                                            </p:txEl>
+                                          </p:spTgt>
+                                        </p:tgtEl>
+                                        <p:attrNameLst>
+                                          <p:attrName>style.visibility</p:attrName>
+                                        </p:attrNameLst>
+                                      </p:cBhvr>
+                                      <p:to>
+                                        <p:strVal val="visible"/>
+                                      </p:to>
+                                    </p:set>
+                                  </p:childTnLst>
+                                </p:cTn>
+                              </p:par>
+                              <p:par>
+                                <p:cTn id="17" presetID="1" presetClass="entr" presetSubtype="0" fill="hold" grpId="0" nodeType="withEffect">
+                                  <p:stCondLst>
+                                    <p:cond delay="0"/>
+                                  </p:stCondLst>
+                                  <p:childTnLst>
+                                    <p:set>
+                                      <p:cBhvr>
+                                        <p:cTn id="18" dur="1" fill="hold">
+                                          <p:stCondLst>
+                                            <p:cond delay="0"/>
+                                          </p:stCondLst>
+                                        </p:cTn>
+                                        <p:tgtEl>
+                                          <p:spTgt spid="7"/>
+                                        </p:tgtEl>
+                                        <p:attrNameLst>
+                                          <p:attrName>style.visibility</p:attrName>
+                                        </p:attrNameLst>
+                                      </p:cBhvr>
+                                      <p:to>
+                                        <p:strVal val="visible"/>
+                                      </p:to>
+                                    </p:set>
+                                  </p:childTnLst>
+                                </p:cTn>
+                              </p:par>
+                            </p:childTnLst>
+                          </p:cTn>
+                        </p:par>
+                      </p:childTnLst>
+                    </p:cTn>
+                  </p:par>
+                  <p:par>
+                    <p:cTn id="19" fill="hold">
+                      <p:stCondLst>
+                        <p:cond delay="indefinite"/>
+                      </p:stCondLst>
+                      <p:childTnLst>
+                        <p:par>
+                          <p:cTn id="20" fill="hold">
+                            <p:stCondLst>
+                              <p:cond delay="0"/>
+                            </p:stCondLst>
+                            <p:childTnLst>
+                              <p:par>
+                                <p:cTn id="21" presetID="1" presetClass="entr" presetSubtype="0" fill="hold" nodeType="clickEffect">
+                                  <p:stCondLst>
+                                    <p:cond delay="0"/>
+                                  </p:stCondLst>
+                                  <p:childTnLst>
+                                    <p:set>
+                                      <p:cBhvr>
+                                        <p:cTn id="22" dur="1" fill="hold">
+                                          <p:stCondLst>
+                                            <p:cond delay="0"/>
+                                          </p:stCondLst>
+                                        </p:cTn>
+                                        <p:tgtEl>
+                                          <p:spTgt spid="8"/>
+                                        </p:tgtEl>
+                                        <p:attrNameLst>
+                                          <p:attrName>style.visibility</p:attrName>
+                                        </p:attrNameLst>
+                                      </p:cBhvr>
+                                      <p:to>
+                                        <p:strVal val="visible"/>
+                                      </p:to>
+                                    </p:set>
+                                  </p:childTnLst>
+                                </p:cTn>
+                              </p:par>
+                            </p:childTnLst>
+                          </p:cTn>
+                        </p:par>
+                      </p:childTnLst>
+                    </p:cTn>
+                  </p:par>
+                  <p:par>
+                    <p:cTn id="23" fill="hold">
+                      <p:stCondLst>
+                        <p:cond delay="indefinite"/>
+                      </p:stCondLst>
+                      <p:childTnLst>
+                        <p:par>
+                          <p:cTn id="24" fill="hold">
+                            <p:stCondLst>
+                              <p:cond delay="0"/>
+                            </p:stCondLst>
+                            <p:childTnLst>
+                              <p:par>
+                                <p:cTn id="25" presetID="1" presetClass="entr" presetSubtype="0" fill="hold" nodeType="clickEffect">
+                                  <p:stCondLst>
+                                    <p:cond delay="0"/>
+                                  </p:stCondLst>
+                                  <p:childTnLst>
+                                    <p:set>
+                                      <p:cBhvr>
+                                        <p:cTn id="26" dur="1" fill="hold">
+                                          <p:stCondLst>
+                                            <p:cond delay="0"/>
+                                          </p:stCondLst>
+                                        </p:cTn>
+                                        <p:tgtEl>
+                                          <p:spTgt spid="14"/>
+                                        </p:tgtEl>
+                                        <p:attrNameLst>
+                                          <p:attrName>style.visibility</p:attrName>
+                                        </p:attrNameLst>
+                                      </p:cBhvr>
+                                      <p:to>
+                                        <p:strVal val="visible"/>
+                                      </p:to>
+                                    </p:set>
+                                  </p:childTnLst>
+                                </p:cTn>
+                              </p:par>
+                            </p:childTnLst>
+                          </p:cTn>
+                        </p:par>
+                      </p:childTnLst>
+                    </p:cTn>
+                  </p:par>
+                  <p:par>
+                    <p:cTn id="27" fill="hold">
+                      <p:stCondLst>
+                        <p:cond delay="indefinite"/>
+                      </p:stCondLst>
+                      <p:childTnLst>
+                        <p:par>
+                          <p:cTn id="28" fill="hold">
+                            <p:stCondLst>
+                              <p:cond delay="0"/>
+                            </p:stCondLst>
+                            <p:childTnLst>
+                              <p:par>
+                                <p:cTn id="29" presetID="1" presetClass="entr" presetSubtype="0" fill="hold" grpId="0" nodeType="clickEffect">
+                                  <p:stCondLst>
+                                    <p:cond delay="0"/>
+                                  </p:stCondLst>
+                                  <p:childTnLst>
+                                    <p:set>
+                                      <p:cBhvr>
+                                        <p:cTn id="30" dur="1" fill="hold">
+                                          <p:stCondLst>
+                                            <p:cond delay="0"/>
+                                          </p:stCondLst>
+                                        </p:cTn>
+                                        <p:tgtEl>
+                                          <p:spTgt spid="3">
+                                            <p:txEl>
+                                              <p:pRg st="5" end="5"/>
+                                            </p:txEl>
+                                          </p:spTgt>
+                                        </p:tgtEl>
+                                        <p:attrNameLst>
+                                          <p:attrName>style.visibility</p:attrName>
+                                        </p:attrNameLst>
+                                      </p:cBhvr>
+                                      <p:to>
+                                        <p:strVal val="visible"/>
+                                      </p:to>
+                                    </p:set>
+                                  </p:childTnLst>
+                                </p:cTn>
+                              </p:par>
+                            </p:childTnLst>
+                          </p:cTn>
+                        </p:par>
+                      </p:childTnLst>
+                    </p:cTn>
+                  </p:par>
+                  <p:par>
+                    <p:cTn id="31" fill="hold">
+                      <p:stCondLst>
+                        <p:cond delay="indefinite"/>
+                      </p:stCondLst>
+                      <p:childTnLst>
+                        <p:par>
+                          <p:cTn id="32" fill="hold">
+                            <p:stCondLst>
+                              <p:cond delay="0"/>
+                            </p:stCondLst>
+                            <p:childTnLst>
+                              <p:par>
+                                <p:cTn id="33" presetID="1" presetClass="entr" presetSubtype="0" fill="hold" grpId="0" nodeType="clickEffect">
+                                  <p:stCondLst>
+                                    <p:cond delay="0"/>
+                                  </p:stCondLst>
+                                  <p:childTnLst>
+                                    <p:set>
+                                      <p:cBhvr>
+                                        <p:cTn id="34" dur="1" fill="hold">
+                                          <p:stCondLst>
+                                            <p:cond delay="0"/>
+                                          </p:stCondLst>
+                                        </p:cTn>
+                                        <p:tgtEl>
+                                          <p:spTgt spid="3">
+                                            <p:txEl>
+                                              <p:pRg st="6" end="6"/>
+                                            </p:txEl>
+                                          </p:spTgt>
+                                        </p:tgtEl>
+                                        <p:attrNameLst>
+                                          <p:attrName>style.visibility</p:attrName>
+                                        </p:attrNameLst>
+                                      </p:cBhvr>
+                                      <p:to>
+                                        <p:strVal val="visible"/>
+                                      </p:to>
+                                    </p:set>
+                                  </p:childTnLst>
+                                </p:cTn>
+                              </p:par>
+                            </p:childTnLst>
+                          </p:cTn>
+                        </p:par>
+                      </p:childTnLst>
+                    </p:cTn>
+                  </p:par>
+                </p:childTnLst>
+              </p:cTn>
+              <p:prevCondLst>
+                <p:cond evt="onPrev" delay="0">
+                  <p:tgtEl>
+                    <p:sldTgt/>
+                  </p:tgtEl>
+                </p:cond>
+              </p:prevCondLst>
+              <p:nextCondLst>
+                <p:cond evt="onNext" delay="0">
+                  <p:tgtEl>
+                    <p:sldTgt/>
+                  </p:tgtEl>
+                </p:cond>
+              </p:nextCondLst>
+            </p:seq>
+          </p:childTnLst>
+        </p:cTn>
+      </p:par>
+    </p:tnLst>
+    <p:bldLst>
+      <p:bldP spid="3" grpId="0" uiExpand="1" build="p"/>
+      <p:bldP spid="5" grpId="0" animBg="1"/>
+      <p:bldP spid="7" grpId="0" animBg="1"/>
+    </p:bldLst>
+  </p:timing>
+</p:sld>
+</file>
+
+<file path=ppt/slides/slide17.xml><?xml version="1.0" encoding="utf-8"?>
+<p:sld xmlns:a="http://schemas.openxmlformats.org/drawingml/2006/main" xmlns:r="http://schemas.openxmlformats.org/officeDocument/2006/relationships" xmlns:p="http://schemas.openxmlformats.org/presentationml/2006/main">
+  <p:cSld>
+    <p:spTree>
+      <p:nvGrpSpPr>
+        <p:cNvPr id="1" name=""/>
+        <p:cNvGrpSpPr/>
+        <p:nvPr/>
+      </p:nvGrpSpPr>
+      <p:grpSpPr>
+        <a:xfrm>
+          <a:off x="0" y="0"/>
+          <a:ext cx="0" cy="0"/>
+          <a:chOff x="0" y="0"/>
+          <a:chExt cx="0" cy="0"/>
+        </a:xfrm>
+      </p:grpSpPr>
+      <p:sp>
+        <p:nvSpPr>
+          <p:cNvPr id="2" name="Title 1"/>
+          <p:cNvSpPr>
+            <a:spLocks noGrp="1"/>
+          </p:cNvSpPr>
+          <p:nvPr>
+            <p:ph type="title"/>
+          </p:nvPr>
+        </p:nvSpPr>
+        <p:spPr/>
+        <p:txBody>
+          <a:bodyPr/>
+          <a:lstStyle/>
+          <a:p>
+            <a:r>
+              <a:rPr lang="en-US" dirty="0" smtClean="0"/>
+              <a:t>Writing </a:t>
+            </a:r>
+            <a:r>
+              <a:rPr lang="en-US" dirty="0" err="1" smtClean="0"/>
+              <a:t>GeoTIFF</a:t>
+            </a:r>
+            <a:endParaRPr lang="en-US" dirty="0"/>
+          </a:p>
+        </p:txBody>
+      </p:sp>
+      <p:sp>
+        <p:nvSpPr>
+          <p:cNvPr id="3" name="Content Placeholder 2"/>
+          <p:cNvSpPr>
+            <a:spLocks noGrp="1"/>
+          </p:cNvSpPr>
+          <p:nvPr>
+            <p:ph idx="1"/>
+          </p:nvPr>
+        </p:nvSpPr>
+        <p:spPr/>
+        <p:txBody>
+          <a:bodyPr/>
+          <a:lstStyle/>
+          <a:p>
+            <a:r>
+              <a:rPr lang="en-US" dirty="0" smtClean="0"/>
+              <a:t>Create file</a:t>
+            </a:r>
+            <a:endParaRPr lang="en-US" dirty="0"/>
+          </a:p>
+        </p:txBody>
+      </p:sp>
+      <p:sp>
+        <p:nvSpPr>
+          <p:cNvPr id="4" name="Slide Number Placeholder 3"/>
+          <p:cNvSpPr>
+            <a:spLocks noGrp="1"/>
+          </p:cNvSpPr>
+          <p:nvPr>
+            <p:ph type="sldNum" sz="quarter" idx="12"/>
+          </p:nvPr>
+        </p:nvSpPr>
+        <p:spPr/>
+        <p:txBody>
+          <a:bodyPr/>
+          <a:lstStyle/>
+          <a:p>
+            <a:fld id="{5A209D72-2E9D-49B0-8977-41DCCC66C0BB}" type="slidenum">
+              <a:rPr lang="nl-BE" smtClean="0">
+                <a:solidFill>
+                  <a:prstClr val="black">
+                    <a:tint val="75000"/>
+                  </a:prstClr>
+                </a:solidFill>
+              </a:rPr>
+              <a:pPr/>
+              <a:t>17</a:t>
+            </a:fld>
+            <a:endParaRPr lang="nl-BE">
+              <a:solidFill>
+                <a:prstClr val="black">
+                  <a:tint val="75000"/>
+                </a:prstClr>
+              </a:solidFill>
+            </a:endParaRPr>
+          </a:p>
+        </p:txBody>
+      </p:sp>
+      <p:sp>
+        <p:nvSpPr>
+          <p:cNvPr id="5" name="TextBox 4"/>
+          <p:cNvSpPr txBox="1"/>
+          <p:nvPr/>
+        </p:nvSpPr>
+        <p:spPr>
+          <a:xfrm>
+            <a:off x="534838" y="2079397"/>
+            <a:ext cx="8376249" cy="1200329"/>
+          </a:xfrm>
+          <a:prstGeom prst="rect">
+            <a:avLst/>
+          </a:prstGeom>
+          <a:solidFill>
+            <a:schemeClr val="accent4">
+              <a:lumMod val="40000"/>
+              <a:lumOff val="60000"/>
+            </a:schemeClr>
+          </a:solidFill>
+        </p:spPr>
+        <p:txBody>
+          <a:bodyPr wrap="square" rtlCol="0">
+            <a:spAutoFit/>
+          </a:bodyPr>
+          <a:lstStyle/>
+          <a:p>
+            <a:r>
+              <a:rPr lang="en-US" dirty="0" smtClean="0">
+                <a:latin typeface="Courier New" pitchFamily="49" charset="0"/>
+                <a:cs typeface="Courier New" pitchFamily="49" charset="0"/>
+              </a:rPr>
+              <a:t>driver = </a:t>
+            </a:r>
+            <a:r>
+              <a:rPr lang="en-US" dirty="0" err="1" smtClean="0">
+                <a:latin typeface="Courier New" pitchFamily="49" charset="0"/>
+                <a:cs typeface="Courier New" pitchFamily="49" charset="0"/>
+              </a:rPr>
+              <a:t>gdal.GetDriverByName</a:t>
+            </a:r>
+            <a:r>
+              <a:rPr lang="en-US" dirty="0" smtClean="0">
+                <a:latin typeface="Courier New" pitchFamily="49" charset="0"/>
+                <a:cs typeface="Courier New" pitchFamily="49" charset="0"/>
+              </a:rPr>
+              <a:t>('GTIFF')</a:t>
+            </a:r>
+          </a:p>
+          <a:p>
+            <a:r>
+              <a:rPr lang="en-US" dirty="0" err="1" smtClean="0">
+                <a:latin typeface="Courier New" pitchFamily="49" charset="0"/>
+                <a:cs typeface="Courier New" pitchFamily="49" charset="0"/>
+              </a:rPr>
+              <a:t>new_data</a:t>
+            </a:r>
+            <a:r>
+              <a:rPr lang="en-US" dirty="0" smtClean="0">
+                <a:latin typeface="Courier New" pitchFamily="49" charset="0"/>
+                <a:cs typeface="Courier New" pitchFamily="49" charset="0"/>
+              </a:rPr>
+              <a:t> = </a:t>
+            </a:r>
+            <a:r>
+              <a:rPr lang="en-US" dirty="0" err="1" smtClean="0">
+                <a:latin typeface="Courier New" pitchFamily="49" charset="0"/>
+                <a:cs typeface="Courier New" pitchFamily="49" charset="0"/>
+              </a:rPr>
+              <a:t>driver.Create</a:t>
+            </a:r>
+            <a:r>
+              <a:rPr lang="en-US" dirty="0" smtClean="0">
+                <a:latin typeface="Courier New" pitchFamily="49" charset="0"/>
+                <a:cs typeface="Courier New" pitchFamily="49" charset="0"/>
+              </a:rPr>
+              <a:t>(</a:t>
+            </a:r>
+            <a:r>
+              <a:rPr lang="en-US" dirty="0" err="1" smtClean="0">
+                <a:latin typeface="Courier New" pitchFamily="49" charset="0"/>
+                <a:cs typeface="Courier New" pitchFamily="49" charset="0"/>
+              </a:rPr>
+              <a:t>new_file_name</a:t>
+            </a:r>
+            <a:r>
+              <a:rPr lang="en-US" dirty="0" smtClean="0">
+                <a:latin typeface="Courier New" pitchFamily="49" charset="0"/>
+                <a:cs typeface="Courier New" pitchFamily="49" charset="0"/>
+              </a:rPr>
+              <a:t>,</a:t>
+            </a:r>
+          </a:p>
+          <a:p>
+            <a:r>
+              <a:rPr lang="en-US" dirty="0">
+                <a:latin typeface="Courier New" pitchFamily="49" charset="0"/>
+                <a:cs typeface="Courier New" pitchFamily="49" charset="0"/>
+              </a:rPr>
+              <a:t> </a:t>
+            </a:r>
+            <a:r>
+              <a:rPr lang="en-US" dirty="0" smtClean="0">
+                <a:latin typeface="Courier New" pitchFamily="49" charset="0"/>
+                <a:cs typeface="Courier New" pitchFamily="49" charset="0"/>
+              </a:rPr>
+              <a:t>                        </a:t>
+            </a:r>
+            <a:r>
+              <a:rPr lang="en-US" dirty="0" err="1" smtClean="0">
+                <a:latin typeface="Courier New" pitchFamily="49" charset="0"/>
+                <a:cs typeface="Courier New" pitchFamily="49" charset="0"/>
+              </a:rPr>
+              <a:t>data.RasterXSize</a:t>
+            </a:r>
+            <a:r>
+              <a:rPr lang="en-US" dirty="0" smtClean="0">
+                <a:latin typeface="Courier New" pitchFamily="49" charset="0"/>
+                <a:cs typeface="Courier New" pitchFamily="49" charset="0"/>
+              </a:rPr>
+              <a:t>, </a:t>
+            </a:r>
+            <a:r>
+              <a:rPr lang="en-US" dirty="0" err="1" smtClean="0">
+                <a:latin typeface="Courier New" pitchFamily="49" charset="0"/>
+                <a:cs typeface="Courier New" pitchFamily="49" charset="0"/>
+              </a:rPr>
+              <a:t>data.RasterYSize</a:t>
+            </a:r>
+            <a:r>
+              <a:rPr lang="en-US" dirty="0" smtClean="0">
+                <a:latin typeface="Courier New" pitchFamily="49" charset="0"/>
+                <a:cs typeface="Courier New" pitchFamily="49" charset="0"/>
+              </a:rPr>
+              <a:t>,</a:t>
+            </a:r>
+          </a:p>
+          <a:p>
+            <a:r>
+              <a:rPr lang="en-US" dirty="0">
+                <a:latin typeface="Courier New" pitchFamily="49" charset="0"/>
+                <a:cs typeface="Courier New" pitchFamily="49" charset="0"/>
+              </a:rPr>
+              <a:t> </a:t>
+            </a:r>
+            <a:r>
+              <a:rPr lang="en-US" dirty="0" smtClean="0">
+                <a:latin typeface="Courier New" pitchFamily="49" charset="0"/>
+                <a:cs typeface="Courier New" pitchFamily="49" charset="0"/>
+              </a:rPr>
+              <a:t>                      1, </a:t>
+            </a:r>
+            <a:r>
+              <a:rPr lang="en-US" dirty="0" err="1" smtClean="0">
+                <a:latin typeface="Courier New" pitchFamily="49" charset="0"/>
+                <a:cs typeface="Courier New" pitchFamily="49" charset="0"/>
+              </a:rPr>
+              <a:t>gdal.GDT_Byte</a:t>
+            </a:r>
+            <a:r>
+              <a:rPr lang="en-US" dirty="0" smtClean="0">
+                <a:latin typeface="Courier New" pitchFamily="49" charset="0"/>
+                <a:cs typeface="Courier New" pitchFamily="49" charset="0"/>
+              </a:rPr>
+              <a:t>)</a:t>
+            </a:r>
+            <a:endParaRPr lang="en-US" dirty="0" smtClean="0">
+              <a:latin typeface="Courier New" pitchFamily="49" charset="0"/>
+              <a:cs typeface="Courier New" pitchFamily="49" charset="0"/>
+            </a:endParaRPr>
+          </a:p>
+        </p:txBody>
+      </p:sp>
+      <p:grpSp>
+        <p:nvGrpSpPr>
+          <p:cNvPr id="6" name="Group 5"/>
+          <p:cNvGrpSpPr/>
+          <p:nvPr/>
+        </p:nvGrpSpPr>
+        <p:grpSpPr>
+          <a:xfrm>
+            <a:off x="3739686" y="2927097"/>
+            <a:ext cx="1938723" cy="595573"/>
+            <a:chOff x="3618970" y="2839331"/>
+            <a:chExt cx="1938723" cy="595573"/>
+          </a:xfrm>
+        </p:grpSpPr>
+        <p:sp>
+          <p:nvSpPr>
+            <p:cNvPr id="7" name="Rectangle 6"/>
+            <p:cNvSpPr/>
+            <p:nvPr/>
+          </p:nvSpPr>
+          <p:spPr>
+            <a:xfrm>
+              <a:off x="3618970" y="2839331"/>
+              <a:ext cx="156709" cy="288032"/>
+            </a:xfrm>
+            <a:prstGeom prst="rect">
+              <a:avLst/>
+            </a:prstGeom>
+            <a:noFill/>
+            <a:ln>
+              <a:solidFill>
+                <a:srgbClr val="C00000"/>
+              </a:solidFill>
+            </a:ln>
+          </p:spPr>
+          <p:style>
+            <a:lnRef idx="2">
+              <a:schemeClr val="accent1">
+                <a:shade val="50000"/>
+              </a:schemeClr>
+            </a:lnRef>
+            <a:fillRef idx="1">
+              <a:schemeClr val="accent1"/>
+            </a:fillRef>
+            <a:effectRef idx="0">
+              <a:schemeClr val="accent1"/>
+            </a:effectRef>
+            <a:fontRef idx="minor">
+              <a:schemeClr val="lt1"/>
+            </a:fontRef>
+          </p:style>
+          <p:txBody>
+            <a:bodyPr rtlCol="0" anchor="ctr"/>
+            <a:lstStyle/>
+            <a:p>
+              <a:pPr algn="ctr"/>
+              <a:endParaRPr lang="nl-BE"/>
+            </a:p>
+          </p:txBody>
+        </p:sp>
+        <p:sp>
+          <p:nvSpPr>
+            <p:cNvPr id="8" name="TextBox 7"/>
+            <p:cNvSpPr txBox="1"/>
+            <p:nvPr/>
+          </p:nvSpPr>
+          <p:spPr>
+            <a:xfrm>
+              <a:off x="4272533" y="3129671"/>
+              <a:ext cx="1285160" cy="305233"/>
+            </a:xfrm>
+            <a:prstGeom prst="rect">
+              <a:avLst/>
+            </a:prstGeom>
+            <a:solidFill>
+              <a:schemeClr val="bg1"/>
+            </a:solidFill>
+            <a:ln>
+              <a:solidFill>
+                <a:srgbClr val="C00000"/>
+              </a:solidFill>
+            </a:ln>
+          </p:spPr>
+          <p:txBody>
+            <a:bodyPr wrap="none" rtlCol="0">
+              <a:spAutoFit/>
+            </a:bodyPr>
+            <a:lstStyle/>
+            <a:p>
+              <a:r>
+                <a:rPr lang="en-US" dirty="0" err="1" smtClean="0">
+                  <a:solidFill>
+                    <a:srgbClr val="C00000"/>
+                  </a:solidFill>
+                </a:rPr>
+                <a:t>nr</a:t>
+              </a:r>
+              <a:r>
+                <a:rPr lang="en-US" dirty="0" smtClean="0">
+                  <a:solidFill>
+                    <a:srgbClr val="C00000"/>
+                  </a:solidFill>
+                </a:rPr>
+                <a:t>. of bands</a:t>
+              </a:r>
+              <a:endParaRPr lang="nl-BE" dirty="0">
+                <a:solidFill>
+                  <a:srgbClr val="C00000"/>
+                </a:solidFill>
+              </a:endParaRPr>
+            </a:p>
+          </p:txBody>
+        </p:sp>
+        <p:cxnSp>
+          <p:nvCxnSpPr>
+            <p:cNvPr id="9" name="Straight Arrow Connector 8"/>
+            <p:cNvCxnSpPr>
+              <a:stCxn id="8" idx="1"/>
+              <a:endCxn id="7" idx="3"/>
+            </p:cNvCxnSpPr>
+            <p:nvPr/>
+          </p:nvCxnSpPr>
+          <p:spPr>
+            <a:xfrm flipH="1" flipV="1">
+              <a:off x="3775679" y="2983347"/>
+              <a:ext cx="496854" cy="298941"/>
+            </a:xfrm>
+            <a:prstGeom prst="straightConnector1">
+              <a:avLst/>
+            </a:prstGeom>
+            <a:ln w="19050">
+              <a:solidFill>
+                <a:srgbClr val="C00000"/>
+              </a:solidFill>
+              <a:tailEnd type="stealth" w="lg" len="lg"/>
+            </a:ln>
+          </p:spPr>
+          <p:style>
+            <a:lnRef idx="1">
+              <a:schemeClr val="accent1"/>
+            </a:lnRef>
+            <a:fillRef idx="0">
+              <a:schemeClr val="accent1"/>
+            </a:fillRef>
+            <a:effectRef idx="0">
+              <a:schemeClr val="accent1"/>
+            </a:effectRef>
+            <a:fontRef idx="minor">
+              <a:schemeClr val="tx1"/>
+            </a:fontRef>
+          </p:style>
+        </p:cxnSp>
+      </p:grpSp>
+    </p:spTree>
+    <p:extLst>
+      <p:ext uri="{BB962C8B-B14F-4D97-AF65-F5344CB8AC3E}">
+        <p14:creationId xmlns:p14="http://schemas.microsoft.com/office/powerpoint/2010/main" val="2305820479"/>
+      </p:ext>
+    </p:extLst>
+  </p:cSld>
+  <p:clrMapOvr>
+    <a:masterClrMapping/>
+  </p:clrMapOvr>
+  <p:timing>
+    <p:tnLst>
+      <p:par>
+        <p:cTn id="1" dur="indefinite" restart="never" nodeType="tmRoot">
+          <p:childTnLst>
+            <p:seq concurrent="1" nextAc="seek">
+              <p:cTn id="2" dur="indefinite" nodeType="mainSeq">
+                <p:childTnLst>
+                  <p:par>
+                    <p:cTn id="3" fill="hold">
+                      <p:stCondLst>
+                        <p:cond delay="indefinite"/>
+                        <p:cond evt="onBegin" delay="0">
+                          <p:tn val="2"/>
+                        </p:cond>
+                      </p:stCondLst>
+                      <p:childTnLst>
+                        <p:par>
+                          <p:cTn id="4" fill="hold">
+                            <p:stCondLst>
+                              <p:cond delay="0"/>
+                            </p:stCondLst>
+                            <p:childTnLst>
+                              <p:par>
+                                <p:cTn id="5" presetID="1" presetClass="entr" presetSubtype="0" fill="hold" grpId="0" nodeType="withEffect">
+                                  <p:stCondLst>
+                                    <p:cond delay="0"/>
+                                  </p:stCondLst>
+                                  <p:childTnLst>
+                                    <p:set>
+                                      <p:cBhvr>
+                                        <p:cTn id="6" dur="1" fill="hold">
+                                          <p:stCondLst>
+                                            <p:cond delay="0"/>
+                                          </p:stCondLst>
+                                        </p:cTn>
+                                        <p:tgtEl>
+                                          <p:spTgt spid="5"/>
+                                        </p:tgtEl>
+                                        <p:attrNameLst>
+                                          <p:attrName>style.visibility</p:attrName>
+                                        </p:attrNameLst>
+                                      </p:cBhvr>
+                                      <p:to>
+                                        <p:strVal val="visible"/>
+                                      </p:to>
+                                    </p:set>
+                                  </p:childTnLst>
+                                </p:cTn>
+                              </p:par>
+                            </p:childTnLst>
+                          </p:cTn>
+                        </p:par>
+                      </p:childTnLst>
+                    </p:cTn>
+                  </p:par>
+                  <p:par>
+                    <p:cTn id="7" fill="hold">
+                      <p:stCondLst>
+                        <p:cond delay="indefinite"/>
+                      </p:stCondLst>
+                      <p:childTnLst>
+                        <p:par>
+                          <p:cTn id="8" fill="hold">
+                            <p:stCondLst>
+                              <p:cond delay="0"/>
+                            </p:stCondLst>
+                            <p:childTnLst>
+                              <p:par>
+                                <p:cTn id="9" presetID="1" presetClass="entr" presetSubtype="0" fill="hold" nodeType="clickEffect">
+                                  <p:stCondLst>
+                                    <p:cond delay="0"/>
+                                  </p:stCondLst>
+                                  <p:childTnLst>
+                                    <p:set>
+                                      <p:cBhvr>
+                                        <p:cTn id="10" dur="1" fill="hold">
+                                          <p:stCondLst>
+                                            <p:cond delay="0"/>
+                                          </p:stCondLst>
+                                        </p:cTn>
+                                        <p:tgtEl>
+                                          <p:spTgt spid="6"/>
+                                        </p:tgtEl>
+                                        <p:attrNameLst>
+                                          <p:attrName>style.visibility</p:attrName>
+                                        </p:attrNameLst>
+                                      </p:cBhvr>
+                                      <p:to>
+                                        <p:strVal val="visible"/>
+                                      </p:to>
+                                    </p:set>
+                                  </p:childTnLst>
+                                </p:cTn>
+                              </p:par>
+                            </p:childTnLst>
+                          </p:cTn>
+                        </p:par>
+                      </p:childTnLst>
+                    </p:cTn>
+                  </p:par>
+                </p:childTnLst>
+              </p:cTn>
+              <p:prevCondLst>
+                <p:cond evt="onPrev" delay="0">
+                  <p:tgtEl>
+                    <p:sldTgt/>
+                  </p:tgtEl>
+                </p:cond>
+              </p:prevCondLst>
+              <p:nextCondLst>
+                <p:cond evt="onNext" delay="0">
+                  <p:tgtEl>
+                    <p:sldTgt/>
+                  </p:tgtEl>
+                </p:cond>
+              </p:nextCondLst>
+            </p:seq>
+          </p:childTnLst>
+        </p:cTn>
+      </p:par>
+    </p:tnLst>
+    <p:bldLst>
+      <p:bldP spid="5" grpId="0" animBg="1"/>
+    </p:bldLst>
+  </p:timing>
+</p:sld>
+</file>
+
+<file path=ppt/slides/slide18.xml><?xml version="1.0" encoding="utf-8"?>
+<p:sld xmlns:a="http://schemas.openxmlformats.org/drawingml/2006/main" xmlns:r="http://schemas.openxmlformats.org/officeDocument/2006/relationships" xmlns:p="http://schemas.openxmlformats.org/presentationml/2006/main">
+  <p:cSld>
+    <p:spTree>
+      <p:nvGrpSpPr>
+        <p:cNvPr id="1" name=""/>
+        <p:cNvGrpSpPr/>
+        <p:nvPr/>
+      </p:nvGrpSpPr>
+      <p:grpSpPr>
+        <a:xfrm>
+          <a:off x="0" y="0"/>
+          <a:ext cx="0" cy="0"/>
+          <a:chOff x="0" y="0"/>
+          <a:chExt cx="0" cy="0"/>
+        </a:xfrm>
+      </p:grpSpPr>
+      <p:sp>
+        <p:nvSpPr>
+          <p:cNvPr id="2" name="Title 1"/>
+          <p:cNvSpPr>
+            <a:spLocks noGrp="1"/>
+          </p:cNvSpPr>
+          <p:nvPr>
+            <p:ph type="title"/>
+          </p:nvPr>
+        </p:nvSpPr>
+        <p:spPr/>
+        <p:txBody>
+          <a:bodyPr/>
+          <a:lstStyle/>
+          <a:p>
+            <a:r>
+              <a:rPr lang="en-US" dirty="0" smtClean="0"/>
+              <a:t>Further reading</a:t>
+            </a:r>
+            <a:endParaRPr lang="en-US" dirty="0"/>
+          </a:p>
+        </p:txBody>
+      </p:sp>
+      <p:sp>
+        <p:nvSpPr>
+          <p:cNvPr id="3" name="Content Placeholder 2"/>
+          <p:cNvSpPr>
+            <a:spLocks noGrp="1"/>
+          </p:cNvSpPr>
+          <p:nvPr>
+            <p:ph idx="1"/>
+          </p:nvPr>
+        </p:nvSpPr>
+        <p:spPr/>
+        <p:txBody>
+          <a:bodyPr>
+            <a:normAutofit fontScale="92500" lnSpcReduction="20000"/>
+          </a:bodyPr>
+          <a:lstStyle/>
+          <a:p>
+            <a:r>
+              <a:rPr lang="en-US" dirty="0" smtClean="0"/>
+              <a:t>GIS &amp; </a:t>
+            </a:r>
+            <a:r>
+              <a:rPr lang="en-US" dirty="0"/>
+              <a:t>Python introduction</a:t>
+            </a:r>
+            <a:br>
+              <a:rPr lang="en-US" dirty="0"/>
+            </a:br>
+            <a:r>
+              <a:rPr lang="en-US" sz="2000" dirty="0">
+                <a:hlinkClick r:id="rId2"/>
+              </a:rPr>
+              <a:t>https://</a:t>
+            </a:r>
+            <a:r>
+              <a:rPr lang="en-US" sz="2000" dirty="0" smtClean="0">
+                <a:hlinkClick r:id="rId2"/>
+              </a:rPr>
+              <a:t>macwright.org/2012/10/31/gis-with-python-shapely-fiona.html</a:t>
+            </a:r>
+            <a:r>
+              <a:rPr lang="en-US" sz="2000" dirty="0" smtClean="0"/>
+              <a:t> </a:t>
+            </a:r>
+            <a:endParaRPr lang="en-US" dirty="0"/>
+          </a:p>
+          <a:p>
+            <a:r>
+              <a:rPr lang="en-US" dirty="0" smtClean="0"/>
+              <a:t>Fiona manual</a:t>
+            </a:r>
+            <a:r>
+              <a:rPr lang="en-US" dirty="0"/>
+              <a:t/>
+            </a:r>
+            <a:br>
+              <a:rPr lang="en-US" dirty="0"/>
+            </a:br>
+            <a:r>
+              <a:rPr lang="en-US" sz="2000" dirty="0">
+                <a:hlinkClick r:id="rId3"/>
+              </a:rPr>
+              <a:t>http://</a:t>
+            </a:r>
+            <a:r>
+              <a:rPr lang="en-US" sz="2000" dirty="0" smtClean="0">
+                <a:hlinkClick r:id="rId3"/>
+              </a:rPr>
+              <a:t>toblerity.org/fiona/index.html</a:t>
+            </a:r>
+            <a:endParaRPr lang="en-US" sz="2000" dirty="0" smtClean="0"/>
+          </a:p>
+          <a:p>
+            <a:r>
+              <a:rPr lang="en-US" dirty="0" smtClean="0"/>
+              <a:t>Editing/displaying </a:t>
+            </a:r>
+            <a:r>
+              <a:rPr lang="en-US" dirty="0" err="1" smtClean="0"/>
+              <a:t>GeoJSON</a:t>
+            </a:r>
+            <a:r>
+              <a:rPr lang="en-US" dirty="0" smtClean="0"/>
+              <a:t/>
+            </a:r>
+            <a:br>
+              <a:rPr lang="en-US" dirty="0" smtClean="0"/>
+            </a:br>
+            <a:r>
+              <a:rPr lang="en-US" sz="2000" dirty="0" smtClean="0">
+                <a:hlinkClick r:id="rId4"/>
+              </a:rPr>
+              <a:t>http://geojson.io/</a:t>
+            </a:r>
+            <a:r>
+              <a:rPr lang="en-US" sz="2000" dirty="0" smtClean="0"/>
+              <a:t> </a:t>
+            </a:r>
+          </a:p>
+          <a:p>
+            <a:r>
+              <a:rPr lang="en-US" dirty="0" smtClean="0"/>
+              <a:t>Folium </a:t>
+            </a:r>
+            <a:r>
+              <a:rPr lang="en-US" dirty="0"/>
+              <a:t>manual</a:t>
+            </a:r>
+            <a:br>
+              <a:rPr lang="en-US" dirty="0"/>
+            </a:br>
+            <a:r>
+              <a:rPr lang="en-US" sz="2000" dirty="0">
+                <a:hlinkClick r:id="rId5"/>
+              </a:rPr>
+              <a:t>http://python-visualization.github.io/folium/docs-master</a:t>
+            </a:r>
+            <a:r>
+              <a:rPr lang="en-US" sz="2000" dirty="0" smtClean="0">
+                <a:hlinkClick r:id="rId5"/>
+              </a:rPr>
+              <a:t>/</a:t>
+            </a:r>
+            <a:r>
+              <a:rPr lang="en-US" sz="2000" dirty="0" smtClean="0"/>
+              <a:t> </a:t>
+            </a:r>
+            <a:endParaRPr lang="en-US" dirty="0"/>
+          </a:p>
+          <a:p>
+            <a:r>
+              <a:rPr lang="en-US" dirty="0" smtClean="0"/>
+              <a:t>Shapely manual</a:t>
+            </a:r>
+            <a:br>
+              <a:rPr lang="en-US" dirty="0" smtClean="0"/>
+            </a:br>
+            <a:r>
+              <a:rPr lang="en-US" sz="2000" dirty="0">
+                <a:hlinkClick r:id="rId6"/>
+              </a:rPr>
+              <a:t>https://shapely.readthedocs.io/en/latest</a:t>
+            </a:r>
+            <a:r>
+              <a:rPr lang="en-US" sz="2000" dirty="0" smtClean="0">
+                <a:hlinkClick r:id="rId6"/>
+              </a:rPr>
+              <a:t>/</a:t>
+            </a:r>
+            <a:endParaRPr lang="en-US" sz="2000" dirty="0" smtClean="0"/>
+          </a:p>
+          <a:p>
+            <a:r>
+              <a:rPr lang="en-US" dirty="0" smtClean="0"/>
+              <a:t>GIS data sources</a:t>
+            </a:r>
+            <a:r>
+              <a:rPr lang="en-US" sz="2000" dirty="0"/>
+              <a:t/>
+            </a:r>
+            <a:br>
+              <a:rPr lang="en-US" sz="2000" dirty="0"/>
+            </a:br>
+            <a:r>
+              <a:rPr lang="en-US" sz="2000" dirty="0">
+                <a:hlinkClick r:id="rId7"/>
+              </a:rPr>
+              <a:t>http://gisgeography.com/best-free-gis-data-sources-raster-vector</a:t>
+            </a:r>
+            <a:r>
+              <a:rPr lang="en-US" sz="2000" dirty="0" smtClean="0">
+                <a:hlinkClick r:id="rId7"/>
+              </a:rPr>
+              <a:t>/</a:t>
+            </a:r>
+            <a:r>
+              <a:rPr lang="en-US" sz="2000" dirty="0" smtClean="0"/>
+              <a:t> </a:t>
+            </a:r>
+            <a:endParaRPr lang="en-US" sz="2000" dirty="0" smtClean="0"/>
+          </a:p>
+          <a:p>
+            <a:endParaRPr lang="en-US" dirty="0" smtClean="0"/>
+          </a:p>
+        </p:txBody>
+      </p:sp>
+      <p:sp>
+        <p:nvSpPr>
+          <p:cNvPr id="4" name="Slide Number Placeholder 3"/>
+          <p:cNvSpPr>
+            <a:spLocks noGrp="1"/>
+          </p:cNvSpPr>
+          <p:nvPr>
+            <p:ph type="sldNum" sz="quarter" idx="12"/>
+          </p:nvPr>
+        </p:nvSpPr>
+        <p:spPr/>
+        <p:txBody>
+          <a:bodyPr/>
+          <a:lstStyle/>
+          <a:p>
+            <a:fld id="{5A209D72-2E9D-49B0-8977-41DCCC66C0BB}" type="slidenum">
+              <a:rPr lang="nl-BE" smtClean="0">
+                <a:solidFill>
+                  <a:prstClr val="black">
+                    <a:tint val="75000"/>
+                  </a:prstClr>
+                </a:solidFill>
+              </a:rPr>
+              <a:pPr/>
+              <a:t>18</a:t>
             </a:fld>
             <a:endParaRPr lang="nl-BE">
               <a:solidFill>
@@ -8702,6 +10739,55 @@
                                           <p:spTgt spid="3">
                                             <p:txEl>
                                               <p:pRg st="4" end="4"/>
+                                            </p:txEl>
+                                          </p:spTgt>
+                                        </p:tgtEl>
+                                        <p:attrNameLst>
+                                          <p:attrName>style.visibility</p:attrName>
+                                        </p:attrNameLst>
+                                      </p:cBhvr>
+                                      <p:to>
+                                        <p:strVal val="visible"/>
+                                      </p:to>
+                                    </p:set>
+                                  </p:childTnLst>
+                                </p:cTn>
+                              </p:par>
+                            </p:childTnLst>
+                          </p:cTn>
+                        </p:par>
+                      </p:childTnLst>
+                    </p:cTn>
+                  </p:par>
+                  <p:par>
+                    <p:cTn id="23" fill="hold">
+                      <p:stCondLst>
+                        <p:cond delay="indefinite"/>
+                      </p:stCondLst>
+                      <p:childTnLst>
+                        <p:par>
+                          <p:cTn id="24" fill="hold">
+                            <p:stCondLst>
+                              <p:cond delay="0"/>
+                            </p:stCondLst>
+                            <p:childTnLst>
+                              <p:par>
+                                <p:cTn id="25" presetID="1" presetClass="entr" presetSubtype="0" fill="hold" grpId="0" nodeType="clickEffect">
+                                  <p:stCondLst>
+                                    <p:cond delay="0"/>
+                                  </p:stCondLst>
+                                  <p:childTnLst>
+                                    <p:set>
+                                      <p:cBhvr>
+                                        <p:cTn id="26" dur="1" fill="hold">
+                                          <p:stCondLst>
+                                            <p:cond delay="0"/>
+                                          </p:stCondLst>
+                                        </p:cTn>
+                                        <p:tgtEl>
+                                          <p:spTgt spid="3">
+                                            <p:txEl>
+                                              <p:pRg st="5" end="5"/>
                                             </p:txEl>
                                           </p:spTgt>
                                         </p:tgtEl>

--- a/Python/python_gis.pptx
+++ b/Python/python_gis.pptx
@@ -8822,8 +8822,8 @@
           </a:p>
           <a:p>
             <a:r>
-              <a:rPr lang="en-US" dirty="0" err="1"/>
-              <a:t>GeoTransform</a:t>
+              <a:rPr lang="en-US" dirty="0" smtClean="0"/>
+              <a:t>Geo-transform</a:t>
             </a:r>
             <a:r>
               <a:rPr lang="en-US" dirty="0"/>
@@ -9719,12 +9719,52 @@
         </p:nvSpPr>
         <p:spPr/>
         <p:txBody>
-          <a:bodyPr/>
+          <a:bodyPr>
+            <a:normAutofit lnSpcReduction="10000"/>
+          </a:bodyPr>
           <a:lstStyle/>
           <a:p>
             <a:r>
               <a:rPr lang="en-US" dirty="0" smtClean="0"/>
               <a:t>Create file</a:t>
+            </a:r>
+          </a:p>
+          <a:p>
+            <a:endParaRPr lang="en-US" dirty="0"/>
+          </a:p>
+          <a:p>
+            <a:endParaRPr lang="en-US" dirty="0" smtClean="0"/>
+          </a:p>
+          <a:p>
+            <a:r>
+              <a:rPr lang="en-US" dirty="0" smtClean="0"/>
+              <a:t>Set projection/geo-transform</a:t>
+            </a:r>
+          </a:p>
+          <a:p>
+            <a:endParaRPr lang="en-US" dirty="0"/>
+          </a:p>
+          <a:p>
+            <a:r>
+              <a:rPr lang="en-US" dirty="0" smtClean="0"/>
+              <a:t>Write </a:t>
+            </a:r>
+            <a:r>
+              <a:rPr lang="en-US" dirty="0" err="1" smtClean="0"/>
+              <a:t>numpy</a:t>
+            </a:r>
+            <a:r>
+              <a:rPr lang="en-US" dirty="0" smtClean="0"/>
+              <a:t> array data</a:t>
+            </a:r>
+          </a:p>
+          <a:p>
+            <a:endParaRPr lang="en-US" dirty="0"/>
+          </a:p>
+          <a:p>
+            <a:r>
+              <a:rPr lang="en-US" dirty="0" smtClean="0"/>
+              <a:t>Flush cache</a:t>
             </a:r>
             <a:endParaRPr lang="en-US" dirty="0"/>
           </a:p>
@@ -9947,10 +9987,10 @@
         </p:nvGrpSpPr>
         <p:grpSpPr>
           <a:xfrm>
-            <a:off x="3739686" y="2927097"/>
-            <a:ext cx="1938723" cy="595573"/>
-            <a:chOff x="3618970" y="2839331"/>
-            <a:chExt cx="1938723" cy="595573"/>
+            <a:off x="1667302" y="2838134"/>
+            <a:ext cx="2229093" cy="376995"/>
+            <a:chOff x="1546586" y="2750368"/>
+            <a:chExt cx="2229093" cy="376995"/>
           </a:xfrm>
         </p:grpSpPr>
         <p:sp>
@@ -10007,7 +10047,7 @@
           </p:nvSpPr>
           <p:spPr>
             <a:xfrm>
-              <a:off x="4272533" y="3129671"/>
+              <a:off x="1546586" y="2750368"/>
               <a:ext cx="1285160" cy="305233"/>
             </a:xfrm>
             <a:prstGeom prst="rect">
@@ -10056,15 +10096,15 @@
           <p:nvCxnSpPr>
             <p:cNvPr id="9" name="Straight Arrow Connector 8"/>
             <p:cNvCxnSpPr>
-              <a:stCxn id="8" idx="1"/>
-              <a:endCxn id="7" idx="3"/>
+              <a:stCxn id="8" idx="3"/>
+              <a:endCxn id="7" idx="1"/>
             </p:cNvCxnSpPr>
             <p:nvPr/>
           </p:nvCxnSpPr>
           <p:spPr>
-            <a:xfrm flipH="1" flipV="1">
-              <a:off x="3775679" y="2983347"/>
-              <a:ext cx="496854" cy="298941"/>
+            <a:xfrm>
+              <a:off x="2831746" y="2947466"/>
+              <a:ext cx="787224" cy="35881"/>
             </a:xfrm>
             <a:prstGeom prst="straightConnector1">
               <a:avLst/>
@@ -10072,6 +10112,413 @@
             <a:ln w="19050">
               <a:solidFill>
                 <a:srgbClr val="C00000"/>
+              </a:solidFill>
+              <a:tailEnd type="stealth" w="lg" len="lg"/>
+            </a:ln>
+          </p:spPr>
+          <p:style>
+            <a:lnRef idx="1">
+              <a:schemeClr val="accent1"/>
+            </a:lnRef>
+            <a:fillRef idx="0">
+              <a:schemeClr val="accent1"/>
+            </a:fillRef>
+            <a:effectRef idx="0">
+              <a:schemeClr val="accent1"/>
+            </a:effectRef>
+            <a:fontRef idx="minor">
+              <a:schemeClr val="tx1"/>
+            </a:fontRef>
+          </p:style>
+        </p:cxnSp>
+      </p:grpSp>
+      <p:sp>
+        <p:nvSpPr>
+          <p:cNvPr id="12" name="TextBox 11"/>
+          <p:cNvSpPr txBox="1"/>
+          <p:nvPr/>
+        </p:nvSpPr>
+        <p:spPr>
+          <a:xfrm>
+            <a:off x="534837" y="3699167"/>
+            <a:ext cx="8376249" cy="646331"/>
+          </a:xfrm>
+          <a:prstGeom prst="rect">
+            <a:avLst/>
+          </a:prstGeom>
+          <a:solidFill>
+            <a:schemeClr val="accent4">
+              <a:lumMod val="40000"/>
+              <a:lumOff val="60000"/>
+            </a:schemeClr>
+          </a:solidFill>
+        </p:spPr>
+        <p:txBody>
+          <a:bodyPr wrap="square" rtlCol="0">
+            <a:spAutoFit/>
+          </a:bodyPr>
+          <a:lstStyle/>
+          <a:p>
+            <a:r>
+              <a:rPr lang="en-US" dirty="0" err="1" smtClean="0">
+                <a:latin typeface="Courier New" pitchFamily="49" charset="0"/>
+                <a:cs typeface="Courier New" pitchFamily="49" charset="0"/>
+              </a:rPr>
+              <a:t>new_data.SetProjection</a:t>
+            </a:r>
+            <a:r>
+              <a:rPr lang="en-US" dirty="0" smtClean="0">
+                <a:latin typeface="Courier New" pitchFamily="49" charset="0"/>
+                <a:cs typeface="Courier New" pitchFamily="49" charset="0"/>
+              </a:rPr>
+              <a:t>(</a:t>
+            </a:r>
+            <a:r>
+              <a:rPr lang="en-US" dirty="0" err="1" smtClean="0">
+                <a:latin typeface="Courier New" pitchFamily="49" charset="0"/>
+                <a:cs typeface="Courier New" pitchFamily="49" charset="0"/>
+              </a:rPr>
+              <a:t>data.GetProjection</a:t>
+            </a:r>
+            <a:r>
+              <a:rPr lang="en-US" dirty="0" smtClean="0">
+                <a:latin typeface="Courier New" pitchFamily="49" charset="0"/>
+                <a:cs typeface="Courier New" pitchFamily="49" charset="0"/>
+              </a:rPr>
+              <a:t>())</a:t>
+            </a:r>
+          </a:p>
+          <a:p>
+            <a:r>
+              <a:rPr lang="en-US" dirty="0" err="1" smtClean="0">
+                <a:latin typeface="Courier New" pitchFamily="49" charset="0"/>
+                <a:cs typeface="Courier New" pitchFamily="49" charset="0"/>
+              </a:rPr>
+              <a:t>new_data.SetGeoTransform</a:t>
+            </a:r>
+            <a:r>
+              <a:rPr lang="en-US" dirty="0" smtClean="0">
+                <a:latin typeface="Courier New" pitchFamily="49" charset="0"/>
+                <a:cs typeface="Courier New" pitchFamily="49" charset="0"/>
+              </a:rPr>
+              <a:t>(</a:t>
+            </a:r>
+            <a:r>
+              <a:rPr lang="en-US" dirty="0" err="1" smtClean="0">
+                <a:latin typeface="Courier New" pitchFamily="49" charset="0"/>
+                <a:cs typeface="Courier New" pitchFamily="49" charset="0"/>
+              </a:rPr>
+              <a:t>data.GetGeoTransform</a:t>
+            </a:r>
+            <a:r>
+              <a:rPr lang="en-US" dirty="0" smtClean="0">
+                <a:latin typeface="Courier New" pitchFamily="49" charset="0"/>
+                <a:cs typeface="Courier New" pitchFamily="49" charset="0"/>
+              </a:rPr>
+              <a:t>())</a:t>
+            </a:r>
+            <a:endParaRPr lang="en-US" dirty="0" smtClean="0">
+              <a:latin typeface="Courier New" pitchFamily="49" charset="0"/>
+              <a:cs typeface="Courier New" pitchFamily="49" charset="0"/>
+            </a:endParaRPr>
+          </a:p>
+        </p:txBody>
+      </p:sp>
+      <p:sp>
+        <p:nvSpPr>
+          <p:cNvPr id="13" name="TextBox 12"/>
+          <p:cNvSpPr txBox="1"/>
+          <p:nvPr/>
+        </p:nvSpPr>
+        <p:spPr>
+          <a:xfrm>
+            <a:off x="534836" y="4765807"/>
+            <a:ext cx="8376249" cy="369332"/>
+          </a:xfrm>
+          <a:prstGeom prst="rect">
+            <a:avLst/>
+          </a:prstGeom>
+          <a:solidFill>
+            <a:schemeClr val="accent4">
+              <a:lumMod val="40000"/>
+              <a:lumOff val="60000"/>
+            </a:schemeClr>
+          </a:solidFill>
+        </p:spPr>
+        <p:txBody>
+          <a:bodyPr wrap="square" rtlCol="0">
+            <a:spAutoFit/>
+          </a:bodyPr>
+          <a:lstStyle/>
+          <a:p>
+            <a:r>
+              <a:rPr lang="en-US" dirty="0" err="1" smtClean="0">
+                <a:latin typeface="Courier New" pitchFamily="49" charset="0"/>
+                <a:cs typeface="Courier New" pitchFamily="49" charset="0"/>
+              </a:rPr>
+              <a:t>new_data.GetRasterBand</a:t>
+            </a:r>
+            <a:r>
+              <a:rPr lang="en-US" dirty="0" smtClean="0">
+                <a:latin typeface="Courier New" pitchFamily="49" charset="0"/>
+                <a:cs typeface="Courier New" pitchFamily="49" charset="0"/>
+              </a:rPr>
+              <a:t>(1).</a:t>
+            </a:r>
+            <a:r>
+              <a:rPr lang="en-US" dirty="0" err="1" smtClean="0">
+                <a:latin typeface="Courier New" pitchFamily="49" charset="0"/>
+                <a:cs typeface="Courier New" pitchFamily="49" charset="0"/>
+              </a:rPr>
+              <a:t>WriteArray</a:t>
+            </a:r>
+            <a:r>
+              <a:rPr lang="en-US" dirty="0" smtClean="0">
+                <a:latin typeface="Courier New" pitchFamily="49" charset="0"/>
+                <a:cs typeface="Courier New" pitchFamily="49" charset="0"/>
+              </a:rPr>
+              <a:t>(</a:t>
+            </a:r>
+            <a:r>
+              <a:rPr lang="en-US" dirty="0" err="1" smtClean="0">
+                <a:latin typeface="Courier New" pitchFamily="49" charset="0"/>
+                <a:cs typeface="Courier New" pitchFamily="49" charset="0"/>
+              </a:rPr>
+              <a:t>new_raster_band</a:t>
+            </a:r>
+            <a:r>
+              <a:rPr lang="en-US" dirty="0" smtClean="0">
+                <a:latin typeface="Courier New" pitchFamily="49" charset="0"/>
+                <a:cs typeface="Courier New" pitchFamily="49" charset="0"/>
+              </a:rPr>
+              <a:t>)</a:t>
+            </a:r>
+          </a:p>
+        </p:txBody>
+      </p:sp>
+      <p:sp>
+        <p:nvSpPr>
+          <p:cNvPr id="17" name="TextBox 16"/>
+          <p:cNvSpPr txBox="1"/>
+          <p:nvPr/>
+        </p:nvSpPr>
+        <p:spPr>
+          <a:xfrm>
+            <a:off x="534835" y="5884187"/>
+            <a:ext cx="8376249" cy="369332"/>
+          </a:xfrm>
+          <a:prstGeom prst="rect">
+            <a:avLst/>
+          </a:prstGeom>
+          <a:solidFill>
+            <a:schemeClr val="accent4">
+              <a:lumMod val="40000"/>
+              <a:lumOff val="60000"/>
+            </a:schemeClr>
+          </a:solidFill>
+        </p:spPr>
+        <p:txBody>
+          <a:bodyPr wrap="square" rtlCol="0">
+            <a:spAutoFit/>
+          </a:bodyPr>
+          <a:lstStyle/>
+          <a:p>
+            <a:r>
+              <a:rPr lang="en-US" dirty="0" err="1" smtClean="0">
+                <a:latin typeface="Courier New" pitchFamily="49" charset="0"/>
+                <a:cs typeface="Courier New" pitchFamily="49" charset="0"/>
+              </a:rPr>
+              <a:t>new_data.GetRasterBand</a:t>
+            </a:r>
+            <a:r>
+              <a:rPr lang="en-US" dirty="0" smtClean="0">
+                <a:latin typeface="Courier New" pitchFamily="49" charset="0"/>
+                <a:cs typeface="Courier New" pitchFamily="49" charset="0"/>
+              </a:rPr>
+              <a:t>(1).</a:t>
+            </a:r>
+            <a:r>
+              <a:rPr lang="en-US" dirty="0" err="1" smtClean="0">
+                <a:latin typeface="Courier New" pitchFamily="49" charset="0"/>
+                <a:cs typeface="Courier New" pitchFamily="49" charset="0"/>
+              </a:rPr>
+              <a:t>WriteArray</a:t>
+            </a:r>
+            <a:r>
+              <a:rPr lang="en-US" dirty="0" smtClean="0">
+                <a:latin typeface="Courier New" pitchFamily="49" charset="0"/>
+                <a:cs typeface="Courier New" pitchFamily="49" charset="0"/>
+              </a:rPr>
+              <a:t>(</a:t>
+            </a:r>
+            <a:r>
+              <a:rPr lang="en-US" dirty="0" err="1" smtClean="0">
+                <a:latin typeface="Courier New" pitchFamily="49" charset="0"/>
+                <a:cs typeface="Courier New" pitchFamily="49" charset="0"/>
+              </a:rPr>
+              <a:t>new_raster_band</a:t>
+            </a:r>
+            <a:r>
+              <a:rPr lang="en-US" dirty="0" smtClean="0">
+                <a:latin typeface="Courier New" pitchFamily="49" charset="0"/>
+                <a:cs typeface="Courier New" pitchFamily="49" charset="0"/>
+              </a:rPr>
+              <a:t>)</a:t>
+            </a:r>
+          </a:p>
+        </p:txBody>
+      </p:sp>
+      <p:grpSp>
+        <p:nvGrpSpPr>
+          <p:cNvPr id="19" name="Group 18"/>
+          <p:cNvGrpSpPr/>
+          <p:nvPr/>
+        </p:nvGrpSpPr>
+        <p:grpSpPr>
+          <a:xfrm>
+            <a:off x="4830793" y="2938003"/>
+            <a:ext cx="4080291" cy="1056440"/>
+            <a:chOff x="4710074" y="3095001"/>
+            <a:chExt cx="4080291" cy="1056440"/>
+          </a:xfrm>
+        </p:grpSpPr>
+        <p:sp>
+          <p:nvSpPr>
+            <p:cNvPr id="20" name="Rectangle 19"/>
+            <p:cNvSpPr/>
+            <p:nvPr/>
+          </p:nvSpPr>
+          <p:spPr>
+            <a:xfrm>
+              <a:off x="4710074" y="3095001"/>
+              <a:ext cx="1167114" cy="288032"/>
+            </a:xfrm>
+            <a:prstGeom prst="rect">
+              <a:avLst/>
+            </a:prstGeom>
+            <a:noFill/>
+            <a:ln>
+              <a:solidFill>
+                <a:srgbClr val="0070C0"/>
+              </a:solidFill>
+            </a:ln>
+          </p:spPr>
+          <p:style>
+            <a:lnRef idx="2">
+              <a:schemeClr val="accent1">
+                <a:shade val="50000"/>
+              </a:schemeClr>
+            </a:lnRef>
+            <a:fillRef idx="1">
+              <a:schemeClr val="accent1"/>
+            </a:fillRef>
+            <a:effectRef idx="0">
+              <a:schemeClr val="accent1"/>
+            </a:effectRef>
+            <a:fontRef idx="minor">
+              <a:schemeClr val="lt1"/>
+            </a:fontRef>
+          </p:style>
+          <p:txBody>
+            <a:bodyPr rtlCol="0" anchor="ctr"/>
+            <a:lstStyle/>
+            <a:p>
+              <a:pPr algn="ctr"/>
+              <a:endParaRPr lang="nl-BE"/>
+            </a:p>
+          </p:txBody>
+        </p:sp>
+        <p:sp>
+          <p:nvSpPr>
+            <p:cNvPr id="21" name="TextBox 20"/>
+            <p:cNvSpPr txBox="1"/>
+            <p:nvPr/>
+          </p:nvSpPr>
+          <p:spPr>
+            <a:xfrm>
+              <a:off x="7017316" y="3228111"/>
+              <a:ext cx="1773049" cy="923330"/>
+            </a:xfrm>
+            <a:prstGeom prst="rect">
+              <a:avLst/>
+            </a:prstGeom>
+            <a:solidFill>
+              <a:schemeClr val="bg1"/>
+            </a:solidFill>
+            <a:ln>
+              <a:solidFill>
+                <a:srgbClr val="0070C0"/>
+              </a:solidFill>
+            </a:ln>
+          </p:spPr>
+          <p:txBody>
+            <a:bodyPr wrap="none" rtlCol="0">
+              <a:spAutoFit/>
+            </a:bodyPr>
+            <a:lstStyle/>
+            <a:p>
+              <a:r>
+                <a:rPr lang="en-US" dirty="0" smtClean="0">
+                  <a:solidFill>
+                    <a:srgbClr val="0070C0"/>
+                  </a:solidFill>
+                </a:rPr>
+                <a:t>many types, e.g.,</a:t>
+              </a:r>
+            </a:p>
+            <a:p>
+              <a:r>
+                <a:rPr lang="en-US" dirty="0" smtClean="0">
+                  <a:solidFill>
+                    <a:srgbClr val="0070C0"/>
+                  </a:solidFill>
+                  <a:latin typeface="Courier New" panose="02070309020205020404" pitchFamily="49" charset="0"/>
+                  <a:cs typeface="Courier New" panose="02070309020205020404" pitchFamily="49" charset="0"/>
+                </a:rPr>
+                <a:t>GDT_Float32</a:t>
+              </a:r>
+            </a:p>
+            <a:p>
+              <a:r>
+                <a:rPr lang="en-US" dirty="0" smtClean="0">
+                  <a:solidFill>
+                    <a:srgbClr val="0070C0"/>
+                  </a:solidFill>
+                  <a:latin typeface="Courier New" panose="02070309020205020404" pitchFamily="49" charset="0"/>
+                  <a:cs typeface="Courier New" panose="02070309020205020404" pitchFamily="49" charset="0"/>
+                </a:rPr>
+                <a:t>GDT_Int16</a:t>
+              </a:r>
+              <a:endParaRPr lang="nl-BE" dirty="0">
+                <a:solidFill>
+                  <a:srgbClr val="0070C0"/>
+                </a:solidFill>
+                <a:latin typeface="Courier New" panose="02070309020205020404" pitchFamily="49" charset="0"/>
+                <a:cs typeface="Courier New" panose="02070309020205020404" pitchFamily="49" charset="0"/>
+              </a:endParaRPr>
+            </a:p>
+          </p:txBody>
+        </p:sp>
+        <p:cxnSp>
+          <p:nvCxnSpPr>
+            <p:cNvPr id="22" name="Straight Arrow Connector 21"/>
+            <p:cNvCxnSpPr>
+              <a:stCxn id="21" idx="1"/>
+              <a:endCxn id="20" idx="3"/>
+            </p:cNvCxnSpPr>
+            <p:nvPr/>
+          </p:nvCxnSpPr>
+          <p:spPr>
+            <a:xfrm flipH="1" flipV="1">
+              <a:off x="5877188" y="3239017"/>
+              <a:ext cx="1140128" cy="450759"/>
+            </a:xfrm>
+            <a:prstGeom prst="straightConnector1">
+              <a:avLst/>
+            </a:prstGeom>
+            <a:ln w="19050">
+              <a:solidFill>
+                <a:srgbClr val="0070C0"/>
               </a:solidFill>
               <a:tailEnd type="stealth" w="lg" len="lg"/>
             </a:ln>
@@ -10139,6 +10586,37 @@
                                           </p:stCondLst>
                                         </p:cTn>
                                         <p:tgtEl>
+                                          <p:spTgt spid="3">
+                                            <p:txEl>
+                                              <p:pRg st="0" end="0"/>
+                                            </p:txEl>
+                                          </p:spTgt>
+                                        </p:tgtEl>
+                                        <p:attrNameLst>
+                                          <p:attrName>style.visibility</p:attrName>
+                                        </p:attrNameLst>
+                                      </p:cBhvr>
+                                      <p:to>
+                                        <p:strVal val="visible"/>
+                                      </p:to>
+                                    </p:set>
+                                  </p:childTnLst>
+                                </p:cTn>
+                              </p:par>
+                              <p:par>
+                                <p:cTn id="7" presetID="1" presetClass="entr" presetSubtype="0" fill="hold" grpId="0" nodeType="withEffect">
+                                  <p:stCondLst>
+                                    <p:cond delay="0"/>
+                                  </p:stCondLst>
+                                  <p:childTnLst>
+                                    <p:set>
+                                      <p:cBhvr>
+                                        <p:cTn id="8" dur="1" fill="hold">
+                                          <p:stCondLst>
+                                            <p:cond delay="0"/>
+                                          </p:stCondLst>
+                                        </p:cTn>
+                                        <p:tgtEl>
                                           <p:spTgt spid="5"/>
                                         </p:tgtEl>
                                         <p:attrNameLst>
@@ -10159,32 +10637,305 @@
                     </p:cTn>
                   </p:par>
                   <p:par>
-                    <p:cTn id="7" fill="hold">
+                    <p:cTn id="9" fill="hold">
                       <p:stCondLst>
                         <p:cond delay="indefinite"/>
                       </p:stCondLst>
                       <p:childTnLst>
                         <p:par>
-                          <p:cTn id="8" fill="hold">
+                          <p:cTn id="10" fill="hold">
                             <p:stCondLst>
                               <p:cond delay="0"/>
                             </p:stCondLst>
                             <p:childTnLst>
                               <p:par>
-                                <p:cTn id="9" presetID="1" presetClass="entr" presetSubtype="0" fill="hold" nodeType="clickEffect">
+                                <p:cTn id="11" presetID="1" presetClass="entr" presetSubtype="0" fill="hold" nodeType="clickEffect">
                                   <p:stCondLst>
                                     <p:cond delay="0"/>
                                   </p:stCondLst>
                                   <p:childTnLst>
                                     <p:set>
                                       <p:cBhvr>
-                                        <p:cTn id="10" dur="1" fill="hold">
+                                        <p:cTn id="12" dur="1" fill="hold">
                                           <p:stCondLst>
                                             <p:cond delay="0"/>
                                           </p:stCondLst>
                                         </p:cTn>
                                         <p:tgtEl>
                                           <p:spTgt spid="6"/>
+                                        </p:tgtEl>
+                                        <p:attrNameLst>
+                                          <p:attrName>style.visibility</p:attrName>
+                                        </p:attrNameLst>
+                                      </p:cBhvr>
+                                      <p:to>
+                                        <p:strVal val="visible"/>
+                                      </p:to>
+                                    </p:set>
+                                  </p:childTnLst>
+                                </p:cTn>
+                              </p:par>
+                            </p:childTnLst>
+                          </p:cTn>
+                        </p:par>
+                      </p:childTnLst>
+                    </p:cTn>
+                  </p:par>
+                  <p:par>
+                    <p:cTn id="13" fill="hold">
+                      <p:stCondLst>
+                        <p:cond delay="indefinite"/>
+                      </p:stCondLst>
+                      <p:childTnLst>
+                        <p:par>
+                          <p:cTn id="14" fill="hold">
+                            <p:stCondLst>
+                              <p:cond delay="0"/>
+                            </p:stCondLst>
+                            <p:childTnLst>
+                              <p:par>
+                                <p:cTn id="15" presetID="1" presetClass="entr" presetSubtype="0" fill="hold" nodeType="clickEffect">
+                                  <p:stCondLst>
+                                    <p:cond delay="0"/>
+                                  </p:stCondLst>
+                                  <p:childTnLst>
+                                    <p:set>
+                                      <p:cBhvr>
+                                        <p:cTn id="16" dur="1" fill="hold">
+                                          <p:stCondLst>
+                                            <p:cond delay="0"/>
+                                          </p:stCondLst>
+                                        </p:cTn>
+                                        <p:tgtEl>
+                                          <p:spTgt spid="19"/>
+                                        </p:tgtEl>
+                                        <p:attrNameLst>
+                                          <p:attrName>style.visibility</p:attrName>
+                                        </p:attrNameLst>
+                                      </p:cBhvr>
+                                      <p:to>
+                                        <p:strVal val="visible"/>
+                                      </p:to>
+                                    </p:set>
+                                  </p:childTnLst>
+                                </p:cTn>
+                              </p:par>
+                            </p:childTnLst>
+                          </p:cTn>
+                        </p:par>
+                      </p:childTnLst>
+                    </p:cTn>
+                  </p:par>
+                  <p:par>
+                    <p:cTn id="17" fill="hold">
+                      <p:stCondLst>
+                        <p:cond delay="indefinite"/>
+                      </p:stCondLst>
+                      <p:childTnLst>
+                        <p:par>
+                          <p:cTn id="18" fill="hold">
+                            <p:stCondLst>
+                              <p:cond delay="0"/>
+                            </p:stCondLst>
+                            <p:childTnLst>
+                              <p:par>
+                                <p:cTn id="19" presetID="1" presetClass="entr" presetSubtype="0" fill="hold" grpId="0" nodeType="clickEffect">
+                                  <p:stCondLst>
+                                    <p:cond delay="0"/>
+                                  </p:stCondLst>
+                                  <p:childTnLst>
+                                    <p:set>
+                                      <p:cBhvr>
+                                        <p:cTn id="20" dur="1" fill="hold">
+                                          <p:stCondLst>
+                                            <p:cond delay="0"/>
+                                          </p:stCondLst>
+                                        </p:cTn>
+                                        <p:tgtEl>
+                                          <p:spTgt spid="3">
+                                            <p:txEl>
+                                              <p:pRg st="3" end="3"/>
+                                            </p:txEl>
+                                          </p:spTgt>
+                                        </p:tgtEl>
+                                        <p:attrNameLst>
+                                          <p:attrName>style.visibility</p:attrName>
+                                        </p:attrNameLst>
+                                      </p:cBhvr>
+                                      <p:to>
+                                        <p:strVal val="visible"/>
+                                      </p:to>
+                                    </p:set>
+                                  </p:childTnLst>
+                                </p:cTn>
+                              </p:par>
+                              <p:par>
+                                <p:cTn id="21" presetID="1" presetClass="entr" presetSubtype="0" fill="hold" grpId="0" nodeType="withEffect">
+                                  <p:stCondLst>
+                                    <p:cond delay="0"/>
+                                  </p:stCondLst>
+                                  <p:childTnLst>
+                                    <p:set>
+                                      <p:cBhvr>
+                                        <p:cTn id="22" dur="1" fill="hold">
+                                          <p:stCondLst>
+                                            <p:cond delay="0"/>
+                                          </p:stCondLst>
+                                        </p:cTn>
+                                        <p:tgtEl>
+                                          <p:spTgt spid="12"/>
+                                        </p:tgtEl>
+                                        <p:attrNameLst>
+                                          <p:attrName>style.visibility</p:attrName>
+                                        </p:attrNameLst>
+                                      </p:cBhvr>
+                                      <p:to>
+                                        <p:strVal val="visible"/>
+                                      </p:to>
+                                    </p:set>
+                                  </p:childTnLst>
+                                </p:cTn>
+                              </p:par>
+                            </p:childTnLst>
+                          </p:cTn>
+                        </p:par>
+                      </p:childTnLst>
+                    </p:cTn>
+                  </p:par>
+                  <p:par>
+                    <p:cTn id="23" fill="hold">
+                      <p:stCondLst>
+                        <p:cond delay="indefinite"/>
+                      </p:stCondLst>
+                      <p:childTnLst>
+                        <p:par>
+                          <p:cTn id="24" fill="hold">
+                            <p:stCondLst>
+                              <p:cond delay="0"/>
+                            </p:stCondLst>
+                            <p:childTnLst>
+                              <p:par>
+                                <p:cTn id="25" presetID="1" presetClass="entr" presetSubtype="0" fill="hold" grpId="0" nodeType="clickEffect">
+                                  <p:stCondLst>
+                                    <p:cond delay="0"/>
+                                  </p:stCondLst>
+                                  <p:childTnLst>
+                                    <p:set>
+                                      <p:cBhvr>
+                                        <p:cTn id="26" dur="1" fill="hold">
+                                          <p:stCondLst>
+                                            <p:cond delay="0"/>
+                                          </p:stCondLst>
+                                        </p:cTn>
+                                        <p:tgtEl>
+                                          <p:spTgt spid="3">
+                                            <p:txEl>
+                                              <p:pRg st="5" end="5"/>
+                                            </p:txEl>
+                                          </p:spTgt>
+                                        </p:tgtEl>
+                                        <p:attrNameLst>
+                                          <p:attrName>style.visibility</p:attrName>
+                                        </p:attrNameLst>
+                                      </p:cBhvr>
+                                      <p:to>
+                                        <p:strVal val="visible"/>
+                                      </p:to>
+                                    </p:set>
+                                  </p:childTnLst>
+                                </p:cTn>
+                              </p:par>
+                              <p:par>
+                                <p:cTn id="27" presetID="1" presetClass="entr" presetSubtype="0" fill="hold" grpId="0" nodeType="withEffect">
+                                  <p:stCondLst>
+                                    <p:cond delay="0"/>
+                                  </p:stCondLst>
+                                  <p:childTnLst>
+                                    <p:set>
+                                      <p:cBhvr>
+                                        <p:cTn id="28" dur="1" fill="hold">
+                                          <p:stCondLst>
+                                            <p:cond delay="0"/>
+                                          </p:stCondLst>
+                                        </p:cTn>
+                                        <p:tgtEl>
+                                          <p:spTgt spid="13"/>
+                                        </p:tgtEl>
+                                        <p:attrNameLst>
+                                          <p:attrName>style.visibility</p:attrName>
+                                        </p:attrNameLst>
+                                      </p:cBhvr>
+                                      <p:to>
+                                        <p:strVal val="visible"/>
+                                      </p:to>
+                                    </p:set>
+                                  </p:childTnLst>
+                                </p:cTn>
+                              </p:par>
+                            </p:childTnLst>
+                          </p:cTn>
+                        </p:par>
+                      </p:childTnLst>
+                    </p:cTn>
+                  </p:par>
+                  <p:par>
+                    <p:cTn id="29" fill="hold">
+                      <p:stCondLst>
+                        <p:cond delay="indefinite"/>
+                      </p:stCondLst>
+                      <p:childTnLst>
+                        <p:par>
+                          <p:cTn id="30" fill="hold">
+                            <p:stCondLst>
+                              <p:cond delay="0"/>
+                            </p:stCondLst>
+                            <p:childTnLst>
+                              <p:par>
+                                <p:cTn id="31" presetID="1" presetClass="entr" presetSubtype="0" fill="hold" grpId="0" nodeType="clickEffect">
+                                  <p:stCondLst>
+                                    <p:cond delay="0"/>
+                                  </p:stCondLst>
+                                  <p:childTnLst>
+                                    <p:set>
+                                      <p:cBhvr>
+                                        <p:cTn id="32" dur="1" fill="hold">
+                                          <p:stCondLst>
+                                            <p:cond delay="0"/>
+                                          </p:stCondLst>
+                                        </p:cTn>
+                                        <p:tgtEl>
+                                          <p:spTgt spid="3">
+                                            <p:txEl>
+                                              <p:pRg st="7" end="7"/>
+                                            </p:txEl>
+                                          </p:spTgt>
+                                        </p:tgtEl>
+                                        <p:attrNameLst>
+                                          <p:attrName>style.visibility</p:attrName>
+                                        </p:attrNameLst>
+                                      </p:cBhvr>
+                                      <p:to>
+                                        <p:strVal val="visible"/>
+                                      </p:to>
+                                    </p:set>
+                                  </p:childTnLst>
+                                </p:cTn>
+                              </p:par>
+                              <p:par>
+                                <p:cTn id="33" presetID="1" presetClass="entr" presetSubtype="0" fill="hold" grpId="0" nodeType="withEffect">
+                                  <p:stCondLst>
+                                    <p:cond delay="0"/>
+                                  </p:stCondLst>
+                                  <p:childTnLst>
+                                    <p:set>
+                                      <p:cBhvr>
+                                        <p:cTn id="34" dur="1" fill="hold">
+                                          <p:stCondLst>
+                                            <p:cond delay="0"/>
+                                          </p:stCondLst>
+                                        </p:cTn>
+                                        <p:tgtEl>
+                                          <p:spTgt spid="17"/>
                                         </p:tgtEl>
                                         <p:attrNameLst>
                                           <p:attrName>style.visibility</p:attrName>
@@ -10225,7 +10976,11 @@
       </p:par>
     </p:tnLst>
     <p:bldLst>
+      <p:bldP spid="3" grpId="0" uiExpand="1" build="p"/>
       <p:bldP spid="5" grpId="0" animBg="1"/>
+      <p:bldP spid="12" grpId="0" animBg="1"/>
+      <p:bldP spid="13" grpId="0" animBg="1"/>
+      <p:bldP spid="17" grpId="0" animBg="1"/>
     </p:bldLst>
   </p:timing>
 </p:sld>

--- a/Python/python_gis.pptx
+++ b/Python/python_gis.pptx
@@ -5,7 +5,7 @@
     <p:sldMasterId id="2147483672" r:id="rId1"/>
   </p:sldMasterIdLst>
   <p:notesMasterIdLst>
-    <p:notesMasterId r:id="rId20"/>
+    <p:notesMasterId r:id="rId24"/>
   </p:notesMasterIdLst>
   <p:sldIdLst>
     <p:sldId id="256" r:id="rId2"/>
@@ -22,10 +22,14 @@
     <p:sldId id="275" r:id="rId13"/>
     <p:sldId id="276" r:id="rId14"/>
     <p:sldId id="277" r:id="rId15"/>
-    <p:sldId id="278" r:id="rId16"/>
-    <p:sldId id="279" r:id="rId17"/>
-    <p:sldId id="280" r:id="rId18"/>
-    <p:sldId id="265" r:id="rId19"/>
+    <p:sldId id="281" r:id="rId16"/>
+    <p:sldId id="285" r:id="rId17"/>
+    <p:sldId id="282" r:id="rId18"/>
+    <p:sldId id="278" r:id="rId19"/>
+    <p:sldId id="279" r:id="rId20"/>
+    <p:sldId id="280" r:id="rId21"/>
+    <p:sldId id="283" r:id="rId22"/>
+    <p:sldId id="265" r:id="rId23"/>
   </p:sldIdLst>
   <p:sldSz cx="9144000" cy="6858000" type="screen4x3"/>
   <p:notesSz cx="6858000" cy="9144000"/>
@@ -214,7 +218,7 @@
           <a:p>
             <a:fld id="{794915E2-5A19-401A-AAB5-929FAFDC4B58}" type="datetimeFigureOut">
               <a:rPr lang="en-US" smtClean="0"/>
-              <a:t>2017-10-29</a:t>
+              <a:t>2017-10-30</a:t>
             </a:fld>
             <a:endParaRPr lang="en-US"/>
           </a:p>
@@ -670,7 +674,7 @@
                 </a:solidFill>
               </a:rPr>
               <a:pPr/>
-              <a:t>29/10/2017</a:t>
+              <a:t>30/10/2017</a:t>
             </a:fld>
             <a:endParaRPr lang="nl-BE">
               <a:solidFill>
@@ -872,7 +876,7 @@
                 </a:solidFill>
               </a:rPr>
               <a:pPr/>
-              <a:t>29/10/2017</a:t>
+              <a:t>30/10/2017</a:t>
             </a:fld>
             <a:endParaRPr lang="nl-BE">
               <a:solidFill>
@@ -1084,7 +1088,7 @@
                 </a:solidFill>
               </a:rPr>
               <a:pPr/>
-              <a:t>29/10/2017</a:t>
+              <a:t>30/10/2017</a:t>
             </a:fld>
             <a:endParaRPr lang="nl-BE">
               <a:solidFill>
@@ -1286,7 +1290,7 @@
                 </a:solidFill>
               </a:rPr>
               <a:pPr/>
-              <a:t>29/10/2017</a:t>
+              <a:t>30/10/2017</a:t>
             </a:fld>
             <a:endParaRPr lang="nl-BE">
               <a:solidFill>
@@ -1564,7 +1568,7 @@
                 </a:solidFill>
               </a:rPr>
               <a:pPr/>
-              <a:t>29/10/2017</a:t>
+              <a:t>30/10/2017</a:t>
             </a:fld>
             <a:endParaRPr lang="nl-BE">
               <a:solidFill>
@@ -1884,7 +1888,7 @@
                 </a:solidFill>
               </a:rPr>
               <a:pPr/>
-              <a:t>29/10/2017</a:t>
+              <a:t>30/10/2017</a:t>
             </a:fld>
             <a:endParaRPr lang="nl-BE">
               <a:solidFill>
@@ -2338,7 +2342,7 @@
                 </a:solidFill>
               </a:rPr>
               <a:pPr/>
-              <a:t>29/10/2017</a:t>
+              <a:t>30/10/2017</a:t>
             </a:fld>
             <a:endParaRPr lang="nl-BE">
               <a:solidFill>
@@ -2488,7 +2492,7 @@
                 </a:solidFill>
               </a:rPr>
               <a:pPr/>
-              <a:t>29/10/2017</a:t>
+              <a:t>30/10/2017</a:t>
             </a:fld>
             <a:endParaRPr lang="nl-BE">
               <a:solidFill>
@@ -2615,7 +2619,7 @@
                 </a:solidFill>
               </a:rPr>
               <a:pPr/>
-              <a:t>29/10/2017</a:t>
+              <a:t>30/10/2017</a:t>
             </a:fld>
             <a:endParaRPr lang="nl-BE">
               <a:solidFill>
@@ -2924,7 +2928,7 @@
                 </a:solidFill>
               </a:rPr>
               <a:pPr/>
-              <a:t>29/10/2017</a:t>
+              <a:t>30/10/2017</a:t>
             </a:fld>
             <a:endParaRPr lang="nl-BE">
               <a:solidFill>
@@ -3209,7 +3213,7 @@
                 </a:solidFill>
               </a:rPr>
               <a:pPr/>
-              <a:t>29/10/2017</a:t>
+              <a:t>30/10/2017</a:t>
             </a:fld>
             <a:endParaRPr lang="nl-BE">
               <a:solidFill>
@@ -3454,7 +3458,7 @@
                 </a:solidFill>
               </a:rPr>
               <a:pPr/>
-              <a:t>29/10/2017</a:t>
+              <a:t>30/10/2017</a:t>
             </a:fld>
             <a:endParaRPr lang="nl-BE">
               <a:solidFill>
@@ -8257,7 +8261,15 @@
           <a:p>
             <a:r>
               <a:rPr lang="en-US" dirty="0" err="1" smtClean="0"/>
-              <a:t>GeoTIFF</a:t>
+              <a:t>GeoPandas</a:t>
+            </a:r>
+            <a:r>
+              <a:rPr lang="en-US" dirty="0" smtClean="0"/>
+              <a:t>: shape files &amp; </a:t>
+            </a:r>
+            <a:r>
+              <a:rPr lang="en-US" dirty="0" err="1" smtClean="0"/>
+              <a:t>GeoJSON</a:t>
             </a:r>
             <a:endParaRPr lang="en-US" dirty="0"/>
           </a:p>
@@ -8280,49 +8292,33 @@
           <a:p>
             <a:r>
               <a:rPr lang="en-US" dirty="0" smtClean="0"/>
-              <a:t>Raster data, e.g., satellite imagery</a:t>
-            </a:r>
-          </a:p>
-          <a:p>
-            <a:pPr lvl="1"/>
+              <a:t>Read </a:t>
+            </a:r>
+            <a:r>
+              <a:rPr lang="en-US" dirty="0" err="1" smtClean="0"/>
+              <a:t>GeoJSON</a:t>
+            </a:r>
+            <a:endParaRPr lang="en-US" dirty="0" smtClean="0"/>
+          </a:p>
+          <a:p>
+            <a:endParaRPr lang="en-US" dirty="0"/>
+          </a:p>
+          <a:p>
+            <a:endParaRPr lang="en-US" dirty="0" smtClean="0"/>
+          </a:p>
+          <a:p>
+            <a:endParaRPr lang="en-US" dirty="0"/>
+          </a:p>
+          <a:p>
+            <a:endParaRPr lang="en-US" dirty="0" smtClean="0"/>
+          </a:p>
+          <a:p>
+            <a:endParaRPr lang="en-US" dirty="0"/>
+          </a:p>
+          <a:p>
             <a:r>
               <a:rPr lang="en-US" dirty="0" smtClean="0"/>
-              <a:t>TIFF image file</a:t>
-            </a:r>
-          </a:p>
-          <a:p>
-            <a:pPr lvl="2"/>
-            <a:r>
-              <a:rPr lang="en-US" dirty="0" smtClean="0"/>
-              <a:t>1 or more raster bands</a:t>
-            </a:r>
-          </a:p>
-          <a:p>
-            <a:pPr lvl="1"/>
-            <a:r>
-              <a:rPr lang="en-US" dirty="0" smtClean="0"/>
-              <a:t>meta-data in tags</a:t>
-            </a:r>
-          </a:p>
-          <a:p>
-            <a:pPr lvl="2"/>
-            <a:r>
-              <a:rPr lang="en-US" dirty="0" smtClean="0"/>
-              <a:t>coordinate reference system</a:t>
-            </a:r>
-          </a:p>
-          <a:p>
-            <a:pPr lvl="2"/>
-            <a:r>
-              <a:rPr lang="en-US" dirty="0" err="1" smtClean="0"/>
-              <a:t>geotransform</a:t>
-            </a:r>
-            <a:endParaRPr lang="en-US" dirty="0" smtClean="0"/>
-          </a:p>
-          <a:p>
-            <a:r>
-              <a:rPr lang="en-US" dirty="0" smtClean="0"/>
-              <a:t>I/O: GDAL library with Python wrapper</a:t>
+              <a:t>Coordinate reference system</a:t>
             </a:r>
             <a:endParaRPr lang="en-US" dirty="0"/>
           </a:p>
@@ -8353,6 +8349,2682 @@
               </a:rPr>
               <a:pPr/>
               <a:t>15</a:t>
+            </a:fld>
+            <a:endParaRPr lang="nl-BE">
+              <a:solidFill>
+                <a:prstClr val="black">
+                  <a:tint val="75000"/>
+                </a:prstClr>
+              </a:solidFill>
+            </a:endParaRPr>
+          </a:p>
+        </p:txBody>
+      </p:sp>
+      <p:sp>
+        <p:nvSpPr>
+          <p:cNvPr id="5" name="TextBox 4"/>
+          <p:cNvSpPr txBox="1"/>
+          <p:nvPr/>
+        </p:nvSpPr>
+        <p:spPr>
+          <a:xfrm>
+            <a:off x="5308375" y="1278112"/>
+            <a:ext cx="3378425" cy="646331"/>
+          </a:xfrm>
+          <a:prstGeom prst="rect">
+            <a:avLst/>
+          </a:prstGeom>
+          <a:solidFill>
+            <a:schemeClr val="accent4">
+              <a:lumMod val="40000"/>
+              <a:lumOff val="60000"/>
+            </a:schemeClr>
+          </a:solidFill>
+        </p:spPr>
+        <p:txBody>
+          <a:bodyPr wrap="square" rtlCol="0">
+            <a:spAutoFit/>
+          </a:bodyPr>
+          <a:lstStyle/>
+          <a:p>
+            <a:r>
+              <a:rPr lang="en-US" dirty="0" smtClean="0">
+                <a:latin typeface="Courier New" pitchFamily="49" charset="0"/>
+                <a:cs typeface="Courier New" pitchFamily="49" charset="0"/>
+              </a:rPr>
+              <a:t>import </a:t>
+            </a:r>
+            <a:r>
+              <a:rPr lang="en-US" dirty="0" err="1" smtClean="0">
+                <a:latin typeface="Courier New" pitchFamily="49" charset="0"/>
+                <a:cs typeface="Courier New" pitchFamily="49" charset="0"/>
+              </a:rPr>
+              <a:t>geopandas</a:t>
+            </a:r>
+            <a:r>
+              <a:rPr lang="en-US" dirty="0" smtClean="0">
+                <a:latin typeface="Courier New" pitchFamily="49" charset="0"/>
+                <a:cs typeface="Courier New" pitchFamily="49" charset="0"/>
+              </a:rPr>
+              <a:t> as </a:t>
+            </a:r>
+            <a:r>
+              <a:rPr lang="en-US" dirty="0" err="1" smtClean="0">
+                <a:latin typeface="Courier New" pitchFamily="49" charset="0"/>
+                <a:cs typeface="Courier New" pitchFamily="49" charset="0"/>
+              </a:rPr>
+              <a:t>gpd</a:t>
+            </a:r>
+            <a:endParaRPr lang="en-US" dirty="0" smtClean="0">
+              <a:latin typeface="Courier New" pitchFamily="49" charset="0"/>
+              <a:cs typeface="Courier New" pitchFamily="49" charset="0"/>
+            </a:endParaRPr>
+          </a:p>
+          <a:p>
+            <a:r>
+              <a:rPr lang="en-US" dirty="0" smtClean="0">
+                <a:latin typeface="Courier New" pitchFamily="49" charset="0"/>
+                <a:cs typeface="Courier New" pitchFamily="49" charset="0"/>
+              </a:rPr>
+              <a:t>%</a:t>
+            </a:r>
+            <a:r>
+              <a:rPr lang="en-US" dirty="0" err="1" smtClean="0">
+                <a:latin typeface="Courier New" pitchFamily="49" charset="0"/>
+                <a:cs typeface="Courier New" pitchFamily="49" charset="0"/>
+              </a:rPr>
+              <a:t>matplotlib</a:t>
+            </a:r>
+            <a:r>
+              <a:rPr lang="en-US" dirty="0" smtClean="0">
+                <a:latin typeface="Courier New" pitchFamily="49" charset="0"/>
+                <a:cs typeface="Courier New" pitchFamily="49" charset="0"/>
+              </a:rPr>
+              <a:t> inline</a:t>
+            </a:r>
+            <a:endParaRPr lang="en-US" dirty="0" smtClean="0">
+              <a:latin typeface="Courier New" pitchFamily="49" charset="0"/>
+              <a:cs typeface="Courier New" pitchFamily="49" charset="0"/>
+            </a:endParaRPr>
+          </a:p>
+        </p:txBody>
+      </p:sp>
+      <p:sp>
+        <p:nvSpPr>
+          <p:cNvPr id="6" name="TextBox 5"/>
+          <p:cNvSpPr txBox="1"/>
+          <p:nvPr/>
+        </p:nvSpPr>
+        <p:spPr>
+          <a:xfrm>
+            <a:off x="726934" y="2126427"/>
+            <a:ext cx="5649590" cy="646331"/>
+          </a:xfrm>
+          <a:prstGeom prst="rect">
+            <a:avLst/>
+          </a:prstGeom>
+          <a:solidFill>
+            <a:schemeClr val="accent4">
+              <a:lumMod val="40000"/>
+              <a:lumOff val="60000"/>
+            </a:schemeClr>
+          </a:solidFill>
+        </p:spPr>
+        <p:txBody>
+          <a:bodyPr wrap="square" rtlCol="0">
+            <a:spAutoFit/>
+          </a:bodyPr>
+          <a:lstStyle/>
+          <a:p>
+            <a:r>
+              <a:rPr lang="en-US" dirty="0" err="1" smtClean="0">
+                <a:latin typeface="Courier New" pitchFamily="49" charset="0"/>
+                <a:cs typeface="Courier New" pitchFamily="49" charset="0"/>
+              </a:rPr>
+              <a:t>gdf</a:t>
+            </a:r>
+            <a:r>
+              <a:rPr lang="en-US" dirty="0" smtClean="0">
+                <a:latin typeface="Courier New" pitchFamily="49" charset="0"/>
+                <a:cs typeface="Courier New" pitchFamily="49" charset="0"/>
+              </a:rPr>
+              <a:t> = </a:t>
+            </a:r>
+            <a:r>
+              <a:rPr lang="en-US" dirty="0" err="1" smtClean="0">
+                <a:latin typeface="Courier New" pitchFamily="49" charset="0"/>
+                <a:cs typeface="Courier New" pitchFamily="49" charset="0"/>
+              </a:rPr>
+              <a:t>gdp.read_file</a:t>
+            </a:r>
+            <a:r>
+              <a:rPr lang="en-US" dirty="0" smtClean="0">
+                <a:latin typeface="Courier New" pitchFamily="49" charset="0"/>
+                <a:cs typeface="Courier New" pitchFamily="49" charset="0"/>
+              </a:rPr>
+              <a:t>(</a:t>
+            </a:r>
+            <a:r>
+              <a:rPr lang="en-US" dirty="0" err="1" smtClean="0">
+                <a:latin typeface="Courier New" pitchFamily="49" charset="0"/>
+                <a:cs typeface="Courier New" pitchFamily="49" charset="0"/>
+              </a:rPr>
+              <a:t>geo_json_filename</a:t>
+            </a:r>
+            <a:r>
+              <a:rPr lang="en-US" dirty="0" smtClean="0">
+                <a:latin typeface="Courier New" pitchFamily="49" charset="0"/>
+                <a:cs typeface="Courier New" pitchFamily="49" charset="0"/>
+              </a:rPr>
+              <a:t>)</a:t>
+            </a:r>
+          </a:p>
+          <a:p>
+            <a:r>
+              <a:rPr lang="en-US" dirty="0" smtClean="0">
+                <a:latin typeface="Courier New" pitchFamily="49" charset="0"/>
+                <a:cs typeface="Courier New" pitchFamily="49" charset="0"/>
+              </a:rPr>
+              <a:t>print(gdf.info())</a:t>
+            </a:r>
+          </a:p>
+        </p:txBody>
+      </p:sp>
+      <p:sp>
+        <p:nvSpPr>
+          <p:cNvPr id="7" name="TextBox 6"/>
+          <p:cNvSpPr txBox="1"/>
+          <p:nvPr/>
+        </p:nvSpPr>
+        <p:spPr>
+          <a:xfrm>
+            <a:off x="2519695" y="2803727"/>
+            <a:ext cx="6388287" cy="2308324"/>
+          </a:xfrm>
+          <a:prstGeom prst="rect">
+            <a:avLst/>
+          </a:prstGeom>
+          <a:solidFill>
+            <a:schemeClr val="tx1"/>
+          </a:solidFill>
+        </p:spPr>
+        <p:txBody>
+          <a:bodyPr wrap="none" rtlCol="0">
+            <a:spAutoFit/>
+          </a:bodyPr>
+          <a:lstStyle/>
+          <a:p>
+            <a:r>
+              <a:rPr lang="en-US" b="1" dirty="0">
+                <a:solidFill>
+                  <a:schemeClr val="bg1"/>
+                </a:solidFill>
+                <a:latin typeface="Courier New" pitchFamily="49" charset="0"/>
+                <a:cs typeface="Courier New" pitchFamily="49" charset="0"/>
+              </a:rPr>
+              <a:t>&lt;class '</a:t>
+            </a:r>
+            <a:r>
+              <a:rPr lang="en-US" b="1" dirty="0" err="1">
+                <a:solidFill>
+                  <a:schemeClr val="bg1"/>
+                </a:solidFill>
+                <a:latin typeface="Courier New" pitchFamily="49" charset="0"/>
+                <a:cs typeface="Courier New" pitchFamily="49" charset="0"/>
+              </a:rPr>
+              <a:t>geopandas.geodataframe.GeoDataFrame</a:t>
+            </a:r>
+            <a:r>
+              <a:rPr lang="en-US" b="1" dirty="0">
+                <a:solidFill>
+                  <a:schemeClr val="bg1"/>
+                </a:solidFill>
+                <a:latin typeface="Courier New" pitchFamily="49" charset="0"/>
+                <a:cs typeface="Courier New" pitchFamily="49" charset="0"/>
+              </a:rPr>
+              <a:t>'&gt;</a:t>
+            </a:r>
+          </a:p>
+          <a:p>
+            <a:r>
+              <a:rPr lang="en-US" b="1" dirty="0" err="1">
+                <a:solidFill>
+                  <a:schemeClr val="bg1"/>
+                </a:solidFill>
+                <a:latin typeface="Courier New" pitchFamily="49" charset="0"/>
+                <a:cs typeface="Courier New" pitchFamily="49" charset="0"/>
+              </a:rPr>
+              <a:t>RangeIndex</a:t>
+            </a:r>
+            <a:r>
+              <a:rPr lang="en-US" b="1" dirty="0">
+                <a:solidFill>
+                  <a:schemeClr val="bg1"/>
+                </a:solidFill>
+                <a:latin typeface="Courier New" pitchFamily="49" charset="0"/>
+                <a:cs typeface="Courier New" pitchFamily="49" charset="0"/>
+              </a:rPr>
+              <a:t>: 180 entries, 0 to 179</a:t>
+            </a:r>
+          </a:p>
+          <a:p>
+            <a:r>
+              <a:rPr lang="en-US" b="1" dirty="0">
+                <a:solidFill>
+                  <a:schemeClr val="bg1"/>
+                </a:solidFill>
+                <a:latin typeface="Courier New" pitchFamily="49" charset="0"/>
+                <a:cs typeface="Courier New" pitchFamily="49" charset="0"/>
+              </a:rPr>
+              <a:t>Data columns (total 3 columns):</a:t>
+            </a:r>
+          </a:p>
+          <a:p>
+            <a:r>
+              <a:rPr lang="en-US" b="1" dirty="0">
+                <a:solidFill>
+                  <a:schemeClr val="bg1"/>
+                </a:solidFill>
+                <a:latin typeface="Courier New" pitchFamily="49" charset="0"/>
+                <a:cs typeface="Courier New" pitchFamily="49" charset="0"/>
+              </a:rPr>
+              <a:t>id          180 non-null object</a:t>
+            </a:r>
+          </a:p>
+          <a:p>
+            <a:r>
+              <a:rPr lang="en-US" b="1" dirty="0">
+                <a:solidFill>
+                  <a:schemeClr val="bg1"/>
+                </a:solidFill>
+                <a:latin typeface="Courier New" pitchFamily="49" charset="0"/>
+                <a:cs typeface="Courier New" pitchFamily="49" charset="0"/>
+              </a:rPr>
+              <a:t>name        180 non-null object</a:t>
+            </a:r>
+          </a:p>
+          <a:p>
+            <a:r>
+              <a:rPr lang="en-US" b="1" dirty="0">
+                <a:solidFill>
+                  <a:schemeClr val="bg1"/>
+                </a:solidFill>
+                <a:latin typeface="Courier New" pitchFamily="49" charset="0"/>
+                <a:cs typeface="Courier New" pitchFamily="49" charset="0"/>
+              </a:rPr>
+              <a:t>geometry    180 non-null object</a:t>
+            </a:r>
+          </a:p>
+          <a:p>
+            <a:r>
+              <a:rPr lang="en-US" b="1" dirty="0" err="1">
+                <a:solidFill>
+                  <a:schemeClr val="bg1"/>
+                </a:solidFill>
+                <a:latin typeface="Courier New" pitchFamily="49" charset="0"/>
+                <a:cs typeface="Courier New" pitchFamily="49" charset="0"/>
+              </a:rPr>
+              <a:t>dtypes</a:t>
+            </a:r>
+            <a:r>
+              <a:rPr lang="en-US" b="1" dirty="0">
+                <a:solidFill>
+                  <a:schemeClr val="bg1"/>
+                </a:solidFill>
+                <a:latin typeface="Courier New" pitchFamily="49" charset="0"/>
+                <a:cs typeface="Courier New" pitchFamily="49" charset="0"/>
+              </a:rPr>
+              <a:t>: object(3)</a:t>
+            </a:r>
+          </a:p>
+          <a:p>
+            <a:r>
+              <a:rPr lang="en-US" b="1" dirty="0">
+                <a:solidFill>
+                  <a:schemeClr val="bg1"/>
+                </a:solidFill>
+                <a:latin typeface="Courier New" pitchFamily="49" charset="0"/>
+                <a:cs typeface="Courier New" pitchFamily="49" charset="0"/>
+              </a:rPr>
+              <a:t>memory usage: 4.3+ KB</a:t>
+            </a:r>
+            <a:endParaRPr lang="en-US" b="1" dirty="0">
+              <a:solidFill>
+                <a:schemeClr val="bg1"/>
+              </a:solidFill>
+            </a:endParaRPr>
+          </a:p>
+        </p:txBody>
+      </p:sp>
+      <p:sp>
+        <p:nvSpPr>
+          <p:cNvPr id="8" name="TextBox 7"/>
+          <p:cNvSpPr txBox="1"/>
+          <p:nvPr/>
+        </p:nvSpPr>
+        <p:spPr>
+          <a:xfrm>
+            <a:off x="726934" y="5662394"/>
+            <a:ext cx="5649590" cy="369332"/>
+          </a:xfrm>
+          <a:prstGeom prst="rect">
+            <a:avLst/>
+          </a:prstGeom>
+          <a:solidFill>
+            <a:schemeClr val="accent4">
+              <a:lumMod val="40000"/>
+              <a:lumOff val="60000"/>
+            </a:schemeClr>
+          </a:solidFill>
+        </p:spPr>
+        <p:txBody>
+          <a:bodyPr wrap="square" rtlCol="0">
+            <a:spAutoFit/>
+          </a:bodyPr>
+          <a:lstStyle/>
+          <a:p>
+            <a:r>
+              <a:rPr lang="en-US" dirty="0" err="1" smtClean="0">
+                <a:latin typeface="Courier New" pitchFamily="49" charset="0"/>
+                <a:cs typeface="Courier New" pitchFamily="49" charset="0"/>
+              </a:rPr>
+              <a:t>gdf.crs</a:t>
+            </a:r>
+            <a:endParaRPr lang="en-US" dirty="0" smtClean="0">
+              <a:latin typeface="Courier New" pitchFamily="49" charset="0"/>
+              <a:cs typeface="Courier New" pitchFamily="49" charset="0"/>
+            </a:endParaRPr>
+          </a:p>
+        </p:txBody>
+      </p:sp>
+    </p:spTree>
+    <p:extLst>
+      <p:ext uri="{BB962C8B-B14F-4D97-AF65-F5344CB8AC3E}">
+        <p14:creationId xmlns:p14="http://schemas.microsoft.com/office/powerpoint/2010/main" val="2534988379"/>
+      </p:ext>
+    </p:extLst>
+  </p:cSld>
+  <p:clrMapOvr>
+    <a:masterClrMapping/>
+  </p:clrMapOvr>
+  <p:timing>
+    <p:tnLst>
+      <p:par>
+        <p:cTn id="1" dur="indefinite" restart="never" nodeType="tmRoot">
+          <p:childTnLst>
+            <p:seq concurrent="1" nextAc="seek">
+              <p:cTn id="2" dur="indefinite" nodeType="mainSeq">
+                <p:childTnLst>
+                  <p:par>
+                    <p:cTn id="3" fill="hold">
+                      <p:stCondLst>
+                        <p:cond delay="indefinite"/>
+                      </p:stCondLst>
+                      <p:childTnLst>
+                        <p:par>
+                          <p:cTn id="4" fill="hold">
+                            <p:stCondLst>
+                              <p:cond delay="0"/>
+                            </p:stCondLst>
+                            <p:childTnLst>
+                              <p:par>
+                                <p:cTn id="5" presetID="1" presetClass="entr" presetSubtype="0" fill="hold" grpId="0" nodeType="clickEffect">
+                                  <p:stCondLst>
+                                    <p:cond delay="0"/>
+                                  </p:stCondLst>
+                                  <p:childTnLst>
+                                    <p:set>
+                                      <p:cBhvr>
+                                        <p:cTn id="6" dur="1" fill="hold">
+                                          <p:stCondLst>
+                                            <p:cond delay="0"/>
+                                          </p:stCondLst>
+                                        </p:cTn>
+                                        <p:tgtEl>
+                                          <p:spTgt spid="5"/>
+                                        </p:tgtEl>
+                                        <p:attrNameLst>
+                                          <p:attrName>style.visibility</p:attrName>
+                                        </p:attrNameLst>
+                                      </p:cBhvr>
+                                      <p:to>
+                                        <p:strVal val="visible"/>
+                                      </p:to>
+                                    </p:set>
+                                  </p:childTnLst>
+                                </p:cTn>
+                              </p:par>
+                            </p:childTnLst>
+                          </p:cTn>
+                        </p:par>
+                      </p:childTnLst>
+                    </p:cTn>
+                  </p:par>
+                  <p:par>
+                    <p:cTn id="7" fill="hold">
+                      <p:stCondLst>
+                        <p:cond delay="indefinite"/>
+                      </p:stCondLst>
+                      <p:childTnLst>
+                        <p:par>
+                          <p:cTn id="8" fill="hold">
+                            <p:stCondLst>
+                              <p:cond delay="0"/>
+                            </p:stCondLst>
+                            <p:childTnLst>
+                              <p:par>
+                                <p:cTn id="9" presetID="1" presetClass="entr" presetSubtype="0" fill="hold" grpId="0" nodeType="clickEffect">
+                                  <p:stCondLst>
+                                    <p:cond delay="0"/>
+                                  </p:stCondLst>
+                                  <p:childTnLst>
+                                    <p:set>
+                                      <p:cBhvr>
+                                        <p:cTn id="10" dur="1" fill="hold">
+                                          <p:stCondLst>
+                                            <p:cond delay="0"/>
+                                          </p:stCondLst>
+                                        </p:cTn>
+                                        <p:tgtEl>
+                                          <p:spTgt spid="6"/>
+                                        </p:tgtEl>
+                                        <p:attrNameLst>
+                                          <p:attrName>style.visibility</p:attrName>
+                                        </p:attrNameLst>
+                                      </p:cBhvr>
+                                      <p:to>
+                                        <p:strVal val="visible"/>
+                                      </p:to>
+                                    </p:set>
+                                  </p:childTnLst>
+                                </p:cTn>
+                              </p:par>
+                            </p:childTnLst>
+                          </p:cTn>
+                        </p:par>
+                      </p:childTnLst>
+                    </p:cTn>
+                  </p:par>
+                  <p:par>
+                    <p:cTn id="11" fill="hold">
+                      <p:stCondLst>
+                        <p:cond delay="indefinite"/>
+                      </p:stCondLst>
+                      <p:childTnLst>
+                        <p:par>
+                          <p:cTn id="12" fill="hold">
+                            <p:stCondLst>
+                              <p:cond delay="0"/>
+                            </p:stCondLst>
+                            <p:childTnLst>
+                              <p:par>
+                                <p:cTn id="13" presetID="1" presetClass="entr" presetSubtype="0" fill="hold" grpId="0" nodeType="clickEffect">
+                                  <p:stCondLst>
+                                    <p:cond delay="0"/>
+                                  </p:stCondLst>
+                                  <p:childTnLst>
+                                    <p:set>
+                                      <p:cBhvr>
+                                        <p:cTn id="14" dur="1" fill="hold">
+                                          <p:stCondLst>
+                                            <p:cond delay="0"/>
+                                          </p:stCondLst>
+                                        </p:cTn>
+                                        <p:tgtEl>
+                                          <p:spTgt spid="8"/>
+                                        </p:tgtEl>
+                                        <p:attrNameLst>
+                                          <p:attrName>style.visibility</p:attrName>
+                                        </p:attrNameLst>
+                                      </p:cBhvr>
+                                      <p:to>
+                                        <p:strVal val="visible"/>
+                                      </p:to>
+                                    </p:set>
+                                  </p:childTnLst>
+                                </p:cTn>
+                              </p:par>
+                            </p:childTnLst>
+                          </p:cTn>
+                        </p:par>
+                      </p:childTnLst>
+                    </p:cTn>
+                  </p:par>
+                </p:childTnLst>
+              </p:cTn>
+              <p:prevCondLst>
+                <p:cond evt="onPrev" delay="0">
+                  <p:tgtEl>
+                    <p:sldTgt/>
+                  </p:tgtEl>
+                </p:cond>
+              </p:prevCondLst>
+              <p:nextCondLst>
+                <p:cond evt="onNext" delay="0">
+                  <p:tgtEl>
+                    <p:sldTgt/>
+                  </p:tgtEl>
+                </p:cond>
+              </p:nextCondLst>
+            </p:seq>
+          </p:childTnLst>
+        </p:cTn>
+      </p:par>
+    </p:tnLst>
+    <p:bldLst>
+      <p:bldP spid="5" grpId="0" animBg="1"/>
+      <p:bldP spid="6" grpId="0" animBg="1"/>
+      <p:bldP spid="8" grpId="0" animBg="1"/>
+    </p:bldLst>
+  </p:timing>
+</p:sld>
+</file>
+
+<file path=ppt/slides/slide16.xml><?xml version="1.0" encoding="utf-8"?>
+<p:sld xmlns:a="http://schemas.openxmlformats.org/drawingml/2006/main" xmlns:r="http://schemas.openxmlformats.org/officeDocument/2006/relationships" xmlns:p="http://schemas.openxmlformats.org/presentationml/2006/main">
+  <p:cSld>
+    <p:spTree>
+      <p:nvGrpSpPr>
+        <p:cNvPr id="1" name=""/>
+        <p:cNvGrpSpPr/>
+        <p:nvPr/>
+      </p:nvGrpSpPr>
+      <p:grpSpPr>
+        <a:xfrm>
+          <a:off x="0" y="0"/>
+          <a:ext cx="0" cy="0"/>
+          <a:chOff x="0" y="0"/>
+          <a:chExt cx="0" cy="0"/>
+        </a:xfrm>
+      </p:grpSpPr>
+      <p:sp>
+        <p:nvSpPr>
+          <p:cNvPr id="2" name="Title 1"/>
+          <p:cNvSpPr>
+            <a:spLocks noGrp="1"/>
+          </p:cNvSpPr>
+          <p:nvPr>
+            <p:ph type="title"/>
+          </p:nvPr>
+        </p:nvSpPr>
+        <p:spPr/>
+        <p:txBody>
+          <a:bodyPr/>
+          <a:lstStyle/>
+          <a:p>
+            <a:r>
+              <a:rPr lang="en-US" dirty="0" err="1" smtClean="0"/>
+              <a:t>GeoPandas</a:t>
+            </a:r>
+            <a:r>
+              <a:rPr lang="en-US" dirty="0" smtClean="0"/>
+              <a:t>: selection</a:t>
+            </a:r>
+            <a:endParaRPr lang="en-US" dirty="0"/>
+          </a:p>
+        </p:txBody>
+      </p:sp>
+      <p:sp>
+        <p:nvSpPr>
+          <p:cNvPr id="3" name="Content Placeholder 2"/>
+          <p:cNvSpPr>
+            <a:spLocks noGrp="1"/>
+          </p:cNvSpPr>
+          <p:nvPr>
+            <p:ph idx="1"/>
+          </p:nvPr>
+        </p:nvSpPr>
+        <p:spPr/>
+        <p:txBody>
+          <a:bodyPr/>
+          <a:lstStyle/>
+          <a:p>
+            <a:r>
+              <a:rPr lang="en-US" dirty="0" smtClean="0"/>
+              <a:t>Spatial selection</a:t>
+            </a:r>
+          </a:p>
+          <a:p>
+            <a:endParaRPr lang="en-US" dirty="0"/>
+          </a:p>
+          <a:p>
+            <a:endParaRPr lang="en-US" dirty="0" smtClean="0"/>
+          </a:p>
+          <a:p>
+            <a:endParaRPr lang="en-US" dirty="0"/>
+          </a:p>
+          <a:p>
+            <a:r>
+              <a:rPr lang="en-US" dirty="0" smtClean="0"/>
+              <a:t>Visualization</a:t>
+            </a:r>
+            <a:endParaRPr lang="en-US" dirty="0"/>
+          </a:p>
+        </p:txBody>
+      </p:sp>
+      <p:sp>
+        <p:nvSpPr>
+          <p:cNvPr id="4" name="Slide Number Placeholder 3"/>
+          <p:cNvSpPr>
+            <a:spLocks noGrp="1"/>
+          </p:cNvSpPr>
+          <p:nvPr>
+            <p:ph type="sldNum" sz="quarter" idx="12"/>
+          </p:nvPr>
+        </p:nvSpPr>
+        <p:spPr/>
+        <p:txBody>
+          <a:bodyPr/>
+          <a:lstStyle/>
+          <a:p>
+            <a:fld id="{5A209D72-2E9D-49B0-8977-41DCCC66C0BB}" type="slidenum">
+              <a:rPr lang="nl-BE" smtClean="0">
+                <a:solidFill>
+                  <a:prstClr val="black">
+                    <a:tint val="75000"/>
+                  </a:prstClr>
+                </a:solidFill>
+              </a:rPr>
+              <a:pPr/>
+              <a:t>16</a:t>
+            </a:fld>
+            <a:endParaRPr lang="nl-BE">
+              <a:solidFill>
+                <a:prstClr val="black">
+                  <a:tint val="75000"/>
+                </a:prstClr>
+              </a:solidFill>
+            </a:endParaRPr>
+          </a:p>
+        </p:txBody>
+      </p:sp>
+      <p:sp>
+        <p:nvSpPr>
+          <p:cNvPr id="5" name="TextBox 4"/>
+          <p:cNvSpPr txBox="1"/>
+          <p:nvPr/>
+        </p:nvSpPr>
+        <p:spPr>
+          <a:xfrm>
+            <a:off x="860024" y="2203435"/>
+            <a:ext cx="5209004" cy="369332"/>
+          </a:xfrm>
+          <a:prstGeom prst="rect">
+            <a:avLst/>
+          </a:prstGeom>
+          <a:solidFill>
+            <a:schemeClr val="accent4">
+              <a:lumMod val="40000"/>
+              <a:lumOff val="60000"/>
+            </a:schemeClr>
+          </a:solidFill>
+        </p:spPr>
+        <p:txBody>
+          <a:bodyPr wrap="square" rtlCol="0">
+            <a:spAutoFit/>
+          </a:bodyPr>
+          <a:lstStyle/>
+          <a:p>
+            <a:r>
+              <a:rPr lang="en-US" dirty="0" err="1" smtClean="0">
+                <a:latin typeface="Courier New" pitchFamily="49" charset="0"/>
+                <a:cs typeface="Courier New" pitchFamily="49" charset="0"/>
+              </a:rPr>
+              <a:t>western_europe</a:t>
+            </a:r>
+            <a:r>
+              <a:rPr lang="en-US" dirty="0" smtClean="0">
+                <a:latin typeface="Courier New" pitchFamily="49" charset="0"/>
+                <a:cs typeface="Courier New" pitchFamily="49" charset="0"/>
+              </a:rPr>
+              <a:t> </a:t>
+            </a:r>
+            <a:r>
+              <a:rPr lang="en-US" dirty="0">
+                <a:latin typeface="Courier New" pitchFamily="49" charset="0"/>
+                <a:cs typeface="Courier New" pitchFamily="49" charset="0"/>
+              </a:rPr>
+              <a:t>= gdf.cx[0:10, 50:55</a:t>
+            </a:r>
+            <a:r>
+              <a:rPr lang="en-US" dirty="0" smtClean="0">
+                <a:latin typeface="Courier New" pitchFamily="49" charset="0"/>
+                <a:cs typeface="Courier New" pitchFamily="49" charset="0"/>
+              </a:rPr>
+              <a:t>]</a:t>
+            </a:r>
+            <a:endParaRPr lang="en-US" dirty="0" smtClean="0">
+              <a:latin typeface="Courier New" pitchFamily="49" charset="0"/>
+              <a:cs typeface="Courier New" pitchFamily="49" charset="0"/>
+            </a:endParaRPr>
+          </a:p>
+        </p:txBody>
+      </p:sp>
+      <p:grpSp>
+        <p:nvGrpSpPr>
+          <p:cNvPr id="26" name="Group 25"/>
+          <p:cNvGrpSpPr/>
+          <p:nvPr/>
+        </p:nvGrpSpPr>
+        <p:grpSpPr>
+          <a:xfrm>
+            <a:off x="860024" y="2609172"/>
+            <a:ext cx="8081676" cy="2031325"/>
+            <a:chOff x="860024" y="2609172"/>
+            <a:chExt cx="8081676" cy="2031325"/>
+          </a:xfrm>
+        </p:grpSpPr>
+        <p:sp>
+          <p:nvSpPr>
+            <p:cNvPr id="6" name="TextBox 5"/>
+            <p:cNvSpPr txBox="1"/>
+            <p:nvPr/>
+          </p:nvSpPr>
+          <p:spPr>
+            <a:xfrm>
+              <a:off x="5253999" y="2609172"/>
+              <a:ext cx="3687701" cy="2031325"/>
+            </a:xfrm>
+            <a:prstGeom prst="rect">
+              <a:avLst/>
+            </a:prstGeom>
+            <a:solidFill>
+              <a:schemeClr val="tx1"/>
+            </a:solidFill>
+          </p:spPr>
+          <p:txBody>
+            <a:bodyPr wrap="square" rtlCol="0">
+              <a:spAutoFit/>
+            </a:bodyPr>
+            <a:lstStyle/>
+            <a:p>
+              <a:r>
+                <a:rPr lang="en-US" sz="1400" b="1" dirty="0">
+                  <a:solidFill>
+                    <a:schemeClr val="bg1"/>
+                  </a:solidFill>
+                  <a:latin typeface="Courier New" pitchFamily="49" charset="0"/>
+                  <a:cs typeface="Courier New" pitchFamily="49" charset="0"/>
+                </a:rPr>
+                <a:t>id</a:t>
+              </a:r>
+            </a:p>
+            <a:p>
+              <a:r>
+                <a:rPr lang="en-US" sz="1400" b="1" dirty="0">
+                  <a:solidFill>
+                    <a:schemeClr val="bg1"/>
+                  </a:solidFill>
+                  <a:latin typeface="Courier New" pitchFamily="49" charset="0"/>
+                  <a:cs typeface="Courier New" pitchFamily="49" charset="0"/>
+                </a:rPr>
+                <a:t>BEL           Belgium</a:t>
+              </a:r>
+            </a:p>
+            <a:p>
+              <a:r>
+                <a:rPr lang="en-US" sz="1400" b="1" dirty="0">
+                  <a:solidFill>
+                    <a:schemeClr val="bg1"/>
+                  </a:solidFill>
+                  <a:latin typeface="Courier New" pitchFamily="49" charset="0"/>
+                  <a:cs typeface="Courier New" pitchFamily="49" charset="0"/>
+                </a:rPr>
+                <a:t>DEU           Germany</a:t>
+              </a:r>
+            </a:p>
+            <a:p>
+              <a:r>
+                <a:rPr lang="en-US" sz="1400" b="1" dirty="0">
+                  <a:solidFill>
+                    <a:schemeClr val="bg1"/>
+                  </a:solidFill>
+                  <a:latin typeface="Courier New" pitchFamily="49" charset="0"/>
+                  <a:cs typeface="Courier New" pitchFamily="49" charset="0"/>
+                </a:rPr>
+                <a:t>DNK           Denmark</a:t>
+              </a:r>
+            </a:p>
+            <a:p>
+              <a:r>
+                <a:rPr lang="en-US" sz="1400" b="1" dirty="0">
+                  <a:solidFill>
+                    <a:schemeClr val="bg1"/>
+                  </a:solidFill>
+                  <a:latin typeface="Courier New" pitchFamily="49" charset="0"/>
+                  <a:cs typeface="Courier New" pitchFamily="49" charset="0"/>
+                </a:rPr>
+                <a:t>FRA            France</a:t>
+              </a:r>
+            </a:p>
+            <a:p>
+              <a:r>
+                <a:rPr lang="en-US" sz="1400" b="1" dirty="0">
+                  <a:solidFill>
+                    <a:schemeClr val="bg1"/>
+                  </a:solidFill>
+                  <a:latin typeface="Courier New" pitchFamily="49" charset="0"/>
+                  <a:cs typeface="Courier New" pitchFamily="49" charset="0"/>
+                </a:rPr>
+                <a:t>GBR    United Kingdom</a:t>
+              </a:r>
+            </a:p>
+            <a:p>
+              <a:r>
+                <a:rPr lang="en-US" sz="1400" b="1" dirty="0">
+                  <a:solidFill>
+                    <a:schemeClr val="bg1"/>
+                  </a:solidFill>
+                  <a:latin typeface="Courier New" pitchFamily="49" charset="0"/>
+                  <a:cs typeface="Courier New" pitchFamily="49" charset="0"/>
+                </a:rPr>
+                <a:t>LUX        Luxembourg</a:t>
+              </a:r>
+            </a:p>
+            <a:p>
+              <a:r>
+                <a:rPr lang="en-US" sz="1400" b="1" dirty="0">
+                  <a:solidFill>
+                    <a:schemeClr val="bg1"/>
+                  </a:solidFill>
+                  <a:latin typeface="Courier New" pitchFamily="49" charset="0"/>
+                  <a:cs typeface="Courier New" pitchFamily="49" charset="0"/>
+                </a:rPr>
+                <a:t>NLD       Netherlands</a:t>
+              </a:r>
+            </a:p>
+            <a:p>
+              <a:r>
+                <a:rPr lang="en-US" sz="1400" b="1" dirty="0">
+                  <a:solidFill>
+                    <a:schemeClr val="bg1"/>
+                  </a:solidFill>
+                  <a:latin typeface="Courier New" pitchFamily="49" charset="0"/>
+                  <a:cs typeface="Courier New" pitchFamily="49" charset="0"/>
+                </a:rPr>
+                <a:t>Name: name, </a:t>
+              </a:r>
+              <a:r>
+                <a:rPr lang="en-US" sz="1400" b="1" dirty="0" err="1">
+                  <a:solidFill>
+                    <a:schemeClr val="bg1"/>
+                  </a:solidFill>
+                  <a:latin typeface="Courier New" pitchFamily="49" charset="0"/>
+                  <a:cs typeface="Courier New" pitchFamily="49" charset="0"/>
+                </a:rPr>
+                <a:t>dtype</a:t>
+              </a:r>
+              <a:r>
+                <a:rPr lang="en-US" sz="1400" b="1" dirty="0">
+                  <a:solidFill>
+                    <a:schemeClr val="bg1"/>
+                  </a:solidFill>
+                  <a:latin typeface="Courier New" pitchFamily="49" charset="0"/>
+                  <a:cs typeface="Courier New" pitchFamily="49" charset="0"/>
+                </a:rPr>
+                <a:t>: object</a:t>
+              </a:r>
+              <a:endParaRPr lang="en-US" sz="1400" b="1" dirty="0" smtClean="0">
+                <a:solidFill>
+                  <a:schemeClr val="bg1"/>
+                </a:solidFill>
+                <a:latin typeface="Courier New" pitchFamily="49" charset="0"/>
+                <a:cs typeface="Courier New" pitchFamily="49" charset="0"/>
+              </a:endParaRPr>
+            </a:p>
+          </p:txBody>
+        </p:sp>
+        <p:sp>
+          <p:nvSpPr>
+            <p:cNvPr id="7" name="TextBox 6"/>
+            <p:cNvSpPr txBox="1"/>
+            <p:nvPr/>
+          </p:nvSpPr>
+          <p:spPr>
+            <a:xfrm>
+              <a:off x="860024" y="3547781"/>
+              <a:ext cx="4302695" cy="369332"/>
+            </a:xfrm>
+            <a:prstGeom prst="rect">
+              <a:avLst/>
+            </a:prstGeom>
+            <a:solidFill>
+              <a:schemeClr val="accent4">
+                <a:lumMod val="40000"/>
+                <a:lumOff val="60000"/>
+              </a:schemeClr>
+            </a:solidFill>
+          </p:spPr>
+          <p:txBody>
+            <a:bodyPr wrap="square" rtlCol="0">
+              <a:spAutoFit/>
+            </a:bodyPr>
+            <a:lstStyle/>
+            <a:p>
+              <a:r>
+                <a:rPr lang="en-US" dirty="0" smtClean="0">
+                  <a:latin typeface="Courier New" pitchFamily="49" charset="0"/>
+                  <a:cs typeface="Courier New" pitchFamily="49" charset="0"/>
+                </a:rPr>
+                <a:t>print(</a:t>
+              </a:r>
+              <a:r>
+                <a:rPr lang="en-US" dirty="0" err="1" smtClean="0">
+                  <a:latin typeface="Courier New" pitchFamily="49" charset="0"/>
+                  <a:cs typeface="Courier New" pitchFamily="49" charset="0"/>
+                </a:rPr>
+                <a:t>western_europe</a:t>
+              </a:r>
+              <a:r>
+                <a:rPr lang="en-US" dirty="0" smtClean="0">
+                  <a:latin typeface="Courier New" pitchFamily="49" charset="0"/>
+                  <a:cs typeface="Courier New" pitchFamily="49" charset="0"/>
+                </a:rPr>
+                <a:t>['name'])</a:t>
+              </a:r>
+            </a:p>
+          </p:txBody>
+        </p:sp>
+      </p:grpSp>
+      <p:grpSp>
+        <p:nvGrpSpPr>
+          <p:cNvPr id="27" name="Group 26"/>
+          <p:cNvGrpSpPr/>
+          <p:nvPr/>
+        </p:nvGrpSpPr>
+        <p:grpSpPr>
+          <a:xfrm>
+            <a:off x="860024" y="4574576"/>
+            <a:ext cx="6064734" cy="2238800"/>
+            <a:chOff x="860024" y="4574576"/>
+            <a:chExt cx="6064734" cy="2238800"/>
+          </a:xfrm>
+        </p:grpSpPr>
+        <p:sp>
+          <p:nvSpPr>
+            <p:cNvPr id="8" name="TextBox 7"/>
+            <p:cNvSpPr txBox="1"/>
+            <p:nvPr/>
+          </p:nvSpPr>
+          <p:spPr>
+            <a:xfrm>
+              <a:off x="860024" y="4574576"/>
+              <a:ext cx="3094250" cy="369332"/>
+            </a:xfrm>
+            <a:prstGeom prst="rect">
+              <a:avLst/>
+            </a:prstGeom>
+            <a:solidFill>
+              <a:schemeClr val="accent4">
+                <a:lumMod val="40000"/>
+                <a:lumOff val="60000"/>
+              </a:schemeClr>
+            </a:solidFill>
+          </p:spPr>
+          <p:txBody>
+            <a:bodyPr wrap="square" rtlCol="0">
+              <a:spAutoFit/>
+            </a:bodyPr>
+            <a:lstStyle/>
+            <a:p>
+              <a:r>
+                <a:rPr lang="en-US" dirty="0" err="1" smtClean="0">
+                  <a:latin typeface="Courier New" pitchFamily="49" charset="0"/>
+                  <a:cs typeface="Courier New" pitchFamily="49" charset="0"/>
+                </a:rPr>
+                <a:t>western_Europe.plot</a:t>
+              </a:r>
+              <a:r>
+                <a:rPr lang="en-US" dirty="0" smtClean="0">
+                  <a:latin typeface="Courier New" pitchFamily="49" charset="0"/>
+                  <a:cs typeface="Courier New" pitchFamily="49" charset="0"/>
+                </a:rPr>
+                <a:t>()</a:t>
+              </a:r>
+            </a:p>
+          </p:txBody>
+        </p:sp>
+        <p:pic>
+          <p:nvPicPr>
+            <p:cNvPr id="9" name="Content Placeholder 5"/>
+            <p:cNvPicPr>
+              <a:picLocks noChangeAspect="1"/>
+            </p:cNvPicPr>
+            <p:nvPr/>
+          </p:nvPicPr>
+          <p:blipFill>
+            <a:blip r:embed="rId2">
+              <a:extLst>
+                <a:ext uri="{28A0092B-C50C-407E-A947-70E740481C1C}">
+                  <a14:useLocalDpi xmlns:a14="http://schemas.microsoft.com/office/drawing/2010/main" val="0"/>
+                </a:ext>
+              </a:extLst>
+            </a:blip>
+            <a:stretch>
+              <a:fillRect/>
+            </a:stretch>
+          </p:blipFill>
+          <p:spPr>
+            <a:xfrm>
+              <a:off x="4004419" y="4610687"/>
+              <a:ext cx="2920339" cy="2202689"/>
+            </a:xfrm>
+            <a:prstGeom prst="rect">
+              <a:avLst/>
+            </a:prstGeom>
+          </p:spPr>
+        </p:pic>
+      </p:grpSp>
+      <p:grpSp>
+        <p:nvGrpSpPr>
+          <p:cNvPr id="10" name="Group 9"/>
+          <p:cNvGrpSpPr/>
+          <p:nvPr/>
+        </p:nvGrpSpPr>
+        <p:grpSpPr>
+          <a:xfrm>
+            <a:off x="4201254" y="1417638"/>
+            <a:ext cx="4563250" cy="1123072"/>
+            <a:chOff x="2405659" y="1687068"/>
+            <a:chExt cx="4563250" cy="1123072"/>
+          </a:xfrm>
+        </p:grpSpPr>
+        <p:grpSp>
+          <p:nvGrpSpPr>
+            <p:cNvPr id="11" name="Group 10"/>
+            <p:cNvGrpSpPr/>
+            <p:nvPr/>
+          </p:nvGrpSpPr>
+          <p:grpSpPr>
+            <a:xfrm>
+              <a:off x="2405659" y="1687068"/>
+              <a:ext cx="3145762" cy="1123072"/>
+              <a:chOff x="3349556" y="2400755"/>
+              <a:chExt cx="3145762" cy="1123072"/>
+            </a:xfrm>
+          </p:grpSpPr>
+          <p:sp>
+            <p:nvSpPr>
+              <p:cNvPr id="16" name="Rectangle 15"/>
+              <p:cNvSpPr/>
+              <p:nvPr/>
+            </p:nvSpPr>
+            <p:spPr>
+              <a:xfrm>
+                <a:off x="3349556" y="3235795"/>
+                <a:ext cx="597323" cy="288032"/>
+              </a:xfrm>
+              <a:prstGeom prst="rect">
+                <a:avLst/>
+              </a:prstGeom>
+              <a:noFill/>
+              <a:ln>
+                <a:solidFill>
+                  <a:srgbClr val="00B050"/>
+                </a:solidFill>
+              </a:ln>
+            </p:spPr>
+            <p:style>
+              <a:lnRef idx="2">
+                <a:schemeClr val="accent1">
+                  <a:shade val="50000"/>
+                </a:schemeClr>
+              </a:lnRef>
+              <a:fillRef idx="1">
+                <a:schemeClr val="accent1"/>
+              </a:fillRef>
+              <a:effectRef idx="0">
+                <a:schemeClr val="accent1"/>
+              </a:effectRef>
+              <a:fontRef idx="minor">
+                <a:schemeClr val="lt1"/>
+              </a:fontRef>
+            </p:style>
+            <p:txBody>
+              <a:bodyPr rtlCol="0" anchor="ctr"/>
+              <a:lstStyle/>
+              <a:p>
+                <a:pPr algn="ctr"/>
+                <a:endParaRPr lang="nl-BE"/>
+              </a:p>
+            </p:txBody>
+          </p:sp>
+          <p:sp>
+            <p:nvSpPr>
+              <p:cNvPr id="17" name="TextBox 16"/>
+              <p:cNvSpPr txBox="1"/>
+              <p:nvPr/>
+            </p:nvSpPr>
+            <p:spPr>
+              <a:xfrm>
+                <a:off x="4832940" y="2400755"/>
+                <a:ext cx="1662378" cy="369332"/>
+              </a:xfrm>
+              <a:prstGeom prst="rect">
+                <a:avLst/>
+              </a:prstGeom>
+              <a:solidFill>
+                <a:schemeClr val="bg1"/>
+              </a:solidFill>
+              <a:ln>
+                <a:solidFill>
+                  <a:srgbClr val="00B050"/>
+                </a:solidFill>
+              </a:ln>
+            </p:spPr>
+            <p:txBody>
+              <a:bodyPr wrap="none" rtlCol="0">
+                <a:spAutoFit/>
+              </a:bodyPr>
+              <a:lstStyle/>
+              <a:p>
+                <a:r>
+                  <a:rPr lang="en-US" dirty="0" smtClean="0">
+                    <a:solidFill>
+                      <a:srgbClr val="00B050"/>
+                    </a:solidFill>
+                  </a:rPr>
+                  <a:t>longitude range</a:t>
+                </a:r>
+                <a:endParaRPr lang="nl-BE" dirty="0">
+                  <a:solidFill>
+                    <a:srgbClr val="00B050"/>
+                  </a:solidFill>
+                </a:endParaRPr>
+              </a:p>
+            </p:txBody>
+          </p:sp>
+          <p:cxnSp>
+            <p:nvCxnSpPr>
+              <p:cNvPr id="18" name="Straight Arrow Connector 17"/>
+              <p:cNvCxnSpPr>
+                <a:stCxn id="17" idx="1"/>
+                <a:endCxn id="16" idx="0"/>
+              </p:cNvCxnSpPr>
+              <p:nvPr/>
+            </p:nvCxnSpPr>
+            <p:spPr>
+              <a:xfrm flipH="1">
+                <a:off x="3648218" y="2585421"/>
+                <a:ext cx="1184722" cy="650374"/>
+              </a:xfrm>
+              <a:prstGeom prst="straightConnector1">
+                <a:avLst/>
+              </a:prstGeom>
+              <a:ln w="19050">
+                <a:solidFill>
+                  <a:srgbClr val="00B050"/>
+                </a:solidFill>
+                <a:tailEnd type="stealth" w="lg" len="lg"/>
+              </a:ln>
+            </p:spPr>
+            <p:style>
+              <a:lnRef idx="1">
+                <a:schemeClr val="accent1"/>
+              </a:lnRef>
+              <a:fillRef idx="0">
+                <a:schemeClr val="accent1"/>
+              </a:fillRef>
+              <a:effectRef idx="0">
+                <a:schemeClr val="accent1"/>
+              </a:effectRef>
+              <a:fontRef idx="minor">
+                <a:schemeClr val="tx1"/>
+              </a:fontRef>
+            </p:style>
+          </p:cxnSp>
+        </p:grpSp>
+        <p:grpSp>
+          <p:nvGrpSpPr>
+            <p:cNvPr id="12" name="Group 11"/>
+            <p:cNvGrpSpPr/>
+            <p:nvPr/>
+          </p:nvGrpSpPr>
+          <p:grpSpPr>
+            <a:xfrm>
+              <a:off x="3237651" y="2129957"/>
+              <a:ext cx="3731258" cy="657364"/>
+              <a:chOff x="3469317" y="2843644"/>
+              <a:chExt cx="3731258" cy="657364"/>
+            </a:xfrm>
+          </p:grpSpPr>
+          <p:sp>
+            <p:nvSpPr>
+              <p:cNvPr id="13" name="Rectangle 12"/>
+              <p:cNvSpPr/>
+              <p:nvPr/>
+            </p:nvSpPr>
+            <p:spPr>
+              <a:xfrm>
+                <a:off x="3469317" y="3212976"/>
+                <a:ext cx="729057" cy="288032"/>
+              </a:xfrm>
+              <a:prstGeom prst="rect">
+                <a:avLst/>
+              </a:prstGeom>
+              <a:noFill/>
+              <a:ln>
+                <a:solidFill>
+                  <a:srgbClr val="00B050"/>
+                </a:solidFill>
+              </a:ln>
+            </p:spPr>
+            <p:style>
+              <a:lnRef idx="2">
+                <a:schemeClr val="accent1">
+                  <a:shade val="50000"/>
+                </a:schemeClr>
+              </a:lnRef>
+              <a:fillRef idx="1">
+                <a:schemeClr val="accent1"/>
+              </a:fillRef>
+              <a:effectRef idx="0">
+                <a:schemeClr val="accent1"/>
+              </a:effectRef>
+              <a:fontRef idx="minor">
+                <a:schemeClr val="lt1"/>
+              </a:fontRef>
+            </p:style>
+            <p:txBody>
+              <a:bodyPr rtlCol="0" anchor="ctr"/>
+              <a:lstStyle/>
+              <a:p>
+                <a:pPr algn="ctr"/>
+                <a:endParaRPr lang="nl-BE"/>
+              </a:p>
+            </p:txBody>
+          </p:sp>
+          <p:sp>
+            <p:nvSpPr>
+              <p:cNvPr id="14" name="TextBox 13"/>
+              <p:cNvSpPr txBox="1"/>
+              <p:nvPr/>
+            </p:nvSpPr>
+            <p:spPr>
+              <a:xfrm>
+                <a:off x="5705422" y="2843644"/>
+                <a:ext cx="1495153" cy="369332"/>
+              </a:xfrm>
+              <a:prstGeom prst="rect">
+                <a:avLst/>
+              </a:prstGeom>
+              <a:solidFill>
+                <a:schemeClr val="bg1"/>
+              </a:solidFill>
+              <a:ln>
+                <a:solidFill>
+                  <a:srgbClr val="00B050"/>
+                </a:solidFill>
+              </a:ln>
+            </p:spPr>
+            <p:txBody>
+              <a:bodyPr wrap="none" rtlCol="0">
+                <a:spAutoFit/>
+              </a:bodyPr>
+              <a:lstStyle/>
+              <a:p>
+                <a:r>
+                  <a:rPr lang="en-US" dirty="0" smtClean="0">
+                    <a:solidFill>
+                      <a:srgbClr val="00B050"/>
+                    </a:solidFill>
+                  </a:rPr>
+                  <a:t>latitude range</a:t>
+                </a:r>
+                <a:endParaRPr lang="nl-BE" dirty="0">
+                  <a:solidFill>
+                    <a:srgbClr val="00B050"/>
+                  </a:solidFill>
+                </a:endParaRPr>
+              </a:p>
+            </p:txBody>
+          </p:sp>
+          <p:cxnSp>
+            <p:nvCxnSpPr>
+              <p:cNvPr id="15" name="Straight Arrow Connector 14"/>
+              <p:cNvCxnSpPr>
+                <a:stCxn id="14" idx="1"/>
+                <a:endCxn id="13" idx="3"/>
+              </p:cNvCxnSpPr>
+              <p:nvPr/>
+            </p:nvCxnSpPr>
+            <p:spPr>
+              <a:xfrm flipH="1">
+                <a:off x="4198374" y="3028310"/>
+                <a:ext cx="1507048" cy="328682"/>
+              </a:xfrm>
+              <a:prstGeom prst="straightConnector1">
+                <a:avLst/>
+              </a:prstGeom>
+              <a:ln w="19050">
+                <a:solidFill>
+                  <a:srgbClr val="00B050"/>
+                </a:solidFill>
+                <a:tailEnd type="stealth" w="lg" len="lg"/>
+              </a:ln>
+            </p:spPr>
+            <p:style>
+              <a:lnRef idx="1">
+                <a:schemeClr val="accent1"/>
+              </a:lnRef>
+              <a:fillRef idx="0">
+                <a:schemeClr val="accent1"/>
+              </a:fillRef>
+              <a:effectRef idx="0">
+                <a:schemeClr val="accent1"/>
+              </a:effectRef>
+              <a:fontRef idx="minor">
+                <a:schemeClr val="tx1"/>
+              </a:fontRef>
+            </p:style>
+          </p:cxnSp>
+        </p:grpSp>
+      </p:grpSp>
+      <p:sp>
+        <p:nvSpPr>
+          <p:cNvPr id="25" name="TextBox 24"/>
+          <p:cNvSpPr txBox="1"/>
+          <p:nvPr/>
+        </p:nvSpPr>
+        <p:spPr>
+          <a:xfrm>
+            <a:off x="2245218" y="2825583"/>
+            <a:ext cx="2438616" cy="400110"/>
+          </a:xfrm>
+          <a:prstGeom prst="rect">
+            <a:avLst/>
+          </a:prstGeom>
+          <a:noFill/>
+          <a:ln>
+            <a:solidFill>
+              <a:schemeClr val="tx1"/>
+            </a:solidFill>
+          </a:ln>
+        </p:spPr>
+        <p:txBody>
+          <a:bodyPr wrap="none" rtlCol="0">
+            <a:spAutoFit/>
+          </a:bodyPr>
+          <a:lstStyle/>
+          <a:p>
+            <a:r>
+              <a:rPr lang="en-US" sz="2000" dirty="0" smtClean="0"/>
+              <a:t>Based on intersection</a:t>
+            </a:r>
+            <a:endParaRPr lang="en-US" sz="2000" dirty="0"/>
+          </a:p>
+        </p:txBody>
+      </p:sp>
+    </p:spTree>
+    <p:extLst>
+      <p:ext uri="{BB962C8B-B14F-4D97-AF65-F5344CB8AC3E}">
+        <p14:creationId xmlns:p14="http://schemas.microsoft.com/office/powerpoint/2010/main" val="3960446057"/>
+      </p:ext>
+    </p:extLst>
+  </p:cSld>
+  <p:clrMapOvr>
+    <a:masterClrMapping/>
+  </p:clrMapOvr>
+  <p:timing>
+    <p:tnLst>
+      <p:par>
+        <p:cTn id="1" dur="indefinite" restart="never" nodeType="tmRoot">
+          <p:childTnLst>
+            <p:seq concurrent="1" nextAc="seek">
+              <p:cTn id="2" dur="indefinite" nodeType="mainSeq">
+                <p:childTnLst>
+                  <p:par>
+                    <p:cTn id="3" fill="hold">
+                      <p:stCondLst>
+                        <p:cond delay="indefinite"/>
+                        <p:cond evt="onBegin" delay="0">
+                          <p:tn val="2"/>
+                        </p:cond>
+                      </p:stCondLst>
+                      <p:childTnLst>
+                        <p:par>
+                          <p:cTn id="4" fill="hold">
+                            <p:stCondLst>
+                              <p:cond delay="0"/>
+                            </p:stCondLst>
+                            <p:childTnLst>
+                              <p:par>
+                                <p:cTn id="5" presetID="1" presetClass="entr" presetSubtype="0" fill="hold" grpId="0" nodeType="withEffect">
+                                  <p:stCondLst>
+                                    <p:cond delay="0"/>
+                                  </p:stCondLst>
+                                  <p:childTnLst>
+                                    <p:set>
+                                      <p:cBhvr>
+                                        <p:cTn id="6" dur="1" fill="hold">
+                                          <p:stCondLst>
+                                            <p:cond delay="0"/>
+                                          </p:stCondLst>
+                                        </p:cTn>
+                                        <p:tgtEl>
+                                          <p:spTgt spid="3">
+                                            <p:txEl>
+                                              <p:pRg st="0" end="0"/>
+                                            </p:txEl>
+                                          </p:spTgt>
+                                        </p:tgtEl>
+                                        <p:attrNameLst>
+                                          <p:attrName>style.visibility</p:attrName>
+                                        </p:attrNameLst>
+                                      </p:cBhvr>
+                                      <p:to>
+                                        <p:strVal val="visible"/>
+                                      </p:to>
+                                    </p:set>
+                                  </p:childTnLst>
+                                </p:cTn>
+                              </p:par>
+                              <p:par>
+                                <p:cTn id="7" presetID="1" presetClass="entr" presetSubtype="0" fill="hold" grpId="0" nodeType="withEffect">
+                                  <p:stCondLst>
+                                    <p:cond delay="0"/>
+                                  </p:stCondLst>
+                                  <p:childTnLst>
+                                    <p:set>
+                                      <p:cBhvr>
+                                        <p:cTn id="8" dur="1" fill="hold">
+                                          <p:stCondLst>
+                                            <p:cond delay="0"/>
+                                          </p:stCondLst>
+                                        </p:cTn>
+                                        <p:tgtEl>
+                                          <p:spTgt spid="5"/>
+                                        </p:tgtEl>
+                                        <p:attrNameLst>
+                                          <p:attrName>style.visibility</p:attrName>
+                                        </p:attrNameLst>
+                                      </p:cBhvr>
+                                      <p:to>
+                                        <p:strVal val="visible"/>
+                                      </p:to>
+                                    </p:set>
+                                  </p:childTnLst>
+                                </p:cTn>
+                              </p:par>
+                            </p:childTnLst>
+                          </p:cTn>
+                        </p:par>
+                      </p:childTnLst>
+                    </p:cTn>
+                  </p:par>
+                  <p:par>
+                    <p:cTn id="9" fill="hold">
+                      <p:stCondLst>
+                        <p:cond delay="indefinite"/>
+                      </p:stCondLst>
+                      <p:childTnLst>
+                        <p:par>
+                          <p:cTn id="10" fill="hold">
+                            <p:stCondLst>
+                              <p:cond delay="0"/>
+                            </p:stCondLst>
+                            <p:childTnLst>
+                              <p:par>
+                                <p:cTn id="11" presetID="1" presetClass="entr" presetSubtype="0" fill="hold" nodeType="clickEffect">
+                                  <p:stCondLst>
+                                    <p:cond delay="0"/>
+                                  </p:stCondLst>
+                                  <p:childTnLst>
+                                    <p:set>
+                                      <p:cBhvr>
+                                        <p:cTn id="12" dur="1" fill="hold">
+                                          <p:stCondLst>
+                                            <p:cond delay="0"/>
+                                          </p:stCondLst>
+                                        </p:cTn>
+                                        <p:tgtEl>
+                                          <p:spTgt spid="10"/>
+                                        </p:tgtEl>
+                                        <p:attrNameLst>
+                                          <p:attrName>style.visibility</p:attrName>
+                                        </p:attrNameLst>
+                                      </p:cBhvr>
+                                      <p:to>
+                                        <p:strVal val="visible"/>
+                                      </p:to>
+                                    </p:set>
+                                  </p:childTnLst>
+                                </p:cTn>
+                              </p:par>
+                            </p:childTnLst>
+                          </p:cTn>
+                        </p:par>
+                      </p:childTnLst>
+                    </p:cTn>
+                  </p:par>
+                  <p:par>
+                    <p:cTn id="13" fill="hold">
+                      <p:stCondLst>
+                        <p:cond delay="indefinite"/>
+                      </p:stCondLst>
+                      <p:childTnLst>
+                        <p:par>
+                          <p:cTn id="14" fill="hold">
+                            <p:stCondLst>
+                              <p:cond delay="0"/>
+                            </p:stCondLst>
+                            <p:childTnLst>
+                              <p:par>
+                                <p:cTn id="15" presetID="1" presetClass="entr" presetSubtype="0" fill="hold" grpId="0" nodeType="clickEffect">
+                                  <p:stCondLst>
+                                    <p:cond delay="0"/>
+                                  </p:stCondLst>
+                                  <p:childTnLst>
+                                    <p:set>
+                                      <p:cBhvr>
+                                        <p:cTn id="16" dur="1" fill="hold">
+                                          <p:stCondLst>
+                                            <p:cond delay="0"/>
+                                          </p:stCondLst>
+                                        </p:cTn>
+                                        <p:tgtEl>
+                                          <p:spTgt spid="25"/>
+                                        </p:tgtEl>
+                                        <p:attrNameLst>
+                                          <p:attrName>style.visibility</p:attrName>
+                                        </p:attrNameLst>
+                                      </p:cBhvr>
+                                      <p:to>
+                                        <p:strVal val="visible"/>
+                                      </p:to>
+                                    </p:set>
+                                  </p:childTnLst>
+                                </p:cTn>
+                              </p:par>
+                            </p:childTnLst>
+                          </p:cTn>
+                        </p:par>
+                      </p:childTnLst>
+                    </p:cTn>
+                  </p:par>
+                  <p:par>
+                    <p:cTn id="17" fill="hold">
+                      <p:stCondLst>
+                        <p:cond delay="indefinite"/>
+                      </p:stCondLst>
+                      <p:childTnLst>
+                        <p:par>
+                          <p:cTn id="18" fill="hold">
+                            <p:stCondLst>
+                              <p:cond delay="0"/>
+                            </p:stCondLst>
+                            <p:childTnLst>
+                              <p:par>
+                                <p:cTn id="19" presetID="1" presetClass="entr" presetSubtype="0" fill="hold" nodeType="clickEffect">
+                                  <p:stCondLst>
+                                    <p:cond delay="0"/>
+                                  </p:stCondLst>
+                                  <p:childTnLst>
+                                    <p:set>
+                                      <p:cBhvr>
+                                        <p:cTn id="20" dur="1" fill="hold">
+                                          <p:stCondLst>
+                                            <p:cond delay="0"/>
+                                          </p:stCondLst>
+                                        </p:cTn>
+                                        <p:tgtEl>
+                                          <p:spTgt spid="26"/>
+                                        </p:tgtEl>
+                                        <p:attrNameLst>
+                                          <p:attrName>style.visibility</p:attrName>
+                                        </p:attrNameLst>
+                                      </p:cBhvr>
+                                      <p:to>
+                                        <p:strVal val="visible"/>
+                                      </p:to>
+                                    </p:set>
+                                  </p:childTnLst>
+                                </p:cTn>
+                              </p:par>
+                            </p:childTnLst>
+                          </p:cTn>
+                        </p:par>
+                      </p:childTnLst>
+                    </p:cTn>
+                  </p:par>
+                  <p:par>
+                    <p:cTn id="21" fill="hold">
+                      <p:stCondLst>
+                        <p:cond delay="indefinite"/>
+                      </p:stCondLst>
+                      <p:childTnLst>
+                        <p:par>
+                          <p:cTn id="22" fill="hold">
+                            <p:stCondLst>
+                              <p:cond delay="0"/>
+                            </p:stCondLst>
+                            <p:childTnLst>
+                              <p:par>
+                                <p:cTn id="23" presetID="1" presetClass="entr" presetSubtype="0" fill="hold" grpId="0" nodeType="clickEffect">
+                                  <p:stCondLst>
+                                    <p:cond delay="0"/>
+                                  </p:stCondLst>
+                                  <p:childTnLst>
+                                    <p:set>
+                                      <p:cBhvr>
+                                        <p:cTn id="24" dur="1" fill="hold">
+                                          <p:stCondLst>
+                                            <p:cond delay="0"/>
+                                          </p:stCondLst>
+                                        </p:cTn>
+                                        <p:tgtEl>
+                                          <p:spTgt spid="3">
+                                            <p:txEl>
+                                              <p:pRg st="4" end="4"/>
+                                            </p:txEl>
+                                          </p:spTgt>
+                                        </p:tgtEl>
+                                        <p:attrNameLst>
+                                          <p:attrName>style.visibility</p:attrName>
+                                        </p:attrNameLst>
+                                      </p:cBhvr>
+                                      <p:to>
+                                        <p:strVal val="visible"/>
+                                      </p:to>
+                                    </p:set>
+                                  </p:childTnLst>
+                                </p:cTn>
+                              </p:par>
+                              <p:par>
+                                <p:cTn id="25" presetID="1" presetClass="entr" presetSubtype="0" fill="hold" nodeType="withEffect">
+                                  <p:stCondLst>
+                                    <p:cond delay="0"/>
+                                  </p:stCondLst>
+                                  <p:childTnLst>
+                                    <p:set>
+                                      <p:cBhvr>
+                                        <p:cTn id="26" dur="1" fill="hold">
+                                          <p:stCondLst>
+                                            <p:cond delay="0"/>
+                                          </p:stCondLst>
+                                        </p:cTn>
+                                        <p:tgtEl>
+                                          <p:spTgt spid="27"/>
+                                        </p:tgtEl>
+                                        <p:attrNameLst>
+                                          <p:attrName>style.visibility</p:attrName>
+                                        </p:attrNameLst>
+                                      </p:cBhvr>
+                                      <p:to>
+                                        <p:strVal val="visible"/>
+                                      </p:to>
+                                    </p:set>
+                                  </p:childTnLst>
+                                </p:cTn>
+                              </p:par>
+                            </p:childTnLst>
+                          </p:cTn>
+                        </p:par>
+                      </p:childTnLst>
+                    </p:cTn>
+                  </p:par>
+                </p:childTnLst>
+              </p:cTn>
+              <p:prevCondLst>
+                <p:cond evt="onPrev" delay="0">
+                  <p:tgtEl>
+                    <p:sldTgt/>
+                  </p:tgtEl>
+                </p:cond>
+              </p:prevCondLst>
+              <p:nextCondLst>
+                <p:cond evt="onNext" delay="0">
+                  <p:tgtEl>
+                    <p:sldTgt/>
+                  </p:tgtEl>
+                </p:cond>
+              </p:nextCondLst>
+            </p:seq>
+          </p:childTnLst>
+        </p:cTn>
+      </p:par>
+    </p:tnLst>
+    <p:bldLst>
+      <p:bldP spid="3" grpId="0" uiExpand="1" build="p"/>
+      <p:bldP spid="5" grpId="0" animBg="1"/>
+      <p:bldP spid="25" grpId="0" animBg="1"/>
+    </p:bldLst>
+  </p:timing>
+</p:sld>
+</file>
+
+<file path=ppt/slides/slide17.xml><?xml version="1.0" encoding="utf-8"?>
+<p:sld xmlns:a="http://schemas.openxmlformats.org/drawingml/2006/main" xmlns:r="http://schemas.openxmlformats.org/officeDocument/2006/relationships" xmlns:p="http://schemas.openxmlformats.org/presentationml/2006/main">
+  <p:cSld>
+    <p:spTree>
+      <p:nvGrpSpPr>
+        <p:cNvPr id="1" name=""/>
+        <p:cNvGrpSpPr/>
+        <p:nvPr/>
+      </p:nvGrpSpPr>
+      <p:grpSpPr>
+        <a:xfrm>
+          <a:off x="0" y="0"/>
+          <a:ext cx="0" cy="0"/>
+          <a:chOff x="0" y="0"/>
+          <a:chExt cx="0" cy="0"/>
+        </a:xfrm>
+      </p:grpSpPr>
+      <p:sp>
+        <p:nvSpPr>
+          <p:cNvPr id="2" name="Title 1"/>
+          <p:cNvSpPr>
+            <a:spLocks noGrp="1"/>
+          </p:cNvSpPr>
+          <p:nvPr>
+            <p:ph type="title"/>
+          </p:nvPr>
+        </p:nvSpPr>
+        <p:spPr/>
+        <p:txBody>
+          <a:bodyPr/>
+          <a:lstStyle/>
+          <a:p>
+            <a:r>
+              <a:rPr lang="en-US" dirty="0" err="1" smtClean="0"/>
+              <a:t>GeoPandas</a:t>
+            </a:r>
+            <a:r>
+              <a:rPr lang="en-US" dirty="0" smtClean="0"/>
+              <a:t> operations</a:t>
+            </a:r>
+            <a:endParaRPr lang="en-US" dirty="0"/>
+          </a:p>
+        </p:txBody>
+      </p:sp>
+      <p:sp>
+        <p:nvSpPr>
+          <p:cNvPr id="3" name="Content Placeholder 2"/>
+          <p:cNvSpPr>
+            <a:spLocks noGrp="1"/>
+          </p:cNvSpPr>
+          <p:nvPr>
+            <p:ph idx="1"/>
+          </p:nvPr>
+        </p:nvSpPr>
+        <p:spPr/>
+        <p:txBody>
+          <a:bodyPr>
+            <a:normAutofit lnSpcReduction="10000"/>
+          </a:bodyPr>
+          <a:lstStyle/>
+          <a:p>
+            <a:r>
+              <a:rPr lang="en-US" dirty="0" smtClean="0"/>
+              <a:t>Shapely operations, e.g., </a:t>
+            </a:r>
+            <a:r>
+              <a:rPr lang="en-US" dirty="0" smtClean="0">
+                <a:latin typeface="Courier New" panose="02070309020205020404" pitchFamily="49" charset="0"/>
+                <a:cs typeface="Courier New" panose="02070309020205020404" pitchFamily="49" charset="0"/>
+              </a:rPr>
+              <a:t>buffer(…)</a:t>
+            </a:r>
+            <a:r>
+              <a:rPr lang="en-US" dirty="0" smtClean="0"/>
+              <a:t>, </a:t>
+            </a:r>
+            <a:r>
+              <a:rPr lang="en-US" dirty="0" smtClean="0">
+                <a:latin typeface="Courier New" panose="02070309020205020404" pitchFamily="49" charset="0"/>
+                <a:cs typeface="Courier New" panose="02070309020205020404" pitchFamily="49" charset="0"/>
+              </a:rPr>
+              <a:t>boundary</a:t>
+            </a:r>
+            <a:r>
+              <a:rPr lang="en-US" dirty="0" smtClean="0"/>
+              <a:t>, </a:t>
+            </a:r>
+            <a:r>
+              <a:rPr lang="en-US" dirty="0" smtClean="0">
+                <a:latin typeface="Courier New" panose="02070309020205020404" pitchFamily="49" charset="0"/>
+                <a:cs typeface="Courier New" panose="02070309020205020404" pitchFamily="49" charset="0"/>
+              </a:rPr>
+              <a:t>rotate(…)</a:t>
+            </a:r>
+          </a:p>
+          <a:p>
+            <a:pPr lvl="1"/>
+            <a:r>
+              <a:rPr lang="en-US" dirty="0" err="1" smtClean="0">
+                <a:latin typeface="Courier New" panose="02070309020205020404" pitchFamily="49" charset="0"/>
+                <a:cs typeface="Courier New" panose="02070309020205020404" pitchFamily="49" charset="0"/>
+              </a:rPr>
+              <a:t>GeoSeries</a:t>
+            </a:r>
+            <a:r>
+              <a:rPr lang="en-US" dirty="0" smtClean="0">
+                <a:cs typeface="Courier New" panose="02070309020205020404" pitchFamily="49" charset="0"/>
+              </a:rPr>
+              <a:t>/</a:t>
+            </a:r>
+            <a:r>
+              <a:rPr lang="en-US" dirty="0" err="1" smtClean="0">
+                <a:latin typeface="Courier New" panose="02070309020205020404" pitchFamily="49" charset="0"/>
+                <a:cs typeface="Courier New" panose="02070309020205020404" pitchFamily="49" charset="0"/>
+              </a:rPr>
+              <a:t>GeoDataFrame</a:t>
+            </a:r>
+            <a:r>
+              <a:rPr lang="en-US" dirty="0" smtClean="0"/>
+              <a:t> </a:t>
+            </a:r>
+            <a:r>
+              <a:rPr lang="en-US" dirty="0" smtClean="0">
+                <a:sym typeface="Symbol" panose="05050102010706020507" pitchFamily="18" charset="2"/>
+              </a:rPr>
+              <a:t></a:t>
+            </a:r>
+            <a:r>
+              <a:rPr lang="en-US" dirty="0" smtClean="0"/>
+              <a:t> </a:t>
+            </a:r>
+            <a:r>
+              <a:rPr lang="en-US" dirty="0" err="1" smtClean="0">
+                <a:latin typeface="Courier New" panose="02070309020205020404" pitchFamily="49" charset="0"/>
+                <a:cs typeface="Courier New" panose="02070309020205020404" pitchFamily="49" charset="0"/>
+              </a:rPr>
+              <a:t>GeoSeries</a:t>
+            </a:r>
+            <a:endParaRPr lang="en-US" dirty="0" smtClean="0">
+              <a:latin typeface="Courier New" panose="02070309020205020404" pitchFamily="49" charset="0"/>
+              <a:cs typeface="Courier New" panose="02070309020205020404" pitchFamily="49" charset="0"/>
+            </a:endParaRPr>
+          </a:p>
+          <a:p>
+            <a:r>
+              <a:rPr lang="en-US" dirty="0" err="1" smtClean="0">
+                <a:latin typeface="Courier New" panose="02070309020205020404" pitchFamily="49" charset="0"/>
+                <a:cs typeface="Courier New" panose="02070309020205020404" pitchFamily="49" charset="0"/>
+              </a:rPr>
+              <a:t>unary_union</a:t>
+            </a:r>
+            <a:r>
+              <a:rPr lang="en-US" dirty="0" smtClean="0">
+                <a:cs typeface="Courier New" panose="02070309020205020404" pitchFamily="49" charset="0"/>
+              </a:rPr>
+              <a:t>:</a:t>
+            </a:r>
+            <a:br>
+              <a:rPr lang="en-US" dirty="0" smtClean="0">
+                <a:cs typeface="Courier New" panose="02070309020205020404" pitchFamily="49" charset="0"/>
+              </a:rPr>
+            </a:br>
+            <a:r>
+              <a:rPr lang="en-US" dirty="0" err="1" smtClean="0">
+                <a:latin typeface="Courier New" panose="02070309020205020404" pitchFamily="49" charset="0"/>
+                <a:cs typeface="Courier New" panose="02070309020205020404" pitchFamily="49" charset="0"/>
+              </a:rPr>
+              <a:t>GeoDataFrame</a:t>
+            </a:r>
+            <a:r>
+              <a:rPr lang="en-US" dirty="0" smtClean="0">
+                <a:latin typeface="Courier New" panose="02070309020205020404" pitchFamily="49" charset="0"/>
+                <a:cs typeface="Courier New" panose="02070309020205020404" pitchFamily="49" charset="0"/>
+              </a:rPr>
+              <a:t>/</a:t>
+            </a:r>
+            <a:r>
+              <a:rPr lang="en-US" dirty="0" err="1" smtClean="0">
+                <a:latin typeface="Courier New" panose="02070309020205020404" pitchFamily="49" charset="0"/>
+                <a:cs typeface="Courier New" panose="02070309020205020404" pitchFamily="49" charset="0"/>
+              </a:rPr>
+              <a:t>GeoSeries</a:t>
+            </a:r>
+            <a:r>
+              <a:rPr lang="en-US" dirty="0" smtClean="0"/>
+              <a:t> </a:t>
+            </a:r>
+            <a:r>
+              <a:rPr lang="en-US" dirty="0" smtClean="0">
+                <a:sym typeface="Symbol" panose="05050102010706020507" pitchFamily="18" charset="2"/>
+              </a:rPr>
+              <a:t> </a:t>
+            </a:r>
+            <a:r>
+              <a:rPr lang="en-US" dirty="0" smtClean="0">
+                <a:latin typeface="Courier New" panose="02070309020205020404" pitchFamily="49" charset="0"/>
+                <a:cs typeface="Courier New" panose="02070309020205020404" pitchFamily="49" charset="0"/>
+                <a:sym typeface="Symbol" panose="05050102010706020507" pitchFamily="18" charset="2"/>
+              </a:rPr>
+              <a:t>Polygon</a:t>
+            </a:r>
+            <a:r>
+              <a:rPr lang="en-US" dirty="0" smtClean="0">
+                <a:sym typeface="Symbol" panose="05050102010706020507" pitchFamily="18" charset="2"/>
+              </a:rPr>
+              <a:t>/</a:t>
+            </a:r>
+            <a:r>
+              <a:rPr lang="en-US" dirty="0" err="1" smtClean="0">
+                <a:latin typeface="Courier New" panose="02070309020205020404" pitchFamily="49" charset="0"/>
+                <a:cs typeface="Courier New" panose="02070309020205020404" pitchFamily="49" charset="0"/>
+                <a:sym typeface="Symbol" panose="05050102010706020507" pitchFamily="18" charset="2"/>
+              </a:rPr>
+              <a:t>MultiPolygon</a:t>
+            </a:r>
+            <a:endParaRPr lang="en-US" dirty="0" smtClean="0">
+              <a:latin typeface="Courier New" panose="02070309020205020404" pitchFamily="49" charset="0"/>
+              <a:cs typeface="Courier New" panose="02070309020205020404" pitchFamily="49" charset="0"/>
+            </a:endParaRPr>
+          </a:p>
+          <a:p>
+            <a:r>
+              <a:rPr lang="en-US" dirty="0" smtClean="0"/>
+              <a:t>Overlay operations: </a:t>
+            </a:r>
+            <a:r>
+              <a:rPr lang="en-US" dirty="0" smtClean="0">
+                <a:latin typeface="Courier New" panose="02070309020205020404" pitchFamily="49" charset="0"/>
+                <a:cs typeface="Courier New" panose="02070309020205020404" pitchFamily="49" charset="0"/>
+              </a:rPr>
+              <a:t>overlay(…)</a:t>
+            </a:r>
+          </a:p>
+          <a:p>
+            <a:pPr lvl="1"/>
+            <a:r>
+              <a:rPr lang="en-US" dirty="0" smtClean="0">
+                <a:latin typeface="Courier New" panose="02070309020205020404" pitchFamily="49" charset="0"/>
+                <a:cs typeface="Courier New" panose="02070309020205020404" pitchFamily="49" charset="0"/>
+              </a:rPr>
+              <a:t>union</a:t>
+            </a:r>
+            <a:r>
+              <a:rPr lang="en-US" dirty="0" smtClean="0"/>
+              <a:t>, </a:t>
+            </a:r>
+            <a:r>
+              <a:rPr lang="en-US" dirty="0" smtClean="0">
+                <a:latin typeface="Courier New" panose="02070309020205020404" pitchFamily="49" charset="0"/>
+                <a:cs typeface="Courier New" panose="02070309020205020404" pitchFamily="49" charset="0"/>
+              </a:rPr>
+              <a:t>intersection</a:t>
+            </a:r>
+            <a:r>
+              <a:rPr lang="en-US" dirty="0" smtClean="0"/>
+              <a:t>, </a:t>
+            </a:r>
+            <a:r>
+              <a:rPr lang="en-US" dirty="0" smtClean="0">
+                <a:latin typeface="Courier New" panose="02070309020205020404" pitchFamily="49" charset="0"/>
+                <a:cs typeface="Courier New" panose="02070309020205020404" pitchFamily="49" charset="0"/>
+              </a:rPr>
+              <a:t>difference</a:t>
+            </a:r>
+            <a:r>
+              <a:rPr lang="en-US" dirty="0" smtClean="0"/>
+              <a:t>, </a:t>
+            </a:r>
+            <a:r>
+              <a:rPr lang="en-US" dirty="0" err="1" smtClean="0">
+                <a:latin typeface="Courier New" panose="02070309020205020404" pitchFamily="49" charset="0"/>
+                <a:cs typeface="Courier New" panose="02070309020205020404" pitchFamily="49" charset="0"/>
+              </a:rPr>
+              <a:t>symmetric_difference</a:t>
+            </a:r>
+            <a:endParaRPr lang="en-US" dirty="0">
+              <a:latin typeface="Courier New" panose="02070309020205020404" pitchFamily="49" charset="0"/>
+              <a:cs typeface="Courier New" panose="02070309020205020404" pitchFamily="49" charset="0"/>
+            </a:endParaRPr>
+          </a:p>
+        </p:txBody>
+      </p:sp>
+      <p:sp>
+        <p:nvSpPr>
+          <p:cNvPr id="4" name="Slide Number Placeholder 3"/>
+          <p:cNvSpPr>
+            <a:spLocks noGrp="1"/>
+          </p:cNvSpPr>
+          <p:nvPr>
+            <p:ph type="sldNum" sz="quarter" idx="12"/>
+          </p:nvPr>
+        </p:nvSpPr>
+        <p:spPr/>
+        <p:txBody>
+          <a:bodyPr/>
+          <a:lstStyle/>
+          <a:p>
+            <a:fld id="{5A209D72-2E9D-49B0-8977-41DCCC66C0BB}" type="slidenum">
+              <a:rPr lang="nl-BE" smtClean="0">
+                <a:solidFill>
+                  <a:prstClr val="black">
+                    <a:tint val="75000"/>
+                  </a:prstClr>
+                </a:solidFill>
+              </a:rPr>
+              <a:pPr/>
+              <a:t>17</a:t>
+            </a:fld>
+            <a:endParaRPr lang="nl-BE">
+              <a:solidFill>
+                <a:prstClr val="black">
+                  <a:tint val="75000"/>
+                </a:prstClr>
+              </a:solidFill>
+            </a:endParaRPr>
+          </a:p>
+        </p:txBody>
+      </p:sp>
+      <p:sp>
+        <p:nvSpPr>
+          <p:cNvPr id="5" name="TextBox 4"/>
+          <p:cNvSpPr txBox="1"/>
+          <p:nvPr/>
+        </p:nvSpPr>
+        <p:spPr>
+          <a:xfrm>
+            <a:off x="215661" y="5817674"/>
+            <a:ext cx="8453887" cy="923330"/>
+          </a:xfrm>
+          <a:prstGeom prst="rect">
+            <a:avLst/>
+          </a:prstGeom>
+          <a:solidFill>
+            <a:schemeClr val="accent4">
+              <a:lumMod val="40000"/>
+              <a:lumOff val="60000"/>
+            </a:schemeClr>
+          </a:solidFill>
+        </p:spPr>
+        <p:txBody>
+          <a:bodyPr wrap="square" rtlCol="0">
+            <a:spAutoFit/>
+          </a:bodyPr>
+          <a:lstStyle/>
+          <a:p>
+            <a:r>
+              <a:rPr lang="en-US" dirty="0" err="1" smtClean="0">
+                <a:latin typeface="Courier New" pitchFamily="49" charset="0"/>
+                <a:cs typeface="Courier New" pitchFamily="49" charset="0"/>
+              </a:rPr>
+              <a:t>southern_europe</a:t>
+            </a:r>
+            <a:r>
+              <a:rPr lang="en-US" dirty="0" smtClean="0">
+                <a:latin typeface="Courier New" pitchFamily="49" charset="0"/>
+                <a:cs typeface="Courier New" pitchFamily="49" charset="0"/>
+              </a:rPr>
+              <a:t> = </a:t>
+            </a:r>
+            <a:r>
+              <a:rPr lang="en-US" dirty="0">
+                <a:latin typeface="Courier New" pitchFamily="49" charset="0"/>
+                <a:cs typeface="Courier New" pitchFamily="49" charset="0"/>
+              </a:rPr>
+              <a:t>gdf.cx[-10:20, 40:45]</a:t>
+            </a:r>
+            <a:endParaRPr lang="en-US" dirty="0" smtClean="0">
+              <a:latin typeface="Courier New" pitchFamily="49" charset="0"/>
+              <a:cs typeface="Courier New" pitchFamily="49" charset="0"/>
+            </a:endParaRPr>
+          </a:p>
+          <a:p>
+            <a:r>
+              <a:rPr lang="en-US" dirty="0" smtClean="0">
+                <a:latin typeface="Courier New" pitchFamily="49" charset="0"/>
+                <a:cs typeface="Courier New" pitchFamily="49" charset="0"/>
+              </a:rPr>
+              <a:t>intersection = </a:t>
+            </a:r>
+            <a:r>
+              <a:rPr lang="en-US" dirty="0" err="1" smtClean="0">
+                <a:latin typeface="Courier New" pitchFamily="49" charset="0"/>
+                <a:cs typeface="Courier New" pitchFamily="49" charset="0"/>
+              </a:rPr>
+              <a:t>gpd.overlay</a:t>
+            </a:r>
+            <a:r>
+              <a:rPr lang="en-US" dirty="0" smtClean="0">
+                <a:latin typeface="Courier New" pitchFamily="49" charset="0"/>
+                <a:cs typeface="Courier New" pitchFamily="49" charset="0"/>
+              </a:rPr>
+              <a:t>(</a:t>
+            </a:r>
+            <a:r>
+              <a:rPr lang="en-US" dirty="0" err="1" smtClean="0">
+                <a:latin typeface="Courier New" pitchFamily="49" charset="0"/>
+                <a:cs typeface="Courier New" pitchFamily="49" charset="0"/>
+              </a:rPr>
+              <a:t>western_europe</a:t>
+            </a:r>
+            <a:r>
+              <a:rPr lang="en-US" dirty="0" smtClean="0">
+                <a:latin typeface="Courier New" pitchFamily="49" charset="0"/>
+                <a:cs typeface="Courier New" pitchFamily="49" charset="0"/>
+              </a:rPr>
+              <a:t>, </a:t>
+            </a:r>
+            <a:r>
+              <a:rPr lang="en-US" dirty="0" err="1" smtClean="0">
+                <a:latin typeface="Courier New" pitchFamily="49" charset="0"/>
+                <a:cs typeface="Courier New" pitchFamily="49" charset="0"/>
+              </a:rPr>
+              <a:t>southern_europe</a:t>
+            </a:r>
+            <a:r>
+              <a:rPr lang="en-US" dirty="0" smtClean="0">
+                <a:latin typeface="Courier New" pitchFamily="49" charset="0"/>
+                <a:cs typeface="Courier New" pitchFamily="49" charset="0"/>
+              </a:rPr>
+              <a:t>, </a:t>
+            </a:r>
+            <a:br>
+              <a:rPr lang="en-US" dirty="0" smtClean="0">
+                <a:latin typeface="Courier New" pitchFamily="49" charset="0"/>
+                <a:cs typeface="Courier New" pitchFamily="49" charset="0"/>
+              </a:rPr>
+            </a:br>
+            <a:r>
+              <a:rPr lang="en-US" dirty="0" smtClean="0">
+                <a:latin typeface="Courier New" pitchFamily="49" charset="0"/>
+                <a:cs typeface="Courier New" pitchFamily="49" charset="0"/>
+              </a:rPr>
+              <a:t>                           how='intersection)</a:t>
+            </a:r>
+            <a:endParaRPr lang="en-US" dirty="0" smtClean="0">
+              <a:latin typeface="Courier New" pitchFamily="49" charset="0"/>
+              <a:cs typeface="Courier New" pitchFamily="49" charset="0"/>
+            </a:endParaRPr>
+          </a:p>
+        </p:txBody>
+      </p:sp>
+      <p:pic>
+        <p:nvPicPr>
+          <p:cNvPr id="6" name="Picture 5"/>
+          <p:cNvPicPr>
+            <a:picLocks noChangeAspect="1"/>
+          </p:cNvPicPr>
+          <p:nvPr/>
+        </p:nvPicPr>
+        <p:blipFill>
+          <a:blip r:embed="rId2" cstate="print">
+            <a:extLst>
+              <a:ext uri="{28A0092B-C50C-407E-A947-70E740481C1C}">
+                <a14:useLocalDpi xmlns:a14="http://schemas.microsoft.com/office/drawing/2010/main" val="0"/>
+              </a:ext>
+            </a:extLst>
+          </a:blip>
+          <a:stretch>
+            <a:fillRect/>
+          </a:stretch>
+        </p:blipFill>
+        <p:spPr>
+          <a:xfrm>
+            <a:off x="7615771" y="5132510"/>
+            <a:ext cx="1398833" cy="993653"/>
+          </a:xfrm>
+          <a:prstGeom prst="rect">
+            <a:avLst/>
+          </a:prstGeom>
+        </p:spPr>
+      </p:pic>
+    </p:spTree>
+    <p:extLst>
+      <p:ext uri="{BB962C8B-B14F-4D97-AF65-F5344CB8AC3E}">
+        <p14:creationId xmlns:p14="http://schemas.microsoft.com/office/powerpoint/2010/main" val="526409398"/>
+      </p:ext>
+    </p:extLst>
+  </p:cSld>
+  <p:clrMapOvr>
+    <a:masterClrMapping/>
+  </p:clrMapOvr>
+  <p:timing>
+    <p:tnLst>
+      <p:par>
+        <p:cTn id="1" dur="indefinite" restart="never" nodeType="tmRoot">
+          <p:childTnLst>
+            <p:seq concurrent="1" nextAc="seek">
+              <p:cTn id="2" dur="indefinite" nodeType="mainSeq">
+                <p:childTnLst>
+                  <p:par>
+                    <p:cTn id="3" fill="hold">
+                      <p:stCondLst>
+                        <p:cond delay="indefinite"/>
+                        <p:cond evt="onBegin" delay="0">
+                          <p:tn val="2"/>
+                        </p:cond>
+                      </p:stCondLst>
+                      <p:childTnLst>
+                        <p:par>
+                          <p:cTn id="4" fill="hold">
+                            <p:stCondLst>
+                              <p:cond delay="0"/>
+                            </p:stCondLst>
+                            <p:childTnLst>
+                              <p:par>
+                                <p:cTn id="5" presetID="1" presetClass="entr" presetSubtype="0" fill="hold" grpId="0" nodeType="withEffect">
+                                  <p:stCondLst>
+                                    <p:cond delay="0"/>
+                                  </p:stCondLst>
+                                  <p:childTnLst>
+                                    <p:set>
+                                      <p:cBhvr>
+                                        <p:cTn id="6" dur="1" fill="hold">
+                                          <p:stCondLst>
+                                            <p:cond delay="0"/>
+                                          </p:stCondLst>
+                                        </p:cTn>
+                                        <p:tgtEl>
+                                          <p:spTgt spid="3">
+                                            <p:txEl>
+                                              <p:pRg st="0" end="0"/>
+                                            </p:txEl>
+                                          </p:spTgt>
+                                        </p:tgtEl>
+                                        <p:attrNameLst>
+                                          <p:attrName>style.visibility</p:attrName>
+                                        </p:attrNameLst>
+                                      </p:cBhvr>
+                                      <p:to>
+                                        <p:strVal val="visible"/>
+                                      </p:to>
+                                    </p:set>
+                                  </p:childTnLst>
+                                </p:cTn>
+                              </p:par>
+                              <p:par>
+                                <p:cTn id="7" presetID="1" presetClass="entr" presetSubtype="0" fill="hold" grpId="0" nodeType="withEffect">
+                                  <p:stCondLst>
+                                    <p:cond delay="0"/>
+                                  </p:stCondLst>
+                                  <p:childTnLst>
+                                    <p:set>
+                                      <p:cBhvr>
+                                        <p:cTn id="8" dur="1" fill="hold">
+                                          <p:stCondLst>
+                                            <p:cond delay="0"/>
+                                          </p:stCondLst>
+                                        </p:cTn>
+                                        <p:tgtEl>
+                                          <p:spTgt spid="3">
+                                            <p:txEl>
+                                              <p:pRg st="1" end="1"/>
+                                            </p:txEl>
+                                          </p:spTgt>
+                                        </p:tgtEl>
+                                        <p:attrNameLst>
+                                          <p:attrName>style.visibility</p:attrName>
+                                        </p:attrNameLst>
+                                      </p:cBhvr>
+                                      <p:to>
+                                        <p:strVal val="visible"/>
+                                      </p:to>
+                                    </p:set>
+                                  </p:childTnLst>
+                                </p:cTn>
+                              </p:par>
+                            </p:childTnLst>
+                          </p:cTn>
+                        </p:par>
+                      </p:childTnLst>
+                    </p:cTn>
+                  </p:par>
+                  <p:par>
+                    <p:cTn id="9" fill="hold">
+                      <p:stCondLst>
+                        <p:cond delay="indefinite"/>
+                      </p:stCondLst>
+                      <p:childTnLst>
+                        <p:par>
+                          <p:cTn id="10" fill="hold">
+                            <p:stCondLst>
+                              <p:cond delay="0"/>
+                            </p:stCondLst>
+                            <p:childTnLst>
+                              <p:par>
+                                <p:cTn id="11" presetID="1" presetClass="entr" presetSubtype="0" fill="hold" grpId="0" nodeType="clickEffect">
+                                  <p:stCondLst>
+                                    <p:cond delay="0"/>
+                                  </p:stCondLst>
+                                  <p:childTnLst>
+                                    <p:set>
+                                      <p:cBhvr>
+                                        <p:cTn id="12" dur="1" fill="hold">
+                                          <p:stCondLst>
+                                            <p:cond delay="0"/>
+                                          </p:stCondLst>
+                                        </p:cTn>
+                                        <p:tgtEl>
+                                          <p:spTgt spid="3">
+                                            <p:txEl>
+                                              <p:pRg st="2" end="2"/>
+                                            </p:txEl>
+                                          </p:spTgt>
+                                        </p:tgtEl>
+                                        <p:attrNameLst>
+                                          <p:attrName>style.visibility</p:attrName>
+                                        </p:attrNameLst>
+                                      </p:cBhvr>
+                                      <p:to>
+                                        <p:strVal val="visible"/>
+                                      </p:to>
+                                    </p:set>
+                                  </p:childTnLst>
+                                </p:cTn>
+                              </p:par>
+                            </p:childTnLst>
+                          </p:cTn>
+                        </p:par>
+                      </p:childTnLst>
+                    </p:cTn>
+                  </p:par>
+                  <p:par>
+                    <p:cTn id="13" fill="hold">
+                      <p:stCondLst>
+                        <p:cond delay="indefinite"/>
+                      </p:stCondLst>
+                      <p:childTnLst>
+                        <p:par>
+                          <p:cTn id="14" fill="hold">
+                            <p:stCondLst>
+                              <p:cond delay="0"/>
+                            </p:stCondLst>
+                            <p:childTnLst>
+                              <p:par>
+                                <p:cTn id="15" presetID="1" presetClass="entr" presetSubtype="0" fill="hold" grpId="0" nodeType="clickEffect">
+                                  <p:stCondLst>
+                                    <p:cond delay="0"/>
+                                  </p:stCondLst>
+                                  <p:childTnLst>
+                                    <p:set>
+                                      <p:cBhvr>
+                                        <p:cTn id="16" dur="1" fill="hold">
+                                          <p:stCondLst>
+                                            <p:cond delay="0"/>
+                                          </p:stCondLst>
+                                        </p:cTn>
+                                        <p:tgtEl>
+                                          <p:spTgt spid="3">
+                                            <p:txEl>
+                                              <p:pRg st="3" end="3"/>
+                                            </p:txEl>
+                                          </p:spTgt>
+                                        </p:tgtEl>
+                                        <p:attrNameLst>
+                                          <p:attrName>style.visibility</p:attrName>
+                                        </p:attrNameLst>
+                                      </p:cBhvr>
+                                      <p:to>
+                                        <p:strVal val="visible"/>
+                                      </p:to>
+                                    </p:set>
+                                  </p:childTnLst>
+                                </p:cTn>
+                              </p:par>
+                              <p:par>
+                                <p:cTn id="17" presetID="1" presetClass="entr" presetSubtype="0" fill="hold" grpId="0" nodeType="withEffect">
+                                  <p:stCondLst>
+                                    <p:cond delay="0"/>
+                                  </p:stCondLst>
+                                  <p:childTnLst>
+                                    <p:set>
+                                      <p:cBhvr>
+                                        <p:cTn id="18" dur="1" fill="hold">
+                                          <p:stCondLst>
+                                            <p:cond delay="0"/>
+                                          </p:stCondLst>
+                                        </p:cTn>
+                                        <p:tgtEl>
+                                          <p:spTgt spid="3">
+                                            <p:txEl>
+                                              <p:pRg st="4" end="4"/>
+                                            </p:txEl>
+                                          </p:spTgt>
+                                        </p:tgtEl>
+                                        <p:attrNameLst>
+                                          <p:attrName>style.visibility</p:attrName>
+                                        </p:attrNameLst>
+                                      </p:cBhvr>
+                                      <p:to>
+                                        <p:strVal val="visible"/>
+                                      </p:to>
+                                    </p:set>
+                                  </p:childTnLst>
+                                </p:cTn>
+                              </p:par>
+                              <p:par>
+                                <p:cTn id="19" presetID="1" presetClass="entr" presetSubtype="0" fill="hold" grpId="0" nodeType="withEffect">
+                                  <p:stCondLst>
+                                    <p:cond delay="0"/>
+                                  </p:stCondLst>
+                                  <p:childTnLst>
+                                    <p:set>
+                                      <p:cBhvr>
+                                        <p:cTn id="20" dur="1" fill="hold">
+                                          <p:stCondLst>
+                                            <p:cond delay="0"/>
+                                          </p:stCondLst>
+                                        </p:cTn>
+                                        <p:tgtEl>
+                                          <p:spTgt spid="5"/>
+                                        </p:tgtEl>
+                                        <p:attrNameLst>
+                                          <p:attrName>style.visibility</p:attrName>
+                                        </p:attrNameLst>
+                                      </p:cBhvr>
+                                      <p:to>
+                                        <p:strVal val="visible"/>
+                                      </p:to>
+                                    </p:set>
+                                  </p:childTnLst>
+                                </p:cTn>
+                              </p:par>
+                            </p:childTnLst>
+                          </p:cTn>
+                        </p:par>
+                      </p:childTnLst>
+                    </p:cTn>
+                  </p:par>
+                  <p:par>
+                    <p:cTn id="21" fill="hold">
+                      <p:stCondLst>
+                        <p:cond delay="indefinite"/>
+                      </p:stCondLst>
+                      <p:childTnLst>
+                        <p:par>
+                          <p:cTn id="22" fill="hold">
+                            <p:stCondLst>
+                              <p:cond delay="0"/>
+                            </p:stCondLst>
+                            <p:childTnLst>
+                              <p:par>
+                                <p:cTn id="23" presetID="1" presetClass="entr" presetSubtype="0" fill="hold" nodeType="clickEffect">
+                                  <p:stCondLst>
+                                    <p:cond delay="0"/>
+                                  </p:stCondLst>
+                                  <p:childTnLst>
+                                    <p:set>
+                                      <p:cBhvr>
+                                        <p:cTn id="24" dur="1" fill="hold">
+                                          <p:stCondLst>
+                                            <p:cond delay="0"/>
+                                          </p:stCondLst>
+                                        </p:cTn>
+                                        <p:tgtEl>
+                                          <p:spTgt spid="6"/>
+                                        </p:tgtEl>
+                                        <p:attrNameLst>
+                                          <p:attrName>style.visibility</p:attrName>
+                                        </p:attrNameLst>
+                                      </p:cBhvr>
+                                      <p:to>
+                                        <p:strVal val="visible"/>
+                                      </p:to>
+                                    </p:set>
+                                  </p:childTnLst>
+                                </p:cTn>
+                              </p:par>
+                            </p:childTnLst>
+                          </p:cTn>
+                        </p:par>
+                      </p:childTnLst>
+                    </p:cTn>
+                  </p:par>
+                </p:childTnLst>
+              </p:cTn>
+              <p:prevCondLst>
+                <p:cond evt="onPrev" delay="0">
+                  <p:tgtEl>
+                    <p:sldTgt/>
+                  </p:tgtEl>
+                </p:cond>
+              </p:prevCondLst>
+              <p:nextCondLst>
+                <p:cond evt="onNext" delay="0">
+                  <p:tgtEl>
+                    <p:sldTgt/>
+                  </p:tgtEl>
+                </p:cond>
+              </p:nextCondLst>
+            </p:seq>
+          </p:childTnLst>
+        </p:cTn>
+      </p:par>
+    </p:tnLst>
+    <p:bldLst>
+      <p:bldP spid="3" grpId="0" uiExpand="1" build="p"/>
+      <p:bldP spid="5" grpId="0" animBg="1"/>
+    </p:bldLst>
+  </p:timing>
+</p:sld>
+</file>
+
+<file path=ppt/slides/slide18.xml><?xml version="1.0" encoding="utf-8"?>
+<p:sld xmlns:a="http://schemas.openxmlformats.org/drawingml/2006/main" xmlns:r="http://schemas.openxmlformats.org/officeDocument/2006/relationships" xmlns:p="http://schemas.openxmlformats.org/presentationml/2006/main">
+  <p:cSld>
+    <p:spTree>
+      <p:nvGrpSpPr>
+        <p:cNvPr id="1" name=""/>
+        <p:cNvGrpSpPr/>
+        <p:nvPr/>
+      </p:nvGrpSpPr>
+      <p:grpSpPr>
+        <a:xfrm>
+          <a:off x="0" y="0"/>
+          <a:ext cx="0" cy="0"/>
+          <a:chOff x="0" y="0"/>
+          <a:chExt cx="0" cy="0"/>
+        </a:xfrm>
+      </p:grpSpPr>
+      <p:sp>
+        <p:nvSpPr>
+          <p:cNvPr id="2" name="Title 1"/>
+          <p:cNvSpPr>
+            <a:spLocks noGrp="1"/>
+          </p:cNvSpPr>
+          <p:nvPr>
+            <p:ph type="title"/>
+          </p:nvPr>
+        </p:nvSpPr>
+        <p:spPr/>
+        <p:txBody>
+          <a:bodyPr/>
+          <a:lstStyle/>
+          <a:p>
+            <a:r>
+              <a:rPr lang="en-US" dirty="0" err="1" smtClean="0"/>
+              <a:t>GeoTIFF</a:t>
+            </a:r>
+            <a:endParaRPr lang="en-US" dirty="0"/>
+          </a:p>
+        </p:txBody>
+      </p:sp>
+      <p:sp>
+        <p:nvSpPr>
+          <p:cNvPr id="3" name="Content Placeholder 2"/>
+          <p:cNvSpPr>
+            <a:spLocks noGrp="1"/>
+          </p:cNvSpPr>
+          <p:nvPr>
+            <p:ph idx="1"/>
+          </p:nvPr>
+        </p:nvSpPr>
+        <p:spPr/>
+        <p:txBody>
+          <a:bodyPr/>
+          <a:lstStyle/>
+          <a:p>
+            <a:r>
+              <a:rPr lang="en-US" dirty="0" smtClean="0"/>
+              <a:t>Raster data, e.g., satellite imagery</a:t>
+            </a:r>
+          </a:p>
+          <a:p>
+            <a:pPr lvl="1"/>
+            <a:r>
+              <a:rPr lang="en-US" dirty="0" smtClean="0"/>
+              <a:t>TIFF image file</a:t>
+            </a:r>
+          </a:p>
+          <a:p>
+            <a:pPr lvl="2"/>
+            <a:r>
+              <a:rPr lang="en-US" dirty="0" smtClean="0"/>
+              <a:t>1 or more raster bands</a:t>
+            </a:r>
+          </a:p>
+          <a:p>
+            <a:pPr lvl="1"/>
+            <a:r>
+              <a:rPr lang="en-US" dirty="0" smtClean="0"/>
+              <a:t>meta-data in tags</a:t>
+            </a:r>
+          </a:p>
+          <a:p>
+            <a:pPr lvl="2"/>
+            <a:r>
+              <a:rPr lang="en-US" dirty="0" smtClean="0"/>
+              <a:t>coordinate reference system</a:t>
+            </a:r>
+          </a:p>
+          <a:p>
+            <a:pPr lvl="2"/>
+            <a:r>
+              <a:rPr lang="en-US" dirty="0" err="1" smtClean="0"/>
+              <a:t>geotransform</a:t>
+            </a:r>
+            <a:endParaRPr lang="en-US" dirty="0" smtClean="0"/>
+          </a:p>
+          <a:p>
+            <a:r>
+              <a:rPr lang="en-US" dirty="0" smtClean="0"/>
+              <a:t>I/O: GDAL library with Python wrapper</a:t>
+            </a:r>
+            <a:endParaRPr lang="en-US" dirty="0"/>
+          </a:p>
+        </p:txBody>
+      </p:sp>
+      <p:sp>
+        <p:nvSpPr>
+          <p:cNvPr id="4" name="Slide Number Placeholder 3"/>
+          <p:cNvSpPr>
+            <a:spLocks noGrp="1"/>
+          </p:cNvSpPr>
+          <p:nvPr>
+            <p:ph type="sldNum" sz="quarter" idx="12"/>
+          </p:nvPr>
+        </p:nvSpPr>
+        <p:spPr/>
+        <p:txBody>
+          <a:bodyPr/>
+          <a:lstStyle/>
+          <a:p>
+            <a:fld id="{5A209D72-2E9D-49B0-8977-41DCCC66C0BB}" type="slidenum">
+              <a:rPr lang="nl-BE" smtClean="0">
+                <a:solidFill>
+                  <a:prstClr val="black">
+                    <a:tint val="75000"/>
+                  </a:prstClr>
+                </a:solidFill>
+              </a:rPr>
+              <a:pPr/>
+              <a:t>18</a:t>
             </a:fld>
             <a:endParaRPr lang="nl-BE">
               <a:solidFill>
@@ -8684,7 +11356,7 @@
 </p:sld>
 </file>
 
-<file path=ppt/slides/slide16.xml><?xml version="1.0" encoding="utf-8"?>
+<file path=ppt/slides/slide19.xml><?xml version="1.0" encoding="utf-8"?>
 <p:sld xmlns:a="http://schemas.openxmlformats.org/drawingml/2006/main" xmlns:r="http://schemas.openxmlformats.org/officeDocument/2006/relationships" xmlns:p="http://schemas.openxmlformats.org/presentationml/2006/main">
   <p:cSld>
     <p:spTree>
@@ -8875,7 +11547,7 @@
                 </a:solidFill>
               </a:rPr>
               <a:pPr/>
-              <a:t>16</a:t>
+              <a:t>19</a:t>
             </a:fld>
             <a:endParaRPr lang="nl-BE">
               <a:solidFill>
@@ -8969,10 +11641,6 @@
               </a:rPr>
               <a:t>)</a:t>
             </a:r>
-            <a:endParaRPr lang="en-US" dirty="0" smtClean="0">
-              <a:latin typeface="Courier New" pitchFamily="49" charset="0"/>
-              <a:cs typeface="Courier New" pitchFamily="49" charset="0"/>
-            </a:endParaRPr>
           </a:p>
         </p:txBody>
       </p:sp>
@@ -9045,10 +11713,6 @@
               </a:rPr>
               <a:t>()</a:t>
             </a:r>
-            <a:endParaRPr lang="en-US" dirty="0" smtClean="0">
-              <a:latin typeface="Courier New" pitchFamily="49" charset="0"/>
-              <a:cs typeface="Courier New" pitchFamily="49" charset="0"/>
-            </a:endParaRPr>
           </a:p>
         </p:txBody>
       </p:sp>
@@ -9663,7 +12327,7 @@
 </p:sld>
 </file>
 
-<file path=ppt/slides/slide17.xml><?xml version="1.0" encoding="utf-8"?>
+<file path=ppt/slides/slide2.xml><?xml version="1.0" encoding="utf-8"?>
 <p:sld xmlns:a="http://schemas.openxmlformats.org/drawingml/2006/main" xmlns:r="http://schemas.openxmlformats.org/officeDocument/2006/relationships" xmlns:p="http://schemas.openxmlformats.org/presentationml/2006/main">
   <p:cSld>
     <p:spTree>
@@ -9697,6 +12361,662 @@
           <a:p>
             <a:r>
               <a:rPr lang="en-US" dirty="0" smtClean="0"/>
+              <a:t>Introduction</a:t>
+            </a:r>
+            <a:endParaRPr lang="en-US" dirty="0"/>
+          </a:p>
+        </p:txBody>
+      </p:sp>
+      <p:sp>
+        <p:nvSpPr>
+          <p:cNvPr id="3" name="Content Placeholder 2"/>
+          <p:cNvSpPr>
+            <a:spLocks noGrp="1"/>
+          </p:cNvSpPr>
+          <p:nvPr>
+            <p:ph idx="1"/>
+          </p:nvPr>
+        </p:nvSpPr>
+        <p:spPr/>
+        <p:txBody>
+          <a:bodyPr>
+            <a:normAutofit fontScale="92500" lnSpcReduction="20000"/>
+          </a:bodyPr>
+          <a:lstStyle/>
+          <a:p>
+            <a:r>
+              <a:rPr lang="en-US" dirty="0" smtClean="0"/>
+              <a:t>Graphical Information System (GIS), e.g.,</a:t>
+            </a:r>
+          </a:p>
+          <a:p>
+            <a:pPr lvl="1"/>
+            <a:r>
+              <a:rPr lang="en-US" dirty="0" smtClean="0"/>
+              <a:t>ArcGIS</a:t>
+            </a:r>
+          </a:p>
+          <a:p>
+            <a:pPr lvl="1"/>
+            <a:r>
+              <a:rPr lang="en-US" dirty="0" smtClean="0"/>
+              <a:t>QGIS</a:t>
+            </a:r>
+          </a:p>
+          <a:p>
+            <a:r>
+              <a:rPr lang="en-US" dirty="0" smtClean="0"/>
+              <a:t>Many data formats, e.g.,</a:t>
+            </a:r>
+          </a:p>
+          <a:p>
+            <a:pPr lvl="1"/>
+            <a:r>
+              <a:rPr lang="en-US" dirty="0" smtClean="0"/>
+              <a:t>shape files</a:t>
+            </a:r>
+          </a:p>
+          <a:p>
+            <a:pPr lvl="1"/>
+            <a:r>
+              <a:rPr lang="en-US" dirty="0" err="1" smtClean="0"/>
+              <a:t>GeoJSON</a:t>
+            </a:r>
+            <a:endParaRPr lang="en-US" dirty="0" smtClean="0"/>
+          </a:p>
+          <a:p>
+            <a:r>
+              <a:rPr lang="en-US" dirty="0" smtClean="0"/>
+              <a:t>Python &amp; GIS</a:t>
+            </a:r>
+          </a:p>
+          <a:p>
+            <a:pPr lvl="1"/>
+            <a:r>
+              <a:rPr lang="en-US" dirty="0" smtClean="0"/>
+              <a:t>I/O library: Fiona</a:t>
+            </a:r>
+          </a:p>
+          <a:p>
+            <a:pPr lvl="1"/>
+            <a:r>
+              <a:rPr lang="en-US" dirty="0" smtClean="0"/>
+              <a:t>visualization: Folium</a:t>
+            </a:r>
+          </a:p>
+          <a:p>
+            <a:pPr lvl="1"/>
+            <a:r>
+              <a:rPr lang="en-US" dirty="0" smtClean="0"/>
+              <a:t>data processing/modeling: Shapely</a:t>
+            </a:r>
+          </a:p>
+        </p:txBody>
+      </p:sp>
+      <p:sp>
+        <p:nvSpPr>
+          <p:cNvPr id="4" name="Slide Number Placeholder 3"/>
+          <p:cNvSpPr>
+            <a:spLocks noGrp="1"/>
+          </p:cNvSpPr>
+          <p:nvPr>
+            <p:ph type="sldNum" sz="quarter" idx="12"/>
+          </p:nvPr>
+        </p:nvSpPr>
+        <p:spPr/>
+        <p:txBody>
+          <a:bodyPr/>
+          <a:lstStyle/>
+          <a:p>
+            <a:fld id="{5A209D72-2E9D-49B0-8977-41DCCC66C0BB}" type="slidenum">
+              <a:rPr lang="nl-BE" smtClean="0">
+                <a:solidFill>
+                  <a:prstClr val="black">
+                    <a:tint val="75000"/>
+                  </a:prstClr>
+                </a:solidFill>
+              </a:rPr>
+              <a:pPr/>
+              <a:t>2</a:t>
+            </a:fld>
+            <a:endParaRPr lang="nl-BE">
+              <a:solidFill>
+                <a:prstClr val="black">
+                  <a:tint val="75000"/>
+                </a:prstClr>
+              </a:solidFill>
+            </a:endParaRPr>
+          </a:p>
+        </p:txBody>
+      </p:sp>
+      <p:sp>
+        <p:nvSpPr>
+          <p:cNvPr id="5" name="TextBox 4"/>
+          <p:cNvSpPr txBox="1"/>
+          <p:nvPr/>
+        </p:nvSpPr>
+        <p:spPr>
+          <a:xfrm>
+            <a:off x="3042606" y="2160573"/>
+            <a:ext cx="3697038" cy="461665"/>
+          </a:xfrm>
+          <a:prstGeom prst="rect">
+            <a:avLst/>
+          </a:prstGeom>
+          <a:noFill/>
+          <a:ln>
+            <a:solidFill>
+              <a:schemeClr val="tx1"/>
+            </a:solidFill>
+          </a:ln>
+        </p:spPr>
+        <p:txBody>
+          <a:bodyPr wrap="none" rtlCol="0">
+            <a:spAutoFit/>
+          </a:bodyPr>
+          <a:lstStyle/>
+          <a:p>
+            <a:r>
+              <a:rPr lang="en-US" sz="2400" dirty="0" smtClean="0"/>
+              <a:t>Can be scripted with Python</a:t>
+            </a:r>
+            <a:endParaRPr lang="en-US" sz="2400" dirty="0"/>
+          </a:p>
+        </p:txBody>
+      </p:sp>
+    </p:spTree>
+    <p:extLst>
+      <p:ext uri="{BB962C8B-B14F-4D97-AF65-F5344CB8AC3E}">
+        <p14:creationId xmlns:p14="http://schemas.microsoft.com/office/powerpoint/2010/main" val="2682687549"/>
+      </p:ext>
+    </p:extLst>
+  </p:cSld>
+  <p:clrMapOvr>
+    <a:masterClrMapping/>
+  </p:clrMapOvr>
+  <p:timing>
+    <p:tnLst>
+      <p:par>
+        <p:cTn id="1" dur="indefinite" restart="never" nodeType="tmRoot">
+          <p:childTnLst>
+            <p:seq concurrent="1" nextAc="seek">
+              <p:cTn id="2" dur="indefinite" nodeType="mainSeq">
+                <p:childTnLst>
+                  <p:par>
+                    <p:cTn id="3" fill="hold">
+                      <p:stCondLst>
+                        <p:cond delay="indefinite"/>
+                        <p:cond evt="onBegin" delay="0">
+                          <p:tn val="2"/>
+                        </p:cond>
+                      </p:stCondLst>
+                      <p:childTnLst>
+                        <p:par>
+                          <p:cTn id="4" fill="hold">
+                            <p:stCondLst>
+                              <p:cond delay="0"/>
+                            </p:stCondLst>
+                            <p:childTnLst>
+                              <p:par>
+                                <p:cTn id="5" presetID="1" presetClass="entr" presetSubtype="0" fill="hold" grpId="0" nodeType="withEffect">
+                                  <p:stCondLst>
+                                    <p:cond delay="0"/>
+                                  </p:stCondLst>
+                                  <p:childTnLst>
+                                    <p:set>
+                                      <p:cBhvr>
+                                        <p:cTn id="6" dur="1" fill="hold">
+                                          <p:stCondLst>
+                                            <p:cond delay="0"/>
+                                          </p:stCondLst>
+                                        </p:cTn>
+                                        <p:tgtEl>
+                                          <p:spTgt spid="3">
+                                            <p:txEl>
+                                              <p:pRg st="0" end="0"/>
+                                            </p:txEl>
+                                          </p:spTgt>
+                                        </p:tgtEl>
+                                        <p:attrNameLst>
+                                          <p:attrName>style.visibility</p:attrName>
+                                        </p:attrNameLst>
+                                      </p:cBhvr>
+                                      <p:to>
+                                        <p:strVal val="visible"/>
+                                      </p:to>
+                                    </p:set>
+                                  </p:childTnLst>
+                                </p:cTn>
+                              </p:par>
+                              <p:par>
+                                <p:cTn id="7" presetID="1" presetClass="entr" presetSubtype="0" fill="hold" grpId="0" nodeType="withEffect">
+                                  <p:stCondLst>
+                                    <p:cond delay="0"/>
+                                  </p:stCondLst>
+                                  <p:childTnLst>
+                                    <p:set>
+                                      <p:cBhvr>
+                                        <p:cTn id="8" dur="1" fill="hold">
+                                          <p:stCondLst>
+                                            <p:cond delay="0"/>
+                                          </p:stCondLst>
+                                        </p:cTn>
+                                        <p:tgtEl>
+                                          <p:spTgt spid="3">
+                                            <p:txEl>
+                                              <p:pRg st="1" end="1"/>
+                                            </p:txEl>
+                                          </p:spTgt>
+                                        </p:tgtEl>
+                                        <p:attrNameLst>
+                                          <p:attrName>style.visibility</p:attrName>
+                                        </p:attrNameLst>
+                                      </p:cBhvr>
+                                      <p:to>
+                                        <p:strVal val="visible"/>
+                                      </p:to>
+                                    </p:set>
+                                  </p:childTnLst>
+                                </p:cTn>
+                              </p:par>
+                              <p:par>
+                                <p:cTn id="9" presetID="1" presetClass="entr" presetSubtype="0" fill="hold" grpId="0" nodeType="withEffect">
+                                  <p:stCondLst>
+                                    <p:cond delay="0"/>
+                                  </p:stCondLst>
+                                  <p:childTnLst>
+                                    <p:set>
+                                      <p:cBhvr>
+                                        <p:cTn id="10" dur="1" fill="hold">
+                                          <p:stCondLst>
+                                            <p:cond delay="0"/>
+                                          </p:stCondLst>
+                                        </p:cTn>
+                                        <p:tgtEl>
+                                          <p:spTgt spid="3">
+                                            <p:txEl>
+                                              <p:pRg st="2" end="2"/>
+                                            </p:txEl>
+                                          </p:spTgt>
+                                        </p:tgtEl>
+                                        <p:attrNameLst>
+                                          <p:attrName>style.visibility</p:attrName>
+                                        </p:attrNameLst>
+                                      </p:cBhvr>
+                                      <p:to>
+                                        <p:strVal val="visible"/>
+                                      </p:to>
+                                    </p:set>
+                                  </p:childTnLst>
+                                </p:cTn>
+                              </p:par>
+                            </p:childTnLst>
+                          </p:cTn>
+                        </p:par>
+                      </p:childTnLst>
+                    </p:cTn>
+                  </p:par>
+                  <p:par>
+                    <p:cTn id="11" fill="hold">
+                      <p:stCondLst>
+                        <p:cond delay="indefinite"/>
+                      </p:stCondLst>
+                      <p:childTnLst>
+                        <p:par>
+                          <p:cTn id="12" fill="hold">
+                            <p:stCondLst>
+                              <p:cond delay="0"/>
+                            </p:stCondLst>
+                            <p:childTnLst>
+                              <p:par>
+                                <p:cTn id="13" presetID="1" presetClass="entr" presetSubtype="0" fill="hold" grpId="0" nodeType="clickEffect">
+                                  <p:stCondLst>
+                                    <p:cond delay="0"/>
+                                  </p:stCondLst>
+                                  <p:childTnLst>
+                                    <p:set>
+                                      <p:cBhvr>
+                                        <p:cTn id="14" dur="1" fill="hold">
+                                          <p:stCondLst>
+                                            <p:cond delay="0"/>
+                                          </p:stCondLst>
+                                        </p:cTn>
+                                        <p:tgtEl>
+                                          <p:spTgt spid="5"/>
+                                        </p:tgtEl>
+                                        <p:attrNameLst>
+                                          <p:attrName>style.visibility</p:attrName>
+                                        </p:attrNameLst>
+                                      </p:cBhvr>
+                                      <p:to>
+                                        <p:strVal val="visible"/>
+                                      </p:to>
+                                    </p:set>
+                                  </p:childTnLst>
+                                </p:cTn>
+                              </p:par>
+                            </p:childTnLst>
+                          </p:cTn>
+                        </p:par>
+                      </p:childTnLst>
+                    </p:cTn>
+                  </p:par>
+                  <p:par>
+                    <p:cTn id="15" fill="hold">
+                      <p:stCondLst>
+                        <p:cond delay="indefinite"/>
+                      </p:stCondLst>
+                      <p:childTnLst>
+                        <p:par>
+                          <p:cTn id="16" fill="hold">
+                            <p:stCondLst>
+                              <p:cond delay="0"/>
+                            </p:stCondLst>
+                            <p:childTnLst>
+                              <p:par>
+                                <p:cTn id="17" presetID="1" presetClass="entr" presetSubtype="0" fill="hold" grpId="0" nodeType="clickEffect">
+                                  <p:stCondLst>
+                                    <p:cond delay="0"/>
+                                  </p:stCondLst>
+                                  <p:childTnLst>
+                                    <p:set>
+                                      <p:cBhvr>
+                                        <p:cTn id="18" dur="1" fill="hold">
+                                          <p:stCondLst>
+                                            <p:cond delay="0"/>
+                                          </p:stCondLst>
+                                        </p:cTn>
+                                        <p:tgtEl>
+                                          <p:spTgt spid="3">
+                                            <p:txEl>
+                                              <p:pRg st="3" end="3"/>
+                                            </p:txEl>
+                                          </p:spTgt>
+                                        </p:tgtEl>
+                                        <p:attrNameLst>
+                                          <p:attrName>style.visibility</p:attrName>
+                                        </p:attrNameLst>
+                                      </p:cBhvr>
+                                      <p:to>
+                                        <p:strVal val="visible"/>
+                                      </p:to>
+                                    </p:set>
+                                  </p:childTnLst>
+                                </p:cTn>
+                              </p:par>
+                              <p:par>
+                                <p:cTn id="19" presetID="1" presetClass="entr" presetSubtype="0" fill="hold" grpId="0" nodeType="withEffect">
+                                  <p:stCondLst>
+                                    <p:cond delay="0"/>
+                                  </p:stCondLst>
+                                  <p:childTnLst>
+                                    <p:set>
+                                      <p:cBhvr>
+                                        <p:cTn id="20" dur="1" fill="hold">
+                                          <p:stCondLst>
+                                            <p:cond delay="0"/>
+                                          </p:stCondLst>
+                                        </p:cTn>
+                                        <p:tgtEl>
+                                          <p:spTgt spid="3">
+                                            <p:txEl>
+                                              <p:pRg st="4" end="4"/>
+                                            </p:txEl>
+                                          </p:spTgt>
+                                        </p:tgtEl>
+                                        <p:attrNameLst>
+                                          <p:attrName>style.visibility</p:attrName>
+                                        </p:attrNameLst>
+                                      </p:cBhvr>
+                                      <p:to>
+                                        <p:strVal val="visible"/>
+                                      </p:to>
+                                    </p:set>
+                                  </p:childTnLst>
+                                </p:cTn>
+                              </p:par>
+                              <p:par>
+                                <p:cTn id="21" presetID="1" presetClass="entr" presetSubtype="0" fill="hold" grpId="0" nodeType="withEffect">
+                                  <p:stCondLst>
+                                    <p:cond delay="0"/>
+                                  </p:stCondLst>
+                                  <p:childTnLst>
+                                    <p:set>
+                                      <p:cBhvr>
+                                        <p:cTn id="22" dur="1" fill="hold">
+                                          <p:stCondLst>
+                                            <p:cond delay="0"/>
+                                          </p:stCondLst>
+                                        </p:cTn>
+                                        <p:tgtEl>
+                                          <p:spTgt spid="3">
+                                            <p:txEl>
+                                              <p:pRg st="5" end="5"/>
+                                            </p:txEl>
+                                          </p:spTgt>
+                                        </p:tgtEl>
+                                        <p:attrNameLst>
+                                          <p:attrName>style.visibility</p:attrName>
+                                        </p:attrNameLst>
+                                      </p:cBhvr>
+                                      <p:to>
+                                        <p:strVal val="visible"/>
+                                      </p:to>
+                                    </p:set>
+                                  </p:childTnLst>
+                                </p:cTn>
+                              </p:par>
+                            </p:childTnLst>
+                          </p:cTn>
+                        </p:par>
+                      </p:childTnLst>
+                    </p:cTn>
+                  </p:par>
+                  <p:par>
+                    <p:cTn id="23" fill="hold">
+                      <p:stCondLst>
+                        <p:cond delay="indefinite"/>
+                      </p:stCondLst>
+                      <p:childTnLst>
+                        <p:par>
+                          <p:cTn id="24" fill="hold">
+                            <p:stCondLst>
+                              <p:cond delay="0"/>
+                            </p:stCondLst>
+                            <p:childTnLst>
+                              <p:par>
+                                <p:cTn id="25" presetID="1" presetClass="entr" presetSubtype="0" fill="hold" grpId="0" nodeType="clickEffect">
+                                  <p:stCondLst>
+                                    <p:cond delay="0"/>
+                                  </p:stCondLst>
+                                  <p:childTnLst>
+                                    <p:set>
+                                      <p:cBhvr>
+                                        <p:cTn id="26" dur="1" fill="hold">
+                                          <p:stCondLst>
+                                            <p:cond delay="0"/>
+                                          </p:stCondLst>
+                                        </p:cTn>
+                                        <p:tgtEl>
+                                          <p:spTgt spid="3">
+                                            <p:txEl>
+                                              <p:pRg st="6" end="6"/>
+                                            </p:txEl>
+                                          </p:spTgt>
+                                        </p:tgtEl>
+                                        <p:attrNameLst>
+                                          <p:attrName>style.visibility</p:attrName>
+                                        </p:attrNameLst>
+                                      </p:cBhvr>
+                                      <p:to>
+                                        <p:strVal val="visible"/>
+                                      </p:to>
+                                    </p:set>
+                                  </p:childTnLst>
+                                </p:cTn>
+                              </p:par>
+                              <p:par>
+                                <p:cTn id="27" presetID="1" presetClass="entr" presetSubtype="0" fill="hold" grpId="0" nodeType="withEffect">
+                                  <p:stCondLst>
+                                    <p:cond delay="0"/>
+                                  </p:stCondLst>
+                                  <p:childTnLst>
+                                    <p:set>
+                                      <p:cBhvr>
+                                        <p:cTn id="28" dur="1" fill="hold">
+                                          <p:stCondLst>
+                                            <p:cond delay="0"/>
+                                          </p:stCondLst>
+                                        </p:cTn>
+                                        <p:tgtEl>
+                                          <p:spTgt spid="3">
+                                            <p:txEl>
+                                              <p:pRg st="7" end="7"/>
+                                            </p:txEl>
+                                          </p:spTgt>
+                                        </p:tgtEl>
+                                        <p:attrNameLst>
+                                          <p:attrName>style.visibility</p:attrName>
+                                        </p:attrNameLst>
+                                      </p:cBhvr>
+                                      <p:to>
+                                        <p:strVal val="visible"/>
+                                      </p:to>
+                                    </p:set>
+                                  </p:childTnLst>
+                                </p:cTn>
+                              </p:par>
+                              <p:par>
+                                <p:cTn id="29" presetID="1" presetClass="entr" presetSubtype="0" fill="hold" grpId="0" nodeType="withEffect">
+                                  <p:stCondLst>
+                                    <p:cond delay="0"/>
+                                  </p:stCondLst>
+                                  <p:childTnLst>
+                                    <p:set>
+                                      <p:cBhvr>
+                                        <p:cTn id="30" dur="1" fill="hold">
+                                          <p:stCondLst>
+                                            <p:cond delay="0"/>
+                                          </p:stCondLst>
+                                        </p:cTn>
+                                        <p:tgtEl>
+                                          <p:spTgt spid="3">
+                                            <p:txEl>
+                                              <p:pRg st="8" end="8"/>
+                                            </p:txEl>
+                                          </p:spTgt>
+                                        </p:tgtEl>
+                                        <p:attrNameLst>
+                                          <p:attrName>style.visibility</p:attrName>
+                                        </p:attrNameLst>
+                                      </p:cBhvr>
+                                      <p:to>
+                                        <p:strVal val="visible"/>
+                                      </p:to>
+                                    </p:set>
+                                  </p:childTnLst>
+                                </p:cTn>
+                              </p:par>
+                              <p:par>
+                                <p:cTn id="31" presetID="1" presetClass="entr" presetSubtype="0" fill="hold" grpId="0" nodeType="withEffect">
+                                  <p:stCondLst>
+                                    <p:cond delay="0"/>
+                                  </p:stCondLst>
+                                  <p:childTnLst>
+                                    <p:set>
+                                      <p:cBhvr>
+                                        <p:cTn id="32" dur="1" fill="hold">
+                                          <p:stCondLst>
+                                            <p:cond delay="0"/>
+                                          </p:stCondLst>
+                                        </p:cTn>
+                                        <p:tgtEl>
+                                          <p:spTgt spid="3">
+                                            <p:txEl>
+                                              <p:pRg st="9" end="9"/>
+                                            </p:txEl>
+                                          </p:spTgt>
+                                        </p:tgtEl>
+                                        <p:attrNameLst>
+                                          <p:attrName>style.visibility</p:attrName>
+                                        </p:attrNameLst>
+                                      </p:cBhvr>
+                                      <p:to>
+                                        <p:strVal val="visible"/>
+                                      </p:to>
+                                    </p:set>
+                                  </p:childTnLst>
+                                </p:cTn>
+                              </p:par>
+                            </p:childTnLst>
+                          </p:cTn>
+                        </p:par>
+                      </p:childTnLst>
+                    </p:cTn>
+                  </p:par>
+                </p:childTnLst>
+              </p:cTn>
+              <p:prevCondLst>
+                <p:cond evt="onPrev" delay="0">
+                  <p:tgtEl>
+                    <p:sldTgt/>
+                  </p:tgtEl>
+                </p:cond>
+              </p:prevCondLst>
+              <p:nextCondLst>
+                <p:cond evt="onNext" delay="0">
+                  <p:tgtEl>
+                    <p:sldTgt/>
+                  </p:tgtEl>
+                </p:cond>
+              </p:nextCondLst>
+            </p:seq>
+          </p:childTnLst>
+        </p:cTn>
+      </p:par>
+    </p:tnLst>
+    <p:bldLst>
+      <p:bldP spid="3" grpId="0" uiExpand="1" build="p"/>
+      <p:bldP spid="5" grpId="0" animBg="1"/>
+    </p:bldLst>
+  </p:timing>
+</p:sld>
+</file>
+
+<file path=ppt/slides/slide20.xml><?xml version="1.0" encoding="utf-8"?>
+<p:sld xmlns:a="http://schemas.openxmlformats.org/drawingml/2006/main" xmlns:r="http://schemas.openxmlformats.org/officeDocument/2006/relationships" xmlns:p="http://schemas.openxmlformats.org/presentationml/2006/main">
+  <p:cSld>
+    <p:spTree>
+      <p:nvGrpSpPr>
+        <p:cNvPr id="1" name=""/>
+        <p:cNvGrpSpPr/>
+        <p:nvPr/>
+      </p:nvGrpSpPr>
+      <p:grpSpPr>
+        <a:xfrm>
+          <a:off x="0" y="0"/>
+          <a:ext cx="0" cy="0"/>
+          <a:chOff x="0" y="0"/>
+          <a:chExt cx="0" cy="0"/>
+        </a:xfrm>
+      </p:grpSpPr>
+      <p:sp>
+        <p:nvSpPr>
+          <p:cNvPr id="2" name="Title 1"/>
+          <p:cNvSpPr>
+            <a:spLocks noGrp="1"/>
+          </p:cNvSpPr>
+          <p:nvPr>
+            <p:ph type="title"/>
+          </p:nvPr>
+        </p:nvSpPr>
+        <p:spPr/>
+        <p:txBody>
+          <a:bodyPr/>
+          <a:lstStyle/>
+          <a:p>
+            <a:r>
+              <a:rPr lang="en-US" dirty="0" smtClean="0"/>
               <a:t>Writing </a:t>
             </a:r>
             <a:r>
@@ -9794,7 +13114,7 @@
                 </a:solidFill>
               </a:rPr>
               <a:pPr/>
-              <a:t>17</a:t>
+              <a:t>20</a:t>
             </a:fld>
             <a:endParaRPr lang="nl-BE">
               <a:solidFill>
@@ -9972,10 +13292,6 @@
               </a:rPr>
               <a:t>)</a:t>
             </a:r>
-            <a:endParaRPr lang="en-US" dirty="0" smtClean="0">
-              <a:latin typeface="Courier New" pitchFamily="49" charset="0"/>
-              <a:cs typeface="Courier New" pitchFamily="49" charset="0"/>
-            </a:endParaRPr>
           </a:p>
         </p:txBody>
       </p:sp>
@@ -10217,10 +13533,6 @@
               </a:rPr>
               <a:t>())</a:t>
             </a:r>
-            <a:endParaRPr lang="en-US" dirty="0" smtClean="0">
-              <a:latin typeface="Courier New" pitchFamily="49" charset="0"/>
-              <a:cs typeface="Courier New" pitchFamily="49" charset="0"/>
-            </a:endParaRPr>
           </a:p>
         </p:txBody>
       </p:sp>
@@ -10986,7 +14298,7 @@
 </p:sld>
 </file>
 
-<file path=ppt/slides/slide18.xml><?xml version="1.0" encoding="utf-8"?>
+<file path=ppt/slides/slide21.xml><?xml version="1.0" encoding="utf-8"?>
 <p:sld xmlns:a="http://schemas.openxmlformats.org/drawingml/2006/main" xmlns:r="http://schemas.openxmlformats.org/officeDocument/2006/relationships" xmlns:p="http://schemas.openxmlformats.org/presentationml/2006/main">
   <p:cSld>
     <p:spTree>
@@ -11019,8 +14331,12 @@
           <a:lstStyle/>
           <a:p>
             <a:r>
+              <a:rPr lang="en-US" dirty="0" err="1" smtClean="0"/>
+              <a:t>GeoTIFF</a:t>
+            </a:r>
+            <a:r>
               <a:rPr lang="en-US" dirty="0" smtClean="0"/>
-              <a:t>Further reading</a:t>
+              <a:t> geo-transformation</a:t>
             </a:r>
             <a:endParaRPr lang="en-US" dirty="0"/>
           </a:p>
@@ -11038,177 +14354,24 @@
         </p:nvSpPr>
         <p:spPr/>
         <p:txBody>
-          <a:bodyPr>
-            <a:normAutofit fontScale="92500" lnSpcReduction="20000"/>
-          </a:bodyPr>
+          <a:bodyPr/>
           <a:lstStyle/>
           <a:p>
             <a:r>
               <a:rPr lang="en-US" dirty="0" smtClean="0"/>
-              <a:t>GIS &amp; </a:t>
-            </a:r>
-            <a:r>
-              <a:rPr lang="en-US" dirty="0"/>
-              <a:t>Python introduction</a:t>
-            </a:r>
-            <a:br>
-              <a:rPr lang="en-US" dirty="0"/>
-            </a:br>
-            <a:r>
-              <a:rPr lang="en-US" sz="2000" dirty="0">
-                <a:hlinkClick r:id="rId2"/>
-              </a:rPr>
-              <a:t>https://</a:t>
-            </a:r>
-            <a:r>
-              <a:rPr lang="en-US" sz="2000" dirty="0" smtClean="0">
-                <a:hlinkClick r:id="rId2"/>
-              </a:rPr>
-              <a:t>macwright.org/2012/10/31/gis-with-python-shapely-fiona.html</a:t>
-            </a:r>
-            <a:r>
-              <a:rPr lang="en-US" sz="2000" dirty="0" smtClean="0"/>
-              <a:t> </a:t>
+              <a:t>Geo-transformation: pixels </a:t>
+            </a:r>
+            <a:r>
+              <a:rPr lang="en-US" dirty="0" smtClean="0">
+                <a:sym typeface="Symbol" panose="05050102010706020507" pitchFamily="18" charset="2"/>
+              </a:rPr>
+              <a:t></a:t>
+            </a:r>
+            <a:r>
+              <a:rPr lang="en-US" dirty="0" smtClean="0"/>
+              <a:t> coordinates</a:t>
             </a:r>
             <a:endParaRPr lang="en-US" dirty="0"/>
-          </a:p>
-          <a:p>
-            <a:r>
-              <a:rPr lang="en-US" dirty="0" smtClean="0"/>
-              <a:t>Fiona manual</a:t>
-            </a:r>
-            <a:r>
-              <a:rPr lang="en-US" dirty="0"/>
-              <a:t/>
-            </a:r>
-            <a:br>
-              <a:rPr lang="en-US" dirty="0"/>
-            </a:br>
-            <a:r>
-              <a:rPr lang="en-US" sz="2000" dirty="0">
-                <a:hlinkClick r:id="rId3"/>
-              </a:rPr>
-              <a:t>http://</a:t>
-            </a:r>
-            <a:r>
-              <a:rPr lang="en-US" sz="2000" dirty="0" smtClean="0">
-                <a:hlinkClick r:id="rId3"/>
-              </a:rPr>
-              <a:t>toblerity.org/fiona/index.html</a:t>
-            </a:r>
-            <a:endParaRPr lang="en-US" sz="2000" dirty="0" smtClean="0"/>
-          </a:p>
-          <a:p>
-            <a:r>
-              <a:rPr lang="en-US" dirty="0" smtClean="0"/>
-              <a:t>Editing/displaying </a:t>
-            </a:r>
-            <a:r>
-              <a:rPr lang="en-US" dirty="0" err="1" smtClean="0"/>
-              <a:t>GeoJSON</a:t>
-            </a:r>
-            <a:r>
-              <a:rPr lang="en-US" dirty="0" smtClean="0"/>
-              <a:t/>
-            </a:r>
-            <a:br>
-              <a:rPr lang="en-US" dirty="0" smtClean="0"/>
-            </a:br>
-            <a:r>
-              <a:rPr lang="en-US" sz="2000" dirty="0" smtClean="0">
-                <a:hlinkClick r:id="rId4"/>
-              </a:rPr>
-              <a:t>http://geojson.io/</a:t>
-            </a:r>
-            <a:r>
-              <a:rPr lang="en-US" sz="2000" dirty="0" smtClean="0"/>
-              <a:t> </a:t>
-            </a:r>
-          </a:p>
-          <a:p>
-            <a:r>
-              <a:rPr lang="en-US" dirty="0" smtClean="0"/>
-              <a:t>Folium </a:t>
-            </a:r>
-            <a:r>
-              <a:rPr lang="en-US" dirty="0"/>
-              <a:t>manual</a:t>
-            </a:r>
-            <a:br>
-              <a:rPr lang="en-US" dirty="0"/>
-            </a:br>
-            <a:r>
-              <a:rPr lang="en-US" sz="2000" dirty="0">
-                <a:hlinkClick r:id="rId5"/>
-              </a:rPr>
-              <a:t>http://python-visualization.github.io/folium/docs-master</a:t>
-            </a:r>
-            <a:r>
-              <a:rPr lang="en-US" sz="2000" dirty="0" smtClean="0">
-                <a:hlinkClick r:id="rId5"/>
-              </a:rPr>
-              <a:t>/</a:t>
-            </a:r>
-            <a:r>
-              <a:rPr lang="en-US" sz="2000" dirty="0" smtClean="0"/>
-              <a:t> </a:t>
-            </a:r>
-            <a:endParaRPr lang="en-US" dirty="0"/>
-          </a:p>
-          <a:p>
-            <a:r>
-              <a:rPr lang="en-US" dirty="0" smtClean="0"/>
-              <a:t>Shapely manual</a:t>
-            </a:r>
-            <a:br>
-              <a:rPr lang="en-US" dirty="0" smtClean="0"/>
-            </a:br>
-            <a:r>
-              <a:rPr lang="en-US" sz="2000" dirty="0">
-                <a:hlinkClick r:id="rId6"/>
-              </a:rPr>
-              <a:t>https://shapely.readthedocs.io/en/latest</a:t>
-            </a:r>
-            <a:r>
-              <a:rPr lang="en-US" sz="2000" dirty="0" smtClean="0">
-                <a:hlinkClick r:id="rId6"/>
-              </a:rPr>
-              <a:t>/</a:t>
-            </a:r>
-            <a:endParaRPr lang="en-US" sz="2000" dirty="0" smtClean="0"/>
-          </a:p>
-          <a:p>
-            <a:r>
-              <a:rPr lang="en-US" dirty="0" smtClean="0"/>
-              <a:t>GIS data sources</a:t>
-            </a:r>
-            <a:r>
-              <a:rPr lang="en-US" sz="2000" dirty="0"/>
-              <a:t/>
-            </a:r>
-            <a:br>
-              <a:rPr lang="en-US" sz="2000" dirty="0"/>
-            </a:br>
-            <a:r>
-              <a:rPr lang="en-US" sz="2000" dirty="0">
-                <a:hlinkClick r:id="rId7"/>
-              </a:rPr>
-              <a:t>http://gisgeography.com/best-free-gis-data-sources-raster-vector</a:t>
-            </a:r>
-            <a:r>
-              <a:rPr lang="en-US" sz="2000" dirty="0" smtClean="0">
-                <a:hlinkClick r:id="rId7"/>
-              </a:rPr>
-              <a:t>/</a:t>
-            </a:r>
-            <a:r>
-              <a:rPr lang="en-US" sz="2000" dirty="0" smtClean="0"/>
-              <a:t> </a:t>
-            </a:r>
-            <a:endParaRPr lang="en-US" sz="2000" dirty="0" smtClean="0"/>
-          </a:p>
-          <a:p>
-            <a:endParaRPr lang="en-US" dirty="0" smtClean="0"/>
           </a:p>
         </p:txBody>
       </p:sp>
@@ -11236,7 +14399,7 @@
                 </a:solidFill>
               </a:rPr>
               <a:pPr/>
-              <a:t>18</a:t>
+              <a:t>21</a:t>
             </a:fld>
             <a:endParaRPr lang="nl-BE">
               <a:solidFill>
@@ -11248,10 +14411,181 @@
           </a:p>
         </p:txBody>
       </p:sp>
+      <p:graphicFrame>
+        <p:nvGraphicFramePr>
+          <p:cNvPr id="6" name="Object 5"/>
+          <p:cNvGraphicFramePr>
+            <a:graphicFrameLocks noChangeAspect="1"/>
+          </p:cNvGraphicFramePr>
+          <p:nvPr>
+            <p:extLst>
+              <p:ext uri="{D42A27DB-BD31-4B8C-83A1-F6EECF244321}">
+                <p14:modId xmlns:p14="http://schemas.microsoft.com/office/powerpoint/2010/main" val="2720657124"/>
+              </p:ext>
+            </p:extLst>
+          </p:nvPr>
+        </p:nvGraphicFramePr>
+        <p:xfrm>
+          <a:off x="2012350" y="2321947"/>
+          <a:ext cx="4384933" cy="1283395"/>
+        </p:xfrm>
+        <a:graphic>
+          <a:graphicData uri="http://schemas.openxmlformats.org/presentationml/2006/ole">
+            <mc:AlternateContent xmlns:mc="http://schemas.openxmlformats.org/markup-compatibility/2006">
+              <mc:Choice xmlns:v="urn:schemas-microsoft-com:vml" Requires="v">
+                <p:oleObj spid="_x0000_s1033" name="Equation" r:id="rId3" imgW="2082600" imgH="609480" progId="Equation.3">
+                  <p:embed/>
+                </p:oleObj>
+              </mc:Choice>
+              <mc:Fallback>
+                <p:oleObj name="Equation" r:id="rId3" imgW="2082600" imgH="609480" progId="Equation.3">
+                  <p:embed/>
+                  <p:pic>
+                    <p:nvPicPr>
+                      <p:cNvPr id="0" name=""/>
+                      <p:cNvPicPr/>
+                      <p:nvPr/>
+                    </p:nvPicPr>
+                    <p:blipFill>
+                      <a:blip r:embed="rId4"/>
+                      <a:stretch>
+                        <a:fillRect/>
+                      </a:stretch>
+                    </p:blipFill>
+                    <p:spPr>
+                      <a:xfrm>
+                        <a:off x="2012350" y="2321947"/>
+                        <a:ext cx="4384933" cy="1283395"/>
+                      </a:xfrm>
+                      <a:prstGeom prst="rect">
+                        <a:avLst/>
+                      </a:prstGeom>
+                    </p:spPr>
+                  </p:pic>
+                </p:oleObj>
+              </mc:Fallback>
+            </mc:AlternateContent>
+          </a:graphicData>
+        </a:graphic>
+      </p:graphicFrame>
+      <p:graphicFrame>
+        <p:nvGraphicFramePr>
+          <p:cNvPr id="7" name="Object 6"/>
+          <p:cNvGraphicFramePr>
+            <a:graphicFrameLocks noChangeAspect="1"/>
+          </p:cNvGraphicFramePr>
+          <p:nvPr>
+            <p:extLst>
+              <p:ext uri="{D42A27DB-BD31-4B8C-83A1-F6EECF244321}">
+                <p14:modId xmlns:p14="http://schemas.microsoft.com/office/powerpoint/2010/main" val="3559136140"/>
+              </p:ext>
+            </p:extLst>
+          </p:nvPr>
+        </p:nvGraphicFramePr>
+        <p:xfrm>
+          <a:off x="853326" y="4586497"/>
+          <a:ext cx="7302501" cy="1339850"/>
+        </p:xfrm>
+        <a:graphic>
+          <a:graphicData uri="http://schemas.openxmlformats.org/presentationml/2006/ole">
+            <mc:AlternateContent xmlns:mc="http://schemas.openxmlformats.org/markup-compatibility/2006">
+              <mc:Choice xmlns:v="urn:schemas-microsoft-com:vml" Requires="v">
+                <p:oleObj spid="_x0000_s1034" name="Equation" r:id="rId5" imgW="3466800" imgH="634680" progId="Equation.3">
+                  <p:embed/>
+                </p:oleObj>
+              </mc:Choice>
+              <mc:Fallback>
+                <p:oleObj name="Equation" r:id="rId5" imgW="3466800" imgH="634680" progId="Equation.3">
+                  <p:embed/>
+                  <p:pic>
+                    <p:nvPicPr>
+                      <p:cNvPr id="0" name=""/>
+                      <p:cNvPicPr/>
+                      <p:nvPr/>
+                    </p:nvPicPr>
+                    <p:blipFill>
+                      <a:blip r:embed="rId6"/>
+                      <a:stretch>
+                        <a:fillRect/>
+                      </a:stretch>
+                    </p:blipFill>
+                    <p:spPr>
+                      <a:xfrm>
+                        <a:off x="853326" y="4586497"/>
+                        <a:ext cx="7302501" cy="1339850"/>
+                      </a:xfrm>
+                      <a:prstGeom prst="rect">
+                        <a:avLst/>
+                      </a:prstGeom>
+                    </p:spPr>
+                  </p:pic>
+                </p:oleObj>
+              </mc:Fallback>
+            </mc:AlternateContent>
+          </a:graphicData>
+        </a:graphic>
+      </p:graphicFrame>
+      <p:graphicFrame>
+        <p:nvGraphicFramePr>
+          <p:cNvPr id="9" name="Object 8"/>
+          <p:cNvGraphicFramePr>
+            <a:graphicFrameLocks noChangeAspect="1"/>
+          </p:cNvGraphicFramePr>
+          <p:nvPr>
+            <p:extLst>
+              <p:ext uri="{D42A27DB-BD31-4B8C-83A1-F6EECF244321}">
+                <p14:modId xmlns:p14="http://schemas.microsoft.com/office/powerpoint/2010/main" val="2140056479"/>
+              </p:ext>
+            </p:extLst>
+          </p:nvPr>
+        </p:nvGraphicFramePr>
+        <p:xfrm>
+          <a:off x="853326" y="3872665"/>
+          <a:ext cx="5721350" cy="481012"/>
+        </p:xfrm>
+        <a:graphic>
+          <a:graphicData uri="http://schemas.openxmlformats.org/presentationml/2006/ole">
+            <mc:AlternateContent xmlns:mc="http://schemas.openxmlformats.org/markup-compatibility/2006">
+              <mc:Choice xmlns:v="urn:schemas-microsoft-com:vml" Requires="v">
+                <p:oleObj spid="_x0000_s1035" name="Equation" r:id="rId7" imgW="2717640" imgH="228600" progId="Equation.3">
+                  <p:embed/>
+                </p:oleObj>
+              </mc:Choice>
+              <mc:Fallback>
+                <p:oleObj name="Equation" r:id="rId7" imgW="2717640" imgH="228600" progId="Equation.3">
+                  <p:embed/>
+                  <p:pic>
+                    <p:nvPicPr>
+                      <p:cNvPr id="0" name=""/>
+                      <p:cNvPicPr/>
+                      <p:nvPr/>
+                    </p:nvPicPr>
+                    <p:blipFill>
+                      <a:blip r:embed="rId8"/>
+                      <a:stretch>
+                        <a:fillRect/>
+                      </a:stretch>
+                    </p:blipFill>
+                    <p:spPr>
+                      <a:xfrm>
+                        <a:off x="853326" y="3872665"/>
+                        <a:ext cx="5721350" cy="481012"/>
+                      </a:xfrm>
+                      <a:prstGeom prst="rect">
+                        <a:avLst/>
+                      </a:prstGeom>
+                    </p:spPr>
+                  </p:pic>
+                </p:oleObj>
+              </mc:Fallback>
+            </mc:AlternateContent>
+          </a:graphicData>
+        </a:graphic>
+      </p:graphicFrame>
     </p:spTree>
     <p:extLst>
       <p:ext uri="{BB962C8B-B14F-4D97-AF65-F5344CB8AC3E}">
-        <p14:creationId xmlns:p14="http://schemas.microsoft.com/office/powerpoint/2010/main" val="1702400260"/>
+        <p14:creationId xmlns:p14="http://schemas.microsoft.com/office/powerpoint/2010/main" val="3165089649"/>
       </p:ext>
     </p:extLst>
   </p:cSld>
@@ -11261,337 +14595,14 @@
   <p:timing>
     <p:tnLst>
       <p:par>
-        <p:cTn id="1" dur="indefinite" restart="never" nodeType="tmRoot">
-          <p:childTnLst>
-            <p:seq concurrent="1" nextAc="seek">
-              <p:cTn id="2" dur="indefinite" nodeType="mainSeq">
-                <p:childTnLst>
-                  <p:par>
-                    <p:cTn id="3" fill="hold">
-                      <p:stCondLst>
-                        <p:cond delay="indefinite"/>
-                        <p:cond evt="onBegin" delay="0">
-                          <p:tn val="2"/>
-                        </p:cond>
-                      </p:stCondLst>
-                      <p:childTnLst>
-                        <p:par>
-                          <p:cTn id="4" fill="hold">
-                            <p:stCondLst>
-                              <p:cond delay="0"/>
-                            </p:stCondLst>
-                            <p:childTnLst>
-                              <p:par>
-                                <p:cTn id="5" presetID="1" presetClass="entr" presetSubtype="0" fill="hold" grpId="0" nodeType="withEffect">
-                                  <p:stCondLst>
-                                    <p:cond delay="0"/>
-                                  </p:stCondLst>
-                                  <p:childTnLst>
-                                    <p:set>
-                                      <p:cBhvr>
-                                        <p:cTn id="6" dur="1" fill="hold">
-                                          <p:stCondLst>
-                                            <p:cond delay="0"/>
-                                          </p:stCondLst>
-                                        </p:cTn>
-                                        <p:tgtEl>
-                                          <p:spTgt spid="3">
-                                            <p:txEl>
-                                              <p:pRg st="0" end="0"/>
-                                            </p:txEl>
-                                          </p:spTgt>
-                                        </p:tgtEl>
-                                        <p:attrNameLst>
-                                          <p:attrName>style.visibility</p:attrName>
-                                        </p:attrNameLst>
-                                      </p:cBhvr>
-                                      <p:to>
-                                        <p:strVal val="visible"/>
-                                      </p:to>
-                                    </p:set>
-                                  </p:childTnLst>
-                                </p:cTn>
-                              </p:par>
-                            </p:childTnLst>
-                          </p:cTn>
-                        </p:par>
-                      </p:childTnLst>
-                    </p:cTn>
-                  </p:par>
-                  <p:par>
-                    <p:cTn id="7" fill="hold">
-                      <p:stCondLst>
-                        <p:cond delay="indefinite"/>
-                      </p:stCondLst>
-                      <p:childTnLst>
-                        <p:par>
-                          <p:cTn id="8" fill="hold">
-                            <p:stCondLst>
-                              <p:cond delay="0"/>
-                            </p:stCondLst>
-                            <p:childTnLst>
-                              <p:par>
-                                <p:cTn id="9" presetID="1" presetClass="entr" presetSubtype="0" fill="hold" grpId="0" nodeType="clickEffect">
-                                  <p:stCondLst>
-                                    <p:cond delay="0"/>
-                                  </p:stCondLst>
-                                  <p:childTnLst>
-                                    <p:set>
-                                      <p:cBhvr>
-                                        <p:cTn id="10" dur="1" fill="hold">
-                                          <p:stCondLst>
-                                            <p:cond delay="0"/>
-                                          </p:stCondLst>
-                                        </p:cTn>
-                                        <p:tgtEl>
-                                          <p:spTgt spid="3">
-                                            <p:txEl>
-                                              <p:pRg st="1" end="1"/>
-                                            </p:txEl>
-                                          </p:spTgt>
-                                        </p:tgtEl>
-                                        <p:attrNameLst>
-                                          <p:attrName>style.visibility</p:attrName>
-                                        </p:attrNameLst>
-                                      </p:cBhvr>
-                                      <p:to>
-                                        <p:strVal val="visible"/>
-                                      </p:to>
-                                    </p:set>
-                                  </p:childTnLst>
-                                </p:cTn>
-                              </p:par>
-                            </p:childTnLst>
-                          </p:cTn>
-                        </p:par>
-                      </p:childTnLst>
-                    </p:cTn>
-                  </p:par>
-                  <p:par>
-                    <p:cTn id="11" fill="hold">
-                      <p:stCondLst>
-                        <p:cond delay="indefinite"/>
-                      </p:stCondLst>
-                      <p:childTnLst>
-                        <p:par>
-                          <p:cTn id="12" fill="hold">
-                            <p:stCondLst>
-                              <p:cond delay="0"/>
-                            </p:stCondLst>
-                            <p:childTnLst>
-                              <p:par>
-                                <p:cTn id="13" presetID="1" presetClass="entr" presetSubtype="0" fill="hold" grpId="0" nodeType="clickEffect">
-                                  <p:stCondLst>
-                                    <p:cond delay="0"/>
-                                  </p:stCondLst>
-                                  <p:childTnLst>
-                                    <p:set>
-                                      <p:cBhvr>
-                                        <p:cTn id="14" dur="1" fill="hold">
-                                          <p:stCondLst>
-                                            <p:cond delay="0"/>
-                                          </p:stCondLst>
-                                        </p:cTn>
-                                        <p:tgtEl>
-                                          <p:spTgt spid="3">
-                                            <p:txEl>
-                                              <p:pRg st="2" end="2"/>
-                                            </p:txEl>
-                                          </p:spTgt>
-                                        </p:tgtEl>
-                                        <p:attrNameLst>
-                                          <p:attrName>style.visibility</p:attrName>
-                                        </p:attrNameLst>
-                                      </p:cBhvr>
-                                      <p:to>
-                                        <p:strVal val="visible"/>
-                                      </p:to>
-                                    </p:set>
-                                  </p:childTnLst>
-                                </p:cTn>
-                              </p:par>
-                            </p:childTnLst>
-                          </p:cTn>
-                        </p:par>
-                      </p:childTnLst>
-                    </p:cTn>
-                  </p:par>
-                  <p:par>
-                    <p:cTn id="15" fill="hold">
-                      <p:stCondLst>
-                        <p:cond delay="indefinite"/>
-                      </p:stCondLst>
-                      <p:childTnLst>
-                        <p:par>
-                          <p:cTn id="16" fill="hold">
-                            <p:stCondLst>
-                              <p:cond delay="0"/>
-                            </p:stCondLst>
-                            <p:childTnLst>
-                              <p:par>
-                                <p:cTn id="17" presetID="1" presetClass="entr" presetSubtype="0" fill="hold" grpId="0" nodeType="clickEffect">
-                                  <p:stCondLst>
-                                    <p:cond delay="0"/>
-                                  </p:stCondLst>
-                                  <p:childTnLst>
-                                    <p:set>
-                                      <p:cBhvr>
-                                        <p:cTn id="18" dur="1" fill="hold">
-                                          <p:stCondLst>
-                                            <p:cond delay="0"/>
-                                          </p:stCondLst>
-                                        </p:cTn>
-                                        <p:tgtEl>
-                                          <p:spTgt spid="3">
-                                            <p:txEl>
-                                              <p:pRg st="3" end="3"/>
-                                            </p:txEl>
-                                          </p:spTgt>
-                                        </p:tgtEl>
-                                        <p:attrNameLst>
-                                          <p:attrName>style.visibility</p:attrName>
-                                        </p:attrNameLst>
-                                      </p:cBhvr>
-                                      <p:to>
-                                        <p:strVal val="visible"/>
-                                      </p:to>
-                                    </p:set>
-                                  </p:childTnLst>
-                                </p:cTn>
-                              </p:par>
-                            </p:childTnLst>
-                          </p:cTn>
-                        </p:par>
-                      </p:childTnLst>
-                    </p:cTn>
-                  </p:par>
-                  <p:par>
-                    <p:cTn id="19" fill="hold">
-                      <p:stCondLst>
-                        <p:cond delay="indefinite"/>
-                      </p:stCondLst>
-                      <p:childTnLst>
-                        <p:par>
-                          <p:cTn id="20" fill="hold">
-                            <p:stCondLst>
-                              <p:cond delay="0"/>
-                            </p:stCondLst>
-                            <p:childTnLst>
-                              <p:par>
-                                <p:cTn id="21" presetID="1" presetClass="entr" presetSubtype="0" fill="hold" grpId="0" nodeType="clickEffect">
-                                  <p:stCondLst>
-                                    <p:cond delay="0"/>
-                                  </p:stCondLst>
-                                  <p:childTnLst>
-                                    <p:set>
-                                      <p:cBhvr>
-                                        <p:cTn id="22" dur="1" fill="hold">
-                                          <p:stCondLst>
-                                            <p:cond delay="0"/>
-                                          </p:stCondLst>
-                                        </p:cTn>
-                                        <p:tgtEl>
-                                          <p:spTgt spid="3">
-                                            <p:txEl>
-                                              <p:pRg st="4" end="4"/>
-                                            </p:txEl>
-                                          </p:spTgt>
-                                        </p:tgtEl>
-                                        <p:attrNameLst>
-                                          <p:attrName>style.visibility</p:attrName>
-                                        </p:attrNameLst>
-                                      </p:cBhvr>
-                                      <p:to>
-                                        <p:strVal val="visible"/>
-                                      </p:to>
-                                    </p:set>
-                                  </p:childTnLst>
-                                </p:cTn>
-                              </p:par>
-                            </p:childTnLst>
-                          </p:cTn>
-                        </p:par>
-                      </p:childTnLst>
-                    </p:cTn>
-                  </p:par>
-                  <p:par>
-                    <p:cTn id="23" fill="hold">
-                      <p:stCondLst>
-                        <p:cond delay="indefinite"/>
-                      </p:stCondLst>
-                      <p:childTnLst>
-                        <p:par>
-                          <p:cTn id="24" fill="hold">
-                            <p:stCondLst>
-                              <p:cond delay="0"/>
-                            </p:stCondLst>
-                            <p:childTnLst>
-                              <p:par>
-                                <p:cTn id="25" presetID="1" presetClass="entr" presetSubtype="0" fill="hold" grpId="0" nodeType="clickEffect">
-                                  <p:stCondLst>
-                                    <p:cond delay="0"/>
-                                  </p:stCondLst>
-                                  <p:childTnLst>
-                                    <p:set>
-                                      <p:cBhvr>
-                                        <p:cTn id="26" dur="1" fill="hold">
-                                          <p:stCondLst>
-                                            <p:cond delay="0"/>
-                                          </p:stCondLst>
-                                        </p:cTn>
-                                        <p:tgtEl>
-                                          <p:spTgt spid="3">
-                                            <p:txEl>
-                                              <p:pRg st="5" end="5"/>
-                                            </p:txEl>
-                                          </p:spTgt>
-                                        </p:tgtEl>
-                                        <p:attrNameLst>
-                                          <p:attrName>style.visibility</p:attrName>
-                                        </p:attrNameLst>
-                                      </p:cBhvr>
-                                      <p:to>
-                                        <p:strVal val="visible"/>
-                                      </p:to>
-                                    </p:set>
-                                  </p:childTnLst>
-                                </p:cTn>
-                              </p:par>
-                            </p:childTnLst>
-                          </p:cTn>
-                        </p:par>
-                      </p:childTnLst>
-                    </p:cTn>
-                  </p:par>
-                </p:childTnLst>
-              </p:cTn>
-              <p:prevCondLst>
-                <p:cond evt="onPrev" delay="0">
-                  <p:tgtEl>
-                    <p:sldTgt/>
-                  </p:tgtEl>
-                </p:cond>
-              </p:prevCondLst>
-              <p:nextCondLst>
-                <p:cond evt="onNext" delay="0">
-                  <p:tgtEl>
-                    <p:sldTgt/>
-                  </p:tgtEl>
-                </p:cond>
-              </p:nextCondLst>
-            </p:seq>
-          </p:childTnLst>
-        </p:cTn>
+        <p:cTn id="1" dur="indefinite" restart="never" nodeType="tmRoot"/>
       </p:par>
     </p:tnLst>
-    <p:bldLst>
-      <p:bldP spid="3" grpId="0" build="p"/>
-    </p:bldLst>
   </p:timing>
 </p:sld>
 </file>
 
-<file path=ppt/slides/slide2.xml><?xml version="1.0" encoding="utf-8"?>
+<file path=ppt/slides/slide22.xml><?xml version="1.0" encoding="utf-8"?>
 <p:sld xmlns:a="http://schemas.openxmlformats.org/drawingml/2006/main" xmlns:r="http://schemas.openxmlformats.org/officeDocument/2006/relationships" xmlns:p="http://schemas.openxmlformats.org/presentationml/2006/main">
   <p:cSld>
     <p:spTree>
@@ -11625,7 +14636,7 @@
           <a:p>
             <a:r>
               <a:rPr lang="en-US" dirty="0" smtClean="0"/>
-              <a:t>Introduction</a:t>
+              <a:t>Further reading</a:t>
             </a:r>
             <a:endParaRPr lang="en-US" dirty="0"/>
           </a:p>
@@ -11644,76 +14655,191 @@
         <p:spPr/>
         <p:txBody>
           <a:bodyPr>
-            <a:normAutofit fontScale="92500" lnSpcReduction="20000"/>
+            <a:normAutofit fontScale="77500" lnSpcReduction="20000"/>
           </a:bodyPr>
           <a:lstStyle/>
           <a:p>
             <a:r>
+              <a:rPr lang="en-US" dirty="0"/>
+              <a:t>Folium manual</a:t>
+            </a:r>
+            <a:br>
+              <a:rPr lang="en-US" dirty="0"/>
+            </a:br>
+            <a:r>
+              <a:rPr lang="en-US" dirty="0">
+                <a:hlinkClick r:id="rId2"/>
+              </a:rPr>
+              <a:t>http://python-visualization.github.io/folium/docs-master/</a:t>
+            </a:r>
+            <a:r>
+              <a:rPr lang="en-US" dirty="0"/>
+              <a:t> </a:t>
+            </a:r>
+          </a:p>
+          <a:p>
+            <a:r>
+              <a:rPr lang="en-US" dirty="0"/>
+              <a:t>Shapely manual</a:t>
+            </a:r>
+            <a:br>
+              <a:rPr lang="en-US" dirty="0"/>
+            </a:br>
+            <a:r>
+              <a:rPr lang="en-US" dirty="0">
+                <a:hlinkClick r:id="rId3"/>
+              </a:rPr>
+              <a:t>https://shapely.readthedocs.io/en/latest/</a:t>
+            </a:r>
+            <a:endParaRPr lang="en-US" dirty="0"/>
+          </a:p>
+          <a:p>
+            <a:r>
+              <a:rPr lang="en-US" dirty="0" err="1"/>
+              <a:t>GeoPandas</a:t>
+            </a:r>
+            <a:r>
+              <a:rPr lang="en-US" dirty="0"/>
+              <a:t> manual</a:t>
+            </a:r>
+            <a:br>
+              <a:rPr lang="en-US" dirty="0"/>
+            </a:br>
+            <a:r>
+              <a:rPr lang="en-US" dirty="0">
+                <a:hlinkClick r:id="rId4"/>
+              </a:rPr>
+              <a:t>http://geopandas.org/index.html</a:t>
+            </a:r>
+            <a:r>
+              <a:rPr lang="en-US" dirty="0"/>
+              <a:t> </a:t>
+            </a:r>
+            <a:endParaRPr lang="en-US" dirty="0" smtClean="0"/>
+          </a:p>
+          <a:p>
+            <a:r>
               <a:rPr lang="en-US" dirty="0" smtClean="0"/>
-              <a:t>Graphical Information System (GIS), e.g.,</a:t>
-            </a:r>
-          </a:p>
-          <a:p>
-            <a:pPr lvl="1"/>
+              <a:t>GIS </a:t>
+            </a:r>
             <a:r>
               <a:rPr lang="en-US" dirty="0" smtClean="0"/>
-              <a:t>ArcGIS</a:t>
-            </a:r>
-          </a:p>
-          <a:p>
-            <a:pPr lvl="1"/>
+              <a:t>&amp; </a:t>
+            </a:r>
+            <a:r>
+              <a:rPr lang="en-US" dirty="0"/>
+              <a:t>Python introduction</a:t>
+            </a:r>
+            <a:br>
+              <a:rPr lang="en-US" dirty="0"/>
+            </a:br>
+            <a:r>
+              <a:rPr lang="en-US" sz="2000" dirty="0">
+                <a:hlinkClick r:id="rId5"/>
+              </a:rPr>
+              <a:t>https://</a:t>
+            </a:r>
+            <a:r>
+              <a:rPr lang="en-US" sz="2000" dirty="0" smtClean="0">
+                <a:hlinkClick r:id="rId5"/>
+              </a:rPr>
+              <a:t>macwright.org/2012/10/31/gis-with-python-shapely-fiona.html</a:t>
+            </a:r>
+            <a:r>
+              <a:rPr lang="en-US" sz="2000" dirty="0" smtClean="0"/>
+              <a:t> </a:t>
+            </a:r>
+            <a:endParaRPr lang="en-US" dirty="0"/>
+          </a:p>
+          <a:p>
             <a:r>
               <a:rPr lang="en-US" dirty="0" smtClean="0"/>
-              <a:t>QGIS</a:t>
-            </a:r>
+              <a:t>Fiona manual</a:t>
+            </a:r>
+            <a:r>
+              <a:rPr lang="en-US" dirty="0"/>
+              <a:t/>
+            </a:r>
+            <a:br>
+              <a:rPr lang="en-US" dirty="0"/>
+            </a:br>
+            <a:r>
+              <a:rPr lang="en-US" sz="2000" dirty="0">
+                <a:hlinkClick r:id="rId6"/>
+              </a:rPr>
+              <a:t>http://</a:t>
+            </a:r>
+            <a:r>
+              <a:rPr lang="en-US" sz="2000" dirty="0" smtClean="0">
+                <a:hlinkClick r:id="rId6"/>
+              </a:rPr>
+              <a:t>toblerity.org/fiona/index.html</a:t>
+            </a:r>
+            <a:endParaRPr lang="en-US" sz="2000" dirty="0" smtClean="0"/>
           </a:p>
           <a:p>
             <a:r>
               <a:rPr lang="en-US" dirty="0" smtClean="0"/>
-              <a:t>Many data formats, e.g.,</a:t>
-            </a:r>
-          </a:p>
-          <a:p>
-            <a:pPr lvl="1"/>
-            <a:r>
-              <a:rPr lang="en-US" dirty="0" smtClean="0"/>
-              <a:t>shape files</a:t>
-            </a:r>
-          </a:p>
-          <a:p>
-            <a:pPr lvl="1"/>
+              <a:t>Editing/displaying </a:t>
+            </a:r>
             <a:r>
               <a:rPr lang="en-US" dirty="0" err="1" smtClean="0"/>
               <a:t>GeoJSON</a:t>
             </a:r>
+            <a:r>
+              <a:rPr lang="en-US" dirty="0" smtClean="0"/>
+              <a:t/>
+            </a:r>
+            <a:br>
+              <a:rPr lang="en-US" dirty="0" smtClean="0"/>
+            </a:br>
+            <a:r>
+              <a:rPr lang="en-US" sz="2000" dirty="0" smtClean="0">
+                <a:hlinkClick r:id="rId7"/>
+              </a:rPr>
+              <a:t>http://geojson.io/</a:t>
+            </a:r>
+            <a:r>
+              <a:rPr lang="en-US" sz="2000" dirty="0" smtClean="0"/>
+              <a:t> </a:t>
+            </a:r>
+            <a:endParaRPr lang="en-US" dirty="0"/>
+          </a:p>
+          <a:p>
+            <a:r>
+              <a:rPr lang="en-US" dirty="0" smtClean="0"/>
+              <a:t>GIS </a:t>
+            </a:r>
+            <a:r>
+              <a:rPr lang="en-US" dirty="0" smtClean="0"/>
+              <a:t>data sources</a:t>
+            </a:r>
+            <a:r>
+              <a:rPr lang="en-US" sz="2000" dirty="0"/>
+              <a:t/>
+            </a:r>
+            <a:br>
+              <a:rPr lang="en-US" sz="2000" dirty="0"/>
+            </a:br>
+            <a:r>
+              <a:rPr lang="en-US" sz="2000" dirty="0">
+                <a:hlinkClick r:id="rId8"/>
+              </a:rPr>
+              <a:t>http://gisgeography.com/best-free-gis-data-sources-raster-vector</a:t>
+            </a:r>
+            <a:r>
+              <a:rPr lang="en-US" sz="2000" dirty="0" smtClean="0">
+                <a:hlinkClick r:id="rId8"/>
+              </a:rPr>
+              <a:t>/</a:t>
+            </a:r>
+            <a:r>
+              <a:rPr lang="en-US" sz="2000" dirty="0" smtClean="0"/>
+              <a:t> </a:t>
+            </a:r>
+          </a:p>
+          <a:p>
             <a:endParaRPr lang="en-US" dirty="0" smtClean="0"/>
-          </a:p>
-          <a:p>
-            <a:r>
-              <a:rPr lang="en-US" dirty="0" smtClean="0"/>
-              <a:t>Python &amp; GIS</a:t>
-            </a:r>
-          </a:p>
-          <a:p>
-            <a:pPr lvl="1"/>
-            <a:r>
-              <a:rPr lang="en-US" dirty="0" smtClean="0"/>
-              <a:t>I/O library: Fiona</a:t>
-            </a:r>
-          </a:p>
-          <a:p>
-            <a:pPr lvl="1"/>
-            <a:r>
-              <a:rPr lang="en-US" dirty="0" smtClean="0"/>
-              <a:t>visualization: Folium</a:t>
-            </a:r>
-          </a:p>
-          <a:p>
-            <a:pPr lvl="1"/>
-            <a:r>
-              <a:rPr lang="en-US" dirty="0" smtClean="0"/>
-              <a:t>data processing/modeling: Shapely</a:t>
-            </a:r>
           </a:p>
         </p:txBody>
       </p:sp>
@@ -11741,7 +14867,7 @@
                 </a:solidFill>
               </a:rPr>
               <a:pPr/>
-              <a:t>2</a:t>
+              <a:t>22</a:t>
             </a:fld>
             <a:endParaRPr lang="nl-BE">
               <a:solidFill>
@@ -11753,45 +14879,10 @@
           </a:p>
         </p:txBody>
       </p:sp>
-      <p:sp>
-        <p:nvSpPr>
-          <p:cNvPr id="5" name="TextBox 4"/>
-          <p:cNvSpPr txBox="1"/>
-          <p:nvPr/>
-        </p:nvSpPr>
-        <p:spPr>
-          <a:xfrm>
-            <a:off x="3042606" y="2160573"/>
-            <a:ext cx="3697038" cy="461665"/>
-          </a:xfrm>
-          <a:prstGeom prst="rect">
-            <a:avLst/>
-          </a:prstGeom>
-          <a:noFill/>
-          <a:ln>
-            <a:solidFill>
-              <a:schemeClr val="tx1"/>
-            </a:solidFill>
-          </a:ln>
-        </p:spPr>
-        <p:txBody>
-          <a:bodyPr wrap="none" rtlCol="0">
-            <a:spAutoFit/>
-          </a:bodyPr>
-          <a:lstStyle/>
-          <a:p>
-            <a:r>
-              <a:rPr lang="en-US" sz="2400" dirty="0" smtClean="0"/>
-              <a:t>Can be scripted with Python</a:t>
-            </a:r>
-            <a:endParaRPr lang="en-US" sz="2400" dirty="0"/>
-          </a:p>
-        </p:txBody>
-      </p:sp>
     </p:spTree>
     <p:extLst>
       <p:ext uri="{BB962C8B-B14F-4D97-AF65-F5344CB8AC3E}">
-        <p14:creationId xmlns:p14="http://schemas.microsoft.com/office/powerpoint/2010/main" val="2682687549"/>
+        <p14:creationId xmlns:p14="http://schemas.microsoft.com/office/powerpoint/2010/main" val="1702400260"/>
       </p:ext>
     </p:extLst>
   </p:cSld>
@@ -11801,448 +14892,9 @@
   <p:timing>
     <p:tnLst>
       <p:par>
-        <p:cTn id="1" dur="indefinite" restart="never" nodeType="tmRoot">
-          <p:childTnLst>
-            <p:seq concurrent="1" nextAc="seek">
-              <p:cTn id="2" dur="indefinite" nodeType="mainSeq">
-                <p:childTnLst>
-                  <p:par>
-                    <p:cTn id="3" fill="hold">
-                      <p:stCondLst>
-                        <p:cond delay="indefinite"/>
-                        <p:cond evt="onBegin" delay="0">
-                          <p:tn val="2"/>
-                        </p:cond>
-                      </p:stCondLst>
-                      <p:childTnLst>
-                        <p:par>
-                          <p:cTn id="4" fill="hold">
-                            <p:stCondLst>
-                              <p:cond delay="0"/>
-                            </p:stCondLst>
-                            <p:childTnLst>
-                              <p:par>
-                                <p:cTn id="5" presetID="1" presetClass="entr" presetSubtype="0" fill="hold" grpId="0" nodeType="withEffect">
-                                  <p:stCondLst>
-                                    <p:cond delay="0"/>
-                                  </p:stCondLst>
-                                  <p:childTnLst>
-                                    <p:set>
-                                      <p:cBhvr>
-                                        <p:cTn id="6" dur="1" fill="hold">
-                                          <p:stCondLst>
-                                            <p:cond delay="0"/>
-                                          </p:stCondLst>
-                                        </p:cTn>
-                                        <p:tgtEl>
-                                          <p:spTgt spid="3">
-                                            <p:txEl>
-                                              <p:pRg st="0" end="0"/>
-                                            </p:txEl>
-                                          </p:spTgt>
-                                        </p:tgtEl>
-                                        <p:attrNameLst>
-                                          <p:attrName>style.visibility</p:attrName>
-                                        </p:attrNameLst>
-                                      </p:cBhvr>
-                                      <p:to>
-                                        <p:strVal val="visible"/>
-                                      </p:to>
-                                    </p:set>
-                                  </p:childTnLst>
-                                </p:cTn>
-                              </p:par>
-                              <p:par>
-                                <p:cTn id="7" presetID="1" presetClass="entr" presetSubtype="0" fill="hold" grpId="0" nodeType="withEffect">
-                                  <p:stCondLst>
-                                    <p:cond delay="0"/>
-                                  </p:stCondLst>
-                                  <p:childTnLst>
-                                    <p:set>
-                                      <p:cBhvr>
-                                        <p:cTn id="8" dur="1" fill="hold">
-                                          <p:stCondLst>
-                                            <p:cond delay="0"/>
-                                          </p:stCondLst>
-                                        </p:cTn>
-                                        <p:tgtEl>
-                                          <p:spTgt spid="3">
-                                            <p:txEl>
-                                              <p:pRg st="1" end="1"/>
-                                            </p:txEl>
-                                          </p:spTgt>
-                                        </p:tgtEl>
-                                        <p:attrNameLst>
-                                          <p:attrName>style.visibility</p:attrName>
-                                        </p:attrNameLst>
-                                      </p:cBhvr>
-                                      <p:to>
-                                        <p:strVal val="visible"/>
-                                      </p:to>
-                                    </p:set>
-                                  </p:childTnLst>
-                                </p:cTn>
-                              </p:par>
-                              <p:par>
-                                <p:cTn id="9" presetID="1" presetClass="entr" presetSubtype="0" fill="hold" grpId="0" nodeType="withEffect">
-                                  <p:stCondLst>
-                                    <p:cond delay="0"/>
-                                  </p:stCondLst>
-                                  <p:childTnLst>
-                                    <p:set>
-                                      <p:cBhvr>
-                                        <p:cTn id="10" dur="1" fill="hold">
-                                          <p:stCondLst>
-                                            <p:cond delay="0"/>
-                                          </p:stCondLst>
-                                        </p:cTn>
-                                        <p:tgtEl>
-                                          <p:spTgt spid="3">
-                                            <p:txEl>
-                                              <p:pRg st="2" end="2"/>
-                                            </p:txEl>
-                                          </p:spTgt>
-                                        </p:tgtEl>
-                                        <p:attrNameLst>
-                                          <p:attrName>style.visibility</p:attrName>
-                                        </p:attrNameLst>
-                                      </p:cBhvr>
-                                      <p:to>
-                                        <p:strVal val="visible"/>
-                                      </p:to>
-                                    </p:set>
-                                  </p:childTnLst>
-                                </p:cTn>
-                              </p:par>
-                            </p:childTnLst>
-                          </p:cTn>
-                        </p:par>
-                      </p:childTnLst>
-                    </p:cTn>
-                  </p:par>
-                  <p:par>
-                    <p:cTn id="11" fill="hold">
-                      <p:stCondLst>
-                        <p:cond delay="indefinite"/>
-                      </p:stCondLst>
-                      <p:childTnLst>
-                        <p:par>
-                          <p:cTn id="12" fill="hold">
-                            <p:stCondLst>
-                              <p:cond delay="0"/>
-                            </p:stCondLst>
-                            <p:childTnLst>
-                              <p:par>
-                                <p:cTn id="13" presetID="1" presetClass="entr" presetSubtype="0" fill="hold" grpId="0" nodeType="clickEffect">
-                                  <p:stCondLst>
-                                    <p:cond delay="0"/>
-                                  </p:stCondLst>
-                                  <p:childTnLst>
-                                    <p:set>
-                                      <p:cBhvr>
-                                        <p:cTn id="14" dur="1" fill="hold">
-                                          <p:stCondLst>
-                                            <p:cond delay="0"/>
-                                          </p:stCondLst>
-                                        </p:cTn>
-                                        <p:tgtEl>
-                                          <p:spTgt spid="5"/>
-                                        </p:tgtEl>
-                                        <p:attrNameLst>
-                                          <p:attrName>style.visibility</p:attrName>
-                                        </p:attrNameLst>
-                                      </p:cBhvr>
-                                      <p:to>
-                                        <p:strVal val="visible"/>
-                                      </p:to>
-                                    </p:set>
-                                  </p:childTnLst>
-                                </p:cTn>
-                              </p:par>
-                            </p:childTnLst>
-                          </p:cTn>
-                        </p:par>
-                      </p:childTnLst>
-                    </p:cTn>
-                  </p:par>
-                  <p:par>
-                    <p:cTn id="15" fill="hold">
-                      <p:stCondLst>
-                        <p:cond delay="indefinite"/>
-                      </p:stCondLst>
-                      <p:childTnLst>
-                        <p:par>
-                          <p:cTn id="16" fill="hold">
-                            <p:stCondLst>
-                              <p:cond delay="0"/>
-                            </p:stCondLst>
-                            <p:childTnLst>
-                              <p:par>
-                                <p:cTn id="17" presetID="1" presetClass="entr" presetSubtype="0" fill="hold" grpId="0" nodeType="clickEffect">
-                                  <p:stCondLst>
-                                    <p:cond delay="0"/>
-                                  </p:stCondLst>
-                                  <p:childTnLst>
-                                    <p:set>
-                                      <p:cBhvr>
-                                        <p:cTn id="18" dur="1" fill="hold">
-                                          <p:stCondLst>
-                                            <p:cond delay="0"/>
-                                          </p:stCondLst>
-                                        </p:cTn>
-                                        <p:tgtEl>
-                                          <p:spTgt spid="3">
-                                            <p:txEl>
-                                              <p:pRg st="3" end="3"/>
-                                            </p:txEl>
-                                          </p:spTgt>
-                                        </p:tgtEl>
-                                        <p:attrNameLst>
-                                          <p:attrName>style.visibility</p:attrName>
-                                        </p:attrNameLst>
-                                      </p:cBhvr>
-                                      <p:to>
-                                        <p:strVal val="visible"/>
-                                      </p:to>
-                                    </p:set>
-                                  </p:childTnLst>
-                                </p:cTn>
-                              </p:par>
-                              <p:par>
-                                <p:cTn id="19" presetID="1" presetClass="entr" presetSubtype="0" fill="hold" grpId="0" nodeType="withEffect">
-                                  <p:stCondLst>
-                                    <p:cond delay="0"/>
-                                  </p:stCondLst>
-                                  <p:childTnLst>
-                                    <p:set>
-                                      <p:cBhvr>
-                                        <p:cTn id="20" dur="1" fill="hold">
-                                          <p:stCondLst>
-                                            <p:cond delay="0"/>
-                                          </p:stCondLst>
-                                        </p:cTn>
-                                        <p:tgtEl>
-                                          <p:spTgt spid="3">
-                                            <p:txEl>
-                                              <p:pRg st="4" end="4"/>
-                                            </p:txEl>
-                                          </p:spTgt>
-                                        </p:tgtEl>
-                                        <p:attrNameLst>
-                                          <p:attrName>style.visibility</p:attrName>
-                                        </p:attrNameLst>
-                                      </p:cBhvr>
-                                      <p:to>
-                                        <p:strVal val="visible"/>
-                                      </p:to>
-                                    </p:set>
-                                  </p:childTnLst>
-                                </p:cTn>
-                              </p:par>
-                              <p:par>
-                                <p:cTn id="21" presetID="1" presetClass="entr" presetSubtype="0" fill="hold" grpId="0" nodeType="withEffect">
-                                  <p:stCondLst>
-                                    <p:cond delay="0"/>
-                                  </p:stCondLst>
-                                  <p:childTnLst>
-                                    <p:set>
-                                      <p:cBhvr>
-                                        <p:cTn id="22" dur="1" fill="hold">
-                                          <p:stCondLst>
-                                            <p:cond delay="0"/>
-                                          </p:stCondLst>
-                                        </p:cTn>
-                                        <p:tgtEl>
-                                          <p:spTgt spid="3">
-                                            <p:txEl>
-                                              <p:pRg st="5" end="5"/>
-                                            </p:txEl>
-                                          </p:spTgt>
-                                        </p:tgtEl>
-                                        <p:attrNameLst>
-                                          <p:attrName>style.visibility</p:attrName>
-                                        </p:attrNameLst>
-                                      </p:cBhvr>
-                                      <p:to>
-                                        <p:strVal val="visible"/>
-                                      </p:to>
-                                    </p:set>
-                                  </p:childTnLst>
-                                </p:cTn>
-                              </p:par>
-                            </p:childTnLst>
-                          </p:cTn>
-                        </p:par>
-                      </p:childTnLst>
-                    </p:cTn>
-                  </p:par>
-                  <p:par>
-                    <p:cTn id="23" fill="hold">
-                      <p:stCondLst>
-                        <p:cond delay="indefinite"/>
-                      </p:stCondLst>
-                      <p:childTnLst>
-                        <p:par>
-                          <p:cTn id="24" fill="hold">
-                            <p:stCondLst>
-                              <p:cond delay="0"/>
-                            </p:stCondLst>
-                            <p:childTnLst>
-                              <p:par>
-                                <p:cTn id="25" presetID="1" presetClass="entr" presetSubtype="0" fill="hold" grpId="0" nodeType="clickEffect">
-                                  <p:stCondLst>
-                                    <p:cond delay="0"/>
-                                  </p:stCondLst>
-                                  <p:childTnLst>
-                                    <p:set>
-                                      <p:cBhvr>
-                                        <p:cTn id="26" dur="1" fill="hold">
-                                          <p:stCondLst>
-                                            <p:cond delay="0"/>
-                                          </p:stCondLst>
-                                        </p:cTn>
-                                        <p:tgtEl>
-                                          <p:spTgt spid="3">
-                                            <p:txEl>
-                                              <p:pRg st="6" end="6"/>
-                                            </p:txEl>
-                                          </p:spTgt>
-                                        </p:tgtEl>
-                                        <p:attrNameLst>
-                                          <p:attrName>style.visibility</p:attrName>
-                                        </p:attrNameLst>
-                                      </p:cBhvr>
-                                      <p:to>
-                                        <p:strVal val="visible"/>
-                                      </p:to>
-                                    </p:set>
-                                  </p:childTnLst>
-                                </p:cTn>
-                              </p:par>
-                              <p:par>
-                                <p:cTn id="27" presetID="1" presetClass="entr" presetSubtype="0" fill="hold" grpId="0" nodeType="withEffect">
-                                  <p:stCondLst>
-                                    <p:cond delay="0"/>
-                                  </p:stCondLst>
-                                  <p:childTnLst>
-                                    <p:set>
-                                      <p:cBhvr>
-                                        <p:cTn id="28" dur="1" fill="hold">
-                                          <p:stCondLst>
-                                            <p:cond delay="0"/>
-                                          </p:stCondLst>
-                                        </p:cTn>
-                                        <p:tgtEl>
-                                          <p:spTgt spid="3">
-                                            <p:txEl>
-                                              <p:pRg st="7" end="7"/>
-                                            </p:txEl>
-                                          </p:spTgt>
-                                        </p:tgtEl>
-                                        <p:attrNameLst>
-                                          <p:attrName>style.visibility</p:attrName>
-                                        </p:attrNameLst>
-                                      </p:cBhvr>
-                                      <p:to>
-                                        <p:strVal val="visible"/>
-                                      </p:to>
-                                    </p:set>
-                                  </p:childTnLst>
-                                </p:cTn>
-                              </p:par>
-                              <p:par>
-                                <p:cTn id="29" presetID="1" presetClass="entr" presetSubtype="0" fill="hold" grpId="0" nodeType="withEffect">
-                                  <p:stCondLst>
-                                    <p:cond delay="0"/>
-                                  </p:stCondLst>
-                                  <p:childTnLst>
-                                    <p:set>
-                                      <p:cBhvr>
-                                        <p:cTn id="30" dur="1" fill="hold">
-                                          <p:stCondLst>
-                                            <p:cond delay="0"/>
-                                          </p:stCondLst>
-                                        </p:cTn>
-                                        <p:tgtEl>
-                                          <p:spTgt spid="3">
-                                            <p:txEl>
-                                              <p:pRg st="8" end="8"/>
-                                            </p:txEl>
-                                          </p:spTgt>
-                                        </p:tgtEl>
-                                        <p:attrNameLst>
-                                          <p:attrName>style.visibility</p:attrName>
-                                        </p:attrNameLst>
-                                      </p:cBhvr>
-                                      <p:to>
-                                        <p:strVal val="visible"/>
-                                      </p:to>
-                                    </p:set>
-                                  </p:childTnLst>
-                                </p:cTn>
-                              </p:par>
-                              <p:par>
-                                <p:cTn id="31" presetID="1" presetClass="entr" presetSubtype="0" fill="hold" grpId="0" nodeType="withEffect">
-                                  <p:stCondLst>
-                                    <p:cond delay="0"/>
-                                  </p:stCondLst>
-                                  <p:childTnLst>
-                                    <p:set>
-                                      <p:cBhvr>
-                                        <p:cTn id="32" dur="1" fill="hold">
-                                          <p:stCondLst>
-                                            <p:cond delay="0"/>
-                                          </p:stCondLst>
-                                        </p:cTn>
-                                        <p:tgtEl>
-                                          <p:spTgt spid="3">
-                                            <p:txEl>
-                                              <p:pRg st="9" end="9"/>
-                                            </p:txEl>
-                                          </p:spTgt>
-                                        </p:tgtEl>
-                                        <p:attrNameLst>
-                                          <p:attrName>style.visibility</p:attrName>
-                                        </p:attrNameLst>
-                                      </p:cBhvr>
-                                      <p:to>
-                                        <p:strVal val="visible"/>
-                                      </p:to>
-                                    </p:set>
-                                  </p:childTnLst>
-                                </p:cTn>
-                              </p:par>
-                            </p:childTnLst>
-                          </p:cTn>
-                        </p:par>
-                      </p:childTnLst>
-                    </p:cTn>
-                  </p:par>
-                </p:childTnLst>
-              </p:cTn>
-              <p:prevCondLst>
-                <p:cond evt="onPrev" delay="0">
-                  <p:tgtEl>
-                    <p:sldTgt/>
-                  </p:tgtEl>
-                </p:cond>
-              </p:prevCondLst>
-              <p:nextCondLst>
-                <p:cond evt="onNext" delay="0">
-                  <p:tgtEl>
-                    <p:sldTgt/>
-                  </p:tgtEl>
-                </p:cond>
-              </p:nextCondLst>
-            </p:seq>
-          </p:childTnLst>
-        </p:cTn>
+        <p:cTn id="1" dur="indefinite" restart="never" nodeType="tmRoot"/>
       </p:par>
     </p:tnLst>
-    <p:bldLst>
-      <p:bldP spid="3" grpId="0" uiExpand="1" build="p"/>
-      <p:bldP spid="5" grpId="0" animBg="1"/>
-    </p:bldLst>
   </p:timing>
 </p:sld>
 </file>

--- a/Python/python_gis.pptx
+++ b/Python/python_gis.pptx
@@ -9084,16 +9084,39 @@
                 <a:latin typeface="Courier New" pitchFamily="49" charset="0"/>
                 <a:cs typeface="Courier New" pitchFamily="49" charset="0"/>
               </a:rPr>
-              <a:t>= gdf.cx[0:10, 50:55</a:t>
-            </a:r>
-            <a:r>
-              <a:rPr lang="en-US" dirty="0" smtClean="0">
+              <a:t>= gdf.</a:t>
+            </a:r>
+            <a:r>
+              <a:rPr lang="en-US" b="1" dirty="0">
+                <a:solidFill>
+                  <a:srgbClr val="C00000"/>
+                </a:solidFill>
                 <a:latin typeface="Courier New" pitchFamily="49" charset="0"/>
                 <a:cs typeface="Courier New" pitchFamily="49" charset="0"/>
               </a:rPr>
+              <a:t>cx[</a:t>
+            </a:r>
+            <a:r>
+              <a:rPr lang="en-US" dirty="0">
+                <a:latin typeface="Courier New" pitchFamily="49" charset="0"/>
+                <a:cs typeface="Courier New" pitchFamily="49" charset="0"/>
+              </a:rPr>
+              <a:t>0:10, 50:55</a:t>
+            </a:r>
+            <a:r>
+              <a:rPr lang="en-US" b="1" dirty="0" smtClean="0">
+                <a:solidFill>
+                  <a:srgbClr val="C00000"/>
+                </a:solidFill>
+                <a:latin typeface="Courier New" pitchFamily="49" charset="0"/>
+                <a:cs typeface="Courier New" pitchFamily="49" charset="0"/>
+              </a:rPr>
               <a:t>]</a:t>
             </a:r>
-            <a:endParaRPr lang="en-US" dirty="0" smtClean="0">
+            <a:endParaRPr lang="en-US" b="1" dirty="0" smtClean="0">
+              <a:solidFill>
+                <a:srgbClr val="C00000"/>
+              </a:solidFill>
               <a:latin typeface="Courier New" pitchFamily="49" charset="0"/>
               <a:cs typeface="Courier New" pitchFamily="49" charset="0"/>
             </a:endParaRPr>
@@ -9372,10 +9395,23 @@
                   <a:latin typeface="Courier New" pitchFamily="49" charset="0"/>
                   <a:cs typeface="Courier New" pitchFamily="49" charset="0"/>
                 </a:rPr>
-                <a:t>western_Europe.plot</a:t>
+                <a:t>western_Europe</a:t>
               </a:r>
               <a:r>
-                <a:rPr lang="en-US" dirty="0" smtClean="0">
+                <a:rPr lang="en-US" b="1" dirty="0" err="1" smtClean="0">
+                  <a:solidFill>
+                    <a:srgbClr val="C00000"/>
+                  </a:solidFill>
+                  <a:latin typeface="Courier New" pitchFamily="49" charset="0"/>
+                  <a:cs typeface="Courier New" pitchFamily="49" charset="0"/>
+                </a:rPr>
+                <a:t>.plot</a:t>
+              </a:r>
+              <a:r>
+                <a:rPr lang="en-US" b="1" dirty="0" smtClean="0">
+                  <a:solidFill>
+                    <a:srgbClr val="C00000"/>
+                  </a:solidFill>
                   <a:latin typeface="Courier New" pitchFamily="49" charset="0"/>
                   <a:cs typeface="Courier New" pitchFamily="49" charset="0"/>
                 </a:rPr>
@@ -10525,7 +10561,24 @@
                 <a:latin typeface="Courier New" pitchFamily="49" charset="0"/>
                 <a:cs typeface="Courier New" pitchFamily="49" charset="0"/>
               </a:rPr>
-              <a:t>                           how='intersection)</a:t>
+              <a:t>                           </a:t>
+            </a:r>
+            <a:r>
+              <a:rPr lang="en-US" b="1" dirty="0" smtClean="0">
+                <a:solidFill>
+                  <a:srgbClr val="C00000"/>
+                </a:solidFill>
+                <a:latin typeface="Courier New" pitchFamily="49" charset="0"/>
+                <a:cs typeface="Courier New" pitchFamily="49" charset="0"/>
+              </a:rPr>
+              <a:t>how='intersection'</a:t>
+            </a:r>
+            <a:r>
+              <a:rPr lang="en-US" dirty="0" smtClean="0">
+                <a:latin typeface="Courier New" pitchFamily="49" charset="0"/>
+                <a:cs typeface="Courier New" pitchFamily="49" charset="0"/>
+              </a:rPr>
+              <a:t>)</a:t>
             </a:r>
             <a:endParaRPr lang="en-US" dirty="0" smtClean="0">
               <a:latin typeface="Courier New" pitchFamily="49" charset="0"/>
@@ -14420,7 +14473,7 @@
           <p:nvPr>
             <p:extLst>
               <p:ext uri="{D42A27DB-BD31-4B8C-83A1-F6EECF244321}">
-                <p14:modId xmlns:p14="http://schemas.microsoft.com/office/powerpoint/2010/main" val="2720657124"/>
+                <p14:modId xmlns:p14="http://schemas.microsoft.com/office/powerpoint/2010/main" val="1514278658"/>
               </p:ext>
             </p:extLst>
           </p:nvPr>
@@ -14433,7 +14486,7 @@
           <a:graphicData uri="http://schemas.openxmlformats.org/presentationml/2006/ole">
             <mc:AlternateContent xmlns:mc="http://schemas.openxmlformats.org/markup-compatibility/2006">
               <mc:Choice xmlns:v="urn:schemas-microsoft-com:vml" Requires="v">
-                <p:oleObj spid="_x0000_s1033" name="Equation" r:id="rId3" imgW="2082600" imgH="609480" progId="Equation.3">
+                <p:oleObj spid="_x0000_s1036" name="Equation" r:id="rId3" imgW="2082600" imgH="609480" progId="Equation.3">
                   <p:embed/>
                 </p:oleObj>
               </mc:Choice>
@@ -14477,7 +14530,7 @@
           <p:nvPr>
             <p:extLst>
               <p:ext uri="{D42A27DB-BD31-4B8C-83A1-F6EECF244321}">
-                <p14:modId xmlns:p14="http://schemas.microsoft.com/office/powerpoint/2010/main" val="3559136140"/>
+                <p14:modId xmlns:p14="http://schemas.microsoft.com/office/powerpoint/2010/main" val="2690915964"/>
               </p:ext>
             </p:extLst>
           </p:nvPr>
@@ -14490,7 +14543,7 @@
           <a:graphicData uri="http://schemas.openxmlformats.org/presentationml/2006/ole">
             <mc:AlternateContent xmlns:mc="http://schemas.openxmlformats.org/markup-compatibility/2006">
               <mc:Choice xmlns:v="urn:schemas-microsoft-com:vml" Requires="v">
-                <p:oleObj spid="_x0000_s1034" name="Equation" r:id="rId5" imgW="3466800" imgH="634680" progId="Equation.3">
+                <p:oleObj spid="_x0000_s1037" name="Equation" r:id="rId5" imgW="3466800" imgH="634680" progId="Equation.3">
                   <p:embed/>
                 </p:oleObj>
               </mc:Choice>
@@ -14534,7 +14587,7 @@
           <p:nvPr>
             <p:extLst>
               <p:ext uri="{D42A27DB-BD31-4B8C-83A1-F6EECF244321}">
-                <p14:modId xmlns:p14="http://schemas.microsoft.com/office/powerpoint/2010/main" val="2140056479"/>
+                <p14:modId xmlns:p14="http://schemas.microsoft.com/office/powerpoint/2010/main" val="2980594061"/>
               </p:ext>
             </p:extLst>
           </p:nvPr>
@@ -14547,7 +14600,7 @@
           <a:graphicData uri="http://schemas.openxmlformats.org/presentationml/2006/ole">
             <mc:AlternateContent xmlns:mc="http://schemas.openxmlformats.org/markup-compatibility/2006">
               <mc:Choice xmlns:v="urn:schemas-microsoft-com:vml" Requires="v">
-                <p:oleObj spid="_x0000_s1035" name="Equation" r:id="rId7" imgW="2717640" imgH="228600" progId="Equation.3">
+                <p:oleObj spid="_x0000_s1038" name="Equation" r:id="rId7" imgW="2717640" imgH="228600" progId="Equation.3">
                   <p:embed/>
                 </p:oleObj>
               </mc:Choice>

--- a/Python/python_gis.pptx
+++ b/Python/python_gis.pptx
@@ -5,7 +5,7 @@
     <p:sldMasterId id="2147483672" r:id="rId1"/>
   </p:sldMasterIdLst>
   <p:notesMasterIdLst>
-    <p:notesMasterId r:id="rId24"/>
+    <p:notesMasterId r:id="rId26"/>
   </p:notesMasterIdLst>
   <p:sldIdLst>
     <p:sldId id="256" r:id="rId2"/>
@@ -25,11 +25,13 @@
     <p:sldId id="281" r:id="rId16"/>
     <p:sldId id="285" r:id="rId17"/>
     <p:sldId id="282" r:id="rId18"/>
-    <p:sldId id="278" r:id="rId19"/>
-    <p:sldId id="279" r:id="rId20"/>
-    <p:sldId id="280" r:id="rId21"/>
-    <p:sldId id="283" r:id="rId22"/>
-    <p:sldId id="265" r:id="rId23"/>
+    <p:sldId id="286" r:id="rId19"/>
+    <p:sldId id="287" r:id="rId20"/>
+    <p:sldId id="278" r:id="rId21"/>
+    <p:sldId id="279" r:id="rId22"/>
+    <p:sldId id="280" r:id="rId23"/>
+    <p:sldId id="283" r:id="rId24"/>
+    <p:sldId id="265" r:id="rId25"/>
   </p:sldIdLst>
   <p:sldSz cx="9144000" cy="6858000" type="screen4x3"/>
   <p:notesSz cx="6858000" cy="9144000"/>
@@ -10982,7 +10984,11 @@
           <a:p>
             <a:r>
               <a:rPr lang="en-US" dirty="0" err="1" smtClean="0"/>
-              <a:t>GeoTIFF</a:t>
+              <a:t>GeoPandas</a:t>
+            </a:r>
+            <a:r>
+              <a:rPr lang="en-US" dirty="0" smtClean="0"/>
+              <a:t> merge</a:t>
             </a:r>
             <a:endParaRPr lang="en-US" dirty="0"/>
           </a:p>
@@ -11005,49 +11011,11 @@
           <a:p>
             <a:r>
               <a:rPr lang="en-US" dirty="0" smtClean="0"/>
-              <a:t>Raster data, e.g., satellite imagery</a:t>
-            </a:r>
-          </a:p>
-          <a:p>
-            <a:pPr lvl="1"/>
-            <a:r>
-              <a:rPr lang="en-US" dirty="0" smtClean="0"/>
-              <a:t>TIFF image file</a:t>
-            </a:r>
-          </a:p>
-          <a:p>
-            <a:pPr lvl="2"/>
-            <a:r>
-              <a:rPr lang="en-US" dirty="0" smtClean="0"/>
-              <a:t>1 or more raster bands</a:t>
-            </a:r>
-          </a:p>
-          <a:p>
-            <a:pPr lvl="1"/>
-            <a:r>
-              <a:rPr lang="en-US" dirty="0" smtClean="0"/>
-              <a:t>meta-data in tags</a:t>
-            </a:r>
-          </a:p>
-          <a:p>
-            <a:pPr lvl="2"/>
-            <a:r>
-              <a:rPr lang="en-US" dirty="0" smtClean="0"/>
-              <a:t>coordinate reference system</a:t>
-            </a:r>
-          </a:p>
-          <a:p>
-            <a:pPr lvl="2"/>
+              <a:t>Merging </a:t>
+            </a:r>
             <a:r>
               <a:rPr lang="en-US" dirty="0" err="1" smtClean="0"/>
-              <a:t>geotransform</a:t>
-            </a:r>
-            <a:endParaRPr lang="en-US" dirty="0" smtClean="0"/>
-          </a:p>
-          <a:p>
-            <a:r>
-              <a:rPr lang="en-US" dirty="0" smtClean="0"/>
-              <a:t>I/O: GDAL library with Python wrapper</a:t>
+              <a:t>dataframes</a:t>
             </a:r>
             <a:endParaRPr lang="en-US" dirty="0"/>
           </a:p>
@@ -11078,6 +11046,1744 @@
               </a:rPr>
               <a:pPr/>
               <a:t>18</a:t>
+            </a:fld>
+            <a:endParaRPr lang="nl-BE">
+              <a:solidFill>
+                <a:prstClr val="black">
+                  <a:tint val="75000"/>
+                </a:prstClr>
+              </a:solidFill>
+            </a:endParaRPr>
+          </a:p>
+        </p:txBody>
+      </p:sp>
+      <p:sp>
+        <p:nvSpPr>
+          <p:cNvPr id="5" name="TextBox 4"/>
+          <p:cNvSpPr txBox="1"/>
+          <p:nvPr/>
+        </p:nvSpPr>
+        <p:spPr>
+          <a:xfrm>
+            <a:off x="726934" y="2212687"/>
+            <a:ext cx="5649590" cy="1477328"/>
+          </a:xfrm>
+          <a:prstGeom prst="rect">
+            <a:avLst/>
+          </a:prstGeom>
+          <a:solidFill>
+            <a:schemeClr val="accent4">
+              <a:lumMod val="40000"/>
+              <a:lumOff val="60000"/>
+            </a:schemeClr>
+          </a:solidFill>
+        </p:spPr>
+        <p:txBody>
+          <a:bodyPr wrap="square" rtlCol="0">
+            <a:spAutoFit/>
+          </a:bodyPr>
+          <a:lstStyle/>
+          <a:p>
+            <a:r>
+              <a:rPr lang="en-US" dirty="0" err="1" smtClean="0">
+                <a:latin typeface="Courier New" pitchFamily="49" charset="0"/>
+                <a:cs typeface="Courier New" pitchFamily="49" charset="0"/>
+              </a:rPr>
+              <a:t>df</a:t>
+            </a:r>
+            <a:r>
+              <a:rPr lang="en-US" dirty="0" smtClean="0">
+                <a:latin typeface="Courier New" pitchFamily="49" charset="0"/>
+                <a:cs typeface="Courier New" pitchFamily="49" charset="0"/>
+              </a:rPr>
+              <a:t> = </a:t>
+            </a:r>
+            <a:r>
+              <a:rPr lang="en-US" dirty="0" err="1" smtClean="0">
+                <a:latin typeface="Courier New" pitchFamily="49" charset="0"/>
+                <a:cs typeface="Courier New" pitchFamily="49" charset="0"/>
+              </a:rPr>
+              <a:t>pd.read_csv</a:t>
+            </a:r>
+            <a:r>
+              <a:rPr lang="en-US" dirty="0" smtClean="0">
+                <a:latin typeface="Courier New" pitchFamily="49" charset="0"/>
+                <a:cs typeface="Courier New" pitchFamily="49" charset="0"/>
+              </a:rPr>
+              <a:t>(</a:t>
+            </a:r>
+            <a:r>
+              <a:rPr lang="en-US" dirty="0" err="1" smtClean="0">
+                <a:latin typeface="Courier New" pitchFamily="49" charset="0"/>
+                <a:cs typeface="Courier New" pitchFamily="49" charset="0"/>
+              </a:rPr>
+              <a:t>csv_filename</a:t>
+            </a:r>
+            <a:r>
+              <a:rPr lang="en-US" dirty="0" smtClean="0">
+                <a:latin typeface="Courier New" pitchFamily="49" charset="0"/>
+                <a:cs typeface="Courier New" pitchFamily="49" charset="0"/>
+              </a:rPr>
+              <a:t>)</a:t>
+            </a:r>
+          </a:p>
+          <a:p>
+            <a:r>
+              <a:rPr lang="en-US" dirty="0" err="1" smtClean="0">
+                <a:latin typeface="Courier New" pitchFamily="49" charset="0"/>
+                <a:cs typeface="Courier New" pitchFamily="49" charset="0"/>
+              </a:rPr>
+              <a:t>df.rename</a:t>
+            </a:r>
+            <a:r>
+              <a:rPr lang="en-US" dirty="0" smtClean="0">
+                <a:latin typeface="Courier New" pitchFamily="49" charset="0"/>
+                <a:cs typeface="Courier New" pitchFamily="49" charset="0"/>
+              </a:rPr>
+              <a:t>(columns={'Country': 'name'})</a:t>
+            </a:r>
+          </a:p>
+          <a:p>
+            <a:r>
+              <a:rPr lang="en-US" dirty="0" err="1" smtClean="0">
+                <a:latin typeface="Courier New" pitchFamily="49" charset="0"/>
+                <a:cs typeface="Courier New" pitchFamily="49" charset="0"/>
+              </a:rPr>
+              <a:t>df_merged</a:t>
+            </a:r>
+            <a:r>
+              <a:rPr lang="en-US" dirty="0" smtClean="0">
+                <a:latin typeface="Courier New" pitchFamily="49" charset="0"/>
+                <a:cs typeface="Courier New" pitchFamily="49" charset="0"/>
+              </a:rPr>
+              <a:t> = </a:t>
+            </a:r>
+            <a:r>
+              <a:rPr lang="en-US" dirty="0" err="1" smtClean="0">
+                <a:latin typeface="Courier New" pitchFamily="49" charset="0"/>
+                <a:cs typeface="Courier New" pitchFamily="49" charset="0"/>
+              </a:rPr>
+              <a:t>gdf.merge</a:t>
+            </a:r>
+            <a:r>
+              <a:rPr lang="en-US" dirty="0" smtClean="0">
+                <a:latin typeface="Courier New" pitchFamily="49" charset="0"/>
+                <a:cs typeface="Courier New" pitchFamily="49" charset="0"/>
+              </a:rPr>
+              <a:t>(</a:t>
+            </a:r>
+            <a:r>
+              <a:rPr lang="en-US" dirty="0" err="1" smtClean="0">
+                <a:latin typeface="Courier New" pitchFamily="49" charset="0"/>
+                <a:cs typeface="Courier New" pitchFamily="49" charset="0"/>
+              </a:rPr>
+              <a:t>df</a:t>
+            </a:r>
+            <a:r>
+              <a:rPr lang="en-US" dirty="0" smtClean="0">
+                <a:latin typeface="Courier New" pitchFamily="49" charset="0"/>
+                <a:cs typeface="Courier New" pitchFamily="49" charset="0"/>
+              </a:rPr>
+              <a:t>, on='name')</a:t>
+            </a:r>
+          </a:p>
+          <a:p>
+            <a:r>
+              <a:rPr lang="en-US" dirty="0" err="1" smtClean="0">
+                <a:latin typeface="Courier New" pitchFamily="49" charset="0"/>
+                <a:cs typeface="Courier New" pitchFamily="49" charset="0"/>
+              </a:rPr>
+              <a:t>df_merged</a:t>
+            </a:r>
+            <a:r>
+              <a:rPr lang="en-US" dirty="0" err="1" smtClean="0">
+                <a:latin typeface="Courier New" pitchFamily="49" charset="0"/>
+                <a:cs typeface="Courier New" pitchFamily="49" charset="0"/>
+              </a:rPr>
+              <a:t>.plot</a:t>
+            </a:r>
+            <a:r>
+              <a:rPr lang="en-US" dirty="0" smtClean="0">
+                <a:latin typeface="Courier New" pitchFamily="49" charset="0"/>
+                <a:cs typeface="Courier New" pitchFamily="49" charset="0"/>
+              </a:rPr>
+              <a:t>(column</a:t>
+            </a:r>
+            <a:r>
+              <a:rPr lang="en-US" dirty="0">
+                <a:latin typeface="Courier New" pitchFamily="49" charset="0"/>
+                <a:cs typeface="Courier New" pitchFamily="49" charset="0"/>
+              </a:rPr>
+              <a:t>='Happiness Score</a:t>
+            </a:r>
+            <a:r>
+              <a:rPr lang="en-US" dirty="0" smtClean="0">
+                <a:latin typeface="Courier New" pitchFamily="49" charset="0"/>
+                <a:cs typeface="Courier New" pitchFamily="49" charset="0"/>
+              </a:rPr>
+              <a:t>',</a:t>
+            </a:r>
+            <a:br>
+              <a:rPr lang="en-US" dirty="0" smtClean="0">
+                <a:latin typeface="Courier New" pitchFamily="49" charset="0"/>
+                <a:cs typeface="Courier New" pitchFamily="49" charset="0"/>
+              </a:rPr>
+            </a:br>
+            <a:r>
+              <a:rPr lang="en-US" dirty="0" smtClean="0">
+                <a:latin typeface="Courier New" pitchFamily="49" charset="0"/>
+                <a:cs typeface="Courier New" pitchFamily="49" charset="0"/>
+              </a:rPr>
+              <a:t>               </a:t>
+            </a:r>
+            <a:r>
+              <a:rPr lang="en-US" dirty="0" err="1">
+                <a:latin typeface="Courier New" pitchFamily="49" charset="0"/>
+                <a:cs typeface="Courier New" pitchFamily="49" charset="0"/>
+              </a:rPr>
+              <a:t>cmap</a:t>
+            </a:r>
+            <a:r>
+              <a:rPr lang="en-US" dirty="0">
+                <a:latin typeface="Courier New" pitchFamily="49" charset="0"/>
+                <a:cs typeface="Courier New" pitchFamily="49" charset="0"/>
+              </a:rPr>
+              <a:t>='</a:t>
+            </a:r>
+            <a:r>
+              <a:rPr lang="en-US" dirty="0" err="1">
+                <a:latin typeface="Courier New" pitchFamily="49" charset="0"/>
+                <a:cs typeface="Courier New" pitchFamily="49" charset="0"/>
+              </a:rPr>
+              <a:t>OrRd</a:t>
+            </a:r>
+            <a:r>
+              <a:rPr lang="en-US" dirty="0">
+                <a:latin typeface="Courier New" pitchFamily="49" charset="0"/>
+                <a:cs typeface="Courier New" pitchFamily="49" charset="0"/>
+              </a:rPr>
+              <a:t>')</a:t>
+            </a:r>
+            <a:endParaRPr lang="en-US" dirty="0" smtClean="0">
+              <a:latin typeface="Courier New" pitchFamily="49" charset="0"/>
+              <a:cs typeface="Courier New" pitchFamily="49" charset="0"/>
+            </a:endParaRPr>
+          </a:p>
+        </p:txBody>
+      </p:sp>
+      <p:grpSp>
+        <p:nvGrpSpPr>
+          <p:cNvPr id="7" name="Group 6"/>
+          <p:cNvGrpSpPr/>
+          <p:nvPr/>
+        </p:nvGrpSpPr>
+        <p:grpSpPr>
+          <a:xfrm>
+            <a:off x="5538158" y="1752074"/>
+            <a:ext cx="3489735" cy="820244"/>
+            <a:chOff x="5195773" y="3040395"/>
+            <a:chExt cx="3489735" cy="820244"/>
+          </a:xfrm>
+        </p:grpSpPr>
+        <p:sp>
+          <p:nvSpPr>
+            <p:cNvPr id="9" name="TextBox 8"/>
+            <p:cNvSpPr txBox="1"/>
+            <p:nvPr/>
+          </p:nvSpPr>
+          <p:spPr>
+            <a:xfrm>
+              <a:off x="6118587" y="3040395"/>
+              <a:ext cx="2566921" cy="369332"/>
+            </a:xfrm>
+            <a:prstGeom prst="rect">
+              <a:avLst/>
+            </a:prstGeom>
+            <a:solidFill>
+              <a:schemeClr val="bg1"/>
+            </a:solidFill>
+            <a:ln>
+              <a:solidFill>
+                <a:srgbClr val="00B050"/>
+              </a:solidFill>
+            </a:ln>
+          </p:spPr>
+          <p:txBody>
+            <a:bodyPr wrap="none" rtlCol="0">
+              <a:spAutoFit/>
+            </a:bodyPr>
+            <a:lstStyle/>
+            <a:p>
+              <a:r>
+                <a:rPr lang="en-US" dirty="0" smtClean="0">
+                  <a:solidFill>
+                    <a:srgbClr val="00B050"/>
+                  </a:solidFill>
+                </a:rPr>
+                <a:t>consistent column names</a:t>
+              </a:r>
+              <a:endParaRPr lang="nl-BE" dirty="0">
+                <a:solidFill>
+                  <a:srgbClr val="00B050"/>
+                </a:solidFill>
+              </a:endParaRPr>
+            </a:p>
+          </p:txBody>
+        </p:sp>
+        <p:cxnSp>
+          <p:nvCxnSpPr>
+            <p:cNvPr id="10" name="Straight Arrow Connector 9"/>
+            <p:cNvCxnSpPr>
+              <a:stCxn id="9" idx="1"/>
+            </p:cNvCxnSpPr>
+            <p:nvPr/>
+          </p:nvCxnSpPr>
+          <p:spPr>
+            <a:xfrm flipH="1">
+              <a:off x="5195773" y="3225061"/>
+              <a:ext cx="922814" cy="635578"/>
+            </a:xfrm>
+            <a:prstGeom prst="straightConnector1">
+              <a:avLst/>
+            </a:prstGeom>
+            <a:ln w="19050">
+              <a:solidFill>
+                <a:srgbClr val="00B050"/>
+              </a:solidFill>
+              <a:tailEnd type="stealth" w="lg" len="lg"/>
+            </a:ln>
+          </p:spPr>
+          <p:style>
+            <a:lnRef idx="1">
+              <a:schemeClr val="accent1"/>
+            </a:lnRef>
+            <a:fillRef idx="0">
+              <a:schemeClr val="accent1"/>
+            </a:fillRef>
+            <a:effectRef idx="0">
+              <a:schemeClr val="accent1"/>
+            </a:effectRef>
+            <a:fontRef idx="minor">
+              <a:schemeClr val="tx1"/>
+            </a:fontRef>
+          </p:style>
+        </p:cxnSp>
+      </p:grpSp>
+      <p:grpSp>
+        <p:nvGrpSpPr>
+          <p:cNvPr id="16" name="Group 15"/>
+          <p:cNvGrpSpPr/>
+          <p:nvPr/>
+        </p:nvGrpSpPr>
+        <p:grpSpPr>
+          <a:xfrm>
+            <a:off x="5840083" y="2932954"/>
+            <a:ext cx="3187810" cy="369332"/>
+            <a:chOff x="5370932" y="3040395"/>
+            <a:chExt cx="3187810" cy="369332"/>
+          </a:xfrm>
+        </p:grpSpPr>
+        <p:sp>
+          <p:nvSpPr>
+            <p:cNvPr id="17" name="TextBox 16"/>
+            <p:cNvSpPr txBox="1"/>
+            <p:nvPr/>
+          </p:nvSpPr>
+          <p:spPr>
+            <a:xfrm>
+              <a:off x="6118587" y="3040395"/>
+              <a:ext cx="2440155" cy="369332"/>
+            </a:xfrm>
+            <a:prstGeom prst="rect">
+              <a:avLst/>
+            </a:prstGeom>
+            <a:solidFill>
+              <a:schemeClr val="bg1"/>
+            </a:solidFill>
+            <a:ln>
+              <a:solidFill>
+                <a:srgbClr val="00B050"/>
+              </a:solidFill>
+            </a:ln>
+          </p:spPr>
+          <p:txBody>
+            <a:bodyPr wrap="none" rtlCol="0">
+              <a:spAutoFit/>
+            </a:bodyPr>
+            <a:lstStyle/>
+            <a:p>
+              <a:r>
+                <a:rPr lang="en-US" dirty="0" smtClean="0">
+                  <a:solidFill>
+                    <a:srgbClr val="00B050"/>
+                  </a:solidFill>
+                </a:rPr>
+                <a:t>merge on country name</a:t>
+              </a:r>
+              <a:endParaRPr lang="nl-BE" dirty="0">
+                <a:solidFill>
+                  <a:srgbClr val="00B050"/>
+                </a:solidFill>
+              </a:endParaRPr>
+            </a:p>
+          </p:txBody>
+        </p:sp>
+        <p:cxnSp>
+          <p:nvCxnSpPr>
+            <p:cNvPr id="18" name="Straight Arrow Connector 17"/>
+            <p:cNvCxnSpPr>
+              <a:stCxn id="17" idx="1"/>
+            </p:cNvCxnSpPr>
+            <p:nvPr/>
+          </p:nvCxnSpPr>
+          <p:spPr>
+            <a:xfrm flipH="1" flipV="1">
+              <a:off x="5370932" y="3129132"/>
+              <a:ext cx="747655" cy="95929"/>
+            </a:xfrm>
+            <a:prstGeom prst="straightConnector1">
+              <a:avLst/>
+            </a:prstGeom>
+            <a:ln w="19050">
+              <a:solidFill>
+                <a:srgbClr val="00B050"/>
+              </a:solidFill>
+              <a:tailEnd type="stealth" w="lg" len="lg"/>
+            </a:ln>
+          </p:spPr>
+          <p:style>
+            <a:lnRef idx="1">
+              <a:schemeClr val="accent1"/>
+            </a:lnRef>
+            <a:fillRef idx="0">
+              <a:schemeClr val="accent1"/>
+            </a:fillRef>
+            <a:effectRef idx="0">
+              <a:schemeClr val="accent1"/>
+            </a:effectRef>
+            <a:fontRef idx="minor">
+              <a:schemeClr val="tx1"/>
+            </a:fontRef>
+          </p:style>
+        </p:cxnSp>
+      </p:grpSp>
+      <p:grpSp>
+        <p:nvGrpSpPr>
+          <p:cNvPr id="21" name="Group 20"/>
+          <p:cNvGrpSpPr/>
+          <p:nvPr/>
+        </p:nvGrpSpPr>
+        <p:grpSpPr>
+          <a:xfrm>
+            <a:off x="457200" y="4045646"/>
+            <a:ext cx="7949085" cy="2356464"/>
+            <a:chOff x="524775" y="3863181"/>
+            <a:chExt cx="7949085" cy="2356464"/>
+          </a:xfrm>
+        </p:grpSpPr>
+        <p:pic>
+          <p:nvPicPr>
+            <p:cNvPr id="6" name="Picture 5"/>
+            <p:cNvPicPr>
+              <a:picLocks noChangeAspect="1"/>
+            </p:cNvPicPr>
+            <p:nvPr/>
+          </p:nvPicPr>
+          <p:blipFill>
+            <a:blip r:embed="rId2">
+              <a:extLst>
+                <a:ext uri="{28A0092B-C50C-407E-A947-70E740481C1C}">
+                  <a14:useLocalDpi xmlns:a14="http://schemas.microsoft.com/office/drawing/2010/main" val="0"/>
+                </a:ext>
+              </a:extLst>
+            </a:blip>
+            <a:stretch>
+              <a:fillRect/>
+            </a:stretch>
+          </p:blipFill>
+          <p:spPr>
+            <a:xfrm>
+              <a:off x="524775" y="3863181"/>
+              <a:ext cx="5578568" cy="2356464"/>
+            </a:xfrm>
+            <a:prstGeom prst="rect">
+              <a:avLst/>
+            </a:prstGeom>
+          </p:spPr>
+        </p:pic>
+        <p:sp>
+          <p:nvSpPr>
+            <p:cNvPr id="20" name="TextBox 19"/>
+            <p:cNvSpPr txBox="1"/>
+            <p:nvPr/>
+          </p:nvSpPr>
+          <p:spPr>
+            <a:xfrm>
+              <a:off x="6316282" y="4555111"/>
+              <a:ext cx="2157578" cy="707886"/>
+            </a:xfrm>
+            <a:prstGeom prst="rect">
+              <a:avLst/>
+            </a:prstGeom>
+            <a:noFill/>
+            <a:ln>
+              <a:solidFill>
+                <a:schemeClr val="tx1"/>
+              </a:solidFill>
+            </a:ln>
+          </p:spPr>
+          <p:txBody>
+            <a:bodyPr wrap="none" rtlCol="0">
+              <a:spAutoFit/>
+            </a:bodyPr>
+            <a:lstStyle/>
+            <a:p>
+              <a:r>
+                <a:rPr lang="en-US" sz="2000" dirty="0" err="1" smtClean="0"/>
+                <a:t>Cholopleth</a:t>
+              </a:r>
+              <a:r>
+                <a:rPr lang="en-US" sz="2000" dirty="0" smtClean="0"/>
+                <a:t> plot</a:t>
+              </a:r>
+            </a:p>
+            <a:p>
+              <a:r>
+                <a:rPr lang="en-US" sz="2000" dirty="0" smtClean="0"/>
+                <a:t>by happiness score</a:t>
+              </a:r>
+              <a:endParaRPr lang="en-US" sz="2000" dirty="0"/>
+            </a:p>
+          </p:txBody>
+        </p:sp>
+      </p:grpSp>
+    </p:spTree>
+    <p:extLst>
+      <p:ext uri="{BB962C8B-B14F-4D97-AF65-F5344CB8AC3E}">
+        <p14:creationId xmlns:p14="http://schemas.microsoft.com/office/powerpoint/2010/main" val="4033664810"/>
+      </p:ext>
+    </p:extLst>
+  </p:cSld>
+  <p:clrMapOvr>
+    <a:masterClrMapping/>
+  </p:clrMapOvr>
+  <p:timing>
+    <p:tnLst>
+      <p:par>
+        <p:cTn id="1" dur="indefinite" restart="never" nodeType="tmRoot">
+          <p:childTnLst>
+            <p:seq concurrent="1" nextAc="seek">
+              <p:cTn id="2" dur="indefinite" nodeType="mainSeq">
+                <p:childTnLst>
+                  <p:par>
+                    <p:cTn id="3" fill="hold">
+                      <p:stCondLst>
+                        <p:cond delay="indefinite"/>
+                      </p:stCondLst>
+                      <p:childTnLst>
+                        <p:par>
+                          <p:cTn id="4" fill="hold">
+                            <p:stCondLst>
+                              <p:cond delay="0"/>
+                            </p:stCondLst>
+                            <p:childTnLst>
+                              <p:par>
+                                <p:cTn id="5" presetID="1" presetClass="entr" presetSubtype="0" fill="hold" nodeType="clickEffect">
+                                  <p:stCondLst>
+                                    <p:cond delay="0"/>
+                                  </p:stCondLst>
+                                  <p:childTnLst>
+                                    <p:set>
+                                      <p:cBhvr>
+                                        <p:cTn id="6" dur="1" fill="hold">
+                                          <p:stCondLst>
+                                            <p:cond delay="0"/>
+                                          </p:stCondLst>
+                                        </p:cTn>
+                                        <p:tgtEl>
+                                          <p:spTgt spid="7"/>
+                                        </p:tgtEl>
+                                        <p:attrNameLst>
+                                          <p:attrName>style.visibility</p:attrName>
+                                        </p:attrNameLst>
+                                      </p:cBhvr>
+                                      <p:to>
+                                        <p:strVal val="visible"/>
+                                      </p:to>
+                                    </p:set>
+                                  </p:childTnLst>
+                                </p:cTn>
+                              </p:par>
+                            </p:childTnLst>
+                          </p:cTn>
+                        </p:par>
+                      </p:childTnLst>
+                    </p:cTn>
+                  </p:par>
+                  <p:par>
+                    <p:cTn id="7" fill="hold">
+                      <p:stCondLst>
+                        <p:cond delay="indefinite"/>
+                      </p:stCondLst>
+                      <p:childTnLst>
+                        <p:par>
+                          <p:cTn id="8" fill="hold">
+                            <p:stCondLst>
+                              <p:cond delay="0"/>
+                            </p:stCondLst>
+                            <p:childTnLst>
+                              <p:par>
+                                <p:cTn id="9" presetID="1" presetClass="entr" presetSubtype="0" fill="hold" nodeType="clickEffect">
+                                  <p:stCondLst>
+                                    <p:cond delay="0"/>
+                                  </p:stCondLst>
+                                  <p:childTnLst>
+                                    <p:set>
+                                      <p:cBhvr>
+                                        <p:cTn id="10" dur="1" fill="hold">
+                                          <p:stCondLst>
+                                            <p:cond delay="0"/>
+                                          </p:stCondLst>
+                                        </p:cTn>
+                                        <p:tgtEl>
+                                          <p:spTgt spid="16"/>
+                                        </p:tgtEl>
+                                        <p:attrNameLst>
+                                          <p:attrName>style.visibility</p:attrName>
+                                        </p:attrNameLst>
+                                      </p:cBhvr>
+                                      <p:to>
+                                        <p:strVal val="visible"/>
+                                      </p:to>
+                                    </p:set>
+                                  </p:childTnLst>
+                                </p:cTn>
+                              </p:par>
+                            </p:childTnLst>
+                          </p:cTn>
+                        </p:par>
+                      </p:childTnLst>
+                    </p:cTn>
+                  </p:par>
+                  <p:par>
+                    <p:cTn id="11" fill="hold">
+                      <p:stCondLst>
+                        <p:cond delay="indefinite"/>
+                      </p:stCondLst>
+                      <p:childTnLst>
+                        <p:par>
+                          <p:cTn id="12" fill="hold">
+                            <p:stCondLst>
+                              <p:cond delay="0"/>
+                            </p:stCondLst>
+                            <p:childTnLst>
+                              <p:par>
+                                <p:cTn id="13" presetID="1" presetClass="entr" presetSubtype="0" fill="hold" nodeType="clickEffect">
+                                  <p:stCondLst>
+                                    <p:cond delay="0"/>
+                                  </p:stCondLst>
+                                  <p:childTnLst>
+                                    <p:set>
+                                      <p:cBhvr>
+                                        <p:cTn id="14" dur="1" fill="hold">
+                                          <p:stCondLst>
+                                            <p:cond delay="0"/>
+                                          </p:stCondLst>
+                                        </p:cTn>
+                                        <p:tgtEl>
+                                          <p:spTgt spid="21"/>
+                                        </p:tgtEl>
+                                        <p:attrNameLst>
+                                          <p:attrName>style.visibility</p:attrName>
+                                        </p:attrNameLst>
+                                      </p:cBhvr>
+                                      <p:to>
+                                        <p:strVal val="visible"/>
+                                      </p:to>
+                                    </p:set>
+                                  </p:childTnLst>
+                                </p:cTn>
+                              </p:par>
+                            </p:childTnLst>
+                          </p:cTn>
+                        </p:par>
+                      </p:childTnLst>
+                    </p:cTn>
+                  </p:par>
+                </p:childTnLst>
+              </p:cTn>
+              <p:prevCondLst>
+                <p:cond evt="onPrev" delay="0">
+                  <p:tgtEl>
+                    <p:sldTgt/>
+                  </p:tgtEl>
+                </p:cond>
+              </p:prevCondLst>
+              <p:nextCondLst>
+                <p:cond evt="onNext" delay="0">
+                  <p:tgtEl>
+                    <p:sldTgt/>
+                  </p:tgtEl>
+                </p:cond>
+              </p:nextCondLst>
+            </p:seq>
+          </p:childTnLst>
+        </p:cTn>
+      </p:par>
+    </p:tnLst>
+  </p:timing>
+</p:sld>
+</file>
+
+<file path=ppt/slides/slide19.xml><?xml version="1.0" encoding="utf-8"?>
+<p:sld xmlns:a="http://schemas.openxmlformats.org/drawingml/2006/main" xmlns:r="http://schemas.openxmlformats.org/officeDocument/2006/relationships" xmlns:p="http://schemas.openxmlformats.org/presentationml/2006/main">
+  <p:cSld>
+    <p:spTree>
+      <p:nvGrpSpPr>
+        <p:cNvPr id="1" name=""/>
+        <p:cNvGrpSpPr/>
+        <p:nvPr/>
+      </p:nvGrpSpPr>
+      <p:grpSpPr>
+        <a:xfrm>
+          <a:off x="0" y="0"/>
+          <a:ext cx="0" cy="0"/>
+          <a:chOff x="0" y="0"/>
+          <a:chExt cx="0" cy="0"/>
+        </a:xfrm>
+      </p:grpSpPr>
+      <p:sp>
+        <p:nvSpPr>
+          <p:cNvPr id="2" name="Title 1"/>
+          <p:cNvSpPr>
+            <a:spLocks noGrp="1"/>
+          </p:cNvSpPr>
+          <p:nvPr>
+            <p:ph type="title"/>
+          </p:nvPr>
+        </p:nvSpPr>
+        <p:spPr/>
+        <p:txBody>
+          <a:bodyPr/>
+          <a:lstStyle/>
+          <a:p>
+            <a:r>
+              <a:rPr lang="en-US" dirty="0" err="1" smtClean="0"/>
+              <a:t>GeoPandas</a:t>
+            </a:r>
+            <a:r>
+              <a:rPr lang="en-US" dirty="0" smtClean="0"/>
+              <a:t> dissolve</a:t>
+            </a:r>
+            <a:endParaRPr lang="en-US" dirty="0"/>
+          </a:p>
+        </p:txBody>
+      </p:sp>
+      <p:sp>
+        <p:nvSpPr>
+          <p:cNvPr id="3" name="Content Placeholder 2"/>
+          <p:cNvSpPr>
+            <a:spLocks noGrp="1"/>
+          </p:cNvSpPr>
+          <p:nvPr>
+            <p:ph idx="1"/>
+          </p:nvPr>
+        </p:nvSpPr>
+        <p:spPr/>
+        <p:txBody>
+          <a:bodyPr/>
+          <a:lstStyle/>
+          <a:p>
+            <a:r>
+              <a:rPr lang="en-US" dirty="0" smtClean="0"/>
+              <a:t>Aggregate GIS information based attributes</a:t>
+            </a:r>
+            <a:endParaRPr lang="en-US" dirty="0"/>
+          </a:p>
+        </p:txBody>
+      </p:sp>
+      <p:sp>
+        <p:nvSpPr>
+          <p:cNvPr id="4" name="Slide Number Placeholder 3"/>
+          <p:cNvSpPr>
+            <a:spLocks noGrp="1"/>
+          </p:cNvSpPr>
+          <p:nvPr>
+            <p:ph type="sldNum" sz="quarter" idx="12"/>
+          </p:nvPr>
+        </p:nvSpPr>
+        <p:spPr/>
+        <p:txBody>
+          <a:bodyPr/>
+          <a:lstStyle/>
+          <a:p>
+            <a:fld id="{5A209D72-2E9D-49B0-8977-41DCCC66C0BB}" type="slidenum">
+              <a:rPr lang="nl-BE" smtClean="0">
+                <a:solidFill>
+                  <a:prstClr val="black">
+                    <a:tint val="75000"/>
+                  </a:prstClr>
+                </a:solidFill>
+              </a:rPr>
+              <a:pPr/>
+              <a:t>19</a:t>
+            </a:fld>
+            <a:endParaRPr lang="nl-BE">
+              <a:solidFill>
+                <a:prstClr val="black">
+                  <a:tint val="75000"/>
+                </a:prstClr>
+              </a:solidFill>
+            </a:endParaRPr>
+          </a:p>
+        </p:txBody>
+      </p:sp>
+      <p:sp>
+        <p:nvSpPr>
+          <p:cNvPr id="5" name="TextBox 4"/>
+          <p:cNvSpPr txBox="1"/>
+          <p:nvPr/>
+        </p:nvSpPr>
+        <p:spPr>
+          <a:xfrm>
+            <a:off x="726933" y="2212687"/>
+            <a:ext cx="7701075" cy="1200329"/>
+          </a:xfrm>
+          <a:prstGeom prst="rect">
+            <a:avLst/>
+          </a:prstGeom>
+          <a:solidFill>
+            <a:schemeClr val="accent4">
+              <a:lumMod val="40000"/>
+              <a:lumOff val="60000"/>
+            </a:schemeClr>
+          </a:solidFill>
+        </p:spPr>
+        <p:txBody>
+          <a:bodyPr wrap="square" rtlCol="0">
+            <a:spAutoFit/>
+          </a:bodyPr>
+          <a:lstStyle/>
+          <a:p>
+            <a:r>
+              <a:rPr lang="en-US" dirty="0" smtClean="0">
+                <a:latin typeface="Courier New" pitchFamily="49" charset="0"/>
+                <a:cs typeface="Courier New" pitchFamily="49" charset="0"/>
+              </a:rPr>
+              <a:t>world = </a:t>
+            </a:r>
+            <a:r>
+              <a:rPr lang="en-US" dirty="0" err="1" smtClean="0">
+                <a:latin typeface="Courier New" pitchFamily="49" charset="0"/>
+                <a:cs typeface="Courier New" pitchFamily="49" charset="0"/>
+              </a:rPr>
+              <a:t>df_merged</a:t>
+            </a:r>
+            <a:r>
+              <a:rPr lang="en-US" dirty="0" smtClean="0">
+                <a:latin typeface="Courier New" pitchFamily="49" charset="0"/>
+                <a:cs typeface="Courier New" pitchFamily="49" charset="0"/>
+              </a:rPr>
+              <a:t>[['name', 'Region', 'geometry']]</a:t>
+            </a:r>
+          </a:p>
+          <a:p>
+            <a:r>
+              <a:rPr lang="en-US" dirty="0" smtClean="0">
+                <a:latin typeface="Courier New" pitchFamily="49" charset="0"/>
+                <a:cs typeface="Courier New" pitchFamily="49" charset="0"/>
+              </a:rPr>
+              <a:t>regions = </a:t>
+            </a:r>
+            <a:r>
+              <a:rPr lang="en-US" dirty="0" err="1" smtClean="0">
+                <a:latin typeface="Courier New" pitchFamily="49" charset="0"/>
+                <a:cs typeface="Courier New" pitchFamily="49" charset="0"/>
+              </a:rPr>
+              <a:t>world.dissolve</a:t>
+            </a:r>
+            <a:r>
+              <a:rPr lang="en-US" dirty="0" smtClean="0">
+                <a:latin typeface="Courier New" pitchFamily="49" charset="0"/>
+                <a:cs typeface="Courier New" pitchFamily="49" charset="0"/>
+              </a:rPr>
+              <a:t>(by='Region')</a:t>
+            </a:r>
+          </a:p>
+          <a:p>
+            <a:r>
+              <a:rPr lang="en-US" dirty="0" err="1" smtClean="0">
+                <a:latin typeface="Courier New" pitchFamily="49" charset="0"/>
+                <a:cs typeface="Courier New" pitchFamily="49" charset="0"/>
+              </a:rPr>
+              <a:t>western_Europe_shape</a:t>
+            </a:r>
+            <a:r>
+              <a:rPr lang="en-US" dirty="0" smtClean="0">
+                <a:latin typeface="Courier New" pitchFamily="49" charset="0"/>
+                <a:cs typeface="Courier New" pitchFamily="49" charset="0"/>
+              </a:rPr>
+              <a:t> = regions.at['Western Europe',</a:t>
+            </a:r>
+            <a:br>
+              <a:rPr lang="en-US" dirty="0" smtClean="0">
+                <a:latin typeface="Courier New" pitchFamily="49" charset="0"/>
+                <a:cs typeface="Courier New" pitchFamily="49" charset="0"/>
+              </a:rPr>
+            </a:br>
+            <a:r>
+              <a:rPr lang="en-US" dirty="0" smtClean="0">
+                <a:latin typeface="Courier New" pitchFamily="49" charset="0"/>
+                <a:cs typeface="Courier New" pitchFamily="49" charset="0"/>
+              </a:rPr>
+              <a:t>                                  'geometry']</a:t>
+            </a:r>
+          </a:p>
+        </p:txBody>
+      </p:sp>
+      <p:pic>
+        <p:nvPicPr>
+          <p:cNvPr id="6" name="Picture 5"/>
+          <p:cNvPicPr>
+            <a:picLocks noChangeAspect="1"/>
+          </p:cNvPicPr>
+          <p:nvPr/>
+        </p:nvPicPr>
+        <p:blipFill>
+          <a:blip r:embed="rId2">
+            <a:extLst>
+              <a:ext uri="{28A0092B-C50C-407E-A947-70E740481C1C}">
+                <a14:useLocalDpi xmlns:a14="http://schemas.microsoft.com/office/drawing/2010/main" val="0"/>
+              </a:ext>
+            </a:extLst>
+          </a:blip>
+          <a:stretch>
+            <a:fillRect/>
+          </a:stretch>
+        </p:blipFill>
+        <p:spPr>
+          <a:xfrm>
+            <a:off x="2626204" y="3255114"/>
+            <a:ext cx="1200150" cy="1009650"/>
+          </a:xfrm>
+          <a:prstGeom prst="rect">
+            <a:avLst/>
+          </a:prstGeom>
+          <a:effectLst>
+            <a:outerShdw blurRad="50800" dist="38100" dir="2700000" algn="tl" rotWithShape="0">
+              <a:prstClr val="black">
+                <a:alpha val="40000"/>
+              </a:prstClr>
+            </a:outerShdw>
+          </a:effectLst>
+        </p:spPr>
+      </p:pic>
+    </p:spTree>
+    <p:extLst>
+      <p:ext uri="{BB962C8B-B14F-4D97-AF65-F5344CB8AC3E}">
+        <p14:creationId xmlns:p14="http://schemas.microsoft.com/office/powerpoint/2010/main" val="2364405821"/>
+      </p:ext>
+    </p:extLst>
+  </p:cSld>
+  <p:clrMapOvr>
+    <a:masterClrMapping/>
+  </p:clrMapOvr>
+  <p:timing>
+    <p:tnLst>
+      <p:par>
+        <p:cTn id="1" dur="indefinite" restart="never" nodeType="tmRoot"/>
+      </p:par>
+    </p:tnLst>
+  </p:timing>
+</p:sld>
+</file>
+
+<file path=ppt/slides/slide2.xml><?xml version="1.0" encoding="utf-8"?>
+<p:sld xmlns:a="http://schemas.openxmlformats.org/drawingml/2006/main" xmlns:r="http://schemas.openxmlformats.org/officeDocument/2006/relationships" xmlns:p="http://schemas.openxmlformats.org/presentationml/2006/main">
+  <p:cSld>
+    <p:spTree>
+      <p:nvGrpSpPr>
+        <p:cNvPr id="1" name=""/>
+        <p:cNvGrpSpPr/>
+        <p:nvPr/>
+      </p:nvGrpSpPr>
+      <p:grpSpPr>
+        <a:xfrm>
+          <a:off x="0" y="0"/>
+          <a:ext cx="0" cy="0"/>
+          <a:chOff x="0" y="0"/>
+          <a:chExt cx="0" cy="0"/>
+        </a:xfrm>
+      </p:grpSpPr>
+      <p:sp>
+        <p:nvSpPr>
+          <p:cNvPr id="2" name="Title 1"/>
+          <p:cNvSpPr>
+            <a:spLocks noGrp="1"/>
+          </p:cNvSpPr>
+          <p:nvPr>
+            <p:ph type="title"/>
+          </p:nvPr>
+        </p:nvSpPr>
+        <p:spPr/>
+        <p:txBody>
+          <a:bodyPr/>
+          <a:lstStyle/>
+          <a:p>
+            <a:r>
+              <a:rPr lang="en-US" dirty="0" smtClean="0"/>
+              <a:t>Introduction</a:t>
+            </a:r>
+            <a:endParaRPr lang="en-US" dirty="0"/>
+          </a:p>
+        </p:txBody>
+      </p:sp>
+      <p:sp>
+        <p:nvSpPr>
+          <p:cNvPr id="3" name="Content Placeholder 2"/>
+          <p:cNvSpPr>
+            <a:spLocks noGrp="1"/>
+          </p:cNvSpPr>
+          <p:nvPr>
+            <p:ph idx="1"/>
+          </p:nvPr>
+        </p:nvSpPr>
+        <p:spPr/>
+        <p:txBody>
+          <a:bodyPr>
+            <a:normAutofit fontScale="92500" lnSpcReduction="20000"/>
+          </a:bodyPr>
+          <a:lstStyle/>
+          <a:p>
+            <a:r>
+              <a:rPr lang="en-US" dirty="0" smtClean="0"/>
+              <a:t>Graphical Information System (GIS), e.g.,</a:t>
+            </a:r>
+          </a:p>
+          <a:p>
+            <a:pPr lvl="1"/>
+            <a:r>
+              <a:rPr lang="en-US" dirty="0" smtClean="0"/>
+              <a:t>ArcGIS</a:t>
+            </a:r>
+          </a:p>
+          <a:p>
+            <a:pPr lvl="1"/>
+            <a:r>
+              <a:rPr lang="en-US" dirty="0" smtClean="0"/>
+              <a:t>QGIS</a:t>
+            </a:r>
+          </a:p>
+          <a:p>
+            <a:r>
+              <a:rPr lang="en-US" dirty="0" smtClean="0"/>
+              <a:t>Many data formats, e.g.,</a:t>
+            </a:r>
+          </a:p>
+          <a:p>
+            <a:pPr lvl="1"/>
+            <a:r>
+              <a:rPr lang="en-US" dirty="0" smtClean="0"/>
+              <a:t>shape files</a:t>
+            </a:r>
+          </a:p>
+          <a:p>
+            <a:pPr lvl="1"/>
+            <a:r>
+              <a:rPr lang="en-US" dirty="0" err="1" smtClean="0"/>
+              <a:t>GeoJSON</a:t>
+            </a:r>
+            <a:endParaRPr lang="en-US" dirty="0" smtClean="0"/>
+          </a:p>
+          <a:p>
+            <a:r>
+              <a:rPr lang="en-US" dirty="0" smtClean="0"/>
+              <a:t>Python &amp; GIS</a:t>
+            </a:r>
+          </a:p>
+          <a:p>
+            <a:pPr lvl="1"/>
+            <a:r>
+              <a:rPr lang="en-US" dirty="0" smtClean="0"/>
+              <a:t>I/O library: Fiona</a:t>
+            </a:r>
+          </a:p>
+          <a:p>
+            <a:pPr lvl="1"/>
+            <a:r>
+              <a:rPr lang="en-US" dirty="0" smtClean="0"/>
+              <a:t>visualization: Folium</a:t>
+            </a:r>
+          </a:p>
+          <a:p>
+            <a:pPr lvl="1"/>
+            <a:r>
+              <a:rPr lang="en-US" dirty="0" smtClean="0"/>
+              <a:t>data processing/modeling: Shapely</a:t>
+            </a:r>
+          </a:p>
+        </p:txBody>
+      </p:sp>
+      <p:sp>
+        <p:nvSpPr>
+          <p:cNvPr id="4" name="Slide Number Placeholder 3"/>
+          <p:cNvSpPr>
+            <a:spLocks noGrp="1"/>
+          </p:cNvSpPr>
+          <p:nvPr>
+            <p:ph type="sldNum" sz="quarter" idx="12"/>
+          </p:nvPr>
+        </p:nvSpPr>
+        <p:spPr/>
+        <p:txBody>
+          <a:bodyPr/>
+          <a:lstStyle/>
+          <a:p>
+            <a:fld id="{5A209D72-2E9D-49B0-8977-41DCCC66C0BB}" type="slidenum">
+              <a:rPr lang="nl-BE" smtClean="0">
+                <a:solidFill>
+                  <a:prstClr val="black">
+                    <a:tint val="75000"/>
+                  </a:prstClr>
+                </a:solidFill>
+              </a:rPr>
+              <a:pPr/>
+              <a:t>2</a:t>
+            </a:fld>
+            <a:endParaRPr lang="nl-BE">
+              <a:solidFill>
+                <a:prstClr val="black">
+                  <a:tint val="75000"/>
+                </a:prstClr>
+              </a:solidFill>
+            </a:endParaRPr>
+          </a:p>
+        </p:txBody>
+      </p:sp>
+      <p:sp>
+        <p:nvSpPr>
+          <p:cNvPr id="5" name="TextBox 4"/>
+          <p:cNvSpPr txBox="1"/>
+          <p:nvPr/>
+        </p:nvSpPr>
+        <p:spPr>
+          <a:xfrm>
+            <a:off x="3042606" y="2160573"/>
+            <a:ext cx="3697038" cy="461665"/>
+          </a:xfrm>
+          <a:prstGeom prst="rect">
+            <a:avLst/>
+          </a:prstGeom>
+          <a:noFill/>
+          <a:ln>
+            <a:solidFill>
+              <a:schemeClr val="tx1"/>
+            </a:solidFill>
+          </a:ln>
+        </p:spPr>
+        <p:txBody>
+          <a:bodyPr wrap="none" rtlCol="0">
+            <a:spAutoFit/>
+          </a:bodyPr>
+          <a:lstStyle/>
+          <a:p>
+            <a:r>
+              <a:rPr lang="en-US" sz="2400" dirty="0" smtClean="0"/>
+              <a:t>Can be scripted with Python</a:t>
+            </a:r>
+            <a:endParaRPr lang="en-US" sz="2400" dirty="0"/>
+          </a:p>
+        </p:txBody>
+      </p:sp>
+    </p:spTree>
+    <p:extLst>
+      <p:ext uri="{BB962C8B-B14F-4D97-AF65-F5344CB8AC3E}">
+        <p14:creationId xmlns:p14="http://schemas.microsoft.com/office/powerpoint/2010/main" val="2682687549"/>
+      </p:ext>
+    </p:extLst>
+  </p:cSld>
+  <p:clrMapOvr>
+    <a:masterClrMapping/>
+  </p:clrMapOvr>
+  <p:timing>
+    <p:tnLst>
+      <p:par>
+        <p:cTn id="1" dur="indefinite" restart="never" nodeType="tmRoot">
+          <p:childTnLst>
+            <p:seq concurrent="1" nextAc="seek">
+              <p:cTn id="2" dur="indefinite" nodeType="mainSeq">
+                <p:childTnLst>
+                  <p:par>
+                    <p:cTn id="3" fill="hold">
+                      <p:stCondLst>
+                        <p:cond delay="indefinite"/>
+                        <p:cond evt="onBegin" delay="0">
+                          <p:tn val="2"/>
+                        </p:cond>
+                      </p:stCondLst>
+                      <p:childTnLst>
+                        <p:par>
+                          <p:cTn id="4" fill="hold">
+                            <p:stCondLst>
+                              <p:cond delay="0"/>
+                            </p:stCondLst>
+                            <p:childTnLst>
+                              <p:par>
+                                <p:cTn id="5" presetID="1" presetClass="entr" presetSubtype="0" fill="hold" grpId="0" nodeType="withEffect">
+                                  <p:stCondLst>
+                                    <p:cond delay="0"/>
+                                  </p:stCondLst>
+                                  <p:childTnLst>
+                                    <p:set>
+                                      <p:cBhvr>
+                                        <p:cTn id="6" dur="1" fill="hold">
+                                          <p:stCondLst>
+                                            <p:cond delay="0"/>
+                                          </p:stCondLst>
+                                        </p:cTn>
+                                        <p:tgtEl>
+                                          <p:spTgt spid="3">
+                                            <p:txEl>
+                                              <p:pRg st="0" end="0"/>
+                                            </p:txEl>
+                                          </p:spTgt>
+                                        </p:tgtEl>
+                                        <p:attrNameLst>
+                                          <p:attrName>style.visibility</p:attrName>
+                                        </p:attrNameLst>
+                                      </p:cBhvr>
+                                      <p:to>
+                                        <p:strVal val="visible"/>
+                                      </p:to>
+                                    </p:set>
+                                  </p:childTnLst>
+                                </p:cTn>
+                              </p:par>
+                              <p:par>
+                                <p:cTn id="7" presetID="1" presetClass="entr" presetSubtype="0" fill="hold" grpId="0" nodeType="withEffect">
+                                  <p:stCondLst>
+                                    <p:cond delay="0"/>
+                                  </p:stCondLst>
+                                  <p:childTnLst>
+                                    <p:set>
+                                      <p:cBhvr>
+                                        <p:cTn id="8" dur="1" fill="hold">
+                                          <p:stCondLst>
+                                            <p:cond delay="0"/>
+                                          </p:stCondLst>
+                                        </p:cTn>
+                                        <p:tgtEl>
+                                          <p:spTgt spid="3">
+                                            <p:txEl>
+                                              <p:pRg st="1" end="1"/>
+                                            </p:txEl>
+                                          </p:spTgt>
+                                        </p:tgtEl>
+                                        <p:attrNameLst>
+                                          <p:attrName>style.visibility</p:attrName>
+                                        </p:attrNameLst>
+                                      </p:cBhvr>
+                                      <p:to>
+                                        <p:strVal val="visible"/>
+                                      </p:to>
+                                    </p:set>
+                                  </p:childTnLst>
+                                </p:cTn>
+                              </p:par>
+                              <p:par>
+                                <p:cTn id="9" presetID="1" presetClass="entr" presetSubtype="0" fill="hold" grpId="0" nodeType="withEffect">
+                                  <p:stCondLst>
+                                    <p:cond delay="0"/>
+                                  </p:stCondLst>
+                                  <p:childTnLst>
+                                    <p:set>
+                                      <p:cBhvr>
+                                        <p:cTn id="10" dur="1" fill="hold">
+                                          <p:stCondLst>
+                                            <p:cond delay="0"/>
+                                          </p:stCondLst>
+                                        </p:cTn>
+                                        <p:tgtEl>
+                                          <p:spTgt spid="3">
+                                            <p:txEl>
+                                              <p:pRg st="2" end="2"/>
+                                            </p:txEl>
+                                          </p:spTgt>
+                                        </p:tgtEl>
+                                        <p:attrNameLst>
+                                          <p:attrName>style.visibility</p:attrName>
+                                        </p:attrNameLst>
+                                      </p:cBhvr>
+                                      <p:to>
+                                        <p:strVal val="visible"/>
+                                      </p:to>
+                                    </p:set>
+                                  </p:childTnLst>
+                                </p:cTn>
+                              </p:par>
+                            </p:childTnLst>
+                          </p:cTn>
+                        </p:par>
+                      </p:childTnLst>
+                    </p:cTn>
+                  </p:par>
+                  <p:par>
+                    <p:cTn id="11" fill="hold">
+                      <p:stCondLst>
+                        <p:cond delay="indefinite"/>
+                      </p:stCondLst>
+                      <p:childTnLst>
+                        <p:par>
+                          <p:cTn id="12" fill="hold">
+                            <p:stCondLst>
+                              <p:cond delay="0"/>
+                            </p:stCondLst>
+                            <p:childTnLst>
+                              <p:par>
+                                <p:cTn id="13" presetID="1" presetClass="entr" presetSubtype="0" fill="hold" grpId="0" nodeType="clickEffect">
+                                  <p:stCondLst>
+                                    <p:cond delay="0"/>
+                                  </p:stCondLst>
+                                  <p:childTnLst>
+                                    <p:set>
+                                      <p:cBhvr>
+                                        <p:cTn id="14" dur="1" fill="hold">
+                                          <p:stCondLst>
+                                            <p:cond delay="0"/>
+                                          </p:stCondLst>
+                                        </p:cTn>
+                                        <p:tgtEl>
+                                          <p:spTgt spid="5"/>
+                                        </p:tgtEl>
+                                        <p:attrNameLst>
+                                          <p:attrName>style.visibility</p:attrName>
+                                        </p:attrNameLst>
+                                      </p:cBhvr>
+                                      <p:to>
+                                        <p:strVal val="visible"/>
+                                      </p:to>
+                                    </p:set>
+                                  </p:childTnLst>
+                                </p:cTn>
+                              </p:par>
+                            </p:childTnLst>
+                          </p:cTn>
+                        </p:par>
+                      </p:childTnLst>
+                    </p:cTn>
+                  </p:par>
+                  <p:par>
+                    <p:cTn id="15" fill="hold">
+                      <p:stCondLst>
+                        <p:cond delay="indefinite"/>
+                      </p:stCondLst>
+                      <p:childTnLst>
+                        <p:par>
+                          <p:cTn id="16" fill="hold">
+                            <p:stCondLst>
+                              <p:cond delay="0"/>
+                            </p:stCondLst>
+                            <p:childTnLst>
+                              <p:par>
+                                <p:cTn id="17" presetID="1" presetClass="entr" presetSubtype="0" fill="hold" grpId="0" nodeType="clickEffect">
+                                  <p:stCondLst>
+                                    <p:cond delay="0"/>
+                                  </p:stCondLst>
+                                  <p:childTnLst>
+                                    <p:set>
+                                      <p:cBhvr>
+                                        <p:cTn id="18" dur="1" fill="hold">
+                                          <p:stCondLst>
+                                            <p:cond delay="0"/>
+                                          </p:stCondLst>
+                                        </p:cTn>
+                                        <p:tgtEl>
+                                          <p:spTgt spid="3">
+                                            <p:txEl>
+                                              <p:pRg st="3" end="3"/>
+                                            </p:txEl>
+                                          </p:spTgt>
+                                        </p:tgtEl>
+                                        <p:attrNameLst>
+                                          <p:attrName>style.visibility</p:attrName>
+                                        </p:attrNameLst>
+                                      </p:cBhvr>
+                                      <p:to>
+                                        <p:strVal val="visible"/>
+                                      </p:to>
+                                    </p:set>
+                                  </p:childTnLst>
+                                </p:cTn>
+                              </p:par>
+                              <p:par>
+                                <p:cTn id="19" presetID="1" presetClass="entr" presetSubtype="0" fill="hold" grpId="0" nodeType="withEffect">
+                                  <p:stCondLst>
+                                    <p:cond delay="0"/>
+                                  </p:stCondLst>
+                                  <p:childTnLst>
+                                    <p:set>
+                                      <p:cBhvr>
+                                        <p:cTn id="20" dur="1" fill="hold">
+                                          <p:stCondLst>
+                                            <p:cond delay="0"/>
+                                          </p:stCondLst>
+                                        </p:cTn>
+                                        <p:tgtEl>
+                                          <p:spTgt spid="3">
+                                            <p:txEl>
+                                              <p:pRg st="4" end="4"/>
+                                            </p:txEl>
+                                          </p:spTgt>
+                                        </p:tgtEl>
+                                        <p:attrNameLst>
+                                          <p:attrName>style.visibility</p:attrName>
+                                        </p:attrNameLst>
+                                      </p:cBhvr>
+                                      <p:to>
+                                        <p:strVal val="visible"/>
+                                      </p:to>
+                                    </p:set>
+                                  </p:childTnLst>
+                                </p:cTn>
+                              </p:par>
+                              <p:par>
+                                <p:cTn id="21" presetID="1" presetClass="entr" presetSubtype="0" fill="hold" grpId="0" nodeType="withEffect">
+                                  <p:stCondLst>
+                                    <p:cond delay="0"/>
+                                  </p:stCondLst>
+                                  <p:childTnLst>
+                                    <p:set>
+                                      <p:cBhvr>
+                                        <p:cTn id="22" dur="1" fill="hold">
+                                          <p:stCondLst>
+                                            <p:cond delay="0"/>
+                                          </p:stCondLst>
+                                        </p:cTn>
+                                        <p:tgtEl>
+                                          <p:spTgt spid="3">
+                                            <p:txEl>
+                                              <p:pRg st="5" end="5"/>
+                                            </p:txEl>
+                                          </p:spTgt>
+                                        </p:tgtEl>
+                                        <p:attrNameLst>
+                                          <p:attrName>style.visibility</p:attrName>
+                                        </p:attrNameLst>
+                                      </p:cBhvr>
+                                      <p:to>
+                                        <p:strVal val="visible"/>
+                                      </p:to>
+                                    </p:set>
+                                  </p:childTnLst>
+                                </p:cTn>
+                              </p:par>
+                            </p:childTnLst>
+                          </p:cTn>
+                        </p:par>
+                      </p:childTnLst>
+                    </p:cTn>
+                  </p:par>
+                  <p:par>
+                    <p:cTn id="23" fill="hold">
+                      <p:stCondLst>
+                        <p:cond delay="indefinite"/>
+                      </p:stCondLst>
+                      <p:childTnLst>
+                        <p:par>
+                          <p:cTn id="24" fill="hold">
+                            <p:stCondLst>
+                              <p:cond delay="0"/>
+                            </p:stCondLst>
+                            <p:childTnLst>
+                              <p:par>
+                                <p:cTn id="25" presetID="1" presetClass="entr" presetSubtype="0" fill="hold" grpId="0" nodeType="clickEffect">
+                                  <p:stCondLst>
+                                    <p:cond delay="0"/>
+                                  </p:stCondLst>
+                                  <p:childTnLst>
+                                    <p:set>
+                                      <p:cBhvr>
+                                        <p:cTn id="26" dur="1" fill="hold">
+                                          <p:stCondLst>
+                                            <p:cond delay="0"/>
+                                          </p:stCondLst>
+                                        </p:cTn>
+                                        <p:tgtEl>
+                                          <p:spTgt spid="3">
+                                            <p:txEl>
+                                              <p:pRg st="6" end="6"/>
+                                            </p:txEl>
+                                          </p:spTgt>
+                                        </p:tgtEl>
+                                        <p:attrNameLst>
+                                          <p:attrName>style.visibility</p:attrName>
+                                        </p:attrNameLst>
+                                      </p:cBhvr>
+                                      <p:to>
+                                        <p:strVal val="visible"/>
+                                      </p:to>
+                                    </p:set>
+                                  </p:childTnLst>
+                                </p:cTn>
+                              </p:par>
+                              <p:par>
+                                <p:cTn id="27" presetID="1" presetClass="entr" presetSubtype="0" fill="hold" grpId="0" nodeType="withEffect">
+                                  <p:stCondLst>
+                                    <p:cond delay="0"/>
+                                  </p:stCondLst>
+                                  <p:childTnLst>
+                                    <p:set>
+                                      <p:cBhvr>
+                                        <p:cTn id="28" dur="1" fill="hold">
+                                          <p:stCondLst>
+                                            <p:cond delay="0"/>
+                                          </p:stCondLst>
+                                        </p:cTn>
+                                        <p:tgtEl>
+                                          <p:spTgt spid="3">
+                                            <p:txEl>
+                                              <p:pRg st="7" end="7"/>
+                                            </p:txEl>
+                                          </p:spTgt>
+                                        </p:tgtEl>
+                                        <p:attrNameLst>
+                                          <p:attrName>style.visibility</p:attrName>
+                                        </p:attrNameLst>
+                                      </p:cBhvr>
+                                      <p:to>
+                                        <p:strVal val="visible"/>
+                                      </p:to>
+                                    </p:set>
+                                  </p:childTnLst>
+                                </p:cTn>
+                              </p:par>
+                              <p:par>
+                                <p:cTn id="29" presetID="1" presetClass="entr" presetSubtype="0" fill="hold" grpId="0" nodeType="withEffect">
+                                  <p:stCondLst>
+                                    <p:cond delay="0"/>
+                                  </p:stCondLst>
+                                  <p:childTnLst>
+                                    <p:set>
+                                      <p:cBhvr>
+                                        <p:cTn id="30" dur="1" fill="hold">
+                                          <p:stCondLst>
+                                            <p:cond delay="0"/>
+                                          </p:stCondLst>
+                                        </p:cTn>
+                                        <p:tgtEl>
+                                          <p:spTgt spid="3">
+                                            <p:txEl>
+                                              <p:pRg st="8" end="8"/>
+                                            </p:txEl>
+                                          </p:spTgt>
+                                        </p:tgtEl>
+                                        <p:attrNameLst>
+                                          <p:attrName>style.visibility</p:attrName>
+                                        </p:attrNameLst>
+                                      </p:cBhvr>
+                                      <p:to>
+                                        <p:strVal val="visible"/>
+                                      </p:to>
+                                    </p:set>
+                                  </p:childTnLst>
+                                </p:cTn>
+                              </p:par>
+                              <p:par>
+                                <p:cTn id="31" presetID="1" presetClass="entr" presetSubtype="0" fill="hold" grpId="0" nodeType="withEffect">
+                                  <p:stCondLst>
+                                    <p:cond delay="0"/>
+                                  </p:stCondLst>
+                                  <p:childTnLst>
+                                    <p:set>
+                                      <p:cBhvr>
+                                        <p:cTn id="32" dur="1" fill="hold">
+                                          <p:stCondLst>
+                                            <p:cond delay="0"/>
+                                          </p:stCondLst>
+                                        </p:cTn>
+                                        <p:tgtEl>
+                                          <p:spTgt spid="3">
+                                            <p:txEl>
+                                              <p:pRg st="9" end="9"/>
+                                            </p:txEl>
+                                          </p:spTgt>
+                                        </p:tgtEl>
+                                        <p:attrNameLst>
+                                          <p:attrName>style.visibility</p:attrName>
+                                        </p:attrNameLst>
+                                      </p:cBhvr>
+                                      <p:to>
+                                        <p:strVal val="visible"/>
+                                      </p:to>
+                                    </p:set>
+                                  </p:childTnLst>
+                                </p:cTn>
+                              </p:par>
+                            </p:childTnLst>
+                          </p:cTn>
+                        </p:par>
+                      </p:childTnLst>
+                    </p:cTn>
+                  </p:par>
+                </p:childTnLst>
+              </p:cTn>
+              <p:prevCondLst>
+                <p:cond evt="onPrev" delay="0">
+                  <p:tgtEl>
+                    <p:sldTgt/>
+                  </p:tgtEl>
+                </p:cond>
+              </p:prevCondLst>
+              <p:nextCondLst>
+                <p:cond evt="onNext" delay="0">
+                  <p:tgtEl>
+                    <p:sldTgt/>
+                  </p:tgtEl>
+                </p:cond>
+              </p:nextCondLst>
+            </p:seq>
+          </p:childTnLst>
+        </p:cTn>
+      </p:par>
+    </p:tnLst>
+    <p:bldLst>
+      <p:bldP spid="3" grpId="0" uiExpand="1" build="p"/>
+      <p:bldP spid="5" grpId="0" animBg="1"/>
+    </p:bldLst>
+  </p:timing>
+</p:sld>
+</file>
+
+<file path=ppt/slides/slide20.xml><?xml version="1.0" encoding="utf-8"?>
+<p:sld xmlns:a="http://schemas.openxmlformats.org/drawingml/2006/main" xmlns:r="http://schemas.openxmlformats.org/officeDocument/2006/relationships" xmlns:p="http://schemas.openxmlformats.org/presentationml/2006/main">
+  <p:cSld>
+    <p:spTree>
+      <p:nvGrpSpPr>
+        <p:cNvPr id="1" name=""/>
+        <p:cNvGrpSpPr/>
+        <p:nvPr/>
+      </p:nvGrpSpPr>
+      <p:grpSpPr>
+        <a:xfrm>
+          <a:off x="0" y="0"/>
+          <a:ext cx="0" cy="0"/>
+          <a:chOff x="0" y="0"/>
+          <a:chExt cx="0" cy="0"/>
+        </a:xfrm>
+      </p:grpSpPr>
+      <p:sp>
+        <p:nvSpPr>
+          <p:cNvPr id="2" name="Title 1"/>
+          <p:cNvSpPr>
+            <a:spLocks noGrp="1"/>
+          </p:cNvSpPr>
+          <p:nvPr>
+            <p:ph type="title"/>
+          </p:nvPr>
+        </p:nvSpPr>
+        <p:spPr/>
+        <p:txBody>
+          <a:bodyPr/>
+          <a:lstStyle/>
+          <a:p>
+            <a:r>
+              <a:rPr lang="en-US" dirty="0" err="1" smtClean="0"/>
+              <a:t>GeoTIFF</a:t>
+            </a:r>
+            <a:endParaRPr lang="en-US" dirty="0"/>
+          </a:p>
+        </p:txBody>
+      </p:sp>
+      <p:sp>
+        <p:nvSpPr>
+          <p:cNvPr id="3" name="Content Placeholder 2"/>
+          <p:cNvSpPr>
+            <a:spLocks noGrp="1"/>
+          </p:cNvSpPr>
+          <p:nvPr>
+            <p:ph idx="1"/>
+          </p:nvPr>
+        </p:nvSpPr>
+        <p:spPr/>
+        <p:txBody>
+          <a:bodyPr/>
+          <a:lstStyle/>
+          <a:p>
+            <a:r>
+              <a:rPr lang="en-US" dirty="0" smtClean="0"/>
+              <a:t>Raster data, e.g., satellite imagery</a:t>
+            </a:r>
+          </a:p>
+          <a:p>
+            <a:pPr lvl="1"/>
+            <a:r>
+              <a:rPr lang="en-US" dirty="0" smtClean="0"/>
+              <a:t>TIFF image file</a:t>
+            </a:r>
+          </a:p>
+          <a:p>
+            <a:pPr lvl="2"/>
+            <a:r>
+              <a:rPr lang="en-US" dirty="0" smtClean="0"/>
+              <a:t>1 or more raster bands</a:t>
+            </a:r>
+          </a:p>
+          <a:p>
+            <a:pPr lvl="1"/>
+            <a:r>
+              <a:rPr lang="en-US" dirty="0" smtClean="0"/>
+              <a:t>meta-data in tags</a:t>
+            </a:r>
+          </a:p>
+          <a:p>
+            <a:pPr lvl="2"/>
+            <a:r>
+              <a:rPr lang="en-US" dirty="0" smtClean="0"/>
+              <a:t>coordinate reference system</a:t>
+            </a:r>
+          </a:p>
+          <a:p>
+            <a:pPr lvl="2"/>
+            <a:r>
+              <a:rPr lang="en-US" dirty="0" err="1" smtClean="0"/>
+              <a:t>geotransform</a:t>
+            </a:r>
+            <a:endParaRPr lang="en-US" dirty="0" smtClean="0"/>
+          </a:p>
+          <a:p>
+            <a:r>
+              <a:rPr lang="en-US" dirty="0" smtClean="0"/>
+              <a:t>I/O: GDAL library with Python wrapper</a:t>
+            </a:r>
+            <a:endParaRPr lang="en-US" dirty="0"/>
+          </a:p>
+        </p:txBody>
+      </p:sp>
+      <p:sp>
+        <p:nvSpPr>
+          <p:cNvPr id="4" name="Slide Number Placeholder 3"/>
+          <p:cNvSpPr>
+            <a:spLocks noGrp="1"/>
+          </p:cNvSpPr>
+          <p:nvPr>
+            <p:ph type="sldNum" sz="quarter" idx="12"/>
+          </p:nvPr>
+        </p:nvSpPr>
+        <p:spPr/>
+        <p:txBody>
+          <a:bodyPr/>
+          <a:lstStyle/>
+          <a:p>
+            <a:fld id="{5A209D72-2E9D-49B0-8977-41DCCC66C0BB}" type="slidenum">
+              <a:rPr lang="nl-BE" smtClean="0">
+                <a:solidFill>
+                  <a:prstClr val="black">
+                    <a:tint val="75000"/>
+                  </a:prstClr>
+                </a:solidFill>
+              </a:rPr>
+              <a:pPr/>
+              <a:t>20</a:t>
             </a:fld>
             <a:endParaRPr lang="nl-BE">
               <a:solidFill>
@@ -11409,7 +13115,7 @@
 </p:sld>
 </file>
 
-<file path=ppt/slides/slide19.xml><?xml version="1.0" encoding="utf-8"?>
+<file path=ppt/slides/slide21.xml><?xml version="1.0" encoding="utf-8"?>
 <p:sld xmlns:a="http://schemas.openxmlformats.org/drawingml/2006/main" xmlns:r="http://schemas.openxmlformats.org/officeDocument/2006/relationships" xmlns:p="http://schemas.openxmlformats.org/presentationml/2006/main">
   <p:cSld>
     <p:spTree>
@@ -11600,7 +13306,7 @@
                 </a:solidFill>
               </a:rPr>
               <a:pPr/>
-              <a:t>19</a:t>
+              <a:t>21</a:t>
             </a:fld>
             <a:endParaRPr lang="nl-BE">
               <a:solidFill>
@@ -12380,7 +14086,7 @@
 </p:sld>
 </file>
 
-<file path=ppt/slides/slide2.xml><?xml version="1.0" encoding="utf-8"?>
+<file path=ppt/slides/slide22.xml><?xml version="1.0" encoding="utf-8"?>
 <p:sld xmlns:a="http://schemas.openxmlformats.org/drawingml/2006/main" xmlns:r="http://schemas.openxmlformats.org/officeDocument/2006/relationships" xmlns:p="http://schemas.openxmlformats.org/presentationml/2006/main">
   <p:cSld>
     <p:spTree>
@@ -12414,662 +14120,6 @@
           <a:p>
             <a:r>
               <a:rPr lang="en-US" dirty="0" smtClean="0"/>
-              <a:t>Introduction</a:t>
-            </a:r>
-            <a:endParaRPr lang="en-US" dirty="0"/>
-          </a:p>
-        </p:txBody>
-      </p:sp>
-      <p:sp>
-        <p:nvSpPr>
-          <p:cNvPr id="3" name="Content Placeholder 2"/>
-          <p:cNvSpPr>
-            <a:spLocks noGrp="1"/>
-          </p:cNvSpPr>
-          <p:nvPr>
-            <p:ph idx="1"/>
-          </p:nvPr>
-        </p:nvSpPr>
-        <p:spPr/>
-        <p:txBody>
-          <a:bodyPr>
-            <a:normAutofit fontScale="92500" lnSpcReduction="20000"/>
-          </a:bodyPr>
-          <a:lstStyle/>
-          <a:p>
-            <a:r>
-              <a:rPr lang="en-US" dirty="0" smtClean="0"/>
-              <a:t>Graphical Information System (GIS), e.g.,</a:t>
-            </a:r>
-          </a:p>
-          <a:p>
-            <a:pPr lvl="1"/>
-            <a:r>
-              <a:rPr lang="en-US" dirty="0" smtClean="0"/>
-              <a:t>ArcGIS</a:t>
-            </a:r>
-          </a:p>
-          <a:p>
-            <a:pPr lvl="1"/>
-            <a:r>
-              <a:rPr lang="en-US" dirty="0" smtClean="0"/>
-              <a:t>QGIS</a:t>
-            </a:r>
-          </a:p>
-          <a:p>
-            <a:r>
-              <a:rPr lang="en-US" dirty="0" smtClean="0"/>
-              <a:t>Many data formats, e.g.,</a:t>
-            </a:r>
-          </a:p>
-          <a:p>
-            <a:pPr lvl="1"/>
-            <a:r>
-              <a:rPr lang="en-US" dirty="0" smtClean="0"/>
-              <a:t>shape files</a:t>
-            </a:r>
-          </a:p>
-          <a:p>
-            <a:pPr lvl="1"/>
-            <a:r>
-              <a:rPr lang="en-US" dirty="0" err="1" smtClean="0"/>
-              <a:t>GeoJSON</a:t>
-            </a:r>
-            <a:endParaRPr lang="en-US" dirty="0" smtClean="0"/>
-          </a:p>
-          <a:p>
-            <a:r>
-              <a:rPr lang="en-US" dirty="0" smtClean="0"/>
-              <a:t>Python &amp; GIS</a:t>
-            </a:r>
-          </a:p>
-          <a:p>
-            <a:pPr lvl="1"/>
-            <a:r>
-              <a:rPr lang="en-US" dirty="0" smtClean="0"/>
-              <a:t>I/O library: Fiona</a:t>
-            </a:r>
-          </a:p>
-          <a:p>
-            <a:pPr lvl="1"/>
-            <a:r>
-              <a:rPr lang="en-US" dirty="0" smtClean="0"/>
-              <a:t>visualization: Folium</a:t>
-            </a:r>
-          </a:p>
-          <a:p>
-            <a:pPr lvl="1"/>
-            <a:r>
-              <a:rPr lang="en-US" dirty="0" smtClean="0"/>
-              <a:t>data processing/modeling: Shapely</a:t>
-            </a:r>
-          </a:p>
-        </p:txBody>
-      </p:sp>
-      <p:sp>
-        <p:nvSpPr>
-          <p:cNvPr id="4" name="Slide Number Placeholder 3"/>
-          <p:cNvSpPr>
-            <a:spLocks noGrp="1"/>
-          </p:cNvSpPr>
-          <p:nvPr>
-            <p:ph type="sldNum" sz="quarter" idx="12"/>
-          </p:nvPr>
-        </p:nvSpPr>
-        <p:spPr/>
-        <p:txBody>
-          <a:bodyPr/>
-          <a:lstStyle/>
-          <a:p>
-            <a:fld id="{5A209D72-2E9D-49B0-8977-41DCCC66C0BB}" type="slidenum">
-              <a:rPr lang="nl-BE" smtClean="0">
-                <a:solidFill>
-                  <a:prstClr val="black">
-                    <a:tint val="75000"/>
-                  </a:prstClr>
-                </a:solidFill>
-              </a:rPr>
-              <a:pPr/>
-              <a:t>2</a:t>
-            </a:fld>
-            <a:endParaRPr lang="nl-BE">
-              <a:solidFill>
-                <a:prstClr val="black">
-                  <a:tint val="75000"/>
-                </a:prstClr>
-              </a:solidFill>
-            </a:endParaRPr>
-          </a:p>
-        </p:txBody>
-      </p:sp>
-      <p:sp>
-        <p:nvSpPr>
-          <p:cNvPr id="5" name="TextBox 4"/>
-          <p:cNvSpPr txBox="1"/>
-          <p:nvPr/>
-        </p:nvSpPr>
-        <p:spPr>
-          <a:xfrm>
-            <a:off x="3042606" y="2160573"/>
-            <a:ext cx="3697038" cy="461665"/>
-          </a:xfrm>
-          <a:prstGeom prst="rect">
-            <a:avLst/>
-          </a:prstGeom>
-          <a:noFill/>
-          <a:ln>
-            <a:solidFill>
-              <a:schemeClr val="tx1"/>
-            </a:solidFill>
-          </a:ln>
-        </p:spPr>
-        <p:txBody>
-          <a:bodyPr wrap="none" rtlCol="0">
-            <a:spAutoFit/>
-          </a:bodyPr>
-          <a:lstStyle/>
-          <a:p>
-            <a:r>
-              <a:rPr lang="en-US" sz="2400" dirty="0" smtClean="0"/>
-              <a:t>Can be scripted with Python</a:t>
-            </a:r>
-            <a:endParaRPr lang="en-US" sz="2400" dirty="0"/>
-          </a:p>
-        </p:txBody>
-      </p:sp>
-    </p:spTree>
-    <p:extLst>
-      <p:ext uri="{BB962C8B-B14F-4D97-AF65-F5344CB8AC3E}">
-        <p14:creationId xmlns:p14="http://schemas.microsoft.com/office/powerpoint/2010/main" val="2682687549"/>
-      </p:ext>
-    </p:extLst>
-  </p:cSld>
-  <p:clrMapOvr>
-    <a:masterClrMapping/>
-  </p:clrMapOvr>
-  <p:timing>
-    <p:tnLst>
-      <p:par>
-        <p:cTn id="1" dur="indefinite" restart="never" nodeType="tmRoot">
-          <p:childTnLst>
-            <p:seq concurrent="1" nextAc="seek">
-              <p:cTn id="2" dur="indefinite" nodeType="mainSeq">
-                <p:childTnLst>
-                  <p:par>
-                    <p:cTn id="3" fill="hold">
-                      <p:stCondLst>
-                        <p:cond delay="indefinite"/>
-                        <p:cond evt="onBegin" delay="0">
-                          <p:tn val="2"/>
-                        </p:cond>
-                      </p:stCondLst>
-                      <p:childTnLst>
-                        <p:par>
-                          <p:cTn id="4" fill="hold">
-                            <p:stCondLst>
-                              <p:cond delay="0"/>
-                            </p:stCondLst>
-                            <p:childTnLst>
-                              <p:par>
-                                <p:cTn id="5" presetID="1" presetClass="entr" presetSubtype="0" fill="hold" grpId="0" nodeType="withEffect">
-                                  <p:stCondLst>
-                                    <p:cond delay="0"/>
-                                  </p:stCondLst>
-                                  <p:childTnLst>
-                                    <p:set>
-                                      <p:cBhvr>
-                                        <p:cTn id="6" dur="1" fill="hold">
-                                          <p:stCondLst>
-                                            <p:cond delay="0"/>
-                                          </p:stCondLst>
-                                        </p:cTn>
-                                        <p:tgtEl>
-                                          <p:spTgt spid="3">
-                                            <p:txEl>
-                                              <p:pRg st="0" end="0"/>
-                                            </p:txEl>
-                                          </p:spTgt>
-                                        </p:tgtEl>
-                                        <p:attrNameLst>
-                                          <p:attrName>style.visibility</p:attrName>
-                                        </p:attrNameLst>
-                                      </p:cBhvr>
-                                      <p:to>
-                                        <p:strVal val="visible"/>
-                                      </p:to>
-                                    </p:set>
-                                  </p:childTnLst>
-                                </p:cTn>
-                              </p:par>
-                              <p:par>
-                                <p:cTn id="7" presetID="1" presetClass="entr" presetSubtype="0" fill="hold" grpId="0" nodeType="withEffect">
-                                  <p:stCondLst>
-                                    <p:cond delay="0"/>
-                                  </p:stCondLst>
-                                  <p:childTnLst>
-                                    <p:set>
-                                      <p:cBhvr>
-                                        <p:cTn id="8" dur="1" fill="hold">
-                                          <p:stCondLst>
-                                            <p:cond delay="0"/>
-                                          </p:stCondLst>
-                                        </p:cTn>
-                                        <p:tgtEl>
-                                          <p:spTgt spid="3">
-                                            <p:txEl>
-                                              <p:pRg st="1" end="1"/>
-                                            </p:txEl>
-                                          </p:spTgt>
-                                        </p:tgtEl>
-                                        <p:attrNameLst>
-                                          <p:attrName>style.visibility</p:attrName>
-                                        </p:attrNameLst>
-                                      </p:cBhvr>
-                                      <p:to>
-                                        <p:strVal val="visible"/>
-                                      </p:to>
-                                    </p:set>
-                                  </p:childTnLst>
-                                </p:cTn>
-                              </p:par>
-                              <p:par>
-                                <p:cTn id="9" presetID="1" presetClass="entr" presetSubtype="0" fill="hold" grpId="0" nodeType="withEffect">
-                                  <p:stCondLst>
-                                    <p:cond delay="0"/>
-                                  </p:stCondLst>
-                                  <p:childTnLst>
-                                    <p:set>
-                                      <p:cBhvr>
-                                        <p:cTn id="10" dur="1" fill="hold">
-                                          <p:stCondLst>
-                                            <p:cond delay="0"/>
-                                          </p:stCondLst>
-                                        </p:cTn>
-                                        <p:tgtEl>
-                                          <p:spTgt spid="3">
-                                            <p:txEl>
-                                              <p:pRg st="2" end="2"/>
-                                            </p:txEl>
-                                          </p:spTgt>
-                                        </p:tgtEl>
-                                        <p:attrNameLst>
-                                          <p:attrName>style.visibility</p:attrName>
-                                        </p:attrNameLst>
-                                      </p:cBhvr>
-                                      <p:to>
-                                        <p:strVal val="visible"/>
-                                      </p:to>
-                                    </p:set>
-                                  </p:childTnLst>
-                                </p:cTn>
-                              </p:par>
-                            </p:childTnLst>
-                          </p:cTn>
-                        </p:par>
-                      </p:childTnLst>
-                    </p:cTn>
-                  </p:par>
-                  <p:par>
-                    <p:cTn id="11" fill="hold">
-                      <p:stCondLst>
-                        <p:cond delay="indefinite"/>
-                      </p:stCondLst>
-                      <p:childTnLst>
-                        <p:par>
-                          <p:cTn id="12" fill="hold">
-                            <p:stCondLst>
-                              <p:cond delay="0"/>
-                            </p:stCondLst>
-                            <p:childTnLst>
-                              <p:par>
-                                <p:cTn id="13" presetID="1" presetClass="entr" presetSubtype="0" fill="hold" grpId="0" nodeType="clickEffect">
-                                  <p:stCondLst>
-                                    <p:cond delay="0"/>
-                                  </p:stCondLst>
-                                  <p:childTnLst>
-                                    <p:set>
-                                      <p:cBhvr>
-                                        <p:cTn id="14" dur="1" fill="hold">
-                                          <p:stCondLst>
-                                            <p:cond delay="0"/>
-                                          </p:stCondLst>
-                                        </p:cTn>
-                                        <p:tgtEl>
-                                          <p:spTgt spid="5"/>
-                                        </p:tgtEl>
-                                        <p:attrNameLst>
-                                          <p:attrName>style.visibility</p:attrName>
-                                        </p:attrNameLst>
-                                      </p:cBhvr>
-                                      <p:to>
-                                        <p:strVal val="visible"/>
-                                      </p:to>
-                                    </p:set>
-                                  </p:childTnLst>
-                                </p:cTn>
-                              </p:par>
-                            </p:childTnLst>
-                          </p:cTn>
-                        </p:par>
-                      </p:childTnLst>
-                    </p:cTn>
-                  </p:par>
-                  <p:par>
-                    <p:cTn id="15" fill="hold">
-                      <p:stCondLst>
-                        <p:cond delay="indefinite"/>
-                      </p:stCondLst>
-                      <p:childTnLst>
-                        <p:par>
-                          <p:cTn id="16" fill="hold">
-                            <p:stCondLst>
-                              <p:cond delay="0"/>
-                            </p:stCondLst>
-                            <p:childTnLst>
-                              <p:par>
-                                <p:cTn id="17" presetID="1" presetClass="entr" presetSubtype="0" fill="hold" grpId="0" nodeType="clickEffect">
-                                  <p:stCondLst>
-                                    <p:cond delay="0"/>
-                                  </p:stCondLst>
-                                  <p:childTnLst>
-                                    <p:set>
-                                      <p:cBhvr>
-                                        <p:cTn id="18" dur="1" fill="hold">
-                                          <p:stCondLst>
-                                            <p:cond delay="0"/>
-                                          </p:stCondLst>
-                                        </p:cTn>
-                                        <p:tgtEl>
-                                          <p:spTgt spid="3">
-                                            <p:txEl>
-                                              <p:pRg st="3" end="3"/>
-                                            </p:txEl>
-                                          </p:spTgt>
-                                        </p:tgtEl>
-                                        <p:attrNameLst>
-                                          <p:attrName>style.visibility</p:attrName>
-                                        </p:attrNameLst>
-                                      </p:cBhvr>
-                                      <p:to>
-                                        <p:strVal val="visible"/>
-                                      </p:to>
-                                    </p:set>
-                                  </p:childTnLst>
-                                </p:cTn>
-                              </p:par>
-                              <p:par>
-                                <p:cTn id="19" presetID="1" presetClass="entr" presetSubtype="0" fill="hold" grpId="0" nodeType="withEffect">
-                                  <p:stCondLst>
-                                    <p:cond delay="0"/>
-                                  </p:stCondLst>
-                                  <p:childTnLst>
-                                    <p:set>
-                                      <p:cBhvr>
-                                        <p:cTn id="20" dur="1" fill="hold">
-                                          <p:stCondLst>
-                                            <p:cond delay="0"/>
-                                          </p:stCondLst>
-                                        </p:cTn>
-                                        <p:tgtEl>
-                                          <p:spTgt spid="3">
-                                            <p:txEl>
-                                              <p:pRg st="4" end="4"/>
-                                            </p:txEl>
-                                          </p:spTgt>
-                                        </p:tgtEl>
-                                        <p:attrNameLst>
-                                          <p:attrName>style.visibility</p:attrName>
-                                        </p:attrNameLst>
-                                      </p:cBhvr>
-                                      <p:to>
-                                        <p:strVal val="visible"/>
-                                      </p:to>
-                                    </p:set>
-                                  </p:childTnLst>
-                                </p:cTn>
-                              </p:par>
-                              <p:par>
-                                <p:cTn id="21" presetID="1" presetClass="entr" presetSubtype="0" fill="hold" grpId="0" nodeType="withEffect">
-                                  <p:stCondLst>
-                                    <p:cond delay="0"/>
-                                  </p:stCondLst>
-                                  <p:childTnLst>
-                                    <p:set>
-                                      <p:cBhvr>
-                                        <p:cTn id="22" dur="1" fill="hold">
-                                          <p:stCondLst>
-                                            <p:cond delay="0"/>
-                                          </p:stCondLst>
-                                        </p:cTn>
-                                        <p:tgtEl>
-                                          <p:spTgt spid="3">
-                                            <p:txEl>
-                                              <p:pRg st="5" end="5"/>
-                                            </p:txEl>
-                                          </p:spTgt>
-                                        </p:tgtEl>
-                                        <p:attrNameLst>
-                                          <p:attrName>style.visibility</p:attrName>
-                                        </p:attrNameLst>
-                                      </p:cBhvr>
-                                      <p:to>
-                                        <p:strVal val="visible"/>
-                                      </p:to>
-                                    </p:set>
-                                  </p:childTnLst>
-                                </p:cTn>
-                              </p:par>
-                            </p:childTnLst>
-                          </p:cTn>
-                        </p:par>
-                      </p:childTnLst>
-                    </p:cTn>
-                  </p:par>
-                  <p:par>
-                    <p:cTn id="23" fill="hold">
-                      <p:stCondLst>
-                        <p:cond delay="indefinite"/>
-                      </p:stCondLst>
-                      <p:childTnLst>
-                        <p:par>
-                          <p:cTn id="24" fill="hold">
-                            <p:stCondLst>
-                              <p:cond delay="0"/>
-                            </p:stCondLst>
-                            <p:childTnLst>
-                              <p:par>
-                                <p:cTn id="25" presetID="1" presetClass="entr" presetSubtype="0" fill="hold" grpId="0" nodeType="clickEffect">
-                                  <p:stCondLst>
-                                    <p:cond delay="0"/>
-                                  </p:stCondLst>
-                                  <p:childTnLst>
-                                    <p:set>
-                                      <p:cBhvr>
-                                        <p:cTn id="26" dur="1" fill="hold">
-                                          <p:stCondLst>
-                                            <p:cond delay="0"/>
-                                          </p:stCondLst>
-                                        </p:cTn>
-                                        <p:tgtEl>
-                                          <p:spTgt spid="3">
-                                            <p:txEl>
-                                              <p:pRg st="6" end="6"/>
-                                            </p:txEl>
-                                          </p:spTgt>
-                                        </p:tgtEl>
-                                        <p:attrNameLst>
-                                          <p:attrName>style.visibility</p:attrName>
-                                        </p:attrNameLst>
-                                      </p:cBhvr>
-                                      <p:to>
-                                        <p:strVal val="visible"/>
-                                      </p:to>
-                                    </p:set>
-                                  </p:childTnLst>
-                                </p:cTn>
-                              </p:par>
-                              <p:par>
-                                <p:cTn id="27" presetID="1" presetClass="entr" presetSubtype="0" fill="hold" grpId="0" nodeType="withEffect">
-                                  <p:stCondLst>
-                                    <p:cond delay="0"/>
-                                  </p:stCondLst>
-                                  <p:childTnLst>
-                                    <p:set>
-                                      <p:cBhvr>
-                                        <p:cTn id="28" dur="1" fill="hold">
-                                          <p:stCondLst>
-                                            <p:cond delay="0"/>
-                                          </p:stCondLst>
-                                        </p:cTn>
-                                        <p:tgtEl>
-                                          <p:spTgt spid="3">
-                                            <p:txEl>
-                                              <p:pRg st="7" end="7"/>
-                                            </p:txEl>
-                                          </p:spTgt>
-                                        </p:tgtEl>
-                                        <p:attrNameLst>
-                                          <p:attrName>style.visibility</p:attrName>
-                                        </p:attrNameLst>
-                                      </p:cBhvr>
-                                      <p:to>
-                                        <p:strVal val="visible"/>
-                                      </p:to>
-                                    </p:set>
-                                  </p:childTnLst>
-                                </p:cTn>
-                              </p:par>
-                              <p:par>
-                                <p:cTn id="29" presetID="1" presetClass="entr" presetSubtype="0" fill="hold" grpId="0" nodeType="withEffect">
-                                  <p:stCondLst>
-                                    <p:cond delay="0"/>
-                                  </p:stCondLst>
-                                  <p:childTnLst>
-                                    <p:set>
-                                      <p:cBhvr>
-                                        <p:cTn id="30" dur="1" fill="hold">
-                                          <p:stCondLst>
-                                            <p:cond delay="0"/>
-                                          </p:stCondLst>
-                                        </p:cTn>
-                                        <p:tgtEl>
-                                          <p:spTgt spid="3">
-                                            <p:txEl>
-                                              <p:pRg st="8" end="8"/>
-                                            </p:txEl>
-                                          </p:spTgt>
-                                        </p:tgtEl>
-                                        <p:attrNameLst>
-                                          <p:attrName>style.visibility</p:attrName>
-                                        </p:attrNameLst>
-                                      </p:cBhvr>
-                                      <p:to>
-                                        <p:strVal val="visible"/>
-                                      </p:to>
-                                    </p:set>
-                                  </p:childTnLst>
-                                </p:cTn>
-                              </p:par>
-                              <p:par>
-                                <p:cTn id="31" presetID="1" presetClass="entr" presetSubtype="0" fill="hold" grpId="0" nodeType="withEffect">
-                                  <p:stCondLst>
-                                    <p:cond delay="0"/>
-                                  </p:stCondLst>
-                                  <p:childTnLst>
-                                    <p:set>
-                                      <p:cBhvr>
-                                        <p:cTn id="32" dur="1" fill="hold">
-                                          <p:stCondLst>
-                                            <p:cond delay="0"/>
-                                          </p:stCondLst>
-                                        </p:cTn>
-                                        <p:tgtEl>
-                                          <p:spTgt spid="3">
-                                            <p:txEl>
-                                              <p:pRg st="9" end="9"/>
-                                            </p:txEl>
-                                          </p:spTgt>
-                                        </p:tgtEl>
-                                        <p:attrNameLst>
-                                          <p:attrName>style.visibility</p:attrName>
-                                        </p:attrNameLst>
-                                      </p:cBhvr>
-                                      <p:to>
-                                        <p:strVal val="visible"/>
-                                      </p:to>
-                                    </p:set>
-                                  </p:childTnLst>
-                                </p:cTn>
-                              </p:par>
-                            </p:childTnLst>
-                          </p:cTn>
-                        </p:par>
-                      </p:childTnLst>
-                    </p:cTn>
-                  </p:par>
-                </p:childTnLst>
-              </p:cTn>
-              <p:prevCondLst>
-                <p:cond evt="onPrev" delay="0">
-                  <p:tgtEl>
-                    <p:sldTgt/>
-                  </p:tgtEl>
-                </p:cond>
-              </p:prevCondLst>
-              <p:nextCondLst>
-                <p:cond evt="onNext" delay="0">
-                  <p:tgtEl>
-                    <p:sldTgt/>
-                  </p:tgtEl>
-                </p:cond>
-              </p:nextCondLst>
-            </p:seq>
-          </p:childTnLst>
-        </p:cTn>
-      </p:par>
-    </p:tnLst>
-    <p:bldLst>
-      <p:bldP spid="3" grpId="0" uiExpand="1" build="p"/>
-      <p:bldP spid="5" grpId="0" animBg="1"/>
-    </p:bldLst>
-  </p:timing>
-</p:sld>
-</file>
-
-<file path=ppt/slides/slide20.xml><?xml version="1.0" encoding="utf-8"?>
-<p:sld xmlns:a="http://schemas.openxmlformats.org/drawingml/2006/main" xmlns:r="http://schemas.openxmlformats.org/officeDocument/2006/relationships" xmlns:p="http://schemas.openxmlformats.org/presentationml/2006/main">
-  <p:cSld>
-    <p:spTree>
-      <p:nvGrpSpPr>
-        <p:cNvPr id="1" name=""/>
-        <p:cNvGrpSpPr/>
-        <p:nvPr/>
-      </p:nvGrpSpPr>
-      <p:grpSpPr>
-        <a:xfrm>
-          <a:off x="0" y="0"/>
-          <a:ext cx="0" cy="0"/>
-          <a:chOff x="0" y="0"/>
-          <a:chExt cx="0" cy="0"/>
-        </a:xfrm>
-      </p:grpSpPr>
-      <p:sp>
-        <p:nvSpPr>
-          <p:cNvPr id="2" name="Title 1"/>
-          <p:cNvSpPr>
-            <a:spLocks noGrp="1"/>
-          </p:cNvSpPr>
-          <p:nvPr>
-            <p:ph type="title"/>
-          </p:nvPr>
-        </p:nvSpPr>
-        <p:spPr/>
-        <p:txBody>
-          <a:bodyPr/>
-          <a:lstStyle/>
-          <a:p>
-            <a:r>
-              <a:rPr lang="en-US" dirty="0" smtClean="0"/>
               <a:t>Writing </a:t>
             </a:r>
             <a:r>
@@ -13167,7 +14217,7 @@
                 </a:solidFill>
               </a:rPr>
               <a:pPr/>
-              <a:t>20</a:t>
+              <a:t>22</a:t>
             </a:fld>
             <a:endParaRPr lang="nl-BE">
               <a:solidFill>
@@ -14351,7 +15401,7 @@
 </p:sld>
 </file>
 
-<file path=ppt/slides/slide21.xml><?xml version="1.0" encoding="utf-8"?>
+<file path=ppt/slides/slide23.xml><?xml version="1.0" encoding="utf-8"?>
 <p:sld xmlns:a="http://schemas.openxmlformats.org/drawingml/2006/main" xmlns:r="http://schemas.openxmlformats.org/officeDocument/2006/relationships" xmlns:p="http://schemas.openxmlformats.org/presentationml/2006/main">
   <p:cSld>
     <p:spTree>
@@ -14452,7 +15502,7 @@
                 </a:solidFill>
               </a:rPr>
               <a:pPr/>
-              <a:t>21</a:t>
+              <a:t>23</a:t>
             </a:fld>
             <a:endParaRPr lang="nl-BE">
               <a:solidFill>
@@ -14486,7 +15536,7 @@
           <a:graphicData uri="http://schemas.openxmlformats.org/presentationml/2006/ole">
             <mc:AlternateContent xmlns:mc="http://schemas.openxmlformats.org/markup-compatibility/2006">
               <mc:Choice xmlns:v="urn:schemas-microsoft-com:vml" Requires="v">
-                <p:oleObj spid="_x0000_s1036" name="Equation" r:id="rId3" imgW="2082600" imgH="609480" progId="Equation.3">
+                <p:oleObj spid="_x0000_s1045" name="Equation" r:id="rId3" imgW="2082600" imgH="609480" progId="Equation.3">
                   <p:embed/>
                 </p:oleObj>
               </mc:Choice>
@@ -14543,7 +15593,7 @@
           <a:graphicData uri="http://schemas.openxmlformats.org/presentationml/2006/ole">
             <mc:AlternateContent xmlns:mc="http://schemas.openxmlformats.org/markup-compatibility/2006">
               <mc:Choice xmlns:v="urn:schemas-microsoft-com:vml" Requires="v">
-                <p:oleObj spid="_x0000_s1037" name="Equation" r:id="rId5" imgW="3466800" imgH="634680" progId="Equation.3">
+                <p:oleObj spid="_x0000_s1046" name="Equation" r:id="rId5" imgW="3466800" imgH="634680" progId="Equation.3">
                   <p:embed/>
                 </p:oleObj>
               </mc:Choice>
@@ -14600,7 +15650,7 @@
           <a:graphicData uri="http://schemas.openxmlformats.org/presentationml/2006/ole">
             <mc:AlternateContent xmlns:mc="http://schemas.openxmlformats.org/markup-compatibility/2006">
               <mc:Choice xmlns:v="urn:schemas-microsoft-com:vml" Requires="v">
-                <p:oleObj spid="_x0000_s1038" name="Equation" r:id="rId7" imgW="2717640" imgH="228600" progId="Equation.3">
+                <p:oleObj spid="_x0000_s1047" name="Equation" r:id="rId7" imgW="2717640" imgH="228600" progId="Equation.3">
                   <p:embed/>
                 </p:oleObj>
               </mc:Choice>
@@ -14655,7 +15705,7 @@
 </p:sld>
 </file>
 
-<file path=ppt/slides/slide22.xml><?xml version="1.0" encoding="utf-8"?>
+<file path=ppt/slides/slide24.xml><?xml version="1.0" encoding="utf-8"?>
 <p:sld xmlns:a="http://schemas.openxmlformats.org/drawingml/2006/main" xmlns:r="http://schemas.openxmlformats.org/officeDocument/2006/relationships" xmlns:p="http://schemas.openxmlformats.org/presentationml/2006/main">
   <p:cSld>
     <p:spTree>
@@ -14920,7 +15970,7 @@
                 </a:solidFill>
               </a:rPr>
               <a:pPr/>
-              <a:t>22</a:t>
+              <a:t>24</a:t>
             </a:fld>
             <a:endParaRPr lang="nl-BE">
               <a:solidFill>
